--- a/emulsion-concentrates-short.pptx
+++ b/emulsion-concentrates-short.pptx
@@ -9,9 +9,10 @@
     <p:sldId id="268" r:id="rId3"/>
     <p:sldId id="269" r:id="rId4"/>
     <p:sldId id="270" r:id="rId5"/>
-    <p:sldId id="271" r:id="rId6"/>
-    <p:sldId id="272" r:id="rId7"/>
-    <p:sldId id="273" r:id="rId8"/>
+    <p:sldId id="274" r:id="rId6"/>
+    <p:sldId id="271" r:id="rId7"/>
+    <p:sldId id="272" r:id="rId8"/>
+    <p:sldId id="273" r:id="rId9"/>
   </p:sldIdLst>
   <p:sldSz cx="12192000" cy="6858000"/>
   <p:notesSz cx="6858000" cy="9144000"/>
@@ -2971,8 +2972,8 @@
         </p:nvSpPr>
         <p:spPr>
           <a:xfrm>
-            <a:off x="3942996" y="1338291"/>
-            <a:ext cx="7278915" cy="2308324"/>
+            <a:off x="3942996" y="2557480"/>
+            <a:ext cx="7278915" cy="923330"/>
           </a:xfrm>
           <a:prstGeom prst="rect">
             <a:avLst/>
@@ -2987,7 +2988,7 @@
           <a:p>
             <a:pPr algn="ctr"/>
             <a:r>
-              <a:rPr lang="en-US" sz="7200" dirty="0" err="1">
+              <a:rPr lang="en-US" sz="5400" dirty="0" err="1">
                 <a:solidFill>
                   <a:srgbClr val="FF5969"/>
                 </a:solidFill>
@@ -2995,16 +2996,17 @@
               </a:rPr>
               <a:t>koncentrált</a:t>
             </a:r>
-            <a:br>
-              <a:rPr lang="en-US" sz="7200" dirty="0">
+            <a:r>
+              <a:rPr lang="en-US" sz="5400" dirty="0">
                 <a:solidFill>
                   <a:srgbClr val="FF5969"/>
                 </a:solidFill>
                 <a:latin typeface="Tw Cen MT" panose="020B0602020104020603" pitchFamily="34" charset="0"/>
               </a:rPr>
-            </a:br>
+              <a:t> </a:t>
+            </a:r>
             <a:r>
-              <a:rPr lang="en-US" sz="7200" dirty="0" err="1">
+              <a:rPr lang="en-US" sz="5400" dirty="0" err="1">
                 <a:solidFill>
                   <a:srgbClr val="FF5969"/>
                 </a:solidFill>
@@ -3012,7 +3014,7 @@
               </a:rPr>
               <a:t>emulziók</a:t>
             </a:r>
-            <a:endParaRPr lang="en-US" sz="7200" dirty="0">
+            <a:endParaRPr lang="en-US" sz="5400" dirty="0">
               <a:solidFill>
                 <a:srgbClr val="FF5969"/>
               </a:solidFill>
@@ -3035,10 +3037,10 @@
         </p:nvGrpSpPr>
         <p:grpSpPr>
           <a:xfrm>
-            <a:off x="5556262" y="4639716"/>
-            <a:ext cx="4140553" cy="451824"/>
-            <a:chOff x="4679586" y="878988"/>
-            <a:chExt cx="1745757" cy="190500"/>
+            <a:off x="5648692" y="4155619"/>
+            <a:ext cx="3955694" cy="266965"/>
+            <a:chOff x="4757527" y="878988"/>
+            <a:chExt cx="1667816" cy="112559"/>
           </a:xfrm>
         </p:grpSpPr>
         <p:sp>
@@ -3055,8 +3057,8 @@
           </p:nvSpPr>
           <p:spPr>
             <a:xfrm>
-              <a:off x="4679586" y="878988"/>
-              <a:ext cx="190500" cy="190500"/>
+              <a:off x="4757527" y="878988"/>
+              <a:ext cx="112559" cy="112559"/>
             </a:xfrm>
             <a:prstGeom prst="ellipse">
               <a:avLst/>
@@ -3107,8 +3109,8 @@
           </p:nvSpPr>
           <p:spPr>
             <a:xfrm>
-              <a:off x="4990736" y="878988"/>
-              <a:ext cx="190500" cy="190500"/>
+              <a:off x="5068677" y="878988"/>
+              <a:ext cx="112559" cy="112559"/>
             </a:xfrm>
             <a:prstGeom prst="ellipse">
               <a:avLst/>
@@ -3159,8 +3161,8 @@
           </p:nvSpPr>
           <p:spPr>
             <a:xfrm>
-              <a:off x="5301522" y="878988"/>
-              <a:ext cx="190500" cy="190500"/>
+              <a:off x="5379463" y="878988"/>
+              <a:ext cx="112559" cy="112559"/>
             </a:xfrm>
             <a:prstGeom prst="ellipse">
               <a:avLst/>
@@ -3211,8 +3213,8 @@
           </p:nvSpPr>
           <p:spPr>
             <a:xfrm>
-              <a:off x="5612308" y="878988"/>
-              <a:ext cx="190500" cy="190500"/>
+              <a:off x="5690249" y="878988"/>
+              <a:ext cx="112559" cy="112559"/>
             </a:xfrm>
             <a:prstGeom prst="ellipse">
               <a:avLst/>
@@ -3263,8 +3265,8 @@
           </p:nvSpPr>
           <p:spPr>
             <a:xfrm>
-              <a:off x="5923575" y="878988"/>
-              <a:ext cx="190500" cy="190500"/>
+              <a:off x="6001515" y="878988"/>
+              <a:ext cx="112559" cy="112559"/>
             </a:xfrm>
             <a:prstGeom prst="ellipse">
               <a:avLst/>
@@ -3315,8 +3317,8 @@
           </p:nvSpPr>
           <p:spPr>
             <a:xfrm>
-              <a:off x="6234843" y="878988"/>
-              <a:ext cx="190500" cy="190500"/>
+              <a:off x="6312784" y="878988"/>
+              <a:ext cx="112559" cy="112559"/>
             </a:xfrm>
             <a:prstGeom prst="ellipse">
               <a:avLst/>
@@ -3368,8 +3370,8 @@
         </p:nvSpPr>
         <p:spPr>
           <a:xfrm>
-            <a:off x="3987082" y="3759023"/>
-            <a:ext cx="7278915" cy="523220"/>
+            <a:off x="3987082" y="3543875"/>
+            <a:ext cx="7278915" cy="400110"/>
           </a:xfrm>
           <a:prstGeom prst="rect">
             <a:avLst/>
@@ -3384,7 +3386,7 @@
           <a:p>
             <a:pPr algn="ctr"/>
             <a:r>
-              <a:rPr lang="en-US" sz="2800" dirty="0">
+              <a:rPr lang="en-US" sz="2000" dirty="0">
                 <a:solidFill>
                   <a:srgbClr val="5D7373"/>
                 </a:solidFill>
@@ -3393,7 +3395,7 @@
               <a:t>dr. Bohus </a:t>
             </a:r>
             <a:r>
-              <a:rPr lang="en-US" sz="2800" dirty="0" err="1">
+              <a:rPr lang="en-US" sz="2000" dirty="0" err="1">
                 <a:solidFill>
                   <a:srgbClr val="5D7373"/>
                 </a:solidFill>
@@ -3401,7 +3403,7 @@
               </a:rPr>
               <a:t>Péter</a:t>
             </a:r>
-            <a:endParaRPr lang="en-US" sz="2800" dirty="0">
+            <a:endParaRPr lang="en-US" sz="2000" dirty="0">
               <a:solidFill>
                 <a:srgbClr val="5D7373"/>
               </a:solidFill>
@@ -7927,21 +7929,30 @@
                             </p:childTnLst>
                           </p:cTn>
                         </p:par>
+                      </p:childTnLst>
+                    </p:cTn>
+                  </p:par>
+                  <p:par>
+                    <p:cTn id="10" fill="hold">
+                      <p:stCondLst>
+                        <p:cond delay="indefinite"/>
+                      </p:stCondLst>
+                      <p:childTnLst>
                         <p:par>
-                          <p:cTn id="10" fill="hold">
+                          <p:cTn id="11" fill="hold">
                             <p:stCondLst>
-                              <p:cond delay="500"/>
+                              <p:cond delay="0"/>
                             </p:stCondLst>
                             <p:childTnLst>
                               <p:par>
-                                <p:cTn id="11" presetID="42" presetClass="entr" presetSubtype="0" fill="hold" grpId="0" nodeType="afterEffect">
+                                <p:cTn id="12" presetID="42" presetClass="entr" presetSubtype="0" fill="hold" grpId="0" nodeType="clickEffect">
                                   <p:stCondLst>
                                     <p:cond delay="0"/>
                                   </p:stCondLst>
                                   <p:childTnLst>
                                     <p:set>
                                       <p:cBhvr>
-                                        <p:cTn id="12" dur="1" fill="hold">
+                                        <p:cTn id="13" dur="1" fill="hold">
                                           <p:stCondLst>
                                             <p:cond delay="0"/>
                                           </p:stCondLst>
@@ -7959,7 +7970,7 @@
                                     </p:set>
                                     <p:animEffect transition="in" filter="fade">
                                       <p:cBhvr>
-                                        <p:cTn id="13" dur="1000"/>
+                                        <p:cTn id="14" dur="1000"/>
                                         <p:tgtEl>
                                           <p:spTgt spid="6"/>
                                         </p:tgtEl>
@@ -7967,7 +7978,7 @@
                                     </p:animEffect>
                                     <p:anim calcmode="lin" valueType="num">
                                       <p:cBhvr>
-                                        <p:cTn id="14" dur="1000" fill="hold"/>
+                                        <p:cTn id="15" dur="1000" fill="hold"/>
                                         <p:tgtEl>
                                           <p:spTgt spid="6"/>
                                         </p:tgtEl>
@@ -7990,7 +8001,7 @@
                                     </p:anim>
                                     <p:anim calcmode="lin" valueType="num">
                                       <p:cBhvr>
-                                        <p:cTn id="15" dur="1000" fill="hold"/>
+                                        <p:cTn id="16" dur="1000" fill="hold"/>
                                         <p:tgtEl>
                                           <p:spTgt spid="6"/>
                                         </p:tgtEl>
@@ -8018,20 +8029,20 @@
                           </p:cTn>
                         </p:par>
                         <p:par>
-                          <p:cTn id="16" fill="hold">
+                          <p:cTn id="17" fill="hold">
                             <p:stCondLst>
-                              <p:cond delay="1500"/>
+                              <p:cond delay="1000"/>
                             </p:stCondLst>
                             <p:childTnLst>
                               <p:par>
-                                <p:cTn id="17" presetID="31" presetClass="entr" presetSubtype="0" fill="hold" nodeType="afterEffect">
+                                <p:cTn id="18" presetID="31" presetClass="entr" presetSubtype="0" fill="hold" nodeType="afterEffect">
                                   <p:stCondLst>
                                     <p:cond delay="0"/>
                                   </p:stCondLst>
                                   <p:childTnLst>
                                     <p:set>
                                       <p:cBhvr>
-                                        <p:cTn id="18" dur="1" fill="hold">
+                                        <p:cTn id="19" dur="1" fill="hold">
                                           <p:stCondLst>
                                             <p:cond delay="0"/>
                                           </p:stCondLst>
@@ -8049,7 +8060,7 @@
                                     </p:set>
                                     <p:anim calcmode="lin" valueType="num">
                                       <p:cBhvr>
-                                        <p:cTn id="19" dur="1000" fill="hold"/>
+                                        <p:cTn id="20" dur="500" fill="hold"/>
                                         <p:tgtEl>
                                           <p:spTgt spid="25"/>
                                         </p:tgtEl>
@@ -8072,7 +8083,7 @@
                                     </p:anim>
                                     <p:anim calcmode="lin" valueType="num">
                                       <p:cBhvr>
-                                        <p:cTn id="20" dur="1000" fill="hold"/>
+                                        <p:cTn id="21" dur="500" fill="hold"/>
                                         <p:tgtEl>
                                           <p:spTgt spid="25"/>
                                         </p:tgtEl>
@@ -8095,7 +8106,7 @@
                                     </p:anim>
                                     <p:anim calcmode="lin" valueType="num">
                                       <p:cBhvr>
-                                        <p:cTn id="21" dur="1000" fill="hold"/>
+                                        <p:cTn id="22" dur="500" fill="hold"/>
                                         <p:tgtEl>
                                           <p:spTgt spid="25"/>
                                         </p:tgtEl>
@@ -8118,7 +8129,7 @@
                                     </p:anim>
                                     <p:animEffect transition="in" filter="fade">
                                       <p:cBhvr>
-                                        <p:cTn id="22" dur="1000"/>
+                                        <p:cTn id="23" dur="500"/>
                                         <p:tgtEl>
                                           <p:spTgt spid="25"/>
                                         </p:tgtEl>
@@ -8128,14 +8139,14 @@
                                 </p:cTn>
                               </p:par>
                               <p:par>
-                                <p:cTn id="23" presetID="10" presetClass="entr" presetSubtype="0" fill="hold" grpId="0" nodeType="withEffect">
+                                <p:cTn id="24" presetID="10" presetClass="entr" presetSubtype="0" fill="hold" grpId="0" nodeType="withEffect">
                                   <p:stCondLst>
                                     <p:cond delay="0"/>
                                   </p:stCondLst>
                                   <p:childTnLst>
                                     <p:set>
                                       <p:cBhvr>
-                                        <p:cTn id="24" dur="1" fill="hold">
+                                        <p:cTn id="25" dur="1" fill="hold">
                                           <p:stCondLst>
                                             <p:cond delay="0"/>
                                           </p:stCondLst>
@@ -8153,7 +8164,7 @@
                                     </p:set>
                                     <p:animEffect transition="in" filter="fade">
                                       <p:cBhvr>
-                                        <p:cTn id="25" dur="500"/>
+                                        <p:cTn id="26" dur="500"/>
                                         <p:tgtEl>
                                           <p:spTgt spid="14"/>
                                         </p:tgtEl>
@@ -8166,20 +8177,20 @@
                           </p:cTn>
                         </p:par>
                         <p:par>
-                          <p:cTn id="26" fill="hold">
+                          <p:cTn id="27" fill="hold">
                             <p:stCondLst>
-                              <p:cond delay="2500"/>
+                              <p:cond delay="1500"/>
                             </p:stCondLst>
                             <p:childTnLst>
                               <p:par>
-                                <p:cTn id="27" presetID="31" presetClass="entr" presetSubtype="0" fill="hold" nodeType="afterEffect">
+                                <p:cTn id="28" presetID="31" presetClass="entr" presetSubtype="0" fill="hold" nodeType="afterEffect">
                                   <p:stCondLst>
                                     <p:cond delay="0"/>
                                   </p:stCondLst>
                                   <p:childTnLst>
                                     <p:set>
                                       <p:cBhvr>
-                                        <p:cTn id="28" dur="1" fill="hold">
+                                        <p:cTn id="29" dur="1" fill="hold">
                                           <p:stCondLst>
                                             <p:cond delay="0"/>
                                           </p:stCondLst>
@@ -8197,7 +8208,7 @@
                                     </p:set>
                                     <p:anim calcmode="lin" valueType="num">
                                       <p:cBhvr>
-                                        <p:cTn id="29" dur="1000" fill="hold"/>
+                                        <p:cTn id="30" dur="500" fill="hold"/>
                                         <p:tgtEl>
                                           <p:spTgt spid="26"/>
                                         </p:tgtEl>
@@ -8220,7 +8231,7 @@
                                     </p:anim>
                                     <p:anim calcmode="lin" valueType="num">
                                       <p:cBhvr>
-                                        <p:cTn id="30" dur="1000" fill="hold"/>
+                                        <p:cTn id="31" dur="500" fill="hold"/>
                                         <p:tgtEl>
                                           <p:spTgt spid="26"/>
                                         </p:tgtEl>
@@ -8243,7 +8254,7 @@
                                     </p:anim>
                                     <p:anim calcmode="lin" valueType="num">
                                       <p:cBhvr>
-                                        <p:cTn id="31" dur="1000" fill="hold"/>
+                                        <p:cTn id="32" dur="500" fill="hold"/>
                                         <p:tgtEl>
                                           <p:spTgt spid="26"/>
                                         </p:tgtEl>
@@ -8266,7 +8277,7 @@
                                     </p:anim>
                                     <p:animEffect transition="in" filter="fade">
                                       <p:cBhvr>
-                                        <p:cTn id="32" dur="1000"/>
+                                        <p:cTn id="33" dur="500"/>
                                         <p:tgtEl>
                                           <p:spTgt spid="26"/>
                                         </p:tgtEl>
@@ -8276,14 +8287,14 @@
                                 </p:cTn>
                               </p:par>
                               <p:par>
-                                <p:cTn id="33" presetID="10" presetClass="entr" presetSubtype="0" fill="hold" grpId="0" nodeType="withEffect">
+                                <p:cTn id="34" presetID="10" presetClass="entr" presetSubtype="0" fill="hold" grpId="0" nodeType="withEffect">
                                   <p:stCondLst>
                                     <p:cond delay="0"/>
                                   </p:stCondLst>
                                   <p:childTnLst>
                                     <p:set>
                                       <p:cBhvr>
-                                        <p:cTn id="34" dur="1" fill="hold">
+                                        <p:cTn id="35" dur="1" fill="hold">
                                           <p:stCondLst>
                                             <p:cond delay="0"/>
                                           </p:stCondLst>
@@ -8301,7 +8312,7 @@
                                     </p:set>
                                     <p:animEffect transition="in" filter="fade">
                                       <p:cBhvr>
-                                        <p:cTn id="35" dur="500"/>
+                                        <p:cTn id="36" dur="500"/>
                                         <p:tgtEl>
                                           <p:spTgt spid="15"/>
                                         </p:tgtEl>
@@ -8314,20 +8325,20 @@
                           </p:cTn>
                         </p:par>
                         <p:par>
-                          <p:cTn id="36" fill="hold">
+                          <p:cTn id="37" fill="hold">
                             <p:stCondLst>
-                              <p:cond delay="3500"/>
+                              <p:cond delay="2000"/>
                             </p:stCondLst>
                             <p:childTnLst>
                               <p:par>
-                                <p:cTn id="37" presetID="31" presetClass="entr" presetSubtype="0" fill="hold" nodeType="afterEffect">
+                                <p:cTn id="38" presetID="31" presetClass="entr" presetSubtype="0" fill="hold" nodeType="afterEffect">
                                   <p:stCondLst>
                                     <p:cond delay="0"/>
                                   </p:stCondLst>
                                   <p:childTnLst>
                                     <p:set>
                                       <p:cBhvr>
-                                        <p:cTn id="38" dur="1" fill="hold">
+                                        <p:cTn id="39" dur="1" fill="hold">
                                           <p:stCondLst>
                                             <p:cond delay="0"/>
                                           </p:stCondLst>
@@ -8345,7 +8356,7 @@
                                     </p:set>
                                     <p:anim calcmode="lin" valueType="num">
                                       <p:cBhvr>
-                                        <p:cTn id="39" dur="1000" fill="hold"/>
+                                        <p:cTn id="40" dur="500" fill="hold"/>
                                         <p:tgtEl>
                                           <p:spTgt spid="27"/>
                                         </p:tgtEl>
@@ -8368,7 +8379,7 @@
                                     </p:anim>
                                     <p:anim calcmode="lin" valueType="num">
                                       <p:cBhvr>
-                                        <p:cTn id="40" dur="1000" fill="hold"/>
+                                        <p:cTn id="41" dur="500" fill="hold"/>
                                         <p:tgtEl>
                                           <p:spTgt spid="27"/>
                                         </p:tgtEl>
@@ -8391,7 +8402,7 @@
                                     </p:anim>
                                     <p:anim calcmode="lin" valueType="num">
                                       <p:cBhvr>
-                                        <p:cTn id="41" dur="1000" fill="hold"/>
+                                        <p:cTn id="42" dur="500" fill="hold"/>
                                         <p:tgtEl>
                                           <p:spTgt spid="27"/>
                                         </p:tgtEl>
@@ -8414,7 +8425,7 @@
                                     </p:anim>
                                     <p:animEffect transition="in" filter="fade">
                                       <p:cBhvr>
-                                        <p:cTn id="42" dur="1000"/>
+                                        <p:cTn id="43" dur="500"/>
                                         <p:tgtEl>
                                           <p:spTgt spid="27"/>
                                         </p:tgtEl>
@@ -8424,14 +8435,14 @@
                                 </p:cTn>
                               </p:par>
                               <p:par>
-                                <p:cTn id="43" presetID="10" presetClass="entr" presetSubtype="0" fill="hold" grpId="0" nodeType="withEffect">
+                                <p:cTn id="44" presetID="10" presetClass="entr" presetSubtype="0" fill="hold" grpId="0" nodeType="withEffect">
                                   <p:stCondLst>
                                     <p:cond delay="0"/>
                                   </p:stCondLst>
                                   <p:childTnLst>
                                     <p:set>
                                       <p:cBhvr>
-                                        <p:cTn id="44" dur="1" fill="hold">
+                                        <p:cTn id="45" dur="1" fill="hold">
                                           <p:stCondLst>
                                             <p:cond delay="0"/>
                                           </p:stCondLst>
@@ -8449,7 +8460,7 @@
                                     </p:set>
                                     <p:animEffect transition="in" filter="fade">
                                       <p:cBhvr>
-                                        <p:cTn id="45" dur="500"/>
+                                        <p:cTn id="46" dur="500"/>
                                         <p:tgtEl>
                                           <p:spTgt spid="16"/>
                                         </p:tgtEl>
@@ -8462,20 +8473,20 @@
                           </p:cTn>
                         </p:par>
                         <p:par>
-                          <p:cTn id="46" fill="hold">
+                          <p:cTn id="47" fill="hold">
                             <p:stCondLst>
-                              <p:cond delay="4500"/>
+                              <p:cond delay="2500"/>
                             </p:stCondLst>
                             <p:childTnLst>
                               <p:par>
-                                <p:cTn id="47" presetID="10" presetClass="entr" presetSubtype="0" fill="hold" nodeType="afterEffect">
+                                <p:cTn id="48" presetID="22" presetClass="entr" presetSubtype="8" fill="hold" nodeType="afterEffect">
                                   <p:stCondLst>
                                     <p:cond delay="0"/>
                                   </p:stCondLst>
                                   <p:childTnLst>
                                     <p:set>
                                       <p:cBhvr>
-                                        <p:cTn id="48" dur="1" fill="hold">
+                                        <p:cTn id="49" dur="1" fill="hold">
                                           <p:stCondLst>
                                             <p:cond delay="0"/>
                                           </p:stCondLst>
@@ -8491,9 +8502,9 @@
                                         <p:strVal val="visible"/>
                                       </p:to>
                                     </p:set>
-                                    <p:animEffect transition="in" filter="fade">
+                                    <p:animEffect transition="in" filter="wipe(left)">
                                       <p:cBhvr>
-                                        <p:cTn id="49" dur="500"/>
+                                        <p:cTn id="50" dur="500"/>
                                         <p:tgtEl>
                                           <p:spTgt spid="112"/>
                                         </p:tgtEl>
@@ -8506,20 +8517,20 @@
                           </p:cTn>
                         </p:par>
                         <p:par>
-                          <p:cTn id="50" fill="hold">
+                          <p:cTn id="51" fill="hold">
                             <p:stCondLst>
-                              <p:cond delay="5000"/>
+                              <p:cond delay="3000"/>
                             </p:stCondLst>
                             <p:childTnLst>
                               <p:par>
-                                <p:cTn id="51" presetID="10" presetClass="entr" presetSubtype="0" fill="hold" nodeType="afterEffect">
+                                <p:cTn id="52" presetID="22" presetClass="entr" presetSubtype="8" fill="hold" nodeType="afterEffect">
                                   <p:stCondLst>
                                     <p:cond delay="0"/>
                                   </p:stCondLst>
                                   <p:childTnLst>
                                     <p:set>
                                       <p:cBhvr>
-                                        <p:cTn id="52" dur="1" fill="hold">
+                                        <p:cTn id="53" dur="1" fill="hold">
                                           <p:stCondLst>
                                             <p:cond delay="0"/>
                                           </p:stCondLst>
@@ -8535,9 +8546,9 @@
                                         <p:strVal val="visible"/>
                                       </p:to>
                                     </p:set>
-                                    <p:animEffect transition="in" filter="fade">
+                                    <p:animEffect transition="in" filter="wipe(left)">
                                       <p:cBhvr>
-                                        <p:cTn id="53" dur="500"/>
+                                        <p:cTn id="54" dur="500"/>
                                         <p:tgtEl>
                                           <p:spTgt spid="113"/>
                                         </p:tgtEl>
@@ -9933,7 +9944,11 @@
             <a:lstStyle/>
             <a:p>
               <a:pPr algn="ctr"/>
-              <a:endParaRPr lang="en-US" dirty="0"/>
+              <a:endParaRPr lang="en-US" dirty="0">
+                <a:solidFill>
+                  <a:srgbClr val="92D050"/>
+                </a:solidFill>
+              </a:endParaRPr>
             </a:p>
           </p:txBody>
         </p:sp>
@@ -10295,10 +10310,10 @@
       </p:grpSp>
       <p:grpSp>
         <p:nvGrpSpPr>
-          <p:cNvPr id="96" name="Group 95">
+          <p:cNvPr id="60" name="Group 112">
             <a:extLst>
               <a:ext uri="{FF2B5EF4-FFF2-40B4-BE49-F238E27FC236}">
-                <a16:creationId xmlns:a16="http://schemas.microsoft.com/office/drawing/2014/main" id="{183EA2CA-A17F-4A6A-AC3E-6F8757F77880}"/>
+                <a16:creationId xmlns:a16="http://schemas.microsoft.com/office/drawing/2014/main" id="{56698C26-C9F5-4F24-BED1-9A7AA6A66E77}"/>
               </a:ext>
             </a:extLst>
           </p:cNvPr>
@@ -10307,18 +10322,18 @@
         </p:nvGrpSpPr>
         <p:grpSpPr>
           <a:xfrm>
-            <a:off x="7976170" y="1491437"/>
-            <a:ext cx="1805441" cy="1894017"/>
-            <a:chOff x="6381342" y="2182683"/>
-            <a:chExt cx="1805441" cy="1894017"/>
+            <a:off x="3218867" y="2294168"/>
+            <a:ext cx="3197225" cy="805974"/>
+            <a:chOff x="764723" y="2142394"/>
+            <a:chExt cx="3197225" cy="805974"/>
           </a:xfrm>
         </p:grpSpPr>
         <p:sp>
           <p:nvSpPr>
-            <p:cNvPr id="97" name="Rectangle: Top Corners Rounded 96">
-              <a:extLst>
-                <a:ext uri="{FF2B5EF4-FFF2-40B4-BE49-F238E27FC236}">
-                  <a16:creationId xmlns:a16="http://schemas.microsoft.com/office/drawing/2014/main" id="{225A95EB-3596-4C52-91EE-39023E85BE2D}"/>
+            <p:cNvPr id="61" name="Oval 113">
+              <a:extLst>
+                <a:ext uri="{FF2B5EF4-FFF2-40B4-BE49-F238E27FC236}">
+                  <a16:creationId xmlns:a16="http://schemas.microsoft.com/office/drawing/2014/main" id="{C9787D34-3364-47E2-859D-5D35A1D14E5B}"/>
                 </a:ext>
               </a:extLst>
             </p:cNvPr>
@@ -10327,175 +10342,14 @@
           </p:nvSpPr>
           <p:spPr>
             <a:xfrm>
-              <a:off x="6488272" y="2209800"/>
-              <a:ext cx="1591582" cy="1866900"/>
-            </a:xfrm>
-            <a:prstGeom prst="round2SameRect">
-              <a:avLst>
-                <a:gd name="adj1" fmla="val 12063"/>
-                <a:gd name="adj2" fmla="val 0"/>
-              </a:avLst>
+              <a:off x="764723" y="2277144"/>
+              <a:ext cx="662056" cy="662056"/>
+            </a:xfrm>
+            <a:prstGeom prst="ellipse">
+              <a:avLst/>
             </a:prstGeom>
             <a:solidFill>
-              <a:srgbClr val="FEC630"/>
-            </a:solidFill>
-            <a:ln>
-              <a:noFill/>
-            </a:ln>
-          </p:spPr>
-          <p:style>
-            <a:lnRef idx="2">
-              <a:schemeClr val="accent1">
-                <a:shade val="50000"/>
-              </a:schemeClr>
-            </a:lnRef>
-            <a:fillRef idx="1">
-              <a:schemeClr val="accent1"/>
-            </a:fillRef>
-            <a:effectRef idx="0">
-              <a:schemeClr val="accent1"/>
-            </a:effectRef>
-            <a:fontRef idx="minor">
-              <a:schemeClr val="lt1"/>
-            </a:fontRef>
-          </p:style>
-          <p:txBody>
-            <a:bodyPr rtlCol="0" anchor="ctr"/>
-            <a:lstStyle/>
-            <a:p>
-              <a:pPr algn="ctr"/>
-              <a:endParaRPr lang="en-US" dirty="0"/>
-            </a:p>
-          </p:txBody>
-        </p:sp>
-        <p:sp>
-          <p:nvSpPr>
-            <p:cNvPr id="98" name="TextBox 97">
-              <a:extLst>
-                <a:ext uri="{FF2B5EF4-FFF2-40B4-BE49-F238E27FC236}">
-                  <a16:creationId xmlns:a16="http://schemas.microsoft.com/office/drawing/2014/main" id="{D9A6427C-7201-480C-B8BA-C01C9BCA7B52}"/>
-                </a:ext>
-              </a:extLst>
-            </p:cNvPr>
-            <p:cNvSpPr txBox="1"/>
-            <p:nvPr/>
-          </p:nvSpPr>
-          <p:spPr>
-            <a:xfrm>
-              <a:off x="6381342" y="2182683"/>
-              <a:ext cx="1805441" cy="646331"/>
-            </a:xfrm>
-            <a:prstGeom prst="rect">
-              <a:avLst/>
-            </a:prstGeom>
-            <a:noFill/>
-          </p:spPr>
-          <p:txBody>
-            <a:bodyPr wrap="square" rtlCol="0">
-              <a:spAutoFit/>
-            </a:bodyPr>
-            <a:lstStyle/>
-            <a:p>
-              <a:pPr algn="ctr"/>
-              <a:r>
-                <a:rPr lang="en-US" sz="3600" b="1" dirty="0">
-                  <a:solidFill>
-                    <a:srgbClr val="E6E7E9"/>
-                  </a:solidFill>
-                  <a:latin typeface="Tw Cen MT" panose="020B0602020104020603" pitchFamily="34" charset="0"/>
-                </a:rPr>
-                <a:t>2018</a:t>
-              </a:r>
-            </a:p>
-          </p:txBody>
-        </p:sp>
-        <p:sp>
-          <p:nvSpPr>
-            <p:cNvPr id="99" name="TextBox 98">
-              <a:extLst>
-                <a:ext uri="{FF2B5EF4-FFF2-40B4-BE49-F238E27FC236}">
-                  <a16:creationId xmlns:a16="http://schemas.microsoft.com/office/drawing/2014/main" id="{74F68486-5533-4B47-B6BA-92533CBB4036}"/>
-                </a:ext>
-              </a:extLst>
-            </p:cNvPr>
-            <p:cNvSpPr txBox="1"/>
-            <p:nvPr/>
-          </p:nvSpPr>
-          <p:spPr>
-            <a:xfrm>
-              <a:off x="6836846" y="2563851"/>
-              <a:ext cx="894432" cy="1015663"/>
-            </a:xfrm>
-            <a:prstGeom prst="rect">
-              <a:avLst/>
-            </a:prstGeom>
-            <a:noFill/>
-          </p:spPr>
-          <p:txBody>
-            <a:bodyPr wrap="square" rtlCol="0">
-              <a:spAutoFit/>
-            </a:bodyPr>
-            <a:lstStyle/>
-            <a:p>
-              <a:pPr algn="ctr"/>
-              <a:r>
-                <a:rPr lang="en-US" sz="6000" b="1" dirty="0">
-                  <a:solidFill>
-                    <a:srgbClr val="E6E7E9"/>
-                  </a:solidFill>
-                  <a:latin typeface="Tw Cen MT" panose="020B0602020104020603" pitchFamily="34" charset="0"/>
-                </a:rPr>
-                <a:t>3</a:t>
-              </a:r>
-            </a:p>
-          </p:txBody>
-        </p:sp>
-      </p:grpSp>
-      <p:grpSp>
-        <p:nvGrpSpPr>
-          <p:cNvPr id="100" name="Group 99">
-            <a:extLst>
-              <a:ext uri="{FF2B5EF4-FFF2-40B4-BE49-F238E27FC236}">
-                <a16:creationId xmlns:a16="http://schemas.microsoft.com/office/drawing/2014/main" id="{12310FCA-56F2-4778-94B7-C1B5FD53AE20}"/>
-              </a:ext>
-            </a:extLst>
-          </p:cNvPr>
-          <p:cNvGrpSpPr/>
-          <p:nvPr/>
-        </p:nvGrpSpPr>
-        <p:grpSpPr>
-          <a:xfrm>
-            <a:off x="5479293" y="1491437"/>
-            <a:ext cx="1805441" cy="1894017"/>
-            <a:chOff x="3884465" y="2182683"/>
-            <a:chExt cx="1805441" cy="1894017"/>
-          </a:xfrm>
-        </p:grpSpPr>
-        <p:sp>
-          <p:nvSpPr>
-            <p:cNvPr id="101" name="Rectangle: Top Corners Rounded 100">
-              <a:extLst>
-                <a:ext uri="{FF2B5EF4-FFF2-40B4-BE49-F238E27FC236}">
-                  <a16:creationId xmlns:a16="http://schemas.microsoft.com/office/drawing/2014/main" id="{E792FABC-AA8F-4748-B8FA-DBB9112863AC}"/>
-                </a:ext>
-              </a:extLst>
-            </p:cNvPr>
-            <p:cNvSpPr/>
-            <p:nvPr/>
-          </p:nvSpPr>
-          <p:spPr>
-            <a:xfrm>
-              <a:off x="3991395" y="2209800"/>
-              <a:ext cx="1591582" cy="1866900"/>
-            </a:xfrm>
-            <a:prstGeom prst="round2SameRect">
-              <a:avLst>
-                <a:gd name="adj1" fmla="val 12063"/>
-                <a:gd name="adj2" fmla="val 0"/>
-              </a:avLst>
-            </a:prstGeom>
-            <a:solidFill>
-              <a:srgbClr val="52CBBE"/>
+              <a:srgbClr val="FF5969"/>
             </a:solidFill>
             <a:ln>
               <a:noFill/>
@@ -10526,12 +10380,50 @@
             </a:p>
           </p:txBody>
         </p:sp>
+        <p:pic>
+          <p:nvPicPr>
+            <p:cNvPr id="62" name="Picture 114" descr="Serleg">
+              <a:extLst>
+                <a:ext uri="{FF2B5EF4-FFF2-40B4-BE49-F238E27FC236}">
+                  <a16:creationId xmlns:a16="http://schemas.microsoft.com/office/drawing/2014/main" id="{64E7725F-B5E5-493B-9BB9-C27757B6B5D9}"/>
+                </a:ext>
+              </a:extLst>
+            </p:cNvPr>
+            <p:cNvPicPr>
+              <a:picLocks noChangeAspect="1"/>
+            </p:cNvPicPr>
+            <p:nvPr/>
+          </p:nvPicPr>
+          <p:blipFill>
+            <a:blip r:embed="rId3">
+              <a:extLst>
+                <a:ext uri="{28A0092B-C50C-407E-A947-70E740481C1C}">
+                  <a14:useLocalDpi xmlns:a14="http://schemas.microsoft.com/office/drawing/2010/main" val="0"/>
+                </a:ext>
+                <a:ext uri="{96DAC541-7B7A-43D3-8B79-37D633B846F1}">
+                  <asvg:svgBlip xmlns:asvg="http://schemas.microsoft.com/office/drawing/2016/SVG/main" r:embed="rId4"/>
+                </a:ext>
+              </a:extLst>
+            </a:blip>
+            <a:srcRect/>
+            <a:stretch/>
+          </p:blipFill>
+          <p:spPr>
+            <a:xfrm>
+              <a:off x="896554" y="2408975"/>
+              <a:ext cx="398394" cy="398394"/>
+            </a:xfrm>
+            <a:prstGeom prst="rect">
+              <a:avLst/>
+            </a:prstGeom>
+          </p:spPr>
+        </p:pic>
         <p:sp>
           <p:nvSpPr>
-            <p:cNvPr id="102" name="TextBox 101">
-              <a:extLst>
-                <a:ext uri="{FF2B5EF4-FFF2-40B4-BE49-F238E27FC236}">
-                  <a16:creationId xmlns:a16="http://schemas.microsoft.com/office/drawing/2014/main" id="{83919267-9DA5-4811-B4F4-94D72398E7FD}"/>
+            <p:cNvPr id="63" name="TextBox 115">
+              <a:extLst>
+                <a:ext uri="{FF2B5EF4-FFF2-40B4-BE49-F238E27FC236}">
+                  <a16:creationId xmlns:a16="http://schemas.microsoft.com/office/drawing/2014/main" id="{A3A3F87C-A4A7-4281-A3B4-9A4E4831DC3F}"/>
                 </a:ext>
               </a:extLst>
             </p:cNvPr>
@@ -10540,8 +10432,8 @@
           </p:nvSpPr>
           <p:spPr>
             <a:xfrm>
-              <a:off x="3884465" y="2182683"/>
-              <a:ext cx="1805441" cy="646331"/>
+              <a:off x="1435199" y="2142394"/>
+              <a:ext cx="2177203" cy="369332"/>
             </a:xfrm>
             <a:prstGeom prst="rect">
               <a:avLst/>
@@ -10554,25 +10446,66 @@
             </a:bodyPr>
             <a:lstStyle/>
             <a:p>
-              <a:pPr algn="ctr"/>
               <a:r>
-                <a:rPr lang="en-US" sz="3600" b="1" dirty="0">
+                <a:rPr lang="en-US" dirty="0" err="1">
                   <a:solidFill>
-                    <a:srgbClr val="E6E7E9"/>
+                    <a:srgbClr val="FF5969"/>
                   </a:solidFill>
                   <a:latin typeface="Tw Cen MT" panose="020B0602020104020603" pitchFamily="34" charset="0"/>
                 </a:rPr>
-                <a:t>2014</a:t>
+                <a:t>folytonos</a:t>
               </a:r>
+              <a:r>
+                <a:rPr lang="en-US" dirty="0">
+                  <a:solidFill>
+                    <a:srgbClr val="FF5969"/>
+                  </a:solidFill>
+                  <a:latin typeface="Tw Cen MT" panose="020B0602020104020603" pitchFamily="34" charset="0"/>
+                </a:rPr>
+                <a:t> </a:t>
+              </a:r>
+              <a:r>
+                <a:rPr lang="en-US" dirty="0" err="1">
+                  <a:solidFill>
+                    <a:srgbClr val="FF5969"/>
+                  </a:solidFill>
+                  <a:latin typeface="Tw Cen MT" panose="020B0602020104020603" pitchFamily="34" charset="0"/>
+                </a:rPr>
+                <a:t>fázis</a:t>
+              </a:r>
+              <a:r>
+                <a:rPr lang="en-US" dirty="0">
+                  <a:solidFill>
+                    <a:srgbClr val="FF5969"/>
+                  </a:solidFill>
+                  <a:latin typeface="Tw Cen MT" panose="020B0602020104020603" pitchFamily="34" charset="0"/>
+                </a:rPr>
+                <a:t> </a:t>
+              </a:r>
+              <a:r>
+                <a:rPr lang="en-US" dirty="0" err="1">
+                  <a:solidFill>
+                    <a:srgbClr val="FF5969"/>
+                  </a:solidFill>
+                  <a:latin typeface="Tw Cen MT" panose="020B0602020104020603" pitchFamily="34" charset="0"/>
+                </a:rPr>
+                <a:t>szerint</a:t>
+              </a:r>
+              <a:endParaRPr lang="en-US" dirty="0">
+                <a:solidFill>
+                  <a:srgbClr val="FF5969"/>
+                </a:solidFill>
+                <a:latin typeface="Tw Cen MT" panose="020B0602020104020603" pitchFamily="34" charset="0"/>
+              </a:endParaRPr>
             </a:p>
           </p:txBody>
         </p:sp>
         <p:sp>
           <p:nvSpPr>
-            <p:cNvPr id="103" name="TextBox 102">
-              <a:extLst>
-                <a:ext uri="{FF2B5EF4-FFF2-40B4-BE49-F238E27FC236}">
-                  <a16:creationId xmlns:a16="http://schemas.microsoft.com/office/drawing/2014/main" id="{FECB41C1-3E79-45AA-B100-38C9E092C776}"/>
+            <p:cNvPr id="64" name="TextBox 116">
+              <a:extLst>
+                <a:ext uri="{FF2B5EF4-FFF2-40B4-BE49-F238E27FC236}">
+                  <a16:creationId xmlns:a16="http://schemas.microsoft.com/office/drawing/2014/main" id="{69CC5FFD-230D-475F-B2FB-6C0449AECE6E}"/>
                 </a:ext>
               </a:extLst>
             </p:cNvPr>
@@ -10581,8 +10514,8 @@
           </p:nvSpPr>
           <p:spPr>
             <a:xfrm>
-              <a:off x="4339969" y="2563851"/>
-              <a:ext cx="894432" cy="1015663"/>
+              <a:off x="1435200" y="2425148"/>
+              <a:ext cx="2526748" cy="523220"/>
             </a:xfrm>
             <a:prstGeom prst="rect">
               <a:avLst/>
@@ -10595,15 +10528,61 @@
             </a:bodyPr>
             <a:lstStyle/>
             <a:p>
-              <a:pPr algn="ctr"/>
               <a:r>
-                <a:rPr lang="en-US" sz="6000" b="1" dirty="0">
+                <a:rPr lang="en-US" sz="1400" dirty="0" err="1">
                   <a:solidFill>
-                    <a:srgbClr val="E6E7E9"/>
+                    <a:srgbClr val="5D7373"/>
                   </a:solidFill>
                   <a:latin typeface="Tw Cen MT" panose="020B0602020104020603" pitchFamily="34" charset="0"/>
                 </a:rPr>
-                <a:t>2</a:t>
+                <a:t>olaj</a:t>
+              </a:r>
+              <a:r>
+                <a:rPr lang="en-US" sz="1400" dirty="0">
+                  <a:solidFill>
+                    <a:srgbClr val="5D7373"/>
+                  </a:solidFill>
+                  <a:latin typeface="Tw Cen MT" panose="020B0602020104020603" pitchFamily="34" charset="0"/>
+                </a:rPr>
+                <a:t>-a-</a:t>
+              </a:r>
+              <a:r>
+                <a:rPr lang="en-US" sz="1400" dirty="0" err="1">
+                  <a:solidFill>
+                    <a:srgbClr val="5D7373"/>
+                  </a:solidFill>
+                  <a:latin typeface="Tw Cen MT" panose="020B0602020104020603" pitchFamily="34" charset="0"/>
+                </a:rPr>
+                <a:t>vízben</a:t>
+              </a:r>
+              <a:r>
+                <a:rPr lang="en-US" sz="1400" dirty="0">
+                  <a:solidFill>
+                    <a:srgbClr val="5D7373"/>
+                  </a:solidFill>
+                  <a:latin typeface="Tw Cen MT" panose="020B0602020104020603" pitchFamily="34" charset="0"/>
+                </a:rPr>
+                <a:t> (EW)</a:t>
+              </a:r>
+            </a:p>
+            <a:p>
+              <a:r>
+                <a:rPr lang="en-US" sz="1400" dirty="0" err="1">
+                  <a:solidFill>
+                    <a:srgbClr val="5D7373"/>
+                  </a:solidFill>
+                  <a:latin typeface="Tw Cen MT" panose="020B0602020104020603" pitchFamily="34" charset="0"/>
+                </a:rPr>
+                <a:t>víz-az-olajban</a:t>
+              </a:r>
+              <a:r>
+                <a:rPr lang="en-US" sz="1400" dirty="0">
+                  <a:solidFill>
+                    <a:srgbClr val="5D7373"/>
+                  </a:solidFill>
+                  <a:latin typeface="Tw Cen MT" panose="020B0602020104020603" pitchFamily="34" charset="0"/>
+                </a:rPr>
+                <a:t> (EO)</a:t>
               </a:r>
             </a:p>
           </p:txBody>
@@ -10611,10 +10590,10 @@
       </p:grpSp>
       <p:grpSp>
         <p:nvGrpSpPr>
-          <p:cNvPr id="104" name="Group 103">
+          <p:cNvPr id="65" name="Group 112">
             <a:extLst>
               <a:ext uri="{FF2B5EF4-FFF2-40B4-BE49-F238E27FC236}">
-                <a16:creationId xmlns:a16="http://schemas.microsoft.com/office/drawing/2014/main" id="{A87830BE-EEF7-4034-8ABE-3212DB467DB4}"/>
+                <a16:creationId xmlns:a16="http://schemas.microsoft.com/office/drawing/2014/main" id="{51D37F95-E95C-427F-A38E-6B8EEAD54F04}"/>
               </a:ext>
             </a:extLst>
           </p:cNvPr>
@@ -10623,18 +10602,18 @@
         </p:nvGrpSpPr>
         <p:grpSpPr>
           <a:xfrm>
-            <a:off x="2982416" y="1491437"/>
-            <a:ext cx="1805441" cy="1894017"/>
-            <a:chOff x="1387588" y="2182683"/>
-            <a:chExt cx="1805441" cy="1894017"/>
+            <a:off x="3218867" y="3877843"/>
+            <a:ext cx="3360506" cy="805974"/>
+            <a:chOff x="764723" y="2142394"/>
+            <a:chExt cx="3360506" cy="805974"/>
           </a:xfrm>
         </p:grpSpPr>
         <p:sp>
           <p:nvSpPr>
-            <p:cNvPr id="105" name="Rectangle: Top Corners Rounded 104">
-              <a:extLst>
-                <a:ext uri="{FF2B5EF4-FFF2-40B4-BE49-F238E27FC236}">
-                  <a16:creationId xmlns:a16="http://schemas.microsoft.com/office/drawing/2014/main" id="{F1B87F23-BD02-4DB3-947D-2F61C5B87FEF}"/>
+            <p:cNvPr id="66" name="Oval 113">
+              <a:extLst>
+                <a:ext uri="{FF2B5EF4-FFF2-40B4-BE49-F238E27FC236}">
+                  <a16:creationId xmlns:a16="http://schemas.microsoft.com/office/drawing/2014/main" id="{CEE18148-2E77-41E7-9085-948E86CC4BB9}"/>
                 </a:ext>
               </a:extLst>
             </p:cNvPr>
@@ -10643,17 +10622,14 @@
           </p:nvSpPr>
           <p:spPr>
             <a:xfrm>
-              <a:off x="1494518" y="2209800"/>
-              <a:ext cx="1591582" cy="1866900"/>
-            </a:xfrm>
-            <a:prstGeom prst="round2SameRect">
-              <a:avLst>
-                <a:gd name="adj1" fmla="val 12063"/>
-                <a:gd name="adj2" fmla="val 0"/>
-              </a:avLst>
+              <a:off x="764723" y="2277144"/>
+              <a:ext cx="662056" cy="662056"/>
+            </a:xfrm>
+            <a:prstGeom prst="ellipse">
+              <a:avLst/>
             </a:prstGeom>
             <a:solidFill>
-              <a:srgbClr val="FF5969"/>
+              <a:srgbClr val="52CBBE"/>
             </a:solidFill>
             <a:ln>
               <a:noFill/>
@@ -10684,12 +10660,50 @@
             </a:p>
           </p:txBody>
         </p:sp>
+        <p:pic>
+          <p:nvPicPr>
+            <p:cNvPr id="67" name="Picture 114" descr="Vonalzó">
+              <a:extLst>
+                <a:ext uri="{FF2B5EF4-FFF2-40B4-BE49-F238E27FC236}">
+                  <a16:creationId xmlns:a16="http://schemas.microsoft.com/office/drawing/2014/main" id="{F7E47443-0FE0-473D-BEFC-AF7E6A0A22A6}"/>
+                </a:ext>
+              </a:extLst>
+            </p:cNvPr>
+            <p:cNvPicPr>
+              <a:picLocks noChangeAspect="1"/>
+            </p:cNvPicPr>
+            <p:nvPr/>
+          </p:nvPicPr>
+          <p:blipFill>
+            <a:blip r:embed="rId5">
+              <a:extLst>
+                <a:ext uri="{28A0092B-C50C-407E-A947-70E740481C1C}">
+                  <a14:useLocalDpi xmlns:a14="http://schemas.microsoft.com/office/drawing/2010/main" val="0"/>
+                </a:ext>
+                <a:ext uri="{96DAC541-7B7A-43D3-8B79-37D633B846F1}">
+                  <asvg:svgBlip xmlns:asvg="http://schemas.microsoft.com/office/drawing/2016/SVG/main" r:embed="rId6"/>
+                </a:ext>
+              </a:extLst>
+            </a:blip>
+            <a:srcRect/>
+            <a:stretch/>
+          </p:blipFill>
+          <p:spPr>
+            <a:xfrm>
+              <a:off x="896554" y="2408975"/>
+              <a:ext cx="398394" cy="398394"/>
+            </a:xfrm>
+            <a:prstGeom prst="rect">
+              <a:avLst/>
+            </a:prstGeom>
+          </p:spPr>
+        </p:pic>
         <p:sp>
           <p:nvSpPr>
-            <p:cNvPr id="106" name="TextBox 105">
-              <a:extLst>
-                <a:ext uri="{FF2B5EF4-FFF2-40B4-BE49-F238E27FC236}">
-                  <a16:creationId xmlns:a16="http://schemas.microsoft.com/office/drawing/2014/main" id="{5D8301A0-49D9-41A5-A227-2E35458E6401}"/>
+            <p:cNvPr id="68" name="TextBox 115">
+              <a:extLst>
+                <a:ext uri="{FF2B5EF4-FFF2-40B4-BE49-F238E27FC236}">
+                  <a16:creationId xmlns:a16="http://schemas.microsoft.com/office/drawing/2014/main" id="{28EB5D39-7569-49B2-B8ED-A8336750D530}"/>
                 </a:ext>
               </a:extLst>
             </p:cNvPr>
@@ -10698,8 +10712,8 @@
           </p:nvSpPr>
           <p:spPr>
             <a:xfrm>
-              <a:off x="1387588" y="2182683"/>
-              <a:ext cx="1805441" cy="646331"/>
+              <a:off x="1435198" y="2142394"/>
+              <a:ext cx="2690031" cy="369332"/>
             </a:xfrm>
             <a:prstGeom prst="rect">
               <a:avLst/>
@@ -10712,25 +10726,66 @@
             </a:bodyPr>
             <a:lstStyle/>
             <a:p>
-              <a:pPr algn="ctr"/>
               <a:r>
-                <a:rPr lang="en-US" sz="3600" b="1" dirty="0">
+                <a:rPr lang="en-US" dirty="0" err="1">
                   <a:solidFill>
-                    <a:srgbClr val="E6E7E9"/>
+                    <a:srgbClr val="52CBBE"/>
                   </a:solidFill>
                   <a:latin typeface="Tw Cen MT" panose="020B0602020104020603" pitchFamily="34" charset="0"/>
                 </a:rPr>
-                <a:t>2010</a:t>
+                <a:t>cseppecskék</a:t>
               </a:r>
+              <a:r>
+                <a:rPr lang="en-US" dirty="0">
+                  <a:solidFill>
+                    <a:srgbClr val="52CBBE"/>
+                  </a:solidFill>
+                  <a:latin typeface="Tw Cen MT" panose="020B0602020104020603" pitchFamily="34" charset="0"/>
+                </a:rPr>
+                <a:t> </a:t>
+              </a:r>
+              <a:r>
+                <a:rPr lang="en-US" dirty="0" err="1">
+                  <a:solidFill>
+                    <a:srgbClr val="52CBBE"/>
+                  </a:solidFill>
+                  <a:latin typeface="Tw Cen MT" panose="020B0602020104020603" pitchFamily="34" charset="0"/>
+                </a:rPr>
+                <a:t>mérete</a:t>
+              </a:r>
+              <a:r>
+                <a:rPr lang="en-US" dirty="0">
+                  <a:solidFill>
+                    <a:srgbClr val="52CBBE"/>
+                  </a:solidFill>
+                  <a:latin typeface="Tw Cen MT" panose="020B0602020104020603" pitchFamily="34" charset="0"/>
+                </a:rPr>
+                <a:t> </a:t>
+              </a:r>
+              <a:r>
+                <a:rPr lang="en-US" dirty="0" err="1">
+                  <a:solidFill>
+                    <a:srgbClr val="52CBBE"/>
+                  </a:solidFill>
+                  <a:latin typeface="Tw Cen MT" panose="020B0602020104020603" pitchFamily="34" charset="0"/>
+                </a:rPr>
+                <a:t>szerint</a:t>
+              </a:r>
+              <a:endParaRPr lang="en-US" dirty="0">
+                <a:solidFill>
+                  <a:srgbClr val="52CBBE"/>
+                </a:solidFill>
+                <a:latin typeface="Tw Cen MT" panose="020B0602020104020603" pitchFamily="34" charset="0"/>
+              </a:endParaRPr>
             </a:p>
           </p:txBody>
         </p:sp>
         <p:sp>
           <p:nvSpPr>
-            <p:cNvPr id="107" name="TextBox 106">
-              <a:extLst>
-                <a:ext uri="{FF2B5EF4-FFF2-40B4-BE49-F238E27FC236}">
-                  <a16:creationId xmlns:a16="http://schemas.microsoft.com/office/drawing/2014/main" id="{236675CF-5B12-4D6B-8C03-F29656450255}"/>
+            <p:cNvPr id="69" name="TextBox 116">
+              <a:extLst>
+                <a:ext uri="{FF2B5EF4-FFF2-40B4-BE49-F238E27FC236}">
+                  <a16:creationId xmlns:a16="http://schemas.microsoft.com/office/drawing/2014/main" id="{259E904F-29F1-4F1F-92D6-FC89F9785AFD}"/>
                 </a:ext>
               </a:extLst>
             </p:cNvPr>
@@ -10739,8 +10794,8 @@
           </p:nvSpPr>
           <p:spPr>
             <a:xfrm>
-              <a:off x="1843092" y="2563851"/>
-              <a:ext cx="894432" cy="1015663"/>
+              <a:off x="1435200" y="2425148"/>
+              <a:ext cx="2526748" cy="523220"/>
             </a:xfrm>
             <a:prstGeom prst="rect">
               <a:avLst/>
@@ -10753,482 +10808,66 @@
             </a:bodyPr>
             <a:lstStyle/>
             <a:p>
-              <a:pPr algn="ctr"/>
               <a:r>
-                <a:rPr lang="en-US" sz="6000" b="1" dirty="0">
+                <a:rPr lang="en-US" sz="1400" dirty="0" err="1">
                   <a:solidFill>
-                    <a:srgbClr val="E6E7E9"/>
+                    <a:srgbClr val="5D7373"/>
                   </a:solidFill>
                   <a:latin typeface="Tw Cen MT" panose="020B0602020104020603" pitchFamily="34" charset="0"/>
                 </a:rPr>
-                <a:t>1</a:t>
+                <a:t>makro</a:t>
               </a:r>
+              <a:r>
+                <a:rPr lang="en-US" sz="1400" dirty="0">
+                  <a:solidFill>
+                    <a:srgbClr val="5D7373"/>
+                  </a:solidFill>
+                  <a:latin typeface="Tw Cen MT" panose="020B0602020104020603" pitchFamily="34" charset="0"/>
+                </a:rPr>
+                <a:t>- </a:t>
+              </a:r>
+              <a:r>
+                <a:rPr lang="en-US" sz="1400" dirty="0" err="1">
+                  <a:solidFill>
+                    <a:srgbClr val="5D7373"/>
+                  </a:solidFill>
+                  <a:latin typeface="Tw Cen MT" panose="020B0602020104020603" pitchFamily="34" charset="0"/>
+                </a:rPr>
+                <a:t>és</a:t>
+              </a:r>
+              <a:endParaRPr lang="en-US" sz="1400" dirty="0">
+                <a:solidFill>
+                  <a:srgbClr val="5D7373"/>
+                </a:solidFill>
+                <a:latin typeface="Tw Cen MT" panose="020B0602020104020603" pitchFamily="34" charset="0"/>
+              </a:endParaRPr>
+            </a:p>
+            <a:p>
+              <a:r>
+                <a:rPr lang="en-US" sz="1400" dirty="0" err="1">
+                  <a:solidFill>
+                    <a:srgbClr val="5D7373"/>
+                  </a:solidFill>
+                  <a:latin typeface="Tw Cen MT" panose="020B0602020104020603" pitchFamily="34" charset="0"/>
+                </a:rPr>
+                <a:t>mikroemulziók</a:t>
+              </a:r>
+              <a:endParaRPr lang="en-US" sz="1400" dirty="0">
+                <a:solidFill>
+                  <a:srgbClr val="5D7373"/>
+                </a:solidFill>
+                <a:latin typeface="Tw Cen MT" panose="020B0602020104020603" pitchFamily="34" charset="0"/>
+              </a:endParaRPr>
             </a:p>
           </p:txBody>
         </p:sp>
       </p:grpSp>
-      <p:sp>
-        <p:nvSpPr>
-          <p:cNvPr id="108" name="Freeform: Shape 107">
+      <p:grpSp>
+        <p:nvGrpSpPr>
+          <p:cNvPr id="70" name="Group 112">
             <a:extLst>
               <a:ext uri="{FF2B5EF4-FFF2-40B4-BE49-F238E27FC236}">
-                <a16:creationId xmlns:a16="http://schemas.microsoft.com/office/drawing/2014/main" id="{48958204-CE05-4E79-AC55-C76FBB79E37F}"/>
-              </a:ext>
-            </a:extLst>
-          </p:cNvPr>
-          <p:cNvSpPr/>
-          <p:nvPr/>
-        </p:nvSpPr>
-        <p:spPr>
-          <a:xfrm flipV="1">
-            <a:off x="3089346" y="2452004"/>
-            <a:ext cx="1591582" cy="3031986"/>
-          </a:xfrm>
-          <a:custGeom>
-            <a:avLst/>
-            <a:gdLst>
-              <a:gd name="connsiteX0" fmla="*/ 0 w 1591582"/>
-              <a:gd name="connsiteY0" fmla="*/ 3031986 h 3031986"/>
-              <a:gd name="connsiteX1" fmla="*/ 357641 w 1591582"/>
-              <a:gd name="connsiteY1" fmla="*/ 3031986 h 3031986"/>
-              <a:gd name="connsiteX2" fmla="*/ 795791 w 1591582"/>
-              <a:gd name="connsiteY2" fmla="*/ 2593836 h 3031986"/>
-              <a:gd name="connsiteX3" fmla="*/ 1233941 w 1591582"/>
-              <a:gd name="connsiteY3" fmla="*/ 3031986 h 3031986"/>
-              <a:gd name="connsiteX4" fmla="*/ 1591582 w 1591582"/>
-              <a:gd name="connsiteY4" fmla="*/ 3031986 h 3031986"/>
-              <a:gd name="connsiteX5" fmla="*/ 1591582 w 1591582"/>
-              <a:gd name="connsiteY5" fmla="*/ 314242 h 3031986"/>
-              <a:gd name="connsiteX6" fmla="*/ 1277340 w 1591582"/>
-              <a:gd name="connsiteY6" fmla="*/ 0 h 3031986"/>
-              <a:gd name="connsiteX7" fmla="*/ 314242 w 1591582"/>
-              <a:gd name="connsiteY7" fmla="*/ 0 h 3031986"/>
-              <a:gd name="connsiteX8" fmla="*/ 0 w 1591582"/>
-              <a:gd name="connsiteY8" fmla="*/ 314242 h 3031986"/>
-            </a:gdLst>
-            <a:ahLst/>
-            <a:cxnLst>
-              <a:cxn ang="0">
-                <a:pos x="connsiteX0" y="connsiteY0"/>
-              </a:cxn>
-              <a:cxn ang="0">
-                <a:pos x="connsiteX1" y="connsiteY1"/>
-              </a:cxn>
-              <a:cxn ang="0">
-                <a:pos x="connsiteX2" y="connsiteY2"/>
-              </a:cxn>
-              <a:cxn ang="0">
-                <a:pos x="connsiteX3" y="connsiteY3"/>
-              </a:cxn>
-              <a:cxn ang="0">
-                <a:pos x="connsiteX4" y="connsiteY4"/>
-              </a:cxn>
-              <a:cxn ang="0">
-                <a:pos x="connsiteX5" y="connsiteY5"/>
-              </a:cxn>
-              <a:cxn ang="0">
-                <a:pos x="connsiteX6" y="connsiteY6"/>
-              </a:cxn>
-              <a:cxn ang="0">
-                <a:pos x="connsiteX7" y="connsiteY7"/>
-              </a:cxn>
-              <a:cxn ang="0">
-                <a:pos x="connsiteX8" y="connsiteY8"/>
-              </a:cxn>
-            </a:cxnLst>
-            <a:rect l="l" t="t" r="r" b="b"/>
-            <a:pathLst>
-              <a:path w="1591582" h="3031986">
-                <a:moveTo>
-                  <a:pt x="0" y="3031986"/>
-                </a:moveTo>
-                <a:lnTo>
-                  <a:pt x="357641" y="3031986"/>
-                </a:lnTo>
-                <a:cubicBezTo>
-                  <a:pt x="357641" y="2790002"/>
-                  <a:pt x="553807" y="2593836"/>
-                  <a:pt x="795791" y="2593836"/>
-                </a:cubicBezTo>
-                <a:cubicBezTo>
-                  <a:pt x="1037775" y="2593836"/>
-                  <a:pt x="1233941" y="2790002"/>
-                  <a:pt x="1233941" y="3031986"/>
-                </a:cubicBezTo>
-                <a:lnTo>
-                  <a:pt x="1591582" y="3031986"/>
-                </a:lnTo>
-                <a:lnTo>
-                  <a:pt x="1591582" y="314242"/>
-                </a:lnTo>
-                <a:cubicBezTo>
-                  <a:pt x="1591582" y="140691"/>
-                  <a:pt x="1450891" y="0"/>
-                  <a:pt x="1277340" y="0"/>
-                </a:cubicBezTo>
-                <a:lnTo>
-                  <a:pt x="314242" y="0"/>
-                </a:lnTo>
-                <a:cubicBezTo>
-                  <a:pt x="140691" y="0"/>
-                  <a:pt x="0" y="140691"/>
-                  <a:pt x="0" y="314242"/>
-                </a:cubicBezTo>
-                <a:close/>
-              </a:path>
-            </a:pathLst>
-          </a:custGeom>
-          <a:solidFill>
-            <a:schemeClr val="bg1">
-              <a:lumMod val="95000"/>
-            </a:schemeClr>
-          </a:solidFill>
-          <a:ln>
-            <a:noFill/>
-          </a:ln>
-          <a:effectLst>
-            <a:outerShdw blurRad="127000" sx="107000" sy="107000" algn="ctr" rotWithShape="0">
-              <a:prstClr val="black">
-                <a:alpha val="23000"/>
-              </a:prstClr>
-            </a:outerShdw>
-          </a:effectLst>
-        </p:spPr>
-        <p:style>
-          <a:lnRef idx="2">
-            <a:schemeClr val="accent1">
-              <a:shade val="50000"/>
-            </a:schemeClr>
-          </a:lnRef>
-          <a:fillRef idx="1">
-            <a:schemeClr val="accent1"/>
-          </a:fillRef>
-          <a:effectRef idx="0">
-            <a:schemeClr val="accent1"/>
-          </a:effectRef>
-          <a:fontRef idx="minor">
-            <a:schemeClr val="lt1"/>
-          </a:fontRef>
-        </p:style>
-        <p:txBody>
-          <a:bodyPr rtlCol="0" anchor="ctr"/>
-          <a:lstStyle/>
-          <a:p>
-            <a:pPr algn="ctr"/>
-            <a:endParaRPr lang="en-US"/>
-          </a:p>
-        </p:txBody>
-      </p:sp>
-      <p:sp>
-        <p:nvSpPr>
-          <p:cNvPr id="109" name="Freeform: Shape 108">
-            <a:extLst>
-              <a:ext uri="{FF2B5EF4-FFF2-40B4-BE49-F238E27FC236}">
-                <a16:creationId xmlns:a16="http://schemas.microsoft.com/office/drawing/2014/main" id="{406A5A75-24F0-496A-82D6-E2B37B100BBD}"/>
-              </a:ext>
-            </a:extLst>
-          </p:cNvPr>
-          <p:cNvSpPr/>
-          <p:nvPr/>
-        </p:nvSpPr>
-        <p:spPr>
-          <a:xfrm flipV="1">
-            <a:off x="5586223" y="2452004"/>
-            <a:ext cx="1591582" cy="3031986"/>
-          </a:xfrm>
-          <a:custGeom>
-            <a:avLst/>
-            <a:gdLst>
-              <a:gd name="connsiteX0" fmla="*/ 0 w 1591582"/>
-              <a:gd name="connsiteY0" fmla="*/ 3031986 h 3031986"/>
-              <a:gd name="connsiteX1" fmla="*/ 357641 w 1591582"/>
-              <a:gd name="connsiteY1" fmla="*/ 3031986 h 3031986"/>
-              <a:gd name="connsiteX2" fmla="*/ 795791 w 1591582"/>
-              <a:gd name="connsiteY2" fmla="*/ 2593836 h 3031986"/>
-              <a:gd name="connsiteX3" fmla="*/ 1233941 w 1591582"/>
-              <a:gd name="connsiteY3" fmla="*/ 3031986 h 3031986"/>
-              <a:gd name="connsiteX4" fmla="*/ 1591582 w 1591582"/>
-              <a:gd name="connsiteY4" fmla="*/ 3031986 h 3031986"/>
-              <a:gd name="connsiteX5" fmla="*/ 1591582 w 1591582"/>
-              <a:gd name="connsiteY5" fmla="*/ 314242 h 3031986"/>
-              <a:gd name="connsiteX6" fmla="*/ 1277340 w 1591582"/>
-              <a:gd name="connsiteY6" fmla="*/ 0 h 3031986"/>
-              <a:gd name="connsiteX7" fmla="*/ 314242 w 1591582"/>
-              <a:gd name="connsiteY7" fmla="*/ 0 h 3031986"/>
-              <a:gd name="connsiteX8" fmla="*/ 0 w 1591582"/>
-              <a:gd name="connsiteY8" fmla="*/ 314242 h 3031986"/>
-            </a:gdLst>
-            <a:ahLst/>
-            <a:cxnLst>
-              <a:cxn ang="0">
-                <a:pos x="connsiteX0" y="connsiteY0"/>
-              </a:cxn>
-              <a:cxn ang="0">
-                <a:pos x="connsiteX1" y="connsiteY1"/>
-              </a:cxn>
-              <a:cxn ang="0">
-                <a:pos x="connsiteX2" y="connsiteY2"/>
-              </a:cxn>
-              <a:cxn ang="0">
-                <a:pos x="connsiteX3" y="connsiteY3"/>
-              </a:cxn>
-              <a:cxn ang="0">
-                <a:pos x="connsiteX4" y="connsiteY4"/>
-              </a:cxn>
-              <a:cxn ang="0">
-                <a:pos x="connsiteX5" y="connsiteY5"/>
-              </a:cxn>
-              <a:cxn ang="0">
-                <a:pos x="connsiteX6" y="connsiteY6"/>
-              </a:cxn>
-              <a:cxn ang="0">
-                <a:pos x="connsiteX7" y="connsiteY7"/>
-              </a:cxn>
-              <a:cxn ang="0">
-                <a:pos x="connsiteX8" y="connsiteY8"/>
-              </a:cxn>
-            </a:cxnLst>
-            <a:rect l="l" t="t" r="r" b="b"/>
-            <a:pathLst>
-              <a:path w="1591582" h="3031986">
-                <a:moveTo>
-                  <a:pt x="0" y="3031986"/>
-                </a:moveTo>
-                <a:lnTo>
-                  <a:pt x="357641" y="3031986"/>
-                </a:lnTo>
-                <a:cubicBezTo>
-                  <a:pt x="357641" y="2790002"/>
-                  <a:pt x="553807" y="2593836"/>
-                  <a:pt x="795791" y="2593836"/>
-                </a:cubicBezTo>
-                <a:cubicBezTo>
-                  <a:pt x="1037775" y="2593836"/>
-                  <a:pt x="1233941" y="2790002"/>
-                  <a:pt x="1233941" y="3031986"/>
-                </a:cubicBezTo>
-                <a:lnTo>
-                  <a:pt x="1591582" y="3031986"/>
-                </a:lnTo>
-                <a:lnTo>
-                  <a:pt x="1591582" y="314242"/>
-                </a:lnTo>
-                <a:cubicBezTo>
-                  <a:pt x="1591582" y="140691"/>
-                  <a:pt x="1450891" y="0"/>
-                  <a:pt x="1277340" y="0"/>
-                </a:cubicBezTo>
-                <a:lnTo>
-                  <a:pt x="314242" y="0"/>
-                </a:lnTo>
-                <a:cubicBezTo>
-                  <a:pt x="140691" y="0"/>
-                  <a:pt x="0" y="140691"/>
-                  <a:pt x="0" y="314242"/>
-                </a:cubicBezTo>
-                <a:close/>
-              </a:path>
-            </a:pathLst>
-          </a:custGeom>
-          <a:solidFill>
-            <a:schemeClr val="bg1">
-              <a:lumMod val="95000"/>
-            </a:schemeClr>
-          </a:solidFill>
-          <a:ln>
-            <a:noFill/>
-          </a:ln>
-          <a:effectLst>
-            <a:outerShdw blurRad="127000" sx="107000" sy="107000" algn="ctr" rotWithShape="0">
-              <a:prstClr val="black">
-                <a:alpha val="23000"/>
-              </a:prstClr>
-            </a:outerShdw>
-          </a:effectLst>
-        </p:spPr>
-        <p:style>
-          <a:lnRef idx="2">
-            <a:schemeClr val="accent1">
-              <a:shade val="50000"/>
-            </a:schemeClr>
-          </a:lnRef>
-          <a:fillRef idx="1">
-            <a:schemeClr val="accent1"/>
-          </a:fillRef>
-          <a:effectRef idx="0">
-            <a:schemeClr val="accent1"/>
-          </a:effectRef>
-          <a:fontRef idx="minor">
-            <a:schemeClr val="lt1"/>
-          </a:fontRef>
-        </p:style>
-        <p:txBody>
-          <a:bodyPr rtlCol="0" anchor="ctr"/>
-          <a:lstStyle/>
-          <a:p>
-            <a:pPr algn="ctr"/>
-            <a:endParaRPr lang="en-US"/>
-          </a:p>
-        </p:txBody>
-      </p:sp>
-      <p:sp>
-        <p:nvSpPr>
-          <p:cNvPr id="110" name="Freeform: Shape 109">
-            <a:extLst>
-              <a:ext uri="{FF2B5EF4-FFF2-40B4-BE49-F238E27FC236}">
-                <a16:creationId xmlns:a16="http://schemas.microsoft.com/office/drawing/2014/main" id="{B8C3E14B-EBB2-49A7-9A4E-9C6AFAF9A364}"/>
-              </a:ext>
-            </a:extLst>
-          </p:cNvPr>
-          <p:cNvSpPr/>
-          <p:nvPr/>
-        </p:nvSpPr>
-        <p:spPr>
-          <a:xfrm flipV="1">
-            <a:off x="8083100" y="2452004"/>
-            <a:ext cx="1591582" cy="3031986"/>
-          </a:xfrm>
-          <a:custGeom>
-            <a:avLst/>
-            <a:gdLst>
-              <a:gd name="connsiteX0" fmla="*/ 0 w 1591582"/>
-              <a:gd name="connsiteY0" fmla="*/ 3031986 h 3031986"/>
-              <a:gd name="connsiteX1" fmla="*/ 357641 w 1591582"/>
-              <a:gd name="connsiteY1" fmla="*/ 3031986 h 3031986"/>
-              <a:gd name="connsiteX2" fmla="*/ 795791 w 1591582"/>
-              <a:gd name="connsiteY2" fmla="*/ 2593836 h 3031986"/>
-              <a:gd name="connsiteX3" fmla="*/ 1233941 w 1591582"/>
-              <a:gd name="connsiteY3" fmla="*/ 3031986 h 3031986"/>
-              <a:gd name="connsiteX4" fmla="*/ 1591582 w 1591582"/>
-              <a:gd name="connsiteY4" fmla="*/ 3031986 h 3031986"/>
-              <a:gd name="connsiteX5" fmla="*/ 1591582 w 1591582"/>
-              <a:gd name="connsiteY5" fmla="*/ 314242 h 3031986"/>
-              <a:gd name="connsiteX6" fmla="*/ 1277340 w 1591582"/>
-              <a:gd name="connsiteY6" fmla="*/ 0 h 3031986"/>
-              <a:gd name="connsiteX7" fmla="*/ 314242 w 1591582"/>
-              <a:gd name="connsiteY7" fmla="*/ 0 h 3031986"/>
-              <a:gd name="connsiteX8" fmla="*/ 0 w 1591582"/>
-              <a:gd name="connsiteY8" fmla="*/ 314242 h 3031986"/>
-            </a:gdLst>
-            <a:ahLst/>
-            <a:cxnLst>
-              <a:cxn ang="0">
-                <a:pos x="connsiteX0" y="connsiteY0"/>
-              </a:cxn>
-              <a:cxn ang="0">
-                <a:pos x="connsiteX1" y="connsiteY1"/>
-              </a:cxn>
-              <a:cxn ang="0">
-                <a:pos x="connsiteX2" y="connsiteY2"/>
-              </a:cxn>
-              <a:cxn ang="0">
-                <a:pos x="connsiteX3" y="connsiteY3"/>
-              </a:cxn>
-              <a:cxn ang="0">
-                <a:pos x="connsiteX4" y="connsiteY4"/>
-              </a:cxn>
-              <a:cxn ang="0">
-                <a:pos x="connsiteX5" y="connsiteY5"/>
-              </a:cxn>
-              <a:cxn ang="0">
-                <a:pos x="connsiteX6" y="connsiteY6"/>
-              </a:cxn>
-              <a:cxn ang="0">
-                <a:pos x="connsiteX7" y="connsiteY7"/>
-              </a:cxn>
-              <a:cxn ang="0">
-                <a:pos x="connsiteX8" y="connsiteY8"/>
-              </a:cxn>
-            </a:cxnLst>
-            <a:rect l="l" t="t" r="r" b="b"/>
-            <a:pathLst>
-              <a:path w="1591582" h="3031986">
-                <a:moveTo>
-                  <a:pt x="0" y="3031986"/>
-                </a:moveTo>
-                <a:lnTo>
-                  <a:pt x="357641" y="3031986"/>
-                </a:lnTo>
-                <a:cubicBezTo>
-                  <a:pt x="357641" y="2790002"/>
-                  <a:pt x="553807" y="2593836"/>
-                  <a:pt x="795791" y="2593836"/>
-                </a:cubicBezTo>
-                <a:cubicBezTo>
-                  <a:pt x="1037775" y="2593836"/>
-                  <a:pt x="1233941" y="2790002"/>
-                  <a:pt x="1233941" y="3031986"/>
-                </a:cubicBezTo>
-                <a:lnTo>
-                  <a:pt x="1591582" y="3031986"/>
-                </a:lnTo>
-                <a:lnTo>
-                  <a:pt x="1591582" y="314242"/>
-                </a:lnTo>
-                <a:cubicBezTo>
-                  <a:pt x="1591582" y="140691"/>
-                  <a:pt x="1450891" y="0"/>
-                  <a:pt x="1277340" y="0"/>
-                </a:cubicBezTo>
-                <a:lnTo>
-                  <a:pt x="314242" y="0"/>
-                </a:lnTo>
-                <a:cubicBezTo>
-                  <a:pt x="140691" y="0"/>
-                  <a:pt x="0" y="140691"/>
-                  <a:pt x="0" y="314242"/>
-                </a:cubicBezTo>
-                <a:close/>
-              </a:path>
-            </a:pathLst>
-          </a:custGeom>
-          <a:solidFill>
-            <a:schemeClr val="bg1">
-              <a:lumMod val="95000"/>
-            </a:schemeClr>
-          </a:solidFill>
-          <a:ln>
-            <a:noFill/>
-          </a:ln>
-          <a:effectLst>
-            <a:outerShdw blurRad="127000" sx="107000" sy="107000" algn="ctr" rotWithShape="0">
-              <a:prstClr val="black">
-                <a:alpha val="23000"/>
-              </a:prstClr>
-            </a:outerShdw>
-          </a:effectLst>
-        </p:spPr>
-        <p:style>
-          <a:lnRef idx="2">
-            <a:schemeClr val="accent1">
-              <a:shade val="50000"/>
-            </a:schemeClr>
-          </a:lnRef>
-          <a:fillRef idx="1">
-            <a:schemeClr val="accent1"/>
-          </a:fillRef>
-          <a:effectRef idx="0">
-            <a:schemeClr val="accent1"/>
-          </a:effectRef>
-          <a:fontRef idx="minor">
-            <a:schemeClr val="lt1"/>
-          </a:fontRef>
-        </p:style>
-        <p:txBody>
-          <a:bodyPr rtlCol="0" anchor="ctr"/>
-          <a:lstStyle/>
-          <a:p>
-            <a:pPr algn="ctr"/>
-            <a:endParaRPr lang="en-US"/>
-          </a:p>
-        </p:txBody>
-      </p:sp>
-      <p:grpSp>
-        <p:nvGrpSpPr>
-          <p:cNvPr id="114" name="Group 113">
-            <a:extLst>
-              <a:ext uri="{FF2B5EF4-FFF2-40B4-BE49-F238E27FC236}">
-                <a16:creationId xmlns:a16="http://schemas.microsoft.com/office/drawing/2014/main" id="{8D94F991-2744-4D5C-BE57-A0C261539D2C}"/>
+                <a16:creationId xmlns:a16="http://schemas.microsoft.com/office/drawing/2014/main" id="{ECC564DF-EDA0-42D3-85AE-20DC0873E495}"/>
               </a:ext>
             </a:extLst>
           </p:cNvPr>
@@ -11237,18 +10876,108 @@
         </p:nvGrpSpPr>
         <p:grpSpPr>
           <a:xfrm>
-            <a:off x="3083677" y="3146196"/>
-            <a:ext cx="1591582" cy="832605"/>
-            <a:chOff x="1488849" y="3837442"/>
-            <a:chExt cx="1591582" cy="832605"/>
+            <a:off x="7220196" y="2290213"/>
+            <a:ext cx="3197225" cy="805974"/>
+            <a:chOff x="764723" y="2142394"/>
+            <a:chExt cx="3197225" cy="805974"/>
           </a:xfrm>
         </p:grpSpPr>
         <p:sp>
           <p:nvSpPr>
-            <p:cNvPr id="115" name="TextBox 114">
-              <a:extLst>
-                <a:ext uri="{FF2B5EF4-FFF2-40B4-BE49-F238E27FC236}">
-                  <a16:creationId xmlns:a16="http://schemas.microsoft.com/office/drawing/2014/main" id="{8721CE74-40AC-4223-B129-B3A270C7429B}"/>
+            <p:cNvPr id="71" name="Oval 113">
+              <a:extLst>
+                <a:ext uri="{FF2B5EF4-FFF2-40B4-BE49-F238E27FC236}">
+                  <a16:creationId xmlns:a16="http://schemas.microsoft.com/office/drawing/2014/main" id="{2102B4C5-A590-46C3-9829-DDBEB5900538}"/>
+                </a:ext>
+              </a:extLst>
+            </p:cNvPr>
+            <p:cNvSpPr/>
+            <p:nvPr/>
+          </p:nvSpPr>
+          <p:spPr>
+            <a:xfrm>
+              <a:off x="764723" y="2277144"/>
+              <a:ext cx="662056" cy="662056"/>
+            </a:xfrm>
+            <a:prstGeom prst="ellipse">
+              <a:avLst/>
+            </a:prstGeom>
+            <a:solidFill>
+              <a:srgbClr val="5D7373"/>
+            </a:solidFill>
+            <a:ln>
+              <a:noFill/>
+            </a:ln>
+          </p:spPr>
+          <p:style>
+            <a:lnRef idx="2">
+              <a:schemeClr val="accent1">
+                <a:shade val="50000"/>
+              </a:schemeClr>
+            </a:lnRef>
+            <a:fillRef idx="1">
+              <a:schemeClr val="accent1"/>
+            </a:fillRef>
+            <a:effectRef idx="0">
+              <a:schemeClr val="accent1"/>
+            </a:effectRef>
+            <a:fontRef idx="minor">
+              <a:schemeClr val="lt1"/>
+            </a:fontRef>
+          </p:style>
+          <p:txBody>
+            <a:bodyPr rtlCol="0" anchor="ctr"/>
+            <a:lstStyle/>
+            <a:p>
+              <a:pPr algn="ctr"/>
+              <a:endParaRPr lang="en-US"/>
+            </a:p>
+          </p:txBody>
+        </p:sp>
+        <p:pic>
+          <p:nvPicPr>
+            <p:cNvPr id="72" name="Picture 114" descr="Strigula">
+              <a:extLst>
+                <a:ext uri="{FF2B5EF4-FFF2-40B4-BE49-F238E27FC236}">
+                  <a16:creationId xmlns:a16="http://schemas.microsoft.com/office/drawing/2014/main" id="{0045671F-AFFC-40B7-BAA5-A0434E703266}"/>
+                </a:ext>
+              </a:extLst>
+            </p:cNvPr>
+            <p:cNvPicPr>
+              <a:picLocks noChangeAspect="1"/>
+            </p:cNvPicPr>
+            <p:nvPr/>
+          </p:nvPicPr>
+          <p:blipFill>
+            <a:blip r:embed="rId7">
+              <a:extLst>
+                <a:ext uri="{28A0092B-C50C-407E-A947-70E740481C1C}">
+                  <a14:useLocalDpi xmlns:a14="http://schemas.microsoft.com/office/drawing/2010/main" val="0"/>
+                </a:ext>
+                <a:ext uri="{96DAC541-7B7A-43D3-8B79-37D633B846F1}">
+                  <asvg:svgBlip xmlns:asvg="http://schemas.microsoft.com/office/drawing/2016/SVG/main" r:embed="rId8"/>
+                </a:ext>
+              </a:extLst>
+            </a:blip>
+            <a:srcRect/>
+            <a:stretch/>
+          </p:blipFill>
+          <p:spPr>
+            <a:xfrm>
+              <a:off x="896554" y="2408975"/>
+              <a:ext cx="398394" cy="398394"/>
+            </a:xfrm>
+            <a:prstGeom prst="rect">
+              <a:avLst/>
+            </a:prstGeom>
+          </p:spPr>
+        </p:pic>
+        <p:sp>
+          <p:nvSpPr>
+            <p:cNvPr id="73" name="TextBox 115">
+              <a:extLst>
+                <a:ext uri="{FF2B5EF4-FFF2-40B4-BE49-F238E27FC236}">
+                  <a16:creationId xmlns:a16="http://schemas.microsoft.com/office/drawing/2014/main" id="{463A8AC5-FD0C-4A18-A394-6FA565FF4B42}"/>
                 </a:ext>
               </a:extLst>
             </p:cNvPr>
@@ -11257,8 +10986,8 @@
           </p:nvSpPr>
           <p:spPr>
             <a:xfrm>
-              <a:off x="1488849" y="3837442"/>
-              <a:ext cx="1591582" cy="369332"/>
+              <a:off x="1435198" y="2142394"/>
+              <a:ext cx="2177203" cy="369332"/>
             </a:xfrm>
             <a:prstGeom prst="rect">
               <a:avLst/>
@@ -11271,25 +11000,24 @@
             </a:bodyPr>
             <a:lstStyle/>
             <a:p>
-              <a:pPr algn="ctr"/>
               <a:r>
-                <a:rPr lang="en-US" b="1" dirty="0">
+                <a:rPr lang="en-US" dirty="0">
                   <a:solidFill>
-                    <a:srgbClr val="FF5969"/>
+                    <a:srgbClr val="5D7373"/>
                   </a:solidFill>
                   <a:latin typeface="Tw Cen MT" panose="020B0602020104020603" pitchFamily="34" charset="0"/>
                 </a:rPr>
-                <a:t>HEADING</a:t>
+                <a:t>multiple emulsions</a:t>
               </a:r>
             </a:p>
           </p:txBody>
         </p:sp>
         <p:sp>
           <p:nvSpPr>
-            <p:cNvPr id="116" name="TextBox 115">
-              <a:extLst>
-                <a:ext uri="{FF2B5EF4-FFF2-40B4-BE49-F238E27FC236}">
-                  <a16:creationId xmlns:a16="http://schemas.microsoft.com/office/drawing/2014/main" id="{FC94FF53-E358-452A-A5CE-3296318ABBE9}"/>
+            <p:cNvPr id="74" name="TextBox 116">
+              <a:extLst>
+                <a:ext uri="{FF2B5EF4-FFF2-40B4-BE49-F238E27FC236}">
+                  <a16:creationId xmlns:a16="http://schemas.microsoft.com/office/drawing/2014/main" id="{3784040D-5E13-49C7-8946-24B94C2F4460}"/>
                 </a:ext>
               </a:extLst>
             </p:cNvPr>
@@ -11298,8 +11026,8 @@
           </p:nvSpPr>
           <p:spPr>
             <a:xfrm>
-              <a:off x="1488849" y="4146827"/>
-              <a:ext cx="1591582" cy="523220"/>
+              <a:off x="1435200" y="2425148"/>
+              <a:ext cx="2526748" cy="523220"/>
             </a:xfrm>
             <a:prstGeom prst="rect">
               <a:avLst/>
@@ -11312,15 +11040,25 @@
             </a:bodyPr>
             <a:lstStyle/>
             <a:p>
-              <a:pPr algn="ctr"/>
               <a:r>
-                <a:rPr lang="en-US" sz="1400" b="1" dirty="0">
+                <a:rPr lang="en-US" sz="1400" dirty="0">
                   <a:solidFill>
-                    <a:srgbClr val="A6A6A6"/>
+                    <a:srgbClr val="5D7373"/>
                   </a:solidFill>
                   <a:latin typeface="Tw Cen MT" panose="020B0602020104020603" pitchFamily="34" charset="0"/>
                 </a:rPr>
-                <a:t>Here Add Some Own Text of Yours</a:t>
+                <a:t>w/o/w</a:t>
+              </a:r>
+            </a:p>
+            <a:p>
+              <a:r>
+                <a:rPr lang="en-US" sz="1400" dirty="0">
+                  <a:solidFill>
+                    <a:srgbClr val="5D7373"/>
+                  </a:solidFill>
+                  <a:latin typeface="Tw Cen MT" panose="020B0602020104020603" pitchFamily="34" charset="0"/>
+                </a:rPr>
+                <a:t>o/w/o</a:t>
               </a:r>
             </a:p>
           </p:txBody>
@@ -11328,10 +11066,10 @@
       </p:grpSp>
       <p:grpSp>
         <p:nvGrpSpPr>
-          <p:cNvPr id="117" name="Group 116">
+          <p:cNvPr id="75" name="Group 112">
             <a:extLst>
               <a:ext uri="{FF2B5EF4-FFF2-40B4-BE49-F238E27FC236}">
-                <a16:creationId xmlns:a16="http://schemas.microsoft.com/office/drawing/2014/main" id="{860A9D1F-EDAE-418D-A3C8-F8109A2B052A}"/>
+                <a16:creationId xmlns:a16="http://schemas.microsoft.com/office/drawing/2014/main" id="{3E80131C-593A-41AD-B0FF-5F20E841B750}"/>
               </a:ext>
             </a:extLst>
           </p:cNvPr>
@@ -11340,18 +11078,108 @@
         </p:nvGrpSpPr>
         <p:grpSpPr>
           <a:xfrm>
-            <a:off x="5572502" y="3146196"/>
-            <a:ext cx="1591582" cy="832605"/>
-            <a:chOff x="3977674" y="3837442"/>
-            <a:chExt cx="1591582" cy="832605"/>
+            <a:off x="7220196" y="3877843"/>
+            <a:ext cx="3197225" cy="805974"/>
+            <a:chOff x="764723" y="2142394"/>
+            <a:chExt cx="3197225" cy="805974"/>
           </a:xfrm>
         </p:grpSpPr>
         <p:sp>
           <p:nvSpPr>
-            <p:cNvPr id="118" name="TextBox 117">
-              <a:extLst>
-                <a:ext uri="{FF2B5EF4-FFF2-40B4-BE49-F238E27FC236}">
-                  <a16:creationId xmlns:a16="http://schemas.microsoft.com/office/drawing/2014/main" id="{91705BAF-DCDA-4FDC-8DA1-1FBA870AE5C8}"/>
+            <p:cNvPr id="76" name="Oval 113">
+              <a:extLst>
+                <a:ext uri="{FF2B5EF4-FFF2-40B4-BE49-F238E27FC236}">
+                  <a16:creationId xmlns:a16="http://schemas.microsoft.com/office/drawing/2014/main" id="{A27AE2EB-E647-4526-8826-F392256DC9D3}"/>
+                </a:ext>
+              </a:extLst>
+            </p:cNvPr>
+            <p:cNvSpPr/>
+            <p:nvPr/>
+          </p:nvSpPr>
+          <p:spPr>
+            <a:xfrm>
+              <a:off x="764723" y="2277144"/>
+              <a:ext cx="662056" cy="662056"/>
+            </a:xfrm>
+            <a:prstGeom prst="ellipse">
+              <a:avLst/>
+            </a:prstGeom>
+            <a:solidFill>
+              <a:srgbClr val="FEC630"/>
+            </a:solidFill>
+            <a:ln>
+              <a:noFill/>
+            </a:ln>
+          </p:spPr>
+          <p:style>
+            <a:lnRef idx="2">
+              <a:schemeClr val="accent1">
+                <a:shade val="50000"/>
+              </a:schemeClr>
+            </a:lnRef>
+            <a:fillRef idx="1">
+              <a:schemeClr val="accent1"/>
+            </a:fillRef>
+            <a:effectRef idx="0">
+              <a:schemeClr val="accent1"/>
+            </a:effectRef>
+            <a:fontRef idx="minor">
+              <a:schemeClr val="lt1"/>
+            </a:fontRef>
+          </p:style>
+          <p:txBody>
+            <a:bodyPr rtlCol="0" anchor="ctr"/>
+            <a:lstStyle/>
+            <a:p>
+              <a:pPr algn="ctr"/>
+              <a:endParaRPr lang="en-US"/>
+            </a:p>
+          </p:txBody>
+        </p:sp>
+        <p:pic>
+          <p:nvPicPr>
+            <p:cNvPr id="77" name="Picture 114" descr="Csobbanás">
+              <a:extLst>
+                <a:ext uri="{FF2B5EF4-FFF2-40B4-BE49-F238E27FC236}">
+                  <a16:creationId xmlns:a16="http://schemas.microsoft.com/office/drawing/2014/main" id="{D8E45E0D-1B99-4060-A9FB-E5CACC30A065}"/>
+                </a:ext>
+              </a:extLst>
+            </p:cNvPr>
+            <p:cNvPicPr>
+              <a:picLocks noChangeAspect="1"/>
+            </p:cNvPicPr>
+            <p:nvPr/>
+          </p:nvPicPr>
+          <p:blipFill>
+            <a:blip r:embed="rId9">
+              <a:extLst>
+                <a:ext uri="{28A0092B-C50C-407E-A947-70E740481C1C}">
+                  <a14:useLocalDpi xmlns:a14="http://schemas.microsoft.com/office/drawing/2010/main" val="0"/>
+                </a:ext>
+                <a:ext uri="{96DAC541-7B7A-43D3-8B79-37D633B846F1}">
+                  <asvg:svgBlip xmlns:asvg="http://schemas.microsoft.com/office/drawing/2016/SVG/main" r:embed="rId10"/>
+                </a:ext>
+              </a:extLst>
+            </a:blip>
+            <a:srcRect/>
+            <a:stretch/>
+          </p:blipFill>
+          <p:spPr>
+            <a:xfrm>
+              <a:off x="896554" y="2408975"/>
+              <a:ext cx="398394" cy="398394"/>
+            </a:xfrm>
+            <a:prstGeom prst="rect">
+              <a:avLst/>
+            </a:prstGeom>
+          </p:spPr>
+        </p:pic>
+        <p:sp>
+          <p:nvSpPr>
+            <p:cNvPr id="78" name="TextBox 115">
+              <a:extLst>
+                <a:ext uri="{FF2B5EF4-FFF2-40B4-BE49-F238E27FC236}">
+                  <a16:creationId xmlns:a16="http://schemas.microsoft.com/office/drawing/2014/main" id="{AE931E2C-5D80-42FB-A41F-97F8005DAD40}"/>
                 </a:ext>
               </a:extLst>
             </p:cNvPr>
@@ -11360,8 +11188,8 @@
           </p:nvSpPr>
           <p:spPr>
             <a:xfrm>
-              <a:off x="3977674" y="3837442"/>
-              <a:ext cx="1591582" cy="369332"/>
+              <a:off x="1435198" y="2142394"/>
+              <a:ext cx="2177203" cy="369332"/>
             </a:xfrm>
             <a:prstGeom prst="rect">
               <a:avLst/>
@@ -11374,25 +11202,48 @@
             </a:bodyPr>
             <a:lstStyle/>
             <a:p>
-              <a:pPr algn="ctr"/>
               <a:r>
-                <a:rPr lang="en-US" b="1" dirty="0">
+                <a:rPr lang="en-US" dirty="0" err="1">
                   <a:solidFill>
-                    <a:srgbClr val="52CBBE"/>
+                    <a:srgbClr val="FEC630"/>
                   </a:solidFill>
                   <a:latin typeface="Tw Cen MT" panose="020B0602020104020603" pitchFamily="34" charset="0"/>
                 </a:rPr>
-                <a:t>HEADING</a:t>
+                <a:t>vízmentes</a:t>
               </a:r>
+              <a:r>
+                <a:rPr lang="en-US" dirty="0">
+                  <a:solidFill>
+                    <a:srgbClr val="FEC630"/>
+                  </a:solidFill>
+                  <a:latin typeface="Tw Cen MT" panose="020B0602020104020603" pitchFamily="34" charset="0"/>
+                </a:rPr>
+                <a:t> </a:t>
+              </a:r>
+              <a:r>
+                <a:rPr lang="en-US" dirty="0" err="1">
+                  <a:solidFill>
+                    <a:srgbClr val="FEC630"/>
+                  </a:solidFill>
+                  <a:latin typeface="Tw Cen MT" panose="020B0602020104020603" pitchFamily="34" charset="0"/>
+                </a:rPr>
+                <a:t>emulziók</a:t>
+              </a:r>
+              <a:endParaRPr lang="en-US" dirty="0">
+                <a:solidFill>
+                  <a:srgbClr val="FEC630"/>
+                </a:solidFill>
+                <a:latin typeface="Tw Cen MT" panose="020B0602020104020603" pitchFamily="34" charset="0"/>
+              </a:endParaRPr>
             </a:p>
           </p:txBody>
         </p:sp>
         <p:sp>
           <p:nvSpPr>
-            <p:cNvPr id="119" name="TextBox 118">
-              <a:extLst>
-                <a:ext uri="{FF2B5EF4-FFF2-40B4-BE49-F238E27FC236}">
-                  <a16:creationId xmlns:a16="http://schemas.microsoft.com/office/drawing/2014/main" id="{BBD17202-B0A7-4912-9A5D-8F55518824B3}"/>
+            <p:cNvPr id="79" name="TextBox 116">
+              <a:extLst>
+                <a:ext uri="{FF2B5EF4-FFF2-40B4-BE49-F238E27FC236}">
+                  <a16:creationId xmlns:a16="http://schemas.microsoft.com/office/drawing/2014/main" id="{E3E4ABE7-4155-4F21-A486-26FEB6913421}"/>
                 </a:ext>
               </a:extLst>
             </p:cNvPr>
@@ -11401,8 +11252,8 @@
           </p:nvSpPr>
           <p:spPr>
             <a:xfrm>
-              <a:off x="3977674" y="4146827"/>
-              <a:ext cx="1591582" cy="523220"/>
+              <a:off x="1435200" y="2425148"/>
+              <a:ext cx="2526748" cy="523220"/>
             </a:xfrm>
             <a:prstGeom prst="rect">
               <a:avLst/>
@@ -11415,231 +11266,30 @@
             </a:bodyPr>
             <a:lstStyle/>
             <a:p>
-              <a:pPr algn="ctr"/>
               <a:r>
-                <a:rPr lang="en-US" sz="1400" b="1" dirty="0">
+                <a:rPr lang="en-US" sz="1400" dirty="0">
                   <a:solidFill>
-                    <a:srgbClr val="A6A6A6"/>
+                    <a:srgbClr val="5D7373"/>
                   </a:solidFill>
                   <a:latin typeface="Tw Cen MT" panose="020B0602020104020603" pitchFamily="34" charset="0"/>
                 </a:rPr>
-                <a:t>Here Add Some Own Text of Yours</a:t>
+                <a:t>olaj1</a:t>
+              </a:r>
+            </a:p>
+            <a:p>
+              <a:r>
+                <a:rPr lang="en-US" sz="1400" dirty="0">
+                  <a:solidFill>
+                    <a:srgbClr val="5D7373"/>
+                  </a:solidFill>
+                  <a:latin typeface="Tw Cen MT" panose="020B0602020104020603" pitchFamily="34" charset="0"/>
+                </a:rPr>
+                <a:t>olaj2</a:t>
               </a:r>
             </a:p>
           </p:txBody>
         </p:sp>
       </p:grpSp>
-      <p:grpSp>
-        <p:nvGrpSpPr>
-          <p:cNvPr id="120" name="Group 119">
-            <a:extLst>
-              <a:ext uri="{FF2B5EF4-FFF2-40B4-BE49-F238E27FC236}">
-                <a16:creationId xmlns:a16="http://schemas.microsoft.com/office/drawing/2014/main" id="{1F66AC79-730F-4E07-974E-4F08542F2C4A}"/>
-              </a:ext>
-            </a:extLst>
-          </p:cNvPr>
-          <p:cNvGrpSpPr/>
-          <p:nvPr/>
-        </p:nvGrpSpPr>
-        <p:grpSpPr>
-          <a:xfrm>
-            <a:off x="8083100" y="3146196"/>
-            <a:ext cx="1591582" cy="832605"/>
-            <a:chOff x="6488272" y="3837442"/>
-            <a:chExt cx="1591582" cy="832605"/>
-          </a:xfrm>
-        </p:grpSpPr>
-        <p:sp>
-          <p:nvSpPr>
-            <p:cNvPr id="121" name="TextBox 120">
-              <a:extLst>
-                <a:ext uri="{FF2B5EF4-FFF2-40B4-BE49-F238E27FC236}">
-                  <a16:creationId xmlns:a16="http://schemas.microsoft.com/office/drawing/2014/main" id="{D025EBC6-5731-4D97-B58C-0E0C20D47817}"/>
-                </a:ext>
-              </a:extLst>
-            </p:cNvPr>
-            <p:cNvSpPr txBox="1"/>
-            <p:nvPr/>
-          </p:nvSpPr>
-          <p:spPr>
-            <a:xfrm>
-              <a:off x="6488272" y="3837442"/>
-              <a:ext cx="1591582" cy="369332"/>
-            </a:xfrm>
-            <a:prstGeom prst="rect">
-              <a:avLst/>
-            </a:prstGeom>
-            <a:noFill/>
-          </p:spPr>
-          <p:txBody>
-            <a:bodyPr wrap="square" rtlCol="0">
-              <a:spAutoFit/>
-            </a:bodyPr>
-            <a:lstStyle/>
-            <a:p>
-              <a:pPr algn="ctr"/>
-              <a:r>
-                <a:rPr lang="en-US" b="1" dirty="0">
-                  <a:solidFill>
-                    <a:srgbClr val="FEC630"/>
-                  </a:solidFill>
-                  <a:latin typeface="Tw Cen MT" panose="020B0602020104020603" pitchFamily="34" charset="0"/>
-                </a:rPr>
-                <a:t>HEADING</a:t>
-              </a:r>
-            </a:p>
-          </p:txBody>
-        </p:sp>
-        <p:sp>
-          <p:nvSpPr>
-            <p:cNvPr id="122" name="TextBox 121">
-              <a:extLst>
-                <a:ext uri="{FF2B5EF4-FFF2-40B4-BE49-F238E27FC236}">
-                  <a16:creationId xmlns:a16="http://schemas.microsoft.com/office/drawing/2014/main" id="{B38973E8-8FEC-48EF-89C3-A1086AD31515}"/>
-                </a:ext>
-              </a:extLst>
-            </p:cNvPr>
-            <p:cNvSpPr txBox="1"/>
-            <p:nvPr/>
-          </p:nvSpPr>
-          <p:spPr>
-            <a:xfrm>
-              <a:off x="6488272" y="4146827"/>
-              <a:ext cx="1591582" cy="523220"/>
-            </a:xfrm>
-            <a:prstGeom prst="rect">
-              <a:avLst/>
-            </a:prstGeom>
-            <a:noFill/>
-          </p:spPr>
-          <p:txBody>
-            <a:bodyPr wrap="square" rtlCol="0">
-              <a:spAutoFit/>
-            </a:bodyPr>
-            <a:lstStyle/>
-            <a:p>
-              <a:pPr algn="ctr"/>
-              <a:r>
-                <a:rPr lang="en-US" sz="1400" b="1" dirty="0">
-                  <a:solidFill>
-                    <a:srgbClr val="A6A6A6"/>
-                  </a:solidFill>
-                  <a:latin typeface="Tw Cen MT" panose="020B0602020104020603" pitchFamily="34" charset="0"/>
-                </a:rPr>
-                <a:t>Here Add Some Own Text of Yours</a:t>
-              </a:r>
-            </a:p>
-          </p:txBody>
-        </p:sp>
-      </p:grpSp>
-      <p:pic>
-        <p:nvPicPr>
-          <p:cNvPr id="3" name="Picture 2">
-            <a:extLst>
-              <a:ext uri="{FF2B5EF4-FFF2-40B4-BE49-F238E27FC236}">
-                <a16:creationId xmlns:a16="http://schemas.microsoft.com/office/drawing/2014/main" id="{D1E1EB09-3B7F-4AD1-85F5-A963B8B7D487}"/>
-              </a:ext>
-            </a:extLst>
-          </p:cNvPr>
-          <p:cNvPicPr>
-            <a:picLocks noChangeAspect="1"/>
-          </p:cNvPicPr>
-          <p:nvPr/>
-        </p:nvPicPr>
-        <p:blipFill>
-          <a:blip r:embed="rId3">
-            <a:extLst>
-              <a:ext uri="{28A0092B-C50C-407E-A947-70E740481C1C}">
-                <a14:useLocalDpi xmlns:a14="http://schemas.microsoft.com/office/drawing/2010/main" val="0"/>
-              </a:ext>
-            </a:extLst>
-          </a:blip>
-          <a:stretch>
-            <a:fillRect/>
-          </a:stretch>
-        </p:blipFill>
-        <p:spPr>
-          <a:xfrm>
-            <a:off x="3425659" y="4229239"/>
-            <a:ext cx="894354" cy="894352"/>
-          </a:xfrm>
-          <a:prstGeom prst="rect">
-            <a:avLst/>
-          </a:prstGeom>
-        </p:spPr>
-      </p:pic>
-      <p:pic>
-        <p:nvPicPr>
-          <p:cNvPr id="7" name="Picture 6">
-            <a:extLst>
-              <a:ext uri="{FF2B5EF4-FFF2-40B4-BE49-F238E27FC236}">
-                <a16:creationId xmlns:a16="http://schemas.microsoft.com/office/drawing/2014/main" id="{14331A99-A934-4099-9190-67078252B1A1}"/>
-              </a:ext>
-            </a:extLst>
-          </p:cNvPr>
-          <p:cNvPicPr>
-            <a:picLocks noChangeAspect="1"/>
-          </p:cNvPicPr>
-          <p:nvPr/>
-        </p:nvPicPr>
-        <p:blipFill>
-          <a:blip r:embed="rId4">
-            <a:extLst>
-              <a:ext uri="{28A0092B-C50C-407E-A947-70E740481C1C}">
-                <a14:useLocalDpi xmlns:a14="http://schemas.microsoft.com/office/drawing/2010/main" val="0"/>
-              </a:ext>
-            </a:extLst>
-          </a:blip>
-          <a:stretch>
-            <a:fillRect/>
-          </a:stretch>
-        </p:blipFill>
-        <p:spPr>
-          <a:xfrm>
-            <a:off x="5921947" y="4229326"/>
-            <a:ext cx="897858" cy="897856"/>
-          </a:xfrm>
-          <a:prstGeom prst="rect">
-            <a:avLst/>
-          </a:prstGeom>
-        </p:spPr>
-      </p:pic>
-      <p:pic>
-        <p:nvPicPr>
-          <p:cNvPr id="9" name="Picture 8">
-            <a:extLst>
-              <a:ext uri="{FF2B5EF4-FFF2-40B4-BE49-F238E27FC236}">
-                <a16:creationId xmlns:a16="http://schemas.microsoft.com/office/drawing/2014/main" id="{F5285DFE-7CB0-4F85-899B-F151E785F8D8}"/>
-              </a:ext>
-            </a:extLst>
-          </p:cNvPr>
-          <p:cNvPicPr>
-            <a:picLocks noChangeAspect="1"/>
-          </p:cNvPicPr>
-          <p:nvPr/>
-        </p:nvPicPr>
-        <p:blipFill>
-          <a:blip r:embed="rId5">
-            <a:extLst>
-              <a:ext uri="{28A0092B-C50C-407E-A947-70E740481C1C}">
-                <a14:useLocalDpi xmlns:a14="http://schemas.microsoft.com/office/drawing/2010/main" val="0"/>
-              </a:ext>
-            </a:extLst>
-          </a:blip>
-          <a:stretch>
-            <a:fillRect/>
-          </a:stretch>
-        </p:blipFill>
-        <p:spPr>
-          <a:xfrm>
-            <a:off x="8431674" y="4229239"/>
-            <a:ext cx="907482" cy="907480"/>
-          </a:xfrm>
-          <a:prstGeom prst="rect">
-            <a:avLst/>
-          </a:prstGeom>
-        </p:spPr>
-      </p:pic>
     </p:spTree>
     <p:extLst>
       <p:ext uri="{BB962C8B-B14F-4D97-AF65-F5344CB8AC3E}">
@@ -11674,6 +11324,9 @@
                     <p:cTn id="3" fill="hold">
                       <p:stCondLst>
                         <p:cond delay="indefinite"/>
+                        <p:cond evt="onBegin" delay="0">
+                          <p:tn val="2"/>
+                        </p:cond>
                       </p:stCondLst>
                       <p:childTnLst>
                         <p:par>
@@ -11683,7 +11336,7 @@
                             </p:stCondLst>
                             <p:childTnLst>
                               <p:par>
-                                <p:cTn id="5" presetID="42" presetClass="entr" presetSubtype="0" fill="hold" grpId="0" nodeType="clickEffect">
+                                <p:cTn id="5" presetID="31" presetClass="entr" presetSubtype="0" fill="hold" nodeType="afterEffect">
                                   <p:stCondLst>
                                     <p:cond delay="0"/>
                                   </p:stCondLst>
@@ -11696,187 +11349,7 @@
                                           </p:stCondLst>
                                         </p:cTn>
                                         <p:tgtEl>
-                                          <p:spTgt spid="108"/>
-                                        </p:tgtEl>
-                                        <p:attrNameLst>
-                                          <p:attrName>style.visibility</p:attrName>
-                                        </p:attrNameLst>
-                                      </p:cBhvr>
-                                      <p:to>
-                                        <p:strVal val="visible"/>
-                                      </p:to>
-                                    </p:set>
-                                    <p:animEffect transition="in" filter="fade">
-                                      <p:cBhvr>
-                                        <p:cTn id="7" dur="500"/>
-                                        <p:tgtEl>
-                                          <p:spTgt spid="108"/>
-                                        </p:tgtEl>
-                                      </p:cBhvr>
-                                    </p:animEffect>
-                                    <p:anim calcmode="lin" valueType="num">
-                                      <p:cBhvr>
-                                        <p:cTn id="8" dur="500" fill="hold"/>
-                                        <p:tgtEl>
-                                          <p:spTgt spid="108"/>
-                                        </p:tgtEl>
-                                        <p:attrNameLst>
-                                          <p:attrName>ppt_x</p:attrName>
-                                        </p:attrNameLst>
-                                      </p:cBhvr>
-                                      <p:tavLst>
-                                        <p:tav tm="0">
-                                          <p:val>
-                                            <p:strVal val="#ppt_x"/>
-                                          </p:val>
-                                        </p:tav>
-                                        <p:tav tm="100000">
-                                          <p:val>
-                                            <p:strVal val="#ppt_x"/>
-                                          </p:val>
-                                        </p:tav>
-                                      </p:tavLst>
-                                    </p:anim>
-                                    <p:anim calcmode="lin" valueType="num">
-                                      <p:cBhvr>
-                                        <p:cTn id="9" dur="500" fill="hold"/>
-                                        <p:tgtEl>
-                                          <p:spTgt spid="108"/>
-                                        </p:tgtEl>
-                                        <p:attrNameLst>
-                                          <p:attrName>ppt_y</p:attrName>
-                                        </p:attrNameLst>
-                                      </p:cBhvr>
-                                      <p:tavLst>
-                                        <p:tav tm="0">
-                                          <p:val>
-                                            <p:strVal val="#ppt_y+.1"/>
-                                          </p:val>
-                                        </p:tav>
-                                        <p:tav tm="100000">
-                                          <p:val>
-                                            <p:strVal val="#ppt_y"/>
-                                          </p:val>
-                                        </p:tav>
-                                      </p:tavLst>
-                                    </p:anim>
-                                  </p:childTnLst>
-                                </p:cTn>
-                              </p:par>
-                            </p:childTnLst>
-                          </p:cTn>
-                        </p:par>
-                        <p:par>
-                          <p:cTn id="10" fill="hold">
-                            <p:stCondLst>
-                              <p:cond delay="500"/>
-                            </p:stCondLst>
-                            <p:childTnLst>
-                              <p:par>
-                                <p:cTn id="11" presetID="42" presetClass="entr" presetSubtype="0" fill="hold" nodeType="afterEffect">
-                                  <p:stCondLst>
-                                    <p:cond delay="250"/>
-                                  </p:stCondLst>
-                                  <p:childTnLst>
-                                    <p:set>
-                                      <p:cBhvr>
-                                        <p:cTn id="12" dur="1" fill="hold">
-                                          <p:stCondLst>
-                                            <p:cond delay="0"/>
-                                          </p:stCondLst>
-                                        </p:cTn>
-                                        <p:tgtEl>
-                                          <p:spTgt spid="104"/>
-                                        </p:tgtEl>
-                                        <p:attrNameLst>
-                                          <p:attrName>style.visibility</p:attrName>
-                                        </p:attrNameLst>
-                                      </p:cBhvr>
-                                      <p:to>
-                                        <p:strVal val="visible"/>
-                                      </p:to>
-                                    </p:set>
-                                    <p:animEffect transition="in" filter="fade">
-                                      <p:cBhvr>
-                                        <p:cTn id="13" dur="500"/>
-                                        <p:tgtEl>
-                                          <p:spTgt spid="104"/>
-                                        </p:tgtEl>
-                                      </p:cBhvr>
-                                    </p:animEffect>
-                                    <p:anim calcmode="lin" valueType="num">
-                                      <p:cBhvr>
-                                        <p:cTn id="14" dur="500" fill="hold"/>
-                                        <p:tgtEl>
-                                          <p:spTgt spid="104"/>
-                                        </p:tgtEl>
-                                        <p:attrNameLst>
-                                          <p:attrName>ppt_x</p:attrName>
-                                        </p:attrNameLst>
-                                      </p:cBhvr>
-                                      <p:tavLst>
-                                        <p:tav tm="0">
-                                          <p:val>
-                                            <p:strVal val="#ppt_x"/>
-                                          </p:val>
-                                        </p:tav>
-                                        <p:tav tm="100000">
-                                          <p:val>
-                                            <p:strVal val="#ppt_x"/>
-                                          </p:val>
-                                        </p:tav>
-                                      </p:tavLst>
-                                    </p:anim>
-                                    <p:anim calcmode="lin" valueType="num">
-                                      <p:cBhvr>
-                                        <p:cTn id="15" dur="500" fill="hold"/>
-                                        <p:tgtEl>
-                                          <p:spTgt spid="104"/>
-                                        </p:tgtEl>
-                                        <p:attrNameLst>
-                                          <p:attrName>ppt_y</p:attrName>
-                                        </p:attrNameLst>
-                                      </p:cBhvr>
-                                      <p:tavLst>
-                                        <p:tav tm="0">
-                                          <p:val>
-                                            <p:strVal val="#ppt_y+.1"/>
-                                          </p:val>
-                                        </p:tav>
-                                        <p:tav tm="100000">
-                                          <p:val>
-                                            <p:strVal val="#ppt_y"/>
-                                          </p:val>
-                                        </p:tav>
-                                      </p:tavLst>
-                                    </p:anim>
-                                  </p:childTnLst>
-                                </p:cTn>
-                              </p:par>
-                            </p:childTnLst>
-                          </p:cTn>
-                        </p:par>
-                        <p:par>
-                          <p:cTn id="16" fill="hold">
-                            <p:stCondLst>
-                              <p:cond delay="1250"/>
-                            </p:stCondLst>
-                            <p:childTnLst>
-                              <p:par>
-                                <p:cTn id="17" presetID="53" presetClass="entr" presetSubtype="16" fill="hold" nodeType="afterEffect">
-                                  <p:stCondLst>
-                                    <p:cond delay="0"/>
-                                  </p:stCondLst>
-                                  <p:childTnLst>
-                                    <p:set>
-                                      <p:cBhvr>
-                                        <p:cTn id="18" dur="1" fill="hold">
-                                          <p:stCondLst>
-                                            <p:cond delay="0"/>
-                                          </p:stCondLst>
-                                        </p:cTn>
-                                        <p:tgtEl>
-                                          <p:spTgt spid="114"/>
+                                          <p:spTgt spid="60"/>
                                         </p:tgtEl>
                                         <p:attrNameLst>
                                           <p:attrName>style.visibility</p:attrName>
@@ -11888,9 +11361,9 @@
                                     </p:set>
                                     <p:anim calcmode="lin" valueType="num">
                                       <p:cBhvr>
-                                        <p:cTn id="19" dur="500" fill="hold"/>
+                                        <p:cTn id="7" dur="500" fill="hold"/>
                                         <p:tgtEl>
-                                          <p:spTgt spid="114"/>
+                                          <p:spTgt spid="60"/>
                                         </p:tgtEl>
                                         <p:attrNameLst>
                                           <p:attrName>ppt_w</p:attrName>
@@ -11911,9 +11384,9 @@
                                     </p:anim>
                                     <p:anim calcmode="lin" valueType="num">
                                       <p:cBhvr>
-                                        <p:cTn id="20" dur="500" fill="hold"/>
+                                        <p:cTn id="8" dur="500" fill="hold"/>
                                         <p:tgtEl>
-                                          <p:spTgt spid="114"/>
+                                          <p:spTgt spid="60"/>
                                         </p:tgtEl>
                                         <p:attrNameLst>
                                           <p:attrName>ppt_h</p:attrName>
@@ -11932,32 +11405,73 @@
                                         </p:tav>
                                       </p:tavLst>
                                     </p:anim>
+                                    <p:anim calcmode="lin" valueType="num">
+                                      <p:cBhvr>
+                                        <p:cTn id="9" dur="500" fill="hold"/>
+                                        <p:tgtEl>
+                                          <p:spTgt spid="60"/>
+                                        </p:tgtEl>
+                                        <p:attrNameLst>
+                                          <p:attrName>style.rotation</p:attrName>
+                                        </p:attrNameLst>
+                                      </p:cBhvr>
+                                      <p:tavLst>
+                                        <p:tav tm="0">
+                                          <p:val>
+                                            <p:fltVal val="90"/>
+                                          </p:val>
+                                        </p:tav>
+                                        <p:tav tm="100000">
+                                          <p:val>
+                                            <p:fltVal val="0"/>
+                                          </p:val>
+                                        </p:tav>
+                                      </p:tavLst>
+                                    </p:anim>
                                     <p:animEffect transition="in" filter="fade">
                                       <p:cBhvr>
-                                        <p:cTn id="21" dur="500"/>
+                                        <p:cTn id="10" dur="500"/>
                                         <p:tgtEl>
-                                          <p:spTgt spid="114"/>
+                                          <p:spTgt spid="60"/>
                                         </p:tgtEl>
                                       </p:cBhvr>
                                     </p:animEffect>
                                   </p:childTnLst>
                                 </p:cTn>
                               </p:par>
+                            </p:childTnLst>
+                          </p:cTn>
+                        </p:par>
+                      </p:childTnLst>
+                    </p:cTn>
+                  </p:par>
+                  <p:par>
+                    <p:cTn id="11" fill="hold">
+                      <p:stCondLst>
+                        <p:cond delay="indefinite"/>
+                      </p:stCondLst>
+                      <p:childTnLst>
+                        <p:par>
+                          <p:cTn id="12" fill="hold">
+                            <p:stCondLst>
+                              <p:cond delay="0"/>
+                            </p:stCondLst>
+                            <p:childTnLst>
                               <p:par>
-                                <p:cTn id="22" presetID="53" presetClass="entr" presetSubtype="16" fill="hold" nodeType="withEffect">
+                                <p:cTn id="13" presetID="31" presetClass="entr" presetSubtype="0" fill="hold" nodeType="clickEffect">
                                   <p:stCondLst>
                                     <p:cond delay="0"/>
                                   </p:stCondLst>
                                   <p:childTnLst>
                                     <p:set>
                                       <p:cBhvr>
-                                        <p:cTn id="23" dur="1" fill="hold">
+                                        <p:cTn id="14" dur="1" fill="hold">
                                           <p:stCondLst>
                                             <p:cond delay="0"/>
                                           </p:stCondLst>
                                         </p:cTn>
                                         <p:tgtEl>
-                                          <p:spTgt spid="3"/>
+                                          <p:spTgt spid="65"/>
                                         </p:tgtEl>
                                         <p:attrNameLst>
                                           <p:attrName>style.visibility</p:attrName>
@@ -11969,9 +11483,9 @@
                                     </p:set>
                                     <p:anim calcmode="lin" valueType="num">
                                       <p:cBhvr>
-                                        <p:cTn id="24" dur="500" fill="hold"/>
+                                        <p:cTn id="15" dur="500" fill="hold"/>
                                         <p:tgtEl>
-                                          <p:spTgt spid="3"/>
+                                          <p:spTgt spid="65"/>
                                         </p:tgtEl>
                                         <p:attrNameLst>
                                           <p:attrName>ppt_w</p:attrName>
@@ -11992,9 +11506,9 @@
                                     </p:anim>
                                     <p:anim calcmode="lin" valueType="num">
                                       <p:cBhvr>
-                                        <p:cTn id="25" dur="500" fill="hold"/>
+                                        <p:cTn id="16" dur="500" fill="hold"/>
                                         <p:tgtEl>
-                                          <p:spTgt spid="3"/>
+                                          <p:spTgt spid="65"/>
                                         </p:tgtEl>
                                         <p:attrNameLst>
                                           <p:attrName>ppt_h</p:attrName>
@@ -12013,11 +11527,34 @@
                                         </p:tav>
                                       </p:tavLst>
                                     </p:anim>
+                                    <p:anim calcmode="lin" valueType="num">
+                                      <p:cBhvr>
+                                        <p:cTn id="17" dur="500" fill="hold"/>
+                                        <p:tgtEl>
+                                          <p:spTgt spid="65"/>
+                                        </p:tgtEl>
+                                        <p:attrNameLst>
+                                          <p:attrName>style.rotation</p:attrName>
+                                        </p:attrNameLst>
+                                      </p:cBhvr>
+                                      <p:tavLst>
+                                        <p:tav tm="0">
+                                          <p:val>
+                                            <p:fltVal val="90"/>
+                                          </p:val>
+                                        </p:tav>
+                                        <p:tav tm="100000">
+                                          <p:val>
+                                            <p:fltVal val="0"/>
+                                          </p:val>
+                                        </p:tav>
+                                      </p:tavLst>
+                                    </p:anim>
                                     <p:animEffect transition="in" filter="fade">
                                       <p:cBhvr>
-                                        <p:cTn id="26" dur="500"/>
+                                        <p:cTn id="18" dur="500"/>
                                         <p:tgtEl>
-                                          <p:spTgt spid="3"/>
+                                          <p:spTgt spid="65"/>
                                         </p:tgtEl>
                                       </p:cBhvr>
                                     </p:animEffect>
@@ -12027,207 +11564,36 @@
                             </p:childTnLst>
                           </p:cTn>
                         </p:par>
+                      </p:childTnLst>
+                    </p:cTn>
+                  </p:par>
+                  <p:par>
+                    <p:cTn id="19" fill="hold">
+                      <p:stCondLst>
+                        <p:cond delay="indefinite"/>
+                      </p:stCondLst>
+                      <p:childTnLst>
                         <p:par>
-                          <p:cTn id="27" fill="hold">
+                          <p:cTn id="20" fill="hold">
                             <p:stCondLst>
-                              <p:cond delay="1750"/>
+                              <p:cond delay="0"/>
                             </p:stCondLst>
                             <p:childTnLst>
                               <p:par>
-                                <p:cTn id="28" presetID="42" presetClass="entr" presetSubtype="0" fill="hold" grpId="0" nodeType="afterEffect">
-                                  <p:stCondLst>
-                                    <p:cond delay="250"/>
-                                  </p:stCondLst>
-                                  <p:childTnLst>
-                                    <p:set>
-                                      <p:cBhvr>
-                                        <p:cTn id="29" dur="1" fill="hold">
-                                          <p:stCondLst>
-                                            <p:cond delay="0"/>
-                                          </p:stCondLst>
-                                        </p:cTn>
-                                        <p:tgtEl>
-                                          <p:spTgt spid="109"/>
-                                        </p:tgtEl>
-                                        <p:attrNameLst>
-                                          <p:attrName>style.visibility</p:attrName>
-                                        </p:attrNameLst>
-                                      </p:cBhvr>
-                                      <p:to>
-                                        <p:strVal val="visible"/>
-                                      </p:to>
-                                    </p:set>
-                                    <p:animEffect transition="in" filter="fade">
-                                      <p:cBhvr>
-                                        <p:cTn id="30" dur="500"/>
-                                        <p:tgtEl>
-                                          <p:spTgt spid="109"/>
-                                        </p:tgtEl>
-                                      </p:cBhvr>
-                                    </p:animEffect>
-                                    <p:anim calcmode="lin" valueType="num">
-                                      <p:cBhvr>
-                                        <p:cTn id="31" dur="500" fill="hold"/>
-                                        <p:tgtEl>
-                                          <p:spTgt spid="109"/>
-                                        </p:tgtEl>
-                                        <p:attrNameLst>
-                                          <p:attrName>ppt_x</p:attrName>
-                                        </p:attrNameLst>
-                                      </p:cBhvr>
-                                      <p:tavLst>
-                                        <p:tav tm="0">
-                                          <p:val>
-                                            <p:strVal val="#ppt_x"/>
-                                          </p:val>
-                                        </p:tav>
-                                        <p:tav tm="100000">
-                                          <p:val>
-                                            <p:strVal val="#ppt_x"/>
-                                          </p:val>
-                                        </p:tav>
-                                      </p:tavLst>
-                                    </p:anim>
-                                    <p:anim calcmode="lin" valueType="num">
-                                      <p:cBhvr>
-                                        <p:cTn id="32" dur="500" fill="hold"/>
-                                        <p:tgtEl>
-                                          <p:spTgt spid="109"/>
-                                        </p:tgtEl>
-                                        <p:attrNameLst>
-                                          <p:attrName>ppt_y</p:attrName>
-                                        </p:attrNameLst>
-                                      </p:cBhvr>
-                                      <p:tavLst>
-                                        <p:tav tm="0">
-                                          <p:val>
-                                            <p:strVal val="#ppt_y+.1"/>
-                                          </p:val>
-                                        </p:tav>
-                                        <p:tav tm="100000">
-                                          <p:val>
-                                            <p:strVal val="#ppt_y"/>
-                                          </p:val>
-                                        </p:tav>
-                                      </p:tavLst>
-                                    </p:anim>
-                                  </p:childTnLst>
-                                </p:cTn>
-                              </p:par>
-                            </p:childTnLst>
-                          </p:cTn>
-                        </p:par>
-                        <p:par>
-                          <p:cTn id="33" fill="hold">
-                            <p:stCondLst>
-                              <p:cond delay="2500"/>
-                            </p:stCondLst>
-                            <p:childTnLst>
-                              <p:par>
-                                <p:cTn id="34" presetID="42" presetClass="entr" presetSubtype="0" fill="hold" nodeType="afterEffect">
-                                  <p:stCondLst>
-                                    <p:cond delay="250"/>
-                                  </p:stCondLst>
-                                  <p:childTnLst>
-                                    <p:set>
-                                      <p:cBhvr>
-                                        <p:cTn id="35" dur="1" fill="hold">
-                                          <p:stCondLst>
-                                            <p:cond delay="0"/>
-                                          </p:stCondLst>
-                                        </p:cTn>
-                                        <p:tgtEl>
-                                          <p:spTgt spid="100"/>
-                                        </p:tgtEl>
-                                        <p:attrNameLst>
-                                          <p:attrName>style.visibility</p:attrName>
-                                        </p:attrNameLst>
-                                      </p:cBhvr>
-                                      <p:to>
-                                        <p:strVal val="visible"/>
-                                      </p:to>
-                                    </p:set>
-                                    <p:animEffect transition="in" filter="fade">
-                                      <p:cBhvr>
-                                        <p:cTn id="36" dur="500"/>
-                                        <p:tgtEl>
-                                          <p:spTgt spid="100"/>
-                                        </p:tgtEl>
-                                      </p:cBhvr>
-                                    </p:animEffect>
-                                    <p:anim calcmode="lin" valueType="num">
-                                      <p:cBhvr>
-                                        <p:cTn id="37" dur="500" fill="hold"/>
-                                        <p:tgtEl>
-                                          <p:spTgt spid="100"/>
-                                        </p:tgtEl>
-                                        <p:attrNameLst>
-                                          <p:attrName>ppt_x</p:attrName>
-                                        </p:attrNameLst>
-                                      </p:cBhvr>
-                                      <p:tavLst>
-                                        <p:tav tm="0">
-                                          <p:val>
-                                            <p:strVal val="#ppt_x"/>
-                                          </p:val>
-                                        </p:tav>
-                                        <p:tav tm="100000">
-                                          <p:val>
-                                            <p:strVal val="#ppt_x"/>
-                                          </p:val>
-                                        </p:tav>
-                                      </p:tavLst>
-                                    </p:anim>
-                                    <p:anim calcmode="lin" valueType="num">
-                                      <p:cBhvr>
-                                        <p:cTn id="38" dur="500" fill="hold"/>
-                                        <p:tgtEl>
-                                          <p:spTgt spid="100"/>
-                                        </p:tgtEl>
-                                        <p:attrNameLst>
-                                          <p:attrName>ppt_y</p:attrName>
-                                        </p:attrNameLst>
-                                      </p:cBhvr>
-                                      <p:tavLst>
-                                        <p:tav tm="0">
-                                          <p:val>
-                                            <p:strVal val="#ppt_y+.1"/>
-                                          </p:val>
-                                        </p:tav>
-                                        <p:tav tm="100000">
-                                          <p:val>
-                                            <p:strVal val="#ppt_y"/>
-                                          </p:val>
-                                        </p:tav>
-                                      </p:tavLst>
-                                    </p:anim>
-                                  </p:childTnLst>
-                                </p:cTn>
-                              </p:par>
-                            </p:childTnLst>
-                          </p:cTn>
-                        </p:par>
-                        <p:par>
-                          <p:cTn id="39" fill="hold">
-                            <p:stCondLst>
-                              <p:cond delay="3250"/>
-                            </p:stCondLst>
-                            <p:childTnLst>
-                              <p:par>
-                                <p:cTn id="40" presetID="53" presetClass="entr" presetSubtype="16" fill="hold" nodeType="afterEffect">
+                                <p:cTn id="21" presetID="31" presetClass="entr" presetSubtype="0" fill="hold" nodeType="clickEffect">
                                   <p:stCondLst>
                                     <p:cond delay="0"/>
                                   </p:stCondLst>
                                   <p:childTnLst>
                                     <p:set>
                                       <p:cBhvr>
-                                        <p:cTn id="41" dur="1" fill="hold">
+                                        <p:cTn id="22" dur="1" fill="hold">
                                           <p:stCondLst>
                                             <p:cond delay="0"/>
                                           </p:stCondLst>
                                         </p:cTn>
                                         <p:tgtEl>
-                                          <p:spTgt spid="117"/>
+                                          <p:spTgt spid="70"/>
                                         </p:tgtEl>
                                         <p:attrNameLst>
                                           <p:attrName>style.visibility</p:attrName>
@@ -12239,9 +11605,9 @@
                                     </p:set>
                                     <p:anim calcmode="lin" valueType="num">
                                       <p:cBhvr>
-                                        <p:cTn id="42" dur="500" fill="hold"/>
+                                        <p:cTn id="23" dur="500" fill="hold"/>
                                         <p:tgtEl>
-                                          <p:spTgt spid="117"/>
+                                          <p:spTgt spid="70"/>
                                         </p:tgtEl>
                                         <p:attrNameLst>
                                           <p:attrName>ppt_w</p:attrName>
@@ -12262,9 +11628,9 @@
                                     </p:anim>
                                     <p:anim calcmode="lin" valueType="num">
                                       <p:cBhvr>
-                                        <p:cTn id="43" dur="500" fill="hold"/>
+                                        <p:cTn id="24" dur="500" fill="hold"/>
                                         <p:tgtEl>
-                                          <p:spTgt spid="117"/>
+                                          <p:spTgt spid="70"/>
                                         </p:tgtEl>
                                         <p:attrNameLst>
                                           <p:attrName>ppt_h</p:attrName>
@@ -12283,32 +11649,73 @@
                                         </p:tav>
                                       </p:tavLst>
                                     </p:anim>
+                                    <p:anim calcmode="lin" valueType="num">
+                                      <p:cBhvr>
+                                        <p:cTn id="25" dur="500" fill="hold"/>
+                                        <p:tgtEl>
+                                          <p:spTgt spid="70"/>
+                                        </p:tgtEl>
+                                        <p:attrNameLst>
+                                          <p:attrName>style.rotation</p:attrName>
+                                        </p:attrNameLst>
+                                      </p:cBhvr>
+                                      <p:tavLst>
+                                        <p:tav tm="0">
+                                          <p:val>
+                                            <p:fltVal val="90"/>
+                                          </p:val>
+                                        </p:tav>
+                                        <p:tav tm="100000">
+                                          <p:val>
+                                            <p:fltVal val="0"/>
+                                          </p:val>
+                                        </p:tav>
+                                      </p:tavLst>
+                                    </p:anim>
                                     <p:animEffect transition="in" filter="fade">
                                       <p:cBhvr>
-                                        <p:cTn id="44" dur="500"/>
+                                        <p:cTn id="26" dur="500"/>
                                         <p:tgtEl>
-                                          <p:spTgt spid="117"/>
+                                          <p:spTgt spid="70"/>
                                         </p:tgtEl>
                                       </p:cBhvr>
                                     </p:animEffect>
                                   </p:childTnLst>
                                 </p:cTn>
                               </p:par>
+                            </p:childTnLst>
+                          </p:cTn>
+                        </p:par>
+                      </p:childTnLst>
+                    </p:cTn>
+                  </p:par>
+                  <p:par>
+                    <p:cTn id="27" fill="hold">
+                      <p:stCondLst>
+                        <p:cond delay="indefinite"/>
+                      </p:stCondLst>
+                      <p:childTnLst>
+                        <p:par>
+                          <p:cTn id="28" fill="hold">
+                            <p:stCondLst>
+                              <p:cond delay="0"/>
+                            </p:stCondLst>
+                            <p:childTnLst>
                               <p:par>
-                                <p:cTn id="45" presetID="53" presetClass="entr" presetSubtype="16" fill="hold" nodeType="withEffect">
+                                <p:cTn id="29" presetID="31" presetClass="entr" presetSubtype="0" fill="hold" nodeType="clickEffect">
                                   <p:stCondLst>
                                     <p:cond delay="0"/>
                                   </p:stCondLst>
                                   <p:childTnLst>
                                     <p:set>
                                       <p:cBhvr>
-                                        <p:cTn id="46" dur="1" fill="hold">
+                                        <p:cTn id="30" dur="1" fill="hold">
                                           <p:stCondLst>
                                             <p:cond delay="0"/>
                                           </p:stCondLst>
                                         </p:cTn>
                                         <p:tgtEl>
-                                          <p:spTgt spid="7"/>
+                                          <p:spTgt spid="75"/>
                                         </p:tgtEl>
                                         <p:attrNameLst>
                                           <p:attrName>style.visibility</p:attrName>
@@ -12320,9 +11727,9 @@
                                     </p:set>
                                     <p:anim calcmode="lin" valueType="num">
                                       <p:cBhvr>
-                                        <p:cTn id="47" dur="500" fill="hold"/>
+                                        <p:cTn id="31" dur="500" fill="hold"/>
                                         <p:tgtEl>
-                                          <p:spTgt spid="7"/>
+                                          <p:spTgt spid="75"/>
                                         </p:tgtEl>
                                         <p:attrNameLst>
                                           <p:attrName>ppt_w</p:attrName>
@@ -12343,9 +11750,9 @@
                                     </p:anim>
                                     <p:anim calcmode="lin" valueType="num">
                                       <p:cBhvr>
-                                        <p:cTn id="48" dur="500" fill="hold"/>
+                                        <p:cTn id="32" dur="500" fill="hold"/>
                                         <p:tgtEl>
-                                          <p:spTgt spid="7"/>
+                                          <p:spTgt spid="75"/>
                                         </p:tgtEl>
                                         <p:attrNameLst>
                                           <p:attrName>ppt_h</p:attrName>
@@ -12364,362 +11771,34 @@
                                         </p:tav>
                                       </p:tavLst>
                                     </p:anim>
-                                    <p:animEffect transition="in" filter="fade">
+                                    <p:anim calcmode="lin" valueType="num">
                                       <p:cBhvr>
-                                        <p:cTn id="49" dur="500"/>
+                                        <p:cTn id="33" dur="500" fill="hold"/>
                                         <p:tgtEl>
-                                          <p:spTgt spid="7"/>
-                                        </p:tgtEl>
-                                      </p:cBhvr>
-                                    </p:animEffect>
-                                  </p:childTnLst>
-                                </p:cTn>
-                              </p:par>
-                            </p:childTnLst>
-                          </p:cTn>
-                        </p:par>
-                        <p:par>
-                          <p:cTn id="50" fill="hold">
-                            <p:stCondLst>
-                              <p:cond delay="3750"/>
-                            </p:stCondLst>
-                            <p:childTnLst>
-                              <p:par>
-                                <p:cTn id="51" presetID="42" presetClass="entr" presetSubtype="0" fill="hold" grpId="0" nodeType="afterEffect">
-                                  <p:stCondLst>
-                                    <p:cond delay="250"/>
-                                  </p:stCondLst>
-                                  <p:childTnLst>
-                                    <p:set>
-                                      <p:cBhvr>
-                                        <p:cTn id="52" dur="1" fill="hold">
-                                          <p:stCondLst>
-                                            <p:cond delay="0"/>
-                                          </p:stCondLst>
-                                        </p:cTn>
-                                        <p:tgtEl>
-                                          <p:spTgt spid="110"/>
+                                          <p:spTgt spid="75"/>
                                         </p:tgtEl>
                                         <p:attrNameLst>
-                                          <p:attrName>style.visibility</p:attrName>
-                                        </p:attrNameLst>
-                                      </p:cBhvr>
-                                      <p:to>
-                                        <p:strVal val="visible"/>
-                                      </p:to>
-                                    </p:set>
-                                    <p:animEffect transition="in" filter="fade">
-                                      <p:cBhvr>
-                                        <p:cTn id="53" dur="500"/>
-                                        <p:tgtEl>
-                                          <p:spTgt spid="110"/>
-                                        </p:tgtEl>
-                                      </p:cBhvr>
-                                    </p:animEffect>
-                                    <p:anim calcmode="lin" valueType="num">
-                                      <p:cBhvr>
-                                        <p:cTn id="54" dur="500" fill="hold"/>
-                                        <p:tgtEl>
-                                          <p:spTgt spid="110"/>
-                                        </p:tgtEl>
-                                        <p:attrNameLst>
-                                          <p:attrName>ppt_x</p:attrName>
+                                          <p:attrName>style.rotation</p:attrName>
                                         </p:attrNameLst>
                                       </p:cBhvr>
                                       <p:tavLst>
                                         <p:tav tm="0">
                                           <p:val>
-                                            <p:strVal val="#ppt_x"/>
+                                            <p:fltVal val="90"/>
                                           </p:val>
                                         </p:tav>
                                         <p:tav tm="100000">
                                           <p:val>
-                                            <p:strVal val="#ppt_x"/>
-                                          </p:val>
-                                        </p:tav>
-                                      </p:tavLst>
-                                    </p:anim>
-                                    <p:anim calcmode="lin" valueType="num">
-                                      <p:cBhvr>
-                                        <p:cTn id="55" dur="500" fill="hold"/>
-                                        <p:tgtEl>
-                                          <p:spTgt spid="110"/>
-                                        </p:tgtEl>
-                                        <p:attrNameLst>
-                                          <p:attrName>ppt_y</p:attrName>
-                                        </p:attrNameLst>
-                                      </p:cBhvr>
-                                      <p:tavLst>
-                                        <p:tav tm="0">
-                                          <p:val>
-                                            <p:strVal val="#ppt_y+.1"/>
-                                          </p:val>
-                                        </p:tav>
-                                        <p:tav tm="100000">
-                                          <p:val>
-                                            <p:strVal val="#ppt_y"/>
-                                          </p:val>
-                                        </p:tav>
-                                      </p:tavLst>
-                                    </p:anim>
-                                  </p:childTnLst>
-                                </p:cTn>
-                              </p:par>
-                            </p:childTnLst>
-                          </p:cTn>
-                        </p:par>
-                        <p:par>
-                          <p:cTn id="56" fill="hold">
-                            <p:stCondLst>
-                              <p:cond delay="4500"/>
-                            </p:stCondLst>
-                            <p:childTnLst>
-                              <p:par>
-                                <p:cTn id="57" presetID="42" presetClass="entr" presetSubtype="0" fill="hold" nodeType="afterEffect">
-                                  <p:stCondLst>
-                                    <p:cond delay="250"/>
-                                  </p:stCondLst>
-                                  <p:childTnLst>
-                                    <p:set>
-                                      <p:cBhvr>
-                                        <p:cTn id="58" dur="1" fill="hold">
-                                          <p:stCondLst>
-                                            <p:cond delay="0"/>
-                                          </p:stCondLst>
-                                        </p:cTn>
-                                        <p:tgtEl>
-                                          <p:spTgt spid="96"/>
-                                        </p:tgtEl>
-                                        <p:attrNameLst>
-                                          <p:attrName>style.visibility</p:attrName>
-                                        </p:attrNameLst>
-                                      </p:cBhvr>
-                                      <p:to>
-                                        <p:strVal val="visible"/>
-                                      </p:to>
-                                    </p:set>
-                                    <p:animEffect transition="in" filter="fade">
-                                      <p:cBhvr>
-                                        <p:cTn id="59" dur="500"/>
-                                        <p:tgtEl>
-                                          <p:spTgt spid="96"/>
-                                        </p:tgtEl>
-                                      </p:cBhvr>
-                                    </p:animEffect>
-                                    <p:anim calcmode="lin" valueType="num">
-                                      <p:cBhvr>
-                                        <p:cTn id="60" dur="500" fill="hold"/>
-                                        <p:tgtEl>
-                                          <p:spTgt spid="96"/>
-                                        </p:tgtEl>
-                                        <p:attrNameLst>
-                                          <p:attrName>ppt_x</p:attrName>
-                                        </p:attrNameLst>
-                                      </p:cBhvr>
-                                      <p:tavLst>
-                                        <p:tav tm="0">
-                                          <p:val>
-                                            <p:strVal val="#ppt_x"/>
-                                          </p:val>
-                                        </p:tav>
-                                        <p:tav tm="100000">
-                                          <p:val>
-                                            <p:strVal val="#ppt_x"/>
-                                          </p:val>
-                                        </p:tav>
-                                      </p:tavLst>
-                                    </p:anim>
-                                    <p:anim calcmode="lin" valueType="num">
-                                      <p:cBhvr>
-                                        <p:cTn id="61" dur="500" fill="hold"/>
-                                        <p:tgtEl>
-                                          <p:spTgt spid="96"/>
-                                        </p:tgtEl>
-                                        <p:attrNameLst>
-                                          <p:attrName>ppt_y</p:attrName>
-                                        </p:attrNameLst>
-                                      </p:cBhvr>
-                                      <p:tavLst>
-                                        <p:tav tm="0">
-                                          <p:val>
-                                            <p:strVal val="#ppt_y+.1"/>
-                                          </p:val>
-                                        </p:tav>
-                                        <p:tav tm="100000">
-                                          <p:val>
-                                            <p:strVal val="#ppt_y"/>
-                                          </p:val>
-                                        </p:tav>
-                                      </p:tavLst>
-                                    </p:anim>
-                                  </p:childTnLst>
-                                </p:cTn>
-                              </p:par>
-                            </p:childTnLst>
-                          </p:cTn>
-                        </p:par>
-                        <p:par>
-                          <p:cTn id="62" fill="hold">
-                            <p:stCondLst>
-                              <p:cond delay="5250"/>
-                            </p:stCondLst>
-                            <p:childTnLst>
-                              <p:par>
-                                <p:cTn id="63" presetID="53" presetClass="entr" presetSubtype="16" fill="hold" nodeType="afterEffect">
-                                  <p:stCondLst>
-                                    <p:cond delay="0"/>
-                                  </p:stCondLst>
-                                  <p:childTnLst>
-                                    <p:set>
-                                      <p:cBhvr>
-                                        <p:cTn id="64" dur="1" fill="hold">
-                                          <p:stCondLst>
-                                            <p:cond delay="0"/>
-                                          </p:stCondLst>
-                                        </p:cTn>
-                                        <p:tgtEl>
-                                          <p:spTgt spid="120"/>
-                                        </p:tgtEl>
-                                        <p:attrNameLst>
-                                          <p:attrName>style.visibility</p:attrName>
-                                        </p:attrNameLst>
-                                      </p:cBhvr>
-                                      <p:to>
-                                        <p:strVal val="visible"/>
-                                      </p:to>
-                                    </p:set>
-                                    <p:anim calcmode="lin" valueType="num">
-                                      <p:cBhvr>
-                                        <p:cTn id="65" dur="500" fill="hold"/>
-                                        <p:tgtEl>
-                                          <p:spTgt spid="120"/>
-                                        </p:tgtEl>
-                                        <p:attrNameLst>
-                                          <p:attrName>ppt_w</p:attrName>
-                                        </p:attrNameLst>
-                                      </p:cBhvr>
-                                      <p:tavLst>
-                                        <p:tav tm="0">
-                                          <p:val>
                                             <p:fltVal val="0"/>
-                                          </p:val>
-                                        </p:tav>
-                                        <p:tav tm="100000">
-                                          <p:val>
-                                            <p:strVal val="#ppt_w"/>
-                                          </p:val>
-                                        </p:tav>
-                                      </p:tavLst>
-                                    </p:anim>
-                                    <p:anim calcmode="lin" valueType="num">
-                                      <p:cBhvr>
-                                        <p:cTn id="66" dur="500" fill="hold"/>
-                                        <p:tgtEl>
-                                          <p:spTgt spid="120"/>
-                                        </p:tgtEl>
-                                        <p:attrNameLst>
-                                          <p:attrName>ppt_h</p:attrName>
-                                        </p:attrNameLst>
-                                      </p:cBhvr>
-                                      <p:tavLst>
-                                        <p:tav tm="0">
-                                          <p:val>
-                                            <p:fltVal val="0"/>
-                                          </p:val>
-                                        </p:tav>
-                                        <p:tav tm="100000">
-                                          <p:val>
-                                            <p:strVal val="#ppt_h"/>
                                           </p:val>
                                         </p:tav>
                                       </p:tavLst>
                                     </p:anim>
                                     <p:animEffect transition="in" filter="fade">
                                       <p:cBhvr>
-                                        <p:cTn id="67" dur="500"/>
+                                        <p:cTn id="34" dur="500"/>
                                         <p:tgtEl>
-                                          <p:spTgt spid="120"/>
-                                        </p:tgtEl>
-                                      </p:cBhvr>
-                                    </p:animEffect>
-                                  </p:childTnLst>
-                                </p:cTn>
-                              </p:par>
-                              <p:par>
-                                <p:cTn id="68" presetID="53" presetClass="entr" presetSubtype="16" fill="hold" nodeType="withEffect">
-                                  <p:stCondLst>
-                                    <p:cond delay="0"/>
-                                  </p:stCondLst>
-                                  <p:childTnLst>
-                                    <p:set>
-                                      <p:cBhvr>
-                                        <p:cTn id="69" dur="1" fill="hold">
-                                          <p:stCondLst>
-                                            <p:cond delay="0"/>
-                                          </p:stCondLst>
-                                        </p:cTn>
-                                        <p:tgtEl>
-                                          <p:spTgt spid="9"/>
-                                        </p:tgtEl>
-                                        <p:attrNameLst>
-                                          <p:attrName>style.visibility</p:attrName>
-                                        </p:attrNameLst>
-                                      </p:cBhvr>
-                                      <p:to>
-                                        <p:strVal val="visible"/>
-                                      </p:to>
-                                    </p:set>
-                                    <p:anim calcmode="lin" valueType="num">
-                                      <p:cBhvr>
-                                        <p:cTn id="70" dur="500" fill="hold"/>
-                                        <p:tgtEl>
-                                          <p:spTgt spid="9"/>
-                                        </p:tgtEl>
-                                        <p:attrNameLst>
-                                          <p:attrName>ppt_w</p:attrName>
-                                        </p:attrNameLst>
-                                      </p:cBhvr>
-                                      <p:tavLst>
-                                        <p:tav tm="0">
-                                          <p:val>
-                                            <p:fltVal val="0"/>
-                                          </p:val>
-                                        </p:tav>
-                                        <p:tav tm="100000">
-                                          <p:val>
-                                            <p:strVal val="#ppt_w"/>
-                                          </p:val>
-                                        </p:tav>
-                                      </p:tavLst>
-                                    </p:anim>
-                                    <p:anim calcmode="lin" valueType="num">
-                                      <p:cBhvr>
-                                        <p:cTn id="71" dur="500" fill="hold"/>
-                                        <p:tgtEl>
-                                          <p:spTgt spid="9"/>
-                                        </p:tgtEl>
-                                        <p:attrNameLst>
-                                          <p:attrName>ppt_h</p:attrName>
-                                        </p:attrNameLst>
-                                      </p:cBhvr>
-                                      <p:tavLst>
-                                        <p:tav tm="0">
-                                          <p:val>
-                                            <p:fltVal val="0"/>
-                                          </p:val>
-                                        </p:tav>
-                                        <p:tav tm="100000">
-                                          <p:val>
-                                            <p:strVal val="#ppt_h"/>
-                                          </p:val>
-                                        </p:tav>
-                                      </p:tavLst>
-                                    </p:anim>
-                                    <p:animEffect transition="in" filter="fade">
-                                      <p:cBhvr>
-                                        <p:cTn id="72" dur="500"/>
-                                        <p:tgtEl>
-                                          <p:spTgt spid="9"/>
+                                          <p:spTgt spid="75"/>
                                         </p:tgtEl>
                                       </p:cBhvr>
                                     </p:animEffect>
@@ -12753,11 +11832,6 @@
         </p:cTn>
       </p:par>
     </p:tnLst>
-    <p:bldLst>
-      <p:bldP spid="108" grpId="0" animBg="1"/>
-      <p:bldP spid="109" grpId="0" animBg="1"/>
-      <p:bldP spid="110" grpId="0" animBg="1"/>
-    </p:bldLst>
   </p:timing>
 </p:sld>
 </file>
@@ -14472,55 +13546,12 @@
           </p:spPr>
         </p:pic>
       </p:grpSp>
-      <p:cxnSp>
-        <p:nvCxnSpPr>
-          <p:cNvPr id="96" name="Straight Connector 95">
+      <p:grpSp>
+        <p:nvGrpSpPr>
+          <p:cNvPr id="90" name="Group 112">
             <a:extLst>
               <a:ext uri="{FF2B5EF4-FFF2-40B4-BE49-F238E27FC236}">
-                <a16:creationId xmlns:a16="http://schemas.microsoft.com/office/drawing/2014/main" id="{7277CEC9-24C9-4B1D-964A-A216786A7724}"/>
-              </a:ext>
-            </a:extLst>
-          </p:cNvPr>
-          <p:cNvCxnSpPr/>
-          <p:nvPr/>
-        </p:nvCxnSpPr>
-        <p:spPr>
-          <a:xfrm>
-            <a:off x="3850016" y="3623253"/>
-            <a:ext cx="1966913" cy="0"/>
-          </a:xfrm>
-          <a:prstGeom prst="line">
-            <a:avLst/>
-          </a:prstGeom>
-          <a:ln w="28575">
-            <a:solidFill>
-              <a:schemeClr val="bg1">
-                <a:lumMod val="85000"/>
-              </a:schemeClr>
-            </a:solidFill>
-          </a:ln>
-        </p:spPr>
-        <p:style>
-          <a:lnRef idx="1">
-            <a:schemeClr val="accent1"/>
-          </a:lnRef>
-          <a:fillRef idx="0">
-            <a:schemeClr val="accent1"/>
-          </a:fillRef>
-          <a:effectRef idx="0">
-            <a:schemeClr val="accent1"/>
-          </a:effectRef>
-          <a:fontRef idx="minor">
-            <a:schemeClr val="tx1"/>
-          </a:fontRef>
-        </p:style>
-      </p:cxnSp>
-      <p:grpSp>
-        <p:nvGrpSpPr>
-          <p:cNvPr id="97" name="Group 96">
-            <a:extLst>
-              <a:ext uri="{FF2B5EF4-FFF2-40B4-BE49-F238E27FC236}">
-                <a16:creationId xmlns:a16="http://schemas.microsoft.com/office/drawing/2014/main" id="{F1840EDE-DF70-433F-86FE-A402BC5C2DDE}"/>
+                <a16:creationId xmlns:a16="http://schemas.microsoft.com/office/drawing/2014/main" id="{A8664DD3-F47B-4F2D-8475-F69D83FCAB6B}"/>
               </a:ext>
             </a:extLst>
           </p:cNvPr>
@@ -14529,18 +13560,18 @@
         </p:nvGrpSpPr>
         <p:grpSpPr>
           <a:xfrm>
-            <a:off x="3638922" y="3517706"/>
-            <a:ext cx="211094" cy="211094"/>
-            <a:chOff x="1677812" y="4248152"/>
-            <a:chExt cx="211094" cy="211094"/>
+            <a:off x="3021802" y="562644"/>
+            <a:ext cx="5772001" cy="1236861"/>
+            <a:chOff x="764723" y="2142394"/>
+            <a:chExt cx="5772001" cy="1236861"/>
           </a:xfrm>
         </p:grpSpPr>
         <p:sp>
           <p:nvSpPr>
-            <p:cNvPr id="98" name="Oval 97">
-              <a:extLst>
-                <a:ext uri="{FF2B5EF4-FFF2-40B4-BE49-F238E27FC236}">
-                  <a16:creationId xmlns:a16="http://schemas.microsoft.com/office/drawing/2014/main" id="{43B84625-CD81-4477-AFEA-2D657FFA16C5}"/>
+            <p:cNvPr id="91" name="Oval 113">
+              <a:extLst>
+                <a:ext uri="{FF2B5EF4-FFF2-40B4-BE49-F238E27FC236}">
+                  <a16:creationId xmlns:a16="http://schemas.microsoft.com/office/drawing/2014/main" id="{C5692757-CCCF-404D-A1B7-B279DEAB9519}"/>
                 </a:ext>
               </a:extLst>
             </p:cNvPr>
@@ -14549,942 +13580,14 @@
           </p:nvSpPr>
           <p:spPr>
             <a:xfrm>
-              <a:off x="1677812" y="4248152"/>
-              <a:ext cx="211094" cy="211094"/>
-            </a:xfrm>
-            <a:prstGeom prst="ellipse">
-              <a:avLst/>
-            </a:prstGeom>
-            <a:solidFill>
-              <a:schemeClr val="bg1">
-                <a:lumMod val="85000"/>
-              </a:schemeClr>
-            </a:solidFill>
-            <a:ln>
-              <a:noFill/>
-            </a:ln>
-          </p:spPr>
-          <p:style>
-            <a:lnRef idx="2">
-              <a:schemeClr val="accent1">
-                <a:shade val="50000"/>
-              </a:schemeClr>
-            </a:lnRef>
-            <a:fillRef idx="1">
-              <a:schemeClr val="accent1"/>
-            </a:fillRef>
-            <a:effectRef idx="0">
-              <a:schemeClr val="accent1"/>
-            </a:effectRef>
-            <a:fontRef idx="minor">
-              <a:schemeClr val="lt1"/>
-            </a:fontRef>
-          </p:style>
-          <p:txBody>
-            <a:bodyPr rtlCol="0" anchor="ctr"/>
-            <a:lstStyle/>
-            <a:p>
-              <a:pPr algn="ctr"/>
-              <a:endParaRPr lang="en-US"/>
-            </a:p>
-          </p:txBody>
-        </p:sp>
-        <p:sp>
-          <p:nvSpPr>
-            <p:cNvPr id="99" name="Oval 98">
-              <a:extLst>
-                <a:ext uri="{FF2B5EF4-FFF2-40B4-BE49-F238E27FC236}">
-                  <a16:creationId xmlns:a16="http://schemas.microsoft.com/office/drawing/2014/main" id="{90BB5737-FB23-4CC2-81BC-52D57E7FB8E9}"/>
-                </a:ext>
-              </a:extLst>
-            </p:cNvPr>
-            <p:cNvSpPr/>
-            <p:nvPr/>
-          </p:nvSpPr>
-          <p:spPr>
-            <a:xfrm>
-              <a:off x="1708100" y="4278440"/>
-              <a:ext cx="150518" cy="150518"/>
+              <a:off x="764723" y="2277144"/>
+              <a:ext cx="662056" cy="662056"/>
             </a:xfrm>
             <a:prstGeom prst="ellipse">
               <a:avLst/>
             </a:prstGeom>
             <a:solidFill>
               <a:srgbClr val="FF5969"/>
-            </a:solidFill>
-            <a:ln>
-              <a:noFill/>
-            </a:ln>
-          </p:spPr>
-          <p:style>
-            <a:lnRef idx="2">
-              <a:schemeClr val="accent1">
-                <a:shade val="50000"/>
-              </a:schemeClr>
-            </a:lnRef>
-            <a:fillRef idx="1">
-              <a:schemeClr val="accent1"/>
-            </a:fillRef>
-            <a:effectRef idx="0">
-              <a:schemeClr val="accent1"/>
-            </a:effectRef>
-            <a:fontRef idx="minor">
-              <a:schemeClr val="lt1"/>
-            </a:fontRef>
-          </p:style>
-          <p:txBody>
-            <a:bodyPr rtlCol="0" anchor="ctr"/>
-            <a:lstStyle/>
-            <a:p>
-              <a:pPr algn="ctr"/>
-              <a:endParaRPr lang="en-US"/>
-            </a:p>
-          </p:txBody>
-        </p:sp>
-      </p:grpSp>
-      <p:cxnSp>
-        <p:nvCxnSpPr>
-          <p:cNvPr id="100" name="Straight Connector 99">
-            <a:extLst>
-              <a:ext uri="{FF2B5EF4-FFF2-40B4-BE49-F238E27FC236}">
-                <a16:creationId xmlns:a16="http://schemas.microsoft.com/office/drawing/2014/main" id="{D5DAD85F-381F-4EA0-9781-3C23F8D9AC73}"/>
-              </a:ext>
-            </a:extLst>
-          </p:cNvPr>
-          <p:cNvCxnSpPr/>
-          <p:nvPr/>
-        </p:nvCxnSpPr>
-        <p:spPr>
-          <a:xfrm>
-            <a:off x="5997735" y="3623253"/>
-            <a:ext cx="1966913" cy="0"/>
-          </a:xfrm>
-          <a:prstGeom prst="line">
-            <a:avLst/>
-          </a:prstGeom>
-          <a:ln w="28575">
-            <a:solidFill>
-              <a:schemeClr val="bg1">
-                <a:lumMod val="85000"/>
-              </a:schemeClr>
-            </a:solidFill>
-          </a:ln>
-        </p:spPr>
-        <p:style>
-          <a:lnRef idx="1">
-            <a:schemeClr val="accent1"/>
-          </a:lnRef>
-          <a:fillRef idx="0">
-            <a:schemeClr val="accent1"/>
-          </a:fillRef>
-          <a:effectRef idx="0">
-            <a:schemeClr val="accent1"/>
-          </a:effectRef>
-          <a:fontRef idx="minor">
-            <a:schemeClr val="tx1"/>
-          </a:fontRef>
-        </p:style>
-      </p:cxnSp>
-      <p:grpSp>
-        <p:nvGrpSpPr>
-          <p:cNvPr id="101" name="Group 100">
-            <a:extLst>
-              <a:ext uri="{FF2B5EF4-FFF2-40B4-BE49-F238E27FC236}">
-                <a16:creationId xmlns:a16="http://schemas.microsoft.com/office/drawing/2014/main" id="{E76B67BC-401F-4EA8-8CBE-EEB8DFAA45A7}"/>
-              </a:ext>
-            </a:extLst>
-          </p:cNvPr>
-          <p:cNvGrpSpPr/>
-          <p:nvPr/>
-        </p:nvGrpSpPr>
-        <p:grpSpPr>
-          <a:xfrm>
-            <a:off x="5816929" y="3517706"/>
-            <a:ext cx="211094" cy="211094"/>
-            <a:chOff x="3855819" y="4248152"/>
-            <a:chExt cx="211094" cy="211094"/>
-          </a:xfrm>
-        </p:grpSpPr>
-        <p:sp>
-          <p:nvSpPr>
-            <p:cNvPr id="102" name="Oval 101">
-              <a:extLst>
-                <a:ext uri="{FF2B5EF4-FFF2-40B4-BE49-F238E27FC236}">
-                  <a16:creationId xmlns:a16="http://schemas.microsoft.com/office/drawing/2014/main" id="{A399A27A-C7E8-457C-9D90-A66A1BF1F76F}"/>
-                </a:ext>
-              </a:extLst>
-            </p:cNvPr>
-            <p:cNvSpPr/>
-            <p:nvPr/>
-          </p:nvSpPr>
-          <p:spPr>
-            <a:xfrm>
-              <a:off x="3855819" y="4248152"/>
-              <a:ext cx="211094" cy="211094"/>
-            </a:xfrm>
-            <a:prstGeom prst="ellipse">
-              <a:avLst/>
-            </a:prstGeom>
-            <a:solidFill>
-              <a:schemeClr val="bg1">
-                <a:lumMod val="85000"/>
-              </a:schemeClr>
-            </a:solidFill>
-            <a:ln>
-              <a:noFill/>
-            </a:ln>
-          </p:spPr>
-          <p:style>
-            <a:lnRef idx="2">
-              <a:schemeClr val="accent1">
-                <a:shade val="50000"/>
-              </a:schemeClr>
-            </a:lnRef>
-            <a:fillRef idx="1">
-              <a:schemeClr val="accent1"/>
-            </a:fillRef>
-            <a:effectRef idx="0">
-              <a:schemeClr val="accent1"/>
-            </a:effectRef>
-            <a:fontRef idx="minor">
-              <a:schemeClr val="lt1"/>
-            </a:fontRef>
-          </p:style>
-          <p:txBody>
-            <a:bodyPr rtlCol="0" anchor="ctr"/>
-            <a:lstStyle/>
-            <a:p>
-              <a:pPr algn="ctr"/>
-              <a:endParaRPr lang="en-US"/>
-            </a:p>
-          </p:txBody>
-        </p:sp>
-        <p:sp>
-          <p:nvSpPr>
-            <p:cNvPr id="103" name="Oval 102">
-              <a:extLst>
-                <a:ext uri="{FF2B5EF4-FFF2-40B4-BE49-F238E27FC236}">
-                  <a16:creationId xmlns:a16="http://schemas.microsoft.com/office/drawing/2014/main" id="{C4008114-54A1-42C2-9000-1CC3AE1D8927}"/>
-                </a:ext>
-              </a:extLst>
-            </p:cNvPr>
-            <p:cNvSpPr/>
-            <p:nvPr/>
-          </p:nvSpPr>
-          <p:spPr>
-            <a:xfrm>
-              <a:off x="3886107" y="4278440"/>
-              <a:ext cx="150518" cy="150518"/>
-            </a:xfrm>
-            <a:prstGeom prst="ellipse">
-              <a:avLst/>
-            </a:prstGeom>
-            <a:solidFill>
-              <a:srgbClr val="52CBBE"/>
-            </a:solidFill>
-            <a:ln>
-              <a:noFill/>
-            </a:ln>
-          </p:spPr>
-          <p:style>
-            <a:lnRef idx="2">
-              <a:schemeClr val="accent1">
-                <a:shade val="50000"/>
-              </a:schemeClr>
-            </a:lnRef>
-            <a:fillRef idx="1">
-              <a:schemeClr val="accent1"/>
-            </a:fillRef>
-            <a:effectRef idx="0">
-              <a:schemeClr val="accent1"/>
-            </a:effectRef>
-            <a:fontRef idx="minor">
-              <a:schemeClr val="lt1"/>
-            </a:fontRef>
-          </p:style>
-          <p:txBody>
-            <a:bodyPr rtlCol="0" anchor="ctr"/>
-            <a:lstStyle/>
-            <a:p>
-              <a:pPr algn="ctr"/>
-              <a:endParaRPr lang="en-US"/>
-            </a:p>
-          </p:txBody>
-        </p:sp>
-      </p:grpSp>
-      <p:grpSp>
-        <p:nvGrpSpPr>
-          <p:cNvPr id="104" name="Group 103">
-            <a:extLst>
-              <a:ext uri="{FF2B5EF4-FFF2-40B4-BE49-F238E27FC236}">
-                <a16:creationId xmlns:a16="http://schemas.microsoft.com/office/drawing/2014/main" id="{590AD362-84BB-49C7-8C91-CDB895729924}"/>
-              </a:ext>
-            </a:extLst>
-          </p:cNvPr>
-          <p:cNvGrpSpPr/>
-          <p:nvPr/>
-        </p:nvGrpSpPr>
-        <p:grpSpPr>
-          <a:xfrm>
-            <a:off x="7934360" y="3517706"/>
-            <a:ext cx="211094" cy="211094"/>
-            <a:chOff x="5973250" y="4248152"/>
-            <a:chExt cx="211094" cy="211094"/>
-          </a:xfrm>
-        </p:grpSpPr>
-        <p:sp>
-          <p:nvSpPr>
-            <p:cNvPr id="105" name="Oval 104">
-              <a:extLst>
-                <a:ext uri="{FF2B5EF4-FFF2-40B4-BE49-F238E27FC236}">
-                  <a16:creationId xmlns:a16="http://schemas.microsoft.com/office/drawing/2014/main" id="{A32FB427-F316-4459-B06D-2A2B27FC7053}"/>
-                </a:ext>
-              </a:extLst>
-            </p:cNvPr>
-            <p:cNvSpPr/>
-            <p:nvPr/>
-          </p:nvSpPr>
-          <p:spPr>
-            <a:xfrm>
-              <a:off x="5973250" y="4248152"/>
-              <a:ext cx="211094" cy="211094"/>
-            </a:xfrm>
-            <a:prstGeom prst="ellipse">
-              <a:avLst/>
-            </a:prstGeom>
-            <a:solidFill>
-              <a:schemeClr val="bg1">
-                <a:lumMod val="85000"/>
-              </a:schemeClr>
-            </a:solidFill>
-            <a:ln>
-              <a:noFill/>
-            </a:ln>
-          </p:spPr>
-          <p:style>
-            <a:lnRef idx="2">
-              <a:schemeClr val="accent1">
-                <a:shade val="50000"/>
-              </a:schemeClr>
-            </a:lnRef>
-            <a:fillRef idx="1">
-              <a:schemeClr val="accent1"/>
-            </a:fillRef>
-            <a:effectRef idx="0">
-              <a:schemeClr val="accent1"/>
-            </a:effectRef>
-            <a:fontRef idx="minor">
-              <a:schemeClr val="lt1"/>
-            </a:fontRef>
-          </p:style>
-          <p:txBody>
-            <a:bodyPr rtlCol="0" anchor="ctr"/>
-            <a:lstStyle/>
-            <a:p>
-              <a:pPr algn="ctr"/>
-              <a:endParaRPr lang="en-US"/>
-            </a:p>
-          </p:txBody>
-        </p:sp>
-        <p:sp>
-          <p:nvSpPr>
-            <p:cNvPr id="106" name="Oval 105">
-              <a:extLst>
-                <a:ext uri="{FF2B5EF4-FFF2-40B4-BE49-F238E27FC236}">
-                  <a16:creationId xmlns:a16="http://schemas.microsoft.com/office/drawing/2014/main" id="{C35EF795-8B2D-4CD0-87FF-5756B089D921}"/>
-                </a:ext>
-              </a:extLst>
-            </p:cNvPr>
-            <p:cNvSpPr/>
-            <p:nvPr/>
-          </p:nvSpPr>
-          <p:spPr>
-            <a:xfrm>
-              <a:off x="6003538" y="4278440"/>
-              <a:ext cx="150518" cy="150518"/>
-            </a:xfrm>
-            <a:prstGeom prst="ellipse">
-              <a:avLst/>
-            </a:prstGeom>
-            <a:solidFill>
-              <a:srgbClr val="FEC630"/>
-            </a:solidFill>
-            <a:ln>
-              <a:noFill/>
-            </a:ln>
-          </p:spPr>
-          <p:style>
-            <a:lnRef idx="2">
-              <a:schemeClr val="accent1">
-                <a:shade val="50000"/>
-              </a:schemeClr>
-            </a:lnRef>
-            <a:fillRef idx="1">
-              <a:schemeClr val="accent1"/>
-            </a:fillRef>
-            <a:effectRef idx="0">
-              <a:schemeClr val="accent1"/>
-            </a:effectRef>
-            <a:fontRef idx="minor">
-              <a:schemeClr val="lt1"/>
-            </a:fontRef>
-          </p:style>
-          <p:txBody>
-            <a:bodyPr rtlCol="0" anchor="ctr"/>
-            <a:lstStyle/>
-            <a:p>
-              <a:pPr algn="ctr"/>
-              <a:endParaRPr lang="en-US"/>
-            </a:p>
-          </p:txBody>
-        </p:sp>
-      </p:grpSp>
-      <p:grpSp>
-        <p:nvGrpSpPr>
-          <p:cNvPr id="107" name="Group 106">
-            <a:extLst>
-              <a:ext uri="{FF2B5EF4-FFF2-40B4-BE49-F238E27FC236}">
-                <a16:creationId xmlns:a16="http://schemas.microsoft.com/office/drawing/2014/main" id="{E9582EE9-5831-4F6F-B29E-0BEB719C4F1E}"/>
-              </a:ext>
-            </a:extLst>
-          </p:cNvPr>
-          <p:cNvGrpSpPr/>
-          <p:nvPr/>
-        </p:nvGrpSpPr>
-        <p:grpSpPr>
-          <a:xfrm>
-            <a:off x="2594536" y="4142156"/>
-            <a:ext cx="2289049" cy="733322"/>
-            <a:chOff x="1514240" y="4816886"/>
-            <a:chExt cx="2289049" cy="733322"/>
-          </a:xfrm>
-        </p:grpSpPr>
-        <p:sp>
-          <p:nvSpPr>
-            <p:cNvPr id="108" name="TextBox 107">
-              <a:extLst>
-                <a:ext uri="{FF2B5EF4-FFF2-40B4-BE49-F238E27FC236}">
-                  <a16:creationId xmlns:a16="http://schemas.microsoft.com/office/drawing/2014/main" id="{895C2AE9-E6EE-4572-8B9B-0A1C8899D6FE}"/>
-                </a:ext>
-              </a:extLst>
-            </p:cNvPr>
-            <p:cNvSpPr txBox="1"/>
-            <p:nvPr/>
-          </p:nvSpPr>
-          <p:spPr>
-            <a:xfrm>
-              <a:off x="1514240" y="4816886"/>
-              <a:ext cx="2289049" cy="369332"/>
-            </a:xfrm>
-            <a:prstGeom prst="rect">
-              <a:avLst/>
-            </a:prstGeom>
-            <a:noFill/>
-          </p:spPr>
-          <p:txBody>
-            <a:bodyPr wrap="square" rtlCol="0">
-              <a:spAutoFit/>
-            </a:bodyPr>
-            <a:lstStyle/>
-            <a:p>
-              <a:pPr algn="ctr"/>
-              <a:r>
-                <a:rPr lang="en-US" b="1" dirty="0">
-                  <a:solidFill>
-                    <a:schemeClr val="tx1">
-                      <a:lumMod val="75000"/>
-                      <a:lumOff val="25000"/>
-                    </a:schemeClr>
-                  </a:solidFill>
-                  <a:latin typeface="Tw Cen MT" panose="020B0602020104020603" pitchFamily="34" charset="0"/>
-                </a:rPr>
-                <a:t>HEADING</a:t>
-              </a:r>
-            </a:p>
-          </p:txBody>
-        </p:sp>
-        <p:sp>
-          <p:nvSpPr>
-            <p:cNvPr id="109" name="TextBox 108">
-              <a:extLst>
-                <a:ext uri="{FF2B5EF4-FFF2-40B4-BE49-F238E27FC236}">
-                  <a16:creationId xmlns:a16="http://schemas.microsoft.com/office/drawing/2014/main" id="{8DC71A93-B148-4A8B-B0CA-4AD086FE8D7B}"/>
-                </a:ext>
-              </a:extLst>
-            </p:cNvPr>
-            <p:cNvSpPr txBox="1"/>
-            <p:nvPr/>
-          </p:nvSpPr>
-          <p:spPr>
-            <a:xfrm>
-              <a:off x="1733898" y="5088543"/>
-              <a:ext cx="1849733" cy="461665"/>
-            </a:xfrm>
-            <a:prstGeom prst="rect">
-              <a:avLst/>
-            </a:prstGeom>
-            <a:noFill/>
-          </p:spPr>
-          <p:txBody>
-            <a:bodyPr wrap="square" rtlCol="0">
-              <a:spAutoFit/>
-            </a:bodyPr>
-            <a:lstStyle/>
-            <a:p>
-              <a:pPr algn="ctr"/>
-              <a:r>
-                <a:rPr lang="en-US" sz="1200" dirty="0">
-                  <a:solidFill>
-                    <a:schemeClr val="tx1">
-                      <a:lumMod val="75000"/>
-                      <a:lumOff val="25000"/>
-                    </a:schemeClr>
-                  </a:solidFill>
-                  <a:latin typeface="Tw Cen MT" panose="020B0602020104020603" pitchFamily="34" charset="0"/>
-                </a:rPr>
-                <a:t>YOU CAN ADD SOME BRIEF TEXT HERE</a:t>
-              </a:r>
-            </a:p>
-          </p:txBody>
-        </p:sp>
-      </p:grpSp>
-      <p:sp>
-        <p:nvSpPr>
-          <p:cNvPr id="110" name="TextBox 109">
-            <a:extLst>
-              <a:ext uri="{FF2B5EF4-FFF2-40B4-BE49-F238E27FC236}">
-                <a16:creationId xmlns:a16="http://schemas.microsoft.com/office/drawing/2014/main" id="{70B20FE2-BC47-4EB2-B7EA-CBE6F5B390D3}"/>
-              </a:ext>
-            </a:extLst>
-          </p:cNvPr>
-          <p:cNvSpPr txBox="1"/>
-          <p:nvPr/>
-        </p:nvSpPr>
-        <p:spPr>
-          <a:xfrm>
-            <a:off x="2594536" y="3709155"/>
-            <a:ext cx="2289049" cy="523220"/>
-          </a:xfrm>
-          <a:prstGeom prst="rect">
-            <a:avLst/>
-          </a:prstGeom>
-          <a:noFill/>
-        </p:spPr>
-        <p:txBody>
-          <a:bodyPr wrap="square" rtlCol="0">
-            <a:spAutoFit/>
-          </a:bodyPr>
-          <a:lstStyle/>
-          <a:p>
-            <a:pPr algn="ctr"/>
-            <a:r>
-              <a:rPr lang="en-US" sz="2800" b="1" dirty="0">
-                <a:solidFill>
-                  <a:srgbClr val="FF5969"/>
-                </a:solidFill>
-                <a:latin typeface="Tw Cen MT" panose="020B0602020104020603" pitchFamily="34" charset="0"/>
-              </a:rPr>
-              <a:t>2014</a:t>
-            </a:r>
-          </a:p>
-        </p:txBody>
-      </p:sp>
-      <p:grpSp>
-        <p:nvGrpSpPr>
-          <p:cNvPr id="111" name="Group 110">
-            <a:extLst>
-              <a:ext uri="{FF2B5EF4-FFF2-40B4-BE49-F238E27FC236}">
-                <a16:creationId xmlns:a16="http://schemas.microsoft.com/office/drawing/2014/main" id="{EEB19012-A13E-4E01-97E1-4BD9BE0B2C4A}"/>
-              </a:ext>
-            </a:extLst>
-          </p:cNvPr>
-          <p:cNvGrpSpPr/>
-          <p:nvPr/>
-        </p:nvGrpSpPr>
-        <p:grpSpPr>
-          <a:xfrm>
-            <a:off x="4783446" y="4142156"/>
-            <a:ext cx="2289049" cy="733322"/>
-            <a:chOff x="1514240" y="4816886"/>
-            <a:chExt cx="2289049" cy="733322"/>
-          </a:xfrm>
-        </p:grpSpPr>
-        <p:sp>
-          <p:nvSpPr>
-            <p:cNvPr id="112" name="TextBox 111">
-              <a:extLst>
-                <a:ext uri="{FF2B5EF4-FFF2-40B4-BE49-F238E27FC236}">
-                  <a16:creationId xmlns:a16="http://schemas.microsoft.com/office/drawing/2014/main" id="{5FF83314-6443-4064-B8AD-715FDF38C0B1}"/>
-                </a:ext>
-              </a:extLst>
-            </p:cNvPr>
-            <p:cNvSpPr txBox="1"/>
-            <p:nvPr/>
-          </p:nvSpPr>
-          <p:spPr>
-            <a:xfrm>
-              <a:off x="1514240" y="4816886"/>
-              <a:ext cx="2289049" cy="369332"/>
-            </a:xfrm>
-            <a:prstGeom prst="rect">
-              <a:avLst/>
-            </a:prstGeom>
-            <a:noFill/>
-          </p:spPr>
-          <p:txBody>
-            <a:bodyPr wrap="square" rtlCol="0">
-              <a:spAutoFit/>
-            </a:bodyPr>
-            <a:lstStyle/>
-            <a:p>
-              <a:pPr algn="ctr"/>
-              <a:r>
-                <a:rPr lang="en-US" b="1" dirty="0">
-                  <a:solidFill>
-                    <a:schemeClr val="tx1">
-                      <a:lumMod val="75000"/>
-                      <a:lumOff val="25000"/>
-                    </a:schemeClr>
-                  </a:solidFill>
-                  <a:latin typeface="Tw Cen MT" panose="020B0602020104020603" pitchFamily="34" charset="0"/>
-                </a:rPr>
-                <a:t>HEADING</a:t>
-              </a:r>
-            </a:p>
-          </p:txBody>
-        </p:sp>
-        <p:sp>
-          <p:nvSpPr>
-            <p:cNvPr id="113" name="TextBox 112">
-              <a:extLst>
-                <a:ext uri="{FF2B5EF4-FFF2-40B4-BE49-F238E27FC236}">
-                  <a16:creationId xmlns:a16="http://schemas.microsoft.com/office/drawing/2014/main" id="{AFB0129A-D09E-4693-96AE-20F4A2C31E42}"/>
-                </a:ext>
-              </a:extLst>
-            </p:cNvPr>
-            <p:cNvSpPr txBox="1"/>
-            <p:nvPr/>
-          </p:nvSpPr>
-          <p:spPr>
-            <a:xfrm>
-              <a:off x="1733898" y="5088543"/>
-              <a:ext cx="1849733" cy="461665"/>
-            </a:xfrm>
-            <a:prstGeom prst="rect">
-              <a:avLst/>
-            </a:prstGeom>
-            <a:noFill/>
-          </p:spPr>
-          <p:txBody>
-            <a:bodyPr wrap="square" rtlCol="0">
-              <a:spAutoFit/>
-            </a:bodyPr>
-            <a:lstStyle/>
-            <a:p>
-              <a:pPr algn="ctr"/>
-              <a:r>
-                <a:rPr lang="en-US" sz="1200" dirty="0">
-                  <a:solidFill>
-                    <a:schemeClr val="tx1">
-                      <a:lumMod val="75000"/>
-                      <a:lumOff val="25000"/>
-                    </a:schemeClr>
-                  </a:solidFill>
-                  <a:latin typeface="Tw Cen MT" panose="020B0602020104020603" pitchFamily="34" charset="0"/>
-                </a:rPr>
-                <a:t>YOU CAN ADD SOME BRIEF TEXT HERE</a:t>
-              </a:r>
-            </a:p>
-          </p:txBody>
-        </p:sp>
-      </p:grpSp>
-      <p:sp>
-        <p:nvSpPr>
-          <p:cNvPr id="114" name="TextBox 113">
-            <a:extLst>
-              <a:ext uri="{FF2B5EF4-FFF2-40B4-BE49-F238E27FC236}">
-                <a16:creationId xmlns:a16="http://schemas.microsoft.com/office/drawing/2014/main" id="{B58D17C2-3595-44AD-9D77-27C29A8030BC}"/>
-              </a:ext>
-            </a:extLst>
-          </p:cNvPr>
-          <p:cNvSpPr txBox="1"/>
-          <p:nvPr/>
-        </p:nvSpPr>
-        <p:spPr>
-          <a:xfrm>
-            <a:off x="4783446" y="3709155"/>
-            <a:ext cx="2289049" cy="523220"/>
-          </a:xfrm>
-          <a:prstGeom prst="rect">
-            <a:avLst/>
-          </a:prstGeom>
-          <a:noFill/>
-        </p:spPr>
-        <p:txBody>
-          <a:bodyPr wrap="square" rtlCol="0">
-            <a:spAutoFit/>
-          </a:bodyPr>
-          <a:lstStyle/>
-          <a:p>
-            <a:pPr algn="ctr"/>
-            <a:r>
-              <a:rPr lang="en-US" sz="2800" b="1" dirty="0">
-                <a:solidFill>
-                  <a:srgbClr val="52CBBE"/>
-                </a:solidFill>
-                <a:latin typeface="Tw Cen MT" panose="020B0602020104020603" pitchFamily="34" charset="0"/>
-              </a:rPr>
-              <a:t>2015</a:t>
-            </a:r>
-          </a:p>
-        </p:txBody>
-      </p:sp>
-      <p:grpSp>
-        <p:nvGrpSpPr>
-          <p:cNvPr id="115" name="Group 114">
-            <a:extLst>
-              <a:ext uri="{FF2B5EF4-FFF2-40B4-BE49-F238E27FC236}">
-                <a16:creationId xmlns:a16="http://schemas.microsoft.com/office/drawing/2014/main" id="{115D3786-3CB0-4D98-9C2D-11D4FBA5EAB9}"/>
-              </a:ext>
-            </a:extLst>
-          </p:cNvPr>
-          <p:cNvGrpSpPr/>
-          <p:nvPr/>
-        </p:nvGrpSpPr>
-        <p:grpSpPr>
-          <a:xfrm>
-            <a:off x="6912585" y="4142156"/>
-            <a:ext cx="2289049" cy="733322"/>
-            <a:chOff x="1514240" y="4816886"/>
-            <a:chExt cx="2289049" cy="733322"/>
-          </a:xfrm>
-        </p:grpSpPr>
-        <p:sp>
-          <p:nvSpPr>
-            <p:cNvPr id="116" name="TextBox 115">
-              <a:extLst>
-                <a:ext uri="{FF2B5EF4-FFF2-40B4-BE49-F238E27FC236}">
-                  <a16:creationId xmlns:a16="http://schemas.microsoft.com/office/drawing/2014/main" id="{572131EC-94E6-4982-85F7-903D6FA72171}"/>
-                </a:ext>
-              </a:extLst>
-            </p:cNvPr>
-            <p:cNvSpPr txBox="1"/>
-            <p:nvPr/>
-          </p:nvSpPr>
-          <p:spPr>
-            <a:xfrm>
-              <a:off x="1514240" y="4816886"/>
-              <a:ext cx="2289049" cy="369332"/>
-            </a:xfrm>
-            <a:prstGeom prst="rect">
-              <a:avLst/>
-            </a:prstGeom>
-            <a:noFill/>
-          </p:spPr>
-          <p:txBody>
-            <a:bodyPr wrap="square" rtlCol="0">
-              <a:spAutoFit/>
-            </a:bodyPr>
-            <a:lstStyle/>
-            <a:p>
-              <a:pPr algn="ctr"/>
-              <a:r>
-                <a:rPr lang="en-US" b="1" dirty="0">
-                  <a:solidFill>
-                    <a:schemeClr val="tx1">
-                      <a:lumMod val="75000"/>
-                      <a:lumOff val="25000"/>
-                    </a:schemeClr>
-                  </a:solidFill>
-                  <a:latin typeface="Tw Cen MT" panose="020B0602020104020603" pitchFamily="34" charset="0"/>
-                </a:rPr>
-                <a:t>HEADING</a:t>
-              </a:r>
-            </a:p>
-          </p:txBody>
-        </p:sp>
-        <p:sp>
-          <p:nvSpPr>
-            <p:cNvPr id="117" name="TextBox 116">
-              <a:extLst>
-                <a:ext uri="{FF2B5EF4-FFF2-40B4-BE49-F238E27FC236}">
-                  <a16:creationId xmlns:a16="http://schemas.microsoft.com/office/drawing/2014/main" id="{B60C2261-B057-44FB-B300-F0F52E3F90C0}"/>
-                </a:ext>
-              </a:extLst>
-            </p:cNvPr>
-            <p:cNvSpPr txBox="1"/>
-            <p:nvPr/>
-          </p:nvSpPr>
-          <p:spPr>
-            <a:xfrm>
-              <a:off x="1733898" y="5088543"/>
-              <a:ext cx="1849733" cy="461665"/>
-            </a:xfrm>
-            <a:prstGeom prst="rect">
-              <a:avLst/>
-            </a:prstGeom>
-            <a:noFill/>
-          </p:spPr>
-          <p:txBody>
-            <a:bodyPr wrap="square" rtlCol="0">
-              <a:spAutoFit/>
-            </a:bodyPr>
-            <a:lstStyle/>
-            <a:p>
-              <a:pPr algn="ctr"/>
-              <a:r>
-                <a:rPr lang="en-US" sz="1200" dirty="0">
-                  <a:solidFill>
-                    <a:schemeClr val="tx1">
-                      <a:lumMod val="75000"/>
-                      <a:lumOff val="25000"/>
-                    </a:schemeClr>
-                  </a:solidFill>
-                  <a:latin typeface="Tw Cen MT" panose="020B0602020104020603" pitchFamily="34" charset="0"/>
-                </a:rPr>
-                <a:t>YOU CAN ADD SOME BRIEF TEXT HERE</a:t>
-              </a:r>
-            </a:p>
-          </p:txBody>
-        </p:sp>
-      </p:grpSp>
-      <p:sp>
-        <p:nvSpPr>
-          <p:cNvPr id="118" name="TextBox 117">
-            <a:extLst>
-              <a:ext uri="{FF2B5EF4-FFF2-40B4-BE49-F238E27FC236}">
-                <a16:creationId xmlns:a16="http://schemas.microsoft.com/office/drawing/2014/main" id="{D8562F22-E78F-4DD5-9BBD-EEAB69C0B365}"/>
-              </a:ext>
-            </a:extLst>
-          </p:cNvPr>
-          <p:cNvSpPr txBox="1"/>
-          <p:nvPr/>
-        </p:nvSpPr>
-        <p:spPr>
-          <a:xfrm>
-            <a:off x="6912585" y="3709155"/>
-            <a:ext cx="2289049" cy="523220"/>
-          </a:xfrm>
-          <a:prstGeom prst="rect">
-            <a:avLst/>
-          </a:prstGeom>
-          <a:noFill/>
-        </p:spPr>
-        <p:txBody>
-          <a:bodyPr wrap="square" rtlCol="0">
-            <a:spAutoFit/>
-          </a:bodyPr>
-          <a:lstStyle/>
-          <a:p>
-            <a:pPr algn="ctr"/>
-            <a:r>
-              <a:rPr lang="en-US" sz="2800" b="1" dirty="0">
-                <a:solidFill>
-                  <a:srgbClr val="FEC630"/>
-                </a:solidFill>
-                <a:latin typeface="Tw Cen MT" panose="020B0602020104020603" pitchFamily="34" charset="0"/>
-              </a:rPr>
-              <a:t>2016</a:t>
-            </a:r>
-          </a:p>
-        </p:txBody>
-      </p:sp>
-      <p:grpSp>
-        <p:nvGrpSpPr>
-          <p:cNvPr id="2" name="Group 1">
-            <a:extLst>
-              <a:ext uri="{FF2B5EF4-FFF2-40B4-BE49-F238E27FC236}">
-                <a16:creationId xmlns:a16="http://schemas.microsoft.com/office/drawing/2014/main" id="{711450F4-A7BD-494E-BD71-C6C5EB8D03D1}"/>
-              </a:ext>
-            </a:extLst>
-          </p:cNvPr>
-          <p:cNvGrpSpPr/>
-          <p:nvPr/>
-        </p:nvGrpSpPr>
-        <p:grpSpPr>
-          <a:xfrm>
-            <a:off x="3101220" y="1755914"/>
-            <a:ext cx="1275682" cy="1275682"/>
-            <a:chOff x="3063120" y="1755914"/>
-            <a:chExt cx="1275682" cy="1275682"/>
-          </a:xfrm>
-        </p:grpSpPr>
-        <p:sp>
-          <p:nvSpPr>
-            <p:cNvPr id="120" name="Teardrop 119">
-              <a:extLst>
-                <a:ext uri="{FF2B5EF4-FFF2-40B4-BE49-F238E27FC236}">
-                  <a16:creationId xmlns:a16="http://schemas.microsoft.com/office/drawing/2014/main" id="{5E489B47-B2BB-4EFB-8EC4-21C10615E463}"/>
-                </a:ext>
-              </a:extLst>
-            </p:cNvPr>
-            <p:cNvSpPr/>
-            <p:nvPr/>
-          </p:nvSpPr>
-          <p:spPr>
-            <a:xfrm rot="8100000">
-              <a:off x="3063120" y="1755914"/>
-              <a:ext cx="1275682" cy="1275682"/>
-            </a:xfrm>
-            <a:prstGeom prst="teardrop">
-              <a:avLst>
-                <a:gd name="adj" fmla="val 109962"/>
-              </a:avLst>
-            </a:prstGeom>
-            <a:solidFill>
-              <a:srgbClr val="FF5969"/>
-            </a:solidFill>
-            <a:ln>
-              <a:noFill/>
-            </a:ln>
-          </p:spPr>
-          <p:style>
-            <a:lnRef idx="2">
-              <a:schemeClr val="accent1">
-                <a:shade val="50000"/>
-              </a:schemeClr>
-            </a:lnRef>
-            <a:fillRef idx="1">
-              <a:schemeClr val="accent1"/>
-            </a:fillRef>
-            <a:effectRef idx="0">
-              <a:schemeClr val="accent1"/>
-            </a:effectRef>
-            <a:fontRef idx="minor">
-              <a:schemeClr val="lt1"/>
-            </a:fontRef>
-          </p:style>
-          <p:txBody>
-            <a:bodyPr rtlCol="0" anchor="ctr"/>
-            <a:lstStyle/>
-            <a:p>
-              <a:pPr algn="ctr"/>
-              <a:endParaRPr lang="en-US"/>
-            </a:p>
-          </p:txBody>
-        </p:sp>
-        <p:sp>
-          <p:nvSpPr>
-            <p:cNvPr id="121" name="Oval 120">
-              <a:extLst>
-                <a:ext uri="{FF2B5EF4-FFF2-40B4-BE49-F238E27FC236}">
-                  <a16:creationId xmlns:a16="http://schemas.microsoft.com/office/drawing/2014/main" id="{862B435C-D1B2-4C1C-B995-8D888E87C5D7}"/>
-                </a:ext>
-              </a:extLst>
-            </p:cNvPr>
-            <p:cNvSpPr/>
-            <p:nvPr/>
-          </p:nvSpPr>
-          <p:spPr>
-            <a:xfrm>
-              <a:off x="3257469" y="1948912"/>
-              <a:ext cx="889686" cy="889686"/>
-            </a:xfrm>
-            <a:prstGeom prst="ellipse">
-              <a:avLst/>
-            </a:prstGeom>
-            <a:solidFill>
-              <a:schemeClr val="bg1"/>
             </a:solidFill>
             <a:ln>
               <a:noFill/>
@@ -15517,10 +13620,10 @@
         </p:sp>
         <p:pic>
           <p:nvPicPr>
-            <p:cNvPr id="131" name="Picture 130">
-              <a:extLst>
-                <a:ext uri="{FF2B5EF4-FFF2-40B4-BE49-F238E27FC236}">
-                  <a16:creationId xmlns:a16="http://schemas.microsoft.com/office/drawing/2014/main" id="{262C0D94-FE17-421D-AA32-BD4AFE13E66E}"/>
+            <p:cNvPr id="92" name="Picture 114" descr="Serleg">
+              <a:extLst>
+                <a:ext uri="{FF2B5EF4-FFF2-40B4-BE49-F238E27FC236}">
+                  <a16:creationId xmlns:a16="http://schemas.microsoft.com/office/drawing/2014/main" id="{FFC69A14-8AE6-4712-9EA9-C0FA1B3BEA16}"/>
                 </a:ext>
               </a:extLst>
             </p:cNvPr>
@@ -15535,29 +13638,411 @@
                 <a:ext uri="{28A0092B-C50C-407E-A947-70E740481C1C}">
                   <a14:useLocalDpi xmlns:a14="http://schemas.microsoft.com/office/drawing/2010/main" val="0"/>
                 </a:ext>
+                <a:ext uri="{96DAC541-7B7A-43D3-8B79-37D633B846F1}">
+                  <asvg:svgBlip xmlns:asvg="http://schemas.microsoft.com/office/drawing/2016/SVG/main" r:embed="rId4"/>
+                </a:ext>
               </a:extLst>
             </a:blip>
-            <a:stretch>
-              <a:fillRect/>
-            </a:stretch>
+            <a:srcRect/>
+            <a:stretch/>
           </p:blipFill>
           <p:spPr>
             <a:xfrm>
-              <a:off x="3386696" y="2066644"/>
-              <a:ext cx="627392" cy="627390"/>
+              <a:off x="896554" y="2408975"/>
+              <a:ext cx="398394" cy="398394"/>
             </a:xfrm>
             <a:prstGeom prst="rect">
               <a:avLst/>
             </a:prstGeom>
           </p:spPr>
         </p:pic>
+        <p:sp>
+          <p:nvSpPr>
+            <p:cNvPr id="93" name="TextBox 115">
+              <a:extLst>
+                <a:ext uri="{FF2B5EF4-FFF2-40B4-BE49-F238E27FC236}">
+                  <a16:creationId xmlns:a16="http://schemas.microsoft.com/office/drawing/2014/main" id="{CF8CC2AC-C3AE-4E77-AA63-ABCD262D5F61}"/>
+                </a:ext>
+              </a:extLst>
+            </p:cNvPr>
+            <p:cNvSpPr txBox="1"/>
+            <p:nvPr/>
+          </p:nvSpPr>
+          <p:spPr>
+            <a:xfrm>
+              <a:off x="1435199" y="2142394"/>
+              <a:ext cx="2177203" cy="369332"/>
+            </a:xfrm>
+            <a:prstGeom prst="rect">
+              <a:avLst/>
+            </a:prstGeom>
+            <a:noFill/>
+          </p:spPr>
+          <p:txBody>
+            <a:bodyPr wrap="square" rtlCol="0">
+              <a:spAutoFit/>
+            </a:bodyPr>
+            <a:lstStyle/>
+            <a:p>
+              <a:r>
+                <a:rPr lang="en-US" dirty="0" err="1">
+                  <a:solidFill>
+                    <a:srgbClr val="FF5969"/>
+                  </a:solidFill>
+                  <a:latin typeface="Tw Cen MT" panose="020B0602020104020603" pitchFamily="34" charset="0"/>
+                </a:rPr>
+                <a:t>hatóanyag</a:t>
+              </a:r>
+              <a:endParaRPr lang="en-US" dirty="0">
+                <a:solidFill>
+                  <a:srgbClr val="FF5969"/>
+                </a:solidFill>
+                <a:latin typeface="Tw Cen MT" panose="020B0602020104020603" pitchFamily="34" charset="0"/>
+              </a:endParaRPr>
+            </a:p>
+          </p:txBody>
+        </p:sp>
+        <p:sp>
+          <p:nvSpPr>
+            <p:cNvPr id="94" name="TextBox 116">
+              <a:extLst>
+                <a:ext uri="{FF2B5EF4-FFF2-40B4-BE49-F238E27FC236}">
+                  <a16:creationId xmlns:a16="http://schemas.microsoft.com/office/drawing/2014/main" id="{7E05EF8D-BC39-4F0A-AFA0-65F1A079A0BC}"/>
+                </a:ext>
+              </a:extLst>
+            </p:cNvPr>
+            <p:cNvSpPr txBox="1"/>
+            <p:nvPr/>
+          </p:nvSpPr>
+          <p:spPr>
+            <a:xfrm>
+              <a:off x="1435199" y="2425148"/>
+              <a:ext cx="5101525" cy="954107"/>
+            </a:xfrm>
+            <a:prstGeom prst="rect">
+              <a:avLst/>
+            </a:prstGeom>
+            <a:noFill/>
+          </p:spPr>
+          <p:txBody>
+            <a:bodyPr wrap="square" rtlCol="0">
+              <a:spAutoFit/>
+            </a:bodyPr>
+            <a:lstStyle/>
+            <a:p>
+              <a:r>
+                <a:rPr lang="en-US" sz="1400" dirty="0">
+                  <a:solidFill>
+                    <a:srgbClr val="5D7373"/>
+                  </a:solidFill>
+                  <a:latin typeface="Tw Cen MT" panose="020B0602020104020603" pitchFamily="34" charset="0"/>
+                </a:rPr>
+                <a:t> </a:t>
+              </a:r>
+              <a:r>
+                <a:rPr lang="en-US" sz="1400" dirty="0" err="1">
+                  <a:solidFill>
+                    <a:srgbClr val="5D7373"/>
+                  </a:solidFill>
+                  <a:latin typeface="Tw Cen MT" panose="020B0602020104020603" pitchFamily="34" charset="0"/>
+                </a:rPr>
+                <a:t>vízoldhatatlan</a:t>
+              </a:r>
+              <a:r>
+                <a:rPr lang="en-US" sz="1400" dirty="0">
+                  <a:solidFill>
+                    <a:srgbClr val="5D7373"/>
+                  </a:solidFill>
+                  <a:latin typeface="Tw Cen MT" panose="020B0602020104020603" pitchFamily="34" charset="0"/>
+                </a:rPr>
+                <a:t> </a:t>
+              </a:r>
+              <a:r>
+                <a:rPr lang="en-US" sz="1400" dirty="0" err="1">
+                  <a:solidFill>
+                    <a:srgbClr val="5D7373"/>
+                  </a:solidFill>
+                  <a:latin typeface="Tw Cen MT" panose="020B0602020104020603" pitchFamily="34" charset="0"/>
+                </a:rPr>
+                <a:t>folyékony</a:t>
+              </a:r>
+              <a:r>
+                <a:rPr lang="en-US" sz="1400" dirty="0">
+                  <a:solidFill>
+                    <a:srgbClr val="5D7373"/>
+                  </a:solidFill>
+                  <a:latin typeface="Tw Cen MT" panose="020B0602020104020603" pitchFamily="34" charset="0"/>
+                </a:rPr>
+                <a:t> </a:t>
+              </a:r>
+              <a:r>
+                <a:rPr lang="en-US" sz="1400" dirty="0" err="1">
+                  <a:solidFill>
+                    <a:srgbClr val="5D7373"/>
+                  </a:solidFill>
+                  <a:latin typeface="Tw Cen MT" panose="020B0602020104020603" pitchFamily="34" charset="0"/>
+                </a:rPr>
+                <a:t>hatóanyag</a:t>
+              </a:r>
+              <a:r>
+                <a:rPr lang="en-US" sz="1400" dirty="0">
+                  <a:solidFill>
+                    <a:srgbClr val="5D7373"/>
+                  </a:solidFill>
+                  <a:latin typeface="Tw Cen MT" panose="020B0602020104020603" pitchFamily="34" charset="0"/>
+                </a:rPr>
+                <a:t> </a:t>
+              </a:r>
+              <a:r>
+                <a:rPr lang="en-US" sz="1400" dirty="0" err="1">
+                  <a:solidFill>
+                    <a:srgbClr val="5D7373"/>
+                  </a:solidFill>
+                  <a:latin typeface="Tw Cen MT" panose="020B0602020104020603" pitchFamily="34" charset="0"/>
+                </a:rPr>
+                <a:t>vagy</a:t>
+              </a:r>
+              <a:r>
+                <a:rPr lang="en-US" sz="1400" dirty="0">
+                  <a:solidFill>
+                    <a:srgbClr val="5D7373"/>
+                  </a:solidFill>
+                  <a:latin typeface="Tw Cen MT" panose="020B0602020104020603" pitchFamily="34" charset="0"/>
+                </a:rPr>
+                <a:t> </a:t>
+              </a:r>
+              <a:br>
+                <a:rPr lang="en-US" sz="1400" dirty="0">
+                  <a:solidFill>
+                    <a:srgbClr val="5D7373"/>
+                  </a:solidFill>
+                  <a:latin typeface="Tw Cen MT" panose="020B0602020104020603" pitchFamily="34" charset="0"/>
+                </a:rPr>
+              </a:br>
+              <a:r>
+                <a:rPr lang="en-US" sz="1400" dirty="0" err="1">
+                  <a:solidFill>
+                    <a:srgbClr val="5D7373"/>
+                  </a:solidFill>
+                  <a:latin typeface="Tw Cen MT" panose="020B0602020104020603" pitchFamily="34" charset="0"/>
+                </a:rPr>
+                <a:t>szilárd</a:t>
+              </a:r>
+              <a:r>
+                <a:rPr lang="en-US" sz="1400" dirty="0">
+                  <a:solidFill>
+                    <a:srgbClr val="5D7373"/>
+                  </a:solidFill>
+                  <a:latin typeface="Tw Cen MT" panose="020B0602020104020603" pitchFamily="34" charset="0"/>
+                </a:rPr>
+                <a:t> </a:t>
+              </a:r>
+              <a:r>
+                <a:rPr lang="en-US" sz="1400" dirty="0" err="1">
+                  <a:solidFill>
+                    <a:srgbClr val="5D7373"/>
+                  </a:solidFill>
+                  <a:latin typeface="Tw Cen MT" panose="020B0602020104020603" pitchFamily="34" charset="0"/>
+                </a:rPr>
+                <a:t>hatóanyag</a:t>
+              </a:r>
+              <a:r>
+                <a:rPr lang="en-US" sz="1400" dirty="0">
+                  <a:solidFill>
+                    <a:srgbClr val="5D7373"/>
+                  </a:solidFill>
+                  <a:latin typeface="Tw Cen MT" panose="020B0602020104020603" pitchFamily="34" charset="0"/>
+                </a:rPr>
+                <a:t> </a:t>
+              </a:r>
+              <a:r>
+                <a:rPr lang="en-US" sz="1400" dirty="0" err="1">
+                  <a:solidFill>
+                    <a:srgbClr val="5D7373"/>
+                  </a:solidFill>
+                  <a:latin typeface="Tw Cen MT" panose="020B0602020104020603" pitchFamily="34" charset="0"/>
+                </a:rPr>
+                <a:t>szerves</a:t>
+              </a:r>
+              <a:r>
+                <a:rPr lang="en-US" sz="1400" dirty="0">
+                  <a:solidFill>
+                    <a:srgbClr val="5D7373"/>
+                  </a:solidFill>
+                  <a:latin typeface="Tw Cen MT" panose="020B0602020104020603" pitchFamily="34" charset="0"/>
+                </a:rPr>
+                <a:t> </a:t>
+              </a:r>
+              <a:r>
+                <a:rPr lang="en-US" sz="1400" dirty="0" err="1">
+                  <a:solidFill>
+                    <a:srgbClr val="5D7373"/>
+                  </a:solidFill>
+                  <a:latin typeface="Tw Cen MT" panose="020B0602020104020603" pitchFamily="34" charset="0"/>
+                </a:rPr>
+                <a:t>oldószerrel</a:t>
+              </a:r>
+              <a:r>
+                <a:rPr lang="en-US" sz="1400" dirty="0">
+                  <a:solidFill>
+                    <a:srgbClr val="5D7373"/>
+                  </a:solidFill>
+                  <a:latin typeface="Tw Cen MT" panose="020B0602020104020603" pitchFamily="34" charset="0"/>
+                </a:rPr>
+                <a:t> </a:t>
+              </a:r>
+              <a:r>
+                <a:rPr lang="en-US" sz="1400" dirty="0" err="1">
+                  <a:solidFill>
+                    <a:srgbClr val="5D7373"/>
+                  </a:solidFill>
+                  <a:latin typeface="Tw Cen MT" panose="020B0602020104020603" pitchFamily="34" charset="0"/>
+                </a:rPr>
+                <a:t>készült</a:t>
+              </a:r>
+              <a:r>
+                <a:rPr lang="en-US" sz="1400" dirty="0">
+                  <a:solidFill>
+                    <a:srgbClr val="5D7373"/>
+                  </a:solidFill>
+                  <a:latin typeface="Tw Cen MT" panose="020B0602020104020603" pitchFamily="34" charset="0"/>
+                </a:rPr>
+                <a:t> </a:t>
+              </a:r>
+              <a:r>
+                <a:rPr lang="en-US" sz="1400" dirty="0" err="1">
+                  <a:solidFill>
+                    <a:srgbClr val="5D7373"/>
+                  </a:solidFill>
+                  <a:latin typeface="Tw Cen MT" panose="020B0602020104020603" pitchFamily="34" charset="0"/>
+                </a:rPr>
+                <a:t>oldata</a:t>
+              </a:r>
+              <a:r>
+                <a:rPr lang="en-US" sz="1400" dirty="0">
+                  <a:solidFill>
+                    <a:srgbClr val="5D7373"/>
+                  </a:solidFill>
+                  <a:latin typeface="Tw Cen MT" panose="020B0602020104020603" pitchFamily="34" charset="0"/>
+                </a:rPr>
+                <a:t>, </a:t>
+              </a:r>
+              <a:br>
+                <a:rPr lang="en-US" sz="1400" dirty="0">
+                  <a:solidFill>
+                    <a:srgbClr val="5D7373"/>
+                  </a:solidFill>
+                  <a:latin typeface="Tw Cen MT" panose="020B0602020104020603" pitchFamily="34" charset="0"/>
+                </a:rPr>
+              </a:br>
+              <a:r>
+                <a:rPr lang="en-US" sz="1400" dirty="0" err="1">
+                  <a:solidFill>
+                    <a:srgbClr val="5D7373"/>
+                  </a:solidFill>
+                  <a:latin typeface="Tw Cen MT" panose="020B0602020104020603" pitchFamily="34" charset="0"/>
+                </a:rPr>
+                <a:t>esetenként</a:t>
+              </a:r>
+              <a:r>
+                <a:rPr lang="en-US" sz="1400" dirty="0">
+                  <a:solidFill>
+                    <a:srgbClr val="5D7373"/>
+                  </a:solidFill>
+                  <a:latin typeface="Tw Cen MT" panose="020B0602020104020603" pitchFamily="34" charset="0"/>
+                </a:rPr>
+                <a:t> </a:t>
+              </a:r>
+              <a:r>
+                <a:rPr lang="en-US" sz="1400" dirty="0" err="1">
+                  <a:solidFill>
+                    <a:srgbClr val="5D7373"/>
+                  </a:solidFill>
+                  <a:latin typeface="Tw Cen MT" panose="020B0602020104020603" pitchFamily="34" charset="0"/>
+                </a:rPr>
+                <a:t>oldószer</a:t>
+              </a:r>
+              <a:r>
+                <a:rPr lang="en-US" sz="1400" dirty="0">
+                  <a:solidFill>
+                    <a:srgbClr val="5D7373"/>
+                  </a:solidFill>
+                  <a:latin typeface="Tw Cen MT" panose="020B0602020104020603" pitchFamily="34" charset="0"/>
+                </a:rPr>
+                <a:t> </a:t>
+              </a:r>
+              <a:r>
+                <a:rPr lang="en-US" sz="1400" dirty="0" err="1">
+                  <a:solidFill>
+                    <a:srgbClr val="5D7373"/>
+                  </a:solidFill>
+                  <a:latin typeface="Tw Cen MT" panose="020B0602020104020603" pitchFamily="34" charset="0"/>
+                </a:rPr>
+                <a:t>folyékony</a:t>
+              </a:r>
+              <a:r>
+                <a:rPr lang="en-US" sz="1400" dirty="0">
+                  <a:solidFill>
+                    <a:srgbClr val="5D7373"/>
+                  </a:solidFill>
+                  <a:latin typeface="Tw Cen MT" panose="020B0602020104020603" pitchFamily="34" charset="0"/>
+                </a:rPr>
+                <a:t> </a:t>
+              </a:r>
+              <a:r>
+                <a:rPr lang="en-US" sz="1400" dirty="0" err="1">
+                  <a:solidFill>
+                    <a:srgbClr val="5D7373"/>
+                  </a:solidFill>
+                  <a:latin typeface="Tw Cen MT" panose="020B0602020104020603" pitchFamily="34" charset="0"/>
+                </a:rPr>
+                <a:t>hatóanyag</a:t>
+              </a:r>
+              <a:r>
+                <a:rPr lang="en-US" sz="1400" dirty="0">
+                  <a:solidFill>
+                    <a:srgbClr val="5D7373"/>
+                  </a:solidFill>
+                  <a:latin typeface="Tw Cen MT" panose="020B0602020104020603" pitchFamily="34" charset="0"/>
+                </a:rPr>
+                <a:t> </a:t>
+              </a:r>
+              <a:r>
+                <a:rPr lang="en-US" sz="1400" dirty="0" err="1">
+                  <a:solidFill>
+                    <a:srgbClr val="5D7373"/>
+                  </a:solidFill>
+                  <a:latin typeface="Tw Cen MT" panose="020B0602020104020603" pitchFamily="34" charset="0"/>
+                </a:rPr>
+                <a:t>esetében</a:t>
+              </a:r>
+              <a:r>
+                <a:rPr lang="en-US" sz="1400" dirty="0">
+                  <a:solidFill>
+                    <a:srgbClr val="5D7373"/>
+                  </a:solidFill>
+                  <a:latin typeface="Tw Cen MT" panose="020B0602020104020603" pitchFamily="34" charset="0"/>
+                </a:rPr>
+                <a:t> is</a:t>
+              </a:r>
+            </a:p>
+            <a:p>
+              <a:endParaRPr lang="en-US" sz="1400" dirty="0">
+                <a:solidFill>
+                  <a:srgbClr val="5D7373"/>
+                </a:solidFill>
+                <a:latin typeface="Tw Cen MT" panose="020B0602020104020603" pitchFamily="34" charset="0"/>
+              </a:endParaRPr>
+            </a:p>
+          </p:txBody>
+        </p:sp>
       </p:grpSp>
       <p:grpSp>
         <p:nvGrpSpPr>
-          <p:cNvPr id="3" name="Group 2">
+          <p:cNvPr id="95" name="Group 112">
             <a:extLst>
               <a:ext uri="{FF2B5EF4-FFF2-40B4-BE49-F238E27FC236}">
-                <a16:creationId xmlns:a16="http://schemas.microsoft.com/office/drawing/2014/main" id="{191C1607-C8B7-4B99-9DC5-3321A9E92D49}"/>
+                <a16:creationId xmlns:a16="http://schemas.microsoft.com/office/drawing/2014/main" id="{1FBBC51F-96A5-4CE9-A412-ED0390B39D85}"/>
               </a:ext>
             </a:extLst>
           </p:cNvPr>
@@ -15566,18 +14051,18 @@
         </p:nvGrpSpPr>
         <p:grpSpPr>
           <a:xfrm>
-            <a:off x="5280540" y="1755914"/>
-            <a:ext cx="1275682" cy="1275682"/>
-            <a:chOff x="5242440" y="1755914"/>
-            <a:chExt cx="1275682" cy="1275682"/>
+            <a:off x="3062965" y="1956187"/>
+            <a:ext cx="3197225" cy="1452305"/>
+            <a:chOff x="764723" y="2142394"/>
+            <a:chExt cx="3197225" cy="1452305"/>
           </a:xfrm>
         </p:grpSpPr>
         <p:sp>
           <p:nvSpPr>
-            <p:cNvPr id="124" name="Teardrop 123">
-              <a:extLst>
-                <a:ext uri="{FF2B5EF4-FFF2-40B4-BE49-F238E27FC236}">
-                  <a16:creationId xmlns:a16="http://schemas.microsoft.com/office/drawing/2014/main" id="{A44D7BEA-70F0-4773-A72C-A5B9951D3536}"/>
+            <p:cNvPr id="119" name="Oval 113">
+              <a:extLst>
+                <a:ext uri="{FF2B5EF4-FFF2-40B4-BE49-F238E27FC236}">
+                  <a16:creationId xmlns:a16="http://schemas.microsoft.com/office/drawing/2014/main" id="{6AAE91F5-65B7-442C-BBAF-5D04BB5B1882}"/>
                 </a:ext>
               </a:extLst>
             </p:cNvPr>
@@ -15585,17 +14070,15 @@
             <p:nvPr/>
           </p:nvSpPr>
           <p:spPr>
-            <a:xfrm rot="8100000">
-              <a:off x="5242440" y="1755914"/>
-              <a:ext cx="1275682" cy="1275682"/>
-            </a:xfrm>
-            <a:prstGeom prst="teardrop">
-              <a:avLst>
-                <a:gd name="adj" fmla="val 109962"/>
-              </a:avLst>
+            <a:xfrm>
+              <a:off x="764723" y="2277144"/>
+              <a:ext cx="662056" cy="662056"/>
+            </a:xfrm>
+            <a:prstGeom prst="ellipse">
+              <a:avLst/>
             </a:prstGeom>
             <a:solidFill>
-              <a:srgbClr val="52CBBE"/>
+              <a:srgbClr val="5D7373"/>
             </a:solidFill>
             <a:ln>
               <a:noFill/>
@@ -15622,16 +14105,293 @@
             <a:lstStyle/>
             <a:p>
               <a:pPr algn="ctr"/>
-              <a:endParaRPr lang="en-US"/>
+              <a:endParaRPr lang="en-US">
+                <a:solidFill>
+                  <a:srgbClr val="5D7373"/>
+                </a:solidFill>
+              </a:endParaRPr>
+            </a:p>
+          </p:txBody>
+        </p:sp>
+        <p:pic>
+          <p:nvPicPr>
+            <p:cNvPr id="122" name="Picture 114" descr="Hálózatdiagram">
+              <a:extLst>
+                <a:ext uri="{FF2B5EF4-FFF2-40B4-BE49-F238E27FC236}">
+                  <a16:creationId xmlns:a16="http://schemas.microsoft.com/office/drawing/2014/main" id="{1BE31493-AAA0-486F-8351-40D1DBB40D70}"/>
+                </a:ext>
+              </a:extLst>
+            </p:cNvPr>
+            <p:cNvPicPr>
+              <a:picLocks noChangeAspect="1"/>
+            </p:cNvPicPr>
+            <p:nvPr/>
+          </p:nvPicPr>
+          <p:blipFill>
+            <a:blip r:embed="rId5">
+              <a:extLst>
+                <a:ext uri="{28A0092B-C50C-407E-A947-70E740481C1C}">
+                  <a14:useLocalDpi xmlns:a14="http://schemas.microsoft.com/office/drawing/2010/main" val="0"/>
+                </a:ext>
+                <a:ext uri="{96DAC541-7B7A-43D3-8B79-37D633B846F1}">
+                  <asvg:svgBlip xmlns:asvg="http://schemas.microsoft.com/office/drawing/2016/SVG/main" r:embed="rId6"/>
+                </a:ext>
+              </a:extLst>
+            </a:blip>
+            <a:srcRect/>
+            <a:stretch/>
+          </p:blipFill>
+          <p:spPr>
+            <a:xfrm>
+              <a:off x="896554" y="2408975"/>
+              <a:ext cx="398394" cy="398394"/>
+            </a:xfrm>
+            <a:prstGeom prst="rect">
+              <a:avLst/>
+            </a:prstGeom>
+          </p:spPr>
+        </p:pic>
+        <p:sp>
+          <p:nvSpPr>
+            <p:cNvPr id="123" name="TextBox 115">
+              <a:extLst>
+                <a:ext uri="{FF2B5EF4-FFF2-40B4-BE49-F238E27FC236}">
+                  <a16:creationId xmlns:a16="http://schemas.microsoft.com/office/drawing/2014/main" id="{1E302D91-0AB0-45D9-933D-C29236A3F098}"/>
+                </a:ext>
+              </a:extLst>
+            </p:cNvPr>
+            <p:cNvSpPr txBox="1"/>
+            <p:nvPr/>
+          </p:nvSpPr>
+          <p:spPr>
+            <a:xfrm>
+              <a:off x="1435199" y="2142394"/>
+              <a:ext cx="2177203" cy="369332"/>
+            </a:xfrm>
+            <a:prstGeom prst="rect">
+              <a:avLst/>
+            </a:prstGeom>
+            <a:noFill/>
+          </p:spPr>
+          <p:txBody>
+            <a:bodyPr wrap="square" rtlCol="0">
+              <a:spAutoFit/>
+            </a:bodyPr>
+            <a:lstStyle/>
+            <a:p>
+              <a:r>
+                <a:rPr lang="en-US" dirty="0" err="1">
+                  <a:solidFill>
+                    <a:srgbClr val="5D7373"/>
+                  </a:solidFill>
+                  <a:latin typeface="Tw Cen MT" panose="020B0602020104020603" pitchFamily="34" charset="0"/>
+                </a:rPr>
+                <a:t>emulgeátor</a:t>
+              </a:r>
+              <a:r>
+                <a:rPr lang="en-US" dirty="0">
+                  <a:solidFill>
+                    <a:srgbClr val="5D7373"/>
+                  </a:solidFill>
+                  <a:latin typeface="Tw Cen MT" panose="020B0602020104020603" pitchFamily="34" charset="0"/>
+                </a:rPr>
+                <a:t> </a:t>
+              </a:r>
+              <a:r>
+                <a:rPr lang="en-US" dirty="0" err="1">
+                  <a:solidFill>
+                    <a:srgbClr val="5D7373"/>
+                  </a:solidFill>
+                  <a:latin typeface="Tw Cen MT" panose="020B0602020104020603" pitchFamily="34" charset="0"/>
+                </a:rPr>
+                <a:t>rendszer</a:t>
+              </a:r>
+              <a:endParaRPr lang="en-US" dirty="0">
+                <a:solidFill>
+                  <a:srgbClr val="5D7373"/>
+                </a:solidFill>
+                <a:latin typeface="Tw Cen MT" panose="020B0602020104020603" pitchFamily="34" charset="0"/>
+              </a:endParaRPr>
             </a:p>
           </p:txBody>
         </p:sp>
         <p:sp>
           <p:nvSpPr>
-            <p:cNvPr id="125" name="Oval 124">
-              <a:extLst>
-                <a:ext uri="{FF2B5EF4-FFF2-40B4-BE49-F238E27FC236}">
-                  <a16:creationId xmlns:a16="http://schemas.microsoft.com/office/drawing/2014/main" id="{1431DABB-47B8-4640-BD39-9CC7E2CDA115}"/>
+            <p:cNvPr id="126" name="TextBox 116">
+              <a:extLst>
+                <a:ext uri="{FF2B5EF4-FFF2-40B4-BE49-F238E27FC236}">
+                  <a16:creationId xmlns:a16="http://schemas.microsoft.com/office/drawing/2014/main" id="{533D771D-A69B-42FA-A48E-28191791A34E}"/>
+                </a:ext>
+              </a:extLst>
+            </p:cNvPr>
+            <p:cNvSpPr txBox="1"/>
+            <p:nvPr/>
+          </p:nvSpPr>
+          <p:spPr>
+            <a:xfrm>
+              <a:off x="1435200" y="2425148"/>
+              <a:ext cx="2526748" cy="1169551"/>
+            </a:xfrm>
+            <a:prstGeom prst="rect">
+              <a:avLst/>
+            </a:prstGeom>
+            <a:noFill/>
+          </p:spPr>
+          <p:txBody>
+            <a:bodyPr wrap="square" rtlCol="0">
+              <a:spAutoFit/>
+            </a:bodyPr>
+            <a:lstStyle/>
+            <a:p>
+              <a:r>
+                <a:rPr lang="en-US" sz="1400" dirty="0">
+                  <a:solidFill>
+                    <a:srgbClr val="5D7373"/>
+                  </a:solidFill>
+                  <a:latin typeface="Tw Cen MT" panose="020B0602020104020603" pitchFamily="34" charset="0"/>
+                </a:rPr>
+                <a:t>Bancroft </a:t>
+              </a:r>
+              <a:r>
+                <a:rPr lang="en-US" sz="1400" dirty="0" err="1">
+                  <a:solidFill>
+                    <a:srgbClr val="5D7373"/>
+                  </a:solidFill>
+                  <a:latin typeface="Tw Cen MT" panose="020B0602020104020603" pitchFamily="34" charset="0"/>
+                </a:rPr>
+                <a:t>szabály</a:t>
+              </a:r>
+              <a:endParaRPr lang="en-US" sz="1400" dirty="0">
+                <a:solidFill>
+                  <a:srgbClr val="5D7373"/>
+                </a:solidFill>
+                <a:latin typeface="Tw Cen MT" panose="020B0602020104020603" pitchFamily="34" charset="0"/>
+              </a:endParaRPr>
+            </a:p>
+            <a:p>
+              <a:r>
+                <a:rPr lang="en-US" sz="1400" dirty="0">
+                  <a:solidFill>
+                    <a:srgbClr val="5D7373"/>
+                  </a:solidFill>
+                  <a:latin typeface="Tw Cen MT" panose="020B0602020104020603" pitchFamily="34" charset="0"/>
+                </a:rPr>
+                <a:t>HLB </a:t>
+              </a:r>
+              <a:r>
+                <a:rPr lang="en-US" sz="1400" dirty="0" err="1">
+                  <a:solidFill>
+                    <a:srgbClr val="5D7373"/>
+                  </a:solidFill>
+                  <a:latin typeface="Tw Cen MT" panose="020B0602020104020603" pitchFamily="34" charset="0"/>
+                </a:rPr>
+                <a:t>rendszer</a:t>
+              </a:r>
+              <a:endParaRPr lang="en-US" sz="1400" dirty="0">
+                <a:solidFill>
+                  <a:srgbClr val="5D7373"/>
+                </a:solidFill>
+                <a:latin typeface="Tw Cen MT" panose="020B0602020104020603" pitchFamily="34" charset="0"/>
+              </a:endParaRPr>
+            </a:p>
+            <a:p>
+              <a:r>
+                <a:rPr lang="en-US" sz="1400" dirty="0">
+                  <a:solidFill>
+                    <a:srgbClr val="5D7373"/>
+                  </a:solidFill>
+                  <a:latin typeface="Tw Cen MT" panose="020B0602020104020603" pitchFamily="34" charset="0"/>
+                </a:rPr>
+                <a:t>HLD </a:t>
+              </a:r>
+              <a:r>
+                <a:rPr lang="en-US" sz="1400" dirty="0" err="1">
+                  <a:solidFill>
+                    <a:srgbClr val="5D7373"/>
+                  </a:solidFill>
+                  <a:latin typeface="Tw Cen MT" panose="020B0602020104020603" pitchFamily="34" charset="0"/>
+                </a:rPr>
+                <a:t>koncepció</a:t>
+              </a:r>
+              <a:endParaRPr lang="en-US" sz="1400" dirty="0">
+                <a:solidFill>
+                  <a:srgbClr val="5D7373"/>
+                </a:solidFill>
+                <a:latin typeface="Tw Cen MT" panose="020B0602020104020603" pitchFamily="34" charset="0"/>
+              </a:endParaRPr>
+            </a:p>
+            <a:p>
+              <a:r>
+                <a:rPr lang="en-US" sz="1400" dirty="0" err="1">
+                  <a:solidFill>
+                    <a:srgbClr val="5D7373"/>
+                  </a:solidFill>
+                  <a:latin typeface="Tw Cen MT" panose="020B0602020104020603" pitchFamily="34" charset="0"/>
+                </a:rPr>
+                <a:t>Emulgeátor</a:t>
+              </a:r>
+              <a:r>
+                <a:rPr lang="en-US" sz="1400" dirty="0">
+                  <a:solidFill>
+                    <a:srgbClr val="5D7373"/>
+                  </a:solidFill>
+                  <a:latin typeface="Tw Cen MT" panose="020B0602020104020603" pitchFamily="34" charset="0"/>
+                </a:rPr>
+                <a:t> </a:t>
+              </a:r>
+              <a:r>
+                <a:rPr lang="en-US" sz="1400" dirty="0" err="1">
+                  <a:solidFill>
+                    <a:srgbClr val="5D7373"/>
+                  </a:solidFill>
+                  <a:latin typeface="Tw Cen MT" panose="020B0602020104020603" pitchFamily="34" charset="0"/>
+                </a:rPr>
+                <a:t>keverékek</a:t>
+              </a:r>
+              <a:endParaRPr lang="en-US" sz="1400" dirty="0">
+                <a:solidFill>
+                  <a:srgbClr val="5D7373"/>
+                </a:solidFill>
+                <a:latin typeface="Tw Cen MT" panose="020B0602020104020603" pitchFamily="34" charset="0"/>
+              </a:endParaRPr>
+            </a:p>
+            <a:p>
+              <a:endParaRPr lang="en-US" sz="1400" dirty="0">
+                <a:solidFill>
+                  <a:srgbClr val="5D7373"/>
+                </a:solidFill>
+                <a:latin typeface="Tw Cen MT" panose="020B0602020104020603" pitchFamily="34" charset="0"/>
+              </a:endParaRPr>
+            </a:p>
+          </p:txBody>
+        </p:sp>
+      </p:grpSp>
+      <p:grpSp>
+        <p:nvGrpSpPr>
+          <p:cNvPr id="127" name="Group 112">
+            <a:extLst>
+              <a:ext uri="{FF2B5EF4-FFF2-40B4-BE49-F238E27FC236}">
+                <a16:creationId xmlns:a16="http://schemas.microsoft.com/office/drawing/2014/main" id="{CE87C76A-9C40-4D46-95EC-211F2C4BF5E2}"/>
+              </a:ext>
+            </a:extLst>
+          </p:cNvPr>
+          <p:cNvGrpSpPr/>
+          <p:nvPr/>
+        </p:nvGrpSpPr>
+        <p:grpSpPr>
+          <a:xfrm>
+            <a:off x="3063941" y="3606795"/>
+            <a:ext cx="3197225" cy="662056"/>
+            <a:chOff x="764723" y="2277144"/>
+            <a:chExt cx="3197225" cy="662056"/>
+          </a:xfrm>
+        </p:grpSpPr>
+        <p:sp>
+          <p:nvSpPr>
+            <p:cNvPr id="130" name="Oval 113">
+              <a:extLst>
+                <a:ext uri="{FF2B5EF4-FFF2-40B4-BE49-F238E27FC236}">
+                  <a16:creationId xmlns:a16="http://schemas.microsoft.com/office/drawing/2014/main" id="{1F205DFB-2BFF-4F1C-A0D8-CA2E1975B455}"/>
                 </a:ext>
               </a:extLst>
             </p:cNvPr>
@@ -15640,14 +14400,212 @@
           </p:nvSpPr>
           <p:spPr>
             <a:xfrm>
-              <a:off x="5436789" y="1948912"/>
-              <a:ext cx="889686" cy="889686"/>
+              <a:off x="764723" y="2277144"/>
+              <a:ext cx="662056" cy="662056"/>
             </a:xfrm>
             <a:prstGeom prst="ellipse">
               <a:avLst/>
             </a:prstGeom>
             <a:solidFill>
-              <a:schemeClr val="bg1"/>
+              <a:srgbClr val="00A0A8"/>
+            </a:solidFill>
+            <a:ln>
+              <a:noFill/>
+            </a:ln>
+          </p:spPr>
+          <p:style>
+            <a:lnRef idx="2">
+              <a:schemeClr val="accent1">
+                <a:shade val="50000"/>
+              </a:schemeClr>
+            </a:lnRef>
+            <a:fillRef idx="1">
+              <a:schemeClr val="accent1"/>
+            </a:fillRef>
+            <a:effectRef idx="0">
+              <a:schemeClr val="accent1"/>
+            </a:effectRef>
+            <a:fontRef idx="minor">
+              <a:schemeClr val="lt1"/>
+            </a:fontRef>
+          </p:style>
+          <p:txBody>
+            <a:bodyPr rtlCol="0" anchor="ctr"/>
+            <a:lstStyle/>
+            <a:p>
+              <a:pPr algn="ctr"/>
+              <a:endParaRPr lang="en-US">
+                <a:solidFill>
+                  <a:srgbClr val="00A0A8"/>
+                </a:solidFill>
+              </a:endParaRPr>
+            </a:p>
+          </p:txBody>
+        </p:sp>
+        <p:pic>
+          <p:nvPicPr>
+            <p:cNvPr id="134" name="Picture 114" descr="Víz">
+              <a:extLst>
+                <a:ext uri="{FF2B5EF4-FFF2-40B4-BE49-F238E27FC236}">
+                  <a16:creationId xmlns:a16="http://schemas.microsoft.com/office/drawing/2014/main" id="{5260D3D5-F327-442F-983B-ADC11B85D6BB}"/>
+                </a:ext>
+              </a:extLst>
+            </p:cNvPr>
+            <p:cNvPicPr>
+              <a:picLocks noChangeAspect="1"/>
+            </p:cNvPicPr>
+            <p:nvPr/>
+          </p:nvPicPr>
+          <p:blipFill>
+            <a:blip r:embed="rId7">
+              <a:extLst>
+                <a:ext uri="{28A0092B-C50C-407E-A947-70E740481C1C}">
+                  <a14:useLocalDpi xmlns:a14="http://schemas.microsoft.com/office/drawing/2010/main" val="0"/>
+                </a:ext>
+                <a:ext uri="{96DAC541-7B7A-43D3-8B79-37D633B846F1}">
+                  <asvg:svgBlip xmlns:asvg="http://schemas.microsoft.com/office/drawing/2016/SVG/main" r:embed="rId8"/>
+                </a:ext>
+              </a:extLst>
+            </a:blip>
+            <a:srcRect/>
+            <a:stretch/>
+          </p:blipFill>
+          <p:spPr>
+            <a:xfrm>
+              <a:off x="896554" y="2408975"/>
+              <a:ext cx="398394" cy="398394"/>
+            </a:xfrm>
+            <a:prstGeom prst="rect">
+              <a:avLst/>
+            </a:prstGeom>
+          </p:spPr>
+        </p:pic>
+        <p:sp>
+          <p:nvSpPr>
+            <p:cNvPr id="135" name="TextBox 115">
+              <a:extLst>
+                <a:ext uri="{FF2B5EF4-FFF2-40B4-BE49-F238E27FC236}">
+                  <a16:creationId xmlns:a16="http://schemas.microsoft.com/office/drawing/2014/main" id="{3D6B044A-ACA1-4905-9DC4-241D478E1337}"/>
+                </a:ext>
+              </a:extLst>
+            </p:cNvPr>
+            <p:cNvSpPr txBox="1"/>
+            <p:nvPr/>
+          </p:nvSpPr>
+          <p:spPr>
+            <a:xfrm>
+              <a:off x="1504258" y="2394370"/>
+              <a:ext cx="2177203" cy="369332"/>
+            </a:xfrm>
+            <a:prstGeom prst="rect">
+              <a:avLst/>
+            </a:prstGeom>
+            <a:noFill/>
+          </p:spPr>
+          <p:txBody>
+            <a:bodyPr wrap="square" rtlCol="0">
+              <a:spAutoFit/>
+            </a:bodyPr>
+            <a:lstStyle/>
+            <a:p>
+              <a:r>
+                <a:rPr lang="en-US" dirty="0" err="1">
+                  <a:solidFill>
+                    <a:srgbClr val="00A0A8"/>
+                  </a:solidFill>
+                  <a:latin typeface="Tw Cen MT" panose="020B0602020104020603" pitchFamily="34" charset="0"/>
+                </a:rPr>
+                <a:t>víz</a:t>
+              </a:r>
+              <a:endParaRPr lang="en-US" dirty="0">
+                <a:solidFill>
+                  <a:srgbClr val="00A0A8"/>
+                </a:solidFill>
+                <a:latin typeface="Tw Cen MT" panose="020B0602020104020603" pitchFamily="34" charset="0"/>
+              </a:endParaRPr>
+            </a:p>
+          </p:txBody>
+        </p:sp>
+        <p:sp>
+          <p:nvSpPr>
+            <p:cNvPr id="136" name="TextBox 116">
+              <a:extLst>
+                <a:ext uri="{FF2B5EF4-FFF2-40B4-BE49-F238E27FC236}">
+                  <a16:creationId xmlns:a16="http://schemas.microsoft.com/office/drawing/2014/main" id="{50B1EB17-2A69-4DAA-85B4-57027C8D5385}"/>
+                </a:ext>
+              </a:extLst>
+            </p:cNvPr>
+            <p:cNvSpPr txBox="1"/>
+            <p:nvPr/>
+          </p:nvSpPr>
+          <p:spPr>
+            <a:xfrm>
+              <a:off x="1435200" y="2425148"/>
+              <a:ext cx="2526748" cy="307777"/>
+            </a:xfrm>
+            <a:prstGeom prst="rect">
+              <a:avLst/>
+            </a:prstGeom>
+            <a:noFill/>
+          </p:spPr>
+          <p:txBody>
+            <a:bodyPr wrap="square" rtlCol="0">
+              <a:spAutoFit/>
+            </a:bodyPr>
+            <a:lstStyle/>
+            <a:p>
+              <a:endParaRPr lang="en-US" sz="1400" dirty="0">
+                <a:solidFill>
+                  <a:srgbClr val="5D7373"/>
+                </a:solidFill>
+                <a:latin typeface="Tw Cen MT" panose="020B0602020104020603" pitchFamily="34" charset="0"/>
+              </a:endParaRPr>
+            </a:p>
+          </p:txBody>
+        </p:sp>
+      </p:grpSp>
+      <p:grpSp>
+        <p:nvGrpSpPr>
+          <p:cNvPr id="137" name="Group 112">
+            <a:extLst>
+              <a:ext uri="{FF2B5EF4-FFF2-40B4-BE49-F238E27FC236}">
+                <a16:creationId xmlns:a16="http://schemas.microsoft.com/office/drawing/2014/main" id="{8820D15D-8F99-4416-A31C-9893D44AC295}"/>
+              </a:ext>
+            </a:extLst>
+          </p:cNvPr>
+          <p:cNvGrpSpPr/>
+          <p:nvPr/>
+        </p:nvGrpSpPr>
+        <p:grpSpPr>
+          <a:xfrm>
+            <a:off x="3040264" y="4716633"/>
+            <a:ext cx="5821489" cy="1667749"/>
+            <a:chOff x="764723" y="2142394"/>
+            <a:chExt cx="5821489" cy="1667749"/>
+          </a:xfrm>
+        </p:grpSpPr>
+        <p:sp>
+          <p:nvSpPr>
+            <p:cNvPr id="138" name="Oval 113">
+              <a:extLst>
+                <a:ext uri="{FF2B5EF4-FFF2-40B4-BE49-F238E27FC236}">
+                  <a16:creationId xmlns:a16="http://schemas.microsoft.com/office/drawing/2014/main" id="{5FA1DB0C-F919-4C3F-A464-CFF78E7F6E23}"/>
+                </a:ext>
+              </a:extLst>
+            </p:cNvPr>
+            <p:cNvSpPr/>
+            <p:nvPr/>
+          </p:nvSpPr>
+          <p:spPr>
+            <a:xfrm>
+              <a:off x="764723" y="2277144"/>
+              <a:ext cx="662056" cy="662056"/>
+            </a:xfrm>
+            <a:prstGeom prst="ellipse">
+              <a:avLst/>
+            </a:prstGeom>
+            <a:solidFill>
+              <a:srgbClr val="FF5969"/>
             </a:solidFill>
             <a:ln>
               <a:noFill/>
@@ -15680,10 +14638,10 @@
         </p:sp>
         <p:pic>
           <p:nvPicPr>
-            <p:cNvPr id="132" name="Picture 131">
-              <a:extLst>
-                <a:ext uri="{FF2B5EF4-FFF2-40B4-BE49-F238E27FC236}">
-                  <a16:creationId xmlns:a16="http://schemas.microsoft.com/office/drawing/2014/main" id="{B5EEDA48-5891-495E-A9A5-8AEE839470AC}"/>
+            <p:cNvPr id="139" name="Picture 114" descr="Serleg">
+              <a:extLst>
+                <a:ext uri="{FF2B5EF4-FFF2-40B4-BE49-F238E27FC236}">
+                  <a16:creationId xmlns:a16="http://schemas.microsoft.com/office/drawing/2014/main" id="{7EA0A72F-CF6A-4D0F-B7EF-AEF164D5C58E}"/>
                 </a:ext>
               </a:extLst>
             </p:cNvPr>
@@ -15693,190 +14651,251 @@
             <p:nvPr/>
           </p:nvPicPr>
           <p:blipFill>
-            <a:blip r:embed="rId4">
+            <a:blip r:embed="rId3">
               <a:extLst>
                 <a:ext uri="{28A0092B-C50C-407E-A947-70E740481C1C}">
                   <a14:useLocalDpi xmlns:a14="http://schemas.microsoft.com/office/drawing/2010/main" val="0"/>
                 </a:ext>
+                <a:ext uri="{96DAC541-7B7A-43D3-8B79-37D633B846F1}">
+                  <asvg:svgBlip xmlns:asvg="http://schemas.microsoft.com/office/drawing/2016/SVG/main" r:embed="rId4"/>
+                </a:ext>
               </a:extLst>
             </a:blip>
-            <a:stretch>
-              <a:fillRect/>
-            </a:stretch>
+            <a:srcRect/>
+            <a:stretch/>
           </p:blipFill>
           <p:spPr>
             <a:xfrm>
-              <a:off x="5565681" y="2061164"/>
-              <a:ext cx="659146" cy="659144"/>
+              <a:off x="896554" y="2408975"/>
+              <a:ext cx="398394" cy="398394"/>
             </a:xfrm>
             <a:prstGeom prst="rect">
               <a:avLst/>
             </a:prstGeom>
           </p:spPr>
         </p:pic>
-      </p:grpSp>
-      <p:grpSp>
-        <p:nvGrpSpPr>
-          <p:cNvPr id="4" name="Group 3">
-            <a:extLst>
-              <a:ext uri="{FF2B5EF4-FFF2-40B4-BE49-F238E27FC236}">
-                <a16:creationId xmlns:a16="http://schemas.microsoft.com/office/drawing/2014/main" id="{FA807BE1-996E-4364-AC05-CAC8C826377C}"/>
-              </a:ext>
-            </a:extLst>
-          </p:cNvPr>
-          <p:cNvGrpSpPr/>
-          <p:nvPr/>
-        </p:nvGrpSpPr>
-        <p:grpSpPr>
-          <a:xfrm>
-            <a:off x="7391281" y="1755914"/>
-            <a:ext cx="1275682" cy="1275682"/>
-            <a:chOff x="7353181" y="1755914"/>
-            <a:chExt cx="1275682" cy="1275682"/>
-          </a:xfrm>
-        </p:grpSpPr>
         <p:sp>
           <p:nvSpPr>
-            <p:cNvPr id="128" name="Teardrop 127">
-              <a:extLst>
-                <a:ext uri="{FF2B5EF4-FFF2-40B4-BE49-F238E27FC236}">
-                  <a16:creationId xmlns:a16="http://schemas.microsoft.com/office/drawing/2014/main" id="{76257F1B-992C-4717-A6A2-EDE25A4F31C3}"/>
-                </a:ext>
-              </a:extLst>
-            </p:cNvPr>
-            <p:cNvSpPr/>
+            <p:cNvPr id="140" name="TextBox 115">
+              <a:extLst>
+                <a:ext uri="{FF2B5EF4-FFF2-40B4-BE49-F238E27FC236}">
+                  <a16:creationId xmlns:a16="http://schemas.microsoft.com/office/drawing/2014/main" id="{63F316C3-08B0-4F75-B883-EE0A5FFA4F39}"/>
+                </a:ext>
+              </a:extLst>
+            </p:cNvPr>
+            <p:cNvSpPr txBox="1"/>
             <p:nvPr/>
           </p:nvSpPr>
           <p:spPr>
-            <a:xfrm rot="8100000">
-              <a:off x="7353181" y="1755914"/>
-              <a:ext cx="1275682" cy="1275682"/>
-            </a:xfrm>
-            <a:prstGeom prst="teardrop">
-              <a:avLst>
-                <a:gd name="adj" fmla="val 109962"/>
-              </a:avLst>
+            <a:xfrm>
+              <a:off x="1435199" y="2142394"/>
+              <a:ext cx="2177203" cy="369332"/>
+            </a:xfrm>
+            <a:prstGeom prst="rect">
+              <a:avLst/>
             </a:prstGeom>
-            <a:solidFill>
-              <a:srgbClr val="FEC630"/>
-            </a:solidFill>
-            <a:ln>
-              <a:noFill/>
-            </a:ln>
-          </p:spPr>
-          <p:style>
-            <a:lnRef idx="2">
-              <a:schemeClr val="accent1">
-                <a:shade val="50000"/>
-              </a:schemeClr>
-            </a:lnRef>
-            <a:fillRef idx="1">
-              <a:schemeClr val="accent1"/>
-            </a:fillRef>
-            <a:effectRef idx="0">
-              <a:schemeClr val="accent1"/>
-            </a:effectRef>
-            <a:fontRef idx="minor">
-              <a:schemeClr val="lt1"/>
-            </a:fontRef>
-          </p:style>
+            <a:noFill/>
+          </p:spPr>
           <p:txBody>
-            <a:bodyPr rtlCol="0" anchor="ctr"/>
+            <a:bodyPr wrap="square" rtlCol="0">
+              <a:spAutoFit/>
+            </a:bodyPr>
             <a:lstStyle/>
             <a:p>
-              <a:pPr algn="ctr"/>
-              <a:endParaRPr lang="en-US"/>
+              <a:r>
+                <a:rPr lang="en-US" dirty="0" err="1">
+                  <a:solidFill>
+                    <a:srgbClr val="FF5969"/>
+                  </a:solidFill>
+                  <a:latin typeface="Tw Cen MT" panose="020B0602020104020603" pitchFamily="34" charset="0"/>
+                </a:rPr>
+                <a:t>egyéb</a:t>
+              </a:r>
+              <a:r>
+                <a:rPr lang="en-US" dirty="0">
+                  <a:solidFill>
+                    <a:srgbClr val="FF5969"/>
+                  </a:solidFill>
+                  <a:latin typeface="Tw Cen MT" panose="020B0602020104020603" pitchFamily="34" charset="0"/>
+                </a:rPr>
+                <a:t> </a:t>
+              </a:r>
+              <a:r>
+                <a:rPr lang="en-US" dirty="0" err="1">
+                  <a:solidFill>
+                    <a:srgbClr val="FF5969"/>
+                  </a:solidFill>
+                  <a:latin typeface="Tw Cen MT" panose="020B0602020104020603" pitchFamily="34" charset="0"/>
+                </a:rPr>
+                <a:t>komponensek</a:t>
+              </a:r>
+              <a:endParaRPr lang="en-US" dirty="0">
+                <a:solidFill>
+                  <a:srgbClr val="FF5969"/>
+                </a:solidFill>
+                <a:latin typeface="Tw Cen MT" panose="020B0602020104020603" pitchFamily="34" charset="0"/>
+              </a:endParaRPr>
             </a:p>
           </p:txBody>
         </p:sp>
         <p:sp>
           <p:nvSpPr>
-            <p:cNvPr id="129" name="Oval 128">
-              <a:extLst>
-                <a:ext uri="{FF2B5EF4-FFF2-40B4-BE49-F238E27FC236}">
-                  <a16:creationId xmlns:a16="http://schemas.microsoft.com/office/drawing/2014/main" id="{CBB174F9-BA66-486F-BC62-F2720CED100C}"/>
-                </a:ext>
-              </a:extLst>
-            </p:cNvPr>
-            <p:cNvSpPr/>
+            <p:cNvPr id="141" name="TextBox 116">
+              <a:extLst>
+                <a:ext uri="{FF2B5EF4-FFF2-40B4-BE49-F238E27FC236}">
+                  <a16:creationId xmlns:a16="http://schemas.microsoft.com/office/drawing/2014/main" id="{A39C2053-3DAD-40E2-B5C9-BF03F7821DF0}"/>
+                </a:ext>
+              </a:extLst>
+            </p:cNvPr>
+            <p:cNvSpPr txBox="1"/>
             <p:nvPr/>
           </p:nvSpPr>
           <p:spPr>
             <a:xfrm>
-              <a:off x="7547530" y="1948912"/>
-              <a:ext cx="889686" cy="889686"/>
-            </a:xfrm>
-            <a:prstGeom prst="ellipse">
+              <a:off x="1435200" y="2425148"/>
+              <a:ext cx="5151012" cy="1384995"/>
+            </a:xfrm>
+            <a:prstGeom prst="rect">
               <a:avLst/>
             </a:prstGeom>
-            <a:solidFill>
-              <a:schemeClr val="bg1"/>
-            </a:solidFill>
-            <a:ln>
-              <a:noFill/>
-            </a:ln>
-          </p:spPr>
-          <p:style>
-            <a:lnRef idx="2">
-              <a:schemeClr val="accent1">
-                <a:shade val="50000"/>
-              </a:schemeClr>
-            </a:lnRef>
-            <a:fillRef idx="1">
-              <a:schemeClr val="accent1"/>
-            </a:fillRef>
-            <a:effectRef idx="0">
-              <a:schemeClr val="accent1"/>
-            </a:effectRef>
-            <a:fontRef idx="minor">
-              <a:schemeClr val="lt1"/>
-            </a:fontRef>
-          </p:style>
+            <a:noFill/>
+          </p:spPr>
           <p:txBody>
-            <a:bodyPr rtlCol="0" anchor="ctr"/>
+            <a:bodyPr wrap="square" rtlCol="0">
+              <a:spAutoFit/>
+            </a:bodyPr>
             <a:lstStyle/>
             <a:p>
-              <a:pPr algn="ctr"/>
-              <a:endParaRPr lang="en-US"/>
+              <a:r>
+                <a:rPr lang="hu-HU" sz="1400" dirty="0">
+                  <a:solidFill>
+                    <a:srgbClr val="5D7373"/>
+                  </a:solidFill>
+                  <a:latin typeface="Tw Cen MT" panose="020B0602020104020603" pitchFamily="34" charset="0"/>
+                </a:rPr>
+                <a:t>habzásgátló, </a:t>
+              </a:r>
+              <a:endParaRPr lang="en-US" sz="1400" dirty="0">
+                <a:solidFill>
+                  <a:srgbClr val="5D7373"/>
+                </a:solidFill>
+                <a:latin typeface="Tw Cen MT" panose="020B0602020104020603" pitchFamily="34" charset="0"/>
+              </a:endParaRPr>
+            </a:p>
+            <a:p>
+              <a:r>
+                <a:rPr lang="hu-HU" sz="1400" dirty="0">
+                  <a:solidFill>
+                    <a:srgbClr val="5D7373"/>
+                  </a:solidFill>
+                  <a:latin typeface="Tw Cen MT" panose="020B0602020104020603" pitchFamily="34" charset="0"/>
+                </a:rPr>
+                <a:t>puffer, </a:t>
+              </a:r>
+              <a:endParaRPr lang="en-US" sz="1400" dirty="0">
+                <a:solidFill>
+                  <a:srgbClr val="5D7373"/>
+                </a:solidFill>
+                <a:latin typeface="Tw Cen MT" panose="020B0602020104020603" pitchFamily="34" charset="0"/>
+              </a:endParaRPr>
+            </a:p>
+            <a:p>
+              <a:r>
+                <a:rPr lang="hu-HU" sz="1400" dirty="0">
+                  <a:solidFill>
+                    <a:srgbClr val="5D7373"/>
+                  </a:solidFill>
+                  <a:latin typeface="Tw Cen MT" panose="020B0602020104020603" pitchFamily="34" charset="0"/>
+                </a:rPr>
+                <a:t>sűrítő-anyag, </a:t>
+              </a:r>
+              <a:endParaRPr lang="en-US" sz="1400" dirty="0">
+                <a:solidFill>
+                  <a:srgbClr val="5D7373"/>
+                </a:solidFill>
+                <a:latin typeface="Tw Cen MT" panose="020B0602020104020603" pitchFamily="34" charset="0"/>
+              </a:endParaRPr>
+            </a:p>
+            <a:p>
+              <a:r>
+                <a:rPr lang="hu-HU" sz="1400" dirty="0">
+                  <a:solidFill>
+                    <a:srgbClr val="5D7373"/>
+                  </a:solidFill>
+                  <a:latin typeface="Tw Cen MT" panose="020B0602020104020603" pitchFamily="34" charset="0"/>
+                </a:rPr>
+                <a:t>stabilizáló (kémiai bomlás fékezésére), </a:t>
+              </a:r>
+              <a:endParaRPr lang="en-US" sz="1400" dirty="0">
+                <a:solidFill>
+                  <a:srgbClr val="5D7373"/>
+                </a:solidFill>
+                <a:latin typeface="Tw Cen MT" panose="020B0602020104020603" pitchFamily="34" charset="0"/>
+              </a:endParaRPr>
+            </a:p>
+            <a:p>
+              <a:r>
+                <a:rPr lang="hu-HU" sz="1400" dirty="0">
+                  <a:solidFill>
+                    <a:srgbClr val="5D7373"/>
+                  </a:solidFill>
+                  <a:latin typeface="Tw Cen MT" panose="020B0602020104020603" pitchFamily="34" charset="0"/>
+                </a:rPr>
+                <a:t>hatásfokozó </a:t>
+              </a:r>
+              <a:r>
+                <a:rPr lang="hu-HU" sz="1400" dirty="0" err="1">
+                  <a:solidFill>
+                    <a:srgbClr val="5D7373"/>
+                  </a:solidFill>
+                  <a:latin typeface="Tw Cen MT" panose="020B0602020104020603" pitchFamily="34" charset="0"/>
+                </a:rPr>
+                <a:t>adjuváns</a:t>
+              </a:r>
+              <a:r>
+                <a:rPr lang="hu-HU" sz="1400" dirty="0">
+                  <a:solidFill>
+                    <a:srgbClr val="5D7373"/>
+                  </a:solidFill>
+                  <a:latin typeface="Tw Cen MT" panose="020B0602020104020603" pitchFamily="34" charset="0"/>
+                </a:rPr>
+                <a:t>, </a:t>
+              </a:r>
+              <a:endParaRPr lang="en-US" sz="1400" dirty="0">
+                <a:solidFill>
+                  <a:srgbClr val="5D7373"/>
+                </a:solidFill>
+                <a:latin typeface="Tw Cen MT" panose="020B0602020104020603" pitchFamily="34" charset="0"/>
+              </a:endParaRPr>
+            </a:p>
+            <a:p>
+              <a:r>
+                <a:rPr lang="hu-HU" sz="1400" dirty="0">
+                  <a:solidFill>
+                    <a:srgbClr val="5D7373"/>
+                  </a:solidFill>
+                  <a:latin typeface="Tw Cen MT" panose="020B0602020104020603" pitchFamily="34" charset="0"/>
+                </a:rPr>
+                <a:t>fagyásgátló, </a:t>
+              </a:r>
+              <a:r>
+                <a:rPr lang="hu-HU" sz="1400" dirty="0" err="1">
+                  <a:solidFill>
+                    <a:srgbClr val="5D7373"/>
+                  </a:solidFill>
+                  <a:latin typeface="Tw Cen MT" panose="020B0602020104020603" pitchFamily="34" charset="0"/>
+                </a:rPr>
+                <a:t>biocid</a:t>
+              </a:r>
+              <a:endParaRPr lang="en-US" sz="1400" dirty="0">
+                <a:solidFill>
+                  <a:srgbClr val="5D7373"/>
+                </a:solidFill>
+                <a:latin typeface="Tw Cen MT" panose="020B0602020104020603" pitchFamily="34" charset="0"/>
+              </a:endParaRPr>
             </a:p>
           </p:txBody>
         </p:sp>
-        <p:pic>
-          <p:nvPicPr>
-            <p:cNvPr id="133" name="Picture 132">
-              <a:extLst>
-                <a:ext uri="{FF2B5EF4-FFF2-40B4-BE49-F238E27FC236}">
-                  <a16:creationId xmlns:a16="http://schemas.microsoft.com/office/drawing/2014/main" id="{58BE45EE-A44E-41D8-8C13-099C1F70EFC4}"/>
-                </a:ext>
-              </a:extLst>
-            </p:cNvPr>
-            <p:cNvPicPr>
-              <a:picLocks noChangeAspect="1"/>
-            </p:cNvPicPr>
-            <p:nvPr/>
-          </p:nvPicPr>
-          <p:blipFill>
-            <a:blip r:embed="rId5">
-              <a:extLst>
-                <a:ext uri="{28A0092B-C50C-407E-A947-70E740481C1C}">
-                  <a14:useLocalDpi xmlns:a14="http://schemas.microsoft.com/office/drawing/2010/main" val="0"/>
-                </a:ext>
-              </a:extLst>
-            </a:blip>
-            <a:stretch>
-              <a:fillRect/>
-            </a:stretch>
-          </p:blipFill>
-          <p:spPr>
-            <a:xfrm>
-              <a:off x="7648666" y="2048456"/>
-              <a:ext cx="684562" cy="684560"/>
-            </a:xfrm>
-            <a:prstGeom prst="rect">
-              <a:avLst/>
-            </a:prstGeom>
-          </p:spPr>
-        </p:pic>
       </p:grpSp>
     </p:spTree>
     <p:extLst>
@@ -15912,6 +14931,9 @@
                     <p:cTn id="3" fill="hold">
                       <p:stCondLst>
                         <p:cond delay="indefinite"/>
+                        <p:cond evt="onBegin" delay="0">
+                          <p:tn val="2"/>
+                        </p:cond>
                       </p:stCondLst>
                       <p:childTnLst>
                         <p:par>
@@ -15921,7 +14943,7 @@
                             </p:stCondLst>
                             <p:childTnLst>
                               <p:par>
-                                <p:cTn id="5" presetID="53" presetClass="entr" presetSubtype="16" fill="hold" nodeType="clickEffect">
+                                <p:cTn id="5" presetID="31" presetClass="entr" presetSubtype="0" fill="hold" nodeType="afterEffect">
                                   <p:stCondLst>
                                     <p:cond delay="0"/>
                                   </p:stCondLst>
@@ -15934,7 +14956,7 @@
                                           </p:stCondLst>
                                         </p:cTn>
                                         <p:tgtEl>
-                                          <p:spTgt spid="97"/>
+                                          <p:spTgt spid="90"/>
                                         </p:tgtEl>
                                         <p:attrNameLst>
                                           <p:attrName>style.visibility</p:attrName>
@@ -15946,9 +14968,9 @@
                                     </p:set>
                                     <p:anim calcmode="lin" valueType="num">
                                       <p:cBhvr>
-                                        <p:cTn id="7" dur="250" fill="hold"/>
+                                        <p:cTn id="7" dur="500" fill="hold"/>
                                         <p:tgtEl>
-                                          <p:spTgt spid="97"/>
+                                          <p:spTgt spid="90"/>
                                         </p:tgtEl>
                                         <p:attrNameLst>
                                           <p:attrName>ppt_w</p:attrName>
@@ -15969,9 +14991,9 @@
                                     </p:anim>
                                     <p:anim calcmode="lin" valueType="num">
                                       <p:cBhvr>
-                                        <p:cTn id="8" dur="250" fill="hold"/>
+                                        <p:cTn id="8" dur="500" fill="hold"/>
                                         <p:tgtEl>
-                                          <p:spTgt spid="97"/>
+                                          <p:spTgt spid="90"/>
                                         </p:tgtEl>
                                         <p:attrNameLst>
                                           <p:attrName>ppt_h</p:attrName>
@@ -15990,11 +15012,34 @@
                                         </p:tav>
                                       </p:tavLst>
                                     </p:anim>
+                                    <p:anim calcmode="lin" valueType="num">
+                                      <p:cBhvr>
+                                        <p:cTn id="9" dur="500" fill="hold"/>
+                                        <p:tgtEl>
+                                          <p:spTgt spid="90"/>
+                                        </p:tgtEl>
+                                        <p:attrNameLst>
+                                          <p:attrName>style.rotation</p:attrName>
+                                        </p:attrNameLst>
+                                      </p:cBhvr>
+                                      <p:tavLst>
+                                        <p:tav tm="0">
+                                          <p:val>
+                                            <p:fltVal val="90"/>
+                                          </p:val>
+                                        </p:tav>
+                                        <p:tav tm="100000">
+                                          <p:val>
+                                            <p:fltVal val="0"/>
+                                          </p:val>
+                                        </p:tav>
+                                      </p:tavLst>
+                                    </p:anim>
                                     <p:animEffect transition="in" filter="fade">
                                       <p:cBhvr>
-                                        <p:cTn id="9" dur="250"/>
+                                        <p:cTn id="10" dur="500"/>
                                         <p:tgtEl>
-                                          <p:spTgt spid="97"/>
+                                          <p:spTgt spid="90"/>
                                         </p:tgtEl>
                                       </p:cBhvr>
                                     </p:animEffect>
@@ -16005,26 +15050,26 @@
                           </p:cTn>
                         </p:par>
                         <p:par>
-                          <p:cTn id="10" fill="hold">
+                          <p:cTn id="11" fill="hold">
                             <p:stCondLst>
-                              <p:cond delay="250"/>
+                              <p:cond delay="500"/>
                             </p:stCondLst>
                             <p:childTnLst>
                               <p:par>
-                                <p:cTn id="11" presetID="53" presetClass="entr" presetSubtype="16" fill="hold" grpId="0" nodeType="afterEffect">
+                                <p:cTn id="12" presetID="31" presetClass="entr" presetSubtype="0" fill="hold" nodeType="afterEffect">
                                   <p:stCondLst>
                                     <p:cond delay="0"/>
                                   </p:stCondLst>
                                   <p:childTnLst>
                                     <p:set>
                                       <p:cBhvr>
-                                        <p:cTn id="12" dur="1" fill="hold">
+                                        <p:cTn id="13" dur="1" fill="hold">
                                           <p:stCondLst>
                                             <p:cond delay="0"/>
                                           </p:stCondLst>
                                         </p:cTn>
                                         <p:tgtEl>
-                                          <p:spTgt spid="110"/>
+                                          <p:spTgt spid="95"/>
                                         </p:tgtEl>
                                         <p:attrNameLst>
                                           <p:attrName>style.visibility</p:attrName>
@@ -16036,9 +15081,9 @@
                                     </p:set>
                                     <p:anim calcmode="lin" valueType="num">
                                       <p:cBhvr>
-                                        <p:cTn id="13" dur="250" fill="hold"/>
+                                        <p:cTn id="14" dur="500" fill="hold"/>
                                         <p:tgtEl>
-                                          <p:spTgt spid="110"/>
+                                          <p:spTgt spid="95"/>
                                         </p:tgtEl>
                                         <p:attrNameLst>
                                           <p:attrName>ppt_w</p:attrName>
@@ -16059,9 +15104,9 @@
                                     </p:anim>
                                     <p:anim calcmode="lin" valueType="num">
                                       <p:cBhvr>
-                                        <p:cTn id="14" dur="250" fill="hold"/>
+                                        <p:cTn id="15" dur="500" fill="hold"/>
                                         <p:tgtEl>
-                                          <p:spTgt spid="110"/>
+                                          <p:spTgt spid="95"/>
                                         </p:tgtEl>
                                         <p:attrNameLst>
                                           <p:attrName>ppt_h</p:attrName>
@@ -16080,11 +15125,34 @@
                                         </p:tav>
                                       </p:tavLst>
                                     </p:anim>
+                                    <p:anim calcmode="lin" valueType="num">
+                                      <p:cBhvr>
+                                        <p:cTn id="16" dur="500" fill="hold"/>
+                                        <p:tgtEl>
+                                          <p:spTgt spid="95"/>
+                                        </p:tgtEl>
+                                        <p:attrNameLst>
+                                          <p:attrName>style.rotation</p:attrName>
+                                        </p:attrNameLst>
+                                      </p:cBhvr>
+                                      <p:tavLst>
+                                        <p:tav tm="0">
+                                          <p:val>
+                                            <p:fltVal val="90"/>
+                                          </p:val>
+                                        </p:tav>
+                                        <p:tav tm="100000">
+                                          <p:val>
+                                            <p:fltVal val="0"/>
+                                          </p:val>
+                                        </p:tav>
+                                      </p:tavLst>
+                                    </p:anim>
                                     <p:animEffect transition="in" filter="fade">
                                       <p:cBhvr>
-                                        <p:cTn id="15" dur="250"/>
+                                        <p:cTn id="17" dur="500"/>
                                         <p:tgtEl>
-                                          <p:spTgt spid="110"/>
+                                          <p:spTgt spid="95"/>
                                         </p:tgtEl>
                                       </p:cBhvr>
                                     </p:animEffect>
@@ -16095,26 +15163,26 @@
                           </p:cTn>
                         </p:par>
                         <p:par>
-                          <p:cTn id="16" fill="hold">
+                          <p:cTn id="18" fill="hold">
                             <p:stCondLst>
-                              <p:cond delay="500"/>
+                              <p:cond delay="1000"/>
                             </p:stCondLst>
                             <p:childTnLst>
                               <p:par>
-                                <p:cTn id="17" presetID="53" presetClass="entr" presetSubtype="16" fill="hold" nodeType="afterEffect">
+                                <p:cTn id="19" presetID="31" presetClass="entr" presetSubtype="0" fill="hold" nodeType="afterEffect">
                                   <p:stCondLst>
                                     <p:cond delay="0"/>
                                   </p:stCondLst>
                                   <p:childTnLst>
                                     <p:set>
                                       <p:cBhvr>
-                                        <p:cTn id="18" dur="1" fill="hold">
+                                        <p:cTn id="20" dur="1" fill="hold">
                                           <p:stCondLst>
                                             <p:cond delay="0"/>
                                           </p:stCondLst>
                                         </p:cTn>
                                         <p:tgtEl>
-                                          <p:spTgt spid="2"/>
+                                          <p:spTgt spid="127"/>
                                         </p:tgtEl>
                                         <p:attrNameLst>
                                           <p:attrName>style.visibility</p:attrName>
@@ -16126,9 +15194,9 @@
                                     </p:set>
                                     <p:anim calcmode="lin" valueType="num">
                                       <p:cBhvr>
-                                        <p:cTn id="19" dur="250" fill="hold"/>
+                                        <p:cTn id="21" dur="500" fill="hold"/>
                                         <p:tgtEl>
-                                          <p:spTgt spid="2"/>
+                                          <p:spTgt spid="127"/>
                                         </p:tgtEl>
                                         <p:attrNameLst>
                                           <p:attrName>ppt_w</p:attrName>
@@ -16149,9 +15217,9 @@
                                     </p:anim>
                                     <p:anim calcmode="lin" valueType="num">
                                       <p:cBhvr>
-                                        <p:cTn id="20" dur="250" fill="hold"/>
+                                        <p:cTn id="22" dur="500" fill="hold"/>
                                         <p:tgtEl>
-                                          <p:spTgt spid="2"/>
+                                          <p:spTgt spid="127"/>
                                         </p:tgtEl>
                                         <p:attrNameLst>
                                           <p:attrName>ppt_h</p:attrName>
@@ -16170,11 +15238,34 @@
                                         </p:tav>
                                       </p:tavLst>
                                     </p:anim>
+                                    <p:anim calcmode="lin" valueType="num">
+                                      <p:cBhvr>
+                                        <p:cTn id="23" dur="500" fill="hold"/>
+                                        <p:tgtEl>
+                                          <p:spTgt spid="127"/>
+                                        </p:tgtEl>
+                                        <p:attrNameLst>
+                                          <p:attrName>style.rotation</p:attrName>
+                                        </p:attrNameLst>
+                                      </p:cBhvr>
+                                      <p:tavLst>
+                                        <p:tav tm="0">
+                                          <p:val>
+                                            <p:fltVal val="90"/>
+                                          </p:val>
+                                        </p:tav>
+                                        <p:tav tm="100000">
+                                          <p:val>
+                                            <p:fltVal val="0"/>
+                                          </p:val>
+                                        </p:tav>
+                                      </p:tavLst>
+                                    </p:anim>
                                     <p:animEffect transition="in" filter="fade">
                                       <p:cBhvr>
-                                        <p:cTn id="21" dur="250"/>
+                                        <p:cTn id="24" dur="500"/>
                                         <p:tgtEl>
-                                          <p:spTgt spid="2"/>
+                                          <p:spTgt spid="127"/>
                                         </p:tgtEl>
                                       </p:cBhvr>
                                     </p:animEffect>
@@ -16185,160 +15276,26 @@
                           </p:cTn>
                         </p:par>
                         <p:par>
-                          <p:cTn id="22" fill="hold">
+                          <p:cTn id="25" fill="hold">
                             <p:stCondLst>
-                              <p:cond delay="750"/>
+                              <p:cond delay="1500"/>
                             </p:stCondLst>
                             <p:childTnLst>
                               <p:par>
-                                <p:cTn id="23" presetID="42" presetClass="entr" presetSubtype="0" fill="hold" nodeType="afterEffect">
+                                <p:cTn id="26" presetID="31" presetClass="entr" presetSubtype="0" fill="hold" nodeType="afterEffect">
                                   <p:stCondLst>
                                     <p:cond delay="0"/>
                                   </p:stCondLst>
                                   <p:childTnLst>
                                     <p:set>
                                       <p:cBhvr>
-                                        <p:cTn id="24" dur="1" fill="hold">
+                                        <p:cTn id="27" dur="1" fill="hold">
                                           <p:stCondLst>
                                             <p:cond delay="0"/>
                                           </p:stCondLst>
                                         </p:cTn>
                                         <p:tgtEl>
-                                          <p:spTgt spid="107"/>
-                                        </p:tgtEl>
-                                        <p:attrNameLst>
-                                          <p:attrName>style.visibility</p:attrName>
-                                        </p:attrNameLst>
-                                      </p:cBhvr>
-                                      <p:to>
-                                        <p:strVal val="visible"/>
-                                      </p:to>
-                                    </p:set>
-                                    <p:animEffect transition="in" filter="fade">
-                                      <p:cBhvr>
-                                        <p:cTn id="25" dur="250"/>
-                                        <p:tgtEl>
-                                          <p:spTgt spid="107"/>
-                                        </p:tgtEl>
-                                      </p:cBhvr>
-                                    </p:animEffect>
-                                    <p:anim calcmode="lin" valueType="num">
-                                      <p:cBhvr>
-                                        <p:cTn id="26" dur="250" fill="hold"/>
-                                        <p:tgtEl>
-                                          <p:spTgt spid="107"/>
-                                        </p:tgtEl>
-                                        <p:attrNameLst>
-                                          <p:attrName>ppt_x</p:attrName>
-                                        </p:attrNameLst>
-                                      </p:cBhvr>
-                                      <p:tavLst>
-                                        <p:tav tm="0">
-                                          <p:val>
-                                            <p:strVal val="#ppt_x"/>
-                                          </p:val>
-                                        </p:tav>
-                                        <p:tav tm="100000">
-                                          <p:val>
-                                            <p:strVal val="#ppt_x"/>
-                                          </p:val>
-                                        </p:tav>
-                                      </p:tavLst>
-                                    </p:anim>
-                                    <p:anim calcmode="lin" valueType="num">
-                                      <p:cBhvr>
-                                        <p:cTn id="27" dur="250" fill="hold"/>
-                                        <p:tgtEl>
-                                          <p:spTgt spid="107"/>
-                                        </p:tgtEl>
-                                        <p:attrNameLst>
-                                          <p:attrName>ppt_y</p:attrName>
-                                        </p:attrNameLst>
-                                      </p:cBhvr>
-                                      <p:tavLst>
-                                        <p:tav tm="0">
-                                          <p:val>
-                                            <p:strVal val="#ppt_y+.1"/>
-                                          </p:val>
-                                        </p:tav>
-                                        <p:tav tm="100000">
-                                          <p:val>
-                                            <p:strVal val="#ppt_y"/>
-                                          </p:val>
-                                        </p:tav>
-                                      </p:tavLst>
-                                    </p:anim>
-                                  </p:childTnLst>
-                                </p:cTn>
-                              </p:par>
-                            </p:childTnLst>
-                          </p:cTn>
-                        </p:par>
-                        <p:par>
-                          <p:cTn id="28" fill="hold">
-                            <p:stCondLst>
-                              <p:cond delay="1000"/>
-                            </p:stCondLst>
-                            <p:childTnLst>
-                              <p:par>
-                                <p:cTn id="29" presetID="22" presetClass="entr" presetSubtype="8" fill="hold" nodeType="afterEffect">
-                                  <p:stCondLst>
-                                    <p:cond delay="250"/>
-                                  </p:stCondLst>
-                                  <p:childTnLst>
-                                    <p:set>
-                                      <p:cBhvr>
-                                        <p:cTn id="30" dur="1" fill="hold">
-                                          <p:stCondLst>
-                                            <p:cond delay="0"/>
-                                          </p:stCondLst>
-                                        </p:cTn>
-                                        <p:tgtEl>
-                                          <p:spTgt spid="96"/>
-                                        </p:tgtEl>
-                                        <p:attrNameLst>
-                                          <p:attrName>style.visibility</p:attrName>
-                                        </p:attrNameLst>
-                                      </p:cBhvr>
-                                      <p:to>
-                                        <p:strVal val="visible"/>
-                                      </p:to>
-                                    </p:set>
-                                    <p:animEffect transition="in" filter="wipe(left)">
-                                      <p:cBhvr>
-                                        <p:cTn id="31" dur="500"/>
-                                        <p:tgtEl>
-                                          <p:spTgt spid="96"/>
-                                        </p:tgtEl>
-                                      </p:cBhvr>
-                                    </p:animEffect>
-                                  </p:childTnLst>
-                                </p:cTn>
-                              </p:par>
-                            </p:childTnLst>
-                          </p:cTn>
-                        </p:par>
-                        <p:par>
-                          <p:cTn id="32" fill="hold">
-                            <p:stCondLst>
-                              <p:cond delay="1750"/>
-                            </p:stCondLst>
-                            <p:childTnLst>
-                              <p:par>
-                                <p:cTn id="33" presetID="53" presetClass="entr" presetSubtype="16" fill="hold" nodeType="afterEffect">
-                                  <p:stCondLst>
-                                    <p:cond delay="0"/>
-                                  </p:stCondLst>
-                                  <p:childTnLst>
-                                    <p:set>
-                                      <p:cBhvr>
-                                        <p:cTn id="34" dur="1" fill="hold">
-                                          <p:stCondLst>
-                                            <p:cond delay="0"/>
-                                          </p:stCondLst>
-                                        </p:cTn>
-                                        <p:tgtEl>
-                                          <p:spTgt spid="101"/>
+                                          <p:spTgt spid="137"/>
                                         </p:tgtEl>
                                         <p:attrNameLst>
                                           <p:attrName>style.visibility</p:attrName>
@@ -16350,9 +15307,9 @@
                                     </p:set>
                                     <p:anim calcmode="lin" valueType="num">
                                       <p:cBhvr>
-                                        <p:cTn id="35" dur="250" fill="hold"/>
+                                        <p:cTn id="28" dur="500" fill="hold"/>
                                         <p:tgtEl>
-                                          <p:spTgt spid="101"/>
+                                          <p:spTgt spid="137"/>
                                         </p:tgtEl>
                                         <p:attrNameLst>
                                           <p:attrName>ppt_w</p:attrName>
@@ -16373,9 +15330,9 @@
                                     </p:anim>
                                     <p:anim calcmode="lin" valueType="num">
                                       <p:cBhvr>
-                                        <p:cTn id="36" dur="250" fill="hold"/>
+                                        <p:cTn id="29" dur="500" fill="hold"/>
                                         <p:tgtEl>
-                                          <p:spTgt spid="101"/>
+                                          <p:spTgt spid="137"/>
                                         </p:tgtEl>
                                         <p:attrNameLst>
                                           <p:attrName>ppt_h</p:attrName>
@@ -16394,685 +15351,34 @@
                                         </p:tav>
                                       </p:tavLst>
                                     </p:anim>
-                                    <p:animEffect transition="in" filter="fade">
+                                    <p:anim calcmode="lin" valueType="num">
                                       <p:cBhvr>
-                                        <p:cTn id="37" dur="250"/>
+                                        <p:cTn id="30" dur="500" fill="hold"/>
                                         <p:tgtEl>
-                                          <p:spTgt spid="101"/>
-                                        </p:tgtEl>
-                                      </p:cBhvr>
-                                    </p:animEffect>
-                                  </p:childTnLst>
-                                </p:cTn>
-                              </p:par>
-                            </p:childTnLst>
-                          </p:cTn>
-                        </p:par>
-                        <p:par>
-                          <p:cTn id="38" fill="hold">
-                            <p:stCondLst>
-                              <p:cond delay="2000"/>
-                            </p:stCondLst>
-                            <p:childTnLst>
-                              <p:par>
-                                <p:cTn id="39" presetID="53" presetClass="entr" presetSubtype="16" fill="hold" nodeType="afterEffect">
-                                  <p:stCondLst>
-                                    <p:cond delay="0"/>
-                                  </p:stCondLst>
-                                  <p:childTnLst>
-                                    <p:set>
-                                      <p:cBhvr>
-                                        <p:cTn id="40" dur="1" fill="hold">
-                                          <p:stCondLst>
-                                            <p:cond delay="0"/>
-                                          </p:stCondLst>
-                                        </p:cTn>
-                                        <p:tgtEl>
-                                          <p:spTgt spid="3"/>
+                                          <p:spTgt spid="137"/>
                                         </p:tgtEl>
                                         <p:attrNameLst>
-                                          <p:attrName>style.visibility</p:attrName>
-                                        </p:attrNameLst>
-                                      </p:cBhvr>
-                                      <p:to>
-                                        <p:strVal val="visible"/>
-                                      </p:to>
-                                    </p:set>
-                                    <p:anim calcmode="lin" valueType="num">
-                                      <p:cBhvr>
-                                        <p:cTn id="41" dur="250" fill="hold"/>
-                                        <p:tgtEl>
-                                          <p:spTgt spid="3"/>
-                                        </p:tgtEl>
-                                        <p:attrNameLst>
-                                          <p:attrName>ppt_w</p:attrName>
+                                          <p:attrName>style.rotation</p:attrName>
                                         </p:attrNameLst>
                                       </p:cBhvr>
                                       <p:tavLst>
                                         <p:tav tm="0">
                                           <p:val>
-                                            <p:fltVal val="0"/>
+                                            <p:fltVal val="90"/>
                                           </p:val>
                                         </p:tav>
                                         <p:tav tm="100000">
                                           <p:val>
-                                            <p:strVal val="#ppt_w"/>
-                                          </p:val>
-                                        </p:tav>
-                                      </p:tavLst>
-                                    </p:anim>
-                                    <p:anim calcmode="lin" valueType="num">
-                                      <p:cBhvr>
-                                        <p:cTn id="42" dur="250" fill="hold"/>
-                                        <p:tgtEl>
-                                          <p:spTgt spid="3"/>
-                                        </p:tgtEl>
-                                        <p:attrNameLst>
-                                          <p:attrName>ppt_h</p:attrName>
-                                        </p:attrNameLst>
-                                      </p:cBhvr>
-                                      <p:tavLst>
-                                        <p:tav tm="0">
-                                          <p:val>
                                             <p:fltVal val="0"/>
-                                          </p:val>
-                                        </p:tav>
-                                        <p:tav tm="100000">
-                                          <p:val>
-                                            <p:strVal val="#ppt_h"/>
                                           </p:val>
                                         </p:tav>
                                       </p:tavLst>
                                     </p:anim>
                                     <p:animEffect transition="in" filter="fade">
                                       <p:cBhvr>
-                                        <p:cTn id="43" dur="250"/>
+                                        <p:cTn id="31" dur="500"/>
                                         <p:tgtEl>
-                                          <p:spTgt spid="3"/>
-                                        </p:tgtEl>
-                                      </p:cBhvr>
-                                    </p:animEffect>
-                                  </p:childTnLst>
-                                </p:cTn>
-                              </p:par>
-                            </p:childTnLst>
-                          </p:cTn>
-                        </p:par>
-                        <p:par>
-                          <p:cTn id="44" fill="hold">
-                            <p:stCondLst>
-                              <p:cond delay="2250"/>
-                            </p:stCondLst>
-                            <p:childTnLst>
-                              <p:par>
-                                <p:cTn id="45" presetID="53" presetClass="entr" presetSubtype="16" fill="hold" grpId="0" nodeType="afterEffect">
-                                  <p:stCondLst>
-                                    <p:cond delay="0"/>
-                                  </p:stCondLst>
-                                  <p:childTnLst>
-                                    <p:set>
-                                      <p:cBhvr>
-                                        <p:cTn id="46" dur="1" fill="hold">
-                                          <p:stCondLst>
-                                            <p:cond delay="0"/>
-                                          </p:stCondLst>
-                                        </p:cTn>
-                                        <p:tgtEl>
-                                          <p:spTgt spid="114"/>
-                                        </p:tgtEl>
-                                        <p:attrNameLst>
-                                          <p:attrName>style.visibility</p:attrName>
-                                        </p:attrNameLst>
-                                      </p:cBhvr>
-                                      <p:to>
-                                        <p:strVal val="visible"/>
-                                      </p:to>
-                                    </p:set>
-                                    <p:anim calcmode="lin" valueType="num">
-                                      <p:cBhvr>
-                                        <p:cTn id="47" dur="250" fill="hold"/>
-                                        <p:tgtEl>
-                                          <p:spTgt spid="114"/>
-                                        </p:tgtEl>
-                                        <p:attrNameLst>
-                                          <p:attrName>ppt_w</p:attrName>
-                                        </p:attrNameLst>
-                                      </p:cBhvr>
-                                      <p:tavLst>
-                                        <p:tav tm="0">
-                                          <p:val>
-                                            <p:fltVal val="0"/>
-                                          </p:val>
-                                        </p:tav>
-                                        <p:tav tm="100000">
-                                          <p:val>
-                                            <p:strVal val="#ppt_w"/>
-                                          </p:val>
-                                        </p:tav>
-                                      </p:tavLst>
-                                    </p:anim>
-                                    <p:anim calcmode="lin" valueType="num">
-                                      <p:cBhvr>
-                                        <p:cTn id="48" dur="250" fill="hold"/>
-                                        <p:tgtEl>
-                                          <p:spTgt spid="114"/>
-                                        </p:tgtEl>
-                                        <p:attrNameLst>
-                                          <p:attrName>ppt_h</p:attrName>
-                                        </p:attrNameLst>
-                                      </p:cBhvr>
-                                      <p:tavLst>
-                                        <p:tav tm="0">
-                                          <p:val>
-                                            <p:fltVal val="0"/>
-                                          </p:val>
-                                        </p:tav>
-                                        <p:tav tm="100000">
-                                          <p:val>
-                                            <p:strVal val="#ppt_h"/>
-                                          </p:val>
-                                        </p:tav>
-                                      </p:tavLst>
-                                    </p:anim>
-                                    <p:animEffect transition="in" filter="fade">
-                                      <p:cBhvr>
-                                        <p:cTn id="49" dur="250"/>
-                                        <p:tgtEl>
-                                          <p:spTgt spid="114"/>
-                                        </p:tgtEl>
-                                      </p:cBhvr>
-                                    </p:animEffect>
-                                  </p:childTnLst>
-                                </p:cTn>
-                              </p:par>
-                            </p:childTnLst>
-                          </p:cTn>
-                        </p:par>
-                        <p:par>
-                          <p:cTn id="50" fill="hold">
-                            <p:stCondLst>
-                              <p:cond delay="2500"/>
-                            </p:stCondLst>
-                            <p:childTnLst>
-                              <p:par>
-                                <p:cTn id="51" presetID="42" presetClass="entr" presetSubtype="0" fill="hold" nodeType="afterEffect">
-                                  <p:stCondLst>
-                                    <p:cond delay="0"/>
-                                  </p:stCondLst>
-                                  <p:childTnLst>
-                                    <p:set>
-                                      <p:cBhvr>
-                                        <p:cTn id="52" dur="1" fill="hold">
-                                          <p:stCondLst>
-                                            <p:cond delay="0"/>
-                                          </p:stCondLst>
-                                        </p:cTn>
-                                        <p:tgtEl>
-                                          <p:spTgt spid="111"/>
-                                        </p:tgtEl>
-                                        <p:attrNameLst>
-                                          <p:attrName>style.visibility</p:attrName>
-                                        </p:attrNameLst>
-                                      </p:cBhvr>
-                                      <p:to>
-                                        <p:strVal val="visible"/>
-                                      </p:to>
-                                    </p:set>
-                                    <p:animEffect transition="in" filter="fade">
-                                      <p:cBhvr>
-                                        <p:cTn id="53" dur="250"/>
-                                        <p:tgtEl>
-                                          <p:spTgt spid="111"/>
-                                        </p:tgtEl>
-                                      </p:cBhvr>
-                                    </p:animEffect>
-                                    <p:anim calcmode="lin" valueType="num">
-                                      <p:cBhvr>
-                                        <p:cTn id="54" dur="250" fill="hold"/>
-                                        <p:tgtEl>
-                                          <p:spTgt spid="111"/>
-                                        </p:tgtEl>
-                                        <p:attrNameLst>
-                                          <p:attrName>ppt_x</p:attrName>
-                                        </p:attrNameLst>
-                                      </p:cBhvr>
-                                      <p:tavLst>
-                                        <p:tav tm="0">
-                                          <p:val>
-                                            <p:strVal val="#ppt_x"/>
-                                          </p:val>
-                                        </p:tav>
-                                        <p:tav tm="100000">
-                                          <p:val>
-                                            <p:strVal val="#ppt_x"/>
-                                          </p:val>
-                                        </p:tav>
-                                      </p:tavLst>
-                                    </p:anim>
-                                    <p:anim calcmode="lin" valueType="num">
-                                      <p:cBhvr>
-                                        <p:cTn id="55" dur="250" fill="hold"/>
-                                        <p:tgtEl>
-                                          <p:spTgt spid="111"/>
-                                        </p:tgtEl>
-                                        <p:attrNameLst>
-                                          <p:attrName>ppt_y</p:attrName>
-                                        </p:attrNameLst>
-                                      </p:cBhvr>
-                                      <p:tavLst>
-                                        <p:tav tm="0">
-                                          <p:val>
-                                            <p:strVal val="#ppt_y+.1"/>
-                                          </p:val>
-                                        </p:tav>
-                                        <p:tav tm="100000">
-                                          <p:val>
-                                            <p:strVal val="#ppt_y"/>
-                                          </p:val>
-                                        </p:tav>
-                                      </p:tavLst>
-                                    </p:anim>
-                                  </p:childTnLst>
-                                </p:cTn>
-                              </p:par>
-                            </p:childTnLst>
-                          </p:cTn>
-                        </p:par>
-                        <p:par>
-                          <p:cTn id="56" fill="hold">
-                            <p:stCondLst>
-                              <p:cond delay="2750"/>
-                            </p:stCondLst>
-                            <p:childTnLst>
-                              <p:par>
-                                <p:cTn id="57" presetID="22" presetClass="entr" presetSubtype="8" fill="hold" nodeType="afterEffect">
-                                  <p:stCondLst>
-                                    <p:cond delay="250"/>
-                                  </p:stCondLst>
-                                  <p:childTnLst>
-                                    <p:set>
-                                      <p:cBhvr>
-                                        <p:cTn id="58" dur="1" fill="hold">
-                                          <p:stCondLst>
-                                            <p:cond delay="0"/>
-                                          </p:stCondLst>
-                                        </p:cTn>
-                                        <p:tgtEl>
-                                          <p:spTgt spid="100"/>
-                                        </p:tgtEl>
-                                        <p:attrNameLst>
-                                          <p:attrName>style.visibility</p:attrName>
-                                        </p:attrNameLst>
-                                      </p:cBhvr>
-                                      <p:to>
-                                        <p:strVal val="visible"/>
-                                      </p:to>
-                                    </p:set>
-                                    <p:animEffect transition="in" filter="wipe(left)">
-                                      <p:cBhvr>
-                                        <p:cTn id="59" dur="500"/>
-                                        <p:tgtEl>
-                                          <p:spTgt spid="100"/>
-                                        </p:tgtEl>
-                                      </p:cBhvr>
-                                    </p:animEffect>
-                                  </p:childTnLst>
-                                </p:cTn>
-                              </p:par>
-                            </p:childTnLst>
-                          </p:cTn>
-                        </p:par>
-                        <p:par>
-                          <p:cTn id="60" fill="hold">
-                            <p:stCondLst>
-                              <p:cond delay="3500"/>
-                            </p:stCondLst>
-                            <p:childTnLst>
-                              <p:par>
-                                <p:cTn id="61" presetID="53" presetClass="entr" presetSubtype="16" fill="hold" nodeType="afterEffect">
-                                  <p:stCondLst>
-                                    <p:cond delay="0"/>
-                                  </p:stCondLst>
-                                  <p:childTnLst>
-                                    <p:set>
-                                      <p:cBhvr>
-                                        <p:cTn id="62" dur="1" fill="hold">
-                                          <p:stCondLst>
-                                            <p:cond delay="0"/>
-                                          </p:stCondLst>
-                                        </p:cTn>
-                                        <p:tgtEl>
-                                          <p:spTgt spid="104"/>
-                                        </p:tgtEl>
-                                        <p:attrNameLst>
-                                          <p:attrName>style.visibility</p:attrName>
-                                        </p:attrNameLst>
-                                      </p:cBhvr>
-                                      <p:to>
-                                        <p:strVal val="visible"/>
-                                      </p:to>
-                                    </p:set>
-                                    <p:anim calcmode="lin" valueType="num">
-                                      <p:cBhvr>
-                                        <p:cTn id="63" dur="250" fill="hold"/>
-                                        <p:tgtEl>
-                                          <p:spTgt spid="104"/>
-                                        </p:tgtEl>
-                                        <p:attrNameLst>
-                                          <p:attrName>ppt_w</p:attrName>
-                                        </p:attrNameLst>
-                                      </p:cBhvr>
-                                      <p:tavLst>
-                                        <p:tav tm="0">
-                                          <p:val>
-                                            <p:fltVal val="0"/>
-                                          </p:val>
-                                        </p:tav>
-                                        <p:tav tm="100000">
-                                          <p:val>
-                                            <p:strVal val="#ppt_w"/>
-                                          </p:val>
-                                        </p:tav>
-                                      </p:tavLst>
-                                    </p:anim>
-                                    <p:anim calcmode="lin" valueType="num">
-                                      <p:cBhvr>
-                                        <p:cTn id="64" dur="250" fill="hold"/>
-                                        <p:tgtEl>
-                                          <p:spTgt spid="104"/>
-                                        </p:tgtEl>
-                                        <p:attrNameLst>
-                                          <p:attrName>ppt_h</p:attrName>
-                                        </p:attrNameLst>
-                                      </p:cBhvr>
-                                      <p:tavLst>
-                                        <p:tav tm="0">
-                                          <p:val>
-                                            <p:fltVal val="0"/>
-                                          </p:val>
-                                        </p:tav>
-                                        <p:tav tm="100000">
-                                          <p:val>
-                                            <p:strVal val="#ppt_h"/>
-                                          </p:val>
-                                        </p:tav>
-                                      </p:tavLst>
-                                    </p:anim>
-                                    <p:animEffect transition="in" filter="fade">
-                                      <p:cBhvr>
-                                        <p:cTn id="65" dur="250"/>
-                                        <p:tgtEl>
-                                          <p:spTgt spid="104"/>
-                                        </p:tgtEl>
-                                      </p:cBhvr>
-                                    </p:animEffect>
-                                  </p:childTnLst>
-                                </p:cTn>
-                              </p:par>
-                            </p:childTnLst>
-                          </p:cTn>
-                        </p:par>
-                        <p:par>
-                          <p:cTn id="66" fill="hold">
-                            <p:stCondLst>
-                              <p:cond delay="3750"/>
-                            </p:stCondLst>
-                            <p:childTnLst>
-                              <p:par>
-                                <p:cTn id="67" presetID="53" presetClass="entr" presetSubtype="16" fill="hold" grpId="0" nodeType="afterEffect">
-                                  <p:stCondLst>
-                                    <p:cond delay="0"/>
-                                  </p:stCondLst>
-                                  <p:childTnLst>
-                                    <p:set>
-                                      <p:cBhvr>
-                                        <p:cTn id="68" dur="1" fill="hold">
-                                          <p:stCondLst>
-                                            <p:cond delay="0"/>
-                                          </p:stCondLst>
-                                        </p:cTn>
-                                        <p:tgtEl>
-                                          <p:spTgt spid="118"/>
-                                        </p:tgtEl>
-                                        <p:attrNameLst>
-                                          <p:attrName>style.visibility</p:attrName>
-                                        </p:attrNameLst>
-                                      </p:cBhvr>
-                                      <p:to>
-                                        <p:strVal val="visible"/>
-                                      </p:to>
-                                    </p:set>
-                                    <p:anim calcmode="lin" valueType="num">
-                                      <p:cBhvr>
-                                        <p:cTn id="69" dur="250" fill="hold"/>
-                                        <p:tgtEl>
-                                          <p:spTgt spid="118"/>
-                                        </p:tgtEl>
-                                        <p:attrNameLst>
-                                          <p:attrName>ppt_w</p:attrName>
-                                        </p:attrNameLst>
-                                      </p:cBhvr>
-                                      <p:tavLst>
-                                        <p:tav tm="0">
-                                          <p:val>
-                                            <p:fltVal val="0"/>
-                                          </p:val>
-                                        </p:tav>
-                                        <p:tav tm="100000">
-                                          <p:val>
-                                            <p:strVal val="#ppt_w"/>
-                                          </p:val>
-                                        </p:tav>
-                                      </p:tavLst>
-                                    </p:anim>
-                                    <p:anim calcmode="lin" valueType="num">
-                                      <p:cBhvr>
-                                        <p:cTn id="70" dur="250" fill="hold"/>
-                                        <p:tgtEl>
-                                          <p:spTgt spid="118"/>
-                                        </p:tgtEl>
-                                        <p:attrNameLst>
-                                          <p:attrName>ppt_h</p:attrName>
-                                        </p:attrNameLst>
-                                      </p:cBhvr>
-                                      <p:tavLst>
-                                        <p:tav tm="0">
-                                          <p:val>
-                                            <p:fltVal val="0"/>
-                                          </p:val>
-                                        </p:tav>
-                                        <p:tav tm="100000">
-                                          <p:val>
-                                            <p:strVal val="#ppt_h"/>
-                                          </p:val>
-                                        </p:tav>
-                                      </p:tavLst>
-                                    </p:anim>
-                                    <p:animEffect transition="in" filter="fade">
-                                      <p:cBhvr>
-                                        <p:cTn id="71" dur="250"/>
-                                        <p:tgtEl>
-                                          <p:spTgt spid="118"/>
-                                        </p:tgtEl>
-                                      </p:cBhvr>
-                                    </p:animEffect>
-                                  </p:childTnLst>
-                                </p:cTn>
-                              </p:par>
-                            </p:childTnLst>
-                          </p:cTn>
-                        </p:par>
-                        <p:par>
-                          <p:cTn id="72" fill="hold">
-                            <p:stCondLst>
-                              <p:cond delay="4000"/>
-                            </p:stCondLst>
-                            <p:childTnLst>
-                              <p:par>
-                                <p:cTn id="73" presetID="42" presetClass="entr" presetSubtype="0" fill="hold" nodeType="afterEffect">
-                                  <p:stCondLst>
-                                    <p:cond delay="0"/>
-                                  </p:stCondLst>
-                                  <p:childTnLst>
-                                    <p:set>
-                                      <p:cBhvr>
-                                        <p:cTn id="74" dur="1" fill="hold">
-                                          <p:stCondLst>
-                                            <p:cond delay="0"/>
-                                          </p:stCondLst>
-                                        </p:cTn>
-                                        <p:tgtEl>
-                                          <p:spTgt spid="115"/>
-                                        </p:tgtEl>
-                                        <p:attrNameLst>
-                                          <p:attrName>style.visibility</p:attrName>
-                                        </p:attrNameLst>
-                                      </p:cBhvr>
-                                      <p:to>
-                                        <p:strVal val="visible"/>
-                                      </p:to>
-                                    </p:set>
-                                    <p:animEffect transition="in" filter="fade">
-                                      <p:cBhvr>
-                                        <p:cTn id="75" dur="250"/>
-                                        <p:tgtEl>
-                                          <p:spTgt spid="115"/>
-                                        </p:tgtEl>
-                                      </p:cBhvr>
-                                    </p:animEffect>
-                                    <p:anim calcmode="lin" valueType="num">
-                                      <p:cBhvr>
-                                        <p:cTn id="76" dur="250" fill="hold"/>
-                                        <p:tgtEl>
-                                          <p:spTgt spid="115"/>
-                                        </p:tgtEl>
-                                        <p:attrNameLst>
-                                          <p:attrName>ppt_x</p:attrName>
-                                        </p:attrNameLst>
-                                      </p:cBhvr>
-                                      <p:tavLst>
-                                        <p:tav tm="0">
-                                          <p:val>
-                                            <p:strVal val="#ppt_x"/>
-                                          </p:val>
-                                        </p:tav>
-                                        <p:tav tm="100000">
-                                          <p:val>
-                                            <p:strVal val="#ppt_x"/>
-                                          </p:val>
-                                        </p:tav>
-                                      </p:tavLst>
-                                    </p:anim>
-                                    <p:anim calcmode="lin" valueType="num">
-                                      <p:cBhvr>
-                                        <p:cTn id="77" dur="250" fill="hold"/>
-                                        <p:tgtEl>
-                                          <p:spTgt spid="115"/>
-                                        </p:tgtEl>
-                                        <p:attrNameLst>
-                                          <p:attrName>ppt_y</p:attrName>
-                                        </p:attrNameLst>
-                                      </p:cBhvr>
-                                      <p:tavLst>
-                                        <p:tav tm="0">
-                                          <p:val>
-                                            <p:strVal val="#ppt_y+.1"/>
-                                          </p:val>
-                                        </p:tav>
-                                        <p:tav tm="100000">
-                                          <p:val>
-                                            <p:strVal val="#ppt_y"/>
-                                          </p:val>
-                                        </p:tav>
-                                      </p:tavLst>
-                                    </p:anim>
-                                  </p:childTnLst>
-                                </p:cTn>
-                              </p:par>
-                            </p:childTnLst>
-                          </p:cTn>
-                        </p:par>
-                        <p:par>
-                          <p:cTn id="78" fill="hold">
-                            <p:stCondLst>
-                              <p:cond delay="4250"/>
-                            </p:stCondLst>
-                            <p:childTnLst>
-                              <p:par>
-                                <p:cTn id="79" presetID="53" presetClass="entr" presetSubtype="16" fill="hold" nodeType="afterEffect">
-                                  <p:stCondLst>
-                                    <p:cond delay="0"/>
-                                  </p:stCondLst>
-                                  <p:childTnLst>
-                                    <p:set>
-                                      <p:cBhvr>
-                                        <p:cTn id="80" dur="1" fill="hold">
-                                          <p:stCondLst>
-                                            <p:cond delay="0"/>
-                                          </p:stCondLst>
-                                        </p:cTn>
-                                        <p:tgtEl>
-                                          <p:spTgt spid="4"/>
-                                        </p:tgtEl>
-                                        <p:attrNameLst>
-                                          <p:attrName>style.visibility</p:attrName>
-                                        </p:attrNameLst>
-                                      </p:cBhvr>
-                                      <p:to>
-                                        <p:strVal val="visible"/>
-                                      </p:to>
-                                    </p:set>
-                                    <p:anim calcmode="lin" valueType="num">
-                                      <p:cBhvr>
-                                        <p:cTn id="81" dur="250" fill="hold"/>
-                                        <p:tgtEl>
-                                          <p:spTgt spid="4"/>
-                                        </p:tgtEl>
-                                        <p:attrNameLst>
-                                          <p:attrName>ppt_w</p:attrName>
-                                        </p:attrNameLst>
-                                      </p:cBhvr>
-                                      <p:tavLst>
-                                        <p:tav tm="0">
-                                          <p:val>
-                                            <p:fltVal val="0"/>
-                                          </p:val>
-                                        </p:tav>
-                                        <p:tav tm="100000">
-                                          <p:val>
-                                            <p:strVal val="#ppt_w"/>
-                                          </p:val>
-                                        </p:tav>
-                                      </p:tavLst>
-                                    </p:anim>
-                                    <p:anim calcmode="lin" valueType="num">
-                                      <p:cBhvr>
-                                        <p:cTn id="82" dur="250" fill="hold"/>
-                                        <p:tgtEl>
-                                          <p:spTgt spid="4"/>
-                                        </p:tgtEl>
-                                        <p:attrNameLst>
-                                          <p:attrName>ppt_h</p:attrName>
-                                        </p:attrNameLst>
-                                      </p:cBhvr>
-                                      <p:tavLst>
-                                        <p:tav tm="0">
-                                          <p:val>
-                                            <p:fltVal val="0"/>
-                                          </p:val>
-                                        </p:tav>
-                                        <p:tav tm="100000">
-                                          <p:val>
-                                            <p:strVal val="#ppt_h"/>
-                                          </p:val>
-                                        </p:tav>
-                                      </p:tavLst>
-                                    </p:anim>
-                                    <p:animEffect transition="in" filter="fade">
-                                      <p:cBhvr>
-                                        <p:cTn id="83" dur="250"/>
-                                        <p:tgtEl>
-                                          <p:spTgt spid="4"/>
+                                          <p:spTgt spid="137"/>
                                         </p:tgtEl>
                                       </p:cBhvr>
                                     </p:animEffect>
@@ -17106,16 +15412,1811 @@
         </p:cTn>
       </p:par>
     </p:tnLst>
-    <p:bldLst>
-      <p:bldP spid="110" grpId="0"/>
-      <p:bldP spid="114" grpId="0"/>
-      <p:bldP spid="118" grpId="0"/>
-    </p:bldLst>
   </p:timing>
 </p:sld>
 </file>
 
 <file path=ppt/slides/slide5.xml><?xml version="1.0" encoding="utf-8"?>
+<p:sld xmlns:a="http://schemas.openxmlformats.org/drawingml/2006/main" xmlns:r="http://schemas.openxmlformats.org/officeDocument/2006/relationships" xmlns:p="http://schemas.openxmlformats.org/presentationml/2006/main">
+  <p:cSld>
+    <p:spTree>
+      <p:nvGrpSpPr>
+        <p:cNvPr id="1" name=""/>
+        <p:cNvGrpSpPr/>
+        <p:nvPr/>
+      </p:nvGrpSpPr>
+      <p:grpSpPr>
+        <a:xfrm>
+          <a:off x="0" y="0"/>
+          <a:ext cx="0" cy="0"/>
+          <a:chOff x="0" y="0"/>
+          <a:chExt cx="0" cy="0"/>
+        </a:xfrm>
+      </p:grpSpPr>
+      <p:grpSp>
+        <p:nvGrpSpPr>
+          <p:cNvPr id="50" name="Group 49">
+            <a:extLst>
+              <a:ext uri="{FF2B5EF4-FFF2-40B4-BE49-F238E27FC236}">
+                <a16:creationId xmlns:a16="http://schemas.microsoft.com/office/drawing/2014/main" id="{038E6734-F7ED-4197-AE1C-DE222063D26D}"/>
+              </a:ext>
+            </a:extLst>
+          </p:cNvPr>
+          <p:cNvGrpSpPr/>
+          <p:nvPr/>
+        </p:nvGrpSpPr>
+        <p:grpSpPr>
+          <a:xfrm>
+            <a:off x="-290920" y="0"/>
+            <a:ext cx="12482920" cy="6858000"/>
+            <a:chOff x="-290920" y="0"/>
+            <a:chExt cx="12482920" cy="6858000"/>
+          </a:xfrm>
+        </p:grpSpPr>
+        <p:sp>
+          <p:nvSpPr>
+            <p:cNvPr id="51" name="Rectangle 50">
+              <a:extLst>
+                <a:ext uri="{FF2B5EF4-FFF2-40B4-BE49-F238E27FC236}">
+                  <a16:creationId xmlns:a16="http://schemas.microsoft.com/office/drawing/2014/main" id="{B7FF06C6-EDB2-4E2A-B33F-9667DAB48738}"/>
+                </a:ext>
+              </a:extLst>
+            </p:cNvPr>
+            <p:cNvSpPr/>
+            <p:nvPr/>
+          </p:nvSpPr>
+          <p:spPr>
+            <a:xfrm>
+              <a:off x="-290920" y="0"/>
+              <a:ext cx="12482920" cy="6858000"/>
+            </a:xfrm>
+            <a:prstGeom prst="rect">
+              <a:avLst/>
+            </a:prstGeom>
+            <a:solidFill>
+              <a:srgbClr val="F0EEF0"/>
+            </a:solidFill>
+            <a:ln>
+              <a:noFill/>
+            </a:ln>
+            <a:effectLst>
+              <a:outerShdw blurRad="215900" dist="38100" sx="101000" sy="101000" algn="l" rotWithShape="0">
+                <a:schemeClr val="tx1">
+                  <a:lumMod val="65000"/>
+                  <a:lumOff val="35000"/>
+                  <a:alpha val="35000"/>
+                </a:schemeClr>
+              </a:outerShdw>
+            </a:effectLst>
+          </p:spPr>
+          <p:style>
+            <a:lnRef idx="2">
+              <a:schemeClr val="accent1">
+                <a:shade val="50000"/>
+              </a:schemeClr>
+            </a:lnRef>
+            <a:fillRef idx="1">
+              <a:schemeClr val="accent1"/>
+            </a:fillRef>
+            <a:effectRef idx="0">
+              <a:schemeClr val="accent1"/>
+            </a:effectRef>
+            <a:fontRef idx="minor">
+              <a:schemeClr val="lt1"/>
+            </a:fontRef>
+          </p:style>
+          <p:txBody>
+            <a:bodyPr rtlCol="0" anchor="ctr"/>
+            <a:lstStyle/>
+            <a:p>
+              <a:pPr algn="ctr"/>
+              <a:endParaRPr lang="en-US" dirty="0"/>
+            </a:p>
+          </p:txBody>
+        </p:sp>
+        <p:sp>
+          <p:nvSpPr>
+            <p:cNvPr id="52" name="Freeform: Shape 51">
+              <a:extLst>
+                <a:ext uri="{FF2B5EF4-FFF2-40B4-BE49-F238E27FC236}">
+                  <a16:creationId xmlns:a16="http://schemas.microsoft.com/office/drawing/2014/main" id="{DD389168-73D4-4CCF-B806-15F4C9CFBC65}"/>
+                </a:ext>
+              </a:extLst>
+            </p:cNvPr>
+            <p:cNvSpPr/>
+            <p:nvPr/>
+          </p:nvSpPr>
+          <p:spPr>
+            <a:xfrm>
+              <a:off x="11023600" y="2337441"/>
+              <a:ext cx="1168400" cy="2360918"/>
+            </a:xfrm>
+            <a:custGeom>
+              <a:avLst/>
+              <a:gdLst>
+                <a:gd name="connsiteX0" fmla="*/ 1168400 w 1168400"/>
+                <a:gd name="connsiteY0" fmla="*/ 0 h 2360918"/>
+                <a:gd name="connsiteX1" fmla="*/ 1168400 w 1168400"/>
+                <a:gd name="connsiteY1" fmla="*/ 2360918 h 2360918"/>
+                <a:gd name="connsiteX2" fmla="*/ 1060340 w 1168400"/>
+                <a:gd name="connsiteY2" fmla="*/ 2355461 h 2360918"/>
+                <a:gd name="connsiteX3" fmla="*/ 0 w 1168400"/>
+                <a:gd name="connsiteY3" fmla="*/ 1180459 h 2360918"/>
+                <a:gd name="connsiteX4" fmla="*/ 1060340 w 1168400"/>
+                <a:gd name="connsiteY4" fmla="*/ 5457 h 2360918"/>
+              </a:gdLst>
+              <a:ahLst/>
+              <a:cxnLst>
+                <a:cxn ang="0">
+                  <a:pos x="connsiteX0" y="connsiteY0"/>
+                </a:cxn>
+                <a:cxn ang="0">
+                  <a:pos x="connsiteX1" y="connsiteY1"/>
+                </a:cxn>
+                <a:cxn ang="0">
+                  <a:pos x="connsiteX2" y="connsiteY2"/>
+                </a:cxn>
+                <a:cxn ang="0">
+                  <a:pos x="connsiteX3" y="connsiteY3"/>
+                </a:cxn>
+                <a:cxn ang="0">
+                  <a:pos x="connsiteX4" y="connsiteY4"/>
+                </a:cxn>
+              </a:cxnLst>
+              <a:rect l="l" t="t" r="r" b="b"/>
+              <a:pathLst>
+                <a:path w="1168400" h="2360918">
+                  <a:moveTo>
+                    <a:pt x="1168400" y="0"/>
+                  </a:moveTo>
+                  <a:lnTo>
+                    <a:pt x="1168400" y="2360918"/>
+                  </a:lnTo>
+                  <a:lnTo>
+                    <a:pt x="1060340" y="2355461"/>
+                  </a:lnTo>
+                  <a:cubicBezTo>
+                    <a:pt x="464762" y="2294977"/>
+                    <a:pt x="0" y="1791994"/>
+                    <a:pt x="0" y="1180459"/>
+                  </a:cubicBezTo>
+                  <a:cubicBezTo>
+                    <a:pt x="0" y="568924"/>
+                    <a:pt x="464762" y="65941"/>
+                    <a:pt x="1060340" y="5457"/>
+                  </a:cubicBezTo>
+                  <a:close/>
+                </a:path>
+              </a:pathLst>
+            </a:custGeom>
+            <a:solidFill>
+              <a:srgbClr val="FF5969"/>
+            </a:solidFill>
+            <a:ln>
+              <a:noFill/>
+            </a:ln>
+          </p:spPr>
+          <p:style>
+            <a:lnRef idx="2">
+              <a:schemeClr val="accent1">
+                <a:shade val="50000"/>
+              </a:schemeClr>
+            </a:lnRef>
+            <a:fillRef idx="1">
+              <a:schemeClr val="accent1"/>
+            </a:fillRef>
+            <a:effectRef idx="0">
+              <a:schemeClr val="accent1"/>
+            </a:effectRef>
+            <a:fontRef idx="minor">
+              <a:schemeClr val="lt1"/>
+            </a:fontRef>
+          </p:style>
+          <p:txBody>
+            <a:bodyPr rtlCol="0" anchor="ctr"/>
+            <a:lstStyle/>
+            <a:p>
+              <a:pPr algn="ctr"/>
+              <a:endParaRPr lang="en-US"/>
+            </a:p>
+          </p:txBody>
+        </p:sp>
+        <p:sp>
+          <p:nvSpPr>
+            <p:cNvPr id="53" name="TextBox 52">
+              <a:extLst>
+                <a:ext uri="{FF2B5EF4-FFF2-40B4-BE49-F238E27FC236}">
+                  <a16:creationId xmlns:a16="http://schemas.microsoft.com/office/drawing/2014/main" id="{FD36EBE0-2C84-494E-9C0B-54A6EFA86DA6}"/>
+                </a:ext>
+              </a:extLst>
+            </p:cNvPr>
+            <p:cNvSpPr txBox="1"/>
+            <p:nvPr/>
+          </p:nvSpPr>
+          <p:spPr>
+            <a:xfrm rot="16200000">
+              <a:off x="10872792" y="3287066"/>
+              <a:ext cx="1992086" cy="461665"/>
+            </a:xfrm>
+            <a:prstGeom prst="rect">
+              <a:avLst/>
+            </a:prstGeom>
+            <a:noFill/>
+          </p:spPr>
+          <p:txBody>
+            <a:bodyPr wrap="square" rtlCol="0">
+              <a:spAutoFit/>
+            </a:bodyPr>
+            <a:lstStyle/>
+            <a:p>
+              <a:pPr algn="ctr"/>
+              <a:r>
+                <a:rPr lang="en-US" sz="2400" b="1" dirty="0" err="1">
+                  <a:solidFill>
+                    <a:srgbClr val="F0EEF0"/>
+                  </a:solidFill>
+                  <a:latin typeface="Tw Cen MT" panose="020B0602020104020603" pitchFamily="34" charset="0"/>
+                </a:rPr>
+                <a:t>emulzió</a:t>
+              </a:r>
+              <a:endParaRPr lang="en-US" sz="2400" b="1" dirty="0">
+                <a:solidFill>
+                  <a:srgbClr val="F0EEF0"/>
+                </a:solidFill>
+                <a:latin typeface="Tw Cen MT" panose="020B0602020104020603" pitchFamily="34" charset="0"/>
+              </a:endParaRPr>
+            </a:p>
+          </p:txBody>
+        </p:sp>
+        <p:pic>
+          <p:nvPicPr>
+            <p:cNvPr id="54" name="Picture 53">
+              <a:extLst>
+                <a:ext uri="{FF2B5EF4-FFF2-40B4-BE49-F238E27FC236}">
+                  <a16:creationId xmlns:a16="http://schemas.microsoft.com/office/drawing/2014/main" id="{FE3F6E56-804E-434E-AD42-D62A42CB3068}"/>
+                </a:ext>
+              </a:extLst>
+            </p:cNvPr>
+            <p:cNvPicPr>
+              <a:picLocks noChangeAspect="1"/>
+            </p:cNvPicPr>
+            <p:nvPr/>
+          </p:nvPicPr>
+          <p:blipFill>
+            <a:blip r:embed="rId2">
+              <a:extLst>
+                <a:ext uri="{28A0092B-C50C-407E-A947-70E740481C1C}">
+                  <a14:useLocalDpi xmlns:a14="http://schemas.microsoft.com/office/drawing/2010/main" val="0"/>
+                </a:ext>
+              </a:extLst>
+            </a:blip>
+            <a:stretch>
+              <a:fillRect/>
+            </a:stretch>
+          </p:blipFill>
+          <p:spPr>
+            <a:xfrm rot="16200000">
+              <a:off x="11129999" y="3247473"/>
+              <a:ext cx="530600" cy="530600"/>
+            </a:xfrm>
+            <a:prstGeom prst="rect">
+              <a:avLst/>
+            </a:prstGeom>
+          </p:spPr>
+        </p:pic>
+      </p:grpSp>
+      <p:grpSp>
+        <p:nvGrpSpPr>
+          <p:cNvPr id="55" name="Group 54">
+            <a:extLst>
+              <a:ext uri="{FF2B5EF4-FFF2-40B4-BE49-F238E27FC236}">
+                <a16:creationId xmlns:a16="http://schemas.microsoft.com/office/drawing/2014/main" id="{208D727C-49D3-4C59-91D3-816C0DD22E21}"/>
+              </a:ext>
+            </a:extLst>
+          </p:cNvPr>
+          <p:cNvGrpSpPr/>
+          <p:nvPr/>
+        </p:nvGrpSpPr>
+        <p:grpSpPr>
+          <a:xfrm>
+            <a:off x="226788" y="-2"/>
+            <a:ext cx="11447501" cy="6858000"/>
+            <a:chOff x="213096" y="0"/>
+            <a:chExt cx="11447501" cy="6858000"/>
+          </a:xfrm>
+        </p:grpSpPr>
+        <p:sp>
+          <p:nvSpPr>
+            <p:cNvPr id="56" name="Rectangle 55">
+              <a:extLst>
+                <a:ext uri="{FF2B5EF4-FFF2-40B4-BE49-F238E27FC236}">
+                  <a16:creationId xmlns:a16="http://schemas.microsoft.com/office/drawing/2014/main" id="{A369AF8C-7DC3-4D77-B3F1-5B8A444D2822}"/>
+                </a:ext>
+              </a:extLst>
+            </p:cNvPr>
+            <p:cNvSpPr/>
+            <p:nvPr/>
+          </p:nvSpPr>
+          <p:spPr>
+            <a:xfrm>
+              <a:off x="213096" y="0"/>
+              <a:ext cx="11447501" cy="6858000"/>
+            </a:xfrm>
+            <a:prstGeom prst="rect">
+              <a:avLst/>
+            </a:prstGeom>
+            <a:solidFill>
+              <a:srgbClr val="F0EEF0"/>
+            </a:solidFill>
+            <a:ln>
+              <a:noFill/>
+            </a:ln>
+            <a:effectLst>
+              <a:outerShdw blurRad="215900" dist="38100" sx="101000" sy="101000" algn="l" rotWithShape="0">
+                <a:schemeClr val="tx1">
+                  <a:lumMod val="65000"/>
+                  <a:lumOff val="35000"/>
+                  <a:alpha val="35000"/>
+                </a:schemeClr>
+              </a:outerShdw>
+            </a:effectLst>
+          </p:spPr>
+          <p:style>
+            <a:lnRef idx="2">
+              <a:schemeClr val="accent1">
+                <a:shade val="50000"/>
+              </a:schemeClr>
+            </a:lnRef>
+            <a:fillRef idx="1">
+              <a:schemeClr val="accent1"/>
+            </a:fillRef>
+            <a:effectRef idx="0">
+              <a:schemeClr val="accent1"/>
+            </a:effectRef>
+            <a:fontRef idx="minor">
+              <a:schemeClr val="lt1"/>
+            </a:fontRef>
+          </p:style>
+          <p:txBody>
+            <a:bodyPr rtlCol="0" anchor="ctr"/>
+            <a:lstStyle/>
+            <a:p>
+              <a:pPr algn="ctr"/>
+              <a:endParaRPr lang="en-US" dirty="0"/>
+            </a:p>
+          </p:txBody>
+        </p:sp>
+        <p:sp>
+          <p:nvSpPr>
+            <p:cNvPr id="57" name="Freeform: Shape 56">
+              <a:extLst>
+                <a:ext uri="{FF2B5EF4-FFF2-40B4-BE49-F238E27FC236}">
+                  <a16:creationId xmlns:a16="http://schemas.microsoft.com/office/drawing/2014/main" id="{6A173B44-EE6F-4236-9AB2-49524EA553D7}"/>
+                </a:ext>
+              </a:extLst>
+            </p:cNvPr>
+            <p:cNvSpPr/>
+            <p:nvPr/>
+          </p:nvSpPr>
+          <p:spPr>
+            <a:xfrm>
+              <a:off x="10492197" y="2337441"/>
+              <a:ext cx="1168400" cy="2360918"/>
+            </a:xfrm>
+            <a:custGeom>
+              <a:avLst/>
+              <a:gdLst>
+                <a:gd name="connsiteX0" fmla="*/ 1168400 w 1168400"/>
+                <a:gd name="connsiteY0" fmla="*/ 0 h 2360918"/>
+                <a:gd name="connsiteX1" fmla="*/ 1168400 w 1168400"/>
+                <a:gd name="connsiteY1" fmla="*/ 2360918 h 2360918"/>
+                <a:gd name="connsiteX2" fmla="*/ 1060340 w 1168400"/>
+                <a:gd name="connsiteY2" fmla="*/ 2355461 h 2360918"/>
+                <a:gd name="connsiteX3" fmla="*/ 0 w 1168400"/>
+                <a:gd name="connsiteY3" fmla="*/ 1180459 h 2360918"/>
+                <a:gd name="connsiteX4" fmla="*/ 1060340 w 1168400"/>
+                <a:gd name="connsiteY4" fmla="*/ 5457 h 2360918"/>
+              </a:gdLst>
+              <a:ahLst/>
+              <a:cxnLst>
+                <a:cxn ang="0">
+                  <a:pos x="connsiteX0" y="connsiteY0"/>
+                </a:cxn>
+                <a:cxn ang="0">
+                  <a:pos x="connsiteX1" y="connsiteY1"/>
+                </a:cxn>
+                <a:cxn ang="0">
+                  <a:pos x="connsiteX2" y="connsiteY2"/>
+                </a:cxn>
+                <a:cxn ang="0">
+                  <a:pos x="connsiteX3" y="connsiteY3"/>
+                </a:cxn>
+                <a:cxn ang="0">
+                  <a:pos x="connsiteX4" y="connsiteY4"/>
+                </a:cxn>
+              </a:cxnLst>
+              <a:rect l="l" t="t" r="r" b="b"/>
+              <a:pathLst>
+                <a:path w="1168400" h="2360918">
+                  <a:moveTo>
+                    <a:pt x="1168400" y="0"/>
+                  </a:moveTo>
+                  <a:lnTo>
+                    <a:pt x="1168400" y="2360918"/>
+                  </a:lnTo>
+                  <a:lnTo>
+                    <a:pt x="1060340" y="2355461"/>
+                  </a:lnTo>
+                  <a:cubicBezTo>
+                    <a:pt x="464762" y="2294977"/>
+                    <a:pt x="0" y="1791994"/>
+                    <a:pt x="0" y="1180459"/>
+                  </a:cubicBezTo>
+                  <a:cubicBezTo>
+                    <a:pt x="0" y="568924"/>
+                    <a:pt x="464762" y="65941"/>
+                    <a:pt x="1060340" y="5457"/>
+                  </a:cubicBezTo>
+                  <a:close/>
+                </a:path>
+              </a:pathLst>
+            </a:custGeom>
+            <a:solidFill>
+              <a:srgbClr val="52CDC0"/>
+            </a:solidFill>
+            <a:ln>
+              <a:noFill/>
+            </a:ln>
+          </p:spPr>
+          <p:style>
+            <a:lnRef idx="2">
+              <a:schemeClr val="accent1">
+                <a:shade val="50000"/>
+              </a:schemeClr>
+            </a:lnRef>
+            <a:fillRef idx="1">
+              <a:schemeClr val="accent1"/>
+            </a:fillRef>
+            <a:effectRef idx="0">
+              <a:schemeClr val="accent1"/>
+            </a:effectRef>
+            <a:fontRef idx="minor">
+              <a:schemeClr val="lt1"/>
+            </a:fontRef>
+          </p:style>
+          <p:txBody>
+            <a:bodyPr rtlCol="0" anchor="ctr"/>
+            <a:lstStyle/>
+            <a:p>
+              <a:pPr algn="ctr"/>
+              <a:endParaRPr lang="en-US" dirty="0"/>
+            </a:p>
+          </p:txBody>
+        </p:sp>
+        <p:sp>
+          <p:nvSpPr>
+            <p:cNvPr id="58" name="TextBox 57">
+              <a:extLst>
+                <a:ext uri="{FF2B5EF4-FFF2-40B4-BE49-F238E27FC236}">
+                  <a16:creationId xmlns:a16="http://schemas.microsoft.com/office/drawing/2014/main" id="{B40A12D7-9F13-43EC-95DE-B85ADBCAA6B6}"/>
+                </a:ext>
+              </a:extLst>
+            </p:cNvPr>
+            <p:cNvSpPr txBox="1"/>
+            <p:nvPr/>
+          </p:nvSpPr>
+          <p:spPr>
+            <a:xfrm rot="16200000">
+              <a:off x="10341391" y="3198166"/>
+              <a:ext cx="1992086" cy="461665"/>
+            </a:xfrm>
+            <a:prstGeom prst="rect">
+              <a:avLst/>
+            </a:prstGeom>
+            <a:noFill/>
+          </p:spPr>
+          <p:txBody>
+            <a:bodyPr wrap="square" rtlCol="0">
+              <a:spAutoFit/>
+            </a:bodyPr>
+            <a:lstStyle/>
+            <a:p>
+              <a:pPr algn="ctr"/>
+              <a:r>
+                <a:rPr lang="en-US" sz="2400" b="1" dirty="0" err="1">
+                  <a:solidFill>
+                    <a:srgbClr val="F0EEF0"/>
+                  </a:solidFill>
+                  <a:latin typeface="Tw Cen MT" panose="020B0602020104020603" pitchFamily="34" charset="0"/>
+                </a:rPr>
+                <a:t>osztályozás</a:t>
+              </a:r>
+              <a:endParaRPr lang="en-US" sz="2400" b="1" dirty="0">
+                <a:solidFill>
+                  <a:srgbClr val="F0EEF0"/>
+                </a:solidFill>
+                <a:latin typeface="Tw Cen MT" panose="020B0602020104020603" pitchFamily="34" charset="0"/>
+              </a:endParaRPr>
+            </a:p>
+          </p:txBody>
+        </p:sp>
+        <p:pic>
+          <p:nvPicPr>
+            <p:cNvPr id="59" name="Picture 58">
+              <a:extLst>
+                <a:ext uri="{FF2B5EF4-FFF2-40B4-BE49-F238E27FC236}">
+                  <a16:creationId xmlns:a16="http://schemas.microsoft.com/office/drawing/2014/main" id="{BA271034-9DEF-432C-A1F3-B6470D255509}"/>
+                </a:ext>
+              </a:extLst>
+            </p:cNvPr>
+            <p:cNvPicPr>
+              <a:picLocks noChangeAspect="1"/>
+            </p:cNvPicPr>
+            <p:nvPr/>
+          </p:nvPicPr>
+          <p:blipFill>
+            <a:blip r:embed="rId2">
+              <a:extLst>
+                <a:ext uri="{28A0092B-C50C-407E-A947-70E740481C1C}">
+                  <a14:useLocalDpi xmlns:a14="http://schemas.microsoft.com/office/drawing/2010/main" val="0"/>
+                </a:ext>
+              </a:extLst>
+            </a:blip>
+            <a:stretch>
+              <a:fillRect/>
+            </a:stretch>
+          </p:blipFill>
+          <p:spPr>
+            <a:xfrm rot="16200000">
+              <a:off x="10600933" y="3247473"/>
+              <a:ext cx="530600" cy="530600"/>
+            </a:xfrm>
+            <a:prstGeom prst="rect">
+              <a:avLst/>
+            </a:prstGeom>
+          </p:spPr>
+        </p:pic>
+      </p:grpSp>
+      <p:grpSp>
+        <p:nvGrpSpPr>
+          <p:cNvPr id="60" name="Group 59">
+            <a:extLst>
+              <a:ext uri="{FF2B5EF4-FFF2-40B4-BE49-F238E27FC236}">
+                <a16:creationId xmlns:a16="http://schemas.microsoft.com/office/drawing/2014/main" id="{7728BA24-99D1-4E44-98AC-50745A94AD6C}"/>
+              </a:ext>
+            </a:extLst>
+          </p:cNvPr>
+          <p:cNvGrpSpPr/>
+          <p:nvPr/>
+        </p:nvGrpSpPr>
+        <p:grpSpPr>
+          <a:xfrm>
+            <a:off x="1184133" y="0"/>
+            <a:ext cx="9961092" cy="6858000"/>
+            <a:chOff x="491575" y="0"/>
+            <a:chExt cx="9961092" cy="6858000"/>
+          </a:xfrm>
+        </p:grpSpPr>
+        <p:sp>
+          <p:nvSpPr>
+            <p:cNvPr id="61" name="Rectangle 60">
+              <a:extLst>
+                <a:ext uri="{FF2B5EF4-FFF2-40B4-BE49-F238E27FC236}">
+                  <a16:creationId xmlns:a16="http://schemas.microsoft.com/office/drawing/2014/main" id="{1079FD4E-778D-428A-B08F-1B97893971C7}"/>
+                </a:ext>
+              </a:extLst>
+            </p:cNvPr>
+            <p:cNvSpPr/>
+            <p:nvPr/>
+          </p:nvSpPr>
+          <p:spPr>
+            <a:xfrm>
+              <a:off x="491575" y="0"/>
+              <a:ext cx="9961092" cy="6858000"/>
+            </a:xfrm>
+            <a:prstGeom prst="rect">
+              <a:avLst/>
+            </a:prstGeom>
+            <a:solidFill>
+              <a:srgbClr val="F0EEF0"/>
+            </a:solidFill>
+            <a:ln>
+              <a:noFill/>
+            </a:ln>
+            <a:effectLst>
+              <a:outerShdw blurRad="215900" dist="38100" sx="101000" sy="101000" algn="l" rotWithShape="0">
+                <a:schemeClr val="tx1">
+                  <a:lumMod val="65000"/>
+                  <a:lumOff val="35000"/>
+                  <a:alpha val="35000"/>
+                </a:schemeClr>
+              </a:outerShdw>
+            </a:effectLst>
+          </p:spPr>
+          <p:style>
+            <a:lnRef idx="2">
+              <a:schemeClr val="accent1">
+                <a:shade val="50000"/>
+              </a:schemeClr>
+            </a:lnRef>
+            <a:fillRef idx="1">
+              <a:schemeClr val="accent1"/>
+            </a:fillRef>
+            <a:effectRef idx="0">
+              <a:schemeClr val="accent1"/>
+            </a:effectRef>
+            <a:fontRef idx="minor">
+              <a:schemeClr val="lt1"/>
+            </a:fontRef>
+          </p:style>
+          <p:txBody>
+            <a:bodyPr rtlCol="0" anchor="ctr"/>
+            <a:lstStyle/>
+            <a:p>
+              <a:pPr algn="ctr"/>
+              <a:endParaRPr lang="en-US"/>
+            </a:p>
+          </p:txBody>
+        </p:sp>
+        <p:sp>
+          <p:nvSpPr>
+            <p:cNvPr id="62" name="Freeform: Shape 61">
+              <a:extLst>
+                <a:ext uri="{FF2B5EF4-FFF2-40B4-BE49-F238E27FC236}">
+                  <a16:creationId xmlns:a16="http://schemas.microsoft.com/office/drawing/2014/main" id="{67DB4514-65BA-420D-BBB3-CCF0A5B397CB}"/>
+                </a:ext>
+              </a:extLst>
+            </p:cNvPr>
+            <p:cNvSpPr/>
+            <p:nvPr/>
+          </p:nvSpPr>
+          <p:spPr>
+            <a:xfrm>
+              <a:off x="9284267" y="2337440"/>
+              <a:ext cx="1168400" cy="2360918"/>
+            </a:xfrm>
+            <a:custGeom>
+              <a:avLst/>
+              <a:gdLst>
+                <a:gd name="connsiteX0" fmla="*/ 1168400 w 1168400"/>
+                <a:gd name="connsiteY0" fmla="*/ 0 h 2360918"/>
+                <a:gd name="connsiteX1" fmla="*/ 1168400 w 1168400"/>
+                <a:gd name="connsiteY1" fmla="*/ 2360918 h 2360918"/>
+                <a:gd name="connsiteX2" fmla="*/ 1060340 w 1168400"/>
+                <a:gd name="connsiteY2" fmla="*/ 2355461 h 2360918"/>
+                <a:gd name="connsiteX3" fmla="*/ 0 w 1168400"/>
+                <a:gd name="connsiteY3" fmla="*/ 1180459 h 2360918"/>
+                <a:gd name="connsiteX4" fmla="*/ 1060340 w 1168400"/>
+                <a:gd name="connsiteY4" fmla="*/ 5457 h 2360918"/>
+              </a:gdLst>
+              <a:ahLst/>
+              <a:cxnLst>
+                <a:cxn ang="0">
+                  <a:pos x="connsiteX0" y="connsiteY0"/>
+                </a:cxn>
+                <a:cxn ang="0">
+                  <a:pos x="connsiteX1" y="connsiteY1"/>
+                </a:cxn>
+                <a:cxn ang="0">
+                  <a:pos x="connsiteX2" y="connsiteY2"/>
+                </a:cxn>
+                <a:cxn ang="0">
+                  <a:pos x="connsiteX3" y="connsiteY3"/>
+                </a:cxn>
+                <a:cxn ang="0">
+                  <a:pos x="connsiteX4" y="connsiteY4"/>
+                </a:cxn>
+              </a:cxnLst>
+              <a:rect l="l" t="t" r="r" b="b"/>
+              <a:pathLst>
+                <a:path w="1168400" h="2360918">
+                  <a:moveTo>
+                    <a:pt x="1168400" y="0"/>
+                  </a:moveTo>
+                  <a:lnTo>
+                    <a:pt x="1168400" y="2360918"/>
+                  </a:lnTo>
+                  <a:lnTo>
+                    <a:pt x="1060340" y="2355461"/>
+                  </a:lnTo>
+                  <a:cubicBezTo>
+                    <a:pt x="464762" y="2294977"/>
+                    <a:pt x="0" y="1791994"/>
+                    <a:pt x="0" y="1180459"/>
+                  </a:cubicBezTo>
+                  <a:cubicBezTo>
+                    <a:pt x="0" y="568924"/>
+                    <a:pt x="464762" y="65941"/>
+                    <a:pt x="1060340" y="5457"/>
+                  </a:cubicBezTo>
+                  <a:close/>
+                </a:path>
+              </a:pathLst>
+            </a:custGeom>
+            <a:solidFill>
+              <a:srgbClr val="FFC730"/>
+            </a:solidFill>
+            <a:ln>
+              <a:noFill/>
+            </a:ln>
+          </p:spPr>
+          <p:style>
+            <a:lnRef idx="2">
+              <a:schemeClr val="accent1">
+                <a:shade val="50000"/>
+              </a:schemeClr>
+            </a:lnRef>
+            <a:fillRef idx="1">
+              <a:schemeClr val="accent1"/>
+            </a:fillRef>
+            <a:effectRef idx="0">
+              <a:schemeClr val="accent1"/>
+            </a:effectRef>
+            <a:fontRef idx="minor">
+              <a:schemeClr val="lt1"/>
+            </a:fontRef>
+          </p:style>
+          <p:txBody>
+            <a:bodyPr rtlCol="0" anchor="ctr"/>
+            <a:lstStyle/>
+            <a:p>
+              <a:pPr algn="ctr"/>
+              <a:endParaRPr lang="en-US" dirty="0"/>
+            </a:p>
+          </p:txBody>
+        </p:sp>
+        <p:sp>
+          <p:nvSpPr>
+            <p:cNvPr id="63" name="TextBox 62">
+              <a:extLst>
+                <a:ext uri="{FF2B5EF4-FFF2-40B4-BE49-F238E27FC236}">
+                  <a16:creationId xmlns:a16="http://schemas.microsoft.com/office/drawing/2014/main" id="{F86CE46E-7143-4535-BF09-36D36B082851}"/>
+                </a:ext>
+              </a:extLst>
+            </p:cNvPr>
+            <p:cNvSpPr txBox="1"/>
+            <p:nvPr/>
+          </p:nvSpPr>
+          <p:spPr>
+            <a:xfrm rot="16200000">
+              <a:off x="9117129" y="3281943"/>
+              <a:ext cx="1992086" cy="461665"/>
+            </a:xfrm>
+            <a:prstGeom prst="rect">
+              <a:avLst/>
+            </a:prstGeom>
+            <a:noFill/>
+          </p:spPr>
+          <p:txBody>
+            <a:bodyPr wrap="square" rtlCol="0">
+              <a:spAutoFit/>
+            </a:bodyPr>
+            <a:lstStyle/>
+            <a:p>
+              <a:pPr algn="ctr"/>
+              <a:r>
+                <a:rPr lang="en-US" sz="2400" b="1" dirty="0" err="1">
+                  <a:solidFill>
+                    <a:srgbClr val="F0EEF0"/>
+                  </a:solidFill>
+                  <a:latin typeface="Tw Cen MT" panose="020B0602020104020603" pitchFamily="34" charset="0"/>
+                </a:rPr>
+                <a:t>összetétel</a:t>
+              </a:r>
+              <a:endParaRPr lang="en-US" sz="2400" b="1" dirty="0">
+                <a:solidFill>
+                  <a:srgbClr val="F0EEF0"/>
+                </a:solidFill>
+                <a:latin typeface="Tw Cen MT" panose="020B0602020104020603" pitchFamily="34" charset="0"/>
+              </a:endParaRPr>
+            </a:p>
+          </p:txBody>
+        </p:sp>
+        <p:pic>
+          <p:nvPicPr>
+            <p:cNvPr id="64" name="Picture 63">
+              <a:extLst>
+                <a:ext uri="{FF2B5EF4-FFF2-40B4-BE49-F238E27FC236}">
+                  <a16:creationId xmlns:a16="http://schemas.microsoft.com/office/drawing/2014/main" id="{4E9D2CC3-AE8C-4CF7-AC14-0BF3748D6313}"/>
+                </a:ext>
+              </a:extLst>
+            </p:cNvPr>
+            <p:cNvPicPr>
+              <a:picLocks noChangeAspect="1"/>
+            </p:cNvPicPr>
+            <p:nvPr/>
+          </p:nvPicPr>
+          <p:blipFill>
+            <a:blip r:embed="rId2">
+              <a:extLst>
+                <a:ext uri="{28A0092B-C50C-407E-A947-70E740481C1C}">
+                  <a14:useLocalDpi xmlns:a14="http://schemas.microsoft.com/office/drawing/2010/main" val="0"/>
+                </a:ext>
+              </a:extLst>
+            </a:blip>
+            <a:stretch>
+              <a:fillRect/>
+            </a:stretch>
+          </p:blipFill>
+          <p:spPr>
+            <a:xfrm rot="16200000">
+              <a:off x="9385467" y="3247473"/>
+              <a:ext cx="530600" cy="530600"/>
+            </a:xfrm>
+            <a:prstGeom prst="rect">
+              <a:avLst/>
+            </a:prstGeom>
+          </p:spPr>
+        </p:pic>
+      </p:grpSp>
+      <p:grpSp>
+        <p:nvGrpSpPr>
+          <p:cNvPr id="65" name="Group 64">
+            <a:extLst>
+              <a:ext uri="{FF2B5EF4-FFF2-40B4-BE49-F238E27FC236}">
+                <a16:creationId xmlns:a16="http://schemas.microsoft.com/office/drawing/2014/main" id="{2704DBF9-F2DF-4744-9CBE-8384BF790E0F}"/>
+              </a:ext>
+            </a:extLst>
+          </p:cNvPr>
+          <p:cNvGrpSpPr/>
+          <p:nvPr/>
+        </p:nvGrpSpPr>
+        <p:grpSpPr>
+          <a:xfrm>
+            <a:off x="-7985197" y="0"/>
+            <a:ext cx="9574094" cy="6858000"/>
+            <a:chOff x="491575" y="0"/>
+            <a:chExt cx="9574094" cy="6858000"/>
+          </a:xfrm>
+        </p:grpSpPr>
+        <p:sp>
+          <p:nvSpPr>
+            <p:cNvPr id="66" name="Rectangle 65">
+              <a:extLst>
+                <a:ext uri="{FF2B5EF4-FFF2-40B4-BE49-F238E27FC236}">
+                  <a16:creationId xmlns:a16="http://schemas.microsoft.com/office/drawing/2014/main" id="{D409FCBC-490E-4134-BE82-9429CE5AB00A}"/>
+                </a:ext>
+              </a:extLst>
+            </p:cNvPr>
+            <p:cNvSpPr/>
+            <p:nvPr/>
+          </p:nvSpPr>
+          <p:spPr>
+            <a:xfrm>
+              <a:off x="491575" y="0"/>
+              <a:ext cx="9574094" cy="6858000"/>
+            </a:xfrm>
+            <a:prstGeom prst="rect">
+              <a:avLst/>
+            </a:prstGeom>
+            <a:solidFill>
+              <a:srgbClr val="F0EEF0"/>
+            </a:solidFill>
+            <a:ln>
+              <a:noFill/>
+            </a:ln>
+            <a:effectLst>
+              <a:outerShdw blurRad="215900" dist="38100" sx="101000" sy="101000" algn="l" rotWithShape="0">
+                <a:schemeClr val="tx1">
+                  <a:lumMod val="65000"/>
+                  <a:lumOff val="35000"/>
+                  <a:alpha val="35000"/>
+                </a:schemeClr>
+              </a:outerShdw>
+            </a:effectLst>
+          </p:spPr>
+          <p:style>
+            <a:lnRef idx="2">
+              <a:schemeClr val="accent1">
+                <a:shade val="50000"/>
+              </a:schemeClr>
+            </a:lnRef>
+            <a:fillRef idx="1">
+              <a:schemeClr val="accent1"/>
+            </a:fillRef>
+            <a:effectRef idx="0">
+              <a:schemeClr val="accent1"/>
+            </a:effectRef>
+            <a:fontRef idx="minor">
+              <a:schemeClr val="lt1"/>
+            </a:fontRef>
+          </p:style>
+          <p:txBody>
+            <a:bodyPr rtlCol="0" anchor="ctr"/>
+            <a:lstStyle/>
+            <a:p>
+              <a:pPr algn="ctr"/>
+              <a:endParaRPr lang="en-US"/>
+            </a:p>
+          </p:txBody>
+        </p:sp>
+        <p:sp>
+          <p:nvSpPr>
+            <p:cNvPr id="67" name="Freeform: Shape 66">
+              <a:extLst>
+                <a:ext uri="{FF2B5EF4-FFF2-40B4-BE49-F238E27FC236}">
+                  <a16:creationId xmlns:a16="http://schemas.microsoft.com/office/drawing/2014/main" id="{484E2370-4D03-4FD0-B29C-F763767296D4}"/>
+                </a:ext>
+              </a:extLst>
+            </p:cNvPr>
+            <p:cNvSpPr/>
+            <p:nvPr/>
+          </p:nvSpPr>
+          <p:spPr>
+            <a:xfrm>
+              <a:off x="8897260" y="2337440"/>
+              <a:ext cx="1168400" cy="2360918"/>
+            </a:xfrm>
+            <a:custGeom>
+              <a:avLst/>
+              <a:gdLst>
+                <a:gd name="connsiteX0" fmla="*/ 1168400 w 1168400"/>
+                <a:gd name="connsiteY0" fmla="*/ 0 h 2360918"/>
+                <a:gd name="connsiteX1" fmla="*/ 1168400 w 1168400"/>
+                <a:gd name="connsiteY1" fmla="*/ 2360918 h 2360918"/>
+                <a:gd name="connsiteX2" fmla="*/ 1060340 w 1168400"/>
+                <a:gd name="connsiteY2" fmla="*/ 2355461 h 2360918"/>
+                <a:gd name="connsiteX3" fmla="*/ 0 w 1168400"/>
+                <a:gd name="connsiteY3" fmla="*/ 1180459 h 2360918"/>
+                <a:gd name="connsiteX4" fmla="*/ 1060340 w 1168400"/>
+                <a:gd name="connsiteY4" fmla="*/ 5457 h 2360918"/>
+              </a:gdLst>
+              <a:ahLst/>
+              <a:cxnLst>
+                <a:cxn ang="0">
+                  <a:pos x="connsiteX0" y="connsiteY0"/>
+                </a:cxn>
+                <a:cxn ang="0">
+                  <a:pos x="connsiteX1" y="connsiteY1"/>
+                </a:cxn>
+                <a:cxn ang="0">
+                  <a:pos x="connsiteX2" y="connsiteY2"/>
+                </a:cxn>
+                <a:cxn ang="0">
+                  <a:pos x="connsiteX3" y="connsiteY3"/>
+                </a:cxn>
+                <a:cxn ang="0">
+                  <a:pos x="connsiteX4" y="connsiteY4"/>
+                </a:cxn>
+              </a:cxnLst>
+              <a:rect l="l" t="t" r="r" b="b"/>
+              <a:pathLst>
+                <a:path w="1168400" h="2360918">
+                  <a:moveTo>
+                    <a:pt x="1168400" y="0"/>
+                  </a:moveTo>
+                  <a:lnTo>
+                    <a:pt x="1168400" y="2360918"/>
+                  </a:lnTo>
+                  <a:lnTo>
+                    <a:pt x="1060340" y="2355461"/>
+                  </a:lnTo>
+                  <a:cubicBezTo>
+                    <a:pt x="464762" y="2294977"/>
+                    <a:pt x="0" y="1791994"/>
+                    <a:pt x="0" y="1180459"/>
+                  </a:cubicBezTo>
+                  <a:cubicBezTo>
+                    <a:pt x="0" y="568924"/>
+                    <a:pt x="464762" y="65941"/>
+                    <a:pt x="1060340" y="5457"/>
+                  </a:cubicBezTo>
+                  <a:close/>
+                </a:path>
+              </a:pathLst>
+            </a:custGeom>
+            <a:solidFill>
+              <a:srgbClr val="5D7373"/>
+            </a:solidFill>
+            <a:ln>
+              <a:noFill/>
+            </a:ln>
+          </p:spPr>
+          <p:style>
+            <a:lnRef idx="2">
+              <a:schemeClr val="accent1">
+                <a:shade val="50000"/>
+              </a:schemeClr>
+            </a:lnRef>
+            <a:fillRef idx="1">
+              <a:schemeClr val="accent1"/>
+            </a:fillRef>
+            <a:effectRef idx="0">
+              <a:schemeClr val="accent1"/>
+            </a:effectRef>
+            <a:fontRef idx="minor">
+              <a:schemeClr val="lt1"/>
+            </a:fontRef>
+          </p:style>
+          <p:txBody>
+            <a:bodyPr rtlCol="0" anchor="ctr"/>
+            <a:lstStyle/>
+            <a:p>
+              <a:pPr algn="ctr"/>
+              <a:endParaRPr lang="en-US" dirty="0"/>
+            </a:p>
+          </p:txBody>
+        </p:sp>
+        <p:sp>
+          <p:nvSpPr>
+            <p:cNvPr id="68" name="TextBox 67">
+              <a:extLst>
+                <a:ext uri="{FF2B5EF4-FFF2-40B4-BE49-F238E27FC236}">
+                  <a16:creationId xmlns:a16="http://schemas.microsoft.com/office/drawing/2014/main" id="{CE5F8F51-D3FD-42A1-8372-1B4B1B7C336A}"/>
+                </a:ext>
+              </a:extLst>
+            </p:cNvPr>
+            <p:cNvSpPr txBox="1"/>
+            <p:nvPr/>
+          </p:nvSpPr>
+          <p:spPr>
+            <a:xfrm rot="16200000">
+              <a:off x="8746453" y="3281942"/>
+              <a:ext cx="1992086" cy="461665"/>
+            </a:xfrm>
+            <a:prstGeom prst="rect">
+              <a:avLst/>
+            </a:prstGeom>
+            <a:noFill/>
+          </p:spPr>
+          <p:txBody>
+            <a:bodyPr wrap="square" rtlCol="0">
+              <a:spAutoFit/>
+            </a:bodyPr>
+            <a:lstStyle/>
+            <a:p>
+              <a:pPr algn="ctr"/>
+              <a:r>
+                <a:rPr lang="en-US" sz="2400" b="1" dirty="0" err="1">
+                  <a:solidFill>
+                    <a:srgbClr val="F0EEF0"/>
+                  </a:solidFill>
+                  <a:latin typeface="Tw Cen MT" panose="020B0602020104020603" pitchFamily="34" charset="0"/>
+                </a:rPr>
+                <a:t>előállítás</a:t>
+              </a:r>
+              <a:endParaRPr lang="en-US" sz="2400" b="1" dirty="0">
+                <a:solidFill>
+                  <a:srgbClr val="F0EEF0"/>
+                </a:solidFill>
+                <a:latin typeface="Tw Cen MT" panose="020B0602020104020603" pitchFamily="34" charset="0"/>
+              </a:endParaRPr>
+            </a:p>
+          </p:txBody>
+        </p:sp>
+        <p:pic>
+          <p:nvPicPr>
+            <p:cNvPr id="69" name="Picture 68">
+              <a:extLst>
+                <a:ext uri="{FF2B5EF4-FFF2-40B4-BE49-F238E27FC236}">
+                  <a16:creationId xmlns:a16="http://schemas.microsoft.com/office/drawing/2014/main" id="{05E43CA3-886C-4010-B3E2-837CCC6F5160}"/>
+                </a:ext>
+              </a:extLst>
+            </p:cNvPr>
+            <p:cNvPicPr>
+              <a:picLocks noChangeAspect="1"/>
+            </p:cNvPicPr>
+            <p:nvPr/>
+          </p:nvPicPr>
+          <p:blipFill>
+            <a:blip r:embed="rId2">
+              <a:extLst>
+                <a:ext uri="{28A0092B-C50C-407E-A947-70E740481C1C}">
+                  <a14:useLocalDpi xmlns:a14="http://schemas.microsoft.com/office/drawing/2010/main" val="0"/>
+                </a:ext>
+              </a:extLst>
+            </a:blip>
+            <a:stretch>
+              <a:fillRect/>
+            </a:stretch>
+          </p:blipFill>
+          <p:spPr>
+            <a:xfrm rot="16200000">
+              <a:off x="8992269" y="3247473"/>
+              <a:ext cx="530600" cy="530600"/>
+            </a:xfrm>
+            <a:prstGeom prst="rect">
+              <a:avLst/>
+            </a:prstGeom>
+          </p:spPr>
+        </p:pic>
+      </p:grpSp>
+      <p:sp>
+        <p:nvSpPr>
+          <p:cNvPr id="70" name="Rectangle 69">
+            <a:extLst>
+              <a:ext uri="{FF2B5EF4-FFF2-40B4-BE49-F238E27FC236}">
+                <a16:creationId xmlns:a16="http://schemas.microsoft.com/office/drawing/2014/main" id="{87E322DA-3D39-4A36-A521-33E75DDBFF71}"/>
+              </a:ext>
+            </a:extLst>
+          </p:cNvPr>
+          <p:cNvSpPr/>
+          <p:nvPr/>
+        </p:nvSpPr>
+        <p:spPr>
+          <a:xfrm>
+            <a:off x="-7962177" y="-1"/>
+            <a:ext cx="5781368" cy="6858000"/>
+          </a:xfrm>
+          <a:prstGeom prst="rect">
+            <a:avLst/>
+          </a:prstGeom>
+          <a:solidFill>
+            <a:srgbClr val="F0EEF0"/>
+          </a:solidFill>
+          <a:ln>
+            <a:noFill/>
+          </a:ln>
+          <a:effectLst>
+            <a:outerShdw blurRad="215900" dist="38100" sx="101000" sy="101000" algn="l" rotWithShape="0">
+              <a:schemeClr val="tx1">
+                <a:lumMod val="65000"/>
+                <a:lumOff val="35000"/>
+                <a:alpha val="35000"/>
+              </a:schemeClr>
+            </a:outerShdw>
+          </a:effectLst>
+        </p:spPr>
+        <p:style>
+          <a:lnRef idx="2">
+            <a:schemeClr val="accent1">
+              <a:shade val="50000"/>
+            </a:schemeClr>
+          </a:lnRef>
+          <a:fillRef idx="1">
+            <a:schemeClr val="accent1"/>
+          </a:fillRef>
+          <a:effectRef idx="0">
+            <a:schemeClr val="accent1"/>
+          </a:effectRef>
+          <a:fontRef idx="minor">
+            <a:schemeClr val="lt1"/>
+          </a:fontRef>
+        </p:style>
+        <p:txBody>
+          <a:bodyPr rtlCol="0" anchor="ctr"/>
+          <a:lstStyle/>
+          <a:p>
+            <a:pPr algn="ctr"/>
+            <a:endParaRPr lang="en-US"/>
+          </a:p>
+        </p:txBody>
+      </p:sp>
+      <p:grpSp>
+        <p:nvGrpSpPr>
+          <p:cNvPr id="71" name="Group 70">
+            <a:extLst>
+              <a:ext uri="{FF2B5EF4-FFF2-40B4-BE49-F238E27FC236}">
+                <a16:creationId xmlns:a16="http://schemas.microsoft.com/office/drawing/2014/main" id="{831F8BD9-F71B-4D2D-8A60-61BABDC384BB}"/>
+              </a:ext>
+            </a:extLst>
+          </p:cNvPr>
+          <p:cNvGrpSpPr/>
+          <p:nvPr/>
+        </p:nvGrpSpPr>
+        <p:grpSpPr>
+          <a:xfrm>
+            <a:off x="-7638543" y="-1"/>
+            <a:ext cx="8692331" cy="6858000"/>
+            <a:chOff x="718505" y="-1"/>
+            <a:chExt cx="8692331" cy="6858000"/>
+          </a:xfrm>
+        </p:grpSpPr>
+        <p:sp>
+          <p:nvSpPr>
+            <p:cNvPr id="72" name="Rectangle 71">
+              <a:extLst>
+                <a:ext uri="{FF2B5EF4-FFF2-40B4-BE49-F238E27FC236}">
+                  <a16:creationId xmlns:a16="http://schemas.microsoft.com/office/drawing/2014/main" id="{B470067C-2D0B-4A65-B940-C052473E9422}"/>
+                </a:ext>
+              </a:extLst>
+            </p:cNvPr>
+            <p:cNvSpPr/>
+            <p:nvPr/>
+          </p:nvSpPr>
+          <p:spPr>
+            <a:xfrm>
+              <a:off x="718505" y="-1"/>
+              <a:ext cx="8692331" cy="6858000"/>
+            </a:xfrm>
+            <a:prstGeom prst="rect">
+              <a:avLst/>
+            </a:prstGeom>
+            <a:solidFill>
+              <a:srgbClr val="F0EEF0"/>
+            </a:solidFill>
+            <a:ln>
+              <a:noFill/>
+            </a:ln>
+            <a:effectLst>
+              <a:outerShdw blurRad="215900" dist="38100" sx="101000" sy="101000" algn="l" rotWithShape="0">
+                <a:schemeClr val="tx1">
+                  <a:lumMod val="65000"/>
+                  <a:lumOff val="35000"/>
+                  <a:alpha val="35000"/>
+                </a:schemeClr>
+              </a:outerShdw>
+            </a:effectLst>
+          </p:spPr>
+          <p:style>
+            <a:lnRef idx="2">
+              <a:schemeClr val="accent1">
+                <a:shade val="50000"/>
+              </a:schemeClr>
+            </a:lnRef>
+            <a:fillRef idx="1">
+              <a:schemeClr val="accent1"/>
+            </a:fillRef>
+            <a:effectRef idx="0">
+              <a:schemeClr val="accent1"/>
+            </a:effectRef>
+            <a:fontRef idx="minor">
+              <a:schemeClr val="lt1"/>
+            </a:fontRef>
+          </p:style>
+          <p:txBody>
+            <a:bodyPr rtlCol="0" anchor="ctr"/>
+            <a:lstStyle/>
+            <a:p>
+              <a:pPr algn="ctr"/>
+              <a:endParaRPr lang="en-US"/>
+            </a:p>
+          </p:txBody>
+        </p:sp>
+        <p:sp>
+          <p:nvSpPr>
+            <p:cNvPr id="73" name="Freeform: Shape 72">
+              <a:extLst>
+                <a:ext uri="{FF2B5EF4-FFF2-40B4-BE49-F238E27FC236}">
+                  <a16:creationId xmlns:a16="http://schemas.microsoft.com/office/drawing/2014/main" id="{66B5D93C-8112-48DA-975B-9DDD27DEADD9}"/>
+                </a:ext>
+              </a:extLst>
+            </p:cNvPr>
+            <p:cNvSpPr/>
+            <p:nvPr/>
+          </p:nvSpPr>
+          <p:spPr>
+            <a:xfrm>
+              <a:off x="8242436" y="2337439"/>
+              <a:ext cx="1168400" cy="2360918"/>
+            </a:xfrm>
+            <a:custGeom>
+              <a:avLst/>
+              <a:gdLst>
+                <a:gd name="connsiteX0" fmla="*/ 1168400 w 1168400"/>
+                <a:gd name="connsiteY0" fmla="*/ 0 h 2360918"/>
+                <a:gd name="connsiteX1" fmla="*/ 1168400 w 1168400"/>
+                <a:gd name="connsiteY1" fmla="*/ 2360918 h 2360918"/>
+                <a:gd name="connsiteX2" fmla="*/ 1060340 w 1168400"/>
+                <a:gd name="connsiteY2" fmla="*/ 2355461 h 2360918"/>
+                <a:gd name="connsiteX3" fmla="*/ 0 w 1168400"/>
+                <a:gd name="connsiteY3" fmla="*/ 1180459 h 2360918"/>
+                <a:gd name="connsiteX4" fmla="*/ 1060340 w 1168400"/>
+                <a:gd name="connsiteY4" fmla="*/ 5457 h 2360918"/>
+              </a:gdLst>
+              <a:ahLst/>
+              <a:cxnLst>
+                <a:cxn ang="0">
+                  <a:pos x="connsiteX0" y="connsiteY0"/>
+                </a:cxn>
+                <a:cxn ang="0">
+                  <a:pos x="connsiteX1" y="connsiteY1"/>
+                </a:cxn>
+                <a:cxn ang="0">
+                  <a:pos x="connsiteX2" y="connsiteY2"/>
+                </a:cxn>
+                <a:cxn ang="0">
+                  <a:pos x="connsiteX3" y="connsiteY3"/>
+                </a:cxn>
+                <a:cxn ang="0">
+                  <a:pos x="connsiteX4" y="connsiteY4"/>
+                </a:cxn>
+              </a:cxnLst>
+              <a:rect l="l" t="t" r="r" b="b"/>
+              <a:pathLst>
+                <a:path w="1168400" h="2360918">
+                  <a:moveTo>
+                    <a:pt x="1168400" y="0"/>
+                  </a:moveTo>
+                  <a:lnTo>
+                    <a:pt x="1168400" y="2360918"/>
+                  </a:lnTo>
+                  <a:lnTo>
+                    <a:pt x="1060340" y="2355461"/>
+                  </a:lnTo>
+                  <a:cubicBezTo>
+                    <a:pt x="464762" y="2294977"/>
+                    <a:pt x="0" y="1791994"/>
+                    <a:pt x="0" y="1180459"/>
+                  </a:cubicBezTo>
+                  <a:cubicBezTo>
+                    <a:pt x="0" y="568924"/>
+                    <a:pt x="464762" y="65941"/>
+                    <a:pt x="1060340" y="5457"/>
+                  </a:cubicBezTo>
+                  <a:close/>
+                </a:path>
+              </a:pathLst>
+            </a:custGeom>
+            <a:solidFill>
+              <a:srgbClr val="92D050"/>
+            </a:solidFill>
+            <a:ln>
+              <a:noFill/>
+            </a:ln>
+          </p:spPr>
+          <p:style>
+            <a:lnRef idx="2">
+              <a:schemeClr val="accent1">
+                <a:shade val="50000"/>
+              </a:schemeClr>
+            </a:lnRef>
+            <a:fillRef idx="1">
+              <a:schemeClr val="accent1"/>
+            </a:fillRef>
+            <a:effectRef idx="0">
+              <a:schemeClr val="accent1"/>
+            </a:effectRef>
+            <a:fontRef idx="minor">
+              <a:schemeClr val="lt1"/>
+            </a:fontRef>
+          </p:style>
+          <p:txBody>
+            <a:bodyPr rtlCol="0" anchor="ctr"/>
+            <a:lstStyle/>
+            <a:p>
+              <a:pPr algn="ctr"/>
+              <a:endParaRPr lang="en-US" dirty="0"/>
+            </a:p>
+          </p:txBody>
+        </p:sp>
+        <p:sp>
+          <p:nvSpPr>
+            <p:cNvPr id="74" name="TextBox 73">
+              <a:extLst>
+                <a:ext uri="{FF2B5EF4-FFF2-40B4-BE49-F238E27FC236}">
+                  <a16:creationId xmlns:a16="http://schemas.microsoft.com/office/drawing/2014/main" id="{6D3577A8-E9FC-43B7-B3E2-76EDDA51C160}"/>
+                </a:ext>
+              </a:extLst>
+            </p:cNvPr>
+            <p:cNvSpPr txBox="1"/>
+            <p:nvPr/>
+          </p:nvSpPr>
+          <p:spPr>
+            <a:xfrm rot="16200000">
+              <a:off x="8091629" y="3281941"/>
+              <a:ext cx="1992086" cy="461665"/>
+            </a:xfrm>
+            <a:prstGeom prst="rect">
+              <a:avLst/>
+            </a:prstGeom>
+            <a:noFill/>
+          </p:spPr>
+          <p:txBody>
+            <a:bodyPr wrap="square" rtlCol="0">
+              <a:spAutoFit/>
+            </a:bodyPr>
+            <a:lstStyle/>
+            <a:p>
+              <a:pPr algn="ctr"/>
+              <a:r>
+                <a:rPr lang="en-US" sz="2400" b="1" dirty="0" err="1">
+                  <a:solidFill>
+                    <a:srgbClr val="F0EEF0"/>
+                  </a:solidFill>
+                  <a:latin typeface="Tw Cen MT" panose="020B0602020104020603" pitchFamily="34" charset="0"/>
+                </a:rPr>
+                <a:t>tulajdonságok</a:t>
+              </a:r>
+              <a:endParaRPr lang="en-US" sz="2400" b="1" dirty="0">
+                <a:solidFill>
+                  <a:srgbClr val="F0EEF0"/>
+                </a:solidFill>
+                <a:latin typeface="Tw Cen MT" panose="020B0602020104020603" pitchFamily="34" charset="0"/>
+              </a:endParaRPr>
+            </a:p>
+          </p:txBody>
+        </p:sp>
+        <p:pic>
+          <p:nvPicPr>
+            <p:cNvPr id="75" name="Picture 74">
+              <a:extLst>
+                <a:ext uri="{FF2B5EF4-FFF2-40B4-BE49-F238E27FC236}">
+                  <a16:creationId xmlns:a16="http://schemas.microsoft.com/office/drawing/2014/main" id="{36FD3106-E967-44D6-AB4D-A0DA183F7CC8}"/>
+                </a:ext>
+              </a:extLst>
+            </p:cNvPr>
+            <p:cNvPicPr>
+              <a:picLocks noChangeAspect="1"/>
+            </p:cNvPicPr>
+            <p:nvPr/>
+          </p:nvPicPr>
+          <p:blipFill>
+            <a:blip r:embed="rId2">
+              <a:extLst>
+                <a:ext uri="{28A0092B-C50C-407E-A947-70E740481C1C}">
+                  <a14:useLocalDpi xmlns:a14="http://schemas.microsoft.com/office/drawing/2010/main" val="0"/>
+                </a:ext>
+              </a:extLst>
+            </a:blip>
+            <a:stretch>
+              <a:fillRect/>
+            </a:stretch>
+          </p:blipFill>
+          <p:spPr>
+            <a:xfrm rot="16200000">
+              <a:off x="8340472" y="3247473"/>
+              <a:ext cx="530600" cy="530600"/>
+            </a:xfrm>
+            <a:prstGeom prst="rect">
+              <a:avLst/>
+            </a:prstGeom>
+          </p:spPr>
+        </p:pic>
+      </p:grpSp>
+      <p:grpSp>
+        <p:nvGrpSpPr>
+          <p:cNvPr id="76" name="Group 75">
+            <a:extLst>
+              <a:ext uri="{FF2B5EF4-FFF2-40B4-BE49-F238E27FC236}">
+                <a16:creationId xmlns:a16="http://schemas.microsoft.com/office/drawing/2014/main" id="{3E930874-288B-4537-8AA6-A601044D9580}"/>
+              </a:ext>
+            </a:extLst>
+          </p:cNvPr>
+          <p:cNvGrpSpPr/>
+          <p:nvPr/>
+        </p:nvGrpSpPr>
+        <p:grpSpPr>
+          <a:xfrm>
+            <a:off x="-9395082" y="-1"/>
+            <a:ext cx="9927504" cy="6858000"/>
+            <a:chOff x="-9337032" y="-1"/>
+            <a:chExt cx="9927504" cy="6858000"/>
+          </a:xfrm>
+        </p:grpSpPr>
+        <p:sp>
+          <p:nvSpPr>
+            <p:cNvPr id="77" name="Rectangle 76">
+              <a:extLst>
+                <a:ext uri="{FF2B5EF4-FFF2-40B4-BE49-F238E27FC236}">
+                  <a16:creationId xmlns:a16="http://schemas.microsoft.com/office/drawing/2014/main" id="{225CDF0F-0FD1-40B0-BD29-F7D200A3A066}"/>
+                </a:ext>
+              </a:extLst>
+            </p:cNvPr>
+            <p:cNvSpPr/>
+            <p:nvPr/>
+          </p:nvSpPr>
+          <p:spPr>
+            <a:xfrm>
+              <a:off x="-9337032" y="-1"/>
+              <a:ext cx="9923504" cy="6858000"/>
+            </a:xfrm>
+            <a:prstGeom prst="rect">
+              <a:avLst/>
+            </a:prstGeom>
+            <a:solidFill>
+              <a:srgbClr val="F0EEF0"/>
+            </a:solidFill>
+            <a:ln>
+              <a:noFill/>
+            </a:ln>
+            <a:effectLst>
+              <a:outerShdw blurRad="215900" dist="38100" sx="101000" sy="101000" algn="l" rotWithShape="0">
+                <a:schemeClr val="tx1">
+                  <a:lumMod val="65000"/>
+                  <a:lumOff val="35000"/>
+                  <a:alpha val="35000"/>
+                </a:schemeClr>
+              </a:outerShdw>
+            </a:effectLst>
+          </p:spPr>
+          <p:style>
+            <a:lnRef idx="2">
+              <a:schemeClr val="accent1">
+                <a:shade val="50000"/>
+              </a:schemeClr>
+            </a:lnRef>
+            <a:fillRef idx="1">
+              <a:schemeClr val="accent1"/>
+            </a:fillRef>
+            <a:effectRef idx="0">
+              <a:schemeClr val="accent1"/>
+            </a:effectRef>
+            <a:fontRef idx="minor">
+              <a:schemeClr val="lt1"/>
+            </a:fontRef>
+          </p:style>
+          <p:txBody>
+            <a:bodyPr rtlCol="0" anchor="ctr"/>
+            <a:lstStyle/>
+            <a:p>
+              <a:pPr algn="ctr"/>
+              <a:endParaRPr lang="en-US" dirty="0"/>
+            </a:p>
+          </p:txBody>
+        </p:sp>
+        <p:sp>
+          <p:nvSpPr>
+            <p:cNvPr id="78" name="Freeform: Shape 77">
+              <a:extLst>
+                <a:ext uri="{FF2B5EF4-FFF2-40B4-BE49-F238E27FC236}">
+                  <a16:creationId xmlns:a16="http://schemas.microsoft.com/office/drawing/2014/main" id="{A02216B9-43DC-4135-9F3E-7EFEAD2EB420}"/>
+                </a:ext>
+              </a:extLst>
+            </p:cNvPr>
+            <p:cNvSpPr/>
+            <p:nvPr/>
+          </p:nvSpPr>
+          <p:spPr>
+            <a:xfrm>
+              <a:off x="-577928" y="2337438"/>
+              <a:ext cx="1168400" cy="2360918"/>
+            </a:xfrm>
+            <a:custGeom>
+              <a:avLst/>
+              <a:gdLst>
+                <a:gd name="connsiteX0" fmla="*/ 1168400 w 1168400"/>
+                <a:gd name="connsiteY0" fmla="*/ 0 h 2360918"/>
+                <a:gd name="connsiteX1" fmla="*/ 1168400 w 1168400"/>
+                <a:gd name="connsiteY1" fmla="*/ 2360918 h 2360918"/>
+                <a:gd name="connsiteX2" fmla="*/ 1060340 w 1168400"/>
+                <a:gd name="connsiteY2" fmla="*/ 2355461 h 2360918"/>
+                <a:gd name="connsiteX3" fmla="*/ 0 w 1168400"/>
+                <a:gd name="connsiteY3" fmla="*/ 1180459 h 2360918"/>
+                <a:gd name="connsiteX4" fmla="*/ 1060340 w 1168400"/>
+                <a:gd name="connsiteY4" fmla="*/ 5457 h 2360918"/>
+              </a:gdLst>
+              <a:ahLst/>
+              <a:cxnLst>
+                <a:cxn ang="0">
+                  <a:pos x="connsiteX0" y="connsiteY0"/>
+                </a:cxn>
+                <a:cxn ang="0">
+                  <a:pos x="connsiteX1" y="connsiteY1"/>
+                </a:cxn>
+                <a:cxn ang="0">
+                  <a:pos x="connsiteX2" y="connsiteY2"/>
+                </a:cxn>
+                <a:cxn ang="0">
+                  <a:pos x="connsiteX3" y="connsiteY3"/>
+                </a:cxn>
+                <a:cxn ang="0">
+                  <a:pos x="connsiteX4" y="connsiteY4"/>
+                </a:cxn>
+              </a:cxnLst>
+              <a:rect l="l" t="t" r="r" b="b"/>
+              <a:pathLst>
+                <a:path w="1168400" h="2360918">
+                  <a:moveTo>
+                    <a:pt x="1168400" y="0"/>
+                  </a:moveTo>
+                  <a:lnTo>
+                    <a:pt x="1168400" y="2360918"/>
+                  </a:lnTo>
+                  <a:lnTo>
+                    <a:pt x="1060340" y="2355461"/>
+                  </a:lnTo>
+                  <a:cubicBezTo>
+                    <a:pt x="464762" y="2294977"/>
+                    <a:pt x="0" y="1791994"/>
+                    <a:pt x="0" y="1180459"/>
+                  </a:cubicBezTo>
+                  <a:cubicBezTo>
+                    <a:pt x="0" y="568924"/>
+                    <a:pt x="464762" y="65941"/>
+                    <a:pt x="1060340" y="5457"/>
+                  </a:cubicBezTo>
+                  <a:close/>
+                </a:path>
+              </a:pathLst>
+            </a:custGeom>
+            <a:solidFill>
+              <a:srgbClr val="00A0A8"/>
+            </a:solidFill>
+            <a:ln>
+              <a:noFill/>
+            </a:ln>
+          </p:spPr>
+          <p:style>
+            <a:lnRef idx="2">
+              <a:schemeClr val="accent1">
+                <a:shade val="50000"/>
+              </a:schemeClr>
+            </a:lnRef>
+            <a:fillRef idx="1">
+              <a:schemeClr val="accent1"/>
+            </a:fillRef>
+            <a:effectRef idx="0">
+              <a:schemeClr val="accent1"/>
+            </a:effectRef>
+            <a:fontRef idx="minor">
+              <a:schemeClr val="lt1"/>
+            </a:fontRef>
+          </p:style>
+          <p:txBody>
+            <a:bodyPr rtlCol="0" anchor="ctr"/>
+            <a:lstStyle/>
+            <a:p>
+              <a:pPr algn="ctr"/>
+              <a:endParaRPr lang="en-US" dirty="0"/>
+            </a:p>
+          </p:txBody>
+        </p:sp>
+        <p:sp>
+          <p:nvSpPr>
+            <p:cNvPr id="79" name="TextBox 78">
+              <a:extLst>
+                <a:ext uri="{FF2B5EF4-FFF2-40B4-BE49-F238E27FC236}">
+                  <a16:creationId xmlns:a16="http://schemas.microsoft.com/office/drawing/2014/main" id="{37342E0B-2429-4B98-AF6A-1DB087CBDE83}"/>
+                </a:ext>
+              </a:extLst>
+            </p:cNvPr>
+            <p:cNvSpPr txBox="1"/>
+            <p:nvPr/>
+          </p:nvSpPr>
+          <p:spPr>
+            <a:xfrm rot="16200000">
+              <a:off x="-738260" y="3281940"/>
+              <a:ext cx="1992086" cy="461665"/>
+            </a:xfrm>
+            <a:prstGeom prst="rect">
+              <a:avLst/>
+            </a:prstGeom>
+            <a:noFill/>
+          </p:spPr>
+          <p:txBody>
+            <a:bodyPr wrap="square" rtlCol="0">
+              <a:spAutoFit/>
+            </a:bodyPr>
+            <a:lstStyle/>
+            <a:p>
+              <a:pPr algn="ctr"/>
+              <a:r>
+                <a:rPr lang="en-US" sz="2400" b="1" dirty="0" err="1">
+                  <a:solidFill>
+                    <a:srgbClr val="F0EEF0"/>
+                  </a:solidFill>
+                  <a:latin typeface="Tw Cen MT" panose="020B0602020104020603" pitchFamily="34" charset="0"/>
+                </a:rPr>
+                <a:t>limitek</a:t>
+              </a:r>
+              <a:endParaRPr lang="en-US" sz="2400" b="1" dirty="0">
+                <a:solidFill>
+                  <a:srgbClr val="F0EEF0"/>
+                </a:solidFill>
+                <a:latin typeface="Tw Cen MT" panose="020B0602020104020603" pitchFamily="34" charset="0"/>
+              </a:endParaRPr>
+            </a:p>
+          </p:txBody>
+        </p:sp>
+        <p:pic>
+          <p:nvPicPr>
+            <p:cNvPr id="80" name="Picture 79">
+              <a:extLst>
+                <a:ext uri="{FF2B5EF4-FFF2-40B4-BE49-F238E27FC236}">
+                  <a16:creationId xmlns:a16="http://schemas.microsoft.com/office/drawing/2014/main" id="{29879508-5AD7-4FE2-AD55-8AF69ECDBECE}"/>
+                </a:ext>
+              </a:extLst>
+            </p:cNvPr>
+            <p:cNvPicPr>
+              <a:picLocks noChangeAspect="1"/>
+            </p:cNvPicPr>
+            <p:nvPr/>
+          </p:nvPicPr>
+          <p:blipFill>
+            <a:blip r:embed="rId2">
+              <a:extLst>
+                <a:ext uri="{28A0092B-C50C-407E-A947-70E740481C1C}">
+                  <a14:useLocalDpi xmlns:a14="http://schemas.microsoft.com/office/drawing/2010/main" val="0"/>
+                </a:ext>
+              </a:extLst>
+            </a:blip>
+            <a:stretch>
+              <a:fillRect/>
+            </a:stretch>
+          </p:blipFill>
+          <p:spPr>
+            <a:xfrm rot="16200000">
+              <a:off x="-491912" y="3247473"/>
+              <a:ext cx="530600" cy="530600"/>
+            </a:xfrm>
+            <a:prstGeom prst="rect">
+              <a:avLst/>
+            </a:prstGeom>
+          </p:spPr>
+        </p:pic>
+      </p:grpSp>
+      <p:sp>
+        <p:nvSpPr>
+          <p:cNvPr id="2" name="TextBox 82">
+            <a:extLst>
+              <a:ext uri="{FF2B5EF4-FFF2-40B4-BE49-F238E27FC236}">
+                <a16:creationId xmlns:a16="http://schemas.microsoft.com/office/drawing/2014/main" id="{A240152F-0545-4CC0-90DA-84EC1B8B71FC}"/>
+              </a:ext>
+            </a:extLst>
+          </p:cNvPr>
+          <p:cNvSpPr txBox="1"/>
+          <p:nvPr/>
+        </p:nvSpPr>
+        <p:spPr>
+          <a:xfrm>
+            <a:off x="4482671" y="974355"/>
+            <a:ext cx="4045435" cy="584775"/>
+          </a:xfrm>
+          <a:prstGeom prst="rect">
+            <a:avLst/>
+          </a:prstGeom>
+          <a:noFill/>
+        </p:spPr>
+        <p:txBody>
+          <a:bodyPr wrap="square" rtlCol="0">
+            <a:spAutoFit/>
+          </a:bodyPr>
+          <a:lstStyle/>
+          <a:p>
+            <a:pPr algn="ctr"/>
+            <a:r>
+              <a:rPr lang="en-US" sz="3200" dirty="0" err="1">
+                <a:solidFill>
+                  <a:srgbClr val="03A1A4"/>
+                </a:solidFill>
+                <a:latin typeface="Tw Cen MT" panose="020B0602020104020603" pitchFamily="34" charset="0"/>
+              </a:rPr>
+              <a:t>emulgeátor</a:t>
+            </a:r>
+            <a:r>
+              <a:rPr lang="en-US" sz="3200" dirty="0">
+                <a:solidFill>
+                  <a:srgbClr val="03A1A4"/>
+                </a:solidFill>
+                <a:latin typeface="Tw Cen MT" panose="020B0602020104020603" pitchFamily="34" charset="0"/>
+              </a:rPr>
+              <a:t> </a:t>
+            </a:r>
+            <a:r>
+              <a:rPr lang="en-US" sz="3200" dirty="0" err="1">
+                <a:solidFill>
+                  <a:srgbClr val="03A1A4"/>
+                </a:solidFill>
+                <a:latin typeface="Tw Cen MT" panose="020B0602020104020603" pitchFamily="34" charset="0"/>
+              </a:rPr>
+              <a:t>rendszer</a:t>
+            </a:r>
+            <a:endParaRPr lang="en-US" sz="3200" dirty="0">
+              <a:solidFill>
+                <a:srgbClr val="03A1A4"/>
+              </a:solidFill>
+              <a:latin typeface="Tw Cen MT" panose="020B0602020104020603" pitchFamily="34" charset="0"/>
+            </a:endParaRPr>
+          </a:p>
+        </p:txBody>
+      </p:sp>
+    </p:spTree>
+    <p:extLst>
+      <p:ext uri="{BB962C8B-B14F-4D97-AF65-F5344CB8AC3E}">
+        <p14:creationId xmlns:p14="http://schemas.microsoft.com/office/powerpoint/2010/main" val="3321751172"/>
+      </p:ext>
+    </p:extLst>
+  </p:cSld>
+  <p:clrMapOvr>
+    <a:masterClrMapping/>
+  </p:clrMapOvr>
+  <mc:AlternateContent xmlns:mc="http://schemas.openxmlformats.org/markup-compatibility/2006">
+    <mc:Choice xmlns:p159="http://schemas.microsoft.com/office/powerpoint/2015/09/main" Requires="p159">
+      <p:transition spd="med">
+        <p159:morph option="byObject"/>
+      </p:transition>
+    </mc:Choice>
+    <mc:Fallback>
+      <p:transition spd="med">
+        <p:fade/>
+      </p:transition>
+    </mc:Fallback>
+  </mc:AlternateContent>
+</p:sld>
+</file>
+
+<file path=ppt/slides/slide6.xml><?xml version="1.0" encoding="utf-8"?>
 <p:sld xmlns:a="http://schemas.openxmlformats.org/drawingml/2006/main" xmlns:r="http://schemas.openxmlformats.org/officeDocument/2006/relationships" xmlns:p="http://schemas.openxmlformats.org/presentationml/2006/main">
   <p:cSld>
     <p:spTree>
@@ -20817,7 +20918,7 @@
 </p:sld>
 </file>
 
-<file path=ppt/slides/slide6.xml><?xml version="1.0" encoding="utf-8"?>
+<file path=ppt/slides/slide7.xml><?xml version="1.0" encoding="utf-8"?>
 <p:sld xmlns:a="http://schemas.openxmlformats.org/drawingml/2006/main" xmlns:r="http://schemas.openxmlformats.org/officeDocument/2006/relationships" xmlns:p="http://schemas.openxmlformats.org/presentationml/2006/main">
   <p:cSld>
     <p:spTree>
@@ -24439,7 +24540,7 @@
 </p:sld>
 </file>
 
-<file path=ppt/slides/slide7.xml><?xml version="1.0" encoding="utf-8"?>
+<file path=ppt/slides/slide8.xml><?xml version="1.0" encoding="utf-8"?>
 <p:sld xmlns:a="http://schemas.openxmlformats.org/drawingml/2006/main" xmlns:r="http://schemas.openxmlformats.org/officeDocument/2006/relationships" xmlns:p="http://schemas.openxmlformats.org/presentationml/2006/main">
   <p:cSld>
     <p:spTree>

--- a/emulsion-concentrates-short.pptx
+++ b/emulsion-concentrates-short.pptx
@@ -9,10 +9,9 @@
     <p:sldId id="268" r:id="rId3"/>
     <p:sldId id="269" r:id="rId4"/>
     <p:sldId id="270" r:id="rId5"/>
-    <p:sldId id="274" r:id="rId6"/>
-    <p:sldId id="271" r:id="rId7"/>
-    <p:sldId id="272" r:id="rId8"/>
-    <p:sldId id="273" r:id="rId9"/>
+    <p:sldId id="271" r:id="rId6"/>
+    <p:sldId id="272" r:id="rId7"/>
+    <p:sldId id="273" r:id="rId8"/>
   </p:sldIdLst>
   <p:sldSz cx="12192000" cy="6858000"/>
   <p:notesSz cx="6858000" cy="9144000"/>
@@ -8835,7 +8834,7 @@
                   </a:solidFill>
                   <a:latin typeface="Tw Cen MT" panose="020B0602020104020603" pitchFamily="34" charset="0"/>
                 </a:rPr>
-                <a:t>emulzió</a:t>
+                <a:t>definíció</a:t>
               </a:r>
               <a:endParaRPr lang="en-US" sz="2400" b="1" dirty="0">
                 <a:solidFill>
@@ -12077,7 +12076,7 @@
                   </a:solidFill>
                   <a:latin typeface="Tw Cen MT" panose="020B0602020104020603" pitchFamily="34" charset="0"/>
                 </a:rPr>
-                <a:t>emulzió</a:t>
+                <a:t>definíció</a:t>
               </a:r>
               <a:endParaRPr lang="en-US" sz="2400" b="1" dirty="0">
                 <a:solidFill>
@@ -13560,7 +13559,7 @@
         </p:nvGrpSpPr>
         <p:grpSpPr>
           <a:xfrm>
-            <a:off x="3021802" y="562644"/>
+            <a:off x="3021802" y="452399"/>
             <a:ext cx="5772001" cy="1236861"/>
             <a:chOff x="764723" y="2142394"/>
             <a:chExt cx="5772001" cy="1236861"/>
@@ -13587,7 +13586,7 @@
               <a:avLst/>
             </a:prstGeom>
             <a:solidFill>
-              <a:srgbClr val="FF5969"/>
+              <a:srgbClr val="92D050"/>
             </a:solidFill>
             <a:ln>
               <a:noFill/>
@@ -13620,7 +13619,7 @@
         </p:sp>
         <p:pic>
           <p:nvPicPr>
-            <p:cNvPr id="92" name="Picture 114" descr="Serleg">
+            <p:cNvPr id="92" name="Picture 114" descr="Kémcsövek">
               <a:extLst>
                 <a:ext uri="{FF2B5EF4-FFF2-40B4-BE49-F238E27FC236}">
                   <a16:creationId xmlns:a16="http://schemas.microsoft.com/office/drawing/2014/main" id="{FFC69A14-8AE6-4712-9EA9-C0FA1B3BEA16}"/>
@@ -13687,7 +13686,7 @@
               <a:r>
                 <a:rPr lang="en-US" dirty="0" err="1">
                   <a:solidFill>
-                    <a:srgbClr val="FF5969"/>
+                    <a:srgbClr val="92D050"/>
                   </a:solidFill>
                   <a:latin typeface="Tw Cen MT" panose="020B0602020104020603" pitchFamily="34" charset="0"/>
                 </a:rPr>
@@ -13695,7 +13694,7 @@
               </a:r>
               <a:endParaRPr lang="en-US" dirty="0">
                 <a:solidFill>
-                  <a:srgbClr val="FF5969"/>
+                  <a:srgbClr val="92D050"/>
                 </a:solidFill>
                 <a:latin typeface="Tw Cen MT" panose="020B0602020104020603" pitchFamily="34" charset="0"/>
               </a:endParaRPr>
@@ -14051,7 +14050,7 @@
         </p:nvGrpSpPr>
         <p:grpSpPr>
           <a:xfrm>
-            <a:off x="3062965" y="1956187"/>
+            <a:off x="3062965" y="1956849"/>
             <a:ext cx="3197225" cy="1452305"/>
             <a:chOff x="764723" y="2142394"/>
             <a:chExt cx="3197225" cy="1452305"/>
@@ -14380,7 +14379,7 @@
         </p:nvGrpSpPr>
         <p:grpSpPr>
           <a:xfrm>
-            <a:off x="3063941" y="3606795"/>
+            <a:off x="3045815" y="3541993"/>
             <a:ext cx="3197225" cy="662056"/>
             <a:chOff x="764723" y="2277144"/>
             <a:chExt cx="3197225" cy="662056"/>
@@ -14578,10 +14577,10 @@
         </p:nvGrpSpPr>
         <p:grpSpPr>
           <a:xfrm>
-            <a:off x="3040264" y="4716633"/>
-            <a:ext cx="5821489" cy="1667749"/>
+            <a:off x="3040264" y="4606388"/>
+            <a:ext cx="5821489" cy="1883192"/>
             <a:chOff x="764723" y="2142394"/>
-            <a:chExt cx="5821489" cy="1667749"/>
+            <a:chExt cx="5821489" cy="1883192"/>
           </a:xfrm>
         </p:grpSpPr>
         <p:sp>
@@ -14651,13 +14650,13 @@
             <p:nvPr/>
           </p:nvPicPr>
           <p:blipFill>
-            <a:blip r:embed="rId3">
+            <a:blip r:embed="rId9">
               <a:extLst>
                 <a:ext uri="{28A0092B-C50C-407E-A947-70E740481C1C}">
                   <a14:useLocalDpi xmlns:a14="http://schemas.microsoft.com/office/drawing/2010/main" val="0"/>
                 </a:ext>
                 <a:ext uri="{96DAC541-7B7A-43D3-8B79-37D633B846F1}">
-                  <asvg:svgBlip xmlns:asvg="http://schemas.microsoft.com/office/drawing/2016/SVG/main" r:embed="rId4"/>
+                  <asvg:svgBlip xmlns:asvg="http://schemas.microsoft.com/office/drawing/2016/SVG/main" r:embed="rId10"/>
                 </a:ext>
               </a:extLst>
             </a:blip>
@@ -14753,7 +14752,7 @@
           <p:spPr>
             <a:xfrm>
               <a:off x="1435200" y="2425148"/>
-              <a:ext cx="5151012" cy="1384995"/>
+              <a:ext cx="5151012" cy="1600438"/>
             </a:xfrm>
             <a:prstGeom prst="rect">
               <a:avLst/>
@@ -14773,7 +14772,7 @@
                   </a:solidFill>
                   <a:latin typeface="Tw Cen MT" panose="020B0602020104020603" pitchFamily="34" charset="0"/>
                 </a:rPr>
-                <a:t>habzásgátló, </a:t>
+                <a:t>habzásgátló</a:t>
               </a:r>
               <a:endParaRPr lang="en-US" sz="1400" dirty="0">
                 <a:solidFill>
@@ -14790,7 +14789,7 @@
                   </a:solidFill>
                   <a:latin typeface="Tw Cen MT" panose="020B0602020104020603" pitchFamily="34" charset="0"/>
                 </a:rPr>
-                <a:t>puffer, </a:t>
+                <a:t>puffer</a:t>
               </a:r>
               <a:endParaRPr lang="en-US" sz="1400" dirty="0">
                 <a:solidFill>
@@ -14807,7 +14806,7 @@
                   </a:solidFill>
                   <a:latin typeface="Tw Cen MT" panose="020B0602020104020603" pitchFamily="34" charset="0"/>
                 </a:rPr>
-                <a:t>sűrítő-anyag, </a:t>
+                <a:t>sűrítő-anyag </a:t>
               </a:r>
               <a:endParaRPr lang="en-US" sz="1400" dirty="0">
                 <a:solidFill>
@@ -14824,7 +14823,7 @@
                   </a:solidFill>
                   <a:latin typeface="Tw Cen MT" panose="020B0602020104020603" pitchFamily="34" charset="0"/>
                 </a:rPr>
-                <a:t>stabilizáló (kémiai bomlás fékezésére), </a:t>
+                <a:t>stabilizáló (kémiai bomlás fékezésére) </a:t>
               </a:r>
               <a:endParaRPr lang="en-US" sz="1400" dirty="0">
                 <a:solidFill>
@@ -14852,15 +14851,6 @@
                 </a:rPr>
                 <a:t>adjuváns</a:t>
               </a:r>
-              <a:r>
-                <a:rPr lang="hu-HU" sz="1400" dirty="0">
-                  <a:solidFill>
-                    <a:srgbClr val="5D7373"/>
-                  </a:solidFill>
-                  <a:latin typeface="Tw Cen MT" panose="020B0602020104020603" pitchFamily="34" charset="0"/>
-                </a:rPr>
-                <a:t>, </a:t>
-              </a:r>
               <a:endParaRPr lang="en-US" sz="1400" dirty="0">
                 <a:solidFill>
                   <a:srgbClr val="5D7373"/>
@@ -14876,8 +14866,16 @@
                   </a:solidFill>
                   <a:latin typeface="Tw Cen MT" panose="020B0602020104020603" pitchFamily="34" charset="0"/>
                 </a:rPr>
-                <a:t>fagyásgátló, </a:t>
+                <a:t>fagyásgátló</a:t>
               </a:r>
+              <a:endParaRPr lang="en-US" sz="1400" dirty="0">
+                <a:solidFill>
+                  <a:srgbClr val="5D7373"/>
+                </a:solidFill>
+                <a:latin typeface="Tw Cen MT" panose="020B0602020104020603" pitchFamily="34" charset="0"/>
+              </a:endParaRPr>
+            </a:p>
+            <a:p>
               <a:r>
                 <a:rPr lang="hu-HU" sz="1400" dirty="0" err="1">
                   <a:solidFill>
@@ -15049,21 +15047,30 @@
                             </p:childTnLst>
                           </p:cTn>
                         </p:par>
+                      </p:childTnLst>
+                    </p:cTn>
+                  </p:par>
+                  <p:par>
+                    <p:cTn id="11" fill="hold">
+                      <p:stCondLst>
+                        <p:cond delay="indefinite"/>
+                      </p:stCondLst>
+                      <p:childTnLst>
                         <p:par>
-                          <p:cTn id="11" fill="hold">
+                          <p:cTn id="12" fill="hold">
                             <p:stCondLst>
-                              <p:cond delay="500"/>
+                              <p:cond delay="0"/>
                             </p:stCondLst>
                             <p:childTnLst>
                               <p:par>
-                                <p:cTn id="12" presetID="31" presetClass="entr" presetSubtype="0" fill="hold" nodeType="afterEffect">
+                                <p:cTn id="13" presetID="31" presetClass="entr" presetSubtype="0" fill="hold" nodeType="clickEffect">
                                   <p:stCondLst>
                                     <p:cond delay="0"/>
                                   </p:stCondLst>
                                   <p:childTnLst>
                                     <p:set>
                                       <p:cBhvr>
-                                        <p:cTn id="13" dur="1" fill="hold">
+                                        <p:cTn id="14" dur="1" fill="hold">
                                           <p:stCondLst>
                                             <p:cond delay="0"/>
                                           </p:stCondLst>
@@ -15081,7 +15088,7 @@
                                     </p:set>
                                     <p:anim calcmode="lin" valueType="num">
                                       <p:cBhvr>
-                                        <p:cTn id="14" dur="500" fill="hold"/>
+                                        <p:cTn id="15" dur="500" fill="hold"/>
                                         <p:tgtEl>
                                           <p:spTgt spid="95"/>
                                         </p:tgtEl>
@@ -15104,7 +15111,7 @@
                                     </p:anim>
                                     <p:anim calcmode="lin" valueType="num">
                                       <p:cBhvr>
-                                        <p:cTn id="15" dur="500" fill="hold"/>
+                                        <p:cTn id="16" dur="500" fill="hold"/>
                                         <p:tgtEl>
                                           <p:spTgt spid="95"/>
                                         </p:tgtEl>
@@ -15127,7 +15134,7 @@
                                     </p:anim>
                                     <p:anim calcmode="lin" valueType="num">
                                       <p:cBhvr>
-                                        <p:cTn id="16" dur="500" fill="hold"/>
+                                        <p:cTn id="17" dur="500" fill="hold"/>
                                         <p:tgtEl>
                                           <p:spTgt spid="95"/>
                                         </p:tgtEl>
@@ -15150,7 +15157,7 @@
                                     </p:anim>
                                     <p:animEffect transition="in" filter="fade">
                                       <p:cBhvr>
-                                        <p:cTn id="17" dur="500"/>
+                                        <p:cTn id="18" dur="500"/>
                                         <p:tgtEl>
                                           <p:spTgt spid="95"/>
                                         </p:tgtEl>
@@ -15162,21 +15169,30 @@
                             </p:childTnLst>
                           </p:cTn>
                         </p:par>
+                      </p:childTnLst>
+                    </p:cTn>
+                  </p:par>
+                  <p:par>
+                    <p:cTn id="19" fill="hold">
+                      <p:stCondLst>
+                        <p:cond delay="indefinite"/>
+                      </p:stCondLst>
+                      <p:childTnLst>
                         <p:par>
-                          <p:cTn id="18" fill="hold">
+                          <p:cTn id="20" fill="hold">
                             <p:stCondLst>
-                              <p:cond delay="1000"/>
+                              <p:cond delay="0"/>
                             </p:stCondLst>
                             <p:childTnLst>
                               <p:par>
-                                <p:cTn id="19" presetID="31" presetClass="entr" presetSubtype="0" fill="hold" nodeType="afterEffect">
+                                <p:cTn id="21" presetID="31" presetClass="entr" presetSubtype="0" fill="hold" nodeType="clickEffect">
                                   <p:stCondLst>
                                     <p:cond delay="0"/>
                                   </p:stCondLst>
                                   <p:childTnLst>
                                     <p:set>
                                       <p:cBhvr>
-                                        <p:cTn id="20" dur="1" fill="hold">
+                                        <p:cTn id="22" dur="1" fill="hold">
                                           <p:stCondLst>
                                             <p:cond delay="0"/>
                                           </p:stCondLst>
@@ -15194,7 +15210,7 @@
                                     </p:set>
                                     <p:anim calcmode="lin" valueType="num">
                                       <p:cBhvr>
-                                        <p:cTn id="21" dur="500" fill="hold"/>
+                                        <p:cTn id="23" dur="500" fill="hold"/>
                                         <p:tgtEl>
                                           <p:spTgt spid="127"/>
                                         </p:tgtEl>
@@ -15217,7 +15233,7 @@
                                     </p:anim>
                                     <p:anim calcmode="lin" valueType="num">
                                       <p:cBhvr>
-                                        <p:cTn id="22" dur="500" fill="hold"/>
+                                        <p:cTn id="24" dur="500" fill="hold"/>
                                         <p:tgtEl>
                                           <p:spTgt spid="127"/>
                                         </p:tgtEl>
@@ -15240,7 +15256,7 @@
                                     </p:anim>
                                     <p:anim calcmode="lin" valueType="num">
                                       <p:cBhvr>
-                                        <p:cTn id="23" dur="500" fill="hold"/>
+                                        <p:cTn id="25" dur="500" fill="hold"/>
                                         <p:tgtEl>
                                           <p:spTgt spid="127"/>
                                         </p:tgtEl>
@@ -15263,7 +15279,7 @@
                                     </p:anim>
                                     <p:animEffect transition="in" filter="fade">
                                       <p:cBhvr>
-                                        <p:cTn id="24" dur="500"/>
+                                        <p:cTn id="26" dur="500"/>
                                         <p:tgtEl>
                                           <p:spTgt spid="127"/>
                                         </p:tgtEl>
@@ -15275,21 +15291,30 @@
                             </p:childTnLst>
                           </p:cTn>
                         </p:par>
+                      </p:childTnLst>
+                    </p:cTn>
+                  </p:par>
+                  <p:par>
+                    <p:cTn id="27" fill="hold">
+                      <p:stCondLst>
+                        <p:cond delay="indefinite"/>
+                      </p:stCondLst>
+                      <p:childTnLst>
                         <p:par>
-                          <p:cTn id="25" fill="hold">
+                          <p:cTn id="28" fill="hold">
                             <p:stCondLst>
-                              <p:cond delay="1500"/>
+                              <p:cond delay="0"/>
                             </p:stCondLst>
                             <p:childTnLst>
                               <p:par>
-                                <p:cTn id="26" presetID="31" presetClass="entr" presetSubtype="0" fill="hold" nodeType="afterEffect">
+                                <p:cTn id="29" presetID="31" presetClass="entr" presetSubtype="0" fill="hold" nodeType="clickEffect">
                                   <p:stCondLst>
                                     <p:cond delay="0"/>
                                   </p:stCondLst>
                                   <p:childTnLst>
                                     <p:set>
                                       <p:cBhvr>
-                                        <p:cTn id="27" dur="1" fill="hold">
+                                        <p:cTn id="30" dur="1" fill="hold">
                                           <p:stCondLst>
                                             <p:cond delay="0"/>
                                           </p:stCondLst>
@@ -15307,7 +15332,7 @@
                                     </p:set>
                                     <p:anim calcmode="lin" valueType="num">
                                       <p:cBhvr>
-                                        <p:cTn id="28" dur="500" fill="hold"/>
+                                        <p:cTn id="31" dur="500" fill="hold"/>
                                         <p:tgtEl>
                                           <p:spTgt spid="137"/>
                                         </p:tgtEl>
@@ -15330,7 +15355,7 @@
                                     </p:anim>
                                     <p:anim calcmode="lin" valueType="num">
                                       <p:cBhvr>
-                                        <p:cTn id="29" dur="500" fill="hold"/>
+                                        <p:cTn id="32" dur="500" fill="hold"/>
                                         <p:tgtEl>
                                           <p:spTgt spid="137"/>
                                         </p:tgtEl>
@@ -15353,7 +15378,7 @@
                                     </p:anim>
                                     <p:anim calcmode="lin" valueType="num">
                                       <p:cBhvr>
-                                        <p:cTn id="30" dur="500" fill="hold"/>
+                                        <p:cTn id="33" dur="500" fill="hold"/>
                                         <p:tgtEl>
                                           <p:spTgt spid="137"/>
                                         </p:tgtEl>
@@ -15376,7 +15401,7 @@
                                     </p:anim>
                                     <p:animEffect transition="in" filter="fade">
                                       <p:cBhvr>
-                                        <p:cTn id="31" dur="500"/>
+                                        <p:cTn id="34" dur="500"/>
                                         <p:tgtEl>
                                           <p:spTgt spid="137"/>
                                         </p:tgtEl>
@@ -15438,7 +15463,7 @@
           <p:cNvPr id="50" name="Group 49">
             <a:extLst>
               <a:ext uri="{FF2B5EF4-FFF2-40B4-BE49-F238E27FC236}">
-                <a16:creationId xmlns:a16="http://schemas.microsoft.com/office/drawing/2014/main" id="{038E6734-F7ED-4197-AE1C-DE222063D26D}"/>
+                <a16:creationId xmlns:a16="http://schemas.microsoft.com/office/drawing/2014/main" id="{10781169-B7A4-446E-BD33-B9650367A7F9}"/>
               </a:ext>
             </a:extLst>
           </p:cNvPr>
@@ -15458,7 +15483,7 @@
             <p:cNvPr id="51" name="Rectangle 50">
               <a:extLst>
                 <a:ext uri="{FF2B5EF4-FFF2-40B4-BE49-F238E27FC236}">
-                  <a16:creationId xmlns:a16="http://schemas.microsoft.com/office/drawing/2014/main" id="{B7FF06C6-EDB2-4E2A-B33F-9667DAB48738}"/>
+                  <a16:creationId xmlns:a16="http://schemas.microsoft.com/office/drawing/2014/main" id="{CED3AF08-30FC-4AFF-9C5C-99D0A7099514}"/>
                 </a:ext>
               </a:extLst>
             </p:cNvPr>
@@ -15519,7 +15544,7 @@
             <p:cNvPr id="52" name="Freeform: Shape 51">
               <a:extLst>
                 <a:ext uri="{FF2B5EF4-FFF2-40B4-BE49-F238E27FC236}">
-                  <a16:creationId xmlns:a16="http://schemas.microsoft.com/office/drawing/2014/main" id="{DD389168-73D4-4CCF-B806-15F4C9CFBC65}"/>
+                  <a16:creationId xmlns:a16="http://schemas.microsoft.com/office/drawing/2014/main" id="{99AF1FBA-9557-484A-B305-EE590A192E96}"/>
                 </a:ext>
               </a:extLst>
             </p:cNvPr>
@@ -15626,7 +15651,7 @@
             <p:cNvPr id="53" name="TextBox 52">
               <a:extLst>
                 <a:ext uri="{FF2B5EF4-FFF2-40B4-BE49-F238E27FC236}">
-                  <a16:creationId xmlns:a16="http://schemas.microsoft.com/office/drawing/2014/main" id="{FD36EBE0-2C84-494E-9C0B-54A6EFA86DA6}"/>
+                  <a16:creationId xmlns:a16="http://schemas.microsoft.com/office/drawing/2014/main" id="{407E3AA2-679E-4924-AC1B-FE6C3A02C251}"/>
                 </a:ext>
               </a:extLst>
             </p:cNvPr>
@@ -15657,1807 +15682,7 @@
                   </a:solidFill>
                   <a:latin typeface="Tw Cen MT" panose="020B0602020104020603" pitchFamily="34" charset="0"/>
                 </a:rPr>
-                <a:t>emulzió</a:t>
-              </a:r>
-              <a:endParaRPr lang="en-US" sz="2400" b="1" dirty="0">
-                <a:solidFill>
-                  <a:srgbClr val="F0EEF0"/>
-                </a:solidFill>
-                <a:latin typeface="Tw Cen MT" panose="020B0602020104020603" pitchFamily="34" charset="0"/>
-              </a:endParaRPr>
-            </a:p>
-          </p:txBody>
-        </p:sp>
-        <p:pic>
-          <p:nvPicPr>
-            <p:cNvPr id="54" name="Picture 53">
-              <a:extLst>
-                <a:ext uri="{FF2B5EF4-FFF2-40B4-BE49-F238E27FC236}">
-                  <a16:creationId xmlns:a16="http://schemas.microsoft.com/office/drawing/2014/main" id="{FE3F6E56-804E-434E-AD42-D62A42CB3068}"/>
-                </a:ext>
-              </a:extLst>
-            </p:cNvPr>
-            <p:cNvPicPr>
-              <a:picLocks noChangeAspect="1"/>
-            </p:cNvPicPr>
-            <p:nvPr/>
-          </p:nvPicPr>
-          <p:blipFill>
-            <a:blip r:embed="rId2">
-              <a:extLst>
-                <a:ext uri="{28A0092B-C50C-407E-A947-70E740481C1C}">
-                  <a14:useLocalDpi xmlns:a14="http://schemas.microsoft.com/office/drawing/2010/main" val="0"/>
-                </a:ext>
-              </a:extLst>
-            </a:blip>
-            <a:stretch>
-              <a:fillRect/>
-            </a:stretch>
-          </p:blipFill>
-          <p:spPr>
-            <a:xfrm rot="16200000">
-              <a:off x="11129999" y="3247473"/>
-              <a:ext cx="530600" cy="530600"/>
-            </a:xfrm>
-            <a:prstGeom prst="rect">
-              <a:avLst/>
-            </a:prstGeom>
-          </p:spPr>
-        </p:pic>
-      </p:grpSp>
-      <p:grpSp>
-        <p:nvGrpSpPr>
-          <p:cNvPr id="55" name="Group 54">
-            <a:extLst>
-              <a:ext uri="{FF2B5EF4-FFF2-40B4-BE49-F238E27FC236}">
-                <a16:creationId xmlns:a16="http://schemas.microsoft.com/office/drawing/2014/main" id="{208D727C-49D3-4C59-91D3-816C0DD22E21}"/>
-              </a:ext>
-            </a:extLst>
-          </p:cNvPr>
-          <p:cNvGrpSpPr/>
-          <p:nvPr/>
-        </p:nvGrpSpPr>
-        <p:grpSpPr>
-          <a:xfrm>
-            <a:off x="226788" y="-2"/>
-            <a:ext cx="11447501" cy="6858000"/>
-            <a:chOff x="213096" y="0"/>
-            <a:chExt cx="11447501" cy="6858000"/>
-          </a:xfrm>
-        </p:grpSpPr>
-        <p:sp>
-          <p:nvSpPr>
-            <p:cNvPr id="56" name="Rectangle 55">
-              <a:extLst>
-                <a:ext uri="{FF2B5EF4-FFF2-40B4-BE49-F238E27FC236}">
-                  <a16:creationId xmlns:a16="http://schemas.microsoft.com/office/drawing/2014/main" id="{A369AF8C-7DC3-4D77-B3F1-5B8A444D2822}"/>
-                </a:ext>
-              </a:extLst>
-            </p:cNvPr>
-            <p:cNvSpPr/>
-            <p:nvPr/>
-          </p:nvSpPr>
-          <p:spPr>
-            <a:xfrm>
-              <a:off x="213096" y="0"/>
-              <a:ext cx="11447501" cy="6858000"/>
-            </a:xfrm>
-            <a:prstGeom prst="rect">
-              <a:avLst/>
-            </a:prstGeom>
-            <a:solidFill>
-              <a:srgbClr val="F0EEF0"/>
-            </a:solidFill>
-            <a:ln>
-              <a:noFill/>
-            </a:ln>
-            <a:effectLst>
-              <a:outerShdw blurRad="215900" dist="38100" sx="101000" sy="101000" algn="l" rotWithShape="0">
-                <a:schemeClr val="tx1">
-                  <a:lumMod val="65000"/>
-                  <a:lumOff val="35000"/>
-                  <a:alpha val="35000"/>
-                </a:schemeClr>
-              </a:outerShdw>
-            </a:effectLst>
-          </p:spPr>
-          <p:style>
-            <a:lnRef idx="2">
-              <a:schemeClr val="accent1">
-                <a:shade val="50000"/>
-              </a:schemeClr>
-            </a:lnRef>
-            <a:fillRef idx="1">
-              <a:schemeClr val="accent1"/>
-            </a:fillRef>
-            <a:effectRef idx="0">
-              <a:schemeClr val="accent1"/>
-            </a:effectRef>
-            <a:fontRef idx="minor">
-              <a:schemeClr val="lt1"/>
-            </a:fontRef>
-          </p:style>
-          <p:txBody>
-            <a:bodyPr rtlCol="0" anchor="ctr"/>
-            <a:lstStyle/>
-            <a:p>
-              <a:pPr algn="ctr"/>
-              <a:endParaRPr lang="en-US" dirty="0"/>
-            </a:p>
-          </p:txBody>
-        </p:sp>
-        <p:sp>
-          <p:nvSpPr>
-            <p:cNvPr id="57" name="Freeform: Shape 56">
-              <a:extLst>
-                <a:ext uri="{FF2B5EF4-FFF2-40B4-BE49-F238E27FC236}">
-                  <a16:creationId xmlns:a16="http://schemas.microsoft.com/office/drawing/2014/main" id="{6A173B44-EE6F-4236-9AB2-49524EA553D7}"/>
-                </a:ext>
-              </a:extLst>
-            </p:cNvPr>
-            <p:cNvSpPr/>
-            <p:nvPr/>
-          </p:nvSpPr>
-          <p:spPr>
-            <a:xfrm>
-              <a:off x="10492197" y="2337441"/>
-              <a:ext cx="1168400" cy="2360918"/>
-            </a:xfrm>
-            <a:custGeom>
-              <a:avLst/>
-              <a:gdLst>
-                <a:gd name="connsiteX0" fmla="*/ 1168400 w 1168400"/>
-                <a:gd name="connsiteY0" fmla="*/ 0 h 2360918"/>
-                <a:gd name="connsiteX1" fmla="*/ 1168400 w 1168400"/>
-                <a:gd name="connsiteY1" fmla="*/ 2360918 h 2360918"/>
-                <a:gd name="connsiteX2" fmla="*/ 1060340 w 1168400"/>
-                <a:gd name="connsiteY2" fmla="*/ 2355461 h 2360918"/>
-                <a:gd name="connsiteX3" fmla="*/ 0 w 1168400"/>
-                <a:gd name="connsiteY3" fmla="*/ 1180459 h 2360918"/>
-                <a:gd name="connsiteX4" fmla="*/ 1060340 w 1168400"/>
-                <a:gd name="connsiteY4" fmla="*/ 5457 h 2360918"/>
-              </a:gdLst>
-              <a:ahLst/>
-              <a:cxnLst>
-                <a:cxn ang="0">
-                  <a:pos x="connsiteX0" y="connsiteY0"/>
-                </a:cxn>
-                <a:cxn ang="0">
-                  <a:pos x="connsiteX1" y="connsiteY1"/>
-                </a:cxn>
-                <a:cxn ang="0">
-                  <a:pos x="connsiteX2" y="connsiteY2"/>
-                </a:cxn>
-                <a:cxn ang="0">
-                  <a:pos x="connsiteX3" y="connsiteY3"/>
-                </a:cxn>
-                <a:cxn ang="0">
-                  <a:pos x="connsiteX4" y="connsiteY4"/>
-                </a:cxn>
-              </a:cxnLst>
-              <a:rect l="l" t="t" r="r" b="b"/>
-              <a:pathLst>
-                <a:path w="1168400" h="2360918">
-                  <a:moveTo>
-                    <a:pt x="1168400" y="0"/>
-                  </a:moveTo>
-                  <a:lnTo>
-                    <a:pt x="1168400" y="2360918"/>
-                  </a:lnTo>
-                  <a:lnTo>
-                    <a:pt x="1060340" y="2355461"/>
-                  </a:lnTo>
-                  <a:cubicBezTo>
-                    <a:pt x="464762" y="2294977"/>
-                    <a:pt x="0" y="1791994"/>
-                    <a:pt x="0" y="1180459"/>
-                  </a:cubicBezTo>
-                  <a:cubicBezTo>
-                    <a:pt x="0" y="568924"/>
-                    <a:pt x="464762" y="65941"/>
-                    <a:pt x="1060340" y="5457"/>
-                  </a:cubicBezTo>
-                  <a:close/>
-                </a:path>
-              </a:pathLst>
-            </a:custGeom>
-            <a:solidFill>
-              <a:srgbClr val="52CDC0"/>
-            </a:solidFill>
-            <a:ln>
-              <a:noFill/>
-            </a:ln>
-          </p:spPr>
-          <p:style>
-            <a:lnRef idx="2">
-              <a:schemeClr val="accent1">
-                <a:shade val="50000"/>
-              </a:schemeClr>
-            </a:lnRef>
-            <a:fillRef idx="1">
-              <a:schemeClr val="accent1"/>
-            </a:fillRef>
-            <a:effectRef idx="0">
-              <a:schemeClr val="accent1"/>
-            </a:effectRef>
-            <a:fontRef idx="minor">
-              <a:schemeClr val="lt1"/>
-            </a:fontRef>
-          </p:style>
-          <p:txBody>
-            <a:bodyPr rtlCol="0" anchor="ctr"/>
-            <a:lstStyle/>
-            <a:p>
-              <a:pPr algn="ctr"/>
-              <a:endParaRPr lang="en-US" dirty="0"/>
-            </a:p>
-          </p:txBody>
-        </p:sp>
-        <p:sp>
-          <p:nvSpPr>
-            <p:cNvPr id="58" name="TextBox 57">
-              <a:extLst>
-                <a:ext uri="{FF2B5EF4-FFF2-40B4-BE49-F238E27FC236}">
-                  <a16:creationId xmlns:a16="http://schemas.microsoft.com/office/drawing/2014/main" id="{B40A12D7-9F13-43EC-95DE-B85ADBCAA6B6}"/>
-                </a:ext>
-              </a:extLst>
-            </p:cNvPr>
-            <p:cNvSpPr txBox="1"/>
-            <p:nvPr/>
-          </p:nvSpPr>
-          <p:spPr>
-            <a:xfrm rot="16200000">
-              <a:off x="10341391" y="3198166"/>
-              <a:ext cx="1992086" cy="461665"/>
-            </a:xfrm>
-            <a:prstGeom prst="rect">
-              <a:avLst/>
-            </a:prstGeom>
-            <a:noFill/>
-          </p:spPr>
-          <p:txBody>
-            <a:bodyPr wrap="square" rtlCol="0">
-              <a:spAutoFit/>
-            </a:bodyPr>
-            <a:lstStyle/>
-            <a:p>
-              <a:pPr algn="ctr"/>
-              <a:r>
-                <a:rPr lang="en-US" sz="2400" b="1" dirty="0" err="1">
-                  <a:solidFill>
-                    <a:srgbClr val="F0EEF0"/>
-                  </a:solidFill>
-                  <a:latin typeface="Tw Cen MT" panose="020B0602020104020603" pitchFamily="34" charset="0"/>
-                </a:rPr>
-                <a:t>osztályozás</a:t>
-              </a:r>
-              <a:endParaRPr lang="en-US" sz="2400" b="1" dirty="0">
-                <a:solidFill>
-                  <a:srgbClr val="F0EEF0"/>
-                </a:solidFill>
-                <a:latin typeface="Tw Cen MT" panose="020B0602020104020603" pitchFamily="34" charset="0"/>
-              </a:endParaRPr>
-            </a:p>
-          </p:txBody>
-        </p:sp>
-        <p:pic>
-          <p:nvPicPr>
-            <p:cNvPr id="59" name="Picture 58">
-              <a:extLst>
-                <a:ext uri="{FF2B5EF4-FFF2-40B4-BE49-F238E27FC236}">
-                  <a16:creationId xmlns:a16="http://schemas.microsoft.com/office/drawing/2014/main" id="{BA271034-9DEF-432C-A1F3-B6470D255509}"/>
-                </a:ext>
-              </a:extLst>
-            </p:cNvPr>
-            <p:cNvPicPr>
-              <a:picLocks noChangeAspect="1"/>
-            </p:cNvPicPr>
-            <p:nvPr/>
-          </p:nvPicPr>
-          <p:blipFill>
-            <a:blip r:embed="rId2">
-              <a:extLst>
-                <a:ext uri="{28A0092B-C50C-407E-A947-70E740481C1C}">
-                  <a14:useLocalDpi xmlns:a14="http://schemas.microsoft.com/office/drawing/2010/main" val="0"/>
-                </a:ext>
-              </a:extLst>
-            </a:blip>
-            <a:stretch>
-              <a:fillRect/>
-            </a:stretch>
-          </p:blipFill>
-          <p:spPr>
-            <a:xfrm rot="16200000">
-              <a:off x="10600933" y="3247473"/>
-              <a:ext cx="530600" cy="530600"/>
-            </a:xfrm>
-            <a:prstGeom prst="rect">
-              <a:avLst/>
-            </a:prstGeom>
-          </p:spPr>
-        </p:pic>
-      </p:grpSp>
-      <p:grpSp>
-        <p:nvGrpSpPr>
-          <p:cNvPr id="60" name="Group 59">
-            <a:extLst>
-              <a:ext uri="{FF2B5EF4-FFF2-40B4-BE49-F238E27FC236}">
-                <a16:creationId xmlns:a16="http://schemas.microsoft.com/office/drawing/2014/main" id="{7728BA24-99D1-4E44-98AC-50745A94AD6C}"/>
-              </a:ext>
-            </a:extLst>
-          </p:cNvPr>
-          <p:cNvGrpSpPr/>
-          <p:nvPr/>
-        </p:nvGrpSpPr>
-        <p:grpSpPr>
-          <a:xfrm>
-            <a:off x="1184133" y="0"/>
-            <a:ext cx="9961092" cy="6858000"/>
-            <a:chOff x="491575" y="0"/>
-            <a:chExt cx="9961092" cy="6858000"/>
-          </a:xfrm>
-        </p:grpSpPr>
-        <p:sp>
-          <p:nvSpPr>
-            <p:cNvPr id="61" name="Rectangle 60">
-              <a:extLst>
-                <a:ext uri="{FF2B5EF4-FFF2-40B4-BE49-F238E27FC236}">
-                  <a16:creationId xmlns:a16="http://schemas.microsoft.com/office/drawing/2014/main" id="{1079FD4E-778D-428A-B08F-1B97893971C7}"/>
-                </a:ext>
-              </a:extLst>
-            </p:cNvPr>
-            <p:cNvSpPr/>
-            <p:nvPr/>
-          </p:nvSpPr>
-          <p:spPr>
-            <a:xfrm>
-              <a:off x="491575" y="0"/>
-              <a:ext cx="9961092" cy="6858000"/>
-            </a:xfrm>
-            <a:prstGeom prst="rect">
-              <a:avLst/>
-            </a:prstGeom>
-            <a:solidFill>
-              <a:srgbClr val="F0EEF0"/>
-            </a:solidFill>
-            <a:ln>
-              <a:noFill/>
-            </a:ln>
-            <a:effectLst>
-              <a:outerShdw blurRad="215900" dist="38100" sx="101000" sy="101000" algn="l" rotWithShape="0">
-                <a:schemeClr val="tx1">
-                  <a:lumMod val="65000"/>
-                  <a:lumOff val="35000"/>
-                  <a:alpha val="35000"/>
-                </a:schemeClr>
-              </a:outerShdw>
-            </a:effectLst>
-          </p:spPr>
-          <p:style>
-            <a:lnRef idx="2">
-              <a:schemeClr val="accent1">
-                <a:shade val="50000"/>
-              </a:schemeClr>
-            </a:lnRef>
-            <a:fillRef idx="1">
-              <a:schemeClr val="accent1"/>
-            </a:fillRef>
-            <a:effectRef idx="0">
-              <a:schemeClr val="accent1"/>
-            </a:effectRef>
-            <a:fontRef idx="minor">
-              <a:schemeClr val="lt1"/>
-            </a:fontRef>
-          </p:style>
-          <p:txBody>
-            <a:bodyPr rtlCol="0" anchor="ctr"/>
-            <a:lstStyle/>
-            <a:p>
-              <a:pPr algn="ctr"/>
-              <a:endParaRPr lang="en-US"/>
-            </a:p>
-          </p:txBody>
-        </p:sp>
-        <p:sp>
-          <p:nvSpPr>
-            <p:cNvPr id="62" name="Freeform: Shape 61">
-              <a:extLst>
-                <a:ext uri="{FF2B5EF4-FFF2-40B4-BE49-F238E27FC236}">
-                  <a16:creationId xmlns:a16="http://schemas.microsoft.com/office/drawing/2014/main" id="{67DB4514-65BA-420D-BBB3-CCF0A5B397CB}"/>
-                </a:ext>
-              </a:extLst>
-            </p:cNvPr>
-            <p:cNvSpPr/>
-            <p:nvPr/>
-          </p:nvSpPr>
-          <p:spPr>
-            <a:xfrm>
-              <a:off x="9284267" y="2337440"/>
-              <a:ext cx="1168400" cy="2360918"/>
-            </a:xfrm>
-            <a:custGeom>
-              <a:avLst/>
-              <a:gdLst>
-                <a:gd name="connsiteX0" fmla="*/ 1168400 w 1168400"/>
-                <a:gd name="connsiteY0" fmla="*/ 0 h 2360918"/>
-                <a:gd name="connsiteX1" fmla="*/ 1168400 w 1168400"/>
-                <a:gd name="connsiteY1" fmla="*/ 2360918 h 2360918"/>
-                <a:gd name="connsiteX2" fmla="*/ 1060340 w 1168400"/>
-                <a:gd name="connsiteY2" fmla="*/ 2355461 h 2360918"/>
-                <a:gd name="connsiteX3" fmla="*/ 0 w 1168400"/>
-                <a:gd name="connsiteY3" fmla="*/ 1180459 h 2360918"/>
-                <a:gd name="connsiteX4" fmla="*/ 1060340 w 1168400"/>
-                <a:gd name="connsiteY4" fmla="*/ 5457 h 2360918"/>
-              </a:gdLst>
-              <a:ahLst/>
-              <a:cxnLst>
-                <a:cxn ang="0">
-                  <a:pos x="connsiteX0" y="connsiteY0"/>
-                </a:cxn>
-                <a:cxn ang="0">
-                  <a:pos x="connsiteX1" y="connsiteY1"/>
-                </a:cxn>
-                <a:cxn ang="0">
-                  <a:pos x="connsiteX2" y="connsiteY2"/>
-                </a:cxn>
-                <a:cxn ang="0">
-                  <a:pos x="connsiteX3" y="connsiteY3"/>
-                </a:cxn>
-                <a:cxn ang="0">
-                  <a:pos x="connsiteX4" y="connsiteY4"/>
-                </a:cxn>
-              </a:cxnLst>
-              <a:rect l="l" t="t" r="r" b="b"/>
-              <a:pathLst>
-                <a:path w="1168400" h="2360918">
-                  <a:moveTo>
-                    <a:pt x="1168400" y="0"/>
-                  </a:moveTo>
-                  <a:lnTo>
-                    <a:pt x="1168400" y="2360918"/>
-                  </a:lnTo>
-                  <a:lnTo>
-                    <a:pt x="1060340" y="2355461"/>
-                  </a:lnTo>
-                  <a:cubicBezTo>
-                    <a:pt x="464762" y="2294977"/>
-                    <a:pt x="0" y="1791994"/>
-                    <a:pt x="0" y="1180459"/>
-                  </a:cubicBezTo>
-                  <a:cubicBezTo>
-                    <a:pt x="0" y="568924"/>
-                    <a:pt x="464762" y="65941"/>
-                    <a:pt x="1060340" y="5457"/>
-                  </a:cubicBezTo>
-                  <a:close/>
-                </a:path>
-              </a:pathLst>
-            </a:custGeom>
-            <a:solidFill>
-              <a:srgbClr val="FFC730"/>
-            </a:solidFill>
-            <a:ln>
-              <a:noFill/>
-            </a:ln>
-          </p:spPr>
-          <p:style>
-            <a:lnRef idx="2">
-              <a:schemeClr val="accent1">
-                <a:shade val="50000"/>
-              </a:schemeClr>
-            </a:lnRef>
-            <a:fillRef idx="1">
-              <a:schemeClr val="accent1"/>
-            </a:fillRef>
-            <a:effectRef idx="0">
-              <a:schemeClr val="accent1"/>
-            </a:effectRef>
-            <a:fontRef idx="minor">
-              <a:schemeClr val="lt1"/>
-            </a:fontRef>
-          </p:style>
-          <p:txBody>
-            <a:bodyPr rtlCol="0" anchor="ctr"/>
-            <a:lstStyle/>
-            <a:p>
-              <a:pPr algn="ctr"/>
-              <a:endParaRPr lang="en-US" dirty="0"/>
-            </a:p>
-          </p:txBody>
-        </p:sp>
-        <p:sp>
-          <p:nvSpPr>
-            <p:cNvPr id="63" name="TextBox 62">
-              <a:extLst>
-                <a:ext uri="{FF2B5EF4-FFF2-40B4-BE49-F238E27FC236}">
-                  <a16:creationId xmlns:a16="http://schemas.microsoft.com/office/drawing/2014/main" id="{F86CE46E-7143-4535-BF09-36D36B082851}"/>
-                </a:ext>
-              </a:extLst>
-            </p:cNvPr>
-            <p:cNvSpPr txBox="1"/>
-            <p:nvPr/>
-          </p:nvSpPr>
-          <p:spPr>
-            <a:xfrm rot="16200000">
-              <a:off x="9117129" y="3281943"/>
-              <a:ext cx="1992086" cy="461665"/>
-            </a:xfrm>
-            <a:prstGeom prst="rect">
-              <a:avLst/>
-            </a:prstGeom>
-            <a:noFill/>
-          </p:spPr>
-          <p:txBody>
-            <a:bodyPr wrap="square" rtlCol="0">
-              <a:spAutoFit/>
-            </a:bodyPr>
-            <a:lstStyle/>
-            <a:p>
-              <a:pPr algn="ctr"/>
-              <a:r>
-                <a:rPr lang="en-US" sz="2400" b="1" dirty="0" err="1">
-                  <a:solidFill>
-                    <a:srgbClr val="F0EEF0"/>
-                  </a:solidFill>
-                  <a:latin typeface="Tw Cen MT" panose="020B0602020104020603" pitchFamily="34" charset="0"/>
-                </a:rPr>
-                <a:t>összetétel</a:t>
-              </a:r>
-              <a:endParaRPr lang="en-US" sz="2400" b="1" dirty="0">
-                <a:solidFill>
-                  <a:srgbClr val="F0EEF0"/>
-                </a:solidFill>
-                <a:latin typeface="Tw Cen MT" panose="020B0602020104020603" pitchFamily="34" charset="0"/>
-              </a:endParaRPr>
-            </a:p>
-          </p:txBody>
-        </p:sp>
-        <p:pic>
-          <p:nvPicPr>
-            <p:cNvPr id="64" name="Picture 63">
-              <a:extLst>
-                <a:ext uri="{FF2B5EF4-FFF2-40B4-BE49-F238E27FC236}">
-                  <a16:creationId xmlns:a16="http://schemas.microsoft.com/office/drawing/2014/main" id="{4E9D2CC3-AE8C-4CF7-AC14-0BF3748D6313}"/>
-                </a:ext>
-              </a:extLst>
-            </p:cNvPr>
-            <p:cNvPicPr>
-              <a:picLocks noChangeAspect="1"/>
-            </p:cNvPicPr>
-            <p:nvPr/>
-          </p:nvPicPr>
-          <p:blipFill>
-            <a:blip r:embed="rId2">
-              <a:extLst>
-                <a:ext uri="{28A0092B-C50C-407E-A947-70E740481C1C}">
-                  <a14:useLocalDpi xmlns:a14="http://schemas.microsoft.com/office/drawing/2010/main" val="0"/>
-                </a:ext>
-              </a:extLst>
-            </a:blip>
-            <a:stretch>
-              <a:fillRect/>
-            </a:stretch>
-          </p:blipFill>
-          <p:spPr>
-            <a:xfrm rot="16200000">
-              <a:off x="9385467" y="3247473"/>
-              <a:ext cx="530600" cy="530600"/>
-            </a:xfrm>
-            <a:prstGeom prst="rect">
-              <a:avLst/>
-            </a:prstGeom>
-          </p:spPr>
-        </p:pic>
-      </p:grpSp>
-      <p:grpSp>
-        <p:nvGrpSpPr>
-          <p:cNvPr id="65" name="Group 64">
-            <a:extLst>
-              <a:ext uri="{FF2B5EF4-FFF2-40B4-BE49-F238E27FC236}">
-                <a16:creationId xmlns:a16="http://schemas.microsoft.com/office/drawing/2014/main" id="{2704DBF9-F2DF-4744-9CBE-8384BF790E0F}"/>
-              </a:ext>
-            </a:extLst>
-          </p:cNvPr>
-          <p:cNvGrpSpPr/>
-          <p:nvPr/>
-        </p:nvGrpSpPr>
-        <p:grpSpPr>
-          <a:xfrm>
-            <a:off x="-7985197" y="0"/>
-            <a:ext cx="9574094" cy="6858000"/>
-            <a:chOff x="491575" y="0"/>
-            <a:chExt cx="9574094" cy="6858000"/>
-          </a:xfrm>
-        </p:grpSpPr>
-        <p:sp>
-          <p:nvSpPr>
-            <p:cNvPr id="66" name="Rectangle 65">
-              <a:extLst>
-                <a:ext uri="{FF2B5EF4-FFF2-40B4-BE49-F238E27FC236}">
-                  <a16:creationId xmlns:a16="http://schemas.microsoft.com/office/drawing/2014/main" id="{D409FCBC-490E-4134-BE82-9429CE5AB00A}"/>
-                </a:ext>
-              </a:extLst>
-            </p:cNvPr>
-            <p:cNvSpPr/>
-            <p:nvPr/>
-          </p:nvSpPr>
-          <p:spPr>
-            <a:xfrm>
-              <a:off x="491575" y="0"/>
-              <a:ext cx="9574094" cy="6858000"/>
-            </a:xfrm>
-            <a:prstGeom prst="rect">
-              <a:avLst/>
-            </a:prstGeom>
-            <a:solidFill>
-              <a:srgbClr val="F0EEF0"/>
-            </a:solidFill>
-            <a:ln>
-              <a:noFill/>
-            </a:ln>
-            <a:effectLst>
-              <a:outerShdw blurRad="215900" dist="38100" sx="101000" sy="101000" algn="l" rotWithShape="0">
-                <a:schemeClr val="tx1">
-                  <a:lumMod val="65000"/>
-                  <a:lumOff val="35000"/>
-                  <a:alpha val="35000"/>
-                </a:schemeClr>
-              </a:outerShdw>
-            </a:effectLst>
-          </p:spPr>
-          <p:style>
-            <a:lnRef idx="2">
-              <a:schemeClr val="accent1">
-                <a:shade val="50000"/>
-              </a:schemeClr>
-            </a:lnRef>
-            <a:fillRef idx="1">
-              <a:schemeClr val="accent1"/>
-            </a:fillRef>
-            <a:effectRef idx="0">
-              <a:schemeClr val="accent1"/>
-            </a:effectRef>
-            <a:fontRef idx="minor">
-              <a:schemeClr val="lt1"/>
-            </a:fontRef>
-          </p:style>
-          <p:txBody>
-            <a:bodyPr rtlCol="0" anchor="ctr"/>
-            <a:lstStyle/>
-            <a:p>
-              <a:pPr algn="ctr"/>
-              <a:endParaRPr lang="en-US"/>
-            </a:p>
-          </p:txBody>
-        </p:sp>
-        <p:sp>
-          <p:nvSpPr>
-            <p:cNvPr id="67" name="Freeform: Shape 66">
-              <a:extLst>
-                <a:ext uri="{FF2B5EF4-FFF2-40B4-BE49-F238E27FC236}">
-                  <a16:creationId xmlns:a16="http://schemas.microsoft.com/office/drawing/2014/main" id="{484E2370-4D03-4FD0-B29C-F763767296D4}"/>
-                </a:ext>
-              </a:extLst>
-            </p:cNvPr>
-            <p:cNvSpPr/>
-            <p:nvPr/>
-          </p:nvSpPr>
-          <p:spPr>
-            <a:xfrm>
-              <a:off x="8897260" y="2337440"/>
-              <a:ext cx="1168400" cy="2360918"/>
-            </a:xfrm>
-            <a:custGeom>
-              <a:avLst/>
-              <a:gdLst>
-                <a:gd name="connsiteX0" fmla="*/ 1168400 w 1168400"/>
-                <a:gd name="connsiteY0" fmla="*/ 0 h 2360918"/>
-                <a:gd name="connsiteX1" fmla="*/ 1168400 w 1168400"/>
-                <a:gd name="connsiteY1" fmla="*/ 2360918 h 2360918"/>
-                <a:gd name="connsiteX2" fmla="*/ 1060340 w 1168400"/>
-                <a:gd name="connsiteY2" fmla="*/ 2355461 h 2360918"/>
-                <a:gd name="connsiteX3" fmla="*/ 0 w 1168400"/>
-                <a:gd name="connsiteY3" fmla="*/ 1180459 h 2360918"/>
-                <a:gd name="connsiteX4" fmla="*/ 1060340 w 1168400"/>
-                <a:gd name="connsiteY4" fmla="*/ 5457 h 2360918"/>
-              </a:gdLst>
-              <a:ahLst/>
-              <a:cxnLst>
-                <a:cxn ang="0">
-                  <a:pos x="connsiteX0" y="connsiteY0"/>
-                </a:cxn>
-                <a:cxn ang="0">
-                  <a:pos x="connsiteX1" y="connsiteY1"/>
-                </a:cxn>
-                <a:cxn ang="0">
-                  <a:pos x="connsiteX2" y="connsiteY2"/>
-                </a:cxn>
-                <a:cxn ang="0">
-                  <a:pos x="connsiteX3" y="connsiteY3"/>
-                </a:cxn>
-                <a:cxn ang="0">
-                  <a:pos x="connsiteX4" y="connsiteY4"/>
-                </a:cxn>
-              </a:cxnLst>
-              <a:rect l="l" t="t" r="r" b="b"/>
-              <a:pathLst>
-                <a:path w="1168400" h="2360918">
-                  <a:moveTo>
-                    <a:pt x="1168400" y="0"/>
-                  </a:moveTo>
-                  <a:lnTo>
-                    <a:pt x="1168400" y="2360918"/>
-                  </a:lnTo>
-                  <a:lnTo>
-                    <a:pt x="1060340" y="2355461"/>
-                  </a:lnTo>
-                  <a:cubicBezTo>
-                    <a:pt x="464762" y="2294977"/>
-                    <a:pt x="0" y="1791994"/>
-                    <a:pt x="0" y="1180459"/>
-                  </a:cubicBezTo>
-                  <a:cubicBezTo>
-                    <a:pt x="0" y="568924"/>
-                    <a:pt x="464762" y="65941"/>
-                    <a:pt x="1060340" y="5457"/>
-                  </a:cubicBezTo>
-                  <a:close/>
-                </a:path>
-              </a:pathLst>
-            </a:custGeom>
-            <a:solidFill>
-              <a:srgbClr val="5D7373"/>
-            </a:solidFill>
-            <a:ln>
-              <a:noFill/>
-            </a:ln>
-          </p:spPr>
-          <p:style>
-            <a:lnRef idx="2">
-              <a:schemeClr val="accent1">
-                <a:shade val="50000"/>
-              </a:schemeClr>
-            </a:lnRef>
-            <a:fillRef idx="1">
-              <a:schemeClr val="accent1"/>
-            </a:fillRef>
-            <a:effectRef idx="0">
-              <a:schemeClr val="accent1"/>
-            </a:effectRef>
-            <a:fontRef idx="minor">
-              <a:schemeClr val="lt1"/>
-            </a:fontRef>
-          </p:style>
-          <p:txBody>
-            <a:bodyPr rtlCol="0" anchor="ctr"/>
-            <a:lstStyle/>
-            <a:p>
-              <a:pPr algn="ctr"/>
-              <a:endParaRPr lang="en-US" dirty="0"/>
-            </a:p>
-          </p:txBody>
-        </p:sp>
-        <p:sp>
-          <p:nvSpPr>
-            <p:cNvPr id="68" name="TextBox 67">
-              <a:extLst>
-                <a:ext uri="{FF2B5EF4-FFF2-40B4-BE49-F238E27FC236}">
-                  <a16:creationId xmlns:a16="http://schemas.microsoft.com/office/drawing/2014/main" id="{CE5F8F51-D3FD-42A1-8372-1B4B1B7C336A}"/>
-                </a:ext>
-              </a:extLst>
-            </p:cNvPr>
-            <p:cNvSpPr txBox="1"/>
-            <p:nvPr/>
-          </p:nvSpPr>
-          <p:spPr>
-            <a:xfrm rot="16200000">
-              <a:off x="8746453" y="3281942"/>
-              <a:ext cx="1992086" cy="461665"/>
-            </a:xfrm>
-            <a:prstGeom prst="rect">
-              <a:avLst/>
-            </a:prstGeom>
-            <a:noFill/>
-          </p:spPr>
-          <p:txBody>
-            <a:bodyPr wrap="square" rtlCol="0">
-              <a:spAutoFit/>
-            </a:bodyPr>
-            <a:lstStyle/>
-            <a:p>
-              <a:pPr algn="ctr"/>
-              <a:r>
-                <a:rPr lang="en-US" sz="2400" b="1" dirty="0" err="1">
-                  <a:solidFill>
-                    <a:srgbClr val="F0EEF0"/>
-                  </a:solidFill>
-                  <a:latin typeface="Tw Cen MT" panose="020B0602020104020603" pitchFamily="34" charset="0"/>
-                </a:rPr>
-                <a:t>előállítás</a:t>
-              </a:r>
-              <a:endParaRPr lang="en-US" sz="2400" b="1" dirty="0">
-                <a:solidFill>
-                  <a:srgbClr val="F0EEF0"/>
-                </a:solidFill>
-                <a:latin typeface="Tw Cen MT" panose="020B0602020104020603" pitchFamily="34" charset="0"/>
-              </a:endParaRPr>
-            </a:p>
-          </p:txBody>
-        </p:sp>
-        <p:pic>
-          <p:nvPicPr>
-            <p:cNvPr id="69" name="Picture 68">
-              <a:extLst>
-                <a:ext uri="{FF2B5EF4-FFF2-40B4-BE49-F238E27FC236}">
-                  <a16:creationId xmlns:a16="http://schemas.microsoft.com/office/drawing/2014/main" id="{05E43CA3-886C-4010-B3E2-837CCC6F5160}"/>
-                </a:ext>
-              </a:extLst>
-            </p:cNvPr>
-            <p:cNvPicPr>
-              <a:picLocks noChangeAspect="1"/>
-            </p:cNvPicPr>
-            <p:nvPr/>
-          </p:nvPicPr>
-          <p:blipFill>
-            <a:blip r:embed="rId2">
-              <a:extLst>
-                <a:ext uri="{28A0092B-C50C-407E-A947-70E740481C1C}">
-                  <a14:useLocalDpi xmlns:a14="http://schemas.microsoft.com/office/drawing/2010/main" val="0"/>
-                </a:ext>
-              </a:extLst>
-            </a:blip>
-            <a:stretch>
-              <a:fillRect/>
-            </a:stretch>
-          </p:blipFill>
-          <p:spPr>
-            <a:xfrm rot="16200000">
-              <a:off x="8992269" y="3247473"/>
-              <a:ext cx="530600" cy="530600"/>
-            </a:xfrm>
-            <a:prstGeom prst="rect">
-              <a:avLst/>
-            </a:prstGeom>
-          </p:spPr>
-        </p:pic>
-      </p:grpSp>
-      <p:sp>
-        <p:nvSpPr>
-          <p:cNvPr id="70" name="Rectangle 69">
-            <a:extLst>
-              <a:ext uri="{FF2B5EF4-FFF2-40B4-BE49-F238E27FC236}">
-                <a16:creationId xmlns:a16="http://schemas.microsoft.com/office/drawing/2014/main" id="{87E322DA-3D39-4A36-A521-33E75DDBFF71}"/>
-              </a:ext>
-            </a:extLst>
-          </p:cNvPr>
-          <p:cNvSpPr/>
-          <p:nvPr/>
-        </p:nvSpPr>
-        <p:spPr>
-          <a:xfrm>
-            <a:off x="-7962177" y="-1"/>
-            <a:ext cx="5781368" cy="6858000"/>
-          </a:xfrm>
-          <a:prstGeom prst="rect">
-            <a:avLst/>
-          </a:prstGeom>
-          <a:solidFill>
-            <a:srgbClr val="F0EEF0"/>
-          </a:solidFill>
-          <a:ln>
-            <a:noFill/>
-          </a:ln>
-          <a:effectLst>
-            <a:outerShdw blurRad="215900" dist="38100" sx="101000" sy="101000" algn="l" rotWithShape="0">
-              <a:schemeClr val="tx1">
-                <a:lumMod val="65000"/>
-                <a:lumOff val="35000"/>
-                <a:alpha val="35000"/>
-              </a:schemeClr>
-            </a:outerShdw>
-          </a:effectLst>
-        </p:spPr>
-        <p:style>
-          <a:lnRef idx="2">
-            <a:schemeClr val="accent1">
-              <a:shade val="50000"/>
-            </a:schemeClr>
-          </a:lnRef>
-          <a:fillRef idx="1">
-            <a:schemeClr val="accent1"/>
-          </a:fillRef>
-          <a:effectRef idx="0">
-            <a:schemeClr val="accent1"/>
-          </a:effectRef>
-          <a:fontRef idx="minor">
-            <a:schemeClr val="lt1"/>
-          </a:fontRef>
-        </p:style>
-        <p:txBody>
-          <a:bodyPr rtlCol="0" anchor="ctr"/>
-          <a:lstStyle/>
-          <a:p>
-            <a:pPr algn="ctr"/>
-            <a:endParaRPr lang="en-US"/>
-          </a:p>
-        </p:txBody>
-      </p:sp>
-      <p:grpSp>
-        <p:nvGrpSpPr>
-          <p:cNvPr id="71" name="Group 70">
-            <a:extLst>
-              <a:ext uri="{FF2B5EF4-FFF2-40B4-BE49-F238E27FC236}">
-                <a16:creationId xmlns:a16="http://schemas.microsoft.com/office/drawing/2014/main" id="{831F8BD9-F71B-4D2D-8A60-61BABDC384BB}"/>
-              </a:ext>
-            </a:extLst>
-          </p:cNvPr>
-          <p:cNvGrpSpPr/>
-          <p:nvPr/>
-        </p:nvGrpSpPr>
-        <p:grpSpPr>
-          <a:xfrm>
-            <a:off x="-7638543" y="-1"/>
-            <a:ext cx="8692331" cy="6858000"/>
-            <a:chOff x="718505" y="-1"/>
-            <a:chExt cx="8692331" cy="6858000"/>
-          </a:xfrm>
-        </p:grpSpPr>
-        <p:sp>
-          <p:nvSpPr>
-            <p:cNvPr id="72" name="Rectangle 71">
-              <a:extLst>
-                <a:ext uri="{FF2B5EF4-FFF2-40B4-BE49-F238E27FC236}">
-                  <a16:creationId xmlns:a16="http://schemas.microsoft.com/office/drawing/2014/main" id="{B470067C-2D0B-4A65-B940-C052473E9422}"/>
-                </a:ext>
-              </a:extLst>
-            </p:cNvPr>
-            <p:cNvSpPr/>
-            <p:nvPr/>
-          </p:nvSpPr>
-          <p:spPr>
-            <a:xfrm>
-              <a:off x="718505" y="-1"/>
-              <a:ext cx="8692331" cy="6858000"/>
-            </a:xfrm>
-            <a:prstGeom prst="rect">
-              <a:avLst/>
-            </a:prstGeom>
-            <a:solidFill>
-              <a:srgbClr val="F0EEF0"/>
-            </a:solidFill>
-            <a:ln>
-              <a:noFill/>
-            </a:ln>
-            <a:effectLst>
-              <a:outerShdw blurRad="215900" dist="38100" sx="101000" sy="101000" algn="l" rotWithShape="0">
-                <a:schemeClr val="tx1">
-                  <a:lumMod val="65000"/>
-                  <a:lumOff val="35000"/>
-                  <a:alpha val="35000"/>
-                </a:schemeClr>
-              </a:outerShdw>
-            </a:effectLst>
-          </p:spPr>
-          <p:style>
-            <a:lnRef idx="2">
-              <a:schemeClr val="accent1">
-                <a:shade val="50000"/>
-              </a:schemeClr>
-            </a:lnRef>
-            <a:fillRef idx="1">
-              <a:schemeClr val="accent1"/>
-            </a:fillRef>
-            <a:effectRef idx="0">
-              <a:schemeClr val="accent1"/>
-            </a:effectRef>
-            <a:fontRef idx="minor">
-              <a:schemeClr val="lt1"/>
-            </a:fontRef>
-          </p:style>
-          <p:txBody>
-            <a:bodyPr rtlCol="0" anchor="ctr"/>
-            <a:lstStyle/>
-            <a:p>
-              <a:pPr algn="ctr"/>
-              <a:endParaRPr lang="en-US"/>
-            </a:p>
-          </p:txBody>
-        </p:sp>
-        <p:sp>
-          <p:nvSpPr>
-            <p:cNvPr id="73" name="Freeform: Shape 72">
-              <a:extLst>
-                <a:ext uri="{FF2B5EF4-FFF2-40B4-BE49-F238E27FC236}">
-                  <a16:creationId xmlns:a16="http://schemas.microsoft.com/office/drawing/2014/main" id="{66B5D93C-8112-48DA-975B-9DDD27DEADD9}"/>
-                </a:ext>
-              </a:extLst>
-            </p:cNvPr>
-            <p:cNvSpPr/>
-            <p:nvPr/>
-          </p:nvSpPr>
-          <p:spPr>
-            <a:xfrm>
-              <a:off x="8242436" y="2337439"/>
-              <a:ext cx="1168400" cy="2360918"/>
-            </a:xfrm>
-            <a:custGeom>
-              <a:avLst/>
-              <a:gdLst>
-                <a:gd name="connsiteX0" fmla="*/ 1168400 w 1168400"/>
-                <a:gd name="connsiteY0" fmla="*/ 0 h 2360918"/>
-                <a:gd name="connsiteX1" fmla="*/ 1168400 w 1168400"/>
-                <a:gd name="connsiteY1" fmla="*/ 2360918 h 2360918"/>
-                <a:gd name="connsiteX2" fmla="*/ 1060340 w 1168400"/>
-                <a:gd name="connsiteY2" fmla="*/ 2355461 h 2360918"/>
-                <a:gd name="connsiteX3" fmla="*/ 0 w 1168400"/>
-                <a:gd name="connsiteY3" fmla="*/ 1180459 h 2360918"/>
-                <a:gd name="connsiteX4" fmla="*/ 1060340 w 1168400"/>
-                <a:gd name="connsiteY4" fmla="*/ 5457 h 2360918"/>
-              </a:gdLst>
-              <a:ahLst/>
-              <a:cxnLst>
-                <a:cxn ang="0">
-                  <a:pos x="connsiteX0" y="connsiteY0"/>
-                </a:cxn>
-                <a:cxn ang="0">
-                  <a:pos x="connsiteX1" y="connsiteY1"/>
-                </a:cxn>
-                <a:cxn ang="0">
-                  <a:pos x="connsiteX2" y="connsiteY2"/>
-                </a:cxn>
-                <a:cxn ang="0">
-                  <a:pos x="connsiteX3" y="connsiteY3"/>
-                </a:cxn>
-                <a:cxn ang="0">
-                  <a:pos x="connsiteX4" y="connsiteY4"/>
-                </a:cxn>
-              </a:cxnLst>
-              <a:rect l="l" t="t" r="r" b="b"/>
-              <a:pathLst>
-                <a:path w="1168400" h="2360918">
-                  <a:moveTo>
-                    <a:pt x="1168400" y="0"/>
-                  </a:moveTo>
-                  <a:lnTo>
-                    <a:pt x="1168400" y="2360918"/>
-                  </a:lnTo>
-                  <a:lnTo>
-                    <a:pt x="1060340" y="2355461"/>
-                  </a:lnTo>
-                  <a:cubicBezTo>
-                    <a:pt x="464762" y="2294977"/>
-                    <a:pt x="0" y="1791994"/>
-                    <a:pt x="0" y="1180459"/>
-                  </a:cubicBezTo>
-                  <a:cubicBezTo>
-                    <a:pt x="0" y="568924"/>
-                    <a:pt x="464762" y="65941"/>
-                    <a:pt x="1060340" y="5457"/>
-                  </a:cubicBezTo>
-                  <a:close/>
-                </a:path>
-              </a:pathLst>
-            </a:custGeom>
-            <a:solidFill>
-              <a:srgbClr val="92D050"/>
-            </a:solidFill>
-            <a:ln>
-              <a:noFill/>
-            </a:ln>
-          </p:spPr>
-          <p:style>
-            <a:lnRef idx="2">
-              <a:schemeClr val="accent1">
-                <a:shade val="50000"/>
-              </a:schemeClr>
-            </a:lnRef>
-            <a:fillRef idx="1">
-              <a:schemeClr val="accent1"/>
-            </a:fillRef>
-            <a:effectRef idx="0">
-              <a:schemeClr val="accent1"/>
-            </a:effectRef>
-            <a:fontRef idx="minor">
-              <a:schemeClr val="lt1"/>
-            </a:fontRef>
-          </p:style>
-          <p:txBody>
-            <a:bodyPr rtlCol="0" anchor="ctr"/>
-            <a:lstStyle/>
-            <a:p>
-              <a:pPr algn="ctr"/>
-              <a:endParaRPr lang="en-US" dirty="0"/>
-            </a:p>
-          </p:txBody>
-        </p:sp>
-        <p:sp>
-          <p:nvSpPr>
-            <p:cNvPr id="74" name="TextBox 73">
-              <a:extLst>
-                <a:ext uri="{FF2B5EF4-FFF2-40B4-BE49-F238E27FC236}">
-                  <a16:creationId xmlns:a16="http://schemas.microsoft.com/office/drawing/2014/main" id="{6D3577A8-E9FC-43B7-B3E2-76EDDA51C160}"/>
-                </a:ext>
-              </a:extLst>
-            </p:cNvPr>
-            <p:cNvSpPr txBox="1"/>
-            <p:nvPr/>
-          </p:nvSpPr>
-          <p:spPr>
-            <a:xfrm rot="16200000">
-              <a:off x="8091629" y="3281941"/>
-              <a:ext cx="1992086" cy="461665"/>
-            </a:xfrm>
-            <a:prstGeom prst="rect">
-              <a:avLst/>
-            </a:prstGeom>
-            <a:noFill/>
-          </p:spPr>
-          <p:txBody>
-            <a:bodyPr wrap="square" rtlCol="0">
-              <a:spAutoFit/>
-            </a:bodyPr>
-            <a:lstStyle/>
-            <a:p>
-              <a:pPr algn="ctr"/>
-              <a:r>
-                <a:rPr lang="en-US" sz="2400" b="1" dirty="0" err="1">
-                  <a:solidFill>
-                    <a:srgbClr val="F0EEF0"/>
-                  </a:solidFill>
-                  <a:latin typeface="Tw Cen MT" panose="020B0602020104020603" pitchFamily="34" charset="0"/>
-                </a:rPr>
-                <a:t>tulajdonságok</a:t>
-              </a:r>
-              <a:endParaRPr lang="en-US" sz="2400" b="1" dirty="0">
-                <a:solidFill>
-                  <a:srgbClr val="F0EEF0"/>
-                </a:solidFill>
-                <a:latin typeface="Tw Cen MT" panose="020B0602020104020603" pitchFamily="34" charset="0"/>
-              </a:endParaRPr>
-            </a:p>
-          </p:txBody>
-        </p:sp>
-        <p:pic>
-          <p:nvPicPr>
-            <p:cNvPr id="75" name="Picture 74">
-              <a:extLst>
-                <a:ext uri="{FF2B5EF4-FFF2-40B4-BE49-F238E27FC236}">
-                  <a16:creationId xmlns:a16="http://schemas.microsoft.com/office/drawing/2014/main" id="{36FD3106-E967-44D6-AB4D-A0DA183F7CC8}"/>
-                </a:ext>
-              </a:extLst>
-            </p:cNvPr>
-            <p:cNvPicPr>
-              <a:picLocks noChangeAspect="1"/>
-            </p:cNvPicPr>
-            <p:nvPr/>
-          </p:nvPicPr>
-          <p:blipFill>
-            <a:blip r:embed="rId2">
-              <a:extLst>
-                <a:ext uri="{28A0092B-C50C-407E-A947-70E740481C1C}">
-                  <a14:useLocalDpi xmlns:a14="http://schemas.microsoft.com/office/drawing/2010/main" val="0"/>
-                </a:ext>
-              </a:extLst>
-            </a:blip>
-            <a:stretch>
-              <a:fillRect/>
-            </a:stretch>
-          </p:blipFill>
-          <p:spPr>
-            <a:xfrm rot="16200000">
-              <a:off x="8340472" y="3247473"/>
-              <a:ext cx="530600" cy="530600"/>
-            </a:xfrm>
-            <a:prstGeom prst="rect">
-              <a:avLst/>
-            </a:prstGeom>
-          </p:spPr>
-        </p:pic>
-      </p:grpSp>
-      <p:grpSp>
-        <p:nvGrpSpPr>
-          <p:cNvPr id="76" name="Group 75">
-            <a:extLst>
-              <a:ext uri="{FF2B5EF4-FFF2-40B4-BE49-F238E27FC236}">
-                <a16:creationId xmlns:a16="http://schemas.microsoft.com/office/drawing/2014/main" id="{3E930874-288B-4537-8AA6-A601044D9580}"/>
-              </a:ext>
-            </a:extLst>
-          </p:cNvPr>
-          <p:cNvGrpSpPr/>
-          <p:nvPr/>
-        </p:nvGrpSpPr>
-        <p:grpSpPr>
-          <a:xfrm>
-            <a:off x="-9395082" y="-1"/>
-            <a:ext cx="9927504" cy="6858000"/>
-            <a:chOff x="-9337032" y="-1"/>
-            <a:chExt cx="9927504" cy="6858000"/>
-          </a:xfrm>
-        </p:grpSpPr>
-        <p:sp>
-          <p:nvSpPr>
-            <p:cNvPr id="77" name="Rectangle 76">
-              <a:extLst>
-                <a:ext uri="{FF2B5EF4-FFF2-40B4-BE49-F238E27FC236}">
-                  <a16:creationId xmlns:a16="http://schemas.microsoft.com/office/drawing/2014/main" id="{225CDF0F-0FD1-40B0-BD29-F7D200A3A066}"/>
-                </a:ext>
-              </a:extLst>
-            </p:cNvPr>
-            <p:cNvSpPr/>
-            <p:nvPr/>
-          </p:nvSpPr>
-          <p:spPr>
-            <a:xfrm>
-              <a:off x="-9337032" y="-1"/>
-              <a:ext cx="9923504" cy="6858000"/>
-            </a:xfrm>
-            <a:prstGeom prst="rect">
-              <a:avLst/>
-            </a:prstGeom>
-            <a:solidFill>
-              <a:srgbClr val="F0EEF0"/>
-            </a:solidFill>
-            <a:ln>
-              <a:noFill/>
-            </a:ln>
-            <a:effectLst>
-              <a:outerShdw blurRad="215900" dist="38100" sx="101000" sy="101000" algn="l" rotWithShape="0">
-                <a:schemeClr val="tx1">
-                  <a:lumMod val="65000"/>
-                  <a:lumOff val="35000"/>
-                  <a:alpha val="35000"/>
-                </a:schemeClr>
-              </a:outerShdw>
-            </a:effectLst>
-          </p:spPr>
-          <p:style>
-            <a:lnRef idx="2">
-              <a:schemeClr val="accent1">
-                <a:shade val="50000"/>
-              </a:schemeClr>
-            </a:lnRef>
-            <a:fillRef idx="1">
-              <a:schemeClr val="accent1"/>
-            </a:fillRef>
-            <a:effectRef idx="0">
-              <a:schemeClr val="accent1"/>
-            </a:effectRef>
-            <a:fontRef idx="minor">
-              <a:schemeClr val="lt1"/>
-            </a:fontRef>
-          </p:style>
-          <p:txBody>
-            <a:bodyPr rtlCol="0" anchor="ctr"/>
-            <a:lstStyle/>
-            <a:p>
-              <a:pPr algn="ctr"/>
-              <a:endParaRPr lang="en-US" dirty="0"/>
-            </a:p>
-          </p:txBody>
-        </p:sp>
-        <p:sp>
-          <p:nvSpPr>
-            <p:cNvPr id="78" name="Freeform: Shape 77">
-              <a:extLst>
-                <a:ext uri="{FF2B5EF4-FFF2-40B4-BE49-F238E27FC236}">
-                  <a16:creationId xmlns:a16="http://schemas.microsoft.com/office/drawing/2014/main" id="{A02216B9-43DC-4135-9F3E-7EFEAD2EB420}"/>
-                </a:ext>
-              </a:extLst>
-            </p:cNvPr>
-            <p:cNvSpPr/>
-            <p:nvPr/>
-          </p:nvSpPr>
-          <p:spPr>
-            <a:xfrm>
-              <a:off x="-577928" y="2337438"/>
-              <a:ext cx="1168400" cy="2360918"/>
-            </a:xfrm>
-            <a:custGeom>
-              <a:avLst/>
-              <a:gdLst>
-                <a:gd name="connsiteX0" fmla="*/ 1168400 w 1168400"/>
-                <a:gd name="connsiteY0" fmla="*/ 0 h 2360918"/>
-                <a:gd name="connsiteX1" fmla="*/ 1168400 w 1168400"/>
-                <a:gd name="connsiteY1" fmla="*/ 2360918 h 2360918"/>
-                <a:gd name="connsiteX2" fmla="*/ 1060340 w 1168400"/>
-                <a:gd name="connsiteY2" fmla="*/ 2355461 h 2360918"/>
-                <a:gd name="connsiteX3" fmla="*/ 0 w 1168400"/>
-                <a:gd name="connsiteY3" fmla="*/ 1180459 h 2360918"/>
-                <a:gd name="connsiteX4" fmla="*/ 1060340 w 1168400"/>
-                <a:gd name="connsiteY4" fmla="*/ 5457 h 2360918"/>
-              </a:gdLst>
-              <a:ahLst/>
-              <a:cxnLst>
-                <a:cxn ang="0">
-                  <a:pos x="connsiteX0" y="connsiteY0"/>
-                </a:cxn>
-                <a:cxn ang="0">
-                  <a:pos x="connsiteX1" y="connsiteY1"/>
-                </a:cxn>
-                <a:cxn ang="0">
-                  <a:pos x="connsiteX2" y="connsiteY2"/>
-                </a:cxn>
-                <a:cxn ang="0">
-                  <a:pos x="connsiteX3" y="connsiteY3"/>
-                </a:cxn>
-                <a:cxn ang="0">
-                  <a:pos x="connsiteX4" y="connsiteY4"/>
-                </a:cxn>
-              </a:cxnLst>
-              <a:rect l="l" t="t" r="r" b="b"/>
-              <a:pathLst>
-                <a:path w="1168400" h="2360918">
-                  <a:moveTo>
-                    <a:pt x="1168400" y="0"/>
-                  </a:moveTo>
-                  <a:lnTo>
-                    <a:pt x="1168400" y="2360918"/>
-                  </a:lnTo>
-                  <a:lnTo>
-                    <a:pt x="1060340" y="2355461"/>
-                  </a:lnTo>
-                  <a:cubicBezTo>
-                    <a:pt x="464762" y="2294977"/>
-                    <a:pt x="0" y="1791994"/>
-                    <a:pt x="0" y="1180459"/>
-                  </a:cubicBezTo>
-                  <a:cubicBezTo>
-                    <a:pt x="0" y="568924"/>
-                    <a:pt x="464762" y="65941"/>
-                    <a:pt x="1060340" y="5457"/>
-                  </a:cubicBezTo>
-                  <a:close/>
-                </a:path>
-              </a:pathLst>
-            </a:custGeom>
-            <a:solidFill>
-              <a:srgbClr val="00A0A8"/>
-            </a:solidFill>
-            <a:ln>
-              <a:noFill/>
-            </a:ln>
-          </p:spPr>
-          <p:style>
-            <a:lnRef idx="2">
-              <a:schemeClr val="accent1">
-                <a:shade val="50000"/>
-              </a:schemeClr>
-            </a:lnRef>
-            <a:fillRef idx="1">
-              <a:schemeClr val="accent1"/>
-            </a:fillRef>
-            <a:effectRef idx="0">
-              <a:schemeClr val="accent1"/>
-            </a:effectRef>
-            <a:fontRef idx="minor">
-              <a:schemeClr val="lt1"/>
-            </a:fontRef>
-          </p:style>
-          <p:txBody>
-            <a:bodyPr rtlCol="0" anchor="ctr"/>
-            <a:lstStyle/>
-            <a:p>
-              <a:pPr algn="ctr"/>
-              <a:endParaRPr lang="en-US" dirty="0"/>
-            </a:p>
-          </p:txBody>
-        </p:sp>
-        <p:sp>
-          <p:nvSpPr>
-            <p:cNvPr id="79" name="TextBox 78">
-              <a:extLst>
-                <a:ext uri="{FF2B5EF4-FFF2-40B4-BE49-F238E27FC236}">
-                  <a16:creationId xmlns:a16="http://schemas.microsoft.com/office/drawing/2014/main" id="{37342E0B-2429-4B98-AF6A-1DB087CBDE83}"/>
-                </a:ext>
-              </a:extLst>
-            </p:cNvPr>
-            <p:cNvSpPr txBox="1"/>
-            <p:nvPr/>
-          </p:nvSpPr>
-          <p:spPr>
-            <a:xfrm rot="16200000">
-              <a:off x="-738260" y="3281940"/>
-              <a:ext cx="1992086" cy="461665"/>
-            </a:xfrm>
-            <a:prstGeom prst="rect">
-              <a:avLst/>
-            </a:prstGeom>
-            <a:noFill/>
-          </p:spPr>
-          <p:txBody>
-            <a:bodyPr wrap="square" rtlCol="0">
-              <a:spAutoFit/>
-            </a:bodyPr>
-            <a:lstStyle/>
-            <a:p>
-              <a:pPr algn="ctr"/>
-              <a:r>
-                <a:rPr lang="en-US" sz="2400" b="1" dirty="0" err="1">
-                  <a:solidFill>
-                    <a:srgbClr val="F0EEF0"/>
-                  </a:solidFill>
-                  <a:latin typeface="Tw Cen MT" panose="020B0602020104020603" pitchFamily="34" charset="0"/>
-                </a:rPr>
-                <a:t>limitek</a:t>
-              </a:r>
-              <a:endParaRPr lang="en-US" sz="2400" b="1" dirty="0">
-                <a:solidFill>
-                  <a:srgbClr val="F0EEF0"/>
-                </a:solidFill>
-                <a:latin typeface="Tw Cen MT" panose="020B0602020104020603" pitchFamily="34" charset="0"/>
-              </a:endParaRPr>
-            </a:p>
-          </p:txBody>
-        </p:sp>
-        <p:pic>
-          <p:nvPicPr>
-            <p:cNvPr id="80" name="Picture 79">
-              <a:extLst>
-                <a:ext uri="{FF2B5EF4-FFF2-40B4-BE49-F238E27FC236}">
-                  <a16:creationId xmlns:a16="http://schemas.microsoft.com/office/drawing/2014/main" id="{29879508-5AD7-4FE2-AD55-8AF69ECDBECE}"/>
-                </a:ext>
-              </a:extLst>
-            </p:cNvPr>
-            <p:cNvPicPr>
-              <a:picLocks noChangeAspect="1"/>
-            </p:cNvPicPr>
-            <p:nvPr/>
-          </p:nvPicPr>
-          <p:blipFill>
-            <a:blip r:embed="rId2">
-              <a:extLst>
-                <a:ext uri="{28A0092B-C50C-407E-A947-70E740481C1C}">
-                  <a14:useLocalDpi xmlns:a14="http://schemas.microsoft.com/office/drawing/2010/main" val="0"/>
-                </a:ext>
-              </a:extLst>
-            </a:blip>
-            <a:stretch>
-              <a:fillRect/>
-            </a:stretch>
-          </p:blipFill>
-          <p:spPr>
-            <a:xfrm rot="16200000">
-              <a:off x="-491912" y="3247473"/>
-              <a:ext cx="530600" cy="530600"/>
-            </a:xfrm>
-            <a:prstGeom prst="rect">
-              <a:avLst/>
-            </a:prstGeom>
-          </p:spPr>
-        </p:pic>
-      </p:grpSp>
-      <p:sp>
-        <p:nvSpPr>
-          <p:cNvPr id="2" name="TextBox 82">
-            <a:extLst>
-              <a:ext uri="{FF2B5EF4-FFF2-40B4-BE49-F238E27FC236}">
-                <a16:creationId xmlns:a16="http://schemas.microsoft.com/office/drawing/2014/main" id="{A240152F-0545-4CC0-90DA-84EC1B8B71FC}"/>
-              </a:ext>
-            </a:extLst>
-          </p:cNvPr>
-          <p:cNvSpPr txBox="1"/>
-          <p:nvPr/>
-        </p:nvSpPr>
-        <p:spPr>
-          <a:xfrm>
-            <a:off x="4482671" y="974355"/>
-            <a:ext cx="4045435" cy="584775"/>
-          </a:xfrm>
-          <a:prstGeom prst="rect">
-            <a:avLst/>
-          </a:prstGeom>
-          <a:noFill/>
-        </p:spPr>
-        <p:txBody>
-          <a:bodyPr wrap="square" rtlCol="0">
-            <a:spAutoFit/>
-          </a:bodyPr>
-          <a:lstStyle/>
-          <a:p>
-            <a:pPr algn="ctr"/>
-            <a:r>
-              <a:rPr lang="en-US" sz="3200" dirty="0" err="1">
-                <a:solidFill>
-                  <a:srgbClr val="03A1A4"/>
-                </a:solidFill>
-                <a:latin typeface="Tw Cen MT" panose="020B0602020104020603" pitchFamily="34" charset="0"/>
-              </a:rPr>
-              <a:t>emulgeátor</a:t>
-            </a:r>
-            <a:r>
-              <a:rPr lang="en-US" sz="3200" dirty="0">
-                <a:solidFill>
-                  <a:srgbClr val="03A1A4"/>
-                </a:solidFill>
-                <a:latin typeface="Tw Cen MT" panose="020B0602020104020603" pitchFamily="34" charset="0"/>
-              </a:rPr>
-              <a:t> </a:t>
-            </a:r>
-            <a:r>
-              <a:rPr lang="en-US" sz="3200" dirty="0" err="1">
-                <a:solidFill>
-                  <a:srgbClr val="03A1A4"/>
-                </a:solidFill>
-                <a:latin typeface="Tw Cen MT" panose="020B0602020104020603" pitchFamily="34" charset="0"/>
-              </a:rPr>
-              <a:t>rendszer</a:t>
-            </a:r>
-            <a:endParaRPr lang="en-US" sz="3200" dirty="0">
-              <a:solidFill>
-                <a:srgbClr val="03A1A4"/>
-              </a:solidFill>
-              <a:latin typeface="Tw Cen MT" panose="020B0602020104020603" pitchFamily="34" charset="0"/>
-            </a:endParaRPr>
-          </a:p>
-        </p:txBody>
-      </p:sp>
-    </p:spTree>
-    <p:extLst>
-      <p:ext uri="{BB962C8B-B14F-4D97-AF65-F5344CB8AC3E}">
-        <p14:creationId xmlns:p14="http://schemas.microsoft.com/office/powerpoint/2010/main" val="3321751172"/>
-      </p:ext>
-    </p:extLst>
-  </p:cSld>
-  <p:clrMapOvr>
-    <a:masterClrMapping/>
-  </p:clrMapOvr>
-  <mc:AlternateContent xmlns:mc="http://schemas.openxmlformats.org/markup-compatibility/2006">
-    <mc:Choice xmlns:p159="http://schemas.microsoft.com/office/powerpoint/2015/09/main" Requires="p159">
-      <p:transition spd="med">
-        <p159:morph option="byObject"/>
-      </p:transition>
-    </mc:Choice>
-    <mc:Fallback>
-      <p:transition spd="med">
-        <p:fade/>
-      </p:transition>
-    </mc:Fallback>
-  </mc:AlternateContent>
-</p:sld>
-</file>
-
-<file path=ppt/slides/slide6.xml><?xml version="1.0" encoding="utf-8"?>
-<p:sld xmlns:a="http://schemas.openxmlformats.org/drawingml/2006/main" xmlns:r="http://schemas.openxmlformats.org/officeDocument/2006/relationships" xmlns:p="http://schemas.openxmlformats.org/presentationml/2006/main">
-  <p:cSld>
-    <p:spTree>
-      <p:nvGrpSpPr>
-        <p:cNvPr id="1" name=""/>
-        <p:cNvGrpSpPr/>
-        <p:nvPr/>
-      </p:nvGrpSpPr>
-      <p:grpSpPr>
-        <a:xfrm>
-          <a:off x="0" y="0"/>
-          <a:ext cx="0" cy="0"/>
-          <a:chOff x="0" y="0"/>
-          <a:chExt cx="0" cy="0"/>
-        </a:xfrm>
-      </p:grpSpPr>
-      <p:grpSp>
-        <p:nvGrpSpPr>
-          <p:cNvPr id="50" name="Group 49">
-            <a:extLst>
-              <a:ext uri="{FF2B5EF4-FFF2-40B4-BE49-F238E27FC236}">
-                <a16:creationId xmlns:a16="http://schemas.microsoft.com/office/drawing/2014/main" id="{10781169-B7A4-446E-BD33-B9650367A7F9}"/>
-              </a:ext>
-            </a:extLst>
-          </p:cNvPr>
-          <p:cNvGrpSpPr/>
-          <p:nvPr/>
-        </p:nvGrpSpPr>
-        <p:grpSpPr>
-          <a:xfrm>
-            <a:off x="-290920" y="0"/>
-            <a:ext cx="12482920" cy="6858000"/>
-            <a:chOff x="-290920" y="0"/>
-            <a:chExt cx="12482920" cy="6858000"/>
-          </a:xfrm>
-        </p:grpSpPr>
-        <p:sp>
-          <p:nvSpPr>
-            <p:cNvPr id="51" name="Rectangle 50">
-              <a:extLst>
-                <a:ext uri="{FF2B5EF4-FFF2-40B4-BE49-F238E27FC236}">
-                  <a16:creationId xmlns:a16="http://schemas.microsoft.com/office/drawing/2014/main" id="{CED3AF08-30FC-4AFF-9C5C-99D0A7099514}"/>
-                </a:ext>
-              </a:extLst>
-            </p:cNvPr>
-            <p:cNvSpPr/>
-            <p:nvPr/>
-          </p:nvSpPr>
-          <p:spPr>
-            <a:xfrm>
-              <a:off x="-290920" y="0"/>
-              <a:ext cx="12482920" cy="6858000"/>
-            </a:xfrm>
-            <a:prstGeom prst="rect">
-              <a:avLst/>
-            </a:prstGeom>
-            <a:solidFill>
-              <a:srgbClr val="F0EEF0"/>
-            </a:solidFill>
-            <a:ln>
-              <a:noFill/>
-            </a:ln>
-            <a:effectLst>
-              <a:outerShdw blurRad="215900" dist="38100" sx="101000" sy="101000" algn="l" rotWithShape="0">
-                <a:schemeClr val="tx1">
-                  <a:lumMod val="65000"/>
-                  <a:lumOff val="35000"/>
-                  <a:alpha val="35000"/>
-                </a:schemeClr>
-              </a:outerShdw>
-            </a:effectLst>
-          </p:spPr>
-          <p:style>
-            <a:lnRef idx="2">
-              <a:schemeClr val="accent1">
-                <a:shade val="50000"/>
-              </a:schemeClr>
-            </a:lnRef>
-            <a:fillRef idx="1">
-              <a:schemeClr val="accent1"/>
-            </a:fillRef>
-            <a:effectRef idx="0">
-              <a:schemeClr val="accent1"/>
-            </a:effectRef>
-            <a:fontRef idx="minor">
-              <a:schemeClr val="lt1"/>
-            </a:fontRef>
-          </p:style>
-          <p:txBody>
-            <a:bodyPr rtlCol="0" anchor="ctr"/>
-            <a:lstStyle/>
-            <a:p>
-              <a:pPr algn="ctr"/>
-              <a:endParaRPr lang="en-US" dirty="0"/>
-            </a:p>
-          </p:txBody>
-        </p:sp>
-        <p:sp>
-          <p:nvSpPr>
-            <p:cNvPr id="52" name="Freeform: Shape 51">
-              <a:extLst>
-                <a:ext uri="{FF2B5EF4-FFF2-40B4-BE49-F238E27FC236}">
-                  <a16:creationId xmlns:a16="http://schemas.microsoft.com/office/drawing/2014/main" id="{99AF1FBA-9557-484A-B305-EE590A192E96}"/>
-                </a:ext>
-              </a:extLst>
-            </p:cNvPr>
-            <p:cNvSpPr/>
-            <p:nvPr/>
-          </p:nvSpPr>
-          <p:spPr>
-            <a:xfrm>
-              <a:off x="11023600" y="2337441"/>
-              <a:ext cx="1168400" cy="2360918"/>
-            </a:xfrm>
-            <a:custGeom>
-              <a:avLst/>
-              <a:gdLst>
-                <a:gd name="connsiteX0" fmla="*/ 1168400 w 1168400"/>
-                <a:gd name="connsiteY0" fmla="*/ 0 h 2360918"/>
-                <a:gd name="connsiteX1" fmla="*/ 1168400 w 1168400"/>
-                <a:gd name="connsiteY1" fmla="*/ 2360918 h 2360918"/>
-                <a:gd name="connsiteX2" fmla="*/ 1060340 w 1168400"/>
-                <a:gd name="connsiteY2" fmla="*/ 2355461 h 2360918"/>
-                <a:gd name="connsiteX3" fmla="*/ 0 w 1168400"/>
-                <a:gd name="connsiteY3" fmla="*/ 1180459 h 2360918"/>
-                <a:gd name="connsiteX4" fmla="*/ 1060340 w 1168400"/>
-                <a:gd name="connsiteY4" fmla="*/ 5457 h 2360918"/>
-              </a:gdLst>
-              <a:ahLst/>
-              <a:cxnLst>
-                <a:cxn ang="0">
-                  <a:pos x="connsiteX0" y="connsiteY0"/>
-                </a:cxn>
-                <a:cxn ang="0">
-                  <a:pos x="connsiteX1" y="connsiteY1"/>
-                </a:cxn>
-                <a:cxn ang="0">
-                  <a:pos x="connsiteX2" y="connsiteY2"/>
-                </a:cxn>
-                <a:cxn ang="0">
-                  <a:pos x="connsiteX3" y="connsiteY3"/>
-                </a:cxn>
-                <a:cxn ang="0">
-                  <a:pos x="connsiteX4" y="connsiteY4"/>
-                </a:cxn>
-              </a:cxnLst>
-              <a:rect l="l" t="t" r="r" b="b"/>
-              <a:pathLst>
-                <a:path w="1168400" h="2360918">
-                  <a:moveTo>
-                    <a:pt x="1168400" y="0"/>
-                  </a:moveTo>
-                  <a:lnTo>
-                    <a:pt x="1168400" y="2360918"/>
-                  </a:lnTo>
-                  <a:lnTo>
-                    <a:pt x="1060340" y="2355461"/>
-                  </a:lnTo>
-                  <a:cubicBezTo>
-                    <a:pt x="464762" y="2294977"/>
-                    <a:pt x="0" y="1791994"/>
-                    <a:pt x="0" y="1180459"/>
-                  </a:cubicBezTo>
-                  <a:cubicBezTo>
-                    <a:pt x="0" y="568924"/>
-                    <a:pt x="464762" y="65941"/>
-                    <a:pt x="1060340" y="5457"/>
-                  </a:cubicBezTo>
-                  <a:close/>
-                </a:path>
-              </a:pathLst>
-            </a:custGeom>
-            <a:solidFill>
-              <a:srgbClr val="FF5969"/>
-            </a:solidFill>
-            <a:ln>
-              <a:noFill/>
-            </a:ln>
-          </p:spPr>
-          <p:style>
-            <a:lnRef idx="2">
-              <a:schemeClr val="accent1">
-                <a:shade val="50000"/>
-              </a:schemeClr>
-            </a:lnRef>
-            <a:fillRef idx="1">
-              <a:schemeClr val="accent1"/>
-            </a:fillRef>
-            <a:effectRef idx="0">
-              <a:schemeClr val="accent1"/>
-            </a:effectRef>
-            <a:fontRef idx="minor">
-              <a:schemeClr val="lt1"/>
-            </a:fontRef>
-          </p:style>
-          <p:txBody>
-            <a:bodyPr rtlCol="0" anchor="ctr"/>
-            <a:lstStyle/>
-            <a:p>
-              <a:pPr algn="ctr"/>
-              <a:endParaRPr lang="en-US"/>
-            </a:p>
-          </p:txBody>
-        </p:sp>
-        <p:sp>
-          <p:nvSpPr>
-            <p:cNvPr id="53" name="TextBox 52">
-              <a:extLst>
-                <a:ext uri="{FF2B5EF4-FFF2-40B4-BE49-F238E27FC236}">
-                  <a16:creationId xmlns:a16="http://schemas.microsoft.com/office/drawing/2014/main" id="{407E3AA2-679E-4924-AC1B-FE6C3A02C251}"/>
-                </a:ext>
-              </a:extLst>
-            </p:cNvPr>
-            <p:cNvSpPr txBox="1"/>
-            <p:nvPr/>
-          </p:nvSpPr>
-          <p:spPr>
-            <a:xfrm rot="16200000">
-              <a:off x="10872792" y="3287066"/>
-              <a:ext cx="1992086" cy="461665"/>
-            </a:xfrm>
-            <a:prstGeom prst="rect">
-              <a:avLst/>
-            </a:prstGeom>
-            <a:noFill/>
-          </p:spPr>
-          <p:txBody>
-            <a:bodyPr wrap="square" rtlCol="0">
-              <a:spAutoFit/>
-            </a:bodyPr>
-            <a:lstStyle/>
-            <a:p>
-              <a:pPr algn="ctr"/>
-              <a:r>
-                <a:rPr lang="en-US" sz="2400" b="1" dirty="0" err="1">
-                  <a:solidFill>
-                    <a:srgbClr val="F0EEF0"/>
-                  </a:solidFill>
-                  <a:latin typeface="Tw Cen MT" panose="020B0602020104020603" pitchFamily="34" charset="0"/>
-                </a:rPr>
-                <a:t>emulzió</a:t>
+                <a:t>definíció</a:t>
               </a:r>
               <a:endParaRPr lang="en-US" sz="2400" b="1" dirty="0">
                 <a:solidFill>
@@ -18926,1124 +17151,6 @@
           </p:spPr>
         </p:pic>
       </p:grpSp>
-      <p:grpSp>
-        <p:nvGrpSpPr>
-          <p:cNvPr id="100" name="Group 99">
-            <a:extLst>
-              <a:ext uri="{FF2B5EF4-FFF2-40B4-BE49-F238E27FC236}">
-                <a16:creationId xmlns:a16="http://schemas.microsoft.com/office/drawing/2014/main" id="{CC89FF31-8612-4FD2-9987-7B2B659E4399}"/>
-              </a:ext>
-            </a:extLst>
-          </p:cNvPr>
-          <p:cNvGrpSpPr/>
-          <p:nvPr/>
-        </p:nvGrpSpPr>
-        <p:grpSpPr>
-          <a:xfrm>
-            <a:off x="1590156" y="1623565"/>
-            <a:ext cx="2017224" cy="2017224"/>
-            <a:chOff x="1466851" y="1754971"/>
-            <a:chExt cx="2362200" cy="2362200"/>
-          </a:xfrm>
-        </p:grpSpPr>
-        <p:sp>
-          <p:nvSpPr>
-            <p:cNvPr id="101" name="Oval 100">
-              <a:extLst>
-                <a:ext uri="{FF2B5EF4-FFF2-40B4-BE49-F238E27FC236}">
-                  <a16:creationId xmlns:a16="http://schemas.microsoft.com/office/drawing/2014/main" id="{8A4AD62D-BD7E-415D-B725-6AC37487928F}"/>
-                </a:ext>
-              </a:extLst>
-            </p:cNvPr>
-            <p:cNvSpPr/>
-            <p:nvPr/>
-          </p:nvSpPr>
-          <p:spPr>
-            <a:xfrm>
-              <a:off x="1466851" y="1754971"/>
-              <a:ext cx="2362200" cy="2362200"/>
-            </a:xfrm>
-            <a:prstGeom prst="ellipse">
-              <a:avLst/>
-            </a:prstGeom>
-            <a:solidFill>
-              <a:srgbClr val="FF5969"/>
-            </a:solidFill>
-            <a:ln>
-              <a:noFill/>
-            </a:ln>
-          </p:spPr>
-          <p:style>
-            <a:lnRef idx="2">
-              <a:schemeClr val="accent1">
-                <a:shade val="50000"/>
-              </a:schemeClr>
-            </a:lnRef>
-            <a:fillRef idx="1">
-              <a:schemeClr val="accent1"/>
-            </a:fillRef>
-            <a:effectRef idx="0">
-              <a:schemeClr val="accent1"/>
-            </a:effectRef>
-            <a:fontRef idx="minor">
-              <a:schemeClr val="lt1"/>
-            </a:fontRef>
-          </p:style>
-          <p:txBody>
-            <a:bodyPr rtlCol="0" anchor="ctr"/>
-            <a:lstStyle/>
-            <a:p>
-              <a:pPr algn="ctr"/>
-              <a:endParaRPr lang="en-US"/>
-            </a:p>
-          </p:txBody>
-        </p:sp>
-        <p:pic>
-          <p:nvPicPr>
-            <p:cNvPr id="102" name="Picture 101">
-              <a:extLst>
-                <a:ext uri="{FF2B5EF4-FFF2-40B4-BE49-F238E27FC236}">
-                  <a16:creationId xmlns:a16="http://schemas.microsoft.com/office/drawing/2014/main" id="{AD995FC3-C541-42EF-8CAA-48FBA94B946B}"/>
-                </a:ext>
-              </a:extLst>
-            </p:cNvPr>
-            <p:cNvPicPr>
-              <a:picLocks noChangeAspect="1"/>
-            </p:cNvPicPr>
-            <p:nvPr/>
-          </p:nvPicPr>
-          <p:blipFill rotWithShape="1">
-            <a:blip r:embed="rId3">
-              <a:extLst>
-                <a:ext uri="{28A0092B-C50C-407E-A947-70E740481C1C}">
-                  <a14:useLocalDpi xmlns:a14="http://schemas.microsoft.com/office/drawing/2010/main" val="0"/>
-                </a:ext>
-              </a:extLst>
-            </a:blip>
-            <a:srcRect l="26698" r="1156"/>
-            <a:stretch/>
-          </p:blipFill>
-          <p:spPr>
-            <a:xfrm>
-              <a:off x="1619252" y="1907373"/>
-              <a:ext cx="2057398" cy="2057396"/>
-            </a:xfrm>
-            <a:prstGeom prst="ellipse">
-              <a:avLst/>
-            </a:prstGeom>
-          </p:spPr>
-        </p:pic>
-      </p:grpSp>
-      <p:grpSp>
-        <p:nvGrpSpPr>
-          <p:cNvPr id="103" name="Group 102">
-            <a:extLst>
-              <a:ext uri="{FF2B5EF4-FFF2-40B4-BE49-F238E27FC236}">
-                <a16:creationId xmlns:a16="http://schemas.microsoft.com/office/drawing/2014/main" id="{558BBFA0-22AC-4630-95CF-DD11BBF46981}"/>
-              </a:ext>
-            </a:extLst>
-          </p:cNvPr>
-          <p:cNvGrpSpPr/>
-          <p:nvPr/>
-        </p:nvGrpSpPr>
-        <p:grpSpPr>
-          <a:xfrm>
-            <a:off x="4287817" y="1594502"/>
-            <a:ext cx="2075350" cy="2075350"/>
-            <a:chOff x="4388156" y="1754971"/>
-            <a:chExt cx="2362200" cy="2362200"/>
-          </a:xfrm>
-          <a:solidFill>
-            <a:srgbClr val="03A1A4"/>
-          </a:solidFill>
-        </p:grpSpPr>
-        <p:sp>
-          <p:nvSpPr>
-            <p:cNvPr id="104" name="Oval 103">
-              <a:extLst>
-                <a:ext uri="{FF2B5EF4-FFF2-40B4-BE49-F238E27FC236}">
-                  <a16:creationId xmlns:a16="http://schemas.microsoft.com/office/drawing/2014/main" id="{8106C475-63FF-4B88-9037-7D4296DCF408}"/>
-                </a:ext>
-              </a:extLst>
-            </p:cNvPr>
-            <p:cNvSpPr/>
-            <p:nvPr/>
-          </p:nvSpPr>
-          <p:spPr>
-            <a:xfrm>
-              <a:off x="4388156" y="1754971"/>
-              <a:ext cx="2362200" cy="2362200"/>
-            </a:xfrm>
-            <a:prstGeom prst="ellipse">
-              <a:avLst/>
-            </a:prstGeom>
-            <a:solidFill>
-              <a:srgbClr val="00A0A8"/>
-            </a:solidFill>
-            <a:ln>
-              <a:noFill/>
-            </a:ln>
-          </p:spPr>
-          <p:style>
-            <a:lnRef idx="2">
-              <a:schemeClr val="accent1">
-                <a:shade val="50000"/>
-              </a:schemeClr>
-            </a:lnRef>
-            <a:fillRef idx="1">
-              <a:schemeClr val="accent1"/>
-            </a:fillRef>
-            <a:effectRef idx="0">
-              <a:schemeClr val="accent1"/>
-            </a:effectRef>
-            <a:fontRef idx="minor">
-              <a:schemeClr val="lt1"/>
-            </a:fontRef>
-          </p:style>
-          <p:txBody>
-            <a:bodyPr rtlCol="0" anchor="ctr"/>
-            <a:lstStyle/>
-            <a:p>
-              <a:pPr algn="ctr"/>
-              <a:endParaRPr lang="en-US"/>
-            </a:p>
-          </p:txBody>
-        </p:sp>
-        <p:pic>
-          <p:nvPicPr>
-            <p:cNvPr id="105" name="Picture 104">
-              <a:extLst>
-                <a:ext uri="{FF2B5EF4-FFF2-40B4-BE49-F238E27FC236}">
-                  <a16:creationId xmlns:a16="http://schemas.microsoft.com/office/drawing/2014/main" id="{5A49D4CA-4AB4-4B81-87DF-16F4C749B5D0}"/>
-                </a:ext>
-              </a:extLst>
-            </p:cNvPr>
-            <p:cNvPicPr>
-              <a:picLocks noChangeAspect="1"/>
-            </p:cNvPicPr>
-            <p:nvPr/>
-          </p:nvPicPr>
-          <p:blipFill rotWithShape="1">
-            <a:blip r:embed="rId4">
-              <a:extLst>
-                <a:ext uri="{28A0092B-C50C-407E-A947-70E740481C1C}">
-                  <a14:useLocalDpi xmlns:a14="http://schemas.microsoft.com/office/drawing/2010/main" val="0"/>
-                </a:ext>
-              </a:extLst>
-            </a:blip>
-            <a:srcRect l="36178" t="16519" r="9615" b="1982"/>
-            <a:stretch/>
-          </p:blipFill>
-          <p:spPr>
-            <a:xfrm>
-              <a:off x="4540558" y="1907373"/>
-              <a:ext cx="2057396" cy="2057396"/>
-            </a:xfrm>
-            <a:prstGeom prst="ellipse">
-              <a:avLst/>
-            </a:prstGeom>
-            <a:grpFill/>
-          </p:spPr>
-        </p:pic>
-      </p:grpSp>
-      <p:grpSp>
-        <p:nvGrpSpPr>
-          <p:cNvPr id="106" name="Group 105">
-            <a:extLst>
-              <a:ext uri="{FF2B5EF4-FFF2-40B4-BE49-F238E27FC236}">
-                <a16:creationId xmlns:a16="http://schemas.microsoft.com/office/drawing/2014/main" id="{4FA7696F-3A12-4749-96EF-506789697582}"/>
-              </a:ext>
-            </a:extLst>
-          </p:cNvPr>
-          <p:cNvGrpSpPr/>
-          <p:nvPr/>
-        </p:nvGrpSpPr>
-        <p:grpSpPr>
-          <a:xfrm>
-            <a:off x="7057250" y="1589351"/>
-            <a:ext cx="2085652" cy="2085652"/>
-            <a:chOff x="7245656" y="1754971"/>
-            <a:chExt cx="2362200" cy="2362200"/>
-          </a:xfrm>
-          <a:solidFill>
-            <a:srgbClr val="EE9524"/>
-          </a:solidFill>
-        </p:grpSpPr>
-        <p:sp>
-          <p:nvSpPr>
-            <p:cNvPr id="107" name="Oval 106">
-              <a:extLst>
-                <a:ext uri="{FF2B5EF4-FFF2-40B4-BE49-F238E27FC236}">
-                  <a16:creationId xmlns:a16="http://schemas.microsoft.com/office/drawing/2014/main" id="{BEA41108-70F3-44FD-9476-BB5FCAD01852}"/>
-                </a:ext>
-              </a:extLst>
-            </p:cNvPr>
-            <p:cNvSpPr/>
-            <p:nvPr/>
-          </p:nvSpPr>
-          <p:spPr>
-            <a:xfrm>
-              <a:off x="7245656" y="1754971"/>
-              <a:ext cx="2362200" cy="2362200"/>
-            </a:xfrm>
-            <a:prstGeom prst="ellipse">
-              <a:avLst/>
-            </a:prstGeom>
-            <a:solidFill>
-              <a:srgbClr val="5D7373"/>
-            </a:solidFill>
-            <a:ln>
-              <a:noFill/>
-            </a:ln>
-          </p:spPr>
-          <p:style>
-            <a:lnRef idx="2">
-              <a:schemeClr val="accent1">
-                <a:shade val="50000"/>
-              </a:schemeClr>
-            </a:lnRef>
-            <a:fillRef idx="1">
-              <a:schemeClr val="accent1"/>
-            </a:fillRef>
-            <a:effectRef idx="0">
-              <a:schemeClr val="accent1"/>
-            </a:effectRef>
-            <a:fontRef idx="minor">
-              <a:schemeClr val="lt1"/>
-            </a:fontRef>
-          </p:style>
-          <p:txBody>
-            <a:bodyPr rtlCol="0" anchor="ctr"/>
-            <a:lstStyle/>
-            <a:p>
-              <a:pPr algn="ctr"/>
-              <a:endParaRPr lang="en-US"/>
-            </a:p>
-          </p:txBody>
-        </p:sp>
-        <p:pic>
-          <p:nvPicPr>
-            <p:cNvPr id="108" name="Picture 107">
-              <a:extLst>
-                <a:ext uri="{FF2B5EF4-FFF2-40B4-BE49-F238E27FC236}">
-                  <a16:creationId xmlns:a16="http://schemas.microsoft.com/office/drawing/2014/main" id="{70692E7A-E8C1-4231-93B0-76CAA4775D0F}"/>
-                </a:ext>
-              </a:extLst>
-            </p:cNvPr>
-            <p:cNvPicPr>
-              <a:picLocks noChangeAspect="1"/>
-            </p:cNvPicPr>
-            <p:nvPr/>
-          </p:nvPicPr>
-          <p:blipFill rotWithShape="1">
-            <a:blip r:embed="rId5">
-              <a:extLst>
-                <a:ext uri="{28A0092B-C50C-407E-A947-70E740481C1C}">
-                  <a14:useLocalDpi xmlns:a14="http://schemas.microsoft.com/office/drawing/2010/main" val="0"/>
-                </a:ext>
-              </a:extLst>
-            </a:blip>
-            <a:srcRect l="16615" r="16615"/>
-            <a:stretch/>
-          </p:blipFill>
-          <p:spPr>
-            <a:xfrm>
-              <a:off x="7395187" y="1904502"/>
-              <a:ext cx="2063138" cy="2063138"/>
-            </a:xfrm>
-            <a:prstGeom prst="ellipse">
-              <a:avLst/>
-            </a:prstGeom>
-            <a:grpFill/>
-          </p:spPr>
-        </p:pic>
-      </p:grpSp>
-      <p:grpSp>
-        <p:nvGrpSpPr>
-          <p:cNvPr id="109" name="Group 108">
-            <a:extLst>
-              <a:ext uri="{FF2B5EF4-FFF2-40B4-BE49-F238E27FC236}">
-                <a16:creationId xmlns:a16="http://schemas.microsoft.com/office/drawing/2014/main" id="{FFECBB9F-A6DA-4867-8BFF-1EB9CC0E78D3}"/>
-              </a:ext>
-            </a:extLst>
-          </p:cNvPr>
-          <p:cNvGrpSpPr/>
-          <p:nvPr/>
-        </p:nvGrpSpPr>
-        <p:grpSpPr>
-          <a:xfrm>
-            <a:off x="1671243" y="1589351"/>
-            <a:ext cx="662608" cy="523220"/>
-            <a:chOff x="668600" y="2123782"/>
-            <a:chExt cx="662608" cy="523220"/>
-          </a:xfrm>
-        </p:grpSpPr>
-        <p:sp>
-          <p:nvSpPr>
-            <p:cNvPr id="110" name="Oval 109">
-              <a:extLst>
-                <a:ext uri="{FF2B5EF4-FFF2-40B4-BE49-F238E27FC236}">
-                  <a16:creationId xmlns:a16="http://schemas.microsoft.com/office/drawing/2014/main" id="{758FFA05-60D3-49D7-AD33-70C14A462582}"/>
-                </a:ext>
-              </a:extLst>
-            </p:cNvPr>
-            <p:cNvSpPr/>
-            <p:nvPr/>
-          </p:nvSpPr>
-          <p:spPr>
-            <a:xfrm>
-              <a:off x="732304" y="2123782"/>
-              <a:ext cx="523220" cy="523220"/>
-            </a:xfrm>
-            <a:prstGeom prst="ellipse">
-              <a:avLst/>
-            </a:prstGeom>
-            <a:solidFill>
-              <a:srgbClr val="FF5969"/>
-            </a:solidFill>
-            <a:ln>
-              <a:noFill/>
-            </a:ln>
-          </p:spPr>
-          <p:style>
-            <a:lnRef idx="2">
-              <a:schemeClr val="accent1">
-                <a:shade val="50000"/>
-              </a:schemeClr>
-            </a:lnRef>
-            <a:fillRef idx="1">
-              <a:schemeClr val="accent1"/>
-            </a:fillRef>
-            <a:effectRef idx="0">
-              <a:schemeClr val="accent1"/>
-            </a:effectRef>
-            <a:fontRef idx="minor">
-              <a:schemeClr val="lt1"/>
-            </a:fontRef>
-          </p:style>
-          <p:txBody>
-            <a:bodyPr rtlCol="0" anchor="ctr"/>
-            <a:lstStyle/>
-            <a:p>
-              <a:pPr algn="ctr"/>
-              <a:endParaRPr lang="en-US" dirty="0"/>
-            </a:p>
-          </p:txBody>
-        </p:sp>
-        <p:sp>
-          <p:nvSpPr>
-            <p:cNvPr id="111" name="TextBox 110">
-              <a:extLst>
-                <a:ext uri="{FF2B5EF4-FFF2-40B4-BE49-F238E27FC236}">
-                  <a16:creationId xmlns:a16="http://schemas.microsoft.com/office/drawing/2014/main" id="{6F674720-AA72-463C-A9F5-CC05A31FD455}"/>
-                </a:ext>
-              </a:extLst>
-            </p:cNvPr>
-            <p:cNvSpPr txBox="1"/>
-            <p:nvPr/>
-          </p:nvSpPr>
-          <p:spPr>
-            <a:xfrm>
-              <a:off x="668600" y="2154559"/>
-              <a:ext cx="662608" cy="461665"/>
-            </a:xfrm>
-            <a:prstGeom prst="rect">
-              <a:avLst/>
-            </a:prstGeom>
-            <a:noFill/>
-          </p:spPr>
-          <p:txBody>
-            <a:bodyPr wrap="square" rtlCol="0">
-              <a:spAutoFit/>
-            </a:bodyPr>
-            <a:lstStyle/>
-            <a:p>
-              <a:pPr algn="ctr"/>
-              <a:r>
-                <a:rPr lang="en-US" sz="2400" b="1" dirty="0">
-                  <a:solidFill>
-                    <a:srgbClr val="E6E7E9"/>
-                  </a:solidFill>
-                  <a:latin typeface="Tw Cen MT" panose="020B0602020104020603" pitchFamily="34" charset="0"/>
-                </a:rPr>
-                <a:t>01</a:t>
-              </a:r>
-            </a:p>
-          </p:txBody>
-        </p:sp>
-      </p:grpSp>
-      <p:grpSp>
-        <p:nvGrpSpPr>
-          <p:cNvPr id="112" name="Group 111">
-            <a:extLst>
-              <a:ext uri="{FF2B5EF4-FFF2-40B4-BE49-F238E27FC236}">
-                <a16:creationId xmlns:a16="http://schemas.microsoft.com/office/drawing/2014/main" id="{F148DB69-DF3E-4C33-B538-AF9F73BD860D}"/>
-              </a:ext>
-            </a:extLst>
-          </p:cNvPr>
-          <p:cNvGrpSpPr/>
-          <p:nvPr/>
-        </p:nvGrpSpPr>
-        <p:grpSpPr>
-          <a:xfrm>
-            <a:off x="4359048" y="1589351"/>
-            <a:ext cx="662608" cy="523220"/>
-            <a:chOff x="662610" y="2123782"/>
-            <a:chExt cx="662608" cy="523220"/>
-          </a:xfrm>
-        </p:grpSpPr>
-        <p:sp>
-          <p:nvSpPr>
-            <p:cNvPr id="113" name="Oval 112">
-              <a:extLst>
-                <a:ext uri="{FF2B5EF4-FFF2-40B4-BE49-F238E27FC236}">
-                  <a16:creationId xmlns:a16="http://schemas.microsoft.com/office/drawing/2014/main" id="{AECF5359-B27A-4EA4-9470-E15A636740F1}"/>
-                </a:ext>
-              </a:extLst>
-            </p:cNvPr>
-            <p:cNvSpPr/>
-            <p:nvPr/>
-          </p:nvSpPr>
-          <p:spPr>
-            <a:xfrm>
-              <a:off x="732304" y="2123782"/>
-              <a:ext cx="523220" cy="523220"/>
-            </a:xfrm>
-            <a:prstGeom prst="ellipse">
-              <a:avLst/>
-            </a:prstGeom>
-            <a:solidFill>
-              <a:srgbClr val="03A1A4"/>
-            </a:solidFill>
-            <a:ln>
-              <a:noFill/>
-            </a:ln>
-          </p:spPr>
-          <p:style>
-            <a:lnRef idx="2">
-              <a:schemeClr val="accent1">
-                <a:shade val="50000"/>
-              </a:schemeClr>
-            </a:lnRef>
-            <a:fillRef idx="1">
-              <a:schemeClr val="accent1"/>
-            </a:fillRef>
-            <a:effectRef idx="0">
-              <a:schemeClr val="accent1"/>
-            </a:effectRef>
-            <a:fontRef idx="minor">
-              <a:schemeClr val="lt1"/>
-            </a:fontRef>
-          </p:style>
-          <p:txBody>
-            <a:bodyPr rtlCol="0" anchor="ctr"/>
-            <a:lstStyle/>
-            <a:p>
-              <a:pPr algn="ctr"/>
-              <a:endParaRPr lang="en-US"/>
-            </a:p>
-          </p:txBody>
-        </p:sp>
-        <p:sp>
-          <p:nvSpPr>
-            <p:cNvPr id="114" name="TextBox 113">
-              <a:extLst>
-                <a:ext uri="{FF2B5EF4-FFF2-40B4-BE49-F238E27FC236}">
-                  <a16:creationId xmlns:a16="http://schemas.microsoft.com/office/drawing/2014/main" id="{45730238-5131-470C-B8FC-1D599D94B747}"/>
-                </a:ext>
-              </a:extLst>
-            </p:cNvPr>
-            <p:cNvSpPr txBox="1"/>
-            <p:nvPr/>
-          </p:nvSpPr>
-          <p:spPr>
-            <a:xfrm>
-              <a:off x="662610" y="2154559"/>
-              <a:ext cx="662608" cy="461665"/>
-            </a:xfrm>
-            <a:prstGeom prst="rect">
-              <a:avLst/>
-            </a:prstGeom>
-            <a:noFill/>
-          </p:spPr>
-          <p:txBody>
-            <a:bodyPr wrap="square" rtlCol="0">
-              <a:spAutoFit/>
-            </a:bodyPr>
-            <a:lstStyle/>
-            <a:p>
-              <a:pPr algn="ctr"/>
-              <a:r>
-                <a:rPr lang="en-US" sz="2400" b="1" dirty="0">
-                  <a:solidFill>
-                    <a:srgbClr val="E6E7E9"/>
-                  </a:solidFill>
-                  <a:latin typeface="Tw Cen MT" panose="020B0602020104020603" pitchFamily="34" charset="0"/>
-                </a:rPr>
-                <a:t>02</a:t>
-              </a:r>
-            </a:p>
-          </p:txBody>
-        </p:sp>
-      </p:grpSp>
-      <p:grpSp>
-        <p:nvGrpSpPr>
-          <p:cNvPr id="115" name="Group 114">
-            <a:extLst>
-              <a:ext uri="{FF2B5EF4-FFF2-40B4-BE49-F238E27FC236}">
-                <a16:creationId xmlns:a16="http://schemas.microsoft.com/office/drawing/2014/main" id="{999227E9-EB21-4059-B513-140E8EB32283}"/>
-              </a:ext>
-            </a:extLst>
-          </p:cNvPr>
-          <p:cNvGrpSpPr/>
-          <p:nvPr/>
-        </p:nvGrpSpPr>
-        <p:grpSpPr>
-          <a:xfrm>
-            <a:off x="7113378" y="1596925"/>
-            <a:ext cx="662608" cy="508072"/>
-            <a:chOff x="662610" y="2131356"/>
-            <a:chExt cx="662608" cy="508072"/>
-          </a:xfrm>
-        </p:grpSpPr>
-        <p:sp>
-          <p:nvSpPr>
-            <p:cNvPr id="116" name="Oval 115">
-              <a:extLst>
-                <a:ext uri="{FF2B5EF4-FFF2-40B4-BE49-F238E27FC236}">
-                  <a16:creationId xmlns:a16="http://schemas.microsoft.com/office/drawing/2014/main" id="{16BFFE64-6C8E-4F76-92AF-FE854A15A057}"/>
-                </a:ext>
-              </a:extLst>
-            </p:cNvPr>
-            <p:cNvSpPr/>
-            <p:nvPr/>
-          </p:nvSpPr>
-          <p:spPr>
-            <a:xfrm>
-              <a:off x="739878" y="2131356"/>
-              <a:ext cx="508072" cy="508072"/>
-            </a:xfrm>
-            <a:prstGeom prst="ellipse">
-              <a:avLst/>
-            </a:prstGeom>
-            <a:solidFill>
-              <a:srgbClr val="5D7373"/>
-            </a:solidFill>
-            <a:ln>
-              <a:noFill/>
-            </a:ln>
-          </p:spPr>
-          <p:style>
-            <a:lnRef idx="2">
-              <a:schemeClr val="accent1">
-                <a:shade val="50000"/>
-              </a:schemeClr>
-            </a:lnRef>
-            <a:fillRef idx="1">
-              <a:schemeClr val="accent1"/>
-            </a:fillRef>
-            <a:effectRef idx="0">
-              <a:schemeClr val="accent1"/>
-            </a:effectRef>
-            <a:fontRef idx="minor">
-              <a:schemeClr val="lt1"/>
-            </a:fontRef>
-          </p:style>
-          <p:txBody>
-            <a:bodyPr rtlCol="0" anchor="ctr"/>
-            <a:lstStyle/>
-            <a:p>
-              <a:pPr algn="ctr"/>
-              <a:endParaRPr lang="en-US" dirty="0"/>
-            </a:p>
-          </p:txBody>
-        </p:sp>
-        <p:sp>
-          <p:nvSpPr>
-            <p:cNvPr id="117" name="TextBox 116">
-              <a:extLst>
-                <a:ext uri="{FF2B5EF4-FFF2-40B4-BE49-F238E27FC236}">
-                  <a16:creationId xmlns:a16="http://schemas.microsoft.com/office/drawing/2014/main" id="{A560E021-6D3E-44E0-9017-02F6FD846B8E}"/>
-                </a:ext>
-              </a:extLst>
-            </p:cNvPr>
-            <p:cNvSpPr txBox="1"/>
-            <p:nvPr/>
-          </p:nvSpPr>
-          <p:spPr>
-            <a:xfrm>
-              <a:off x="662610" y="2154558"/>
-              <a:ext cx="662608" cy="461665"/>
-            </a:xfrm>
-            <a:prstGeom prst="rect">
-              <a:avLst/>
-            </a:prstGeom>
-            <a:noFill/>
-          </p:spPr>
-          <p:txBody>
-            <a:bodyPr wrap="square" rtlCol="0">
-              <a:spAutoFit/>
-            </a:bodyPr>
-            <a:lstStyle/>
-            <a:p>
-              <a:pPr algn="ctr"/>
-              <a:r>
-                <a:rPr lang="en-US" sz="2400" b="1" dirty="0">
-                  <a:solidFill>
-                    <a:srgbClr val="E6E7E9"/>
-                  </a:solidFill>
-                  <a:latin typeface="Tw Cen MT" panose="020B0602020104020603" pitchFamily="34" charset="0"/>
-                </a:rPr>
-                <a:t>03</a:t>
-              </a:r>
-            </a:p>
-          </p:txBody>
-        </p:sp>
-      </p:grpSp>
-      <p:grpSp>
-        <p:nvGrpSpPr>
-          <p:cNvPr id="118" name="Group 117">
-            <a:extLst>
-              <a:ext uri="{FF2B5EF4-FFF2-40B4-BE49-F238E27FC236}">
-                <a16:creationId xmlns:a16="http://schemas.microsoft.com/office/drawing/2014/main" id="{642619BF-D98C-42FE-8077-B8745D93F239}"/>
-              </a:ext>
-            </a:extLst>
-          </p:cNvPr>
-          <p:cNvGrpSpPr/>
-          <p:nvPr/>
-        </p:nvGrpSpPr>
-        <p:grpSpPr>
-          <a:xfrm>
-            <a:off x="1089803" y="4112242"/>
-            <a:ext cx="3048141" cy="1452554"/>
-            <a:chOff x="264581" y="4416136"/>
-            <a:chExt cx="3048141" cy="1452554"/>
-          </a:xfrm>
-        </p:grpSpPr>
-        <p:sp>
-          <p:nvSpPr>
-            <p:cNvPr id="119" name="TextBox 118">
-              <a:extLst>
-                <a:ext uri="{FF2B5EF4-FFF2-40B4-BE49-F238E27FC236}">
-                  <a16:creationId xmlns:a16="http://schemas.microsoft.com/office/drawing/2014/main" id="{47D438D1-4A2C-457A-A675-A2FFD11F8FC1}"/>
-                </a:ext>
-              </a:extLst>
-            </p:cNvPr>
-            <p:cNvSpPr txBox="1"/>
-            <p:nvPr/>
-          </p:nvSpPr>
-          <p:spPr>
-            <a:xfrm>
-              <a:off x="466266" y="4416136"/>
-              <a:ext cx="2644771" cy="461665"/>
-            </a:xfrm>
-            <a:prstGeom prst="rect">
-              <a:avLst/>
-            </a:prstGeom>
-            <a:noFill/>
-          </p:spPr>
-          <p:txBody>
-            <a:bodyPr wrap="square" rtlCol="0">
-              <a:spAutoFit/>
-            </a:bodyPr>
-            <a:lstStyle/>
-            <a:p>
-              <a:pPr algn="ctr"/>
-              <a:r>
-                <a:rPr lang="en-US" sz="2400" dirty="0">
-                  <a:solidFill>
-                    <a:srgbClr val="FF5969"/>
-                  </a:solidFill>
-                  <a:latin typeface="Tw Cen MT" panose="020B0602020104020603" pitchFamily="34" charset="0"/>
-                </a:rPr>
-                <a:t>ALAN MARTIN</a:t>
-              </a:r>
-            </a:p>
-          </p:txBody>
-        </p:sp>
-        <p:sp>
-          <p:nvSpPr>
-            <p:cNvPr id="120" name="TextBox 119">
-              <a:extLst>
-                <a:ext uri="{FF2B5EF4-FFF2-40B4-BE49-F238E27FC236}">
-                  <a16:creationId xmlns:a16="http://schemas.microsoft.com/office/drawing/2014/main" id="{EFA98CF0-C7D5-4BB1-AE6B-892973EDC2B3}"/>
-                </a:ext>
-              </a:extLst>
-            </p:cNvPr>
-            <p:cNvSpPr txBox="1"/>
-            <p:nvPr/>
-          </p:nvSpPr>
-          <p:spPr>
-            <a:xfrm>
-              <a:off x="466266" y="4853747"/>
-              <a:ext cx="2644771" cy="369332"/>
-            </a:xfrm>
-            <a:prstGeom prst="rect">
-              <a:avLst/>
-            </a:prstGeom>
-            <a:noFill/>
-          </p:spPr>
-          <p:txBody>
-            <a:bodyPr wrap="square" rtlCol="0">
-              <a:spAutoFit/>
-            </a:bodyPr>
-            <a:lstStyle/>
-            <a:p>
-              <a:pPr algn="ctr"/>
-              <a:r>
-                <a:rPr lang="en-US" dirty="0">
-                  <a:solidFill>
-                    <a:schemeClr val="bg1">
-                      <a:lumMod val="65000"/>
-                    </a:schemeClr>
-                  </a:solidFill>
-                  <a:latin typeface="Tw Cen MT" panose="020B0602020104020603" pitchFamily="34" charset="0"/>
-                </a:rPr>
-                <a:t>CEO, COMPANY NAME</a:t>
-              </a:r>
-            </a:p>
-          </p:txBody>
-        </p:sp>
-        <p:sp>
-          <p:nvSpPr>
-            <p:cNvPr id="121" name="TextBox 120">
-              <a:extLst>
-                <a:ext uri="{FF2B5EF4-FFF2-40B4-BE49-F238E27FC236}">
-                  <a16:creationId xmlns:a16="http://schemas.microsoft.com/office/drawing/2014/main" id="{ADB9B462-21BE-4A91-8264-768F8688631E}"/>
-                </a:ext>
-              </a:extLst>
-            </p:cNvPr>
-            <p:cNvSpPr txBox="1"/>
-            <p:nvPr/>
-          </p:nvSpPr>
-          <p:spPr>
-            <a:xfrm>
-              <a:off x="264581" y="5222359"/>
-              <a:ext cx="3048141" cy="646331"/>
-            </a:xfrm>
-            <a:prstGeom prst="rect">
-              <a:avLst/>
-            </a:prstGeom>
-            <a:noFill/>
-          </p:spPr>
-          <p:txBody>
-            <a:bodyPr wrap="square" rtlCol="0">
-              <a:spAutoFit/>
-            </a:bodyPr>
-            <a:lstStyle/>
-            <a:p>
-              <a:pPr algn="ctr"/>
-              <a:r>
-                <a:rPr lang="en-US" dirty="0">
-                  <a:solidFill>
-                    <a:schemeClr val="bg1">
-                      <a:lumMod val="65000"/>
-                    </a:schemeClr>
-                  </a:solidFill>
-                  <a:latin typeface="Tw Cen MT" panose="020B0602020104020603" pitchFamily="34" charset="0"/>
-                </a:rPr>
-                <a:t>Here Write Brief Message About Yourself</a:t>
-              </a:r>
-            </a:p>
-          </p:txBody>
-        </p:sp>
-      </p:grpSp>
-      <p:grpSp>
-        <p:nvGrpSpPr>
-          <p:cNvPr id="122" name="Group 121">
-            <a:extLst>
-              <a:ext uri="{FF2B5EF4-FFF2-40B4-BE49-F238E27FC236}">
-                <a16:creationId xmlns:a16="http://schemas.microsoft.com/office/drawing/2014/main" id="{EC238A46-6DC2-415E-858B-EDB9C705F5D2}"/>
-              </a:ext>
-            </a:extLst>
-          </p:cNvPr>
-          <p:cNvGrpSpPr/>
-          <p:nvPr/>
-        </p:nvGrpSpPr>
-        <p:grpSpPr>
-          <a:xfrm>
-            <a:off x="3806113" y="4112242"/>
-            <a:ext cx="3048141" cy="1452554"/>
-            <a:chOff x="3143051" y="4416136"/>
-            <a:chExt cx="3048141" cy="1452554"/>
-          </a:xfrm>
-        </p:grpSpPr>
-        <p:sp>
-          <p:nvSpPr>
-            <p:cNvPr id="123" name="TextBox 122">
-              <a:extLst>
-                <a:ext uri="{FF2B5EF4-FFF2-40B4-BE49-F238E27FC236}">
-                  <a16:creationId xmlns:a16="http://schemas.microsoft.com/office/drawing/2014/main" id="{CCBD766E-1FDC-47EC-AFE3-250300F9E1D4}"/>
-                </a:ext>
-              </a:extLst>
-            </p:cNvPr>
-            <p:cNvSpPr txBox="1"/>
-            <p:nvPr/>
-          </p:nvSpPr>
-          <p:spPr>
-            <a:xfrm>
-              <a:off x="3344736" y="4416136"/>
-              <a:ext cx="2644771" cy="461665"/>
-            </a:xfrm>
-            <a:prstGeom prst="rect">
-              <a:avLst/>
-            </a:prstGeom>
-            <a:noFill/>
-          </p:spPr>
-          <p:txBody>
-            <a:bodyPr wrap="square" rtlCol="0">
-              <a:spAutoFit/>
-            </a:bodyPr>
-            <a:lstStyle/>
-            <a:p>
-              <a:pPr algn="ctr"/>
-              <a:r>
-                <a:rPr lang="en-US" sz="2400" dirty="0">
-                  <a:solidFill>
-                    <a:srgbClr val="03A1A4"/>
-                  </a:solidFill>
-                  <a:latin typeface="Tw Cen MT" panose="020B0602020104020603" pitchFamily="34" charset="0"/>
-                </a:rPr>
-                <a:t>JHON DOE</a:t>
-              </a:r>
-            </a:p>
-          </p:txBody>
-        </p:sp>
-        <p:sp>
-          <p:nvSpPr>
-            <p:cNvPr id="124" name="TextBox 123">
-              <a:extLst>
-                <a:ext uri="{FF2B5EF4-FFF2-40B4-BE49-F238E27FC236}">
-                  <a16:creationId xmlns:a16="http://schemas.microsoft.com/office/drawing/2014/main" id="{9DD83A3E-FC84-4E9E-A039-E9CA92AC9309}"/>
-                </a:ext>
-              </a:extLst>
-            </p:cNvPr>
-            <p:cNvSpPr txBox="1"/>
-            <p:nvPr/>
-          </p:nvSpPr>
-          <p:spPr>
-            <a:xfrm>
-              <a:off x="3344736" y="4853747"/>
-              <a:ext cx="2644771" cy="369332"/>
-            </a:xfrm>
-            <a:prstGeom prst="rect">
-              <a:avLst/>
-            </a:prstGeom>
-            <a:noFill/>
-          </p:spPr>
-          <p:txBody>
-            <a:bodyPr wrap="square" rtlCol="0">
-              <a:spAutoFit/>
-            </a:bodyPr>
-            <a:lstStyle/>
-            <a:p>
-              <a:pPr algn="ctr"/>
-              <a:r>
-                <a:rPr lang="en-US" dirty="0">
-                  <a:solidFill>
-                    <a:schemeClr val="bg1">
-                      <a:lumMod val="65000"/>
-                    </a:schemeClr>
-                  </a:solidFill>
-                  <a:latin typeface="Tw Cen MT" panose="020B0602020104020603" pitchFamily="34" charset="0"/>
-                </a:rPr>
-                <a:t>CEO, COMPANY NAME</a:t>
-              </a:r>
-            </a:p>
-          </p:txBody>
-        </p:sp>
-        <p:sp>
-          <p:nvSpPr>
-            <p:cNvPr id="125" name="TextBox 124">
-              <a:extLst>
-                <a:ext uri="{FF2B5EF4-FFF2-40B4-BE49-F238E27FC236}">
-                  <a16:creationId xmlns:a16="http://schemas.microsoft.com/office/drawing/2014/main" id="{D4656B8D-277C-459C-8AC5-1E3C9FBF12C4}"/>
-                </a:ext>
-              </a:extLst>
-            </p:cNvPr>
-            <p:cNvSpPr txBox="1"/>
-            <p:nvPr/>
-          </p:nvSpPr>
-          <p:spPr>
-            <a:xfrm>
-              <a:off x="3143051" y="5222359"/>
-              <a:ext cx="3048141" cy="646331"/>
-            </a:xfrm>
-            <a:prstGeom prst="rect">
-              <a:avLst/>
-            </a:prstGeom>
-            <a:noFill/>
-          </p:spPr>
-          <p:txBody>
-            <a:bodyPr wrap="square" rtlCol="0">
-              <a:spAutoFit/>
-            </a:bodyPr>
-            <a:lstStyle/>
-            <a:p>
-              <a:pPr algn="ctr"/>
-              <a:r>
-                <a:rPr lang="en-US" dirty="0">
-                  <a:solidFill>
-                    <a:schemeClr val="bg1">
-                      <a:lumMod val="65000"/>
-                    </a:schemeClr>
-                  </a:solidFill>
-                  <a:latin typeface="Tw Cen MT" panose="020B0602020104020603" pitchFamily="34" charset="0"/>
-                </a:rPr>
-                <a:t>Here Write Brief Message About Yourself</a:t>
-              </a:r>
-            </a:p>
-          </p:txBody>
-        </p:sp>
-      </p:grpSp>
-      <p:grpSp>
-        <p:nvGrpSpPr>
-          <p:cNvPr id="126" name="Group 125">
-            <a:extLst>
-              <a:ext uri="{FF2B5EF4-FFF2-40B4-BE49-F238E27FC236}">
-                <a16:creationId xmlns:a16="http://schemas.microsoft.com/office/drawing/2014/main" id="{A5E2E5DE-DB63-4888-A16C-FBB53DF5105F}"/>
-              </a:ext>
-            </a:extLst>
-          </p:cNvPr>
-          <p:cNvGrpSpPr/>
-          <p:nvPr/>
-        </p:nvGrpSpPr>
-        <p:grpSpPr>
-          <a:xfrm>
-            <a:off x="6578020" y="4112242"/>
-            <a:ext cx="3048141" cy="1452554"/>
-            <a:chOff x="6191192" y="4416136"/>
-            <a:chExt cx="3048141" cy="1452554"/>
-          </a:xfrm>
-        </p:grpSpPr>
-        <p:sp>
-          <p:nvSpPr>
-            <p:cNvPr id="127" name="TextBox 126">
-              <a:extLst>
-                <a:ext uri="{FF2B5EF4-FFF2-40B4-BE49-F238E27FC236}">
-                  <a16:creationId xmlns:a16="http://schemas.microsoft.com/office/drawing/2014/main" id="{A72104E9-D31B-4FE5-8105-9C439D743046}"/>
-                </a:ext>
-              </a:extLst>
-            </p:cNvPr>
-            <p:cNvSpPr txBox="1"/>
-            <p:nvPr/>
-          </p:nvSpPr>
-          <p:spPr>
-            <a:xfrm>
-              <a:off x="6392877" y="4416136"/>
-              <a:ext cx="2644771" cy="461665"/>
-            </a:xfrm>
-            <a:prstGeom prst="rect">
-              <a:avLst/>
-            </a:prstGeom>
-            <a:noFill/>
-          </p:spPr>
-          <p:txBody>
-            <a:bodyPr wrap="square" rtlCol="0">
-              <a:spAutoFit/>
-            </a:bodyPr>
-            <a:lstStyle/>
-            <a:p>
-              <a:pPr algn="ctr"/>
-              <a:r>
-                <a:rPr lang="en-US" sz="2400" dirty="0">
-                  <a:solidFill>
-                    <a:srgbClr val="5D7373"/>
-                  </a:solidFill>
-                  <a:latin typeface="Tw Cen MT" panose="020B0602020104020603" pitchFamily="34" charset="0"/>
-                </a:rPr>
-                <a:t>PABLO PICASO</a:t>
-              </a:r>
-            </a:p>
-          </p:txBody>
-        </p:sp>
-        <p:sp>
-          <p:nvSpPr>
-            <p:cNvPr id="128" name="TextBox 127">
-              <a:extLst>
-                <a:ext uri="{FF2B5EF4-FFF2-40B4-BE49-F238E27FC236}">
-                  <a16:creationId xmlns:a16="http://schemas.microsoft.com/office/drawing/2014/main" id="{2C9848EF-A792-46BC-8A1A-95DC4C6A8499}"/>
-                </a:ext>
-              </a:extLst>
-            </p:cNvPr>
-            <p:cNvSpPr txBox="1"/>
-            <p:nvPr/>
-          </p:nvSpPr>
-          <p:spPr>
-            <a:xfrm>
-              <a:off x="6392877" y="4853747"/>
-              <a:ext cx="2644771" cy="369332"/>
-            </a:xfrm>
-            <a:prstGeom prst="rect">
-              <a:avLst/>
-            </a:prstGeom>
-            <a:noFill/>
-          </p:spPr>
-          <p:txBody>
-            <a:bodyPr wrap="square" rtlCol="0">
-              <a:spAutoFit/>
-            </a:bodyPr>
-            <a:lstStyle/>
-            <a:p>
-              <a:pPr algn="ctr"/>
-              <a:r>
-                <a:rPr lang="en-US" dirty="0">
-                  <a:solidFill>
-                    <a:schemeClr val="bg1">
-                      <a:lumMod val="65000"/>
-                    </a:schemeClr>
-                  </a:solidFill>
-                  <a:latin typeface="Tw Cen MT" panose="020B0602020104020603" pitchFamily="34" charset="0"/>
-                </a:rPr>
-                <a:t>CEO, COMPANY NAME</a:t>
-              </a:r>
-            </a:p>
-          </p:txBody>
-        </p:sp>
-        <p:sp>
-          <p:nvSpPr>
-            <p:cNvPr id="129" name="TextBox 128">
-              <a:extLst>
-                <a:ext uri="{FF2B5EF4-FFF2-40B4-BE49-F238E27FC236}">
-                  <a16:creationId xmlns:a16="http://schemas.microsoft.com/office/drawing/2014/main" id="{EC21C292-71CC-48CF-BD5C-47D7BFAC5B36}"/>
-                </a:ext>
-              </a:extLst>
-            </p:cNvPr>
-            <p:cNvSpPr txBox="1"/>
-            <p:nvPr/>
-          </p:nvSpPr>
-          <p:spPr>
-            <a:xfrm>
-              <a:off x="6191192" y="5222359"/>
-              <a:ext cx="3048141" cy="646331"/>
-            </a:xfrm>
-            <a:prstGeom prst="rect">
-              <a:avLst/>
-            </a:prstGeom>
-            <a:noFill/>
-          </p:spPr>
-          <p:txBody>
-            <a:bodyPr wrap="square" rtlCol="0">
-              <a:spAutoFit/>
-            </a:bodyPr>
-            <a:lstStyle/>
-            <a:p>
-              <a:pPr algn="ctr"/>
-              <a:r>
-                <a:rPr lang="en-US" dirty="0">
-                  <a:solidFill>
-                    <a:schemeClr val="bg1">
-                      <a:lumMod val="65000"/>
-                    </a:schemeClr>
-                  </a:solidFill>
-                  <a:latin typeface="Tw Cen MT" panose="020B0602020104020603" pitchFamily="34" charset="0"/>
-                </a:rPr>
-                <a:t>Here Write Brief Message About Yourself</a:t>
-              </a:r>
-            </a:p>
-          </p:txBody>
-        </p:sp>
-      </p:grpSp>
     </p:spTree>
     <p:extLst>
       <p:ext uri="{BB962C8B-B14F-4D97-AF65-F5344CB8AC3E}">
@@ -20066,859 +17173,10 @@
       </p:transition>
     </mc:Fallback>
   </mc:AlternateContent>
-  <p:timing>
-    <p:tnLst>
-      <p:par>
-        <p:cTn id="1" dur="indefinite" restart="never" nodeType="tmRoot">
-          <p:childTnLst>
-            <p:seq concurrent="1" nextAc="seek">
-              <p:cTn id="2" dur="indefinite" nodeType="mainSeq">
-                <p:childTnLst>
-                  <p:par>
-                    <p:cTn id="3" fill="hold">
-                      <p:stCondLst>
-                        <p:cond delay="indefinite"/>
-                      </p:stCondLst>
-                      <p:childTnLst>
-                        <p:par>
-                          <p:cTn id="4" fill="hold">
-                            <p:stCondLst>
-                              <p:cond delay="0"/>
-                            </p:stCondLst>
-                            <p:childTnLst>
-                              <p:par>
-                                <p:cTn id="5" presetID="53" presetClass="entr" presetSubtype="16" fill="hold" nodeType="clickEffect">
-                                  <p:stCondLst>
-                                    <p:cond delay="0"/>
-                                  </p:stCondLst>
-                                  <p:childTnLst>
-                                    <p:set>
-                                      <p:cBhvr>
-                                        <p:cTn id="6" dur="1" fill="hold">
-                                          <p:stCondLst>
-                                            <p:cond delay="0"/>
-                                          </p:stCondLst>
-                                        </p:cTn>
-                                        <p:tgtEl>
-                                          <p:spTgt spid="100"/>
-                                        </p:tgtEl>
-                                        <p:attrNameLst>
-                                          <p:attrName>style.visibility</p:attrName>
-                                        </p:attrNameLst>
-                                      </p:cBhvr>
-                                      <p:to>
-                                        <p:strVal val="visible"/>
-                                      </p:to>
-                                    </p:set>
-                                    <p:anim calcmode="lin" valueType="num">
-                                      <p:cBhvr>
-                                        <p:cTn id="7" dur="500" fill="hold"/>
-                                        <p:tgtEl>
-                                          <p:spTgt spid="100"/>
-                                        </p:tgtEl>
-                                        <p:attrNameLst>
-                                          <p:attrName>ppt_w</p:attrName>
-                                        </p:attrNameLst>
-                                      </p:cBhvr>
-                                      <p:tavLst>
-                                        <p:tav tm="0">
-                                          <p:val>
-                                            <p:fltVal val="0"/>
-                                          </p:val>
-                                        </p:tav>
-                                        <p:tav tm="100000">
-                                          <p:val>
-                                            <p:strVal val="#ppt_w"/>
-                                          </p:val>
-                                        </p:tav>
-                                      </p:tavLst>
-                                    </p:anim>
-                                    <p:anim calcmode="lin" valueType="num">
-                                      <p:cBhvr>
-                                        <p:cTn id="8" dur="500" fill="hold"/>
-                                        <p:tgtEl>
-                                          <p:spTgt spid="100"/>
-                                        </p:tgtEl>
-                                        <p:attrNameLst>
-                                          <p:attrName>ppt_h</p:attrName>
-                                        </p:attrNameLst>
-                                      </p:cBhvr>
-                                      <p:tavLst>
-                                        <p:tav tm="0">
-                                          <p:val>
-                                            <p:fltVal val="0"/>
-                                          </p:val>
-                                        </p:tav>
-                                        <p:tav tm="100000">
-                                          <p:val>
-                                            <p:strVal val="#ppt_h"/>
-                                          </p:val>
-                                        </p:tav>
-                                      </p:tavLst>
-                                    </p:anim>
-                                    <p:animEffect transition="in" filter="fade">
-                                      <p:cBhvr>
-                                        <p:cTn id="9" dur="500"/>
-                                        <p:tgtEl>
-                                          <p:spTgt spid="100"/>
-                                        </p:tgtEl>
-                                      </p:cBhvr>
-                                    </p:animEffect>
-                                  </p:childTnLst>
-                                </p:cTn>
-                              </p:par>
-                            </p:childTnLst>
-                          </p:cTn>
-                        </p:par>
-                        <p:par>
-                          <p:cTn id="10" fill="hold">
-                            <p:stCondLst>
-                              <p:cond delay="500"/>
-                            </p:stCondLst>
-                            <p:childTnLst>
-                              <p:par>
-                                <p:cTn id="11" presetID="53" presetClass="entr" presetSubtype="16" fill="hold" nodeType="afterEffect">
-                                  <p:stCondLst>
-                                    <p:cond delay="0"/>
-                                  </p:stCondLst>
-                                  <p:childTnLst>
-                                    <p:set>
-                                      <p:cBhvr>
-                                        <p:cTn id="12" dur="1" fill="hold">
-                                          <p:stCondLst>
-                                            <p:cond delay="0"/>
-                                          </p:stCondLst>
-                                        </p:cTn>
-                                        <p:tgtEl>
-                                          <p:spTgt spid="109"/>
-                                        </p:tgtEl>
-                                        <p:attrNameLst>
-                                          <p:attrName>style.visibility</p:attrName>
-                                        </p:attrNameLst>
-                                      </p:cBhvr>
-                                      <p:to>
-                                        <p:strVal val="visible"/>
-                                      </p:to>
-                                    </p:set>
-                                    <p:anim calcmode="lin" valueType="num">
-                                      <p:cBhvr>
-                                        <p:cTn id="13" dur="500" fill="hold"/>
-                                        <p:tgtEl>
-                                          <p:spTgt spid="109"/>
-                                        </p:tgtEl>
-                                        <p:attrNameLst>
-                                          <p:attrName>ppt_w</p:attrName>
-                                        </p:attrNameLst>
-                                      </p:cBhvr>
-                                      <p:tavLst>
-                                        <p:tav tm="0">
-                                          <p:val>
-                                            <p:fltVal val="0"/>
-                                          </p:val>
-                                        </p:tav>
-                                        <p:tav tm="100000">
-                                          <p:val>
-                                            <p:strVal val="#ppt_w"/>
-                                          </p:val>
-                                        </p:tav>
-                                      </p:tavLst>
-                                    </p:anim>
-                                    <p:anim calcmode="lin" valueType="num">
-                                      <p:cBhvr>
-                                        <p:cTn id="14" dur="500" fill="hold"/>
-                                        <p:tgtEl>
-                                          <p:spTgt spid="109"/>
-                                        </p:tgtEl>
-                                        <p:attrNameLst>
-                                          <p:attrName>ppt_h</p:attrName>
-                                        </p:attrNameLst>
-                                      </p:cBhvr>
-                                      <p:tavLst>
-                                        <p:tav tm="0">
-                                          <p:val>
-                                            <p:fltVal val="0"/>
-                                          </p:val>
-                                        </p:tav>
-                                        <p:tav tm="100000">
-                                          <p:val>
-                                            <p:strVal val="#ppt_h"/>
-                                          </p:val>
-                                        </p:tav>
-                                      </p:tavLst>
-                                    </p:anim>
-                                    <p:animEffect transition="in" filter="fade">
-                                      <p:cBhvr>
-                                        <p:cTn id="15" dur="500"/>
-                                        <p:tgtEl>
-                                          <p:spTgt spid="109"/>
-                                        </p:tgtEl>
-                                      </p:cBhvr>
-                                    </p:animEffect>
-                                  </p:childTnLst>
-                                </p:cTn>
-                              </p:par>
-                            </p:childTnLst>
-                          </p:cTn>
-                        </p:par>
-                        <p:par>
-                          <p:cTn id="16" fill="hold">
-                            <p:stCondLst>
-                              <p:cond delay="1000"/>
-                            </p:stCondLst>
-                            <p:childTnLst>
-                              <p:par>
-                                <p:cTn id="17" presetID="42" presetClass="entr" presetSubtype="0" fill="hold" nodeType="afterEffect">
-                                  <p:stCondLst>
-                                    <p:cond delay="0"/>
-                                  </p:stCondLst>
-                                  <p:childTnLst>
-                                    <p:set>
-                                      <p:cBhvr>
-                                        <p:cTn id="18" dur="1" fill="hold">
-                                          <p:stCondLst>
-                                            <p:cond delay="0"/>
-                                          </p:stCondLst>
-                                        </p:cTn>
-                                        <p:tgtEl>
-                                          <p:spTgt spid="118"/>
-                                        </p:tgtEl>
-                                        <p:attrNameLst>
-                                          <p:attrName>style.visibility</p:attrName>
-                                        </p:attrNameLst>
-                                      </p:cBhvr>
-                                      <p:to>
-                                        <p:strVal val="visible"/>
-                                      </p:to>
-                                    </p:set>
-                                    <p:animEffect transition="in" filter="fade">
-                                      <p:cBhvr>
-                                        <p:cTn id="19" dur="500"/>
-                                        <p:tgtEl>
-                                          <p:spTgt spid="118"/>
-                                        </p:tgtEl>
-                                      </p:cBhvr>
-                                    </p:animEffect>
-                                    <p:anim calcmode="lin" valueType="num">
-                                      <p:cBhvr>
-                                        <p:cTn id="20" dur="500" fill="hold"/>
-                                        <p:tgtEl>
-                                          <p:spTgt spid="118"/>
-                                        </p:tgtEl>
-                                        <p:attrNameLst>
-                                          <p:attrName>ppt_x</p:attrName>
-                                        </p:attrNameLst>
-                                      </p:cBhvr>
-                                      <p:tavLst>
-                                        <p:tav tm="0">
-                                          <p:val>
-                                            <p:strVal val="#ppt_x"/>
-                                          </p:val>
-                                        </p:tav>
-                                        <p:tav tm="100000">
-                                          <p:val>
-                                            <p:strVal val="#ppt_x"/>
-                                          </p:val>
-                                        </p:tav>
-                                      </p:tavLst>
-                                    </p:anim>
-                                    <p:anim calcmode="lin" valueType="num">
-                                      <p:cBhvr>
-                                        <p:cTn id="21" dur="500" fill="hold"/>
-                                        <p:tgtEl>
-                                          <p:spTgt spid="118"/>
-                                        </p:tgtEl>
-                                        <p:attrNameLst>
-                                          <p:attrName>ppt_y</p:attrName>
-                                        </p:attrNameLst>
-                                      </p:cBhvr>
-                                      <p:tavLst>
-                                        <p:tav tm="0">
-                                          <p:val>
-                                            <p:strVal val="#ppt_y+.1"/>
-                                          </p:val>
-                                        </p:tav>
-                                        <p:tav tm="100000">
-                                          <p:val>
-                                            <p:strVal val="#ppt_y"/>
-                                          </p:val>
-                                        </p:tav>
-                                      </p:tavLst>
-                                    </p:anim>
-                                  </p:childTnLst>
-                                </p:cTn>
-                              </p:par>
-                            </p:childTnLst>
-                          </p:cTn>
-                        </p:par>
-                        <p:par>
-                          <p:cTn id="22" fill="hold">
-                            <p:stCondLst>
-                              <p:cond delay="1500"/>
-                            </p:stCondLst>
-                            <p:childTnLst>
-                              <p:par>
-                                <p:cTn id="23" presetID="53" presetClass="entr" presetSubtype="16" fill="hold" nodeType="afterEffect">
-                                  <p:stCondLst>
-                                    <p:cond delay="0"/>
-                                  </p:stCondLst>
-                                  <p:childTnLst>
-                                    <p:set>
-                                      <p:cBhvr>
-                                        <p:cTn id="24" dur="1" fill="hold">
-                                          <p:stCondLst>
-                                            <p:cond delay="0"/>
-                                          </p:stCondLst>
-                                        </p:cTn>
-                                        <p:tgtEl>
-                                          <p:spTgt spid="103"/>
-                                        </p:tgtEl>
-                                        <p:attrNameLst>
-                                          <p:attrName>style.visibility</p:attrName>
-                                        </p:attrNameLst>
-                                      </p:cBhvr>
-                                      <p:to>
-                                        <p:strVal val="visible"/>
-                                      </p:to>
-                                    </p:set>
-                                    <p:anim calcmode="lin" valueType="num">
-                                      <p:cBhvr>
-                                        <p:cTn id="25" dur="500" fill="hold"/>
-                                        <p:tgtEl>
-                                          <p:spTgt spid="103"/>
-                                        </p:tgtEl>
-                                        <p:attrNameLst>
-                                          <p:attrName>ppt_w</p:attrName>
-                                        </p:attrNameLst>
-                                      </p:cBhvr>
-                                      <p:tavLst>
-                                        <p:tav tm="0">
-                                          <p:val>
-                                            <p:fltVal val="0"/>
-                                          </p:val>
-                                        </p:tav>
-                                        <p:tav tm="100000">
-                                          <p:val>
-                                            <p:strVal val="#ppt_w"/>
-                                          </p:val>
-                                        </p:tav>
-                                      </p:tavLst>
-                                    </p:anim>
-                                    <p:anim calcmode="lin" valueType="num">
-                                      <p:cBhvr>
-                                        <p:cTn id="26" dur="500" fill="hold"/>
-                                        <p:tgtEl>
-                                          <p:spTgt spid="103"/>
-                                        </p:tgtEl>
-                                        <p:attrNameLst>
-                                          <p:attrName>ppt_h</p:attrName>
-                                        </p:attrNameLst>
-                                      </p:cBhvr>
-                                      <p:tavLst>
-                                        <p:tav tm="0">
-                                          <p:val>
-                                            <p:fltVal val="0"/>
-                                          </p:val>
-                                        </p:tav>
-                                        <p:tav tm="100000">
-                                          <p:val>
-                                            <p:strVal val="#ppt_h"/>
-                                          </p:val>
-                                        </p:tav>
-                                      </p:tavLst>
-                                    </p:anim>
-                                    <p:animEffect transition="in" filter="fade">
-                                      <p:cBhvr>
-                                        <p:cTn id="27" dur="500"/>
-                                        <p:tgtEl>
-                                          <p:spTgt spid="103"/>
-                                        </p:tgtEl>
-                                      </p:cBhvr>
-                                    </p:animEffect>
-                                  </p:childTnLst>
-                                </p:cTn>
-                              </p:par>
-                            </p:childTnLst>
-                          </p:cTn>
-                        </p:par>
-                        <p:par>
-                          <p:cTn id="28" fill="hold">
-                            <p:stCondLst>
-                              <p:cond delay="2000"/>
-                            </p:stCondLst>
-                            <p:childTnLst>
-                              <p:par>
-                                <p:cTn id="29" presetID="53" presetClass="entr" presetSubtype="16" fill="hold" nodeType="afterEffect">
-                                  <p:stCondLst>
-                                    <p:cond delay="0"/>
-                                  </p:stCondLst>
-                                  <p:childTnLst>
-                                    <p:set>
-                                      <p:cBhvr>
-                                        <p:cTn id="30" dur="1" fill="hold">
-                                          <p:stCondLst>
-                                            <p:cond delay="0"/>
-                                          </p:stCondLst>
-                                        </p:cTn>
-                                        <p:tgtEl>
-                                          <p:spTgt spid="112"/>
-                                        </p:tgtEl>
-                                        <p:attrNameLst>
-                                          <p:attrName>style.visibility</p:attrName>
-                                        </p:attrNameLst>
-                                      </p:cBhvr>
-                                      <p:to>
-                                        <p:strVal val="visible"/>
-                                      </p:to>
-                                    </p:set>
-                                    <p:anim calcmode="lin" valueType="num">
-                                      <p:cBhvr>
-                                        <p:cTn id="31" dur="500" fill="hold"/>
-                                        <p:tgtEl>
-                                          <p:spTgt spid="112"/>
-                                        </p:tgtEl>
-                                        <p:attrNameLst>
-                                          <p:attrName>ppt_w</p:attrName>
-                                        </p:attrNameLst>
-                                      </p:cBhvr>
-                                      <p:tavLst>
-                                        <p:tav tm="0">
-                                          <p:val>
-                                            <p:fltVal val="0"/>
-                                          </p:val>
-                                        </p:tav>
-                                        <p:tav tm="100000">
-                                          <p:val>
-                                            <p:strVal val="#ppt_w"/>
-                                          </p:val>
-                                        </p:tav>
-                                      </p:tavLst>
-                                    </p:anim>
-                                    <p:anim calcmode="lin" valueType="num">
-                                      <p:cBhvr>
-                                        <p:cTn id="32" dur="500" fill="hold"/>
-                                        <p:tgtEl>
-                                          <p:spTgt spid="112"/>
-                                        </p:tgtEl>
-                                        <p:attrNameLst>
-                                          <p:attrName>ppt_h</p:attrName>
-                                        </p:attrNameLst>
-                                      </p:cBhvr>
-                                      <p:tavLst>
-                                        <p:tav tm="0">
-                                          <p:val>
-                                            <p:fltVal val="0"/>
-                                          </p:val>
-                                        </p:tav>
-                                        <p:tav tm="100000">
-                                          <p:val>
-                                            <p:strVal val="#ppt_h"/>
-                                          </p:val>
-                                        </p:tav>
-                                      </p:tavLst>
-                                    </p:anim>
-                                    <p:animEffect transition="in" filter="fade">
-                                      <p:cBhvr>
-                                        <p:cTn id="33" dur="500"/>
-                                        <p:tgtEl>
-                                          <p:spTgt spid="112"/>
-                                        </p:tgtEl>
-                                      </p:cBhvr>
-                                    </p:animEffect>
-                                  </p:childTnLst>
-                                </p:cTn>
-                              </p:par>
-                            </p:childTnLst>
-                          </p:cTn>
-                        </p:par>
-                        <p:par>
-                          <p:cTn id="34" fill="hold">
-                            <p:stCondLst>
-                              <p:cond delay="2500"/>
-                            </p:stCondLst>
-                            <p:childTnLst>
-                              <p:par>
-                                <p:cTn id="35" presetID="42" presetClass="entr" presetSubtype="0" fill="hold" nodeType="afterEffect">
-                                  <p:stCondLst>
-                                    <p:cond delay="0"/>
-                                  </p:stCondLst>
-                                  <p:childTnLst>
-                                    <p:set>
-                                      <p:cBhvr>
-                                        <p:cTn id="36" dur="1" fill="hold">
-                                          <p:stCondLst>
-                                            <p:cond delay="0"/>
-                                          </p:stCondLst>
-                                        </p:cTn>
-                                        <p:tgtEl>
-                                          <p:spTgt spid="122"/>
-                                        </p:tgtEl>
-                                        <p:attrNameLst>
-                                          <p:attrName>style.visibility</p:attrName>
-                                        </p:attrNameLst>
-                                      </p:cBhvr>
-                                      <p:to>
-                                        <p:strVal val="visible"/>
-                                      </p:to>
-                                    </p:set>
-                                    <p:animEffect transition="in" filter="fade">
-                                      <p:cBhvr>
-                                        <p:cTn id="37" dur="500"/>
-                                        <p:tgtEl>
-                                          <p:spTgt spid="122"/>
-                                        </p:tgtEl>
-                                      </p:cBhvr>
-                                    </p:animEffect>
-                                    <p:anim calcmode="lin" valueType="num">
-                                      <p:cBhvr>
-                                        <p:cTn id="38" dur="500" fill="hold"/>
-                                        <p:tgtEl>
-                                          <p:spTgt spid="122"/>
-                                        </p:tgtEl>
-                                        <p:attrNameLst>
-                                          <p:attrName>ppt_x</p:attrName>
-                                        </p:attrNameLst>
-                                      </p:cBhvr>
-                                      <p:tavLst>
-                                        <p:tav tm="0">
-                                          <p:val>
-                                            <p:strVal val="#ppt_x"/>
-                                          </p:val>
-                                        </p:tav>
-                                        <p:tav tm="100000">
-                                          <p:val>
-                                            <p:strVal val="#ppt_x"/>
-                                          </p:val>
-                                        </p:tav>
-                                      </p:tavLst>
-                                    </p:anim>
-                                    <p:anim calcmode="lin" valueType="num">
-                                      <p:cBhvr>
-                                        <p:cTn id="39" dur="500" fill="hold"/>
-                                        <p:tgtEl>
-                                          <p:spTgt spid="122"/>
-                                        </p:tgtEl>
-                                        <p:attrNameLst>
-                                          <p:attrName>ppt_y</p:attrName>
-                                        </p:attrNameLst>
-                                      </p:cBhvr>
-                                      <p:tavLst>
-                                        <p:tav tm="0">
-                                          <p:val>
-                                            <p:strVal val="#ppt_y+.1"/>
-                                          </p:val>
-                                        </p:tav>
-                                        <p:tav tm="100000">
-                                          <p:val>
-                                            <p:strVal val="#ppt_y"/>
-                                          </p:val>
-                                        </p:tav>
-                                      </p:tavLst>
-                                    </p:anim>
-                                  </p:childTnLst>
-                                </p:cTn>
-                              </p:par>
-                            </p:childTnLst>
-                          </p:cTn>
-                        </p:par>
-                        <p:par>
-                          <p:cTn id="40" fill="hold">
-                            <p:stCondLst>
-                              <p:cond delay="3000"/>
-                            </p:stCondLst>
-                            <p:childTnLst>
-                              <p:par>
-                                <p:cTn id="41" presetID="53" presetClass="entr" presetSubtype="16" fill="hold" nodeType="afterEffect">
-                                  <p:stCondLst>
-                                    <p:cond delay="0"/>
-                                  </p:stCondLst>
-                                  <p:childTnLst>
-                                    <p:set>
-                                      <p:cBhvr>
-                                        <p:cTn id="42" dur="1" fill="hold">
-                                          <p:stCondLst>
-                                            <p:cond delay="0"/>
-                                          </p:stCondLst>
-                                        </p:cTn>
-                                        <p:tgtEl>
-                                          <p:spTgt spid="106"/>
-                                        </p:tgtEl>
-                                        <p:attrNameLst>
-                                          <p:attrName>style.visibility</p:attrName>
-                                        </p:attrNameLst>
-                                      </p:cBhvr>
-                                      <p:to>
-                                        <p:strVal val="visible"/>
-                                      </p:to>
-                                    </p:set>
-                                    <p:anim calcmode="lin" valueType="num">
-                                      <p:cBhvr>
-                                        <p:cTn id="43" dur="500" fill="hold"/>
-                                        <p:tgtEl>
-                                          <p:spTgt spid="106"/>
-                                        </p:tgtEl>
-                                        <p:attrNameLst>
-                                          <p:attrName>ppt_w</p:attrName>
-                                        </p:attrNameLst>
-                                      </p:cBhvr>
-                                      <p:tavLst>
-                                        <p:tav tm="0">
-                                          <p:val>
-                                            <p:fltVal val="0"/>
-                                          </p:val>
-                                        </p:tav>
-                                        <p:tav tm="100000">
-                                          <p:val>
-                                            <p:strVal val="#ppt_w"/>
-                                          </p:val>
-                                        </p:tav>
-                                      </p:tavLst>
-                                    </p:anim>
-                                    <p:anim calcmode="lin" valueType="num">
-                                      <p:cBhvr>
-                                        <p:cTn id="44" dur="500" fill="hold"/>
-                                        <p:tgtEl>
-                                          <p:spTgt spid="106"/>
-                                        </p:tgtEl>
-                                        <p:attrNameLst>
-                                          <p:attrName>ppt_h</p:attrName>
-                                        </p:attrNameLst>
-                                      </p:cBhvr>
-                                      <p:tavLst>
-                                        <p:tav tm="0">
-                                          <p:val>
-                                            <p:fltVal val="0"/>
-                                          </p:val>
-                                        </p:tav>
-                                        <p:tav tm="100000">
-                                          <p:val>
-                                            <p:strVal val="#ppt_h"/>
-                                          </p:val>
-                                        </p:tav>
-                                      </p:tavLst>
-                                    </p:anim>
-                                    <p:animEffect transition="in" filter="fade">
-                                      <p:cBhvr>
-                                        <p:cTn id="45" dur="500"/>
-                                        <p:tgtEl>
-                                          <p:spTgt spid="106"/>
-                                        </p:tgtEl>
-                                      </p:cBhvr>
-                                    </p:animEffect>
-                                  </p:childTnLst>
-                                </p:cTn>
-                              </p:par>
-                            </p:childTnLst>
-                          </p:cTn>
-                        </p:par>
-                        <p:par>
-                          <p:cTn id="46" fill="hold">
-                            <p:stCondLst>
-                              <p:cond delay="3500"/>
-                            </p:stCondLst>
-                            <p:childTnLst>
-                              <p:par>
-                                <p:cTn id="47" presetID="53" presetClass="entr" presetSubtype="16" fill="hold" nodeType="afterEffect">
-                                  <p:stCondLst>
-                                    <p:cond delay="0"/>
-                                  </p:stCondLst>
-                                  <p:childTnLst>
-                                    <p:set>
-                                      <p:cBhvr>
-                                        <p:cTn id="48" dur="1" fill="hold">
-                                          <p:stCondLst>
-                                            <p:cond delay="0"/>
-                                          </p:stCondLst>
-                                        </p:cTn>
-                                        <p:tgtEl>
-                                          <p:spTgt spid="115"/>
-                                        </p:tgtEl>
-                                        <p:attrNameLst>
-                                          <p:attrName>style.visibility</p:attrName>
-                                        </p:attrNameLst>
-                                      </p:cBhvr>
-                                      <p:to>
-                                        <p:strVal val="visible"/>
-                                      </p:to>
-                                    </p:set>
-                                    <p:anim calcmode="lin" valueType="num">
-                                      <p:cBhvr>
-                                        <p:cTn id="49" dur="500" fill="hold"/>
-                                        <p:tgtEl>
-                                          <p:spTgt spid="115"/>
-                                        </p:tgtEl>
-                                        <p:attrNameLst>
-                                          <p:attrName>ppt_w</p:attrName>
-                                        </p:attrNameLst>
-                                      </p:cBhvr>
-                                      <p:tavLst>
-                                        <p:tav tm="0">
-                                          <p:val>
-                                            <p:fltVal val="0"/>
-                                          </p:val>
-                                        </p:tav>
-                                        <p:tav tm="100000">
-                                          <p:val>
-                                            <p:strVal val="#ppt_w"/>
-                                          </p:val>
-                                        </p:tav>
-                                      </p:tavLst>
-                                    </p:anim>
-                                    <p:anim calcmode="lin" valueType="num">
-                                      <p:cBhvr>
-                                        <p:cTn id="50" dur="500" fill="hold"/>
-                                        <p:tgtEl>
-                                          <p:spTgt spid="115"/>
-                                        </p:tgtEl>
-                                        <p:attrNameLst>
-                                          <p:attrName>ppt_h</p:attrName>
-                                        </p:attrNameLst>
-                                      </p:cBhvr>
-                                      <p:tavLst>
-                                        <p:tav tm="0">
-                                          <p:val>
-                                            <p:fltVal val="0"/>
-                                          </p:val>
-                                        </p:tav>
-                                        <p:tav tm="100000">
-                                          <p:val>
-                                            <p:strVal val="#ppt_h"/>
-                                          </p:val>
-                                        </p:tav>
-                                      </p:tavLst>
-                                    </p:anim>
-                                    <p:animEffect transition="in" filter="fade">
-                                      <p:cBhvr>
-                                        <p:cTn id="51" dur="500"/>
-                                        <p:tgtEl>
-                                          <p:spTgt spid="115"/>
-                                        </p:tgtEl>
-                                      </p:cBhvr>
-                                    </p:animEffect>
-                                  </p:childTnLst>
-                                </p:cTn>
-                              </p:par>
-                            </p:childTnLst>
-                          </p:cTn>
-                        </p:par>
-                        <p:par>
-                          <p:cTn id="52" fill="hold">
-                            <p:stCondLst>
-                              <p:cond delay="4000"/>
-                            </p:stCondLst>
-                            <p:childTnLst>
-                              <p:par>
-                                <p:cTn id="53" presetID="42" presetClass="entr" presetSubtype="0" fill="hold" nodeType="afterEffect">
-                                  <p:stCondLst>
-                                    <p:cond delay="0"/>
-                                  </p:stCondLst>
-                                  <p:childTnLst>
-                                    <p:set>
-                                      <p:cBhvr>
-                                        <p:cTn id="54" dur="1" fill="hold">
-                                          <p:stCondLst>
-                                            <p:cond delay="0"/>
-                                          </p:stCondLst>
-                                        </p:cTn>
-                                        <p:tgtEl>
-                                          <p:spTgt spid="126"/>
-                                        </p:tgtEl>
-                                        <p:attrNameLst>
-                                          <p:attrName>style.visibility</p:attrName>
-                                        </p:attrNameLst>
-                                      </p:cBhvr>
-                                      <p:to>
-                                        <p:strVal val="visible"/>
-                                      </p:to>
-                                    </p:set>
-                                    <p:animEffect transition="in" filter="fade">
-                                      <p:cBhvr>
-                                        <p:cTn id="55" dur="500"/>
-                                        <p:tgtEl>
-                                          <p:spTgt spid="126"/>
-                                        </p:tgtEl>
-                                      </p:cBhvr>
-                                    </p:animEffect>
-                                    <p:anim calcmode="lin" valueType="num">
-                                      <p:cBhvr>
-                                        <p:cTn id="56" dur="500" fill="hold"/>
-                                        <p:tgtEl>
-                                          <p:spTgt spid="126"/>
-                                        </p:tgtEl>
-                                        <p:attrNameLst>
-                                          <p:attrName>ppt_x</p:attrName>
-                                        </p:attrNameLst>
-                                      </p:cBhvr>
-                                      <p:tavLst>
-                                        <p:tav tm="0">
-                                          <p:val>
-                                            <p:strVal val="#ppt_x"/>
-                                          </p:val>
-                                        </p:tav>
-                                        <p:tav tm="100000">
-                                          <p:val>
-                                            <p:strVal val="#ppt_x"/>
-                                          </p:val>
-                                        </p:tav>
-                                      </p:tavLst>
-                                    </p:anim>
-                                    <p:anim calcmode="lin" valueType="num">
-                                      <p:cBhvr>
-                                        <p:cTn id="57" dur="500" fill="hold"/>
-                                        <p:tgtEl>
-                                          <p:spTgt spid="126"/>
-                                        </p:tgtEl>
-                                        <p:attrNameLst>
-                                          <p:attrName>ppt_y</p:attrName>
-                                        </p:attrNameLst>
-                                      </p:cBhvr>
-                                      <p:tavLst>
-                                        <p:tav tm="0">
-                                          <p:val>
-                                            <p:strVal val="#ppt_y+.1"/>
-                                          </p:val>
-                                        </p:tav>
-                                        <p:tav tm="100000">
-                                          <p:val>
-                                            <p:strVal val="#ppt_y"/>
-                                          </p:val>
-                                        </p:tav>
-                                      </p:tavLst>
-                                    </p:anim>
-                                  </p:childTnLst>
-                                </p:cTn>
-                              </p:par>
-                            </p:childTnLst>
-                          </p:cTn>
-                        </p:par>
-                      </p:childTnLst>
-                    </p:cTn>
-                  </p:par>
-                </p:childTnLst>
-              </p:cTn>
-              <p:prevCondLst>
-                <p:cond evt="onPrev" delay="0">
-                  <p:tgtEl>
-                    <p:sldTgt/>
-                  </p:tgtEl>
-                </p:cond>
-              </p:prevCondLst>
-              <p:nextCondLst>
-                <p:cond evt="onNext" delay="0">
-                  <p:tgtEl>
-                    <p:sldTgt/>
-                  </p:tgtEl>
-                </p:cond>
-              </p:nextCondLst>
-            </p:seq>
-          </p:childTnLst>
-        </p:cTn>
-      </p:par>
-    </p:tnLst>
-  </p:timing>
 </p:sld>
 </file>
 
-<file path=ppt/slides/slide7.xml><?xml version="1.0" encoding="utf-8"?>
+<file path=ppt/slides/slide6.xml><?xml version="1.0" encoding="utf-8"?>
 <p:sld xmlns:a="http://schemas.openxmlformats.org/drawingml/2006/main" xmlns:r="http://schemas.openxmlformats.org/officeDocument/2006/relationships" xmlns:p="http://schemas.openxmlformats.org/presentationml/2006/main">
   <p:cSld>
     <p:spTree>
@@ -21159,7 +17417,7 @@
                   </a:solidFill>
                   <a:latin typeface="Tw Cen MT" panose="020B0602020104020603" pitchFamily="34" charset="0"/>
                 </a:rPr>
-                <a:t>emulzió</a:t>
+                <a:t>definíció</a:t>
               </a:r>
               <a:endParaRPr lang="en-US" sz="2400" b="1" dirty="0">
                 <a:solidFill>
@@ -22628,1176 +18886,6 @@
           </p:spPr>
         </p:pic>
       </p:grpSp>
-      <p:grpSp>
-        <p:nvGrpSpPr>
-          <p:cNvPr id="113" name="Group 112">
-            <a:extLst>
-              <a:ext uri="{FF2B5EF4-FFF2-40B4-BE49-F238E27FC236}">
-                <a16:creationId xmlns:a16="http://schemas.microsoft.com/office/drawing/2014/main" id="{11FBA8A3-D6EF-42EC-AEC1-86283EED452E}"/>
-              </a:ext>
-            </a:extLst>
-          </p:cNvPr>
-          <p:cNvGrpSpPr/>
-          <p:nvPr/>
-        </p:nvGrpSpPr>
-        <p:grpSpPr>
-          <a:xfrm>
-            <a:off x="1390386" y="1717392"/>
-            <a:ext cx="3197225" cy="929085"/>
-            <a:chOff x="764723" y="2142394"/>
-            <a:chExt cx="3197225" cy="929085"/>
-          </a:xfrm>
-        </p:grpSpPr>
-        <p:sp>
-          <p:nvSpPr>
-            <p:cNvPr id="114" name="Oval 113">
-              <a:extLst>
-                <a:ext uri="{FF2B5EF4-FFF2-40B4-BE49-F238E27FC236}">
-                  <a16:creationId xmlns:a16="http://schemas.microsoft.com/office/drawing/2014/main" id="{40F3CBE7-0B7F-4BBC-932B-F8A1336F5066}"/>
-                </a:ext>
-              </a:extLst>
-            </p:cNvPr>
-            <p:cNvSpPr/>
-            <p:nvPr/>
-          </p:nvSpPr>
-          <p:spPr>
-            <a:xfrm>
-              <a:off x="764723" y="2277144"/>
-              <a:ext cx="662056" cy="662056"/>
-            </a:xfrm>
-            <a:prstGeom prst="ellipse">
-              <a:avLst/>
-            </a:prstGeom>
-            <a:solidFill>
-              <a:srgbClr val="FF5969"/>
-            </a:solidFill>
-            <a:ln>
-              <a:noFill/>
-            </a:ln>
-          </p:spPr>
-          <p:style>
-            <a:lnRef idx="2">
-              <a:schemeClr val="accent1">
-                <a:shade val="50000"/>
-              </a:schemeClr>
-            </a:lnRef>
-            <a:fillRef idx="1">
-              <a:schemeClr val="accent1"/>
-            </a:fillRef>
-            <a:effectRef idx="0">
-              <a:schemeClr val="accent1"/>
-            </a:effectRef>
-            <a:fontRef idx="minor">
-              <a:schemeClr val="lt1"/>
-            </a:fontRef>
-          </p:style>
-          <p:txBody>
-            <a:bodyPr rtlCol="0" anchor="ctr"/>
-            <a:lstStyle/>
-            <a:p>
-              <a:pPr algn="ctr"/>
-              <a:endParaRPr lang="en-US"/>
-            </a:p>
-          </p:txBody>
-        </p:sp>
-        <p:pic>
-          <p:nvPicPr>
-            <p:cNvPr id="115" name="Picture 114">
-              <a:extLst>
-                <a:ext uri="{FF2B5EF4-FFF2-40B4-BE49-F238E27FC236}">
-                  <a16:creationId xmlns:a16="http://schemas.microsoft.com/office/drawing/2014/main" id="{1F468DAE-4AE6-45BB-86E9-605BB3D413B8}"/>
-                </a:ext>
-              </a:extLst>
-            </p:cNvPr>
-            <p:cNvPicPr>
-              <a:picLocks noChangeAspect="1"/>
-            </p:cNvPicPr>
-            <p:nvPr/>
-          </p:nvPicPr>
-          <p:blipFill>
-            <a:blip r:embed="rId3">
-              <a:extLst>
-                <a:ext uri="{28A0092B-C50C-407E-A947-70E740481C1C}">
-                  <a14:useLocalDpi xmlns:a14="http://schemas.microsoft.com/office/drawing/2010/main" val="0"/>
-                </a:ext>
-              </a:extLst>
-            </a:blip>
-            <a:stretch>
-              <a:fillRect/>
-            </a:stretch>
-          </p:blipFill>
-          <p:spPr>
-            <a:xfrm>
-              <a:off x="896554" y="2408975"/>
-              <a:ext cx="398394" cy="398394"/>
-            </a:xfrm>
-            <a:prstGeom prst="rect">
-              <a:avLst/>
-            </a:prstGeom>
-          </p:spPr>
-        </p:pic>
-        <p:sp>
-          <p:nvSpPr>
-            <p:cNvPr id="116" name="TextBox 115">
-              <a:extLst>
-                <a:ext uri="{FF2B5EF4-FFF2-40B4-BE49-F238E27FC236}">
-                  <a16:creationId xmlns:a16="http://schemas.microsoft.com/office/drawing/2014/main" id="{A5766AE2-8191-4DD7-9F8B-FB3901844BFC}"/>
-                </a:ext>
-              </a:extLst>
-            </p:cNvPr>
-            <p:cNvSpPr txBox="1"/>
-            <p:nvPr/>
-          </p:nvSpPr>
-          <p:spPr>
-            <a:xfrm>
-              <a:off x="1435200" y="2142394"/>
-              <a:ext cx="1555750" cy="369332"/>
-            </a:xfrm>
-            <a:prstGeom prst="rect">
-              <a:avLst/>
-            </a:prstGeom>
-            <a:noFill/>
-          </p:spPr>
-          <p:txBody>
-            <a:bodyPr wrap="square" rtlCol="0">
-              <a:spAutoFit/>
-            </a:bodyPr>
-            <a:lstStyle/>
-            <a:p>
-              <a:r>
-                <a:rPr lang="en-US" dirty="0">
-                  <a:solidFill>
-                    <a:schemeClr val="tx1">
-                      <a:lumMod val="75000"/>
-                      <a:lumOff val="25000"/>
-                    </a:schemeClr>
-                  </a:solidFill>
-                  <a:latin typeface="Tw Cen MT" panose="020B0602020104020603" pitchFamily="34" charset="0"/>
-                </a:rPr>
-                <a:t>Web Design</a:t>
-              </a:r>
-            </a:p>
-          </p:txBody>
-        </p:sp>
-        <p:sp>
-          <p:nvSpPr>
-            <p:cNvPr id="117" name="TextBox 116">
-              <a:extLst>
-                <a:ext uri="{FF2B5EF4-FFF2-40B4-BE49-F238E27FC236}">
-                  <a16:creationId xmlns:a16="http://schemas.microsoft.com/office/drawing/2014/main" id="{ED76257E-DD5D-4C31-B2AC-F76DC9199544}"/>
-                </a:ext>
-              </a:extLst>
-            </p:cNvPr>
-            <p:cNvSpPr txBox="1"/>
-            <p:nvPr/>
-          </p:nvSpPr>
-          <p:spPr>
-            <a:xfrm>
-              <a:off x="1435200" y="2425148"/>
-              <a:ext cx="2526748" cy="646331"/>
-            </a:xfrm>
-            <a:prstGeom prst="rect">
-              <a:avLst/>
-            </a:prstGeom>
-            <a:noFill/>
-          </p:spPr>
-          <p:txBody>
-            <a:bodyPr wrap="square" rtlCol="0">
-              <a:spAutoFit/>
-            </a:bodyPr>
-            <a:lstStyle/>
-            <a:p>
-              <a:r>
-                <a:rPr lang="en-US" sz="1200" dirty="0">
-                  <a:solidFill>
-                    <a:schemeClr val="tx1">
-                      <a:lumMod val="75000"/>
-                      <a:lumOff val="25000"/>
-                    </a:schemeClr>
-                  </a:solidFill>
-                  <a:latin typeface="Tw Cen MT" panose="020B0602020104020603" pitchFamily="34" charset="0"/>
-                </a:rPr>
-                <a:t>Here you need to add some brief about the service that your company is providing currently</a:t>
-              </a:r>
-            </a:p>
-          </p:txBody>
-        </p:sp>
-      </p:grpSp>
-      <p:grpSp>
-        <p:nvGrpSpPr>
-          <p:cNvPr id="118" name="Group 117">
-            <a:extLst>
-              <a:ext uri="{FF2B5EF4-FFF2-40B4-BE49-F238E27FC236}">
-                <a16:creationId xmlns:a16="http://schemas.microsoft.com/office/drawing/2014/main" id="{9C5CB2E8-B3A7-4DE0-B2CC-736365263446}"/>
-              </a:ext>
-            </a:extLst>
-          </p:cNvPr>
-          <p:cNvGrpSpPr/>
-          <p:nvPr/>
-        </p:nvGrpSpPr>
-        <p:grpSpPr>
-          <a:xfrm>
-            <a:off x="1390386" y="2995413"/>
-            <a:ext cx="3197225" cy="929085"/>
-            <a:chOff x="764723" y="3420415"/>
-            <a:chExt cx="3197225" cy="929085"/>
-          </a:xfrm>
-        </p:grpSpPr>
-        <p:sp>
-          <p:nvSpPr>
-            <p:cNvPr id="119" name="Oval 118">
-              <a:extLst>
-                <a:ext uri="{FF2B5EF4-FFF2-40B4-BE49-F238E27FC236}">
-                  <a16:creationId xmlns:a16="http://schemas.microsoft.com/office/drawing/2014/main" id="{4CD8841C-D453-44E7-9CE2-70317BC917D2}"/>
-                </a:ext>
-              </a:extLst>
-            </p:cNvPr>
-            <p:cNvSpPr/>
-            <p:nvPr/>
-          </p:nvSpPr>
-          <p:spPr>
-            <a:xfrm>
-              <a:off x="764723" y="3555165"/>
-              <a:ext cx="662056" cy="662056"/>
-            </a:xfrm>
-            <a:prstGeom prst="ellipse">
-              <a:avLst/>
-            </a:prstGeom>
-            <a:solidFill>
-              <a:srgbClr val="03A1A4"/>
-            </a:solidFill>
-            <a:ln>
-              <a:noFill/>
-            </a:ln>
-          </p:spPr>
-          <p:style>
-            <a:lnRef idx="2">
-              <a:schemeClr val="accent1">
-                <a:shade val="50000"/>
-              </a:schemeClr>
-            </a:lnRef>
-            <a:fillRef idx="1">
-              <a:schemeClr val="accent1"/>
-            </a:fillRef>
-            <a:effectRef idx="0">
-              <a:schemeClr val="accent1"/>
-            </a:effectRef>
-            <a:fontRef idx="minor">
-              <a:schemeClr val="lt1"/>
-            </a:fontRef>
-          </p:style>
-          <p:txBody>
-            <a:bodyPr rtlCol="0" anchor="ctr"/>
-            <a:lstStyle/>
-            <a:p>
-              <a:pPr algn="ctr"/>
-              <a:endParaRPr lang="en-US" dirty="0"/>
-            </a:p>
-          </p:txBody>
-        </p:sp>
-        <p:sp>
-          <p:nvSpPr>
-            <p:cNvPr id="120" name="TextBox 119">
-              <a:extLst>
-                <a:ext uri="{FF2B5EF4-FFF2-40B4-BE49-F238E27FC236}">
-                  <a16:creationId xmlns:a16="http://schemas.microsoft.com/office/drawing/2014/main" id="{FF4D948F-8670-4F67-B5BD-4AC06968C522}"/>
-                </a:ext>
-              </a:extLst>
-            </p:cNvPr>
-            <p:cNvSpPr txBox="1"/>
-            <p:nvPr/>
-          </p:nvSpPr>
-          <p:spPr>
-            <a:xfrm>
-              <a:off x="1435200" y="3420415"/>
-              <a:ext cx="1555750" cy="369332"/>
-            </a:xfrm>
-            <a:prstGeom prst="rect">
-              <a:avLst/>
-            </a:prstGeom>
-            <a:noFill/>
-          </p:spPr>
-          <p:txBody>
-            <a:bodyPr wrap="square" rtlCol="0">
-              <a:spAutoFit/>
-            </a:bodyPr>
-            <a:lstStyle/>
-            <a:p>
-              <a:r>
-                <a:rPr lang="en-US" dirty="0">
-                  <a:solidFill>
-                    <a:schemeClr val="tx1">
-                      <a:lumMod val="75000"/>
-                      <a:lumOff val="25000"/>
-                    </a:schemeClr>
-                  </a:solidFill>
-                  <a:latin typeface="Tw Cen MT" panose="020B0602020104020603" pitchFamily="34" charset="0"/>
-                </a:rPr>
-                <a:t>Web Design</a:t>
-              </a:r>
-            </a:p>
-          </p:txBody>
-        </p:sp>
-        <p:sp>
-          <p:nvSpPr>
-            <p:cNvPr id="121" name="TextBox 120">
-              <a:extLst>
-                <a:ext uri="{FF2B5EF4-FFF2-40B4-BE49-F238E27FC236}">
-                  <a16:creationId xmlns:a16="http://schemas.microsoft.com/office/drawing/2014/main" id="{A120E0D6-EFA2-4A08-BFE2-DD70F47E6C48}"/>
-                </a:ext>
-              </a:extLst>
-            </p:cNvPr>
-            <p:cNvSpPr txBox="1"/>
-            <p:nvPr/>
-          </p:nvSpPr>
-          <p:spPr>
-            <a:xfrm>
-              <a:off x="1435200" y="3703169"/>
-              <a:ext cx="2526748" cy="646331"/>
-            </a:xfrm>
-            <a:prstGeom prst="rect">
-              <a:avLst/>
-            </a:prstGeom>
-            <a:noFill/>
-          </p:spPr>
-          <p:txBody>
-            <a:bodyPr wrap="square" rtlCol="0">
-              <a:spAutoFit/>
-            </a:bodyPr>
-            <a:lstStyle/>
-            <a:p>
-              <a:r>
-                <a:rPr lang="en-US" sz="1200" dirty="0">
-                  <a:solidFill>
-                    <a:schemeClr val="tx1">
-                      <a:lumMod val="75000"/>
-                      <a:lumOff val="25000"/>
-                    </a:schemeClr>
-                  </a:solidFill>
-                  <a:latin typeface="Tw Cen MT" panose="020B0602020104020603" pitchFamily="34" charset="0"/>
-                </a:rPr>
-                <a:t>Here you need to add some brief about the service that your company is providing currently</a:t>
-              </a:r>
-            </a:p>
-          </p:txBody>
-        </p:sp>
-        <p:pic>
-          <p:nvPicPr>
-            <p:cNvPr id="122" name="Picture 121">
-              <a:extLst>
-                <a:ext uri="{FF2B5EF4-FFF2-40B4-BE49-F238E27FC236}">
-                  <a16:creationId xmlns:a16="http://schemas.microsoft.com/office/drawing/2014/main" id="{CC4EB96D-DFD9-40AE-890E-7DA16AF16701}"/>
-                </a:ext>
-              </a:extLst>
-            </p:cNvPr>
-            <p:cNvPicPr>
-              <a:picLocks noChangeAspect="1"/>
-            </p:cNvPicPr>
-            <p:nvPr/>
-          </p:nvPicPr>
-          <p:blipFill>
-            <a:blip r:embed="rId4">
-              <a:extLst>
-                <a:ext uri="{28A0092B-C50C-407E-A947-70E740481C1C}">
-                  <a14:useLocalDpi xmlns:a14="http://schemas.microsoft.com/office/drawing/2010/main" val="0"/>
-                </a:ext>
-              </a:extLst>
-            </a:blip>
-            <a:stretch>
-              <a:fillRect/>
-            </a:stretch>
-          </p:blipFill>
-          <p:spPr>
-            <a:xfrm>
-              <a:off x="922748" y="3713190"/>
-              <a:ext cx="346006" cy="346006"/>
-            </a:xfrm>
-            <a:prstGeom prst="rect">
-              <a:avLst/>
-            </a:prstGeom>
-          </p:spPr>
-        </p:pic>
-      </p:grpSp>
-      <p:grpSp>
-        <p:nvGrpSpPr>
-          <p:cNvPr id="123" name="Group 122">
-            <a:extLst>
-              <a:ext uri="{FF2B5EF4-FFF2-40B4-BE49-F238E27FC236}">
-                <a16:creationId xmlns:a16="http://schemas.microsoft.com/office/drawing/2014/main" id="{FAF9A856-B862-439D-AB2D-28527B3BC76B}"/>
-              </a:ext>
-            </a:extLst>
-          </p:cNvPr>
-          <p:cNvGrpSpPr/>
-          <p:nvPr/>
-        </p:nvGrpSpPr>
-        <p:grpSpPr>
-          <a:xfrm>
-            <a:off x="1390386" y="4273434"/>
-            <a:ext cx="3197225" cy="929085"/>
-            <a:chOff x="764723" y="4698436"/>
-            <a:chExt cx="3197225" cy="929085"/>
-          </a:xfrm>
-        </p:grpSpPr>
-        <p:sp>
-          <p:nvSpPr>
-            <p:cNvPr id="124" name="Oval 123">
-              <a:extLst>
-                <a:ext uri="{FF2B5EF4-FFF2-40B4-BE49-F238E27FC236}">
-                  <a16:creationId xmlns:a16="http://schemas.microsoft.com/office/drawing/2014/main" id="{6B8AFB94-C2E3-487E-AE72-2D519C605F72}"/>
-                </a:ext>
-              </a:extLst>
-            </p:cNvPr>
-            <p:cNvSpPr/>
-            <p:nvPr/>
-          </p:nvSpPr>
-          <p:spPr>
-            <a:xfrm>
-              <a:off x="764723" y="4833186"/>
-              <a:ext cx="662056" cy="662056"/>
-            </a:xfrm>
-            <a:prstGeom prst="ellipse">
-              <a:avLst/>
-            </a:prstGeom>
-            <a:solidFill>
-              <a:srgbClr val="92D050"/>
-            </a:solidFill>
-            <a:ln>
-              <a:noFill/>
-            </a:ln>
-          </p:spPr>
-          <p:style>
-            <a:lnRef idx="2">
-              <a:schemeClr val="accent1">
-                <a:shade val="50000"/>
-              </a:schemeClr>
-            </a:lnRef>
-            <a:fillRef idx="1">
-              <a:schemeClr val="accent1"/>
-            </a:fillRef>
-            <a:effectRef idx="0">
-              <a:schemeClr val="accent1"/>
-            </a:effectRef>
-            <a:fontRef idx="minor">
-              <a:schemeClr val="lt1"/>
-            </a:fontRef>
-          </p:style>
-          <p:txBody>
-            <a:bodyPr rtlCol="0" anchor="ctr"/>
-            <a:lstStyle/>
-            <a:p>
-              <a:pPr algn="ctr"/>
-              <a:endParaRPr lang="en-US"/>
-            </a:p>
-          </p:txBody>
-        </p:sp>
-        <p:sp>
-          <p:nvSpPr>
-            <p:cNvPr id="125" name="TextBox 124">
-              <a:extLst>
-                <a:ext uri="{FF2B5EF4-FFF2-40B4-BE49-F238E27FC236}">
-                  <a16:creationId xmlns:a16="http://schemas.microsoft.com/office/drawing/2014/main" id="{04E1E449-1505-4788-9575-E71478300712}"/>
-                </a:ext>
-              </a:extLst>
-            </p:cNvPr>
-            <p:cNvSpPr txBox="1"/>
-            <p:nvPr/>
-          </p:nvSpPr>
-          <p:spPr>
-            <a:xfrm>
-              <a:off x="1435200" y="4698436"/>
-              <a:ext cx="1555750" cy="369332"/>
-            </a:xfrm>
-            <a:prstGeom prst="rect">
-              <a:avLst/>
-            </a:prstGeom>
-            <a:noFill/>
-          </p:spPr>
-          <p:txBody>
-            <a:bodyPr wrap="square" rtlCol="0">
-              <a:spAutoFit/>
-            </a:bodyPr>
-            <a:lstStyle/>
-            <a:p>
-              <a:r>
-                <a:rPr lang="en-US" dirty="0">
-                  <a:solidFill>
-                    <a:schemeClr val="tx1">
-                      <a:lumMod val="75000"/>
-                      <a:lumOff val="25000"/>
-                    </a:schemeClr>
-                  </a:solidFill>
-                  <a:latin typeface="Tw Cen MT" panose="020B0602020104020603" pitchFamily="34" charset="0"/>
-                </a:rPr>
-                <a:t>Web Design</a:t>
-              </a:r>
-            </a:p>
-          </p:txBody>
-        </p:sp>
-        <p:sp>
-          <p:nvSpPr>
-            <p:cNvPr id="126" name="TextBox 125">
-              <a:extLst>
-                <a:ext uri="{FF2B5EF4-FFF2-40B4-BE49-F238E27FC236}">
-                  <a16:creationId xmlns:a16="http://schemas.microsoft.com/office/drawing/2014/main" id="{7EAC8E37-8B3C-4F8F-AC92-FAC65925ACC6}"/>
-                </a:ext>
-              </a:extLst>
-            </p:cNvPr>
-            <p:cNvSpPr txBox="1"/>
-            <p:nvPr/>
-          </p:nvSpPr>
-          <p:spPr>
-            <a:xfrm>
-              <a:off x="1435200" y="4981190"/>
-              <a:ext cx="2526748" cy="646331"/>
-            </a:xfrm>
-            <a:prstGeom prst="rect">
-              <a:avLst/>
-            </a:prstGeom>
-            <a:noFill/>
-          </p:spPr>
-          <p:txBody>
-            <a:bodyPr wrap="square" rtlCol="0">
-              <a:spAutoFit/>
-            </a:bodyPr>
-            <a:lstStyle/>
-            <a:p>
-              <a:r>
-                <a:rPr lang="en-US" sz="1200" dirty="0">
-                  <a:solidFill>
-                    <a:schemeClr val="tx1">
-                      <a:lumMod val="75000"/>
-                      <a:lumOff val="25000"/>
-                    </a:schemeClr>
-                  </a:solidFill>
-                  <a:latin typeface="Tw Cen MT" panose="020B0602020104020603" pitchFamily="34" charset="0"/>
-                </a:rPr>
-                <a:t>Here you need to add some brief about the service that your company is providing currently</a:t>
-              </a:r>
-            </a:p>
-          </p:txBody>
-        </p:sp>
-        <p:pic>
-          <p:nvPicPr>
-            <p:cNvPr id="127" name="Picture 126">
-              <a:extLst>
-                <a:ext uri="{FF2B5EF4-FFF2-40B4-BE49-F238E27FC236}">
-                  <a16:creationId xmlns:a16="http://schemas.microsoft.com/office/drawing/2014/main" id="{8A5A61FB-CA64-4580-801C-AD3884078BF0}"/>
-                </a:ext>
-              </a:extLst>
-            </p:cNvPr>
-            <p:cNvPicPr>
-              <a:picLocks noChangeAspect="1"/>
-            </p:cNvPicPr>
-            <p:nvPr/>
-          </p:nvPicPr>
-          <p:blipFill>
-            <a:blip r:embed="rId5">
-              <a:extLst>
-                <a:ext uri="{28A0092B-C50C-407E-A947-70E740481C1C}">
-                  <a14:useLocalDpi xmlns:a14="http://schemas.microsoft.com/office/drawing/2010/main" val="0"/>
-                </a:ext>
-              </a:extLst>
-            </a:blip>
-            <a:stretch>
-              <a:fillRect/>
-            </a:stretch>
-          </p:blipFill>
-          <p:spPr>
-            <a:xfrm>
-              <a:off x="896553" y="4977083"/>
-              <a:ext cx="398396" cy="398396"/>
-            </a:xfrm>
-            <a:prstGeom prst="rect">
-              <a:avLst/>
-            </a:prstGeom>
-          </p:spPr>
-        </p:pic>
-      </p:grpSp>
-      <p:grpSp>
-        <p:nvGrpSpPr>
-          <p:cNvPr id="128" name="Group 127">
-            <a:extLst>
-              <a:ext uri="{FF2B5EF4-FFF2-40B4-BE49-F238E27FC236}">
-                <a16:creationId xmlns:a16="http://schemas.microsoft.com/office/drawing/2014/main" id="{743BC266-D040-419D-B713-FBC99952FADF}"/>
-              </a:ext>
-            </a:extLst>
-          </p:cNvPr>
-          <p:cNvGrpSpPr/>
-          <p:nvPr/>
-        </p:nvGrpSpPr>
-        <p:grpSpPr>
-          <a:xfrm>
-            <a:off x="5130290" y="2995413"/>
-            <a:ext cx="3197225" cy="929085"/>
-            <a:chOff x="4504627" y="3420415"/>
-            <a:chExt cx="3197225" cy="929085"/>
-          </a:xfrm>
-        </p:grpSpPr>
-        <p:sp>
-          <p:nvSpPr>
-            <p:cNvPr id="129" name="Oval 128">
-              <a:extLst>
-                <a:ext uri="{FF2B5EF4-FFF2-40B4-BE49-F238E27FC236}">
-                  <a16:creationId xmlns:a16="http://schemas.microsoft.com/office/drawing/2014/main" id="{1F70E9A6-B0EA-49B3-9490-7C7B09ACEE67}"/>
-                </a:ext>
-              </a:extLst>
-            </p:cNvPr>
-            <p:cNvSpPr/>
-            <p:nvPr/>
-          </p:nvSpPr>
-          <p:spPr>
-            <a:xfrm>
-              <a:off x="4504627" y="3555165"/>
-              <a:ext cx="662056" cy="662056"/>
-            </a:xfrm>
-            <a:prstGeom prst="ellipse">
-              <a:avLst/>
-            </a:prstGeom>
-            <a:solidFill>
-              <a:srgbClr val="03A1A4"/>
-            </a:solidFill>
-            <a:ln>
-              <a:noFill/>
-            </a:ln>
-          </p:spPr>
-          <p:style>
-            <a:lnRef idx="2">
-              <a:schemeClr val="accent1">
-                <a:shade val="50000"/>
-              </a:schemeClr>
-            </a:lnRef>
-            <a:fillRef idx="1">
-              <a:schemeClr val="accent1"/>
-            </a:fillRef>
-            <a:effectRef idx="0">
-              <a:schemeClr val="accent1"/>
-            </a:effectRef>
-            <a:fontRef idx="minor">
-              <a:schemeClr val="lt1"/>
-            </a:fontRef>
-          </p:style>
-          <p:txBody>
-            <a:bodyPr rtlCol="0" anchor="ctr"/>
-            <a:lstStyle/>
-            <a:p>
-              <a:pPr algn="ctr"/>
-              <a:endParaRPr lang="en-US"/>
-            </a:p>
-          </p:txBody>
-        </p:sp>
-        <p:sp>
-          <p:nvSpPr>
-            <p:cNvPr id="130" name="TextBox 129">
-              <a:extLst>
-                <a:ext uri="{FF2B5EF4-FFF2-40B4-BE49-F238E27FC236}">
-                  <a16:creationId xmlns:a16="http://schemas.microsoft.com/office/drawing/2014/main" id="{C1C9AE74-6ECE-4642-85A1-879B902A0C00}"/>
-                </a:ext>
-              </a:extLst>
-            </p:cNvPr>
-            <p:cNvSpPr txBox="1"/>
-            <p:nvPr/>
-          </p:nvSpPr>
-          <p:spPr>
-            <a:xfrm>
-              <a:off x="5175104" y="3420415"/>
-              <a:ext cx="1555750" cy="369332"/>
-            </a:xfrm>
-            <a:prstGeom prst="rect">
-              <a:avLst/>
-            </a:prstGeom>
-            <a:noFill/>
-          </p:spPr>
-          <p:txBody>
-            <a:bodyPr wrap="square" rtlCol="0">
-              <a:spAutoFit/>
-            </a:bodyPr>
-            <a:lstStyle/>
-            <a:p>
-              <a:r>
-                <a:rPr lang="en-US" dirty="0">
-                  <a:solidFill>
-                    <a:schemeClr val="tx1">
-                      <a:lumMod val="75000"/>
-                      <a:lumOff val="25000"/>
-                    </a:schemeClr>
-                  </a:solidFill>
-                  <a:latin typeface="Tw Cen MT" panose="020B0602020104020603" pitchFamily="34" charset="0"/>
-                </a:rPr>
-                <a:t>Web Design</a:t>
-              </a:r>
-            </a:p>
-          </p:txBody>
-        </p:sp>
-        <p:sp>
-          <p:nvSpPr>
-            <p:cNvPr id="131" name="TextBox 130">
-              <a:extLst>
-                <a:ext uri="{FF2B5EF4-FFF2-40B4-BE49-F238E27FC236}">
-                  <a16:creationId xmlns:a16="http://schemas.microsoft.com/office/drawing/2014/main" id="{F00EE840-57C5-45A8-AB89-BA57CE453AA8}"/>
-                </a:ext>
-              </a:extLst>
-            </p:cNvPr>
-            <p:cNvSpPr txBox="1"/>
-            <p:nvPr/>
-          </p:nvSpPr>
-          <p:spPr>
-            <a:xfrm>
-              <a:off x="5175104" y="3703169"/>
-              <a:ext cx="2526748" cy="646331"/>
-            </a:xfrm>
-            <a:prstGeom prst="rect">
-              <a:avLst/>
-            </a:prstGeom>
-            <a:noFill/>
-          </p:spPr>
-          <p:txBody>
-            <a:bodyPr wrap="square" rtlCol="0">
-              <a:spAutoFit/>
-            </a:bodyPr>
-            <a:lstStyle/>
-            <a:p>
-              <a:r>
-                <a:rPr lang="en-US" sz="1200" dirty="0">
-                  <a:solidFill>
-                    <a:schemeClr val="tx1">
-                      <a:lumMod val="75000"/>
-                      <a:lumOff val="25000"/>
-                    </a:schemeClr>
-                  </a:solidFill>
-                  <a:latin typeface="Tw Cen MT" panose="020B0602020104020603" pitchFamily="34" charset="0"/>
-                </a:rPr>
-                <a:t>Here you need to add some brief about the service that your company is providing currently</a:t>
-              </a:r>
-            </a:p>
-          </p:txBody>
-        </p:sp>
-        <p:pic>
-          <p:nvPicPr>
-            <p:cNvPr id="132" name="Picture 131">
-              <a:extLst>
-                <a:ext uri="{FF2B5EF4-FFF2-40B4-BE49-F238E27FC236}">
-                  <a16:creationId xmlns:a16="http://schemas.microsoft.com/office/drawing/2014/main" id="{28C55931-7730-4132-AB43-DEC401084661}"/>
-                </a:ext>
-              </a:extLst>
-            </p:cNvPr>
-            <p:cNvPicPr>
-              <a:picLocks noChangeAspect="1"/>
-            </p:cNvPicPr>
-            <p:nvPr/>
-          </p:nvPicPr>
-          <p:blipFill>
-            <a:blip r:embed="rId6">
-              <a:extLst>
-                <a:ext uri="{28A0092B-C50C-407E-A947-70E740481C1C}">
-                  <a14:useLocalDpi xmlns:a14="http://schemas.microsoft.com/office/drawing/2010/main" val="0"/>
-                </a:ext>
-              </a:extLst>
-            </a:blip>
-            <a:stretch>
-              <a:fillRect/>
-            </a:stretch>
-          </p:blipFill>
-          <p:spPr>
-            <a:xfrm>
-              <a:off x="4628037" y="3678575"/>
-              <a:ext cx="415236" cy="415236"/>
-            </a:xfrm>
-            <a:prstGeom prst="rect">
-              <a:avLst/>
-            </a:prstGeom>
-          </p:spPr>
-        </p:pic>
-      </p:grpSp>
-      <p:grpSp>
-        <p:nvGrpSpPr>
-          <p:cNvPr id="133" name="Group 132">
-            <a:extLst>
-              <a:ext uri="{FF2B5EF4-FFF2-40B4-BE49-F238E27FC236}">
-                <a16:creationId xmlns:a16="http://schemas.microsoft.com/office/drawing/2014/main" id="{F0E3BF0A-B04D-4316-B447-549B31994A65}"/>
-              </a:ext>
-            </a:extLst>
-          </p:cNvPr>
-          <p:cNvGrpSpPr/>
-          <p:nvPr/>
-        </p:nvGrpSpPr>
-        <p:grpSpPr>
-          <a:xfrm>
-            <a:off x="5130290" y="4273434"/>
-            <a:ext cx="3197225" cy="929085"/>
-            <a:chOff x="4504627" y="4698436"/>
-            <a:chExt cx="3197225" cy="929085"/>
-          </a:xfrm>
-        </p:grpSpPr>
-        <p:sp>
-          <p:nvSpPr>
-            <p:cNvPr id="134" name="Oval 133">
-              <a:extLst>
-                <a:ext uri="{FF2B5EF4-FFF2-40B4-BE49-F238E27FC236}">
-                  <a16:creationId xmlns:a16="http://schemas.microsoft.com/office/drawing/2014/main" id="{21B892CB-2087-4B4E-9D9A-135A090D8BBA}"/>
-                </a:ext>
-              </a:extLst>
-            </p:cNvPr>
-            <p:cNvSpPr/>
-            <p:nvPr/>
-          </p:nvSpPr>
-          <p:spPr>
-            <a:xfrm>
-              <a:off x="4504627" y="4833186"/>
-              <a:ext cx="662056" cy="662056"/>
-            </a:xfrm>
-            <a:prstGeom prst="ellipse">
-              <a:avLst/>
-            </a:prstGeom>
-            <a:solidFill>
-              <a:srgbClr val="92D050"/>
-            </a:solidFill>
-            <a:ln>
-              <a:noFill/>
-            </a:ln>
-          </p:spPr>
-          <p:style>
-            <a:lnRef idx="2">
-              <a:schemeClr val="accent1">
-                <a:shade val="50000"/>
-              </a:schemeClr>
-            </a:lnRef>
-            <a:fillRef idx="1">
-              <a:schemeClr val="accent1"/>
-            </a:fillRef>
-            <a:effectRef idx="0">
-              <a:schemeClr val="accent1"/>
-            </a:effectRef>
-            <a:fontRef idx="minor">
-              <a:schemeClr val="lt1"/>
-            </a:fontRef>
-          </p:style>
-          <p:txBody>
-            <a:bodyPr rtlCol="0" anchor="ctr"/>
-            <a:lstStyle/>
-            <a:p>
-              <a:pPr algn="ctr"/>
-              <a:endParaRPr lang="en-US" dirty="0"/>
-            </a:p>
-          </p:txBody>
-        </p:sp>
-        <p:sp>
-          <p:nvSpPr>
-            <p:cNvPr id="135" name="TextBox 134">
-              <a:extLst>
-                <a:ext uri="{FF2B5EF4-FFF2-40B4-BE49-F238E27FC236}">
-                  <a16:creationId xmlns:a16="http://schemas.microsoft.com/office/drawing/2014/main" id="{2F1E812C-21E1-4AE8-8492-7C26987E24F5}"/>
-                </a:ext>
-              </a:extLst>
-            </p:cNvPr>
-            <p:cNvSpPr txBox="1"/>
-            <p:nvPr/>
-          </p:nvSpPr>
-          <p:spPr>
-            <a:xfrm>
-              <a:off x="5175104" y="4698436"/>
-              <a:ext cx="1555750" cy="369332"/>
-            </a:xfrm>
-            <a:prstGeom prst="rect">
-              <a:avLst/>
-            </a:prstGeom>
-            <a:noFill/>
-          </p:spPr>
-          <p:txBody>
-            <a:bodyPr wrap="square" rtlCol="0">
-              <a:spAutoFit/>
-            </a:bodyPr>
-            <a:lstStyle/>
-            <a:p>
-              <a:r>
-                <a:rPr lang="en-US" dirty="0">
-                  <a:solidFill>
-                    <a:schemeClr val="tx1">
-                      <a:lumMod val="75000"/>
-                      <a:lumOff val="25000"/>
-                    </a:schemeClr>
-                  </a:solidFill>
-                  <a:latin typeface="Tw Cen MT" panose="020B0602020104020603" pitchFamily="34" charset="0"/>
-                </a:rPr>
-                <a:t>Web Design</a:t>
-              </a:r>
-            </a:p>
-          </p:txBody>
-        </p:sp>
-        <p:sp>
-          <p:nvSpPr>
-            <p:cNvPr id="136" name="TextBox 135">
-              <a:extLst>
-                <a:ext uri="{FF2B5EF4-FFF2-40B4-BE49-F238E27FC236}">
-                  <a16:creationId xmlns:a16="http://schemas.microsoft.com/office/drawing/2014/main" id="{39E48791-F83A-43C2-91A4-5459684E27A3}"/>
-                </a:ext>
-              </a:extLst>
-            </p:cNvPr>
-            <p:cNvSpPr txBox="1"/>
-            <p:nvPr/>
-          </p:nvSpPr>
-          <p:spPr>
-            <a:xfrm>
-              <a:off x="5175104" y="4981190"/>
-              <a:ext cx="2526748" cy="646331"/>
-            </a:xfrm>
-            <a:prstGeom prst="rect">
-              <a:avLst/>
-            </a:prstGeom>
-            <a:noFill/>
-          </p:spPr>
-          <p:txBody>
-            <a:bodyPr wrap="square" rtlCol="0">
-              <a:spAutoFit/>
-            </a:bodyPr>
-            <a:lstStyle/>
-            <a:p>
-              <a:r>
-                <a:rPr lang="en-US" sz="1200" dirty="0">
-                  <a:solidFill>
-                    <a:schemeClr val="tx1">
-                      <a:lumMod val="75000"/>
-                      <a:lumOff val="25000"/>
-                    </a:schemeClr>
-                  </a:solidFill>
-                  <a:latin typeface="Tw Cen MT" panose="020B0602020104020603" pitchFamily="34" charset="0"/>
-                </a:rPr>
-                <a:t>Here you need to add some brief about the service that your company is providing currently</a:t>
-              </a:r>
-            </a:p>
-          </p:txBody>
-        </p:sp>
-        <p:pic>
-          <p:nvPicPr>
-            <p:cNvPr id="137" name="Picture 136">
-              <a:extLst>
-                <a:ext uri="{FF2B5EF4-FFF2-40B4-BE49-F238E27FC236}">
-                  <a16:creationId xmlns:a16="http://schemas.microsoft.com/office/drawing/2014/main" id="{3998D37B-EE23-4400-B3FB-AE622C2B469D}"/>
-                </a:ext>
-              </a:extLst>
-            </p:cNvPr>
-            <p:cNvPicPr>
-              <a:picLocks noChangeAspect="1"/>
-            </p:cNvPicPr>
-            <p:nvPr/>
-          </p:nvPicPr>
-          <p:blipFill>
-            <a:blip r:embed="rId7">
-              <a:extLst>
-                <a:ext uri="{28A0092B-C50C-407E-A947-70E740481C1C}">
-                  <a14:useLocalDpi xmlns:a14="http://schemas.microsoft.com/office/drawing/2010/main" val="0"/>
-                </a:ext>
-              </a:extLst>
-            </a:blip>
-            <a:stretch>
-              <a:fillRect/>
-            </a:stretch>
-          </p:blipFill>
-          <p:spPr>
-            <a:xfrm>
-              <a:off x="4667162" y="4967369"/>
-              <a:ext cx="336986" cy="336986"/>
-            </a:xfrm>
-            <a:prstGeom prst="rect">
-              <a:avLst/>
-            </a:prstGeom>
-          </p:spPr>
-        </p:pic>
-      </p:grpSp>
-      <p:grpSp>
-        <p:nvGrpSpPr>
-          <p:cNvPr id="138" name="Group 137">
-            <a:extLst>
-              <a:ext uri="{FF2B5EF4-FFF2-40B4-BE49-F238E27FC236}">
-                <a16:creationId xmlns:a16="http://schemas.microsoft.com/office/drawing/2014/main" id="{6A922994-56F7-4E3F-BBC4-41F24AED21E0}"/>
-              </a:ext>
-            </a:extLst>
-          </p:cNvPr>
-          <p:cNvGrpSpPr/>
-          <p:nvPr/>
-        </p:nvGrpSpPr>
-        <p:grpSpPr>
-          <a:xfrm>
-            <a:off x="5130290" y="1717392"/>
-            <a:ext cx="3197225" cy="929085"/>
-            <a:chOff x="4504627" y="2142394"/>
-            <a:chExt cx="3197225" cy="929085"/>
-          </a:xfrm>
-        </p:grpSpPr>
-        <p:sp>
-          <p:nvSpPr>
-            <p:cNvPr id="139" name="Oval 138">
-              <a:extLst>
-                <a:ext uri="{FF2B5EF4-FFF2-40B4-BE49-F238E27FC236}">
-                  <a16:creationId xmlns:a16="http://schemas.microsoft.com/office/drawing/2014/main" id="{4B44027A-8946-45E7-8F11-28B2EA7E8E3E}"/>
-                </a:ext>
-              </a:extLst>
-            </p:cNvPr>
-            <p:cNvSpPr/>
-            <p:nvPr/>
-          </p:nvSpPr>
-          <p:spPr>
-            <a:xfrm>
-              <a:off x="4504627" y="2277144"/>
-              <a:ext cx="662056" cy="662056"/>
-            </a:xfrm>
-            <a:prstGeom prst="ellipse">
-              <a:avLst/>
-            </a:prstGeom>
-            <a:solidFill>
-              <a:srgbClr val="FF5969"/>
-            </a:solidFill>
-            <a:ln>
-              <a:noFill/>
-            </a:ln>
-          </p:spPr>
-          <p:style>
-            <a:lnRef idx="2">
-              <a:schemeClr val="accent1">
-                <a:shade val="50000"/>
-              </a:schemeClr>
-            </a:lnRef>
-            <a:fillRef idx="1">
-              <a:schemeClr val="accent1"/>
-            </a:fillRef>
-            <a:effectRef idx="0">
-              <a:schemeClr val="accent1"/>
-            </a:effectRef>
-            <a:fontRef idx="minor">
-              <a:schemeClr val="lt1"/>
-            </a:fontRef>
-          </p:style>
-          <p:txBody>
-            <a:bodyPr rtlCol="0" anchor="ctr"/>
-            <a:lstStyle/>
-            <a:p>
-              <a:pPr algn="ctr"/>
-              <a:endParaRPr lang="en-US" dirty="0"/>
-            </a:p>
-          </p:txBody>
-        </p:sp>
-        <p:sp>
-          <p:nvSpPr>
-            <p:cNvPr id="140" name="TextBox 139">
-              <a:extLst>
-                <a:ext uri="{FF2B5EF4-FFF2-40B4-BE49-F238E27FC236}">
-                  <a16:creationId xmlns:a16="http://schemas.microsoft.com/office/drawing/2014/main" id="{64EED872-529B-476D-A042-AF8799EED2BA}"/>
-                </a:ext>
-              </a:extLst>
-            </p:cNvPr>
-            <p:cNvSpPr txBox="1"/>
-            <p:nvPr/>
-          </p:nvSpPr>
-          <p:spPr>
-            <a:xfrm>
-              <a:off x="5175104" y="2142394"/>
-              <a:ext cx="1555750" cy="369332"/>
-            </a:xfrm>
-            <a:prstGeom prst="rect">
-              <a:avLst/>
-            </a:prstGeom>
-            <a:noFill/>
-          </p:spPr>
-          <p:txBody>
-            <a:bodyPr wrap="square" rtlCol="0">
-              <a:spAutoFit/>
-            </a:bodyPr>
-            <a:lstStyle/>
-            <a:p>
-              <a:r>
-                <a:rPr lang="en-US" dirty="0">
-                  <a:solidFill>
-                    <a:schemeClr val="tx1">
-                      <a:lumMod val="75000"/>
-                      <a:lumOff val="25000"/>
-                    </a:schemeClr>
-                  </a:solidFill>
-                  <a:latin typeface="Tw Cen MT" panose="020B0602020104020603" pitchFamily="34" charset="0"/>
-                </a:rPr>
-                <a:t>Web Design</a:t>
-              </a:r>
-            </a:p>
-          </p:txBody>
-        </p:sp>
-        <p:sp>
-          <p:nvSpPr>
-            <p:cNvPr id="141" name="TextBox 140">
-              <a:extLst>
-                <a:ext uri="{FF2B5EF4-FFF2-40B4-BE49-F238E27FC236}">
-                  <a16:creationId xmlns:a16="http://schemas.microsoft.com/office/drawing/2014/main" id="{46E35B1E-3A73-441C-8AB0-F2D52796F64F}"/>
-                </a:ext>
-              </a:extLst>
-            </p:cNvPr>
-            <p:cNvSpPr txBox="1"/>
-            <p:nvPr/>
-          </p:nvSpPr>
-          <p:spPr>
-            <a:xfrm>
-              <a:off x="5175104" y="2425148"/>
-              <a:ext cx="2526748" cy="646331"/>
-            </a:xfrm>
-            <a:prstGeom prst="rect">
-              <a:avLst/>
-            </a:prstGeom>
-            <a:noFill/>
-          </p:spPr>
-          <p:txBody>
-            <a:bodyPr wrap="square" rtlCol="0">
-              <a:spAutoFit/>
-            </a:bodyPr>
-            <a:lstStyle/>
-            <a:p>
-              <a:r>
-                <a:rPr lang="en-US" sz="1200" dirty="0">
-                  <a:solidFill>
-                    <a:schemeClr val="tx1">
-                      <a:lumMod val="75000"/>
-                      <a:lumOff val="25000"/>
-                    </a:schemeClr>
-                  </a:solidFill>
-                  <a:latin typeface="Tw Cen MT" panose="020B0602020104020603" pitchFamily="34" charset="0"/>
-                </a:rPr>
-                <a:t>Here you need to add some brief about the service that your company is providing currently</a:t>
-              </a:r>
-            </a:p>
-          </p:txBody>
-        </p:sp>
-        <p:pic>
-          <p:nvPicPr>
-            <p:cNvPr id="142" name="Picture 141">
-              <a:extLst>
-                <a:ext uri="{FF2B5EF4-FFF2-40B4-BE49-F238E27FC236}">
-                  <a16:creationId xmlns:a16="http://schemas.microsoft.com/office/drawing/2014/main" id="{F7189829-FB67-42A0-ADC4-78F2C37FDF24}"/>
-                </a:ext>
-              </a:extLst>
-            </p:cNvPr>
-            <p:cNvPicPr>
-              <a:picLocks noChangeAspect="1"/>
-            </p:cNvPicPr>
-            <p:nvPr/>
-          </p:nvPicPr>
-          <p:blipFill>
-            <a:blip r:embed="rId8">
-              <a:extLst>
-                <a:ext uri="{28A0092B-C50C-407E-A947-70E740481C1C}">
-                  <a14:useLocalDpi xmlns:a14="http://schemas.microsoft.com/office/drawing/2010/main" val="0"/>
-                </a:ext>
-              </a:extLst>
-            </a:blip>
-            <a:stretch>
-              <a:fillRect/>
-            </a:stretch>
-          </p:blipFill>
-          <p:spPr>
-            <a:xfrm>
-              <a:off x="4667162" y="2447925"/>
-              <a:ext cx="320494" cy="320494"/>
-            </a:xfrm>
-            <a:prstGeom prst="rect">
-              <a:avLst/>
-            </a:prstGeom>
-          </p:spPr>
-        </p:pic>
-      </p:grpSp>
     </p:spTree>
     <p:extLst>
       <p:ext uri="{BB962C8B-B14F-4D97-AF65-F5344CB8AC3E}">
@@ -23820,727 +18908,10 @@
       </p:transition>
     </mc:Fallback>
   </mc:AlternateContent>
-  <p:timing>
-    <p:tnLst>
-      <p:par>
-        <p:cTn id="1" dur="indefinite" restart="never" nodeType="tmRoot">
-          <p:childTnLst>
-            <p:seq concurrent="1" nextAc="seek">
-              <p:cTn id="2" dur="indefinite" nodeType="mainSeq">
-                <p:childTnLst>
-                  <p:par>
-                    <p:cTn id="3" fill="hold">
-                      <p:stCondLst>
-                        <p:cond delay="indefinite"/>
-                      </p:stCondLst>
-                      <p:childTnLst>
-                        <p:par>
-                          <p:cTn id="4" fill="hold">
-                            <p:stCondLst>
-                              <p:cond delay="0"/>
-                            </p:stCondLst>
-                            <p:childTnLst>
-                              <p:par>
-                                <p:cTn id="5" presetID="31" presetClass="entr" presetSubtype="0" fill="hold" nodeType="clickEffect">
-                                  <p:stCondLst>
-                                    <p:cond delay="0"/>
-                                  </p:stCondLst>
-                                  <p:childTnLst>
-                                    <p:set>
-                                      <p:cBhvr>
-                                        <p:cTn id="6" dur="1" fill="hold">
-                                          <p:stCondLst>
-                                            <p:cond delay="0"/>
-                                          </p:stCondLst>
-                                        </p:cTn>
-                                        <p:tgtEl>
-                                          <p:spTgt spid="113"/>
-                                        </p:tgtEl>
-                                        <p:attrNameLst>
-                                          <p:attrName>style.visibility</p:attrName>
-                                        </p:attrNameLst>
-                                      </p:cBhvr>
-                                      <p:to>
-                                        <p:strVal val="visible"/>
-                                      </p:to>
-                                    </p:set>
-                                    <p:anim calcmode="lin" valueType="num">
-                                      <p:cBhvr>
-                                        <p:cTn id="7" dur="500" fill="hold"/>
-                                        <p:tgtEl>
-                                          <p:spTgt spid="113"/>
-                                        </p:tgtEl>
-                                        <p:attrNameLst>
-                                          <p:attrName>ppt_w</p:attrName>
-                                        </p:attrNameLst>
-                                      </p:cBhvr>
-                                      <p:tavLst>
-                                        <p:tav tm="0">
-                                          <p:val>
-                                            <p:fltVal val="0"/>
-                                          </p:val>
-                                        </p:tav>
-                                        <p:tav tm="100000">
-                                          <p:val>
-                                            <p:strVal val="#ppt_w"/>
-                                          </p:val>
-                                        </p:tav>
-                                      </p:tavLst>
-                                    </p:anim>
-                                    <p:anim calcmode="lin" valueType="num">
-                                      <p:cBhvr>
-                                        <p:cTn id="8" dur="500" fill="hold"/>
-                                        <p:tgtEl>
-                                          <p:spTgt spid="113"/>
-                                        </p:tgtEl>
-                                        <p:attrNameLst>
-                                          <p:attrName>ppt_h</p:attrName>
-                                        </p:attrNameLst>
-                                      </p:cBhvr>
-                                      <p:tavLst>
-                                        <p:tav tm="0">
-                                          <p:val>
-                                            <p:fltVal val="0"/>
-                                          </p:val>
-                                        </p:tav>
-                                        <p:tav tm="100000">
-                                          <p:val>
-                                            <p:strVal val="#ppt_h"/>
-                                          </p:val>
-                                        </p:tav>
-                                      </p:tavLst>
-                                    </p:anim>
-                                    <p:anim calcmode="lin" valueType="num">
-                                      <p:cBhvr>
-                                        <p:cTn id="9" dur="500" fill="hold"/>
-                                        <p:tgtEl>
-                                          <p:spTgt spid="113"/>
-                                        </p:tgtEl>
-                                        <p:attrNameLst>
-                                          <p:attrName>style.rotation</p:attrName>
-                                        </p:attrNameLst>
-                                      </p:cBhvr>
-                                      <p:tavLst>
-                                        <p:tav tm="0">
-                                          <p:val>
-                                            <p:fltVal val="90"/>
-                                          </p:val>
-                                        </p:tav>
-                                        <p:tav tm="100000">
-                                          <p:val>
-                                            <p:fltVal val="0"/>
-                                          </p:val>
-                                        </p:tav>
-                                      </p:tavLst>
-                                    </p:anim>
-                                    <p:animEffect transition="in" filter="fade">
-                                      <p:cBhvr>
-                                        <p:cTn id="10" dur="500"/>
-                                        <p:tgtEl>
-                                          <p:spTgt spid="113"/>
-                                        </p:tgtEl>
-                                      </p:cBhvr>
-                                    </p:animEffect>
-                                  </p:childTnLst>
-                                </p:cTn>
-                              </p:par>
-                            </p:childTnLst>
-                          </p:cTn>
-                        </p:par>
-                        <p:par>
-                          <p:cTn id="11" fill="hold">
-                            <p:stCondLst>
-                              <p:cond delay="500"/>
-                            </p:stCondLst>
-                            <p:childTnLst>
-                              <p:par>
-                                <p:cTn id="12" presetID="31" presetClass="entr" presetSubtype="0" fill="hold" nodeType="afterEffect">
-                                  <p:stCondLst>
-                                    <p:cond delay="0"/>
-                                  </p:stCondLst>
-                                  <p:childTnLst>
-                                    <p:set>
-                                      <p:cBhvr>
-                                        <p:cTn id="13" dur="1" fill="hold">
-                                          <p:stCondLst>
-                                            <p:cond delay="0"/>
-                                          </p:stCondLst>
-                                        </p:cTn>
-                                        <p:tgtEl>
-                                          <p:spTgt spid="118"/>
-                                        </p:tgtEl>
-                                        <p:attrNameLst>
-                                          <p:attrName>style.visibility</p:attrName>
-                                        </p:attrNameLst>
-                                      </p:cBhvr>
-                                      <p:to>
-                                        <p:strVal val="visible"/>
-                                      </p:to>
-                                    </p:set>
-                                    <p:anim calcmode="lin" valueType="num">
-                                      <p:cBhvr>
-                                        <p:cTn id="14" dur="500" fill="hold"/>
-                                        <p:tgtEl>
-                                          <p:spTgt spid="118"/>
-                                        </p:tgtEl>
-                                        <p:attrNameLst>
-                                          <p:attrName>ppt_w</p:attrName>
-                                        </p:attrNameLst>
-                                      </p:cBhvr>
-                                      <p:tavLst>
-                                        <p:tav tm="0">
-                                          <p:val>
-                                            <p:fltVal val="0"/>
-                                          </p:val>
-                                        </p:tav>
-                                        <p:tav tm="100000">
-                                          <p:val>
-                                            <p:strVal val="#ppt_w"/>
-                                          </p:val>
-                                        </p:tav>
-                                      </p:tavLst>
-                                    </p:anim>
-                                    <p:anim calcmode="lin" valueType="num">
-                                      <p:cBhvr>
-                                        <p:cTn id="15" dur="500" fill="hold"/>
-                                        <p:tgtEl>
-                                          <p:spTgt spid="118"/>
-                                        </p:tgtEl>
-                                        <p:attrNameLst>
-                                          <p:attrName>ppt_h</p:attrName>
-                                        </p:attrNameLst>
-                                      </p:cBhvr>
-                                      <p:tavLst>
-                                        <p:tav tm="0">
-                                          <p:val>
-                                            <p:fltVal val="0"/>
-                                          </p:val>
-                                        </p:tav>
-                                        <p:tav tm="100000">
-                                          <p:val>
-                                            <p:strVal val="#ppt_h"/>
-                                          </p:val>
-                                        </p:tav>
-                                      </p:tavLst>
-                                    </p:anim>
-                                    <p:anim calcmode="lin" valueType="num">
-                                      <p:cBhvr>
-                                        <p:cTn id="16" dur="500" fill="hold"/>
-                                        <p:tgtEl>
-                                          <p:spTgt spid="118"/>
-                                        </p:tgtEl>
-                                        <p:attrNameLst>
-                                          <p:attrName>style.rotation</p:attrName>
-                                        </p:attrNameLst>
-                                      </p:cBhvr>
-                                      <p:tavLst>
-                                        <p:tav tm="0">
-                                          <p:val>
-                                            <p:fltVal val="90"/>
-                                          </p:val>
-                                        </p:tav>
-                                        <p:tav tm="100000">
-                                          <p:val>
-                                            <p:fltVal val="0"/>
-                                          </p:val>
-                                        </p:tav>
-                                      </p:tavLst>
-                                    </p:anim>
-                                    <p:animEffect transition="in" filter="fade">
-                                      <p:cBhvr>
-                                        <p:cTn id="17" dur="500"/>
-                                        <p:tgtEl>
-                                          <p:spTgt spid="118"/>
-                                        </p:tgtEl>
-                                      </p:cBhvr>
-                                    </p:animEffect>
-                                  </p:childTnLst>
-                                </p:cTn>
-                              </p:par>
-                            </p:childTnLst>
-                          </p:cTn>
-                        </p:par>
-                        <p:par>
-                          <p:cTn id="18" fill="hold">
-                            <p:stCondLst>
-                              <p:cond delay="1000"/>
-                            </p:stCondLst>
-                            <p:childTnLst>
-                              <p:par>
-                                <p:cTn id="19" presetID="31" presetClass="entr" presetSubtype="0" fill="hold" nodeType="afterEffect">
-                                  <p:stCondLst>
-                                    <p:cond delay="0"/>
-                                  </p:stCondLst>
-                                  <p:childTnLst>
-                                    <p:set>
-                                      <p:cBhvr>
-                                        <p:cTn id="20" dur="1" fill="hold">
-                                          <p:stCondLst>
-                                            <p:cond delay="0"/>
-                                          </p:stCondLst>
-                                        </p:cTn>
-                                        <p:tgtEl>
-                                          <p:spTgt spid="123"/>
-                                        </p:tgtEl>
-                                        <p:attrNameLst>
-                                          <p:attrName>style.visibility</p:attrName>
-                                        </p:attrNameLst>
-                                      </p:cBhvr>
-                                      <p:to>
-                                        <p:strVal val="visible"/>
-                                      </p:to>
-                                    </p:set>
-                                    <p:anim calcmode="lin" valueType="num">
-                                      <p:cBhvr>
-                                        <p:cTn id="21" dur="500" fill="hold"/>
-                                        <p:tgtEl>
-                                          <p:spTgt spid="123"/>
-                                        </p:tgtEl>
-                                        <p:attrNameLst>
-                                          <p:attrName>ppt_w</p:attrName>
-                                        </p:attrNameLst>
-                                      </p:cBhvr>
-                                      <p:tavLst>
-                                        <p:tav tm="0">
-                                          <p:val>
-                                            <p:fltVal val="0"/>
-                                          </p:val>
-                                        </p:tav>
-                                        <p:tav tm="100000">
-                                          <p:val>
-                                            <p:strVal val="#ppt_w"/>
-                                          </p:val>
-                                        </p:tav>
-                                      </p:tavLst>
-                                    </p:anim>
-                                    <p:anim calcmode="lin" valueType="num">
-                                      <p:cBhvr>
-                                        <p:cTn id="22" dur="500" fill="hold"/>
-                                        <p:tgtEl>
-                                          <p:spTgt spid="123"/>
-                                        </p:tgtEl>
-                                        <p:attrNameLst>
-                                          <p:attrName>ppt_h</p:attrName>
-                                        </p:attrNameLst>
-                                      </p:cBhvr>
-                                      <p:tavLst>
-                                        <p:tav tm="0">
-                                          <p:val>
-                                            <p:fltVal val="0"/>
-                                          </p:val>
-                                        </p:tav>
-                                        <p:tav tm="100000">
-                                          <p:val>
-                                            <p:strVal val="#ppt_h"/>
-                                          </p:val>
-                                        </p:tav>
-                                      </p:tavLst>
-                                    </p:anim>
-                                    <p:anim calcmode="lin" valueType="num">
-                                      <p:cBhvr>
-                                        <p:cTn id="23" dur="500" fill="hold"/>
-                                        <p:tgtEl>
-                                          <p:spTgt spid="123"/>
-                                        </p:tgtEl>
-                                        <p:attrNameLst>
-                                          <p:attrName>style.rotation</p:attrName>
-                                        </p:attrNameLst>
-                                      </p:cBhvr>
-                                      <p:tavLst>
-                                        <p:tav tm="0">
-                                          <p:val>
-                                            <p:fltVal val="90"/>
-                                          </p:val>
-                                        </p:tav>
-                                        <p:tav tm="100000">
-                                          <p:val>
-                                            <p:fltVal val="0"/>
-                                          </p:val>
-                                        </p:tav>
-                                      </p:tavLst>
-                                    </p:anim>
-                                    <p:animEffect transition="in" filter="fade">
-                                      <p:cBhvr>
-                                        <p:cTn id="24" dur="500"/>
-                                        <p:tgtEl>
-                                          <p:spTgt spid="123"/>
-                                        </p:tgtEl>
-                                      </p:cBhvr>
-                                    </p:animEffect>
-                                  </p:childTnLst>
-                                </p:cTn>
-                              </p:par>
-                            </p:childTnLst>
-                          </p:cTn>
-                        </p:par>
-                        <p:par>
-                          <p:cTn id="25" fill="hold">
-                            <p:stCondLst>
-                              <p:cond delay="1500"/>
-                            </p:stCondLst>
-                            <p:childTnLst>
-                              <p:par>
-                                <p:cTn id="26" presetID="31" presetClass="entr" presetSubtype="0" fill="hold" nodeType="afterEffect">
-                                  <p:stCondLst>
-                                    <p:cond delay="0"/>
-                                  </p:stCondLst>
-                                  <p:childTnLst>
-                                    <p:set>
-                                      <p:cBhvr>
-                                        <p:cTn id="27" dur="1" fill="hold">
-                                          <p:stCondLst>
-                                            <p:cond delay="0"/>
-                                          </p:stCondLst>
-                                        </p:cTn>
-                                        <p:tgtEl>
-                                          <p:spTgt spid="138"/>
-                                        </p:tgtEl>
-                                        <p:attrNameLst>
-                                          <p:attrName>style.visibility</p:attrName>
-                                        </p:attrNameLst>
-                                      </p:cBhvr>
-                                      <p:to>
-                                        <p:strVal val="visible"/>
-                                      </p:to>
-                                    </p:set>
-                                    <p:anim calcmode="lin" valueType="num">
-                                      <p:cBhvr>
-                                        <p:cTn id="28" dur="500" fill="hold"/>
-                                        <p:tgtEl>
-                                          <p:spTgt spid="138"/>
-                                        </p:tgtEl>
-                                        <p:attrNameLst>
-                                          <p:attrName>ppt_w</p:attrName>
-                                        </p:attrNameLst>
-                                      </p:cBhvr>
-                                      <p:tavLst>
-                                        <p:tav tm="0">
-                                          <p:val>
-                                            <p:fltVal val="0"/>
-                                          </p:val>
-                                        </p:tav>
-                                        <p:tav tm="100000">
-                                          <p:val>
-                                            <p:strVal val="#ppt_w"/>
-                                          </p:val>
-                                        </p:tav>
-                                      </p:tavLst>
-                                    </p:anim>
-                                    <p:anim calcmode="lin" valueType="num">
-                                      <p:cBhvr>
-                                        <p:cTn id="29" dur="500" fill="hold"/>
-                                        <p:tgtEl>
-                                          <p:spTgt spid="138"/>
-                                        </p:tgtEl>
-                                        <p:attrNameLst>
-                                          <p:attrName>ppt_h</p:attrName>
-                                        </p:attrNameLst>
-                                      </p:cBhvr>
-                                      <p:tavLst>
-                                        <p:tav tm="0">
-                                          <p:val>
-                                            <p:fltVal val="0"/>
-                                          </p:val>
-                                        </p:tav>
-                                        <p:tav tm="100000">
-                                          <p:val>
-                                            <p:strVal val="#ppt_h"/>
-                                          </p:val>
-                                        </p:tav>
-                                      </p:tavLst>
-                                    </p:anim>
-                                    <p:anim calcmode="lin" valueType="num">
-                                      <p:cBhvr>
-                                        <p:cTn id="30" dur="500" fill="hold"/>
-                                        <p:tgtEl>
-                                          <p:spTgt spid="138"/>
-                                        </p:tgtEl>
-                                        <p:attrNameLst>
-                                          <p:attrName>style.rotation</p:attrName>
-                                        </p:attrNameLst>
-                                      </p:cBhvr>
-                                      <p:tavLst>
-                                        <p:tav tm="0">
-                                          <p:val>
-                                            <p:fltVal val="90"/>
-                                          </p:val>
-                                        </p:tav>
-                                        <p:tav tm="100000">
-                                          <p:val>
-                                            <p:fltVal val="0"/>
-                                          </p:val>
-                                        </p:tav>
-                                      </p:tavLst>
-                                    </p:anim>
-                                    <p:animEffect transition="in" filter="fade">
-                                      <p:cBhvr>
-                                        <p:cTn id="31" dur="500"/>
-                                        <p:tgtEl>
-                                          <p:spTgt spid="138"/>
-                                        </p:tgtEl>
-                                      </p:cBhvr>
-                                    </p:animEffect>
-                                  </p:childTnLst>
-                                </p:cTn>
-                              </p:par>
-                            </p:childTnLst>
-                          </p:cTn>
-                        </p:par>
-                        <p:par>
-                          <p:cTn id="32" fill="hold">
-                            <p:stCondLst>
-                              <p:cond delay="2000"/>
-                            </p:stCondLst>
-                            <p:childTnLst>
-                              <p:par>
-                                <p:cTn id="33" presetID="31" presetClass="entr" presetSubtype="0" fill="hold" nodeType="afterEffect">
-                                  <p:stCondLst>
-                                    <p:cond delay="0"/>
-                                  </p:stCondLst>
-                                  <p:childTnLst>
-                                    <p:set>
-                                      <p:cBhvr>
-                                        <p:cTn id="34" dur="1" fill="hold">
-                                          <p:stCondLst>
-                                            <p:cond delay="0"/>
-                                          </p:stCondLst>
-                                        </p:cTn>
-                                        <p:tgtEl>
-                                          <p:spTgt spid="128"/>
-                                        </p:tgtEl>
-                                        <p:attrNameLst>
-                                          <p:attrName>style.visibility</p:attrName>
-                                        </p:attrNameLst>
-                                      </p:cBhvr>
-                                      <p:to>
-                                        <p:strVal val="visible"/>
-                                      </p:to>
-                                    </p:set>
-                                    <p:anim calcmode="lin" valueType="num">
-                                      <p:cBhvr>
-                                        <p:cTn id="35" dur="500" fill="hold"/>
-                                        <p:tgtEl>
-                                          <p:spTgt spid="128"/>
-                                        </p:tgtEl>
-                                        <p:attrNameLst>
-                                          <p:attrName>ppt_w</p:attrName>
-                                        </p:attrNameLst>
-                                      </p:cBhvr>
-                                      <p:tavLst>
-                                        <p:tav tm="0">
-                                          <p:val>
-                                            <p:fltVal val="0"/>
-                                          </p:val>
-                                        </p:tav>
-                                        <p:tav tm="100000">
-                                          <p:val>
-                                            <p:strVal val="#ppt_w"/>
-                                          </p:val>
-                                        </p:tav>
-                                      </p:tavLst>
-                                    </p:anim>
-                                    <p:anim calcmode="lin" valueType="num">
-                                      <p:cBhvr>
-                                        <p:cTn id="36" dur="500" fill="hold"/>
-                                        <p:tgtEl>
-                                          <p:spTgt spid="128"/>
-                                        </p:tgtEl>
-                                        <p:attrNameLst>
-                                          <p:attrName>ppt_h</p:attrName>
-                                        </p:attrNameLst>
-                                      </p:cBhvr>
-                                      <p:tavLst>
-                                        <p:tav tm="0">
-                                          <p:val>
-                                            <p:fltVal val="0"/>
-                                          </p:val>
-                                        </p:tav>
-                                        <p:tav tm="100000">
-                                          <p:val>
-                                            <p:strVal val="#ppt_h"/>
-                                          </p:val>
-                                        </p:tav>
-                                      </p:tavLst>
-                                    </p:anim>
-                                    <p:anim calcmode="lin" valueType="num">
-                                      <p:cBhvr>
-                                        <p:cTn id="37" dur="500" fill="hold"/>
-                                        <p:tgtEl>
-                                          <p:spTgt spid="128"/>
-                                        </p:tgtEl>
-                                        <p:attrNameLst>
-                                          <p:attrName>style.rotation</p:attrName>
-                                        </p:attrNameLst>
-                                      </p:cBhvr>
-                                      <p:tavLst>
-                                        <p:tav tm="0">
-                                          <p:val>
-                                            <p:fltVal val="90"/>
-                                          </p:val>
-                                        </p:tav>
-                                        <p:tav tm="100000">
-                                          <p:val>
-                                            <p:fltVal val="0"/>
-                                          </p:val>
-                                        </p:tav>
-                                      </p:tavLst>
-                                    </p:anim>
-                                    <p:animEffect transition="in" filter="fade">
-                                      <p:cBhvr>
-                                        <p:cTn id="38" dur="500"/>
-                                        <p:tgtEl>
-                                          <p:spTgt spid="128"/>
-                                        </p:tgtEl>
-                                      </p:cBhvr>
-                                    </p:animEffect>
-                                  </p:childTnLst>
-                                </p:cTn>
-                              </p:par>
-                            </p:childTnLst>
-                          </p:cTn>
-                        </p:par>
-                        <p:par>
-                          <p:cTn id="39" fill="hold">
-                            <p:stCondLst>
-                              <p:cond delay="2500"/>
-                            </p:stCondLst>
-                            <p:childTnLst>
-                              <p:par>
-                                <p:cTn id="40" presetID="31" presetClass="entr" presetSubtype="0" fill="hold" nodeType="afterEffect">
-                                  <p:stCondLst>
-                                    <p:cond delay="0"/>
-                                  </p:stCondLst>
-                                  <p:childTnLst>
-                                    <p:set>
-                                      <p:cBhvr>
-                                        <p:cTn id="41" dur="1" fill="hold">
-                                          <p:stCondLst>
-                                            <p:cond delay="0"/>
-                                          </p:stCondLst>
-                                        </p:cTn>
-                                        <p:tgtEl>
-                                          <p:spTgt spid="133"/>
-                                        </p:tgtEl>
-                                        <p:attrNameLst>
-                                          <p:attrName>style.visibility</p:attrName>
-                                        </p:attrNameLst>
-                                      </p:cBhvr>
-                                      <p:to>
-                                        <p:strVal val="visible"/>
-                                      </p:to>
-                                    </p:set>
-                                    <p:anim calcmode="lin" valueType="num">
-                                      <p:cBhvr>
-                                        <p:cTn id="42" dur="500" fill="hold"/>
-                                        <p:tgtEl>
-                                          <p:spTgt spid="133"/>
-                                        </p:tgtEl>
-                                        <p:attrNameLst>
-                                          <p:attrName>ppt_w</p:attrName>
-                                        </p:attrNameLst>
-                                      </p:cBhvr>
-                                      <p:tavLst>
-                                        <p:tav tm="0">
-                                          <p:val>
-                                            <p:fltVal val="0"/>
-                                          </p:val>
-                                        </p:tav>
-                                        <p:tav tm="100000">
-                                          <p:val>
-                                            <p:strVal val="#ppt_w"/>
-                                          </p:val>
-                                        </p:tav>
-                                      </p:tavLst>
-                                    </p:anim>
-                                    <p:anim calcmode="lin" valueType="num">
-                                      <p:cBhvr>
-                                        <p:cTn id="43" dur="500" fill="hold"/>
-                                        <p:tgtEl>
-                                          <p:spTgt spid="133"/>
-                                        </p:tgtEl>
-                                        <p:attrNameLst>
-                                          <p:attrName>ppt_h</p:attrName>
-                                        </p:attrNameLst>
-                                      </p:cBhvr>
-                                      <p:tavLst>
-                                        <p:tav tm="0">
-                                          <p:val>
-                                            <p:fltVal val="0"/>
-                                          </p:val>
-                                        </p:tav>
-                                        <p:tav tm="100000">
-                                          <p:val>
-                                            <p:strVal val="#ppt_h"/>
-                                          </p:val>
-                                        </p:tav>
-                                      </p:tavLst>
-                                    </p:anim>
-                                    <p:anim calcmode="lin" valueType="num">
-                                      <p:cBhvr>
-                                        <p:cTn id="44" dur="500" fill="hold"/>
-                                        <p:tgtEl>
-                                          <p:spTgt spid="133"/>
-                                        </p:tgtEl>
-                                        <p:attrNameLst>
-                                          <p:attrName>style.rotation</p:attrName>
-                                        </p:attrNameLst>
-                                      </p:cBhvr>
-                                      <p:tavLst>
-                                        <p:tav tm="0">
-                                          <p:val>
-                                            <p:fltVal val="90"/>
-                                          </p:val>
-                                        </p:tav>
-                                        <p:tav tm="100000">
-                                          <p:val>
-                                            <p:fltVal val="0"/>
-                                          </p:val>
-                                        </p:tav>
-                                      </p:tavLst>
-                                    </p:anim>
-                                    <p:animEffect transition="in" filter="fade">
-                                      <p:cBhvr>
-                                        <p:cTn id="45" dur="500"/>
-                                        <p:tgtEl>
-                                          <p:spTgt spid="133"/>
-                                        </p:tgtEl>
-                                      </p:cBhvr>
-                                    </p:animEffect>
-                                  </p:childTnLst>
-                                </p:cTn>
-                              </p:par>
-                            </p:childTnLst>
-                          </p:cTn>
-                        </p:par>
-                      </p:childTnLst>
-                    </p:cTn>
-                  </p:par>
-                </p:childTnLst>
-              </p:cTn>
-              <p:prevCondLst>
-                <p:cond evt="onPrev" delay="0">
-                  <p:tgtEl>
-                    <p:sldTgt/>
-                  </p:tgtEl>
-                </p:cond>
-              </p:prevCondLst>
-              <p:nextCondLst>
-                <p:cond evt="onNext" delay="0">
-                  <p:tgtEl>
-                    <p:sldTgt/>
-                  </p:tgtEl>
-                </p:cond>
-              </p:nextCondLst>
-            </p:seq>
-          </p:childTnLst>
-        </p:cTn>
-      </p:par>
-    </p:tnLst>
-  </p:timing>
 </p:sld>
 </file>
 
-<file path=ppt/slides/slide8.xml><?xml version="1.0" encoding="utf-8"?>
+<file path=ppt/slides/slide7.xml><?xml version="1.0" encoding="utf-8"?>
 <p:sld xmlns:a="http://schemas.openxmlformats.org/drawingml/2006/main" xmlns:r="http://schemas.openxmlformats.org/officeDocument/2006/relationships" xmlns:p="http://schemas.openxmlformats.org/presentationml/2006/main">
   <p:cSld>
     <p:spTree>
@@ -24781,7 +19152,7 @@
                   </a:solidFill>
                   <a:latin typeface="Tw Cen MT" panose="020B0602020104020603" pitchFamily="34" charset="0"/>
                 </a:rPr>
-                <a:t>emulzió</a:t>
+                <a:t>definíció</a:t>
               </a:r>
               <a:endParaRPr lang="en-US" sz="2400" b="1" dirty="0">
                 <a:solidFill>
@@ -26189,642 +20560,6 @@
           </p:spPr>
         </p:pic>
       </p:grpSp>
-      <p:grpSp>
-        <p:nvGrpSpPr>
-          <p:cNvPr id="33" name="Group 32">
-            <a:extLst>
-              <a:ext uri="{FF2B5EF4-FFF2-40B4-BE49-F238E27FC236}">
-                <a16:creationId xmlns:a16="http://schemas.microsoft.com/office/drawing/2014/main" id="{BE8FADE7-5D32-410A-A514-EBA4D18E520D}"/>
-              </a:ext>
-            </a:extLst>
-          </p:cNvPr>
-          <p:cNvGrpSpPr/>
-          <p:nvPr/>
-        </p:nvGrpSpPr>
-        <p:grpSpPr>
-          <a:xfrm>
-            <a:off x="522514" y="3966907"/>
-            <a:ext cx="2336800" cy="1390243"/>
-            <a:chOff x="979714" y="4445001"/>
-            <a:chExt cx="2336800" cy="1390243"/>
-          </a:xfrm>
-        </p:grpSpPr>
-        <p:sp>
-          <p:nvSpPr>
-            <p:cNvPr id="34" name="TextBox 33">
-              <a:extLst>
-                <a:ext uri="{FF2B5EF4-FFF2-40B4-BE49-F238E27FC236}">
-                  <a16:creationId xmlns:a16="http://schemas.microsoft.com/office/drawing/2014/main" id="{78855102-5892-4791-81C6-1D3099286A62}"/>
-                </a:ext>
-              </a:extLst>
-            </p:cNvPr>
-            <p:cNvSpPr txBox="1"/>
-            <p:nvPr/>
-          </p:nvSpPr>
-          <p:spPr>
-            <a:xfrm>
-              <a:off x="979714" y="4445001"/>
-              <a:ext cx="2336800" cy="769441"/>
-            </a:xfrm>
-            <a:prstGeom prst="rect">
-              <a:avLst/>
-            </a:prstGeom>
-            <a:noFill/>
-          </p:spPr>
-          <p:txBody>
-            <a:bodyPr wrap="square" rtlCol="0">
-              <a:spAutoFit/>
-            </a:bodyPr>
-            <a:lstStyle/>
-            <a:p>
-              <a:pPr algn="ctr"/>
-              <a:r>
-                <a:rPr lang="en-US" sz="4400" b="1" dirty="0">
-                  <a:solidFill>
-                    <a:srgbClr val="03A1A4"/>
-                  </a:solidFill>
-                  <a:latin typeface="Tw Cen MT" panose="020B0602020104020603" pitchFamily="34" charset="0"/>
-                </a:rPr>
-                <a:t>8M</a:t>
-              </a:r>
-            </a:p>
-          </p:txBody>
-        </p:sp>
-        <p:sp>
-          <p:nvSpPr>
-            <p:cNvPr id="35" name="TextBox 34">
-              <a:extLst>
-                <a:ext uri="{FF2B5EF4-FFF2-40B4-BE49-F238E27FC236}">
-                  <a16:creationId xmlns:a16="http://schemas.microsoft.com/office/drawing/2014/main" id="{22001AFB-5833-4302-85EB-700F4F764C00}"/>
-                </a:ext>
-              </a:extLst>
-            </p:cNvPr>
-            <p:cNvSpPr txBox="1"/>
-            <p:nvPr/>
-          </p:nvSpPr>
-          <p:spPr>
-            <a:xfrm>
-              <a:off x="979714" y="5127358"/>
-              <a:ext cx="2336800" cy="707886"/>
-            </a:xfrm>
-            <a:prstGeom prst="rect">
-              <a:avLst/>
-            </a:prstGeom>
-            <a:noFill/>
-          </p:spPr>
-          <p:txBody>
-            <a:bodyPr wrap="square" rtlCol="0">
-              <a:spAutoFit/>
-            </a:bodyPr>
-            <a:lstStyle/>
-            <a:p>
-              <a:pPr algn="ctr"/>
-              <a:r>
-                <a:rPr lang="en-US" sz="2000" dirty="0">
-                  <a:solidFill>
-                    <a:srgbClr val="A6A6A6"/>
-                  </a:solidFill>
-                  <a:latin typeface="Tw Cen MT" panose="020B0602020104020603" pitchFamily="34" charset="0"/>
-                </a:rPr>
-                <a:t>Add Some Brief Text Here to Explain</a:t>
-              </a:r>
-            </a:p>
-          </p:txBody>
-        </p:sp>
-      </p:grpSp>
-      <p:grpSp>
-        <p:nvGrpSpPr>
-          <p:cNvPr id="36" name="Group 35">
-            <a:extLst>
-              <a:ext uri="{FF2B5EF4-FFF2-40B4-BE49-F238E27FC236}">
-                <a16:creationId xmlns:a16="http://schemas.microsoft.com/office/drawing/2014/main" id="{FD82C6EF-E9DE-4923-8019-398DA581487A}"/>
-              </a:ext>
-            </a:extLst>
-          </p:cNvPr>
-          <p:cNvGrpSpPr/>
-          <p:nvPr/>
-        </p:nvGrpSpPr>
-        <p:grpSpPr>
-          <a:xfrm>
-            <a:off x="3172584" y="3966907"/>
-            <a:ext cx="2336800" cy="1390243"/>
-            <a:chOff x="3629784" y="4445001"/>
-            <a:chExt cx="2336800" cy="1390243"/>
-          </a:xfrm>
-        </p:grpSpPr>
-        <p:sp>
-          <p:nvSpPr>
-            <p:cNvPr id="37" name="TextBox 36">
-              <a:extLst>
-                <a:ext uri="{FF2B5EF4-FFF2-40B4-BE49-F238E27FC236}">
-                  <a16:creationId xmlns:a16="http://schemas.microsoft.com/office/drawing/2014/main" id="{DAC3DF4E-CC11-4211-B94C-CFD06DD21505}"/>
-                </a:ext>
-              </a:extLst>
-            </p:cNvPr>
-            <p:cNvSpPr txBox="1"/>
-            <p:nvPr/>
-          </p:nvSpPr>
-          <p:spPr>
-            <a:xfrm>
-              <a:off x="3629784" y="4445001"/>
-              <a:ext cx="2336800" cy="769441"/>
-            </a:xfrm>
-            <a:prstGeom prst="rect">
-              <a:avLst/>
-            </a:prstGeom>
-            <a:noFill/>
-          </p:spPr>
-          <p:txBody>
-            <a:bodyPr wrap="square" rtlCol="0">
-              <a:spAutoFit/>
-            </a:bodyPr>
-            <a:lstStyle/>
-            <a:p>
-              <a:pPr algn="ctr"/>
-              <a:r>
-                <a:rPr lang="en-US" sz="4400" b="1" dirty="0">
-                  <a:solidFill>
-                    <a:srgbClr val="EF3078"/>
-                  </a:solidFill>
-                  <a:latin typeface="Tw Cen MT" panose="020B0602020104020603" pitchFamily="34" charset="0"/>
-                </a:rPr>
-                <a:t>6M</a:t>
-              </a:r>
-            </a:p>
-          </p:txBody>
-        </p:sp>
-        <p:sp>
-          <p:nvSpPr>
-            <p:cNvPr id="38" name="TextBox 37">
-              <a:extLst>
-                <a:ext uri="{FF2B5EF4-FFF2-40B4-BE49-F238E27FC236}">
-                  <a16:creationId xmlns:a16="http://schemas.microsoft.com/office/drawing/2014/main" id="{547D5A51-0B28-44B2-9458-2EC47846B480}"/>
-                </a:ext>
-              </a:extLst>
-            </p:cNvPr>
-            <p:cNvSpPr txBox="1"/>
-            <p:nvPr/>
-          </p:nvSpPr>
-          <p:spPr>
-            <a:xfrm>
-              <a:off x="3629784" y="5127358"/>
-              <a:ext cx="2336800" cy="707886"/>
-            </a:xfrm>
-            <a:prstGeom prst="rect">
-              <a:avLst/>
-            </a:prstGeom>
-            <a:noFill/>
-          </p:spPr>
-          <p:txBody>
-            <a:bodyPr wrap="square" rtlCol="0">
-              <a:spAutoFit/>
-            </a:bodyPr>
-            <a:lstStyle/>
-            <a:p>
-              <a:pPr algn="ctr"/>
-              <a:r>
-                <a:rPr lang="en-US" sz="2000" dirty="0">
-                  <a:solidFill>
-                    <a:srgbClr val="A6A6A6"/>
-                  </a:solidFill>
-                  <a:latin typeface="Tw Cen MT" panose="020B0602020104020603" pitchFamily="34" charset="0"/>
-                </a:rPr>
-                <a:t>Add Some Brief Text Here to Explain</a:t>
-              </a:r>
-            </a:p>
-          </p:txBody>
-        </p:sp>
-      </p:grpSp>
-      <p:grpSp>
-        <p:nvGrpSpPr>
-          <p:cNvPr id="39" name="Group 38">
-            <a:extLst>
-              <a:ext uri="{FF2B5EF4-FFF2-40B4-BE49-F238E27FC236}">
-                <a16:creationId xmlns:a16="http://schemas.microsoft.com/office/drawing/2014/main" id="{5EEA83BA-280C-4216-B80C-C3082D2456C8}"/>
-              </a:ext>
-            </a:extLst>
-          </p:cNvPr>
-          <p:cNvGrpSpPr/>
-          <p:nvPr/>
-        </p:nvGrpSpPr>
-        <p:grpSpPr>
-          <a:xfrm>
-            <a:off x="5822654" y="3966907"/>
-            <a:ext cx="2336800" cy="1390243"/>
-            <a:chOff x="6279854" y="4445001"/>
-            <a:chExt cx="2336800" cy="1390243"/>
-          </a:xfrm>
-        </p:grpSpPr>
-        <p:sp>
-          <p:nvSpPr>
-            <p:cNvPr id="40" name="TextBox 39">
-              <a:extLst>
-                <a:ext uri="{FF2B5EF4-FFF2-40B4-BE49-F238E27FC236}">
-                  <a16:creationId xmlns:a16="http://schemas.microsoft.com/office/drawing/2014/main" id="{76D3A4AD-1059-4193-95F4-99D7FB3C3390}"/>
-                </a:ext>
-              </a:extLst>
-            </p:cNvPr>
-            <p:cNvSpPr txBox="1"/>
-            <p:nvPr/>
-          </p:nvSpPr>
-          <p:spPr>
-            <a:xfrm>
-              <a:off x="6279854" y="4445001"/>
-              <a:ext cx="2336800" cy="769441"/>
-            </a:xfrm>
-            <a:prstGeom prst="rect">
-              <a:avLst/>
-            </a:prstGeom>
-            <a:noFill/>
-          </p:spPr>
-          <p:txBody>
-            <a:bodyPr wrap="square" rtlCol="0">
-              <a:spAutoFit/>
-            </a:bodyPr>
-            <a:lstStyle/>
-            <a:p>
-              <a:pPr algn="ctr"/>
-              <a:r>
-                <a:rPr lang="en-US" sz="4400" b="1" dirty="0">
-                  <a:solidFill>
-                    <a:srgbClr val="92D050"/>
-                  </a:solidFill>
-                  <a:latin typeface="Tw Cen MT" panose="020B0602020104020603" pitchFamily="34" charset="0"/>
-                </a:rPr>
-                <a:t>7M</a:t>
-              </a:r>
-            </a:p>
-          </p:txBody>
-        </p:sp>
-        <p:sp>
-          <p:nvSpPr>
-            <p:cNvPr id="41" name="TextBox 40">
-              <a:extLst>
-                <a:ext uri="{FF2B5EF4-FFF2-40B4-BE49-F238E27FC236}">
-                  <a16:creationId xmlns:a16="http://schemas.microsoft.com/office/drawing/2014/main" id="{1D2CAFD3-83DC-4745-BD2C-AA8DD0D735B7}"/>
-                </a:ext>
-              </a:extLst>
-            </p:cNvPr>
-            <p:cNvSpPr txBox="1"/>
-            <p:nvPr/>
-          </p:nvSpPr>
-          <p:spPr>
-            <a:xfrm>
-              <a:off x="6279854" y="5127358"/>
-              <a:ext cx="2336800" cy="707886"/>
-            </a:xfrm>
-            <a:prstGeom prst="rect">
-              <a:avLst/>
-            </a:prstGeom>
-            <a:noFill/>
-          </p:spPr>
-          <p:txBody>
-            <a:bodyPr wrap="square" rtlCol="0">
-              <a:spAutoFit/>
-            </a:bodyPr>
-            <a:lstStyle/>
-            <a:p>
-              <a:pPr algn="ctr"/>
-              <a:r>
-                <a:rPr lang="en-US" sz="2000" dirty="0">
-                  <a:solidFill>
-                    <a:srgbClr val="A6A6A6"/>
-                  </a:solidFill>
-                  <a:latin typeface="Tw Cen MT" panose="020B0602020104020603" pitchFamily="34" charset="0"/>
-                </a:rPr>
-                <a:t>Add Some Brief Text Here to Explain</a:t>
-              </a:r>
-            </a:p>
-          </p:txBody>
-        </p:sp>
-      </p:grpSp>
-      <p:grpSp>
-        <p:nvGrpSpPr>
-          <p:cNvPr id="42" name="Group 41">
-            <a:extLst>
-              <a:ext uri="{FF2B5EF4-FFF2-40B4-BE49-F238E27FC236}">
-                <a16:creationId xmlns:a16="http://schemas.microsoft.com/office/drawing/2014/main" id="{6C36A51F-32BC-47D1-9A81-487036B42B97}"/>
-              </a:ext>
-            </a:extLst>
-          </p:cNvPr>
-          <p:cNvGrpSpPr/>
-          <p:nvPr/>
-        </p:nvGrpSpPr>
-        <p:grpSpPr>
-          <a:xfrm>
-            <a:off x="3439718" y="1875469"/>
-            <a:ext cx="1802532" cy="1802532"/>
-            <a:chOff x="3753155" y="2209800"/>
-            <a:chExt cx="2090058" cy="2090058"/>
-          </a:xfrm>
-        </p:grpSpPr>
-        <p:sp>
-          <p:nvSpPr>
-            <p:cNvPr id="43" name="Oval 42">
-              <a:extLst>
-                <a:ext uri="{FF2B5EF4-FFF2-40B4-BE49-F238E27FC236}">
-                  <a16:creationId xmlns:a16="http://schemas.microsoft.com/office/drawing/2014/main" id="{4759DD56-9161-4A22-8660-0AAFD5155B24}"/>
-                </a:ext>
-              </a:extLst>
-            </p:cNvPr>
-            <p:cNvSpPr/>
-            <p:nvPr/>
-          </p:nvSpPr>
-          <p:spPr>
-            <a:xfrm>
-              <a:off x="3753155" y="2209800"/>
-              <a:ext cx="2090058" cy="2090058"/>
-            </a:xfrm>
-            <a:prstGeom prst="ellipse">
-              <a:avLst/>
-            </a:prstGeom>
-            <a:solidFill>
-              <a:srgbClr val="EF3078"/>
-            </a:solidFill>
-            <a:ln>
-              <a:noFill/>
-            </a:ln>
-          </p:spPr>
-          <p:style>
-            <a:lnRef idx="2">
-              <a:schemeClr val="accent1">
-                <a:shade val="50000"/>
-              </a:schemeClr>
-            </a:lnRef>
-            <a:fillRef idx="1">
-              <a:schemeClr val="accent1"/>
-            </a:fillRef>
-            <a:effectRef idx="0">
-              <a:schemeClr val="accent1"/>
-            </a:effectRef>
-            <a:fontRef idx="minor">
-              <a:schemeClr val="lt1"/>
-            </a:fontRef>
-          </p:style>
-          <p:txBody>
-            <a:bodyPr rtlCol="0" anchor="ctr"/>
-            <a:lstStyle/>
-            <a:p>
-              <a:pPr algn="ctr"/>
-              <a:endParaRPr lang="en-US"/>
-            </a:p>
-          </p:txBody>
-        </p:sp>
-        <p:pic>
-          <p:nvPicPr>
-            <p:cNvPr id="44" name="Picture 43">
-              <a:extLst>
-                <a:ext uri="{FF2B5EF4-FFF2-40B4-BE49-F238E27FC236}">
-                  <a16:creationId xmlns:a16="http://schemas.microsoft.com/office/drawing/2014/main" id="{9B542F8B-7358-4AD5-9F27-D4CDC72363C8}"/>
-                </a:ext>
-              </a:extLst>
-            </p:cNvPr>
-            <p:cNvPicPr>
-              <a:picLocks noChangeAspect="1"/>
-            </p:cNvPicPr>
-            <p:nvPr/>
-          </p:nvPicPr>
-          <p:blipFill>
-            <a:blip r:embed="rId3">
-              <a:extLst>
-                <a:ext uri="{28A0092B-C50C-407E-A947-70E740481C1C}">
-                  <a14:useLocalDpi xmlns:a14="http://schemas.microsoft.com/office/drawing/2010/main" val="0"/>
-                </a:ext>
-              </a:extLst>
-            </a:blip>
-            <a:stretch>
-              <a:fillRect/>
-            </a:stretch>
-          </p:blipFill>
-          <p:spPr>
-            <a:xfrm>
-              <a:off x="4154418" y="2611063"/>
-              <a:ext cx="1287532" cy="1287532"/>
-            </a:xfrm>
-            <a:prstGeom prst="rect">
-              <a:avLst/>
-            </a:prstGeom>
-          </p:spPr>
-        </p:pic>
-      </p:grpSp>
-      <p:grpSp>
-        <p:nvGrpSpPr>
-          <p:cNvPr id="45" name="Group 44">
-            <a:extLst>
-              <a:ext uri="{FF2B5EF4-FFF2-40B4-BE49-F238E27FC236}">
-                <a16:creationId xmlns:a16="http://schemas.microsoft.com/office/drawing/2014/main" id="{37A792EE-2433-4D86-A7D5-1FB0D3F9E4D8}"/>
-              </a:ext>
-            </a:extLst>
-          </p:cNvPr>
-          <p:cNvGrpSpPr/>
-          <p:nvPr/>
-        </p:nvGrpSpPr>
-        <p:grpSpPr>
-          <a:xfrm>
-            <a:off x="6038027" y="1869840"/>
-            <a:ext cx="1813790" cy="1813790"/>
-            <a:chOff x="6403225" y="2209800"/>
-            <a:chExt cx="2090058" cy="2090058"/>
-          </a:xfrm>
-        </p:grpSpPr>
-        <p:sp>
-          <p:nvSpPr>
-            <p:cNvPr id="46" name="Oval 45">
-              <a:extLst>
-                <a:ext uri="{FF2B5EF4-FFF2-40B4-BE49-F238E27FC236}">
-                  <a16:creationId xmlns:a16="http://schemas.microsoft.com/office/drawing/2014/main" id="{5A516301-84E4-4DC6-A056-8024955CA570}"/>
-                </a:ext>
-              </a:extLst>
-            </p:cNvPr>
-            <p:cNvSpPr/>
-            <p:nvPr/>
-          </p:nvSpPr>
-          <p:spPr>
-            <a:xfrm>
-              <a:off x="6403225" y="2209800"/>
-              <a:ext cx="2090058" cy="2090058"/>
-            </a:xfrm>
-            <a:prstGeom prst="ellipse">
-              <a:avLst/>
-            </a:prstGeom>
-            <a:solidFill>
-              <a:srgbClr val="92D050"/>
-            </a:solidFill>
-            <a:ln>
-              <a:noFill/>
-            </a:ln>
-          </p:spPr>
-          <p:style>
-            <a:lnRef idx="2">
-              <a:schemeClr val="accent1">
-                <a:shade val="50000"/>
-              </a:schemeClr>
-            </a:lnRef>
-            <a:fillRef idx="1">
-              <a:schemeClr val="accent1"/>
-            </a:fillRef>
-            <a:effectRef idx="0">
-              <a:schemeClr val="accent1"/>
-            </a:effectRef>
-            <a:fontRef idx="minor">
-              <a:schemeClr val="lt1"/>
-            </a:fontRef>
-          </p:style>
-          <p:txBody>
-            <a:bodyPr rtlCol="0" anchor="ctr"/>
-            <a:lstStyle/>
-            <a:p>
-              <a:pPr algn="ctr"/>
-              <a:endParaRPr lang="en-US"/>
-            </a:p>
-          </p:txBody>
-        </p:sp>
-        <p:pic>
-          <p:nvPicPr>
-            <p:cNvPr id="47" name="Picture 46">
-              <a:extLst>
-                <a:ext uri="{FF2B5EF4-FFF2-40B4-BE49-F238E27FC236}">
-                  <a16:creationId xmlns:a16="http://schemas.microsoft.com/office/drawing/2014/main" id="{C90A6E8F-8715-4A45-8091-41BC89D62030}"/>
-                </a:ext>
-              </a:extLst>
-            </p:cNvPr>
-            <p:cNvPicPr>
-              <a:picLocks noChangeAspect="1"/>
-            </p:cNvPicPr>
-            <p:nvPr/>
-          </p:nvPicPr>
-          <p:blipFill>
-            <a:blip r:embed="rId4">
-              <a:extLst>
-                <a:ext uri="{28A0092B-C50C-407E-A947-70E740481C1C}">
-                  <a14:useLocalDpi xmlns:a14="http://schemas.microsoft.com/office/drawing/2010/main" val="0"/>
-                </a:ext>
-              </a:extLst>
-            </a:blip>
-            <a:stretch>
-              <a:fillRect/>
-            </a:stretch>
-          </p:blipFill>
-          <p:spPr>
-            <a:xfrm>
-              <a:off x="6813245" y="2611063"/>
-              <a:ext cx="1287532" cy="1287532"/>
-            </a:xfrm>
-            <a:prstGeom prst="rect">
-              <a:avLst/>
-            </a:prstGeom>
-          </p:spPr>
-        </p:pic>
-      </p:grpSp>
-      <p:grpSp>
-        <p:nvGrpSpPr>
-          <p:cNvPr id="48" name="Group 47">
-            <a:extLst>
-              <a:ext uri="{FF2B5EF4-FFF2-40B4-BE49-F238E27FC236}">
-                <a16:creationId xmlns:a16="http://schemas.microsoft.com/office/drawing/2014/main" id="{081CAD7B-D8C7-4ACB-BAAD-C11ECF75DF45}"/>
-              </a:ext>
-            </a:extLst>
-          </p:cNvPr>
-          <p:cNvGrpSpPr/>
-          <p:nvPr/>
-        </p:nvGrpSpPr>
-        <p:grpSpPr>
-          <a:xfrm>
-            <a:off x="789648" y="1875469"/>
-            <a:ext cx="1802532" cy="1802532"/>
-            <a:chOff x="1103085" y="2209800"/>
-            <a:chExt cx="2090058" cy="2090058"/>
-          </a:xfrm>
-        </p:grpSpPr>
-        <p:sp>
-          <p:nvSpPr>
-            <p:cNvPr id="49" name="Oval 48">
-              <a:extLst>
-                <a:ext uri="{FF2B5EF4-FFF2-40B4-BE49-F238E27FC236}">
-                  <a16:creationId xmlns:a16="http://schemas.microsoft.com/office/drawing/2014/main" id="{F64BCF60-284B-4512-A374-E284A563EFB1}"/>
-                </a:ext>
-              </a:extLst>
-            </p:cNvPr>
-            <p:cNvSpPr/>
-            <p:nvPr/>
-          </p:nvSpPr>
-          <p:spPr>
-            <a:xfrm>
-              <a:off x="1103085" y="2209800"/>
-              <a:ext cx="2090058" cy="2090058"/>
-            </a:xfrm>
-            <a:prstGeom prst="ellipse">
-              <a:avLst/>
-            </a:prstGeom>
-            <a:solidFill>
-              <a:srgbClr val="03A1A4"/>
-            </a:solidFill>
-            <a:ln>
-              <a:noFill/>
-            </a:ln>
-          </p:spPr>
-          <p:style>
-            <a:lnRef idx="2">
-              <a:schemeClr val="accent1">
-                <a:shade val="50000"/>
-              </a:schemeClr>
-            </a:lnRef>
-            <a:fillRef idx="1">
-              <a:schemeClr val="accent1"/>
-            </a:fillRef>
-            <a:effectRef idx="0">
-              <a:schemeClr val="accent1"/>
-            </a:effectRef>
-            <a:fontRef idx="minor">
-              <a:schemeClr val="lt1"/>
-            </a:fontRef>
-          </p:style>
-          <p:txBody>
-            <a:bodyPr rtlCol="0" anchor="ctr"/>
-            <a:lstStyle/>
-            <a:p>
-              <a:pPr algn="ctr"/>
-              <a:endParaRPr lang="en-US"/>
-            </a:p>
-          </p:txBody>
-        </p:sp>
-        <p:pic>
-          <p:nvPicPr>
-            <p:cNvPr id="65" name="Picture 64">
-              <a:extLst>
-                <a:ext uri="{FF2B5EF4-FFF2-40B4-BE49-F238E27FC236}">
-                  <a16:creationId xmlns:a16="http://schemas.microsoft.com/office/drawing/2014/main" id="{D88307B7-2C0C-4003-9659-402583C1B43D}"/>
-                </a:ext>
-              </a:extLst>
-            </p:cNvPr>
-            <p:cNvPicPr>
-              <a:picLocks noChangeAspect="1"/>
-            </p:cNvPicPr>
-            <p:nvPr/>
-          </p:nvPicPr>
-          <p:blipFill>
-            <a:blip r:embed="rId5">
-              <a:extLst>
-                <a:ext uri="{28A0092B-C50C-407E-A947-70E740481C1C}">
-                  <a14:useLocalDpi xmlns:a14="http://schemas.microsoft.com/office/drawing/2010/main" val="0"/>
-                </a:ext>
-              </a:extLst>
-            </a:blip>
-            <a:stretch>
-              <a:fillRect/>
-            </a:stretch>
-          </p:blipFill>
-          <p:spPr>
-            <a:xfrm>
-              <a:off x="1504348" y="2611063"/>
-              <a:ext cx="1287532" cy="1287532"/>
-            </a:xfrm>
-            <a:prstGeom prst="rect">
-              <a:avLst/>
-            </a:prstGeom>
-          </p:spPr>
-        </p:pic>
-      </p:grpSp>
     </p:spTree>
     <p:extLst>
       <p:ext uri="{BB962C8B-B14F-4D97-AF65-F5344CB8AC3E}">
@@ -26847,585 +20582,6 @@
       </p:transition>
     </mc:Fallback>
   </mc:AlternateContent>
-  <p:timing>
-    <p:tnLst>
-      <p:par>
-        <p:cTn id="1" dur="indefinite" restart="never" nodeType="tmRoot">
-          <p:childTnLst>
-            <p:seq concurrent="1" nextAc="seek">
-              <p:cTn id="2" dur="indefinite" nodeType="mainSeq">
-                <p:childTnLst>
-                  <p:par>
-                    <p:cTn id="3" fill="hold">
-                      <p:stCondLst>
-                        <p:cond delay="indefinite"/>
-                      </p:stCondLst>
-                      <p:childTnLst>
-                        <p:par>
-                          <p:cTn id="4" fill="hold">
-                            <p:stCondLst>
-                              <p:cond delay="0"/>
-                            </p:stCondLst>
-                            <p:childTnLst>
-                              <p:par>
-                                <p:cTn id="5" presetID="53" presetClass="entr" presetSubtype="16" fill="hold" nodeType="clickEffect">
-                                  <p:stCondLst>
-                                    <p:cond delay="0"/>
-                                  </p:stCondLst>
-                                  <p:childTnLst>
-                                    <p:set>
-                                      <p:cBhvr>
-                                        <p:cTn id="6" dur="1" fill="hold">
-                                          <p:stCondLst>
-                                            <p:cond delay="0"/>
-                                          </p:stCondLst>
-                                        </p:cTn>
-                                        <p:tgtEl>
-                                          <p:spTgt spid="48"/>
-                                        </p:tgtEl>
-                                        <p:attrNameLst>
-                                          <p:attrName>style.visibility</p:attrName>
-                                        </p:attrNameLst>
-                                      </p:cBhvr>
-                                      <p:to>
-                                        <p:strVal val="visible"/>
-                                      </p:to>
-                                    </p:set>
-                                    <p:anim calcmode="lin" valueType="num">
-                                      <p:cBhvr>
-                                        <p:cTn id="7" dur="500" fill="hold"/>
-                                        <p:tgtEl>
-                                          <p:spTgt spid="48"/>
-                                        </p:tgtEl>
-                                        <p:attrNameLst>
-                                          <p:attrName>ppt_w</p:attrName>
-                                        </p:attrNameLst>
-                                      </p:cBhvr>
-                                      <p:tavLst>
-                                        <p:tav tm="0">
-                                          <p:val>
-                                            <p:fltVal val="0"/>
-                                          </p:val>
-                                        </p:tav>
-                                        <p:tav tm="100000">
-                                          <p:val>
-                                            <p:strVal val="#ppt_w"/>
-                                          </p:val>
-                                        </p:tav>
-                                      </p:tavLst>
-                                    </p:anim>
-                                    <p:anim calcmode="lin" valueType="num">
-                                      <p:cBhvr>
-                                        <p:cTn id="8" dur="500" fill="hold"/>
-                                        <p:tgtEl>
-                                          <p:spTgt spid="48"/>
-                                        </p:tgtEl>
-                                        <p:attrNameLst>
-                                          <p:attrName>ppt_h</p:attrName>
-                                        </p:attrNameLst>
-                                      </p:cBhvr>
-                                      <p:tavLst>
-                                        <p:tav tm="0">
-                                          <p:val>
-                                            <p:fltVal val="0"/>
-                                          </p:val>
-                                        </p:tav>
-                                        <p:tav tm="100000">
-                                          <p:val>
-                                            <p:strVal val="#ppt_h"/>
-                                          </p:val>
-                                        </p:tav>
-                                      </p:tavLst>
-                                    </p:anim>
-                                    <p:animEffect transition="in" filter="fade">
-                                      <p:cBhvr>
-                                        <p:cTn id="9" dur="500"/>
-                                        <p:tgtEl>
-                                          <p:spTgt spid="48"/>
-                                        </p:tgtEl>
-                                      </p:cBhvr>
-                                    </p:animEffect>
-                                  </p:childTnLst>
-                                </p:cTn>
-                              </p:par>
-                            </p:childTnLst>
-                          </p:cTn>
-                        </p:par>
-                        <p:par>
-                          <p:cTn id="10" fill="hold">
-                            <p:stCondLst>
-                              <p:cond delay="500"/>
-                            </p:stCondLst>
-                            <p:childTnLst>
-                              <p:par>
-                                <p:cTn id="11" presetID="42" presetClass="entr" presetSubtype="0" fill="hold" nodeType="afterEffect">
-                                  <p:stCondLst>
-                                    <p:cond delay="0"/>
-                                  </p:stCondLst>
-                                  <p:childTnLst>
-                                    <p:set>
-                                      <p:cBhvr>
-                                        <p:cTn id="12" dur="1" fill="hold">
-                                          <p:stCondLst>
-                                            <p:cond delay="0"/>
-                                          </p:stCondLst>
-                                        </p:cTn>
-                                        <p:tgtEl>
-                                          <p:spTgt spid="33"/>
-                                        </p:tgtEl>
-                                        <p:attrNameLst>
-                                          <p:attrName>style.visibility</p:attrName>
-                                        </p:attrNameLst>
-                                      </p:cBhvr>
-                                      <p:to>
-                                        <p:strVal val="visible"/>
-                                      </p:to>
-                                    </p:set>
-                                    <p:animEffect transition="in" filter="fade">
-                                      <p:cBhvr>
-                                        <p:cTn id="13" dur="500"/>
-                                        <p:tgtEl>
-                                          <p:spTgt spid="33"/>
-                                        </p:tgtEl>
-                                      </p:cBhvr>
-                                    </p:animEffect>
-                                    <p:anim calcmode="lin" valueType="num">
-                                      <p:cBhvr>
-                                        <p:cTn id="14" dur="500" fill="hold"/>
-                                        <p:tgtEl>
-                                          <p:spTgt spid="33"/>
-                                        </p:tgtEl>
-                                        <p:attrNameLst>
-                                          <p:attrName>ppt_x</p:attrName>
-                                        </p:attrNameLst>
-                                      </p:cBhvr>
-                                      <p:tavLst>
-                                        <p:tav tm="0">
-                                          <p:val>
-                                            <p:strVal val="#ppt_x"/>
-                                          </p:val>
-                                        </p:tav>
-                                        <p:tav tm="100000">
-                                          <p:val>
-                                            <p:strVal val="#ppt_x"/>
-                                          </p:val>
-                                        </p:tav>
-                                      </p:tavLst>
-                                    </p:anim>
-                                    <p:anim calcmode="lin" valueType="num">
-                                      <p:cBhvr>
-                                        <p:cTn id="15" dur="500" fill="hold"/>
-                                        <p:tgtEl>
-                                          <p:spTgt spid="33"/>
-                                        </p:tgtEl>
-                                        <p:attrNameLst>
-                                          <p:attrName>ppt_y</p:attrName>
-                                        </p:attrNameLst>
-                                      </p:cBhvr>
-                                      <p:tavLst>
-                                        <p:tav tm="0">
-                                          <p:val>
-                                            <p:strVal val="#ppt_y+.1"/>
-                                          </p:val>
-                                        </p:tav>
-                                        <p:tav tm="100000">
-                                          <p:val>
-                                            <p:strVal val="#ppt_y"/>
-                                          </p:val>
-                                        </p:tav>
-                                      </p:tavLst>
-                                    </p:anim>
-                                  </p:childTnLst>
-                                </p:cTn>
-                              </p:par>
-                            </p:childTnLst>
-                          </p:cTn>
-                        </p:par>
-                        <p:par>
-                          <p:cTn id="16" fill="hold">
-                            <p:stCondLst>
-                              <p:cond delay="1000"/>
-                            </p:stCondLst>
-                            <p:childTnLst>
-                              <p:par>
-                                <p:cTn id="17" presetID="53" presetClass="entr" presetSubtype="16" fill="hold" nodeType="afterEffect">
-                                  <p:stCondLst>
-                                    <p:cond delay="0"/>
-                                  </p:stCondLst>
-                                  <p:childTnLst>
-                                    <p:set>
-                                      <p:cBhvr>
-                                        <p:cTn id="18" dur="1" fill="hold">
-                                          <p:stCondLst>
-                                            <p:cond delay="0"/>
-                                          </p:stCondLst>
-                                        </p:cTn>
-                                        <p:tgtEl>
-                                          <p:spTgt spid="42"/>
-                                        </p:tgtEl>
-                                        <p:attrNameLst>
-                                          <p:attrName>style.visibility</p:attrName>
-                                        </p:attrNameLst>
-                                      </p:cBhvr>
-                                      <p:to>
-                                        <p:strVal val="visible"/>
-                                      </p:to>
-                                    </p:set>
-                                    <p:anim calcmode="lin" valueType="num">
-                                      <p:cBhvr>
-                                        <p:cTn id="19" dur="500" fill="hold"/>
-                                        <p:tgtEl>
-                                          <p:spTgt spid="42"/>
-                                        </p:tgtEl>
-                                        <p:attrNameLst>
-                                          <p:attrName>ppt_w</p:attrName>
-                                        </p:attrNameLst>
-                                      </p:cBhvr>
-                                      <p:tavLst>
-                                        <p:tav tm="0">
-                                          <p:val>
-                                            <p:fltVal val="0"/>
-                                          </p:val>
-                                        </p:tav>
-                                        <p:tav tm="100000">
-                                          <p:val>
-                                            <p:strVal val="#ppt_w"/>
-                                          </p:val>
-                                        </p:tav>
-                                      </p:tavLst>
-                                    </p:anim>
-                                    <p:anim calcmode="lin" valueType="num">
-                                      <p:cBhvr>
-                                        <p:cTn id="20" dur="500" fill="hold"/>
-                                        <p:tgtEl>
-                                          <p:spTgt spid="42"/>
-                                        </p:tgtEl>
-                                        <p:attrNameLst>
-                                          <p:attrName>ppt_h</p:attrName>
-                                        </p:attrNameLst>
-                                      </p:cBhvr>
-                                      <p:tavLst>
-                                        <p:tav tm="0">
-                                          <p:val>
-                                            <p:fltVal val="0"/>
-                                          </p:val>
-                                        </p:tav>
-                                        <p:tav tm="100000">
-                                          <p:val>
-                                            <p:strVal val="#ppt_h"/>
-                                          </p:val>
-                                        </p:tav>
-                                      </p:tavLst>
-                                    </p:anim>
-                                    <p:animEffect transition="in" filter="fade">
-                                      <p:cBhvr>
-                                        <p:cTn id="21" dur="500"/>
-                                        <p:tgtEl>
-                                          <p:spTgt spid="42"/>
-                                        </p:tgtEl>
-                                      </p:cBhvr>
-                                    </p:animEffect>
-                                  </p:childTnLst>
-                                </p:cTn>
-                              </p:par>
-                            </p:childTnLst>
-                          </p:cTn>
-                        </p:par>
-                        <p:par>
-                          <p:cTn id="22" fill="hold">
-                            <p:stCondLst>
-                              <p:cond delay="1500"/>
-                            </p:stCondLst>
-                            <p:childTnLst>
-                              <p:par>
-                                <p:cTn id="23" presetID="42" presetClass="entr" presetSubtype="0" fill="hold" nodeType="afterEffect">
-                                  <p:stCondLst>
-                                    <p:cond delay="0"/>
-                                  </p:stCondLst>
-                                  <p:childTnLst>
-                                    <p:set>
-                                      <p:cBhvr>
-                                        <p:cTn id="24" dur="1" fill="hold">
-                                          <p:stCondLst>
-                                            <p:cond delay="0"/>
-                                          </p:stCondLst>
-                                        </p:cTn>
-                                        <p:tgtEl>
-                                          <p:spTgt spid="36"/>
-                                        </p:tgtEl>
-                                        <p:attrNameLst>
-                                          <p:attrName>style.visibility</p:attrName>
-                                        </p:attrNameLst>
-                                      </p:cBhvr>
-                                      <p:to>
-                                        <p:strVal val="visible"/>
-                                      </p:to>
-                                    </p:set>
-                                    <p:animEffect transition="in" filter="fade">
-                                      <p:cBhvr>
-                                        <p:cTn id="25" dur="500"/>
-                                        <p:tgtEl>
-                                          <p:spTgt spid="36"/>
-                                        </p:tgtEl>
-                                      </p:cBhvr>
-                                    </p:animEffect>
-                                    <p:anim calcmode="lin" valueType="num">
-                                      <p:cBhvr>
-                                        <p:cTn id="26" dur="500" fill="hold"/>
-                                        <p:tgtEl>
-                                          <p:spTgt spid="36"/>
-                                        </p:tgtEl>
-                                        <p:attrNameLst>
-                                          <p:attrName>ppt_x</p:attrName>
-                                        </p:attrNameLst>
-                                      </p:cBhvr>
-                                      <p:tavLst>
-                                        <p:tav tm="0">
-                                          <p:val>
-                                            <p:strVal val="#ppt_x"/>
-                                          </p:val>
-                                        </p:tav>
-                                        <p:tav tm="100000">
-                                          <p:val>
-                                            <p:strVal val="#ppt_x"/>
-                                          </p:val>
-                                        </p:tav>
-                                      </p:tavLst>
-                                    </p:anim>
-                                    <p:anim calcmode="lin" valueType="num">
-                                      <p:cBhvr>
-                                        <p:cTn id="27" dur="500" fill="hold"/>
-                                        <p:tgtEl>
-                                          <p:spTgt spid="36"/>
-                                        </p:tgtEl>
-                                        <p:attrNameLst>
-                                          <p:attrName>ppt_y</p:attrName>
-                                        </p:attrNameLst>
-                                      </p:cBhvr>
-                                      <p:tavLst>
-                                        <p:tav tm="0">
-                                          <p:val>
-                                            <p:strVal val="#ppt_y+.1"/>
-                                          </p:val>
-                                        </p:tav>
-                                        <p:tav tm="100000">
-                                          <p:val>
-                                            <p:strVal val="#ppt_y"/>
-                                          </p:val>
-                                        </p:tav>
-                                      </p:tavLst>
-                                    </p:anim>
-                                  </p:childTnLst>
-                                </p:cTn>
-                              </p:par>
-                            </p:childTnLst>
-                          </p:cTn>
-                        </p:par>
-                        <p:par>
-                          <p:cTn id="28" fill="hold">
-                            <p:stCondLst>
-                              <p:cond delay="2000"/>
-                            </p:stCondLst>
-                            <p:childTnLst>
-                              <p:par>
-                                <p:cTn id="29" presetID="53" presetClass="entr" presetSubtype="16" fill="hold" nodeType="afterEffect">
-                                  <p:stCondLst>
-                                    <p:cond delay="0"/>
-                                  </p:stCondLst>
-                                  <p:childTnLst>
-                                    <p:set>
-                                      <p:cBhvr>
-                                        <p:cTn id="30" dur="1" fill="hold">
-                                          <p:stCondLst>
-                                            <p:cond delay="0"/>
-                                          </p:stCondLst>
-                                        </p:cTn>
-                                        <p:tgtEl>
-                                          <p:spTgt spid="45"/>
-                                        </p:tgtEl>
-                                        <p:attrNameLst>
-                                          <p:attrName>style.visibility</p:attrName>
-                                        </p:attrNameLst>
-                                      </p:cBhvr>
-                                      <p:to>
-                                        <p:strVal val="visible"/>
-                                      </p:to>
-                                    </p:set>
-                                    <p:anim calcmode="lin" valueType="num">
-                                      <p:cBhvr>
-                                        <p:cTn id="31" dur="500" fill="hold"/>
-                                        <p:tgtEl>
-                                          <p:spTgt spid="45"/>
-                                        </p:tgtEl>
-                                        <p:attrNameLst>
-                                          <p:attrName>ppt_w</p:attrName>
-                                        </p:attrNameLst>
-                                      </p:cBhvr>
-                                      <p:tavLst>
-                                        <p:tav tm="0">
-                                          <p:val>
-                                            <p:fltVal val="0"/>
-                                          </p:val>
-                                        </p:tav>
-                                        <p:tav tm="100000">
-                                          <p:val>
-                                            <p:strVal val="#ppt_w"/>
-                                          </p:val>
-                                        </p:tav>
-                                      </p:tavLst>
-                                    </p:anim>
-                                    <p:anim calcmode="lin" valueType="num">
-                                      <p:cBhvr>
-                                        <p:cTn id="32" dur="500" fill="hold"/>
-                                        <p:tgtEl>
-                                          <p:spTgt spid="45"/>
-                                        </p:tgtEl>
-                                        <p:attrNameLst>
-                                          <p:attrName>ppt_h</p:attrName>
-                                        </p:attrNameLst>
-                                      </p:cBhvr>
-                                      <p:tavLst>
-                                        <p:tav tm="0">
-                                          <p:val>
-                                            <p:fltVal val="0"/>
-                                          </p:val>
-                                        </p:tav>
-                                        <p:tav tm="100000">
-                                          <p:val>
-                                            <p:strVal val="#ppt_h"/>
-                                          </p:val>
-                                        </p:tav>
-                                      </p:tavLst>
-                                    </p:anim>
-                                    <p:animEffect transition="in" filter="fade">
-                                      <p:cBhvr>
-                                        <p:cTn id="33" dur="500"/>
-                                        <p:tgtEl>
-                                          <p:spTgt spid="45"/>
-                                        </p:tgtEl>
-                                      </p:cBhvr>
-                                    </p:animEffect>
-                                  </p:childTnLst>
-                                </p:cTn>
-                              </p:par>
-                            </p:childTnLst>
-                          </p:cTn>
-                        </p:par>
-                        <p:par>
-                          <p:cTn id="34" fill="hold">
-                            <p:stCondLst>
-                              <p:cond delay="2500"/>
-                            </p:stCondLst>
-                            <p:childTnLst>
-                              <p:par>
-                                <p:cTn id="35" presetID="42" presetClass="entr" presetSubtype="0" fill="hold" nodeType="afterEffect">
-                                  <p:stCondLst>
-                                    <p:cond delay="0"/>
-                                  </p:stCondLst>
-                                  <p:childTnLst>
-                                    <p:set>
-                                      <p:cBhvr>
-                                        <p:cTn id="36" dur="1" fill="hold">
-                                          <p:stCondLst>
-                                            <p:cond delay="0"/>
-                                          </p:stCondLst>
-                                        </p:cTn>
-                                        <p:tgtEl>
-                                          <p:spTgt spid="39"/>
-                                        </p:tgtEl>
-                                        <p:attrNameLst>
-                                          <p:attrName>style.visibility</p:attrName>
-                                        </p:attrNameLst>
-                                      </p:cBhvr>
-                                      <p:to>
-                                        <p:strVal val="visible"/>
-                                      </p:to>
-                                    </p:set>
-                                    <p:animEffect transition="in" filter="fade">
-                                      <p:cBhvr>
-                                        <p:cTn id="37" dur="500"/>
-                                        <p:tgtEl>
-                                          <p:spTgt spid="39"/>
-                                        </p:tgtEl>
-                                      </p:cBhvr>
-                                    </p:animEffect>
-                                    <p:anim calcmode="lin" valueType="num">
-                                      <p:cBhvr>
-                                        <p:cTn id="38" dur="500" fill="hold"/>
-                                        <p:tgtEl>
-                                          <p:spTgt spid="39"/>
-                                        </p:tgtEl>
-                                        <p:attrNameLst>
-                                          <p:attrName>ppt_x</p:attrName>
-                                        </p:attrNameLst>
-                                      </p:cBhvr>
-                                      <p:tavLst>
-                                        <p:tav tm="0">
-                                          <p:val>
-                                            <p:strVal val="#ppt_x"/>
-                                          </p:val>
-                                        </p:tav>
-                                        <p:tav tm="100000">
-                                          <p:val>
-                                            <p:strVal val="#ppt_x"/>
-                                          </p:val>
-                                        </p:tav>
-                                      </p:tavLst>
-                                    </p:anim>
-                                    <p:anim calcmode="lin" valueType="num">
-                                      <p:cBhvr>
-                                        <p:cTn id="39" dur="500" fill="hold"/>
-                                        <p:tgtEl>
-                                          <p:spTgt spid="39"/>
-                                        </p:tgtEl>
-                                        <p:attrNameLst>
-                                          <p:attrName>ppt_y</p:attrName>
-                                        </p:attrNameLst>
-                                      </p:cBhvr>
-                                      <p:tavLst>
-                                        <p:tav tm="0">
-                                          <p:val>
-                                            <p:strVal val="#ppt_y+.1"/>
-                                          </p:val>
-                                        </p:tav>
-                                        <p:tav tm="100000">
-                                          <p:val>
-                                            <p:strVal val="#ppt_y"/>
-                                          </p:val>
-                                        </p:tav>
-                                      </p:tavLst>
-                                    </p:anim>
-                                  </p:childTnLst>
-                                </p:cTn>
-                              </p:par>
-                            </p:childTnLst>
-                          </p:cTn>
-                        </p:par>
-                      </p:childTnLst>
-                    </p:cTn>
-                  </p:par>
-                </p:childTnLst>
-              </p:cTn>
-              <p:prevCondLst>
-                <p:cond evt="onPrev" delay="0">
-                  <p:tgtEl>
-                    <p:sldTgt/>
-                  </p:tgtEl>
-                </p:cond>
-              </p:prevCondLst>
-              <p:nextCondLst>
-                <p:cond evt="onNext" delay="0">
-                  <p:tgtEl>
-                    <p:sldTgt/>
-                  </p:tgtEl>
-                </p:cond>
-              </p:nextCondLst>
-            </p:seq>
-          </p:childTnLst>
-        </p:cTn>
-      </p:par>
-    </p:tnLst>
-  </p:timing>
 </p:sld>
 </file>
 

--- a/emulsion-concentrates-short.pptx
+++ b/emulsion-concentrates-short.pptx
@@ -7577,10 +7577,10 @@
       </p:grpSp>
       <p:grpSp>
         <p:nvGrpSpPr>
-          <p:cNvPr id="26" name="Csoportba foglalás 25">
+          <p:cNvPr id="28" name="Csoportba foglalás 27">
             <a:extLst>
               <a:ext uri="{FF2B5EF4-FFF2-40B4-BE49-F238E27FC236}">
-                <a16:creationId xmlns:a16="http://schemas.microsoft.com/office/drawing/2014/main" id="{1F05A477-E94B-4C03-8043-C35B5F50E206}"/>
+                <a16:creationId xmlns:a16="http://schemas.microsoft.com/office/drawing/2014/main" id="{061F1A53-7241-4095-BC41-7A102C0DDAB9}"/>
               </a:ext>
             </a:extLst>
           </p:cNvPr>
@@ -7616,7 +7616,7 @@
               <a:avLst/>
             </a:prstGeom>
             <a:solidFill>
-              <a:srgbClr val="FF5969"/>
+              <a:srgbClr val="92D050"/>
             </a:solidFill>
             <a:ln>
               <a:noFill/>
@@ -7689,10 +7689,10 @@
       </p:grpSp>
       <p:grpSp>
         <p:nvGrpSpPr>
-          <p:cNvPr id="27" name="Csoportba foglalás 26">
+          <p:cNvPr id="29" name="Csoportba foglalás 28">
             <a:extLst>
               <a:ext uri="{FF2B5EF4-FFF2-40B4-BE49-F238E27FC236}">
-                <a16:creationId xmlns:a16="http://schemas.microsoft.com/office/drawing/2014/main" id="{16C19F67-AE9D-4B9D-8C40-73D55CD52369}"/>
+                <a16:creationId xmlns:a16="http://schemas.microsoft.com/office/drawing/2014/main" id="{102BD5EF-967B-4A25-BBAB-BEB0BD411772}"/>
               </a:ext>
             </a:extLst>
           </p:cNvPr>
@@ -7728,7 +7728,7 @@
               <a:avLst/>
             </a:prstGeom>
             <a:solidFill>
-              <a:srgbClr val="FF5969"/>
+              <a:srgbClr val="FEC630"/>
             </a:solidFill>
             <a:ln>
               <a:noFill/>
@@ -8195,7 +8195,7 @@
                                           </p:stCondLst>
                                         </p:cTn>
                                         <p:tgtEl>
-                                          <p:spTgt spid="26"/>
+                                          <p:spTgt spid="28"/>
                                         </p:tgtEl>
                                         <p:attrNameLst>
                                           <p:attrName>style.visibility</p:attrName>
@@ -8209,7 +8209,7 @@
                                       <p:cBhvr>
                                         <p:cTn id="30" dur="500" fill="hold"/>
                                         <p:tgtEl>
-                                          <p:spTgt spid="26"/>
+                                          <p:spTgt spid="28"/>
                                         </p:tgtEl>
                                         <p:attrNameLst>
                                           <p:attrName>ppt_w</p:attrName>
@@ -8232,7 +8232,7 @@
                                       <p:cBhvr>
                                         <p:cTn id="31" dur="500" fill="hold"/>
                                         <p:tgtEl>
-                                          <p:spTgt spid="26"/>
+                                          <p:spTgt spid="28"/>
                                         </p:tgtEl>
                                         <p:attrNameLst>
                                           <p:attrName>ppt_h</p:attrName>
@@ -8255,7 +8255,7 @@
                                       <p:cBhvr>
                                         <p:cTn id="32" dur="500" fill="hold"/>
                                         <p:tgtEl>
-                                          <p:spTgt spid="26"/>
+                                          <p:spTgt spid="28"/>
                                         </p:tgtEl>
                                         <p:attrNameLst>
                                           <p:attrName>style.rotation</p:attrName>
@@ -8278,7 +8278,7 @@
                                       <p:cBhvr>
                                         <p:cTn id="33" dur="500"/>
                                         <p:tgtEl>
-                                          <p:spTgt spid="26"/>
+                                          <p:spTgt spid="28"/>
                                         </p:tgtEl>
                                       </p:cBhvr>
                                     </p:animEffect>
@@ -8343,7 +8343,7 @@
                                           </p:stCondLst>
                                         </p:cTn>
                                         <p:tgtEl>
-                                          <p:spTgt spid="27"/>
+                                          <p:spTgt spid="29"/>
                                         </p:tgtEl>
                                         <p:attrNameLst>
                                           <p:attrName>style.visibility</p:attrName>
@@ -8357,7 +8357,7 @@
                                       <p:cBhvr>
                                         <p:cTn id="40" dur="500" fill="hold"/>
                                         <p:tgtEl>
-                                          <p:spTgt spid="27"/>
+                                          <p:spTgt spid="29"/>
                                         </p:tgtEl>
                                         <p:attrNameLst>
                                           <p:attrName>ppt_w</p:attrName>
@@ -8380,7 +8380,7 @@
                                       <p:cBhvr>
                                         <p:cTn id="41" dur="500" fill="hold"/>
                                         <p:tgtEl>
-                                          <p:spTgt spid="27"/>
+                                          <p:spTgt spid="29"/>
                                         </p:tgtEl>
                                         <p:attrNameLst>
                                           <p:attrName>ppt_h</p:attrName>
@@ -8403,7 +8403,7 @@
                                       <p:cBhvr>
                                         <p:cTn id="42" dur="500" fill="hold"/>
                                         <p:tgtEl>
-                                          <p:spTgt spid="27"/>
+                                          <p:spTgt spid="29"/>
                                         </p:tgtEl>
                                         <p:attrNameLst>
                                           <p:attrName>style.rotation</p:attrName>
@@ -8426,7 +8426,7 @@
                                       <p:cBhvr>
                                         <p:cTn id="43" dur="500"/>
                                         <p:tgtEl>
-                                          <p:spTgt spid="27"/>
+                                          <p:spTgt spid="29"/>
                                         </p:tgtEl>
                                       </p:cBhvr>
                                     </p:animEffect>
@@ -10321,7 +10321,7 @@
         </p:nvGrpSpPr>
         <p:grpSpPr>
           <a:xfrm>
-            <a:off x="3218867" y="2294168"/>
+            <a:off x="5113043" y="981094"/>
             <a:ext cx="3197225" cy="805974"/>
             <a:chOff x="764723" y="2142394"/>
             <a:chExt cx="3197225" cy="805974"/>
@@ -10601,7 +10601,7 @@
         </p:nvGrpSpPr>
         <p:grpSpPr>
           <a:xfrm>
-            <a:off x="3218867" y="3877843"/>
+            <a:off x="5109680" y="2251920"/>
             <a:ext cx="3360506" cy="805974"/>
             <a:chOff x="764723" y="2142394"/>
             <a:chExt cx="3360506" cy="805974"/>
@@ -10875,7 +10875,7 @@
         </p:nvGrpSpPr>
         <p:grpSpPr>
           <a:xfrm>
-            <a:off x="7220196" y="2290213"/>
+            <a:off x="5113043" y="3522748"/>
             <a:ext cx="3197225" cy="805974"/>
             <a:chOff x="764723" y="2142394"/>
             <a:chExt cx="3197225" cy="805974"/>
@@ -11077,7 +11077,7 @@
         </p:nvGrpSpPr>
         <p:grpSpPr>
           <a:xfrm>
-            <a:off x="7220196" y="3877843"/>
+            <a:off x="5113043" y="4793574"/>
             <a:ext cx="3197225" cy="805974"/>
             <a:chOff x="764723" y="2142394"/>
             <a:chExt cx="3197225" cy="805974"/>
@@ -13559,7 +13559,7 @@
         </p:nvGrpSpPr>
         <p:grpSpPr>
           <a:xfrm>
-            <a:off x="3021802" y="452399"/>
+            <a:off x="3021802" y="520979"/>
             <a:ext cx="5772001" cy="1236861"/>
             <a:chOff x="764723" y="2142394"/>
             <a:chExt cx="5772001" cy="1236861"/>
@@ -14050,7 +14050,7 @@
         </p:nvGrpSpPr>
         <p:grpSpPr>
           <a:xfrm>
-            <a:off x="3062965" y="1956849"/>
+            <a:off x="3062965" y="1949229"/>
             <a:ext cx="3197225" cy="1452305"/>
             <a:chOff x="764723" y="2142394"/>
             <a:chExt cx="3197225" cy="1452305"/>
@@ -14379,7 +14379,7 @@
         </p:nvGrpSpPr>
         <p:grpSpPr>
           <a:xfrm>
-            <a:off x="3045815" y="3541993"/>
+            <a:off x="3045815" y="3481033"/>
             <a:ext cx="3197225" cy="662056"/>
             <a:chOff x="764723" y="2277144"/>
             <a:chExt cx="3197225" cy="662056"/>
@@ -14577,7 +14577,7 @@
         </p:nvGrpSpPr>
         <p:grpSpPr>
           <a:xfrm>
-            <a:off x="3040264" y="4606388"/>
+            <a:off x="3040264" y="4530188"/>
             <a:ext cx="5821489" cy="1883192"/>
             <a:chOff x="764723" y="2142394"/>
             <a:chExt cx="5821489" cy="1883192"/>
@@ -17151,6 +17151,942 @@
           </p:spPr>
         </p:pic>
       </p:grpSp>
+      <p:grpSp>
+        <p:nvGrpSpPr>
+          <p:cNvPr id="66" name="Group 112">
+            <a:extLst>
+              <a:ext uri="{FF2B5EF4-FFF2-40B4-BE49-F238E27FC236}">
+                <a16:creationId xmlns:a16="http://schemas.microsoft.com/office/drawing/2014/main" id="{1D894E81-F6F5-4F3B-AFA9-9CB582E921E1}"/>
+              </a:ext>
+            </a:extLst>
+          </p:cNvPr>
+          <p:cNvGrpSpPr/>
+          <p:nvPr/>
+        </p:nvGrpSpPr>
+        <p:grpSpPr>
+          <a:xfrm>
+            <a:off x="3129163" y="705428"/>
+            <a:ext cx="5067917" cy="805974"/>
+            <a:chOff x="764723" y="2142394"/>
+            <a:chExt cx="5067917" cy="805974"/>
+          </a:xfrm>
+        </p:grpSpPr>
+        <p:sp>
+          <p:nvSpPr>
+            <p:cNvPr id="67" name="Oval 113">
+              <a:extLst>
+                <a:ext uri="{FF2B5EF4-FFF2-40B4-BE49-F238E27FC236}">
+                  <a16:creationId xmlns:a16="http://schemas.microsoft.com/office/drawing/2014/main" id="{40B27A33-E010-4961-8608-4D63E077FDFC}"/>
+                </a:ext>
+              </a:extLst>
+            </p:cNvPr>
+            <p:cNvSpPr/>
+            <p:nvPr/>
+          </p:nvSpPr>
+          <p:spPr>
+            <a:xfrm>
+              <a:off x="764723" y="2277144"/>
+              <a:ext cx="662056" cy="662056"/>
+            </a:xfrm>
+            <a:prstGeom prst="ellipse">
+              <a:avLst/>
+            </a:prstGeom>
+            <a:solidFill>
+              <a:srgbClr val="FF5969"/>
+            </a:solidFill>
+            <a:ln>
+              <a:noFill/>
+            </a:ln>
+          </p:spPr>
+          <p:style>
+            <a:lnRef idx="2">
+              <a:schemeClr val="accent1">
+                <a:shade val="50000"/>
+              </a:schemeClr>
+            </a:lnRef>
+            <a:fillRef idx="1">
+              <a:schemeClr val="accent1"/>
+            </a:fillRef>
+            <a:effectRef idx="0">
+              <a:schemeClr val="accent1"/>
+            </a:effectRef>
+            <a:fontRef idx="minor">
+              <a:schemeClr val="lt1"/>
+            </a:fontRef>
+          </p:style>
+          <p:txBody>
+            <a:bodyPr rtlCol="0" anchor="ctr"/>
+            <a:lstStyle/>
+            <a:p>
+              <a:pPr algn="ctr"/>
+              <a:endParaRPr lang="en-US"/>
+            </a:p>
+          </p:txBody>
+        </p:sp>
+        <p:pic>
+          <p:nvPicPr>
+            <p:cNvPr id="68" name="Picture 114" descr="Habverő">
+              <a:extLst>
+                <a:ext uri="{FF2B5EF4-FFF2-40B4-BE49-F238E27FC236}">
+                  <a16:creationId xmlns:a16="http://schemas.microsoft.com/office/drawing/2014/main" id="{9065728D-6556-40C9-BAEE-798D5754A659}"/>
+                </a:ext>
+              </a:extLst>
+            </p:cNvPr>
+            <p:cNvPicPr>
+              <a:picLocks noChangeAspect="1"/>
+            </p:cNvPicPr>
+            <p:nvPr/>
+          </p:nvPicPr>
+          <p:blipFill>
+            <a:blip r:embed="rId3">
+              <a:extLst>
+                <a:ext uri="{28A0092B-C50C-407E-A947-70E740481C1C}">
+                  <a14:useLocalDpi xmlns:a14="http://schemas.microsoft.com/office/drawing/2010/main" val="0"/>
+                </a:ext>
+                <a:ext uri="{96DAC541-7B7A-43D3-8B79-37D633B846F1}">
+                  <asvg:svgBlip xmlns:asvg="http://schemas.microsoft.com/office/drawing/2016/SVG/main" r:embed="rId4"/>
+                </a:ext>
+              </a:extLst>
+            </a:blip>
+            <a:srcRect/>
+            <a:stretch/>
+          </p:blipFill>
+          <p:spPr>
+            <a:xfrm>
+              <a:off x="896554" y="2408975"/>
+              <a:ext cx="398394" cy="398394"/>
+            </a:xfrm>
+            <a:prstGeom prst="rect">
+              <a:avLst/>
+            </a:prstGeom>
+          </p:spPr>
+        </p:pic>
+        <p:sp>
+          <p:nvSpPr>
+            <p:cNvPr id="69" name="TextBox 115">
+              <a:extLst>
+                <a:ext uri="{FF2B5EF4-FFF2-40B4-BE49-F238E27FC236}">
+                  <a16:creationId xmlns:a16="http://schemas.microsoft.com/office/drawing/2014/main" id="{18F67BE5-F80E-4194-B9FE-8BC416A9B6FB}"/>
+                </a:ext>
+              </a:extLst>
+            </p:cNvPr>
+            <p:cNvSpPr txBox="1"/>
+            <p:nvPr/>
+          </p:nvSpPr>
+          <p:spPr>
+            <a:xfrm>
+              <a:off x="1435199" y="2142394"/>
+              <a:ext cx="2177203" cy="369332"/>
+            </a:xfrm>
+            <a:prstGeom prst="rect">
+              <a:avLst/>
+            </a:prstGeom>
+            <a:noFill/>
+          </p:spPr>
+          <p:txBody>
+            <a:bodyPr wrap="square" rtlCol="0">
+              <a:spAutoFit/>
+            </a:bodyPr>
+            <a:lstStyle/>
+            <a:p>
+              <a:r>
+                <a:rPr lang="en-US" dirty="0" err="1">
+                  <a:solidFill>
+                    <a:srgbClr val="FF5969"/>
+                  </a:solidFill>
+                  <a:latin typeface="Tw Cen MT" panose="020B0602020104020603" pitchFamily="34" charset="0"/>
+                </a:rPr>
+                <a:t>intenzív</a:t>
+              </a:r>
+              <a:r>
+                <a:rPr lang="en-US" dirty="0">
+                  <a:solidFill>
+                    <a:srgbClr val="FF5969"/>
+                  </a:solidFill>
+                  <a:latin typeface="Tw Cen MT" panose="020B0602020104020603" pitchFamily="34" charset="0"/>
+                </a:rPr>
+                <a:t> </a:t>
+              </a:r>
+              <a:r>
+                <a:rPr lang="en-US" dirty="0" err="1">
+                  <a:solidFill>
+                    <a:srgbClr val="FF5969"/>
+                  </a:solidFill>
+                  <a:latin typeface="Tw Cen MT" panose="020B0602020104020603" pitchFamily="34" charset="0"/>
+                </a:rPr>
+                <a:t>keverés</a:t>
+              </a:r>
+              <a:endParaRPr lang="en-US" dirty="0">
+                <a:solidFill>
+                  <a:srgbClr val="FF5969"/>
+                </a:solidFill>
+                <a:latin typeface="Tw Cen MT" panose="020B0602020104020603" pitchFamily="34" charset="0"/>
+              </a:endParaRPr>
+            </a:p>
+          </p:txBody>
+        </p:sp>
+        <p:sp>
+          <p:nvSpPr>
+            <p:cNvPr id="81" name="TextBox 116">
+              <a:extLst>
+                <a:ext uri="{FF2B5EF4-FFF2-40B4-BE49-F238E27FC236}">
+                  <a16:creationId xmlns:a16="http://schemas.microsoft.com/office/drawing/2014/main" id="{AF61B2AA-73EF-4396-9791-7FE7E5CC666A}"/>
+                </a:ext>
+              </a:extLst>
+            </p:cNvPr>
+            <p:cNvSpPr txBox="1"/>
+            <p:nvPr/>
+          </p:nvSpPr>
+          <p:spPr>
+            <a:xfrm>
+              <a:off x="1435199" y="2425148"/>
+              <a:ext cx="4397441" cy="523220"/>
+            </a:xfrm>
+            <a:prstGeom prst="rect">
+              <a:avLst/>
+            </a:prstGeom>
+            <a:noFill/>
+          </p:spPr>
+          <p:txBody>
+            <a:bodyPr wrap="square" rtlCol="0">
+              <a:spAutoFit/>
+            </a:bodyPr>
+            <a:lstStyle/>
+            <a:p>
+              <a:r>
+                <a:rPr lang="hu-HU" sz="1400" dirty="0">
+                  <a:solidFill>
+                    <a:srgbClr val="5D7373"/>
+                  </a:solidFill>
+                  <a:latin typeface="Tw Cen MT" panose="020B0602020104020603" pitchFamily="34" charset="0"/>
+                </a:rPr>
+                <a:t>mechanikai energiával 1-2 mikron cseppátmérőjű csepphalmaz kialakítása</a:t>
+              </a:r>
+            </a:p>
+          </p:txBody>
+        </p:sp>
+      </p:grpSp>
+      <p:grpSp>
+        <p:nvGrpSpPr>
+          <p:cNvPr id="82" name="Group 112">
+            <a:extLst>
+              <a:ext uri="{FF2B5EF4-FFF2-40B4-BE49-F238E27FC236}">
+                <a16:creationId xmlns:a16="http://schemas.microsoft.com/office/drawing/2014/main" id="{46D56F9B-38E1-40EE-B188-DE02C86BB14F}"/>
+              </a:ext>
+            </a:extLst>
+          </p:cNvPr>
+          <p:cNvGrpSpPr/>
+          <p:nvPr/>
+        </p:nvGrpSpPr>
+        <p:grpSpPr>
+          <a:xfrm>
+            <a:off x="3159154" y="4157323"/>
+            <a:ext cx="2946729" cy="662056"/>
+            <a:chOff x="764723" y="2277144"/>
+            <a:chExt cx="2946729" cy="662056"/>
+          </a:xfrm>
+        </p:grpSpPr>
+        <p:sp>
+          <p:nvSpPr>
+            <p:cNvPr id="83" name="Oval 113">
+              <a:extLst>
+                <a:ext uri="{FF2B5EF4-FFF2-40B4-BE49-F238E27FC236}">
+                  <a16:creationId xmlns:a16="http://schemas.microsoft.com/office/drawing/2014/main" id="{1916F7ED-FD11-4B61-B068-A24D0EF16A8C}"/>
+                </a:ext>
+              </a:extLst>
+            </p:cNvPr>
+            <p:cNvSpPr/>
+            <p:nvPr/>
+          </p:nvSpPr>
+          <p:spPr>
+            <a:xfrm>
+              <a:off x="764723" y="2277144"/>
+              <a:ext cx="662056" cy="662056"/>
+            </a:xfrm>
+            <a:prstGeom prst="ellipse">
+              <a:avLst/>
+            </a:prstGeom>
+            <a:solidFill>
+              <a:srgbClr val="5D7373"/>
+            </a:solidFill>
+            <a:ln>
+              <a:noFill/>
+            </a:ln>
+          </p:spPr>
+          <p:style>
+            <a:lnRef idx="2">
+              <a:schemeClr val="accent1">
+                <a:shade val="50000"/>
+              </a:schemeClr>
+            </a:lnRef>
+            <a:fillRef idx="1">
+              <a:schemeClr val="accent1"/>
+            </a:fillRef>
+            <a:effectRef idx="0">
+              <a:schemeClr val="accent1"/>
+            </a:effectRef>
+            <a:fontRef idx="minor">
+              <a:schemeClr val="lt1"/>
+            </a:fontRef>
+          </p:style>
+          <p:txBody>
+            <a:bodyPr rtlCol="0" anchor="ctr"/>
+            <a:lstStyle/>
+            <a:p>
+              <a:pPr algn="ctr"/>
+              <a:endParaRPr lang="en-US"/>
+            </a:p>
+          </p:txBody>
+        </p:sp>
+        <p:pic>
+          <p:nvPicPr>
+            <p:cNvPr id="84" name="Picture 114" descr="Szélmalom">
+              <a:extLst>
+                <a:ext uri="{FF2B5EF4-FFF2-40B4-BE49-F238E27FC236}">
+                  <a16:creationId xmlns:a16="http://schemas.microsoft.com/office/drawing/2014/main" id="{C68E7B76-8448-4725-98D8-E300CBC839E0}"/>
+                </a:ext>
+              </a:extLst>
+            </p:cNvPr>
+            <p:cNvPicPr>
+              <a:picLocks noChangeAspect="1"/>
+            </p:cNvPicPr>
+            <p:nvPr/>
+          </p:nvPicPr>
+          <p:blipFill>
+            <a:blip r:embed="rId5">
+              <a:extLst>
+                <a:ext uri="{28A0092B-C50C-407E-A947-70E740481C1C}">
+                  <a14:useLocalDpi xmlns:a14="http://schemas.microsoft.com/office/drawing/2010/main" val="0"/>
+                </a:ext>
+                <a:ext uri="{96DAC541-7B7A-43D3-8B79-37D633B846F1}">
+                  <asvg:svgBlip xmlns:asvg="http://schemas.microsoft.com/office/drawing/2016/SVG/main" r:embed="rId6"/>
+                </a:ext>
+              </a:extLst>
+            </a:blip>
+            <a:srcRect/>
+            <a:stretch/>
+          </p:blipFill>
+          <p:spPr>
+            <a:xfrm>
+              <a:off x="896554" y="2408975"/>
+              <a:ext cx="398394" cy="398394"/>
+            </a:xfrm>
+            <a:prstGeom prst="rect">
+              <a:avLst/>
+            </a:prstGeom>
+          </p:spPr>
+        </p:pic>
+        <p:sp>
+          <p:nvSpPr>
+            <p:cNvPr id="85" name="TextBox 115">
+              <a:extLst>
+                <a:ext uri="{FF2B5EF4-FFF2-40B4-BE49-F238E27FC236}">
+                  <a16:creationId xmlns:a16="http://schemas.microsoft.com/office/drawing/2014/main" id="{4E9D3BF4-5677-4B8D-AA94-F5F7AB72A1FD}"/>
+                </a:ext>
+              </a:extLst>
+            </p:cNvPr>
+            <p:cNvSpPr txBox="1"/>
+            <p:nvPr/>
+          </p:nvSpPr>
+          <p:spPr>
+            <a:xfrm>
+              <a:off x="1534249" y="2403537"/>
+              <a:ext cx="2177203" cy="369332"/>
+            </a:xfrm>
+            <a:prstGeom prst="rect">
+              <a:avLst/>
+            </a:prstGeom>
+            <a:noFill/>
+          </p:spPr>
+          <p:txBody>
+            <a:bodyPr wrap="square" rtlCol="0">
+              <a:spAutoFit/>
+            </a:bodyPr>
+            <a:lstStyle/>
+            <a:p>
+              <a:r>
+                <a:rPr lang="en-US" dirty="0" err="1">
+                  <a:solidFill>
+                    <a:srgbClr val="5D7373"/>
+                  </a:solidFill>
+                  <a:latin typeface="Tw Cen MT" panose="020B0602020104020603" pitchFamily="34" charset="0"/>
+                </a:rPr>
+                <a:t>kolloid</a:t>
+              </a:r>
+              <a:r>
+                <a:rPr lang="en-US" dirty="0">
+                  <a:solidFill>
+                    <a:srgbClr val="5D7373"/>
+                  </a:solidFill>
+                  <a:latin typeface="Tw Cen MT" panose="020B0602020104020603" pitchFamily="34" charset="0"/>
+                </a:rPr>
+                <a:t> </a:t>
+              </a:r>
+              <a:r>
+                <a:rPr lang="en-US" dirty="0" err="1">
+                  <a:solidFill>
+                    <a:srgbClr val="5D7373"/>
+                  </a:solidFill>
+                  <a:latin typeface="Tw Cen MT" panose="020B0602020104020603" pitchFamily="34" charset="0"/>
+                </a:rPr>
+                <a:t>malom</a:t>
+              </a:r>
+              <a:endParaRPr lang="en-US" dirty="0">
+                <a:solidFill>
+                  <a:srgbClr val="5D7373"/>
+                </a:solidFill>
+                <a:latin typeface="Tw Cen MT" panose="020B0602020104020603" pitchFamily="34" charset="0"/>
+              </a:endParaRPr>
+            </a:p>
+          </p:txBody>
+        </p:sp>
+      </p:grpSp>
+      <p:grpSp>
+        <p:nvGrpSpPr>
+          <p:cNvPr id="87" name="Group 112">
+            <a:extLst>
+              <a:ext uri="{FF2B5EF4-FFF2-40B4-BE49-F238E27FC236}">
+                <a16:creationId xmlns:a16="http://schemas.microsoft.com/office/drawing/2014/main" id="{F53493FA-5B18-4752-A129-48036479E4E8}"/>
+              </a:ext>
+            </a:extLst>
+          </p:cNvPr>
+          <p:cNvGrpSpPr/>
+          <p:nvPr/>
+        </p:nvGrpSpPr>
+        <p:grpSpPr>
+          <a:xfrm>
+            <a:off x="3135330" y="3054664"/>
+            <a:ext cx="2916738" cy="662056"/>
+            <a:chOff x="764723" y="2277144"/>
+            <a:chExt cx="2916738" cy="662056"/>
+          </a:xfrm>
+        </p:grpSpPr>
+        <p:sp>
+          <p:nvSpPr>
+            <p:cNvPr id="88" name="Oval 113">
+              <a:extLst>
+                <a:ext uri="{FF2B5EF4-FFF2-40B4-BE49-F238E27FC236}">
+                  <a16:creationId xmlns:a16="http://schemas.microsoft.com/office/drawing/2014/main" id="{DC266EB8-BBF9-441D-905A-74711B2BECAF}"/>
+                </a:ext>
+              </a:extLst>
+            </p:cNvPr>
+            <p:cNvSpPr/>
+            <p:nvPr/>
+          </p:nvSpPr>
+          <p:spPr>
+            <a:xfrm>
+              <a:off x="764723" y="2277144"/>
+              <a:ext cx="662056" cy="662056"/>
+            </a:xfrm>
+            <a:prstGeom prst="ellipse">
+              <a:avLst/>
+            </a:prstGeom>
+            <a:solidFill>
+              <a:srgbClr val="FEC630"/>
+            </a:solidFill>
+            <a:ln>
+              <a:noFill/>
+            </a:ln>
+          </p:spPr>
+          <p:style>
+            <a:lnRef idx="2">
+              <a:schemeClr val="accent1">
+                <a:shade val="50000"/>
+              </a:schemeClr>
+            </a:lnRef>
+            <a:fillRef idx="1">
+              <a:schemeClr val="accent1"/>
+            </a:fillRef>
+            <a:effectRef idx="0">
+              <a:schemeClr val="accent1"/>
+            </a:effectRef>
+            <a:fontRef idx="minor">
+              <a:schemeClr val="lt1"/>
+            </a:fontRef>
+          </p:style>
+          <p:txBody>
+            <a:bodyPr rtlCol="0" anchor="ctr"/>
+            <a:lstStyle/>
+            <a:p>
+              <a:pPr algn="ctr"/>
+              <a:endParaRPr lang="en-US" dirty="0">
+                <a:solidFill>
+                  <a:srgbClr val="00A0A8"/>
+                </a:solidFill>
+              </a:endParaRPr>
+            </a:p>
+          </p:txBody>
+        </p:sp>
+        <p:pic>
+          <p:nvPicPr>
+            <p:cNvPr id="89" name="Picture 114" descr="Vonalas nyíl: forgatás balra">
+              <a:extLst>
+                <a:ext uri="{FF2B5EF4-FFF2-40B4-BE49-F238E27FC236}">
+                  <a16:creationId xmlns:a16="http://schemas.microsoft.com/office/drawing/2014/main" id="{26341B8C-4900-4190-A2CC-3D88CF99B42D}"/>
+                </a:ext>
+              </a:extLst>
+            </p:cNvPr>
+            <p:cNvPicPr>
+              <a:picLocks noChangeAspect="1"/>
+            </p:cNvPicPr>
+            <p:nvPr/>
+          </p:nvPicPr>
+          <p:blipFill>
+            <a:blip r:embed="rId7">
+              <a:extLst>
+                <a:ext uri="{28A0092B-C50C-407E-A947-70E740481C1C}">
+                  <a14:useLocalDpi xmlns:a14="http://schemas.microsoft.com/office/drawing/2010/main" val="0"/>
+                </a:ext>
+                <a:ext uri="{96DAC541-7B7A-43D3-8B79-37D633B846F1}">
+                  <asvg:svgBlip xmlns:asvg="http://schemas.microsoft.com/office/drawing/2016/SVG/main" r:embed="rId8"/>
+                </a:ext>
+              </a:extLst>
+            </a:blip>
+            <a:srcRect/>
+            <a:stretch/>
+          </p:blipFill>
+          <p:spPr>
+            <a:xfrm>
+              <a:off x="896554" y="2408975"/>
+              <a:ext cx="398394" cy="398394"/>
+            </a:xfrm>
+            <a:prstGeom prst="rect">
+              <a:avLst/>
+            </a:prstGeom>
+          </p:spPr>
+        </p:pic>
+        <p:sp>
+          <p:nvSpPr>
+            <p:cNvPr id="90" name="TextBox 115">
+              <a:extLst>
+                <a:ext uri="{FF2B5EF4-FFF2-40B4-BE49-F238E27FC236}">
+                  <a16:creationId xmlns:a16="http://schemas.microsoft.com/office/drawing/2014/main" id="{72E66C49-D8D1-4576-9052-67F4880411FD}"/>
+                </a:ext>
+              </a:extLst>
+            </p:cNvPr>
+            <p:cNvSpPr txBox="1"/>
+            <p:nvPr/>
+          </p:nvSpPr>
+          <p:spPr>
+            <a:xfrm>
+              <a:off x="1504258" y="2394370"/>
+              <a:ext cx="2177203" cy="369332"/>
+            </a:xfrm>
+            <a:prstGeom prst="rect">
+              <a:avLst/>
+            </a:prstGeom>
+            <a:noFill/>
+          </p:spPr>
+          <p:txBody>
+            <a:bodyPr wrap="square" rtlCol="0">
+              <a:spAutoFit/>
+            </a:bodyPr>
+            <a:lstStyle/>
+            <a:p>
+              <a:r>
+                <a:rPr lang="en-US" dirty="0" err="1">
+                  <a:solidFill>
+                    <a:srgbClr val="FEC630"/>
+                  </a:solidFill>
+                  <a:latin typeface="Tw Cen MT" panose="020B0602020104020603" pitchFamily="34" charset="0"/>
+                </a:rPr>
+                <a:t>emulzió</a:t>
+              </a:r>
+              <a:r>
+                <a:rPr lang="en-US" dirty="0">
+                  <a:solidFill>
+                    <a:srgbClr val="FEC630"/>
+                  </a:solidFill>
+                  <a:latin typeface="Tw Cen MT" panose="020B0602020104020603" pitchFamily="34" charset="0"/>
+                </a:rPr>
+                <a:t> </a:t>
+              </a:r>
+              <a:r>
+                <a:rPr lang="en-US" dirty="0" err="1">
+                  <a:solidFill>
+                    <a:srgbClr val="FEC630"/>
+                  </a:solidFill>
+                  <a:latin typeface="Tw Cen MT" panose="020B0602020104020603" pitchFamily="34" charset="0"/>
+                </a:rPr>
+                <a:t>invertálás</a:t>
+              </a:r>
+              <a:endParaRPr lang="en-US" dirty="0">
+                <a:solidFill>
+                  <a:srgbClr val="FEC630"/>
+                </a:solidFill>
+                <a:latin typeface="Tw Cen MT" panose="020B0602020104020603" pitchFamily="34" charset="0"/>
+              </a:endParaRPr>
+            </a:p>
+          </p:txBody>
+        </p:sp>
+      </p:grpSp>
+      <p:grpSp>
+        <p:nvGrpSpPr>
+          <p:cNvPr id="91" name="Group 112">
+            <a:extLst>
+              <a:ext uri="{FF2B5EF4-FFF2-40B4-BE49-F238E27FC236}">
+                <a16:creationId xmlns:a16="http://schemas.microsoft.com/office/drawing/2014/main" id="{D61B1BE3-BACC-4D08-B31D-6726F580B7F0}"/>
+              </a:ext>
+            </a:extLst>
+          </p:cNvPr>
+          <p:cNvGrpSpPr/>
+          <p:nvPr/>
+        </p:nvGrpSpPr>
+        <p:grpSpPr>
+          <a:xfrm>
+            <a:off x="3159154" y="5259980"/>
+            <a:ext cx="2916738" cy="662056"/>
+            <a:chOff x="764723" y="2277144"/>
+            <a:chExt cx="2916738" cy="662056"/>
+          </a:xfrm>
+        </p:grpSpPr>
+        <p:sp>
+          <p:nvSpPr>
+            <p:cNvPr id="92" name="Oval 113">
+              <a:extLst>
+                <a:ext uri="{FF2B5EF4-FFF2-40B4-BE49-F238E27FC236}">
+                  <a16:creationId xmlns:a16="http://schemas.microsoft.com/office/drawing/2014/main" id="{B262E7E0-1186-4E9F-B964-665C36BFB2BC}"/>
+                </a:ext>
+              </a:extLst>
+            </p:cNvPr>
+            <p:cNvSpPr/>
+            <p:nvPr/>
+          </p:nvSpPr>
+          <p:spPr>
+            <a:xfrm>
+              <a:off x="764723" y="2277144"/>
+              <a:ext cx="662056" cy="662056"/>
+            </a:xfrm>
+            <a:prstGeom prst="ellipse">
+              <a:avLst/>
+            </a:prstGeom>
+            <a:solidFill>
+              <a:srgbClr val="52CBBE"/>
+            </a:solidFill>
+            <a:ln>
+              <a:noFill/>
+            </a:ln>
+          </p:spPr>
+          <p:style>
+            <a:lnRef idx="2">
+              <a:schemeClr val="accent1">
+                <a:shade val="50000"/>
+              </a:schemeClr>
+            </a:lnRef>
+            <a:fillRef idx="1">
+              <a:schemeClr val="accent1"/>
+            </a:fillRef>
+            <a:effectRef idx="0">
+              <a:schemeClr val="accent1"/>
+            </a:effectRef>
+            <a:fontRef idx="minor">
+              <a:schemeClr val="lt1"/>
+            </a:fontRef>
+          </p:style>
+          <p:txBody>
+            <a:bodyPr rtlCol="0" anchor="ctr"/>
+            <a:lstStyle/>
+            <a:p>
+              <a:pPr algn="ctr"/>
+              <a:endParaRPr lang="en-US" dirty="0">
+                <a:solidFill>
+                  <a:srgbClr val="00A0A8"/>
+                </a:solidFill>
+              </a:endParaRPr>
+            </a:p>
+          </p:txBody>
+        </p:sp>
+        <p:pic>
+          <p:nvPicPr>
+            <p:cNvPr id="93" name="Picture 114" descr="Buborékok">
+              <a:extLst>
+                <a:ext uri="{FF2B5EF4-FFF2-40B4-BE49-F238E27FC236}">
+                  <a16:creationId xmlns:a16="http://schemas.microsoft.com/office/drawing/2014/main" id="{BE364DE3-1040-47CF-BD48-40BD04AC7763}"/>
+                </a:ext>
+              </a:extLst>
+            </p:cNvPr>
+            <p:cNvPicPr>
+              <a:picLocks noChangeAspect="1"/>
+            </p:cNvPicPr>
+            <p:nvPr/>
+          </p:nvPicPr>
+          <p:blipFill>
+            <a:blip r:embed="rId9">
+              <a:extLst>
+                <a:ext uri="{28A0092B-C50C-407E-A947-70E740481C1C}">
+                  <a14:useLocalDpi xmlns:a14="http://schemas.microsoft.com/office/drawing/2010/main" val="0"/>
+                </a:ext>
+                <a:ext uri="{96DAC541-7B7A-43D3-8B79-37D633B846F1}">
+                  <asvg:svgBlip xmlns:asvg="http://schemas.microsoft.com/office/drawing/2016/SVG/main" r:embed="rId10"/>
+                </a:ext>
+              </a:extLst>
+            </a:blip>
+            <a:srcRect/>
+            <a:stretch/>
+          </p:blipFill>
+          <p:spPr>
+            <a:xfrm>
+              <a:off x="896554" y="2408975"/>
+              <a:ext cx="398394" cy="398394"/>
+            </a:xfrm>
+            <a:prstGeom prst="rect">
+              <a:avLst/>
+            </a:prstGeom>
+          </p:spPr>
+        </p:pic>
+        <p:sp>
+          <p:nvSpPr>
+            <p:cNvPr id="94" name="TextBox 115">
+              <a:extLst>
+                <a:ext uri="{FF2B5EF4-FFF2-40B4-BE49-F238E27FC236}">
+                  <a16:creationId xmlns:a16="http://schemas.microsoft.com/office/drawing/2014/main" id="{2C6DCC5D-BBEE-4234-8942-C0EDC09747E1}"/>
+                </a:ext>
+              </a:extLst>
+            </p:cNvPr>
+            <p:cNvSpPr txBox="1"/>
+            <p:nvPr/>
+          </p:nvSpPr>
+          <p:spPr>
+            <a:xfrm>
+              <a:off x="1504258" y="2394370"/>
+              <a:ext cx="2177203" cy="369332"/>
+            </a:xfrm>
+            <a:prstGeom prst="rect">
+              <a:avLst/>
+            </a:prstGeom>
+            <a:noFill/>
+          </p:spPr>
+          <p:txBody>
+            <a:bodyPr wrap="square" rtlCol="0">
+              <a:spAutoFit/>
+            </a:bodyPr>
+            <a:lstStyle/>
+            <a:p>
+              <a:r>
+                <a:rPr lang="en-US" dirty="0" err="1">
+                  <a:solidFill>
+                    <a:srgbClr val="52CBBE"/>
+                  </a:solidFill>
+                  <a:latin typeface="Tw Cen MT" panose="020B0602020104020603" pitchFamily="34" charset="0"/>
+                </a:rPr>
+                <a:t>habtalanítás</a:t>
+              </a:r>
+              <a:endParaRPr lang="en-US" dirty="0">
+                <a:solidFill>
+                  <a:srgbClr val="52CBBE"/>
+                </a:solidFill>
+                <a:latin typeface="Tw Cen MT" panose="020B0602020104020603" pitchFamily="34" charset="0"/>
+              </a:endParaRPr>
+            </a:p>
+          </p:txBody>
+        </p:sp>
+      </p:grpSp>
+      <p:grpSp>
+        <p:nvGrpSpPr>
+          <p:cNvPr id="130" name="Group 112">
+            <a:extLst>
+              <a:ext uri="{FF2B5EF4-FFF2-40B4-BE49-F238E27FC236}">
+                <a16:creationId xmlns:a16="http://schemas.microsoft.com/office/drawing/2014/main" id="{5C85E232-9101-47BF-9008-95DF757C9233}"/>
+              </a:ext>
+            </a:extLst>
+          </p:cNvPr>
+          <p:cNvGrpSpPr/>
+          <p:nvPr/>
+        </p:nvGrpSpPr>
+        <p:grpSpPr>
+          <a:xfrm>
+            <a:off x="3159154" y="1952005"/>
+            <a:ext cx="3335838" cy="662056"/>
+            <a:chOff x="764723" y="2277144"/>
+            <a:chExt cx="3335838" cy="662056"/>
+          </a:xfrm>
+        </p:grpSpPr>
+        <p:sp>
+          <p:nvSpPr>
+            <p:cNvPr id="131" name="Oval 113">
+              <a:extLst>
+                <a:ext uri="{FF2B5EF4-FFF2-40B4-BE49-F238E27FC236}">
+                  <a16:creationId xmlns:a16="http://schemas.microsoft.com/office/drawing/2014/main" id="{D3C3057C-E1B9-40DE-B8F9-4AB7E3F8A055}"/>
+                </a:ext>
+              </a:extLst>
+            </p:cNvPr>
+            <p:cNvSpPr/>
+            <p:nvPr/>
+          </p:nvSpPr>
+          <p:spPr>
+            <a:xfrm>
+              <a:off x="764723" y="2277144"/>
+              <a:ext cx="662056" cy="662056"/>
+            </a:xfrm>
+            <a:prstGeom prst="ellipse">
+              <a:avLst/>
+            </a:prstGeom>
+            <a:solidFill>
+              <a:srgbClr val="92D050"/>
+            </a:solidFill>
+            <a:ln>
+              <a:noFill/>
+            </a:ln>
+          </p:spPr>
+          <p:style>
+            <a:lnRef idx="2">
+              <a:schemeClr val="accent1">
+                <a:shade val="50000"/>
+              </a:schemeClr>
+            </a:lnRef>
+            <a:fillRef idx="1">
+              <a:schemeClr val="accent1"/>
+            </a:fillRef>
+            <a:effectRef idx="0">
+              <a:schemeClr val="accent1"/>
+            </a:effectRef>
+            <a:fontRef idx="minor">
+              <a:schemeClr val="lt1"/>
+            </a:fontRef>
+          </p:style>
+          <p:txBody>
+            <a:bodyPr rtlCol="0" anchor="ctr"/>
+            <a:lstStyle/>
+            <a:p>
+              <a:pPr algn="ctr"/>
+              <a:endParaRPr lang="en-US" dirty="0">
+                <a:solidFill>
+                  <a:srgbClr val="00A0A8"/>
+                </a:solidFill>
+              </a:endParaRPr>
+            </a:p>
+          </p:txBody>
+        </p:sp>
+        <p:pic>
+          <p:nvPicPr>
+            <p:cNvPr id="132" name="Picture 114" descr="Keverés">
+              <a:extLst>
+                <a:ext uri="{FF2B5EF4-FFF2-40B4-BE49-F238E27FC236}">
+                  <a16:creationId xmlns:a16="http://schemas.microsoft.com/office/drawing/2014/main" id="{F3C28FDE-CFA0-42FA-8601-DC7FE8B2A8A2}"/>
+                </a:ext>
+              </a:extLst>
+            </p:cNvPr>
+            <p:cNvPicPr>
+              <a:picLocks noChangeAspect="1"/>
+            </p:cNvPicPr>
+            <p:nvPr/>
+          </p:nvPicPr>
+          <p:blipFill>
+            <a:blip r:embed="rId11">
+              <a:extLst>
+                <a:ext uri="{28A0092B-C50C-407E-A947-70E740481C1C}">
+                  <a14:useLocalDpi xmlns:a14="http://schemas.microsoft.com/office/drawing/2010/main" val="0"/>
+                </a:ext>
+                <a:ext uri="{96DAC541-7B7A-43D3-8B79-37D633B846F1}">
+                  <asvg:svgBlip xmlns:asvg="http://schemas.microsoft.com/office/drawing/2016/SVG/main" r:embed="rId12"/>
+                </a:ext>
+              </a:extLst>
+            </a:blip>
+            <a:srcRect/>
+            <a:stretch/>
+          </p:blipFill>
+          <p:spPr>
+            <a:xfrm>
+              <a:off x="896554" y="2408975"/>
+              <a:ext cx="398394" cy="398394"/>
+            </a:xfrm>
+            <a:prstGeom prst="rect">
+              <a:avLst/>
+            </a:prstGeom>
+          </p:spPr>
+        </p:pic>
+        <p:sp>
+          <p:nvSpPr>
+            <p:cNvPr id="133" name="TextBox 115">
+              <a:extLst>
+                <a:ext uri="{FF2B5EF4-FFF2-40B4-BE49-F238E27FC236}">
+                  <a16:creationId xmlns:a16="http://schemas.microsoft.com/office/drawing/2014/main" id="{F95F20A7-FAD8-45C1-AEA9-5DDFE5BCEF87}"/>
+                </a:ext>
+              </a:extLst>
+            </p:cNvPr>
+            <p:cNvSpPr txBox="1"/>
+            <p:nvPr/>
+          </p:nvSpPr>
+          <p:spPr>
+            <a:xfrm>
+              <a:off x="1504258" y="2394370"/>
+              <a:ext cx="2596303" cy="369332"/>
+            </a:xfrm>
+            <a:prstGeom prst="rect">
+              <a:avLst/>
+            </a:prstGeom>
+            <a:noFill/>
+          </p:spPr>
+          <p:txBody>
+            <a:bodyPr wrap="square" rtlCol="0">
+              <a:spAutoFit/>
+            </a:bodyPr>
+            <a:lstStyle/>
+            <a:p>
+              <a:r>
+                <a:rPr lang="en-US" dirty="0">
+                  <a:solidFill>
+                    <a:srgbClr val="92D050"/>
+                  </a:solidFill>
+                  <a:latin typeface="Tw Cen MT" panose="020B0602020104020603" pitchFamily="34" charset="0"/>
+                </a:rPr>
+                <a:t>ultra-</a:t>
+              </a:r>
+              <a:r>
+                <a:rPr lang="en-US" dirty="0" err="1">
+                  <a:solidFill>
+                    <a:srgbClr val="92D050"/>
+                  </a:solidFill>
+                  <a:latin typeface="Tw Cen MT" panose="020B0602020104020603" pitchFamily="34" charset="0"/>
+                </a:rPr>
+                <a:t>turrax</a:t>
+              </a:r>
+              <a:r>
+                <a:rPr lang="en-US" dirty="0">
+                  <a:solidFill>
+                    <a:srgbClr val="92D050"/>
+                  </a:solidFill>
+                  <a:latin typeface="Tw Cen MT" panose="020B0602020104020603" pitchFamily="34" charset="0"/>
+                </a:rPr>
+                <a:t> </a:t>
+              </a:r>
+              <a:r>
+                <a:rPr lang="en-US" dirty="0" err="1">
+                  <a:solidFill>
+                    <a:srgbClr val="92D050"/>
+                  </a:solidFill>
+                  <a:latin typeface="Tw Cen MT" panose="020B0602020104020603" pitchFamily="34" charset="0"/>
+                </a:rPr>
+                <a:t>és</a:t>
+              </a:r>
+              <a:r>
+                <a:rPr lang="en-US" dirty="0">
+                  <a:solidFill>
+                    <a:srgbClr val="92D050"/>
+                  </a:solidFill>
+                  <a:latin typeface="Tw Cen MT" panose="020B0602020104020603" pitchFamily="34" charset="0"/>
+                </a:rPr>
+                <a:t> </a:t>
+              </a:r>
+              <a:r>
+                <a:rPr lang="en-US" dirty="0" err="1">
+                  <a:solidFill>
+                    <a:srgbClr val="92D050"/>
+                  </a:solidFill>
+                  <a:latin typeface="Tw Cen MT" panose="020B0602020104020603" pitchFamily="34" charset="0"/>
+                </a:rPr>
+                <a:t>silverson</a:t>
+              </a:r>
+              <a:endParaRPr lang="en-US" dirty="0">
+                <a:solidFill>
+                  <a:srgbClr val="92D050"/>
+                </a:solidFill>
+                <a:latin typeface="Tw Cen MT" panose="020B0602020104020603" pitchFamily="34" charset="0"/>
+              </a:endParaRPr>
+            </a:p>
+          </p:txBody>
+        </p:sp>
+      </p:grpSp>
     </p:spTree>
     <p:extLst>
       <p:ext uri="{BB962C8B-B14F-4D97-AF65-F5344CB8AC3E}">
@@ -17173,6 +18109,649 @@
       </p:transition>
     </mc:Fallback>
   </mc:AlternateContent>
+  <p:timing>
+    <p:tnLst>
+      <p:par>
+        <p:cTn id="1" dur="indefinite" restart="never" nodeType="tmRoot">
+          <p:childTnLst>
+            <p:seq concurrent="1" nextAc="seek">
+              <p:cTn id="2" dur="indefinite" nodeType="mainSeq">
+                <p:childTnLst>
+                  <p:par>
+                    <p:cTn id="3" fill="hold">
+                      <p:stCondLst>
+                        <p:cond delay="indefinite"/>
+                        <p:cond evt="onBegin" delay="0">
+                          <p:tn val="2"/>
+                        </p:cond>
+                      </p:stCondLst>
+                      <p:childTnLst>
+                        <p:par>
+                          <p:cTn id="4" fill="hold">
+                            <p:stCondLst>
+                              <p:cond delay="0"/>
+                            </p:stCondLst>
+                            <p:childTnLst>
+                              <p:par>
+                                <p:cTn id="5" presetID="31" presetClass="entr" presetSubtype="0" fill="hold" nodeType="afterEffect">
+                                  <p:stCondLst>
+                                    <p:cond delay="0"/>
+                                  </p:stCondLst>
+                                  <p:childTnLst>
+                                    <p:set>
+                                      <p:cBhvr>
+                                        <p:cTn id="6" dur="1" fill="hold">
+                                          <p:stCondLst>
+                                            <p:cond delay="0"/>
+                                          </p:stCondLst>
+                                        </p:cTn>
+                                        <p:tgtEl>
+                                          <p:spTgt spid="66"/>
+                                        </p:tgtEl>
+                                        <p:attrNameLst>
+                                          <p:attrName>style.visibility</p:attrName>
+                                        </p:attrNameLst>
+                                      </p:cBhvr>
+                                      <p:to>
+                                        <p:strVal val="visible"/>
+                                      </p:to>
+                                    </p:set>
+                                    <p:anim calcmode="lin" valueType="num">
+                                      <p:cBhvr>
+                                        <p:cTn id="7" dur="500" fill="hold"/>
+                                        <p:tgtEl>
+                                          <p:spTgt spid="66"/>
+                                        </p:tgtEl>
+                                        <p:attrNameLst>
+                                          <p:attrName>ppt_w</p:attrName>
+                                        </p:attrNameLst>
+                                      </p:cBhvr>
+                                      <p:tavLst>
+                                        <p:tav tm="0">
+                                          <p:val>
+                                            <p:fltVal val="0"/>
+                                          </p:val>
+                                        </p:tav>
+                                        <p:tav tm="100000">
+                                          <p:val>
+                                            <p:strVal val="#ppt_w"/>
+                                          </p:val>
+                                        </p:tav>
+                                      </p:tavLst>
+                                    </p:anim>
+                                    <p:anim calcmode="lin" valueType="num">
+                                      <p:cBhvr>
+                                        <p:cTn id="8" dur="500" fill="hold"/>
+                                        <p:tgtEl>
+                                          <p:spTgt spid="66"/>
+                                        </p:tgtEl>
+                                        <p:attrNameLst>
+                                          <p:attrName>ppt_h</p:attrName>
+                                        </p:attrNameLst>
+                                      </p:cBhvr>
+                                      <p:tavLst>
+                                        <p:tav tm="0">
+                                          <p:val>
+                                            <p:fltVal val="0"/>
+                                          </p:val>
+                                        </p:tav>
+                                        <p:tav tm="100000">
+                                          <p:val>
+                                            <p:strVal val="#ppt_h"/>
+                                          </p:val>
+                                        </p:tav>
+                                      </p:tavLst>
+                                    </p:anim>
+                                    <p:anim calcmode="lin" valueType="num">
+                                      <p:cBhvr>
+                                        <p:cTn id="9" dur="500" fill="hold"/>
+                                        <p:tgtEl>
+                                          <p:spTgt spid="66"/>
+                                        </p:tgtEl>
+                                        <p:attrNameLst>
+                                          <p:attrName>style.rotation</p:attrName>
+                                        </p:attrNameLst>
+                                      </p:cBhvr>
+                                      <p:tavLst>
+                                        <p:tav tm="0">
+                                          <p:val>
+                                            <p:fltVal val="90"/>
+                                          </p:val>
+                                        </p:tav>
+                                        <p:tav tm="100000">
+                                          <p:val>
+                                            <p:fltVal val="0"/>
+                                          </p:val>
+                                        </p:tav>
+                                      </p:tavLst>
+                                    </p:anim>
+                                    <p:animEffect transition="in" filter="fade">
+                                      <p:cBhvr>
+                                        <p:cTn id="10" dur="500"/>
+                                        <p:tgtEl>
+                                          <p:spTgt spid="66"/>
+                                        </p:tgtEl>
+                                      </p:cBhvr>
+                                    </p:animEffect>
+                                  </p:childTnLst>
+                                </p:cTn>
+                              </p:par>
+                            </p:childTnLst>
+                          </p:cTn>
+                        </p:par>
+                      </p:childTnLst>
+                    </p:cTn>
+                  </p:par>
+                  <p:par>
+                    <p:cTn id="11" fill="hold">
+                      <p:stCondLst>
+                        <p:cond delay="indefinite"/>
+                      </p:stCondLst>
+                      <p:childTnLst>
+                        <p:par>
+                          <p:cTn id="12" fill="hold">
+                            <p:stCondLst>
+                              <p:cond delay="0"/>
+                            </p:stCondLst>
+                            <p:childTnLst>
+                              <p:par>
+                                <p:cTn id="13" presetID="31" presetClass="entr" presetSubtype="0" fill="hold" nodeType="clickEffect">
+                                  <p:stCondLst>
+                                    <p:cond delay="0"/>
+                                  </p:stCondLst>
+                                  <p:childTnLst>
+                                    <p:set>
+                                      <p:cBhvr>
+                                        <p:cTn id="14" dur="1" fill="hold">
+                                          <p:stCondLst>
+                                            <p:cond delay="0"/>
+                                          </p:stCondLst>
+                                        </p:cTn>
+                                        <p:tgtEl>
+                                          <p:spTgt spid="130"/>
+                                        </p:tgtEl>
+                                        <p:attrNameLst>
+                                          <p:attrName>style.visibility</p:attrName>
+                                        </p:attrNameLst>
+                                      </p:cBhvr>
+                                      <p:to>
+                                        <p:strVal val="visible"/>
+                                      </p:to>
+                                    </p:set>
+                                    <p:anim calcmode="lin" valueType="num">
+                                      <p:cBhvr>
+                                        <p:cTn id="15" dur="500" fill="hold"/>
+                                        <p:tgtEl>
+                                          <p:spTgt spid="130"/>
+                                        </p:tgtEl>
+                                        <p:attrNameLst>
+                                          <p:attrName>ppt_w</p:attrName>
+                                        </p:attrNameLst>
+                                      </p:cBhvr>
+                                      <p:tavLst>
+                                        <p:tav tm="0">
+                                          <p:val>
+                                            <p:fltVal val="0"/>
+                                          </p:val>
+                                        </p:tav>
+                                        <p:tav tm="100000">
+                                          <p:val>
+                                            <p:strVal val="#ppt_w"/>
+                                          </p:val>
+                                        </p:tav>
+                                      </p:tavLst>
+                                    </p:anim>
+                                    <p:anim calcmode="lin" valueType="num">
+                                      <p:cBhvr>
+                                        <p:cTn id="16" dur="500" fill="hold"/>
+                                        <p:tgtEl>
+                                          <p:spTgt spid="130"/>
+                                        </p:tgtEl>
+                                        <p:attrNameLst>
+                                          <p:attrName>ppt_h</p:attrName>
+                                        </p:attrNameLst>
+                                      </p:cBhvr>
+                                      <p:tavLst>
+                                        <p:tav tm="0">
+                                          <p:val>
+                                            <p:fltVal val="0"/>
+                                          </p:val>
+                                        </p:tav>
+                                        <p:tav tm="100000">
+                                          <p:val>
+                                            <p:strVal val="#ppt_h"/>
+                                          </p:val>
+                                        </p:tav>
+                                      </p:tavLst>
+                                    </p:anim>
+                                    <p:anim calcmode="lin" valueType="num">
+                                      <p:cBhvr>
+                                        <p:cTn id="17" dur="500" fill="hold"/>
+                                        <p:tgtEl>
+                                          <p:spTgt spid="130"/>
+                                        </p:tgtEl>
+                                        <p:attrNameLst>
+                                          <p:attrName>style.rotation</p:attrName>
+                                        </p:attrNameLst>
+                                      </p:cBhvr>
+                                      <p:tavLst>
+                                        <p:tav tm="0">
+                                          <p:val>
+                                            <p:fltVal val="90"/>
+                                          </p:val>
+                                        </p:tav>
+                                        <p:tav tm="100000">
+                                          <p:val>
+                                            <p:fltVal val="0"/>
+                                          </p:val>
+                                        </p:tav>
+                                      </p:tavLst>
+                                    </p:anim>
+                                    <p:animEffect transition="in" filter="fade">
+                                      <p:cBhvr>
+                                        <p:cTn id="18" dur="500"/>
+                                        <p:tgtEl>
+                                          <p:spTgt spid="130"/>
+                                        </p:tgtEl>
+                                      </p:cBhvr>
+                                    </p:animEffect>
+                                  </p:childTnLst>
+                                </p:cTn>
+                              </p:par>
+                            </p:childTnLst>
+                          </p:cTn>
+                        </p:par>
+                      </p:childTnLst>
+                    </p:cTn>
+                  </p:par>
+                  <p:par>
+                    <p:cTn id="19" fill="hold">
+                      <p:stCondLst>
+                        <p:cond delay="indefinite"/>
+                      </p:stCondLst>
+                      <p:childTnLst>
+                        <p:par>
+                          <p:cTn id="20" fill="hold">
+                            <p:stCondLst>
+                              <p:cond delay="0"/>
+                            </p:stCondLst>
+                            <p:childTnLst>
+                              <p:par>
+                                <p:cTn id="21" presetID="31" presetClass="entr" presetSubtype="0" fill="hold" nodeType="clickEffect">
+                                  <p:stCondLst>
+                                    <p:cond delay="0"/>
+                                  </p:stCondLst>
+                                  <p:childTnLst>
+                                    <p:set>
+                                      <p:cBhvr>
+                                        <p:cTn id="22" dur="1" fill="hold">
+                                          <p:stCondLst>
+                                            <p:cond delay="0"/>
+                                          </p:stCondLst>
+                                        </p:cTn>
+                                        <p:tgtEl>
+                                          <p:spTgt spid="87"/>
+                                        </p:tgtEl>
+                                        <p:attrNameLst>
+                                          <p:attrName>style.visibility</p:attrName>
+                                        </p:attrNameLst>
+                                      </p:cBhvr>
+                                      <p:to>
+                                        <p:strVal val="visible"/>
+                                      </p:to>
+                                    </p:set>
+                                    <p:anim calcmode="lin" valueType="num">
+                                      <p:cBhvr>
+                                        <p:cTn id="23" dur="500" fill="hold"/>
+                                        <p:tgtEl>
+                                          <p:spTgt spid="87"/>
+                                        </p:tgtEl>
+                                        <p:attrNameLst>
+                                          <p:attrName>ppt_w</p:attrName>
+                                        </p:attrNameLst>
+                                      </p:cBhvr>
+                                      <p:tavLst>
+                                        <p:tav tm="0">
+                                          <p:val>
+                                            <p:fltVal val="0"/>
+                                          </p:val>
+                                        </p:tav>
+                                        <p:tav tm="100000">
+                                          <p:val>
+                                            <p:strVal val="#ppt_w"/>
+                                          </p:val>
+                                        </p:tav>
+                                      </p:tavLst>
+                                    </p:anim>
+                                    <p:anim calcmode="lin" valueType="num">
+                                      <p:cBhvr>
+                                        <p:cTn id="24" dur="500" fill="hold"/>
+                                        <p:tgtEl>
+                                          <p:spTgt spid="87"/>
+                                        </p:tgtEl>
+                                        <p:attrNameLst>
+                                          <p:attrName>ppt_h</p:attrName>
+                                        </p:attrNameLst>
+                                      </p:cBhvr>
+                                      <p:tavLst>
+                                        <p:tav tm="0">
+                                          <p:val>
+                                            <p:fltVal val="0"/>
+                                          </p:val>
+                                        </p:tav>
+                                        <p:tav tm="100000">
+                                          <p:val>
+                                            <p:strVal val="#ppt_h"/>
+                                          </p:val>
+                                        </p:tav>
+                                      </p:tavLst>
+                                    </p:anim>
+                                    <p:anim calcmode="lin" valueType="num">
+                                      <p:cBhvr>
+                                        <p:cTn id="25" dur="500" fill="hold"/>
+                                        <p:tgtEl>
+                                          <p:spTgt spid="87"/>
+                                        </p:tgtEl>
+                                        <p:attrNameLst>
+                                          <p:attrName>style.rotation</p:attrName>
+                                        </p:attrNameLst>
+                                      </p:cBhvr>
+                                      <p:tavLst>
+                                        <p:tav tm="0">
+                                          <p:val>
+                                            <p:fltVal val="90"/>
+                                          </p:val>
+                                        </p:tav>
+                                        <p:tav tm="100000">
+                                          <p:val>
+                                            <p:fltVal val="0"/>
+                                          </p:val>
+                                        </p:tav>
+                                      </p:tavLst>
+                                    </p:anim>
+                                    <p:animEffect transition="in" filter="fade">
+                                      <p:cBhvr>
+                                        <p:cTn id="26" dur="500"/>
+                                        <p:tgtEl>
+                                          <p:spTgt spid="87"/>
+                                        </p:tgtEl>
+                                      </p:cBhvr>
+                                    </p:animEffect>
+                                  </p:childTnLst>
+                                </p:cTn>
+                              </p:par>
+                            </p:childTnLst>
+                          </p:cTn>
+                        </p:par>
+                      </p:childTnLst>
+                    </p:cTn>
+                  </p:par>
+                  <p:par>
+                    <p:cTn id="27" fill="hold">
+                      <p:stCondLst>
+                        <p:cond delay="indefinite"/>
+                      </p:stCondLst>
+                      <p:childTnLst>
+                        <p:par>
+                          <p:cTn id="28" fill="hold">
+                            <p:stCondLst>
+                              <p:cond delay="0"/>
+                            </p:stCondLst>
+                            <p:childTnLst>
+                              <p:par>
+                                <p:cTn id="29" presetID="31" presetClass="entr" presetSubtype="0" fill="hold" nodeType="clickEffect">
+                                  <p:stCondLst>
+                                    <p:cond delay="0"/>
+                                  </p:stCondLst>
+                                  <p:childTnLst>
+                                    <p:set>
+                                      <p:cBhvr>
+                                        <p:cTn id="30" dur="1" fill="hold">
+                                          <p:stCondLst>
+                                            <p:cond delay="0"/>
+                                          </p:stCondLst>
+                                        </p:cTn>
+                                        <p:tgtEl>
+                                          <p:spTgt spid="82"/>
+                                        </p:tgtEl>
+                                        <p:attrNameLst>
+                                          <p:attrName>style.visibility</p:attrName>
+                                        </p:attrNameLst>
+                                      </p:cBhvr>
+                                      <p:to>
+                                        <p:strVal val="visible"/>
+                                      </p:to>
+                                    </p:set>
+                                    <p:anim calcmode="lin" valueType="num">
+                                      <p:cBhvr>
+                                        <p:cTn id="31" dur="500" fill="hold"/>
+                                        <p:tgtEl>
+                                          <p:spTgt spid="82"/>
+                                        </p:tgtEl>
+                                        <p:attrNameLst>
+                                          <p:attrName>ppt_w</p:attrName>
+                                        </p:attrNameLst>
+                                      </p:cBhvr>
+                                      <p:tavLst>
+                                        <p:tav tm="0">
+                                          <p:val>
+                                            <p:fltVal val="0"/>
+                                          </p:val>
+                                        </p:tav>
+                                        <p:tav tm="100000">
+                                          <p:val>
+                                            <p:strVal val="#ppt_w"/>
+                                          </p:val>
+                                        </p:tav>
+                                      </p:tavLst>
+                                    </p:anim>
+                                    <p:anim calcmode="lin" valueType="num">
+                                      <p:cBhvr>
+                                        <p:cTn id="32" dur="500" fill="hold"/>
+                                        <p:tgtEl>
+                                          <p:spTgt spid="82"/>
+                                        </p:tgtEl>
+                                        <p:attrNameLst>
+                                          <p:attrName>ppt_h</p:attrName>
+                                        </p:attrNameLst>
+                                      </p:cBhvr>
+                                      <p:tavLst>
+                                        <p:tav tm="0">
+                                          <p:val>
+                                            <p:fltVal val="0"/>
+                                          </p:val>
+                                        </p:tav>
+                                        <p:tav tm="100000">
+                                          <p:val>
+                                            <p:strVal val="#ppt_h"/>
+                                          </p:val>
+                                        </p:tav>
+                                      </p:tavLst>
+                                    </p:anim>
+                                    <p:anim calcmode="lin" valueType="num">
+                                      <p:cBhvr>
+                                        <p:cTn id="33" dur="500" fill="hold"/>
+                                        <p:tgtEl>
+                                          <p:spTgt spid="82"/>
+                                        </p:tgtEl>
+                                        <p:attrNameLst>
+                                          <p:attrName>style.rotation</p:attrName>
+                                        </p:attrNameLst>
+                                      </p:cBhvr>
+                                      <p:tavLst>
+                                        <p:tav tm="0">
+                                          <p:val>
+                                            <p:fltVal val="90"/>
+                                          </p:val>
+                                        </p:tav>
+                                        <p:tav tm="100000">
+                                          <p:val>
+                                            <p:fltVal val="0"/>
+                                          </p:val>
+                                        </p:tav>
+                                      </p:tavLst>
+                                    </p:anim>
+                                    <p:animEffect transition="in" filter="fade">
+                                      <p:cBhvr>
+                                        <p:cTn id="34" dur="500"/>
+                                        <p:tgtEl>
+                                          <p:spTgt spid="82"/>
+                                        </p:tgtEl>
+                                      </p:cBhvr>
+                                    </p:animEffect>
+                                  </p:childTnLst>
+                                </p:cTn>
+                              </p:par>
+                            </p:childTnLst>
+                          </p:cTn>
+                        </p:par>
+                      </p:childTnLst>
+                    </p:cTn>
+                  </p:par>
+                  <p:par>
+                    <p:cTn id="35" fill="hold">
+                      <p:stCondLst>
+                        <p:cond delay="indefinite"/>
+                      </p:stCondLst>
+                      <p:childTnLst>
+                        <p:par>
+                          <p:cTn id="36" fill="hold">
+                            <p:stCondLst>
+                              <p:cond delay="0"/>
+                            </p:stCondLst>
+                            <p:childTnLst>
+                              <p:par>
+                                <p:cTn id="37" presetID="31" presetClass="entr" presetSubtype="0" fill="hold" nodeType="clickEffect">
+                                  <p:stCondLst>
+                                    <p:cond delay="0"/>
+                                  </p:stCondLst>
+                                  <p:childTnLst>
+                                    <p:set>
+                                      <p:cBhvr>
+                                        <p:cTn id="38" dur="1" fill="hold">
+                                          <p:stCondLst>
+                                            <p:cond delay="0"/>
+                                          </p:stCondLst>
+                                        </p:cTn>
+                                        <p:tgtEl>
+                                          <p:spTgt spid="91"/>
+                                        </p:tgtEl>
+                                        <p:attrNameLst>
+                                          <p:attrName>style.visibility</p:attrName>
+                                        </p:attrNameLst>
+                                      </p:cBhvr>
+                                      <p:to>
+                                        <p:strVal val="visible"/>
+                                      </p:to>
+                                    </p:set>
+                                    <p:anim calcmode="lin" valueType="num">
+                                      <p:cBhvr>
+                                        <p:cTn id="39" dur="500" fill="hold"/>
+                                        <p:tgtEl>
+                                          <p:spTgt spid="91"/>
+                                        </p:tgtEl>
+                                        <p:attrNameLst>
+                                          <p:attrName>ppt_w</p:attrName>
+                                        </p:attrNameLst>
+                                      </p:cBhvr>
+                                      <p:tavLst>
+                                        <p:tav tm="0">
+                                          <p:val>
+                                            <p:fltVal val="0"/>
+                                          </p:val>
+                                        </p:tav>
+                                        <p:tav tm="100000">
+                                          <p:val>
+                                            <p:strVal val="#ppt_w"/>
+                                          </p:val>
+                                        </p:tav>
+                                      </p:tavLst>
+                                    </p:anim>
+                                    <p:anim calcmode="lin" valueType="num">
+                                      <p:cBhvr>
+                                        <p:cTn id="40" dur="500" fill="hold"/>
+                                        <p:tgtEl>
+                                          <p:spTgt spid="91"/>
+                                        </p:tgtEl>
+                                        <p:attrNameLst>
+                                          <p:attrName>ppt_h</p:attrName>
+                                        </p:attrNameLst>
+                                      </p:cBhvr>
+                                      <p:tavLst>
+                                        <p:tav tm="0">
+                                          <p:val>
+                                            <p:fltVal val="0"/>
+                                          </p:val>
+                                        </p:tav>
+                                        <p:tav tm="100000">
+                                          <p:val>
+                                            <p:strVal val="#ppt_h"/>
+                                          </p:val>
+                                        </p:tav>
+                                      </p:tavLst>
+                                    </p:anim>
+                                    <p:anim calcmode="lin" valueType="num">
+                                      <p:cBhvr>
+                                        <p:cTn id="41" dur="500" fill="hold"/>
+                                        <p:tgtEl>
+                                          <p:spTgt spid="91"/>
+                                        </p:tgtEl>
+                                        <p:attrNameLst>
+                                          <p:attrName>style.rotation</p:attrName>
+                                        </p:attrNameLst>
+                                      </p:cBhvr>
+                                      <p:tavLst>
+                                        <p:tav tm="0">
+                                          <p:val>
+                                            <p:fltVal val="90"/>
+                                          </p:val>
+                                        </p:tav>
+                                        <p:tav tm="100000">
+                                          <p:val>
+                                            <p:fltVal val="0"/>
+                                          </p:val>
+                                        </p:tav>
+                                      </p:tavLst>
+                                    </p:anim>
+                                    <p:animEffect transition="in" filter="fade">
+                                      <p:cBhvr>
+                                        <p:cTn id="42" dur="500"/>
+                                        <p:tgtEl>
+                                          <p:spTgt spid="91"/>
+                                        </p:tgtEl>
+                                      </p:cBhvr>
+                                    </p:animEffect>
+                                  </p:childTnLst>
+                                </p:cTn>
+                              </p:par>
+                            </p:childTnLst>
+                          </p:cTn>
+                        </p:par>
+                      </p:childTnLst>
+                    </p:cTn>
+                  </p:par>
+                </p:childTnLst>
+              </p:cTn>
+              <p:prevCondLst>
+                <p:cond evt="onPrev" delay="0">
+                  <p:tgtEl>
+                    <p:sldTgt/>
+                  </p:tgtEl>
+                </p:cond>
+              </p:prevCondLst>
+              <p:nextCondLst>
+                <p:cond evt="onNext" delay="0">
+                  <p:tgtEl>
+                    <p:sldTgt/>
+                  </p:tgtEl>
+                </p:cond>
+              </p:nextCondLst>
+            </p:seq>
+          </p:childTnLst>
+        </p:cTn>
+      </p:par>
+    </p:tnLst>
+  </p:timing>
 </p:sld>
 </file>
 
@@ -18886,6 +20465,318 @@
           </p:spPr>
         </p:pic>
       </p:grpSp>
+      <p:sp>
+        <p:nvSpPr>
+          <p:cNvPr id="2" name="TextBox 82">
+            <a:extLst>
+              <a:ext uri="{FF2B5EF4-FFF2-40B4-BE49-F238E27FC236}">
+                <a16:creationId xmlns:a16="http://schemas.microsoft.com/office/drawing/2014/main" id="{35F3F0E2-402B-4571-AFD0-89C1902087B7}"/>
+              </a:ext>
+            </a:extLst>
+          </p:cNvPr>
+          <p:cNvSpPr txBox="1"/>
+          <p:nvPr/>
+        </p:nvSpPr>
+        <p:spPr>
+          <a:xfrm>
+            <a:off x="3106358" y="529476"/>
+            <a:ext cx="4045435" cy="954107"/>
+          </a:xfrm>
+          <a:prstGeom prst="rect">
+            <a:avLst/>
+          </a:prstGeom>
+          <a:noFill/>
+        </p:spPr>
+        <p:txBody>
+          <a:bodyPr wrap="square" rtlCol="0">
+            <a:spAutoFit/>
+          </a:bodyPr>
+          <a:lstStyle/>
+          <a:p>
+            <a:pPr algn="ctr"/>
+            <a:r>
+              <a:rPr lang="en-US" sz="3200" dirty="0" err="1">
+                <a:solidFill>
+                  <a:srgbClr val="03A1A4"/>
+                </a:solidFill>
+                <a:latin typeface="Tw Cen MT" panose="020B0602020104020603" pitchFamily="34" charset="0"/>
+              </a:rPr>
+              <a:t>tulajdonságok</a:t>
+            </a:r>
+            <a:br>
+              <a:rPr lang="en-US" sz="3200" dirty="0">
+                <a:solidFill>
+                  <a:srgbClr val="03A1A4"/>
+                </a:solidFill>
+                <a:latin typeface="Tw Cen MT" panose="020B0602020104020603" pitchFamily="34" charset="0"/>
+              </a:rPr>
+            </a:br>
+            <a:r>
+              <a:rPr lang="en-US" sz="2400" dirty="0">
+                <a:solidFill>
+                  <a:srgbClr val="03A1A4"/>
+                </a:solidFill>
+                <a:latin typeface="Tw Cen MT" panose="020B0602020104020603" pitchFamily="34" charset="0"/>
+              </a:rPr>
+              <a:t>CIPAC </a:t>
+            </a:r>
+            <a:r>
+              <a:rPr lang="en-US" sz="2400" dirty="0" err="1">
+                <a:solidFill>
+                  <a:srgbClr val="03A1A4"/>
+                </a:solidFill>
+                <a:latin typeface="Tw Cen MT" panose="020B0602020104020603" pitchFamily="34" charset="0"/>
+              </a:rPr>
+              <a:t>módszerekkel</a:t>
+            </a:r>
+            <a:endParaRPr lang="en-US" sz="3200" dirty="0">
+              <a:solidFill>
+                <a:srgbClr val="03A1A4"/>
+              </a:solidFill>
+              <a:latin typeface="Tw Cen MT" panose="020B0602020104020603" pitchFamily="34" charset="0"/>
+            </a:endParaRPr>
+          </a:p>
+        </p:txBody>
+      </p:sp>
+      <p:sp>
+        <p:nvSpPr>
+          <p:cNvPr id="3" name="TextBox 85">
+            <a:extLst>
+              <a:ext uri="{FF2B5EF4-FFF2-40B4-BE49-F238E27FC236}">
+                <a16:creationId xmlns:a16="http://schemas.microsoft.com/office/drawing/2014/main" id="{2316B933-ECA1-438C-8300-7DFB05391E7D}"/>
+              </a:ext>
+            </a:extLst>
+          </p:cNvPr>
+          <p:cNvSpPr txBox="1"/>
+          <p:nvPr/>
+        </p:nvSpPr>
+        <p:spPr>
+          <a:xfrm>
+            <a:off x="1733276" y="1691107"/>
+            <a:ext cx="6791601" cy="2862322"/>
+          </a:xfrm>
+          <a:prstGeom prst="rect">
+            <a:avLst/>
+          </a:prstGeom>
+          <a:noFill/>
+        </p:spPr>
+        <p:txBody>
+          <a:bodyPr wrap="square" rtlCol="0">
+            <a:spAutoFit/>
+          </a:bodyPr>
+          <a:lstStyle/>
+          <a:p>
+            <a:pPr marL="285750" indent="-285750">
+              <a:buFont typeface="Arial" panose="020B0604020202020204" pitchFamily="34" charset="0"/>
+              <a:buChar char="•"/>
+            </a:pPr>
+            <a:r>
+              <a:rPr lang="hu-HU" dirty="0">
+                <a:solidFill>
+                  <a:srgbClr val="5D7373"/>
+                </a:solidFill>
+                <a:latin typeface="Tw Cen MT" panose="020B0602020104020603" pitchFamily="34" charset="0"/>
+              </a:rPr>
+              <a:t>hatóanyag tartalom</a:t>
+            </a:r>
+          </a:p>
+          <a:p>
+            <a:pPr marL="285750" indent="-285750">
+              <a:buFont typeface="Arial" panose="020B0604020202020204" pitchFamily="34" charset="0"/>
+              <a:buChar char="•"/>
+            </a:pPr>
+            <a:r>
+              <a:rPr lang="hu-HU" dirty="0">
+                <a:solidFill>
+                  <a:srgbClr val="5D7373"/>
+                </a:solidFill>
+                <a:latin typeface="Tw Cen MT" panose="020B0602020104020603" pitchFamily="34" charset="0"/>
+              </a:rPr>
+              <a:t>sűrűség</a:t>
+            </a:r>
+          </a:p>
+          <a:p>
+            <a:pPr marL="285750" indent="-285750">
+              <a:buFont typeface="Arial" panose="020B0604020202020204" pitchFamily="34" charset="0"/>
+              <a:buChar char="•"/>
+            </a:pPr>
+            <a:r>
+              <a:rPr lang="hu-HU" dirty="0" err="1">
+                <a:solidFill>
+                  <a:srgbClr val="5D7373"/>
+                </a:solidFill>
+                <a:latin typeface="Tw Cen MT" panose="020B0602020104020603" pitchFamily="34" charset="0"/>
+              </a:rPr>
+              <a:t>higíthatóság</a:t>
+            </a:r>
+            <a:r>
+              <a:rPr lang="hu-HU" dirty="0">
+                <a:solidFill>
+                  <a:srgbClr val="5D7373"/>
+                </a:solidFill>
+                <a:latin typeface="Tw Cen MT" panose="020B0602020104020603" pitchFamily="34" charset="0"/>
+              </a:rPr>
+              <a:t>  (spontaneitás, </a:t>
+            </a:r>
+            <a:r>
+              <a:rPr lang="hu-HU" dirty="0" err="1">
+                <a:solidFill>
+                  <a:srgbClr val="5D7373"/>
+                </a:solidFill>
+                <a:latin typeface="Tw Cen MT" panose="020B0602020104020603" pitchFamily="34" charset="0"/>
+              </a:rPr>
+              <a:t>blooming</a:t>
+            </a:r>
+            <a:r>
+              <a:rPr lang="hu-HU" dirty="0">
+                <a:solidFill>
+                  <a:srgbClr val="5D7373"/>
+                </a:solidFill>
+                <a:latin typeface="Tw Cen MT" panose="020B0602020104020603" pitchFamily="34" charset="0"/>
+              </a:rPr>
+              <a:t>)</a:t>
+            </a:r>
+          </a:p>
+          <a:p>
+            <a:pPr marL="285750" indent="-285750">
+              <a:buFont typeface="Arial" panose="020B0604020202020204" pitchFamily="34" charset="0"/>
+              <a:buChar char="•"/>
+            </a:pPr>
+            <a:r>
+              <a:rPr lang="hu-HU" dirty="0">
+                <a:solidFill>
+                  <a:srgbClr val="5D7373"/>
+                </a:solidFill>
+                <a:latin typeface="Tw Cen MT" panose="020B0602020104020603" pitchFamily="34" charset="0"/>
+              </a:rPr>
+              <a:t>permetlé emulzió stabilitása</a:t>
+            </a:r>
+          </a:p>
+          <a:p>
+            <a:pPr marL="285750" indent="-285750">
+              <a:buFont typeface="Arial" panose="020B0604020202020204" pitchFamily="34" charset="0"/>
+              <a:buChar char="•"/>
+            </a:pPr>
+            <a:r>
+              <a:rPr lang="hu-HU" dirty="0">
+                <a:solidFill>
+                  <a:srgbClr val="5D7373"/>
+                </a:solidFill>
+                <a:latin typeface="Tw Cen MT" panose="020B0602020104020603" pitchFamily="34" charset="0"/>
+              </a:rPr>
+              <a:t>habképzés</a:t>
+            </a:r>
+          </a:p>
+          <a:p>
+            <a:pPr marL="285750" indent="-285750">
+              <a:buFont typeface="Arial" panose="020B0604020202020204" pitchFamily="34" charset="0"/>
+              <a:buChar char="•"/>
+            </a:pPr>
+            <a:r>
+              <a:rPr lang="hu-HU" dirty="0">
+                <a:solidFill>
+                  <a:srgbClr val="5D7373"/>
+                </a:solidFill>
+                <a:latin typeface="Tw Cen MT" panose="020B0602020104020603" pitchFamily="34" charset="0"/>
+              </a:rPr>
+              <a:t>tárolhatóság, tárolási teszt: emelt és alacsony hőmérsékleten</a:t>
+            </a:r>
+          </a:p>
+          <a:p>
+            <a:pPr marL="285750" indent="-285750">
+              <a:buFont typeface="Arial" panose="020B0604020202020204" pitchFamily="34" charset="0"/>
+              <a:buChar char="•"/>
+            </a:pPr>
+            <a:r>
+              <a:rPr lang="hu-HU" dirty="0">
+                <a:solidFill>
+                  <a:srgbClr val="5D7373"/>
+                </a:solidFill>
+                <a:latin typeface="Tw Cen MT" panose="020B0602020104020603" pitchFamily="34" charset="0"/>
+              </a:rPr>
+              <a:t>viszkozitás</a:t>
+            </a:r>
+          </a:p>
+          <a:p>
+            <a:pPr marL="285750" indent="-285750">
+              <a:buFont typeface="Arial" panose="020B0604020202020204" pitchFamily="34" charset="0"/>
+              <a:buChar char="•"/>
+            </a:pPr>
+            <a:r>
+              <a:rPr lang="hu-HU" dirty="0">
+                <a:solidFill>
+                  <a:srgbClr val="5D7373"/>
+                </a:solidFill>
+                <a:latin typeface="Tw Cen MT" panose="020B0602020104020603" pitchFamily="34" charset="0"/>
+              </a:rPr>
+              <a:t>p</a:t>
+            </a:r>
+            <a:r>
+              <a:rPr lang="en-US" dirty="0">
+                <a:solidFill>
+                  <a:srgbClr val="5D7373"/>
+                </a:solidFill>
+                <a:latin typeface="Tw Cen MT" panose="020B0602020104020603" pitchFamily="34" charset="0"/>
+              </a:rPr>
+              <a:t>H</a:t>
+            </a:r>
+            <a:r>
+              <a:rPr lang="hu-HU" dirty="0">
+                <a:solidFill>
+                  <a:srgbClr val="5D7373"/>
+                </a:solidFill>
+                <a:latin typeface="Tw Cen MT" panose="020B0602020104020603" pitchFamily="34" charset="0"/>
+              </a:rPr>
+              <a:t> önmagában és </a:t>
+            </a:r>
+            <a:r>
+              <a:rPr lang="hu-HU" dirty="0" err="1">
+                <a:solidFill>
+                  <a:srgbClr val="5D7373"/>
+                </a:solidFill>
+                <a:latin typeface="Tw Cen MT" panose="020B0602020104020603" pitchFamily="34" charset="0"/>
+              </a:rPr>
+              <a:t>higítva</a:t>
+            </a:r>
+            <a:endParaRPr lang="hu-HU" dirty="0">
+              <a:solidFill>
+                <a:srgbClr val="5D7373"/>
+              </a:solidFill>
+              <a:latin typeface="Tw Cen MT" panose="020B0602020104020603" pitchFamily="34" charset="0"/>
+            </a:endParaRPr>
+          </a:p>
+          <a:p>
+            <a:pPr marL="285750" indent="-285750">
+              <a:buFont typeface="Arial" panose="020B0604020202020204" pitchFamily="34" charset="0"/>
+              <a:buChar char="•"/>
+            </a:pPr>
+            <a:r>
+              <a:rPr lang="hu-HU" dirty="0">
+                <a:solidFill>
+                  <a:srgbClr val="5D7373"/>
+                </a:solidFill>
+                <a:latin typeface="Tw Cen MT" panose="020B0602020104020603" pitchFamily="34" charset="0"/>
+              </a:rPr>
+              <a:t>önthetőség</a:t>
+            </a:r>
+          </a:p>
+          <a:p>
+            <a:pPr marL="285750" indent="-285750">
+              <a:buFont typeface="Arial" panose="020B0604020202020204" pitchFamily="34" charset="0"/>
+              <a:buChar char="•"/>
+            </a:pPr>
+            <a:r>
+              <a:rPr lang="hu-HU" dirty="0">
+                <a:solidFill>
+                  <a:srgbClr val="5D7373"/>
+                </a:solidFill>
+                <a:latin typeface="Tw Cen MT" panose="020B0602020104020603" pitchFamily="34" charset="0"/>
+              </a:rPr>
+              <a:t>megjelenés, szín, szag</a:t>
+            </a:r>
+          </a:p>
+        </p:txBody>
+      </p:sp>
     </p:spTree>
     <p:extLst>
       <p:ext uri="{BB962C8B-B14F-4D97-AF65-F5344CB8AC3E}">
@@ -18908,6 +20799,1291 @@
       </p:transition>
     </mc:Fallback>
   </mc:AlternateContent>
+  <p:timing>
+    <p:tnLst>
+      <p:par>
+        <p:cTn id="1" dur="indefinite" restart="never" nodeType="tmRoot">
+          <p:childTnLst>
+            <p:seq concurrent="1" nextAc="seek">
+              <p:cTn id="2" dur="indefinite" nodeType="mainSeq">
+                <p:childTnLst>
+                  <p:par>
+                    <p:cTn id="3" fill="hold">
+                      <p:stCondLst>
+                        <p:cond delay="indefinite"/>
+                        <p:cond evt="onBegin" delay="0">
+                          <p:tn val="2"/>
+                        </p:cond>
+                      </p:stCondLst>
+                      <p:childTnLst>
+                        <p:par>
+                          <p:cTn id="4" fill="hold">
+                            <p:stCondLst>
+                              <p:cond delay="0"/>
+                            </p:stCondLst>
+                            <p:childTnLst>
+                              <p:par>
+                                <p:cTn id="5" presetID="42" presetClass="entr" presetSubtype="0" fill="hold" grpId="0" nodeType="afterEffect">
+                                  <p:stCondLst>
+                                    <p:cond delay="0"/>
+                                  </p:stCondLst>
+                                  <p:childTnLst>
+                                    <p:set>
+                                      <p:cBhvr>
+                                        <p:cTn id="6" dur="1" fill="hold">
+                                          <p:stCondLst>
+                                            <p:cond delay="0"/>
+                                          </p:stCondLst>
+                                        </p:cTn>
+                                        <p:tgtEl>
+                                          <p:spTgt spid="2"/>
+                                        </p:tgtEl>
+                                        <p:attrNameLst>
+                                          <p:attrName>style.visibility</p:attrName>
+                                        </p:attrNameLst>
+                                      </p:cBhvr>
+                                      <p:to>
+                                        <p:strVal val="visible"/>
+                                      </p:to>
+                                    </p:set>
+                                    <p:animEffect transition="in" filter="fade">
+                                      <p:cBhvr>
+                                        <p:cTn id="7" dur="1000"/>
+                                        <p:tgtEl>
+                                          <p:spTgt spid="2"/>
+                                        </p:tgtEl>
+                                      </p:cBhvr>
+                                    </p:animEffect>
+                                    <p:anim calcmode="lin" valueType="num">
+                                      <p:cBhvr>
+                                        <p:cTn id="8" dur="1000" fill="hold"/>
+                                        <p:tgtEl>
+                                          <p:spTgt spid="2"/>
+                                        </p:tgtEl>
+                                        <p:attrNameLst>
+                                          <p:attrName>ppt_x</p:attrName>
+                                        </p:attrNameLst>
+                                      </p:cBhvr>
+                                      <p:tavLst>
+                                        <p:tav tm="0">
+                                          <p:val>
+                                            <p:strVal val="#ppt_x"/>
+                                          </p:val>
+                                        </p:tav>
+                                        <p:tav tm="100000">
+                                          <p:val>
+                                            <p:strVal val="#ppt_x"/>
+                                          </p:val>
+                                        </p:tav>
+                                      </p:tavLst>
+                                    </p:anim>
+                                    <p:anim calcmode="lin" valueType="num">
+                                      <p:cBhvr>
+                                        <p:cTn id="9" dur="1000" fill="hold"/>
+                                        <p:tgtEl>
+                                          <p:spTgt spid="2"/>
+                                        </p:tgtEl>
+                                        <p:attrNameLst>
+                                          <p:attrName>ppt_y</p:attrName>
+                                        </p:attrNameLst>
+                                      </p:cBhvr>
+                                      <p:tavLst>
+                                        <p:tav tm="0">
+                                          <p:val>
+                                            <p:strVal val="#ppt_y+.1"/>
+                                          </p:val>
+                                        </p:tav>
+                                        <p:tav tm="100000">
+                                          <p:val>
+                                            <p:strVal val="#ppt_y"/>
+                                          </p:val>
+                                        </p:tav>
+                                      </p:tavLst>
+                                    </p:anim>
+                                  </p:childTnLst>
+                                </p:cTn>
+                              </p:par>
+                            </p:childTnLst>
+                          </p:cTn>
+                        </p:par>
+                      </p:childTnLst>
+                    </p:cTn>
+                  </p:par>
+                  <p:par>
+                    <p:cTn id="10" fill="hold">
+                      <p:stCondLst>
+                        <p:cond delay="indefinite"/>
+                      </p:stCondLst>
+                      <p:childTnLst>
+                        <p:par>
+                          <p:cTn id="11" fill="hold">
+                            <p:stCondLst>
+                              <p:cond delay="0"/>
+                            </p:stCondLst>
+                            <p:childTnLst>
+                              <p:par>
+                                <p:cTn id="12" presetID="42" presetClass="entr" presetSubtype="0" fill="hold" nodeType="clickEffect">
+                                  <p:stCondLst>
+                                    <p:cond delay="0"/>
+                                  </p:stCondLst>
+                                  <p:childTnLst>
+                                    <p:set>
+                                      <p:cBhvr>
+                                        <p:cTn id="13" dur="1" fill="hold">
+                                          <p:stCondLst>
+                                            <p:cond delay="0"/>
+                                          </p:stCondLst>
+                                        </p:cTn>
+                                        <p:tgtEl>
+                                          <p:spTgt spid="3">
+                                            <p:txEl>
+                                              <p:pRg st="0" end="0"/>
+                                            </p:txEl>
+                                          </p:spTgt>
+                                        </p:tgtEl>
+                                        <p:attrNameLst>
+                                          <p:attrName>style.visibility</p:attrName>
+                                        </p:attrNameLst>
+                                      </p:cBhvr>
+                                      <p:to>
+                                        <p:strVal val="visible"/>
+                                      </p:to>
+                                    </p:set>
+                                    <p:animEffect transition="in" filter="fade">
+                                      <p:cBhvr>
+                                        <p:cTn id="14" dur="1000"/>
+                                        <p:tgtEl>
+                                          <p:spTgt spid="3">
+                                            <p:txEl>
+                                              <p:pRg st="0" end="0"/>
+                                            </p:txEl>
+                                          </p:spTgt>
+                                        </p:tgtEl>
+                                      </p:cBhvr>
+                                    </p:animEffect>
+                                    <p:anim calcmode="lin" valueType="num">
+                                      <p:cBhvr>
+                                        <p:cTn id="15" dur="1000" fill="hold"/>
+                                        <p:tgtEl>
+                                          <p:spTgt spid="3">
+                                            <p:txEl>
+                                              <p:pRg st="0" end="0"/>
+                                            </p:txEl>
+                                          </p:spTgt>
+                                        </p:tgtEl>
+                                        <p:attrNameLst>
+                                          <p:attrName>ppt_x</p:attrName>
+                                        </p:attrNameLst>
+                                      </p:cBhvr>
+                                      <p:tavLst>
+                                        <p:tav tm="0">
+                                          <p:val>
+                                            <p:strVal val="#ppt_x"/>
+                                          </p:val>
+                                        </p:tav>
+                                        <p:tav tm="100000">
+                                          <p:val>
+                                            <p:strVal val="#ppt_x"/>
+                                          </p:val>
+                                        </p:tav>
+                                      </p:tavLst>
+                                    </p:anim>
+                                    <p:anim calcmode="lin" valueType="num">
+                                      <p:cBhvr>
+                                        <p:cTn id="16" dur="1000" fill="hold"/>
+                                        <p:tgtEl>
+                                          <p:spTgt spid="3">
+                                            <p:txEl>
+                                              <p:pRg st="0" end="0"/>
+                                            </p:txEl>
+                                          </p:spTgt>
+                                        </p:tgtEl>
+                                        <p:attrNameLst>
+                                          <p:attrName>ppt_y</p:attrName>
+                                        </p:attrNameLst>
+                                      </p:cBhvr>
+                                      <p:tavLst>
+                                        <p:tav tm="0">
+                                          <p:val>
+                                            <p:strVal val="#ppt_y+.1"/>
+                                          </p:val>
+                                        </p:tav>
+                                        <p:tav tm="100000">
+                                          <p:val>
+                                            <p:strVal val="#ppt_y"/>
+                                          </p:val>
+                                        </p:tav>
+                                      </p:tavLst>
+                                    </p:anim>
+                                  </p:childTnLst>
+                                </p:cTn>
+                              </p:par>
+                            </p:childTnLst>
+                          </p:cTn>
+                        </p:par>
+                      </p:childTnLst>
+                    </p:cTn>
+                  </p:par>
+                  <p:par>
+                    <p:cTn id="17" fill="hold">
+                      <p:stCondLst>
+                        <p:cond delay="indefinite"/>
+                      </p:stCondLst>
+                      <p:childTnLst>
+                        <p:par>
+                          <p:cTn id="18" fill="hold">
+                            <p:stCondLst>
+                              <p:cond delay="0"/>
+                            </p:stCondLst>
+                            <p:childTnLst>
+                              <p:par>
+                                <p:cTn id="19" presetID="42" presetClass="entr" presetSubtype="0" fill="hold" nodeType="clickEffect">
+                                  <p:stCondLst>
+                                    <p:cond delay="0"/>
+                                  </p:stCondLst>
+                                  <p:childTnLst>
+                                    <p:set>
+                                      <p:cBhvr>
+                                        <p:cTn id="20" dur="1" fill="hold">
+                                          <p:stCondLst>
+                                            <p:cond delay="0"/>
+                                          </p:stCondLst>
+                                        </p:cTn>
+                                        <p:tgtEl>
+                                          <p:spTgt spid="3">
+                                            <p:txEl>
+                                              <p:pRg st="1" end="1"/>
+                                            </p:txEl>
+                                          </p:spTgt>
+                                        </p:tgtEl>
+                                        <p:attrNameLst>
+                                          <p:attrName>style.visibility</p:attrName>
+                                        </p:attrNameLst>
+                                      </p:cBhvr>
+                                      <p:to>
+                                        <p:strVal val="visible"/>
+                                      </p:to>
+                                    </p:set>
+                                    <p:animEffect transition="in" filter="fade">
+                                      <p:cBhvr>
+                                        <p:cTn id="21" dur="1000"/>
+                                        <p:tgtEl>
+                                          <p:spTgt spid="3">
+                                            <p:txEl>
+                                              <p:pRg st="1" end="1"/>
+                                            </p:txEl>
+                                          </p:spTgt>
+                                        </p:tgtEl>
+                                      </p:cBhvr>
+                                    </p:animEffect>
+                                    <p:anim calcmode="lin" valueType="num">
+                                      <p:cBhvr>
+                                        <p:cTn id="22" dur="1000" fill="hold"/>
+                                        <p:tgtEl>
+                                          <p:spTgt spid="3">
+                                            <p:txEl>
+                                              <p:pRg st="1" end="1"/>
+                                            </p:txEl>
+                                          </p:spTgt>
+                                        </p:tgtEl>
+                                        <p:attrNameLst>
+                                          <p:attrName>ppt_x</p:attrName>
+                                        </p:attrNameLst>
+                                      </p:cBhvr>
+                                      <p:tavLst>
+                                        <p:tav tm="0">
+                                          <p:val>
+                                            <p:strVal val="#ppt_x"/>
+                                          </p:val>
+                                        </p:tav>
+                                        <p:tav tm="100000">
+                                          <p:val>
+                                            <p:strVal val="#ppt_x"/>
+                                          </p:val>
+                                        </p:tav>
+                                      </p:tavLst>
+                                    </p:anim>
+                                    <p:anim calcmode="lin" valueType="num">
+                                      <p:cBhvr>
+                                        <p:cTn id="23" dur="1000" fill="hold"/>
+                                        <p:tgtEl>
+                                          <p:spTgt spid="3">
+                                            <p:txEl>
+                                              <p:pRg st="1" end="1"/>
+                                            </p:txEl>
+                                          </p:spTgt>
+                                        </p:tgtEl>
+                                        <p:attrNameLst>
+                                          <p:attrName>ppt_y</p:attrName>
+                                        </p:attrNameLst>
+                                      </p:cBhvr>
+                                      <p:tavLst>
+                                        <p:tav tm="0">
+                                          <p:val>
+                                            <p:strVal val="#ppt_y+.1"/>
+                                          </p:val>
+                                        </p:tav>
+                                        <p:tav tm="100000">
+                                          <p:val>
+                                            <p:strVal val="#ppt_y"/>
+                                          </p:val>
+                                        </p:tav>
+                                      </p:tavLst>
+                                    </p:anim>
+                                  </p:childTnLst>
+                                </p:cTn>
+                              </p:par>
+                            </p:childTnLst>
+                          </p:cTn>
+                        </p:par>
+                      </p:childTnLst>
+                    </p:cTn>
+                  </p:par>
+                  <p:par>
+                    <p:cTn id="24" fill="hold">
+                      <p:stCondLst>
+                        <p:cond delay="indefinite"/>
+                      </p:stCondLst>
+                      <p:childTnLst>
+                        <p:par>
+                          <p:cTn id="25" fill="hold">
+                            <p:stCondLst>
+                              <p:cond delay="0"/>
+                            </p:stCondLst>
+                            <p:childTnLst>
+                              <p:par>
+                                <p:cTn id="26" presetID="42" presetClass="entr" presetSubtype="0" fill="hold" nodeType="clickEffect">
+                                  <p:stCondLst>
+                                    <p:cond delay="0"/>
+                                  </p:stCondLst>
+                                  <p:childTnLst>
+                                    <p:set>
+                                      <p:cBhvr>
+                                        <p:cTn id="27" dur="1" fill="hold">
+                                          <p:stCondLst>
+                                            <p:cond delay="0"/>
+                                          </p:stCondLst>
+                                        </p:cTn>
+                                        <p:tgtEl>
+                                          <p:spTgt spid="3">
+                                            <p:txEl>
+                                              <p:pRg st="2" end="2"/>
+                                            </p:txEl>
+                                          </p:spTgt>
+                                        </p:tgtEl>
+                                        <p:attrNameLst>
+                                          <p:attrName>style.visibility</p:attrName>
+                                        </p:attrNameLst>
+                                      </p:cBhvr>
+                                      <p:to>
+                                        <p:strVal val="visible"/>
+                                      </p:to>
+                                    </p:set>
+                                    <p:animEffect transition="in" filter="fade">
+                                      <p:cBhvr>
+                                        <p:cTn id="28" dur="1000"/>
+                                        <p:tgtEl>
+                                          <p:spTgt spid="3">
+                                            <p:txEl>
+                                              <p:pRg st="2" end="2"/>
+                                            </p:txEl>
+                                          </p:spTgt>
+                                        </p:tgtEl>
+                                      </p:cBhvr>
+                                    </p:animEffect>
+                                    <p:anim calcmode="lin" valueType="num">
+                                      <p:cBhvr>
+                                        <p:cTn id="29" dur="1000" fill="hold"/>
+                                        <p:tgtEl>
+                                          <p:spTgt spid="3">
+                                            <p:txEl>
+                                              <p:pRg st="2" end="2"/>
+                                            </p:txEl>
+                                          </p:spTgt>
+                                        </p:tgtEl>
+                                        <p:attrNameLst>
+                                          <p:attrName>ppt_x</p:attrName>
+                                        </p:attrNameLst>
+                                      </p:cBhvr>
+                                      <p:tavLst>
+                                        <p:tav tm="0">
+                                          <p:val>
+                                            <p:strVal val="#ppt_x"/>
+                                          </p:val>
+                                        </p:tav>
+                                        <p:tav tm="100000">
+                                          <p:val>
+                                            <p:strVal val="#ppt_x"/>
+                                          </p:val>
+                                        </p:tav>
+                                      </p:tavLst>
+                                    </p:anim>
+                                    <p:anim calcmode="lin" valueType="num">
+                                      <p:cBhvr>
+                                        <p:cTn id="30" dur="1000" fill="hold"/>
+                                        <p:tgtEl>
+                                          <p:spTgt spid="3">
+                                            <p:txEl>
+                                              <p:pRg st="2" end="2"/>
+                                            </p:txEl>
+                                          </p:spTgt>
+                                        </p:tgtEl>
+                                        <p:attrNameLst>
+                                          <p:attrName>ppt_y</p:attrName>
+                                        </p:attrNameLst>
+                                      </p:cBhvr>
+                                      <p:tavLst>
+                                        <p:tav tm="0">
+                                          <p:val>
+                                            <p:strVal val="#ppt_y+.1"/>
+                                          </p:val>
+                                        </p:tav>
+                                        <p:tav tm="100000">
+                                          <p:val>
+                                            <p:strVal val="#ppt_y"/>
+                                          </p:val>
+                                        </p:tav>
+                                      </p:tavLst>
+                                    </p:anim>
+                                  </p:childTnLst>
+                                </p:cTn>
+                              </p:par>
+                            </p:childTnLst>
+                          </p:cTn>
+                        </p:par>
+                      </p:childTnLst>
+                    </p:cTn>
+                  </p:par>
+                  <p:par>
+                    <p:cTn id="31" fill="hold">
+                      <p:stCondLst>
+                        <p:cond delay="indefinite"/>
+                      </p:stCondLst>
+                      <p:childTnLst>
+                        <p:par>
+                          <p:cTn id="32" fill="hold">
+                            <p:stCondLst>
+                              <p:cond delay="0"/>
+                            </p:stCondLst>
+                            <p:childTnLst>
+                              <p:par>
+                                <p:cTn id="33" presetID="42" presetClass="entr" presetSubtype="0" fill="hold" nodeType="clickEffect">
+                                  <p:stCondLst>
+                                    <p:cond delay="0"/>
+                                  </p:stCondLst>
+                                  <p:childTnLst>
+                                    <p:set>
+                                      <p:cBhvr>
+                                        <p:cTn id="34" dur="1" fill="hold">
+                                          <p:stCondLst>
+                                            <p:cond delay="0"/>
+                                          </p:stCondLst>
+                                        </p:cTn>
+                                        <p:tgtEl>
+                                          <p:spTgt spid="3">
+                                            <p:txEl>
+                                              <p:pRg st="3" end="3"/>
+                                            </p:txEl>
+                                          </p:spTgt>
+                                        </p:tgtEl>
+                                        <p:attrNameLst>
+                                          <p:attrName>style.visibility</p:attrName>
+                                        </p:attrNameLst>
+                                      </p:cBhvr>
+                                      <p:to>
+                                        <p:strVal val="visible"/>
+                                      </p:to>
+                                    </p:set>
+                                    <p:animEffect transition="in" filter="fade">
+                                      <p:cBhvr>
+                                        <p:cTn id="35" dur="1000"/>
+                                        <p:tgtEl>
+                                          <p:spTgt spid="3">
+                                            <p:txEl>
+                                              <p:pRg st="3" end="3"/>
+                                            </p:txEl>
+                                          </p:spTgt>
+                                        </p:tgtEl>
+                                      </p:cBhvr>
+                                    </p:animEffect>
+                                    <p:anim calcmode="lin" valueType="num">
+                                      <p:cBhvr>
+                                        <p:cTn id="36" dur="1000" fill="hold"/>
+                                        <p:tgtEl>
+                                          <p:spTgt spid="3">
+                                            <p:txEl>
+                                              <p:pRg st="3" end="3"/>
+                                            </p:txEl>
+                                          </p:spTgt>
+                                        </p:tgtEl>
+                                        <p:attrNameLst>
+                                          <p:attrName>ppt_x</p:attrName>
+                                        </p:attrNameLst>
+                                      </p:cBhvr>
+                                      <p:tavLst>
+                                        <p:tav tm="0">
+                                          <p:val>
+                                            <p:strVal val="#ppt_x"/>
+                                          </p:val>
+                                        </p:tav>
+                                        <p:tav tm="100000">
+                                          <p:val>
+                                            <p:strVal val="#ppt_x"/>
+                                          </p:val>
+                                        </p:tav>
+                                      </p:tavLst>
+                                    </p:anim>
+                                    <p:anim calcmode="lin" valueType="num">
+                                      <p:cBhvr>
+                                        <p:cTn id="37" dur="1000" fill="hold"/>
+                                        <p:tgtEl>
+                                          <p:spTgt spid="3">
+                                            <p:txEl>
+                                              <p:pRg st="3" end="3"/>
+                                            </p:txEl>
+                                          </p:spTgt>
+                                        </p:tgtEl>
+                                        <p:attrNameLst>
+                                          <p:attrName>ppt_y</p:attrName>
+                                        </p:attrNameLst>
+                                      </p:cBhvr>
+                                      <p:tavLst>
+                                        <p:tav tm="0">
+                                          <p:val>
+                                            <p:strVal val="#ppt_y+.1"/>
+                                          </p:val>
+                                        </p:tav>
+                                        <p:tav tm="100000">
+                                          <p:val>
+                                            <p:strVal val="#ppt_y"/>
+                                          </p:val>
+                                        </p:tav>
+                                      </p:tavLst>
+                                    </p:anim>
+                                  </p:childTnLst>
+                                </p:cTn>
+                              </p:par>
+                            </p:childTnLst>
+                          </p:cTn>
+                        </p:par>
+                      </p:childTnLst>
+                    </p:cTn>
+                  </p:par>
+                  <p:par>
+                    <p:cTn id="38" fill="hold">
+                      <p:stCondLst>
+                        <p:cond delay="indefinite"/>
+                      </p:stCondLst>
+                      <p:childTnLst>
+                        <p:par>
+                          <p:cTn id="39" fill="hold">
+                            <p:stCondLst>
+                              <p:cond delay="0"/>
+                            </p:stCondLst>
+                            <p:childTnLst>
+                              <p:par>
+                                <p:cTn id="40" presetID="42" presetClass="entr" presetSubtype="0" fill="hold" nodeType="clickEffect">
+                                  <p:stCondLst>
+                                    <p:cond delay="0"/>
+                                  </p:stCondLst>
+                                  <p:childTnLst>
+                                    <p:set>
+                                      <p:cBhvr>
+                                        <p:cTn id="41" dur="1" fill="hold">
+                                          <p:stCondLst>
+                                            <p:cond delay="0"/>
+                                          </p:stCondLst>
+                                        </p:cTn>
+                                        <p:tgtEl>
+                                          <p:spTgt spid="3">
+                                            <p:txEl>
+                                              <p:pRg st="4" end="4"/>
+                                            </p:txEl>
+                                          </p:spTgt>
+                                        </p:tgtEl>
+                                        <p:attrNameLst>
+                                          <p:attrName>style.visibility</p:attrName>
+                                        </p:attrNameLst>
+                                      </p:cBhvr>
+                                      <p:to>
+                                        <p:strVal val="visible"/>
+                                      </p:to>
+                                    </p:set>
+                                    <p:animEffect transition="in" filter="fade">
+                                      <p:cBhvr>
+                                        <p:cTn id="42" dur="1000"/>
+                                        <p:tgtEl>
+                                          <p:spTgt spid="3">
+                                            <p:txEl>
+                                              <p:pRg st="4" end="4"/>
+                                            </p:txEl>
+                                          </p:spTgt>
+                                        </p:tgtEl>
+                                      </p:cBhvr>
+                                    </p:animEffect>
+                                    <p:anim calcmode="lin" valueType="num">
+                                      <p:cBhvr>
+                                        <p:cTn id="43" dur="1000" fill="hold"/>
+                                        <p:tgtEl>
+                                          <p:spTgt spid="3">
+                                            <p:txEl>
+                                              <p:pRg st="4" end="4"/>
+                                            </p:txEl>
+                                          </p:spTgt>
+                                        </p:tgtEl>
+                                        <p:attrNameLst>
+                                          <p:attrName>ppt_x</p:attrName>
+                                        </p:attrNameLst>
+                                      </p:cBhvr>
+                                      <p:tavLst>
+                                        <p:tav tm="0">
+                                          <p:val>
+                                            <p:strVal val="#ppt_x"/>
+                                          </p:val>
+                                        </p:tav>
+                                        <p:tav tm="100000">
+                                          <p:val>
+                                            <p:strVal val="#ppt_x"/>
+                                          </p:val>
+                                        </p:tav>
+                                      </p:tavLst>
+                                    </p:anim>
+                                    <p:anim calcmode="lin" valueType="num">
+                                      <p:cBhvr>
+                                        <p:cTn id="44" dur="1000" fill="hold"/>
+                                        <p:tgtEl>
+                                          <p:spTgt spid="3">
+                                            <p:txEl>
+                                              <p:pRg st="4" end="4"/>
+                                            </p:txEl>
+                                          </p:spTgt>
+                                        </p:tgtEl>
+                                        <p:attrNameLst>
+                                          <p:attrName>ppt_y</p:attrName>
+                                        </p:attrNameLst>
+                                      </p:cBhvr>
+                                      <p:tavLst>
+                                        <p:tav tm="0">
+                                          <p:val>
+                                            <p:strVal val="#ppt_y+.1"/>
+                                          </p:val>
+                                        </p:tav>
+                                        <p:tav tm="100000">
+                                          <p:val>
+                                            <p:strVal val="#ppt_y"/>
+                                          </p:val>
+                                        </p:tav>
+                                      </p:tavLst>
+                                    </p:anim>
+                                  </p:childTnLst>
+                                </p:cTn>
+                              </p:par>
+                            </p:childTnLst>
+                          </p:cTn>
+                        </p:par>
+                      </p:childTnLst>
+                    </p:cTn>
+                  </p:par>
+                  <p:par>
+                    <p:cTn id="45" fill="hold">
+                      <p:stCondLst>
+                        <p:cond delay="indefinite"/>
+                      </p:stCondLst>
+                      <p:childTnLst>
+                        <p:par>
+                          <p:cTn id="46" fill="hold">
+                            <p:stCondLst>
+                              <p:cond delay="0"/>
+                            </p:stCondLst>
+                            <p:childTnLst>
+                              <p:par>
+                                <p:cTn id="47" presetID="42" presetClass="entr" presetSubtype="0" fill="hold" nodeType="clickEffect">
+                                  <p:stCondLst>
+                                    <p:cond delay="0"/>
+                                  </p:stCondLst>
+                                  <p:childTnLst>
+                                    <p:set>
+                                      <p:cBhvr>
+                                        <p:cTn id="48" dur="1" fill="hold">
+                                          <p:stCondLst>
+                                            <p:cond delay="0"/>
+                                          </p:stCondLst>
+                                        </p:cTn>
+                                        <p:tgtEl>
+                                          <p:spTgt spid="3">
+                                            <p:txEl>
+                                              <p:pRg st="5" end="5"/>
+                                            </p:txEl>
+                                          </p:spTgt>
+                                        </p:tgtEl>
+                                        <p:attrNameLst>
+                                          <p:attrName>style.visibility</p:attrName>
+                                        </p:attrNameLst>
+                                      </p:cBhvr>
+                                      <p:to>
+                                        <p:strVal val="visible"/>
+                                      </p:to>
+                                    </p:set>
+                                    <p:animEffect transition="in" filter="fade">
+                                      <p:cBhvr>
+                                        <p:cTn id="49" dur="1000"/>
+                                        <p:tgtEl>
+                                          <p:spTgt spid="3">
+                                            <p:txEl>
+                                              <p:pRg st="5" end="5"/>
+                                            </p:txEl>
+                                          </p:spTgt>
+                                        </p:tgtEl>
+                                      </p:cBhvr>
+                                    </p:animEffect>
+                                    <p:anim calcmode="lin" valueType="num">
+                                      <p:cBhvr>
+                                        <p:cTn id="50" dur="1000" fill="hold"/>
+                                        <p:tgtEl>
+                                          <p:spTgt spid="3">
+                                            <p:txEl>
+                                              <p:pRg st="5" end="5"/>
+                                            </p:txEl>
+                                          </p:spTgt>
+                                        </p:tgtEl>
+                                        <p:attrNameLst>
+                                          <p:attrName>ppt_x</p:attrName>
+                                        </p:attrNameLst>
+                                      </p:cBhvr>
+                                      <p:tavLst>
+                                        <p:tav tm="0">
+                                          <p:val>
+                                            <p:strVal val="#ppt_x"/>
+                                          </p:val>
+                                        </p:tav>
+                                        <p:tav tm="100000">
+                                          <p:val>
+                                            <p:strVal val="#ppt_x"/>
+                                          </p:val>
+                                        </p:tav>
+                                      </p:tavLst>
+                                    </p:anim>
+                                    <p:anim calcmode="lin" valueType="num">
+                                      <p:cBhvr>
+                                        <p:cTn id="51" dur="1000" fill="hold"/>
+                                        <p:tgtEl>
+                                          <p:spTgt spid="3">
+                                            <p:txEl>
+                                              <p:pRg st="5" end="5"/>
+                                            </p:txEl>
+                                          </p:spTgt>
+                                        </p:tgtEl>
+                                        <p:attrNameLst>
+                                          <p:attrName>ppt_y</p:attrName>
+                                        </p:attrNameLst>
+                                      </p:cBhvr>
+                                      <p:tavLst>
+                                        <p:tav tm="0">
+                                          <p:val>
+                                            <p:strVal val="#ppt_y+.1"/>
+                                          </p:val>
+                                        </p:tav>
+                                        <p:tav tm="100000">
+                                          <p:val>
+                                            <p:strVal val="#ppt_y"/>
+                                          </p:val>
+                                        </p:tav>
+                                      </p:tavLst>
+                                    </p:anim>
+                                  </p:childTnLst>
+                                </p:cTn>
+                              </p:par>
+                            </p:childTnLst>
+                          </p:cTn>
+                        </p:par>
+                      </p:childTnLst>
+                    </p:cTn>
+                  </p:par>
+                  <p:par>
+                    <p:cTn id="52" fill="hold">
+                      <p:stCondLst>
+                        <p:cond delay="indefinite"/>
+                      </p:stCondLst>
+                      <p:childTnLst>
+                        <p:par>
+                          <p:cTn id="53" fill="hold">
+                            <p:stCondLst>
+                              <p:cond delay="0"/>
+                            </p:stCondLst>
+                            <p:childTnLst>
+                              <p:par>
+                                <p:cTn id="54" presetID="42" presetClass="entr" presetSubtype="0" fill="hold" nodeType="clickEffect">
+                                  <p:stCondLst>
+                                    <p:cond delay="0"/>
+                                  </p:stCondLst>
+                                  <p:childTnLst>
+                                    <p:set>
+                                      <p:cBhvr>
+                                        <p:cTn id="55" dur="1" fill="hold">
+                                          <p:stCondLst>
+                                            <p:cond delay="0"/>
+                                          </p:stCondLst>
+                                        </p:cTn>
+                                        <p:tgtEl>
+                                          <p:spTgt spid="3">
+                                            <p:txEl>
+                                              <p:pRg st="6" end="6"/>
+                                            </p:txEl>
+                                          </p:spTgt>
+                                        </p:tgtEl>
+                                        <p:attrNameLst>
+                                          <p:attrName>style.visibility</p:attrName>
+                                        </p:attrNameLst>
+                                      </p:cBhvr>
+                                      <p:to>
+                                        <p:strVal val="visible"/>
+                                      </p:to>
+                                    </p:set>
+                                    <p:animEffect transition="in" filter="fade">
+                                      <p:cBhvr>
+                                        <p:cTn id="56" dur="1000"/>
+                                        <p:tgtEl>
+                                          <p:spTgt spid="3">
+                                            <p:txEl>
+                                              <p:pRg st="6" end="6"/>
+                                            </p:txEl>
+                                          </p:spTgt>
+                                        </p:tgtEl>
+                                      </p:cBhvr>
+                                    </p:animEffect>
+                                    <p:anim calcmode="lin" valueType="num">
+                                      <p:cBhvr>
+                                        <p:cTn id="57" dur="1000" fill="hold"/>
+                                        <p:tgtEl>
+                                          <p:spTgt spid="3">
+                                            <p:txEl>
+                                              <p:pRg st="6" end="6"/>
+                                            </p:txEl>
+                                          </p:spTgt>
+                                        </p:tgtEl>
+                                        <p:attrNameLst>
+                                          <p:attrName>ppt_x</p:attrName>
+                                        </p:attrNameLst>
+                                      </p:cBhvr>
+                                      <p:tavLst>
+                                        <p:tav tm="0">
+                                          <p:val>
+                                            <p:strVal val="#ppt_x"/>
+                                          </p:val>
+                                        </p:tav>
+                                        <p:tav tm="100000">
+                                          <p:val>
+                                            <p:strVal val="#ppt_x"/>
+                                          </p:val>
+                                        </p:tav>
+                                      </p:tavLst>
+                                    </p:anim>
+                                    <p:anim calcmode="lin" valueType="num">
+                                      <p:cBhvr>
+                                        <p:cTn id="58" dur="1000" fill="hold"/>
+                                        <p:tgtEl>
+                                          <p:spTgt spid="3">
+                                            <p:txEl>
+                                              <p:pRg st="6" end="6"/>
+                                            </p:txEl>
+                                          </p:spTgt>
+                                        </p:tgtEl>
+                                        <p:attrNameLst>
+                                          <p:attrName>ppt_y</p:attrName>
+                                        </p:attrNameLst>
+                                      </p:cBhvr>
+                                      <p:tavLst>
+                                        <p:tav tm="0">
+                                          <p:val>
+                                            <p:strVal val="#ppt_y+.1"/>
+                                          </p:val>
+                                        </p:tav>
+                                        <p:tav tm="100000">
+                                          <p:val>
+                                            <p:strVal val="#ppt_y"/>
+                                          </p:val>
+                                        </p:tav>
+                                      </p:tavLst>
+                                    </p:anim>
+                                  </p:childTnLst>
+                                </p:cTn>
+                              </p:par>
+                            </p:childTnLst>
+                          </p:cTn>
+                        </p:par>
+                      </p:childTnLst>
+                    </p:cTn>
+                  </p:par>
+                  <p:par>
+                    <p:cTn id="59" fill="hold">
+                      <p:stCondLst>
+                        <p:cond delay="indefinite"/>
+                      </p:stCondLst>
+                      <p:childTnLst>
+                        <p:par>
+                          <p:cTn id="60" fill="hold">
+                            <p:stCondLst>
+                              <p:cond delay="0"/>
+                            </p:stCondLst>
+                            <p:childTnLst>
+                              <p:par>
+                                <p:cTn id="61" presetID="42" presetClass="entr" presetSubtype="0" fill="hold" nodeType="clickEffect">
+                                  <p:stCondLst>
+                                    <p:cond delay="0"/>
+                                  </p:stCondLst>
+                                  <p:childTnLst>
+                                    <p:set>
+                                      <p:cBhvr>
+                                        <p:cTn id="62" dur="1" fill="hold">
+                                          <p:stCondLst>
+                                            <p:cond delay="0"/>
+                                          </p:stCondLst>
+                                        </p:cTn>
+                                        <p:tgtEl>
+                                          <p:spTgt spid="3">
+                                            <p:txEl>
+                                              <p:pRg st="7" end="7"/>
+                                            </p:txEl>
+                                          </p:spTgt>
+                                        </p:tgtEl>
+                                        <p:attrNameLst>
+                                          <p:attrName>style.visibility</p:attrName>
+                                        </p:attrNameLst>
+                                      </p:cBhvr>
+                                      <p:to>
+                                        <p:strVal val="visible"/>
+                                      </p:to>
+                                    </p:set>
+                                    <p:animEffect transition="in" filter="fade">
+                                      <p:cBhvr>
+                                        <p:cTn id="63" dur="1000"/>
+                                        <p:tgtEl>
+                                          <p:spTgt spid="3">
+                                            <p:txEl>
+                                              <p:pRg st="7" end="7"/>
+                                            </p:txEl>
+                                          </p:spTgt>
+                                        </p:tgtEl>
+                                      </p:cBhvr>
+                                    </p:animEffect>
+                                    <p:anim calcmode="lin" valueType="num">
+                                      <p:cBhvr>
+                                        <p:cTn id="64" dur="1000" fill="hold"/>
+                                        <p:tgtEl>
+                                          <p:spTgt spid="3">
+                                            <p:txEl>
+                                              <p:pRg st="7" end="7"/>
+                                            </p:txEl>
+                                          </p:spTgt>
+                                        </p:tgtEl>
+                                        <p:attrNameLst>
+                                          <p:attrName>ppt_x</p:attrName>
+                                        </p:attrNameLst>
+                                      </p:cBhvr>
+                                      <p:tavLst>
+                                        <p:tav tm="0">
+                                          <p:val>
+                                            <p:strVal val="#ppt_x"/>
+                                          </p:val>
+                                        </p:tav>
+                                        <p:tav tm="100000">
+                                          <p:val>
+                                            <p:strVal val="#ppt_x"/>
+                                          </p:val>
+                                        </p:tav>
+                                      </p:tavLst>
+                                    </p:anim>
+                                    <p:anim calcmode="lin" valueType="num">
+                                      <p:cBhvr>
+                                        <p:cTn id="65" dur="1000" fill="hold"/>
+                                        <p:tgtEl>
+                                          <p:spTgt spid="3">
+                                            <p:txEl>
+                                              <p:pRg st="7" end="7"/>
+                                            </p:txEl>
+                                          </p:spTgt>
+                                        </p:tgtEl>
+                                        <p:attrNameLst>
+                                          <p:attrName>ppt_y</p:attrName>
+                                        </p:attrNameLst>
+                                      </p:cBhvr>
+                                      <p:tavLst>
+                                        <p:tav tm="0">
+                                          <p:val>
+                                            <p:strVal val="#ppt_y+.1"/>
+                                          </p:val>
+                                        </p:tav>
+                                        <p:tav tm="100000">
+                                          <p:val>
+                                            <p:strVal val="#ppt_y"/>
+                                          </p:val>
+                                        </p:tav>
+                                      </p:tavLst>
+                                    </p:anim>
+                                  </p:childTnLst>
+                                </p:cTn>
+                              </p:par>
+                            </p:childTnLst>
+                          </p:cTn>
+                        </p:par>
+                      </p:childTnLst>
+                    </p:cTn>
+                  </p:par>
+                  <p:par>
+                    <p:cTn id="66" fill="hold">
+                      <p:stCondLst>
+                        <p:cond delay="indefinite"/>
+                      </p:stCondLst>
+                      <p:childTnLst>
+                        <p:par>
+                          <p:cTn id="67" fill="hold">
+                            <p:stCondLst>
+                              <p:cond delay="0"/>
+                            </p:stCondLst>
+                            <p:childTnLst>
+                              <p:par>
+                                <p:cTn id="68" presetID="42" presetClass="entr" presetSubtype="0" fill="hold" nodeType="clickEffect">
+                                  <p:stCondLst>
+                                    <p:cond delay="0"/>
+                                  </p:stCondLst>
+                                  <p:childTnLst>
+                                    <p:set>
+                                      <p:cBhvr>
+                                        <p:cTn id="69" dur="1" fill="hold">
+                                          <p:stCondLst>
+                                            <p:cond delay="0"/>
+                                          </p:stCondLst>
+                                        </p:cTn>
+                                        <p:tgtEl>
+                                          <p:spTgt spid="3">
+                                            <p:txEl>
+                                              <p:pRg st="8" end="8"/>
+                                            </p:txEl>
+                                          </p:spTgt>
+                                        </p:tgtEl>
+                                        <p:attrNameLst>
+                                          <p:attrName>style.visibility</p:attrName>
+                                        </p:attrNameLst>
+                                      </p:cBhvr>
+                                      <p:to>
+                                        <p:strVal val="visible"/>
+                                      </p:to>
+                                    </p:set>
+                                    <p:animEffect transition="in" filter="fade">
+                                      <p:cBhvr>
+                                        <p:cTn id="70" dur="1000"/>
+                                        <p:tgtEl>
+                                          <p:spTgt spid="3">
+                                            <p:txEl>
+                                              <p:pRg st="8" end="8"/>
+                                            </p:txEl>
+                                          </p:spTgt>
+                                        </p:tgtEl>
+                                      </p:cBhvr>
+                                    </p:animEffect>
+                                    <p:anim calcmode="lin" valueType="num">
+                                      <p:cBhvr>
+                                        <p:cTn id="71" dur="1000" fill="hold"/>
+                                        <p:tgtEl>
+                                          <p:spTgt spid="3">
+                                            <p:txEl>
+                                              <p:pRg st="8" end="8"/>
+                                            </p:txEl>
+                                          </p:spTgt>
+                                        </p:tgtEl>
+                                        <p:attrNameLst>
+                                          <p:attrName>ppt_x</p:attrName>
+                                        </p:attrNameLst>
+                                      </p:cBhvr>
+                                      <p:tavLst>
+                                        <p:tav tm="0">
+                                          <p:val>
+                                            <p:strVal val="#ppt_x"/>
+                                          </p:val>
+                                        </p:tav>
+                                        <p:tav tm="100000">
+                                          <p:val>
+                                            <p:strVal val="#ppt_x"/>
+                                          </p:val>
+                                        </p:tav>
+                                      </p:tavLst>
+                                    </p:anim>
+                                    <p:anim calcmode="lin" valueType="num">
+                                      <p:cBhvr>
+                                        <p:cTn id="72" dur="1000" fill="hold"/>
+                                        <p:tgtEl>
+                                          <p:spTgt spid="3">
+                                            <p:txEl>
+                                              <p:pRg st="8" end="8"/>
+                                            </p:txEl>
+                                          </p:spTgt>
+                                        </p:tgtEl>
+                                        <p:attrNameLst>
+                                          <p:attrName>ppt_y</p:attrName>
+                                        </p:attrNameLst>
+                                      </p:cBhvr>
+                                      <p:tavLst>
+                                        <p:tav tm="0">
+                                          <p:val>
+                                            <p:strVal val="#ppt_y+.1"/>
+                                          </p:val>
+                                        </p:tav>
+                                        <p:tav tm="100000">
+                                          <p:val>
+                                            <p:strVal val="#ppt_y"/>
+                                          </p:val>
+                                        </p:tav>
+                                      </p:tavLst>
+                                    </p:anim>
+                                  </p:childTnLst>
+                                </p:cTn>
+                              </p:par>
+                            </p:childTnLst>
+                          </p:cTn>
+                        </p:par>
+                      </p:childTnLst>
+                    </p:cTn>
+                  </p:par>
+                  <p:par>
+                    <p:cTn id="73" fill="hold">
+                      <p:stCondLst>
+                        <p:cond delay="indefinite"/>
+                      </p:stCondLst>
+                      <p:childTnLst>
+                        <p:par>
+                          <p:cTn id="74" fill="hold">
+                            <p:stCondLst>
+                              <p:cond delay="0"/>
+                            </p:stCondLst>
+                            <p:childTnLst>
+                              <p:par>
+                                <p:cTn id="75" presetID="42" presetClass="entr" presetSubtype="0" fill="hold" nodeType="clickEffect">
+                                  <p:stCondLst>
+                                    <p:cond delay="0"/>
+                                  </p:stCondLst>
+                                  <p:childTnLst>
+                                    <p:set>
+                                      <p:cBhvr>
+                                        <p:cTn id="76" dur="1" fill="hold">
+                                          <p:stCondLst>
+                                            <p:cond delay="0"/>
+                                          </p:stCondLst>
+                                        </p:cTn>
+                                        <p:tgtEl>
+                                          <p:spTgt spid="3">
+                                            <p:txEl>
+                                              <p:pRg st="9" end="9"/>
+                                            </p:txEl>
+                                          </p:spTgt>
+                                        </p:tgtEl>
+                                        <p:attrNameLst>
+                                          <p:attrName>style.visibility</p:attrName>
+                                        </p:attrNameLst>
+                                      </p:cBhvr>
+                                      <p:to>
+                                        <p:strVal val="visible"/>
+                                      </p:to>
+                                    </p:set>
+                                    <p:animEffect transition="in" filter="fade">
+                                      <p:cBhvr>
+                                        <p:cTn id="77" dur="1000"/>
+                                        <p:tgtEl>
+                                          <p:spTgt spid="3">
+                                            <p:txEl>
+                                              <p:pRg st="9" end="9"/>
+                                            </p:txEl>
+                                          </p:spTgt>
+                                        </p:tgtEl>
+                                      </p:cBhvr>
+                                    </p:animEffect>
+                                    <p:anim calcmode="lin" valueType="num">
+                                      <p:cBhvr>
+                                        <p:cTn id="78" dur="1000" fill="hold"/>
+                                        <p:tgtEl>
+                                          <p:spTgt spid="3">
+                                            <p:txEl>
+                                              <p:pRg st="9" end="9"/>
+                                            </p:txEl>
+                                          </p:spTgt>
+                                        </p:tgtEl>
+                                        <p:attrNameLst>
+                                          <p:attrName>ppt_x</p:attrName>
+                                        </p:attrNameLst>
+                                      </p:cBhvr>
+                                      <p:tavLst>
+                                        <p:tav tm="0">
+                                          <p:val>
+                                            <p:strVal val="#ppt_x"/>
+                                          </p:val>
+                                        </p:tav>
+                                        <p:tav tm="100000">
+                                          <p:val>
+                                            <p:strVal val="#ppt_x"/>
+                                          </p:val>
+                                        </p:tav>
+                                      </p:tavLst>
+                                    </p:anim>
+                                    <p:anim calcmode="lin" valueType="num">
+                                      <p:cBhvr>
+                                        <p:cTn id="79" dur="1000" fill="hold"/>
+                                        <p:tgtEl>
+                                          <p:spTgt spid="3">
+                                            <p:txEl>
+                                              <p:pRg st="9" end="9"/>
+                                            </p:txEl>
+                                          </p:spTgt>
+                                        </p:tgtEl>
+                                        <p:attrNameLst>
+                                          <p:attrName>ppt_y</p:attrName>
+                                        </p:attrNameLst>
+                                      </p:cBhvr>
+                                      <p:tavLst>
+                                        <p:tav tm="0">
+                                          <p:val>
+                                            <p:strVal val="#ppt_y+.1"/>
+                                          </p:val>
+                                        </p:tav>
+                                        <p:tav tm="100000">
+                                          <p:val>
+                                            <p:strVal val="#ppt_y"/>
+                                          </p:val>
+                                        </p:tav>
+                                      </p:tavLst>
+                                    </p:anim>
+                                  </p:childTnLst>
+                                </p:cTn>
+                              </p:par>
+                            </p:childTnLst>
+                          </p:cTn>
+                        </p:par>
+                      </p:childTnLst>
+                    </p:cTn>
+                  </p:par>
+                </p:childTnLst>
+              </p:cTn>
+              <p:prevCondLst>
+                <p:cond evt="onPrev" delay="0">
+                  <p:tgtEl>
+                    <p:sldTgt/>
+                  </p:tgtEl>
+                </p:cond>
+              </p:prevCondLst>
+              <p:nextCondLst>
+                <p:cond evt="onNext" delay="0">
+                  <p:tgtEl>
+                    <p:sldTgt/>
+                  </p:tgtEl>
+                </p:cond>
+              </p:nextCondLst>
+            </p:seq>
+          </p:childTnLst>
+        </p:cTn>
+      </p:par>
+    </p:tnLst>
+    <p:bldLst>
+      <p:bldP spid="2" grpId="0"/>
+    </p:bldLst>
+  </p:timing>
 </p:sld>
 </file>
 
@@ -20560,6 +23736,519 @@
           </p:spPr>
         </p:pic>
       </p:grpSp>
+      <p:grpSp>
+        <p:nvGrpSpPr>
+          <p:cNvPr id="67" name="Group 112">
+            <a:extLst>
+              <a:ext uri="{FF2B5EF4-FFF2-40B4-BE49-F238E27FC236}">
+                <a16:creationId xmlns:a16="http://schemas.microsoft.com/office/drawing/2014/main" id="{775719EB-E1F2-4C05-B725-4D5326F9974F}"/>
+              </a:ext>
+            </a:extLst>
+          </p:cNvPr>
+          <p:cNvGrpSpPr/>
+          <p:nvPr/>
+        </p:nvGrpSpPr>
+        <p:grpSpPr>
+          <a:xfrm>
+            <a:off x="2037537" y="2006411"/>
+            <a:ext cx="2916738" cy="662056"/>
+            <a:chOff x="764723" y="2277144"/>
+            <a:chExt cx="2916738" cy="662056"/>
+          </a:xfrm>
+        </p:grpSpPr>
+        <p:sp>
+          <p:nvSpPr>
+            <p:cNvPr id="68" name="Oval 113">
+              <a:extLst>
+                <a:ext uri="{FF2B5EF4-FFF2-40B4-BE49-F238E27FC236}">
+                  <a16:creationId xmlns:a16="http://schemas.microsoft.com/office/drawing/2014/main" id="{88A7D1EF-9728-471D-AE67-83AF70AFE234}"/>
+                </a:ext>
+              </a:extLst>
+            </p:cNvPr>
+            <p:cNvSpPr/>
+            <p:nvPr/>
+          </p:nvSpPr>
+          <p:spPr>
+            <a:xfrm>
+              <a:off x="764723" y="2277144"/>
+              <a:ext cx="662056" cy="662056"/>
+            </a:xfrm>
+            <a:prstGeom prst="ellipse">
+              <a:avLst/>
+            </a:prstGeom>
+            <a:solidFill>
+              <a:srgbClr val="52CBBE"/>
+            </a:solidFill>
+            <a:ln>
+              <a:noFill/>
+            </a:ln>
+          </p:spPr>
+          <p:style>
+            <a:lnRef idx="2">
+              <a:schemeClr val="accent1">
+                <a:shade val="50000"/>
+              </a:schemeClr>
+            </a:lnRef>
+            <a:fillRef idx="1">
+              <a:schemeClr val="accent1"/>
+            </a:fillRef>
+            <a:effectRef idx="0">
+              <a:schemeClr val="accent1"/>
+            </a:effectRef>
+            <a:fontRef idx="minor">
+              <a:schemeClr val="lt1"/>
+            </a:fontRef>
+          </p:style>
+          <p:txBody>
+            <a:bodyPr rtlCol="0" anchor="ctr"/>
+            <a:lstStyle/>
+            <a:p>
+              <a:pPr algn="ctr"/>
+              <a:endParaRPr lang="en-US" dirty="0">
+                <a:solidFill>
+                  <a:srgbClr val="00A0A8"/>
+                </a:solidFill>
+              </a:endParaRPr>
+            </a:p>
+          </p:txBody>
+        </p:sp>
+        <p:pic>
+          <p:nvPicPr>
+            <p:cNvPr id="69" name="Picture 114" descr="Newton bölcsője">
+              <a:extLst>
+                <a:ext uri="{FF2B5EF4-FFF2-40B4-BE49-F238E27FC236}">
+                  <a16:creationId xmlns:a16="http://schemas.microsoft.com/office/drawing/2014/main" id="{FF207748-D73C-4058-B52F-AF16BCFA6FB0}"/>
+                </a:ext>
+              </a:extLst>
+            </p:cNvPr>
+            <p:cNvPicPr>
+              <a:picLocks noChangeAspect="1"/>
+            </p:cNvPicPr>
+            <p:nvPr/>
+          </p:nvPicPr>
+          <p:blipFill>
+            <a:blip r:embed="rId3">
+              <a:extLst>
+                <a:ext uri="{28A0092B-C50C-407E-A947-70E740481C1C}">
+                  <a14:useLocalDpi xmlns:a14="http://schemas.microsoft.com/office/drawing/2010/main" val="0"/>
+                </a:ext>
+                <a:ext uri="{96DAC541-7B7A-43D3-8B79-37D633B846F1}">
+                  <asvg:svgBlip xmlns:asvg="http://schemas.microsoft.com/office/drawing/2016/SVG/main" r:embed="rId4"/>
+                </a:ext>
+              </a:extLst>
+            </a:blip>
+            <a:srcRect/>
+            <a:stretch/>
+          </p:blipFill>
+          <p:spPr>
+            <a:xfrm>
+              <a:off x="896554" y="2408975"/>
+              <a:ext cx="398394" cy="398394"/>
+            </a:xfrm>
+            <a:prstGeom prst="rect">
+              <a:avLst/>
+            </a:prstGeom>
+          </p:spPr>
+        </p:pic>
+        <p:sp>
+          <p:nvSpPr>
+            <p:cNvPr id="70" name="TextBox 115">
+              <a:extLst>
+                <a:ext uri="{FF2B5EF4-FFF2-40B4-BE49-F238E27FC236}">
+                  <a16:creationId xmlns:a16="http://schemas.microsoft.com/office/drawing/2014/main" id="{FED0A2F4-906A-48C2-904A-D858BE7B0EDA}"/>
+                </a:ext>
+              </a:extLst>
+            </p:cNvPr>
+            <p:cNvSpPr txBox="1"/>
+            <p:nvPr/>
+          </p:nvSpPr>
+          <p:spPr>
+            <a:xfrm>
+              <a:off x="1504258" y="2394370"/>
+              <a:ext cx="2177203" cy="369332"/>
+            </a:xfrm>
+            <a:prstGeom prst="rect">
+              <a:avLst/>
+            </a:prstGeom>
+            <a:noFill/>
+          </p:spPr>
+          <p:txBody>
+            <a:bodyPr wrap="square" rtlCol="0">
+              <a:spAutoFit/>
+            </a:bodyPr>
+            <a:lstStyle/>
+            <a:p>
+              <a:r>
+                <a:rPr lang="en-US" dirty="0" err="1">
+                  <a:solidFill>
+                    <a:srgbClr val="52CBBE"/>
+                  </a:solidFill>
+                  <a:latin typeface="Tw Cen MT" panose="020B0602020104020603" pitchFamily="34" charset="0"/>
+                </a:rPr>
+                <a:t>kinetikai</a:t>
+              </a:r>
+              <a:r>
+                <a:rPr lang="en-US" dirty="0">
+                  <a:solidFill>
+                    <a:srgbClr val="52CBBE"/>
+                  </a:solidFill>
+                  <a:latin typeface="Tw Cen MT" panose="020B0602020104020603" pitchFamily="34" charset="0"/>
+                </a:rPr>
+                <a:t> </a:t>
+              </a:r>
+              <a:r>
+                <a:rPr lang="en-US" dirty="0" err="1">
+                  <a:solidFill>
+                    <a:srgbClr val="52CBBE"/>
+                  </a:solidFill>
+                  <a:latin typeface="Tw Cen MT" panose="020B0602020104020603" pitchFamily="34" charset="0"/>
+                </a:rPr>
+                <a:t>állandóság</a:t>
+              </a:r>
+              <a:endParaRPr lang="en-US" dirty="0">
+                <a:solidFill>
+                  <a:srgbClr val="52CBBE"/>
+                </a:solidFill>
+                <a:latin typeface="Tw Cen MT" panose="020B0602020104020603" pitchFamily="34" charset="0"/>
+              </a:endParaRPr>
+            </a:p>
+          </p:txBody>
+        </p:sp>
+      </p:grpSp>
+      <p:grpSp>
+        <p:nvGrpSpPr>
+          <p:cNvPr id="82" name="Group 112">
+            <a:extLst>
+              <a:ext uri="{FF2B5EF4-FFF2-40B4-BE49-F238E27FC236}">
+                <a16:creationId xmlns:a16="http://schemas.microsoft.com/office/drawing/2014/main" id="{3128CB29-D7D9-4FAE-9DA2-61F38C192BE5}"/>
+              </a:ext>
+            </a:extLst>
+          </p:cNvPr>
+          <p:cNvGrpSpPr/>
+          <p:nvPr/>
+        </p:nvGrpSpPr>
+        <p:grpSpPr>
+          <a:xfrm>
+            <a:off x="2037537" y="3184166"/>
+            <a:ext cx="4113252" cy="662056"/>
+            <a:chOff x="764723" y="2277144"/>
+            <a:chExt cx="4113252" cy="662056"/>
+          </a:xfrm>
+        </p:grpSpPr>
+        <p:sp>
+          <p:nvSpPr>
+            <p:cNvPr id="83" name="Oval 113">
+              <a:extLst>
+                <a:ext uri="{FF2B5EF4-FFF2-40B4-BE49-F238E27FC236}">
+                  <a16:creationId xmlns:a16="http://schemas.microsoft.com/office/drawing/2014/main" id="{D6D96992-D72C-41B3-BAAA-BE72AC224839}"/>
+                </a:ext>
+              </a:extLst>
+            </p:cNvPr>
+            <p:cNvSpPr/>
+            <p:nvPr/>
+          </p:nvSpPr>
+          <p:spPr>
+            <a:xfrm>
+              <a:off x="764723" y="2277144"/>
+              <a:ext cx="662056" cy="662056"/>
+            </a:xfrm>
+            <a:prstGeom prst="ellipse">
+              <a:avLst/>
+            </a:prstGeom>
+            <a:solidFill>
+              <a:srgbClr val="FEC630"/>
+            </a:solidFill>
+            <a:ln>
+              <a:noFill/>
+            </a:ln>
+          </p:spPr>
+          <p:style>
+            <a:lnRef idx="2">
+              <a:schemeClr val="accent1">
+                <a:shade val="50000"/>
+              </a:schemeClr>
+            </a:lnRef>
+            <a:fillRef idx="1">
+              <a:schemeClr val="accent1"/>
+            </a:fillRef>
+            <a:effectRef idx="0">
+              <a:schemeClr val="accent1"/>
+            </a:effectRef>
+            <a:fontRef idx="minor">
+              <a:schemeClr val="lt1"/>
+            </a:fontRef>
+          </p:style>
+          <p:txBody>
+            <a:bodyPr rtlCol="0" anchor="ctr"/>
+            <a:lstStyle/>
+            <a:p>
+              <a:pPr algn="ctr"/>
+              <a:endParaRPr lang="en-US">
+                <a:solidFill>
+                  <a:srgbClr val="00A0A8"/>
+                </a:solidFill>
+              </a:endParaRPr>
+            </a:p>
+          </p:txBody>
+        </p:sp>
+        <p:pic>
+          <p:nvPicPr>
+            <p:cNvPr id="84" name="Picture 114" descr="Víz">
+              <a:extLst>
+                <a:ext uri="{FF2B5EF4-FFF2-40B4-BE49-F238E27FC236}">
+                  <a16:creationId xmlns:a16="http://schemas.microsoft.com/office/drawing/2014/main" id="{74BAFC80-76BB-4887-B8C9-CE6A1AC1F212}"/>
+                </a:ext>
+              </a:extLst>
+            </p:cNvPr>
+            <p:cNvPicPr>
+              <a:picLocks noChangeAspect="1"/>
+            </p:cNvPicPr>
+            <p:nvPr/>
+          </p:nvPicPr>
+          <p:blipFill>
+            <a:blip r:embed="rId5">
+              <a:extLst>
+                <a:ext uri="{28A0092B-C50C-407E-A947-70E740481C1C}">
+                  <a14:useLocalDpi xmlns:a14="http://schemas.microsoft.com/office/drawing/2010/main" val="0"/>
+                </a:ext>
+                <a:ext uri="{96DAC541-7B7A-43D3-8B79-37D633B846F1}">
+                  <asvg:svgBlip xmlns:asvg="http://schemas.microsoft.com/office/drawing/2016/SVG/main" r:embed="rId6"/>
+                </a:ext>
+              </a:extLst>
+            </a:blip>
+            <a:srcRect/>
+            <a:stretch/>
+          </p:blipFill>
+          <p:spPr>
+            <a:xfrm>
+              <a:off x="896554" y="2408975"/>
+              <a:ext cx="398394" cy="398394"/>
+            </a:xfrm>
+            <a:prstGeom prst="rect">
+              <a:avLst/>
+            </a:prstGeom>
+          </p:spPr>
+        </p:pic>
+        <p:sp>
+          <p:nvSpPr>
+            <p:cNvPr id="85" name="TextBox 115">
+              <a:extLst>
+                <a:ext uri="{FF2B5EF4-FFF2-40B4-BE49-F238E27FC236}">
+                  <a16:creationId xmlns:a16="http://schemas.microsoft.com/office/drawing/2014/main" id="{6032CF97-4A25-4336-9DAD-320D61506E0F}"/>
+                </a:ext>
+              </a:extLst>
+            </p:cNvPr>
+            <p:cNvSpPr txBox="1"/>
+            <p:nvPr/>
+          </p:nvSpPr>
+          <p:spPr>
+            <a:xfrm>
+              <a:off x="1504258" y="2394370"/>
+              <a:ext cx="3373717" cy="369332"/>
+            </a:xfrm>
+            <a:prstGeom prst="rect">
+              <a:avLst/>
+            </a:prstGeom>
+            <a:noFill/>
+          </p:spPr>
+          <p:txBody>
+            <a:bodyPr wrap="square" rtlCol="0">
+              <a:spAutoFit/>
+            </a:bodyPr>
+            <a:lstStyle/>
+            <a:p>
+              <a:r>
+                <a:rPr lang="en-US" dirty="0" err="1">
+                  <a:solidFill>
+                    <a:srgbClr val="FEC630"/>
+                  </a:solidFill>
+                  <a:latin typeface="Tw Cen MT" panose="020B0602020104020603" pitchFamily="34" charset="0"/>
+                </a:rPr>
+                <a:t>krémesedés</a:t>
+              </a:r>
+              <a:r>
+                <a:rPr lang="en-US" dirty="0">
+                  <a:solidFill>
+                    <a:srgbClr val="FEC630"/>
+                  </a:solidFill>
+                  <a:latin typeface="Tw Cen MT" panose="020B0602020104020603" pitchFamily="34" charset="0"/>
+                </a:rPr>
+                <a:t>, </a:t>
+              </a:r>
+              <a:r>
+                <a:rPr lang="en-US" dirty="0" err="1">
+                  <a:solidFill>
+                    <a:srgbClr val="FEC630"/>
+                  </a:solidFill>
+                  <a:latin typeface="Tw Cen MT" panose="020B0602020104020603" pitchFamily="34" charset="0"/>
+                </a:rPr>
+                <a:t>csepp-összefolyás</a:t>
+              </a:r>
+              <a:endParaRPr lang="en-US" dirty="0">
+                <a:solidFill>
+                  <a:srgbClr val="FEC630"/>
+                </a:solidFill>
+                <a:latin typeface="Tw Cen MT" panose="020B0602020104020603" pitchFamily="34" charset="0"/>
+              </a:endParaRPr>
+            </a:p>
+          </p:txBody>
+        </p:sp>
+      </p:grpSp>
+      <p:grpSp>
+        <p:nvGrpSpPr>
+          <p:cNvPr id="86" name="Group 112">
+            <a:extLst>
+              <a:ext uri="{FF2B5EF4-FFF2-40B4-BE49-F238E27FC236}">
+                <a16:creationId xmlns:a16="http://schemas.microsoft.com/office/drawing/2014/main" id="{5A00C34E-42B2-43C9-87D2-5D8D9B7FA5BF}"/>
+              </a:ext>
+            </a:extLst>
+          </p:cNvPr>
+          <p:cNvGrpSpPr/>
+          <p:nvPr/>
+        </p:nvGrpSpPr>
+        <p:grpSpPr>
+          <a:xfrm>
+            <a:off x="2062476" y="4350026"/>
+            <a:ext cx="2916738" cy="662056"/>
+            <a:chOff x="764723" y="2277144"/>
+            <a:chExt cx="2916738" cy="662056"/>
+          </a:xfrm>
+        </p:grpSpPr>
+        <p:sp>
+          <p:nvSpPr>
+            <p:cNvPr id="87" name="Oval 113">
+              <a:extLst>
+                <a:ext uri="{FF2B5EF4-FFF2-40B4-BE49-F238E27FC236}">
+                  <a16:creationId xmlns:a16="http://schemas.microsoft.com/office/drawing/2014/main" id="{E44B99EE-0286-4FDA-BACC-96AA9CC5D280}"/>
+                </a:ext>
+              </a:extLst>
+            </p:cNvPr>
+            <p:cNvSpPr/>
+            <p:nvPr/>
+          </p:nvSpPr>
+          <p:spPr>
+            <a:xfrm>
+              <a:off x="764723" y="2277144"/>
+              <a:ext cx="662056" cy="662056"/>
+            </a:xfrm>
+            <a:prstGeom prst="ellipse">
+              <a:avLst/>
+            </a:prstGeom>
+            <a:solidFill>
+              <a:srgbClr val="FF5969"/>
+            </a:solidFill>
+            <a:ln>
+              <a:noFill/>
+            </a:ln>
+          </p:spPr>
+          <p:style>
+            <a:lnRef idx="2">
+              <a:schemeClr val="accent1">
+                <a:shade val="50000"/>
+              </a:schemeClr>
+            </a:lnRef>
+            <a:fillRef idx="1">
+              <a:schemeClr val="accent1"/>
+            </a:fillRef>
+            <a:effectRef idx="0">
+              <a:schemeClr val="accent1"/>
+            </a:effectRef>
+            <a:fontRef idx="minor">
+              <a:schemeClr val="lt1"/>
+            </a:fontRef>
+          </p:style>
+          <p:txBody>
+            <a:bodyPr rtlCol="0" anchor="ctr"/>
+            <a:lstStyle/>
+            <a:p>
+              <a:pPr algn="ctr"/>
+              <a:endParaRPr lang="en-US">
+                <a:solidFill>
+                  <a:srgbClr val="00A0A8"/>
+                </a:solidFill>
+              </a:endParaRPr>
+            </a:p>
+          </p:txBody>
+        </p:sp>
+        <p:pic>
+          <p:nvPicPr>
+            <p:cNvPr id="88" name="Picture 114" descr="Pontdiagram">
+              <a:extLst>
+                <a:ext uri="{FF2B5EF4-FFF2-40B4-BE49-F238E27FC236}">
+                  <a16:creationId xmlns:a16="http://schemas.microsoft.com/office/drawing/2014/main" id="{9EDD32DD-EEA7-466B-ACFA-6F81C1A95522}"/>
+                </a:ext>
+              </a:extLst>
+            </p:cNvPr>
+            <p:cNvPicPr>
+              <a:picLocks noChangeAspect="1"/>
+            </p:cNvPicPr>
+            <p:nvPr/>
+          </p:nvPicPr>
+          <p:blipFill>
+            <a:blip r:embed="rId7">
+              <a:extLst>
+                <a:ext uri="{28A0092B-C50C-407E-A947-70E740481C1C}">
+                  <a14:useLocalDpi xmlns:a14="http://schemas.microsoft.com/office/drawing/2010/main" val="0"/>
+                </a:ext>
+                <a:ext uri="{96DAC541-7B7A-43D3-8B79-37D633B846F1}">
+                  <asvg:svgBlip xmlns:asvg="http://schemas.microsoft.com/office/drawing/2016/SVG/main" r:embed="rId8"/>
+                </a:ext>
+              </a:extLst>
+            </a:blip>
+            <a:srcRect/>
+            <a:stretch/>
+          </p:blipFill>
+          <p:spPr>
+            <a:xfrm>
+              <a:off x="896554" y="2408975"/>
+              <a:ext cx="398394" cy="398394"/>
+            </a:xfrm>
+            <a:prstGeom prst="rect">
+              <a:avLst/>
+            </a:prstGeom>
+          </p:spPr>
+        </p:pic>
+        <p:sp>
+          <p:nvSpPr>
+            <p:cNvPr id="89" name="TextBox 115">
+              <a:extLst>
+                <a:ext uri="{FF2B5EF4-FFF2-40B4-BE49-F238E27FC236}">
+                  <a16:creationId xmlns:a16="http://schemas.microsoft.com/office/drawing/2014/main" id="{3CBF6503-1C87-496B-8B0D-FB7B05975927}"/>
+                </a:ext>
+              </a:extLst>
+            </p:cNvPr>
+            <p:cNvSpPr txBox="1"/>
+            <p:nvPr/>
+          </p:nvSpPr>
+          <p:spPr>
+            <a:xfrm>
+              <a:off x="1504258" y="2394370"/>
+              <a:ext cx="2177203" cy="369332"/>
+            </a:xfrm>
+            <a:prstGeom prst="rect">
+              <a:avLst/>
+            </a:prstGeom>
+            <a:noFill/>
+          </p:spPr>
+          <p:txBody>
+            <a:bodyPr wrap="square" rtlCol="0">
+              <a:spAutoFit/>
+            </a:bodyPr>
+            <a:lstStyle/>
+            <a:p>
+              <a:r>
+                <a:rPr lang="en-US" dirty="0">
+                  <a:solidFill>
+                    <a:srgbClr val="FF5969"/>
+                  </a:solidFill>
+                  <a:latin typeface="Tw Cen MT" panose="020B0602020104020603" pitchFamily="34" charset="0"/>
+                </a:rPr>
+                <a:t>Ostwald Ripening</a:t>
+              </a:r>
+            </a:p>
+          </p:txBody>
+        </p:sp>
+      </p:grpSp>
     </p:spTree>
     <p:extLst>
       <p:ext uri="{BB962C8B-B14F-4D97-AF65-F5344CB8AC3E}">
@@ -20582,6 +24271,402 @@
       </p:transition>
     </mc:Fallback>
   </mc:AlternateContent>
+  <p:timing>
+    <p:tnLst>
+      <p:par>
+        <p:cTn id="1" dur="indefinite" restart="never" nodeType="tmRoot">
+          <p:childTnLst>
+            <p:seq concurrent="1" nextAc="seek">
+              <p:cTn id="2" dur="indefinite" nodeType="mainSeq">
+                <p:childTnLst>
+                  <p:par>
+                    <p:cTn id="3" fill="hold">
+                      <p:stCondLst>
+                        <p:cond delay="indefinite"/>
+                      </p:stCondLst>
+                      <p:childTnLst>
+                        <p:par>
+                          <p:cTn id="4" fill="hold">
+                            <p:stCondLst>
+                              <p:cond delay="0"/>
+                            </p:stCondLst>
+                            <p:childTnLst>
+                              <p:par>
+                                <p:cTn id="5" presetID="31" presetClass="entr" presetSubtype="0" fill="hold" nodeType="clickEffect">
+                                  <p:stCondLst>
+                                    <p:cond delay="0"/>
+                                  </p:stCondLst>
+                                  <p:childTnLst>
+                                    <p:set>
+                                      <p:cBhvr>
+                                        <p:cTn id="6" dur="1" fill="hold">
+                                          <p:stCondLst>
+                                            <p:cond delay="0"/>
+                                          </p:stCondLst>
+                                        </p:cTn>
+                                        <p:tgtEl>
+                                          <p:spTgt spid="67"/>
+                                        </p:tgtEl>
+                                        <p:attrNameLst>
+                                          <p:attrName>style.visibility</p:attrName>
+                                        </p:attrNameLst>
+                                      </p:cBhvr>
+                                      <p:to>
+                                        <p:strVal val="visible"/>
+                                      </p:to>
+                                    </p:set>
+                                    <p:anim calcmode="lin" valueType="num">
+                                      <p:cBhvr>
+                                        <p:cTn id="7" dur="500" fill="hold"/>
+                                        <p:tgtEl>
+                                          <p:spTgt spid="67"/>
+                                        </p:tgtEl>
+                                        <p:attrNameLst>
+                                          <p:attrName>ppt_w</p:attrName>
+                                        </p:attrNameLst>
+                                      </p:cBhvr>
+                                      <p:tavLst>
+                                        <p:tav tm="0">
+                                          <p:val>
+                                            <p:fltVal val="0"/>
+                                          </p:val>
+                                        </p:tav>
+                                        <p:tav tm="100000">
+                                          <p:val>
+                                            <p:strVal val="#ppt_w"/>
+                                          </p:val>
+                                        </p:tav>
+                                      </p:tavLst>
+                                    </p:anim>
+                                    <p:anim calcmode="lin" valueType="num">
+                                      <p:cBhvr>
+                                        <p:cTn id="8" dur="500" fill="hold"/>
+                                        <p:tgtEl>
+                                          <p:spTgt spid="67"/>
+                                        </p:tgtEl>
+                                        <p:attrNameLst>
+                                          <p:attrName>ppt_h</p:attrName>
+                                        </p:attrNameLst>
+                                      </p:cBhvr>
+                                      <p:tavLst>
+                                        <p:tav tm="0">
+                                          <p:val>
+                                            <p:fltVal val="0"/>
+                                          </p:val>
+                                        </p:tav>
+                                        <p:tav tm="100000">
+                                          <p:val>
+                                            <p:strVal val="#ppt_h"/>
+                                          </p:val>
+                                        </p:tav>
+                                      </p:tavLst>
+                                    </p:anim>
+                                    <p:anim calcmode="lin" valueType="num">
+                                      <p:cBhvr>
+                                        <p:cTn id="9" dur="500" fill="hold"/>
+                                        <p:tgtEl>
+                                          <p:spTgt spid="67"/>
+                                        </p:tgtEl>
+                                        <p:attrNameLst>
+                                          <p:attrName>style.rotation</p:attrName>
+                                        </p:attrNameLst>
+                                      </p:cBhvr>
+                                      <p:tavLst>
+                                        <p:tav tm="0">
+                                          <p:val>
+                                            <p:fltVal val="90"/>
+                                          </p:val>
+                                        </p:tav>
+                                        <p:tav tm="100000">
+                                          <p:val>
+                                            <p:fltVal val="0"/>
+                                          </p:val>
+                                        </p:tav>
+                                      </p:tavLst>
+                                    </p:anim>
+                                    <p:animEffect transition="in" filter="fade">
+                                      <p:cBhvr>
+                                        <p:cTn id="10" dur="500"/>
+                                        <p:tgtEl>
+                                          <p:spTgt spid="67"/>
+                                        </p:tgtEl>
+                                      </p:cBhvr>
+                                    </p:animEffect>
+                                  </p:childTnLst>
+                                </p:cTn>
+                              </p:par>
+                            </p:childTnLst>
+                          </p:cTn>
+                        </p:par>
+                      </p:childTnLst>
+                    </p:cTn>
+                  </p:par>
+                  <p:par>
+                    <p:cTn id="11" fill="hold">
+                      <p:stCondLst>
+                        <p:cond delay="indefinite"/>
+                      </p:stCondLst>
+                      <p:childTnLst>
+                        <p:par>
+                          <p:cTn id="12" fill="hold">
+                            <p:stCondLst>
+                              <p:cond delay="0"/>
+                            </p:stCondLst>
+                            <p:childTnLst>
+                              <p:par>
+                                <p:cTn id="13" presetID="31" presetClass="entr" presetSubtype="0" fill="hold" nodeType="clickEffect">
+                                  <p:stCondLst>
+                                    <p:cond delay="0"/>
+                                  </p:stCondLst>
+                                  <p:childTnLst>
+                                    <p:set>
+                                      <p:cBhvr>
+                                        <p:cTn id="14" dur="1" fill="hold">
+                                          <p:stCondLst>
+                                            <p:cond delay="0"/>
+                                          </p:stCondLst>
+                                        </p:cTn>
+                                        <p:tgtEl>
+                                          <p:spTgt spid="82"/>
+                                        </p:tgtEl>
+                                        <p:attrNameLst>
+                                          <p:attrName>style.visibility</p:attrName>
+                                        </p:attrNameLst>
+                                      </p:cBhvr>
+                                      <p:to>
+                                        <p:strVal val="visible"/>
+                                      </p:to>
+                                    </p:set>
+                                    <p:anim calcmode="lin" valueType="num">
+                                      <p:cBhvr>
+                                        <p:cTn id="15" dur="500" fill="hold"/>
+                                        <p:tgtEl>
+                                          <p:spTgt spid="82"/>
+                                        </p:tgtEl>
+                                        <p:attrNameLst>
+                                          <p:attrName>ppt_w</p:attrName>
+                                        </p:attrNameLst>
+                                      </p:cBhvr>
+                                      <p:tavLst>
+                                        <p:tav tm="0">
+                                          <p:val>
+                                            <p:fltVal val="0"/>
+                                          </p:val>
+                                        </p:tav>
+                                        <p:tav tm="100000">
+                                          <p:val>
+                                            <p:strVal val="#ppt_w"/>
+                                          </p:val>
+                                        </p:tav>
+                                      </p:tavLst>
+                                    </p:anim>
+                                    <p:anim calcmode="lin" valueType="num">
+                                      <p:cBhvr>
+                                        <p:cTn id="16" dur="500" fill="hold"/>
+                                        <p:tgtEl>
+                                          <p:spTgt spid="82"/>
+                                        </p:tgtEl>
+                                        <p:attrNameLst>
+                                          <p:attrName>ppt_h</p:attrName>
+                                        </p:attrNameLst>
+                                      </p:cBhvr>
+                                      <p:tavLst>
+                                        <p:tav tm="0">
+                                          <p:val>
+                                            <p:fltVal val="0"/>
+                                          </p:val>
+                                        </p:tav>
+                                        <p:tav tm="100000">
+                                          <p:val>
+                                            <p:strVal val="#ppt_h"/>
+                                          </p:val>
+                                        </p:tav>
+                                      </p:tavLst>
+                                    </p:anim>
+                                    <p:anim calcmode="lin" valueType="num">
+                                      <p:cBhvr>
+                                        <p:cTn id="17" dur="500" fill="hold"/>
+                                        <p:tgtEl>
+                                          <p:spTgt spid="82"/>
+                                        </p:tgtEl>
+                                        <p:attrNameLst>
+                                          <p:attrName>style.rotation</p:attrName>
+                                        </p:attrNameLst>
+                                      </p:cBhvr>
+                                      <p:tavLst>
+                                        <p:tav tm="0">
+                                          <p:val>
+                                            <p:fltVal val="90"/>
+                                          </p:val>
+                                        </p:tav>
+                                        <p:tav tm="100000">
+                                          <p:val>
+                                            <p:fltVal val="0"/>
+                                          </p:val>
+                                        </p:tav>
+                                      </p:tavLst>
+                                    </p:anim>
+                                    <p:animEffect transition="in" filter="fade">
+                                      <p:cBhvr>
+                                        <p:cTn id="18" dur="500"/>
+                                        <p:tgtEl>
+                                          <p:spTgt spid="82"/>
+                                        </p:tgtEl>
+                                      </p:cBhvr>
+                                    </p:animEffect>
+                                  </p:childTnLst>
+                                </p:cTn>
+                              </p:par>
+                            </p:childTnLst>
+                          </p:cTn>
+                        </p:par>
+                      </p:childTnLst>
+                    </p:cTn>
+                  </p:par>
+                  <p:par>
+                    <p:cTn id="19" fill="hold">
+                      <p:stCondLst>
+                        <p:cond delay="indefinite"/>
+                      </p:stCondLst>
+                      <p:childTnLst>
+                        <p:par>
+                          <p:cTn id="20" fill="hold">
+                            <p:stCondLst>
+                              <p:cond delay="0"/>
+                            </p:stCondLst>
+                            <p:childTnLst>
+                              <p:par>
+                                <p:cTn id="21" presetID="31" presetClass="entr" presetSubtype="0" fill="hold" nodeType="clickEffect">
+                                  <p:stCondLst>
+                                    <p:cond delay="0"/>
+                                  </p:stCondLst>
+                                  <p:childTnLst>
+                                    <p:set>
+                                      <p:cBhvr>
+                                        <p:cTn id="22" dur="1" fill="hold">
+                                          <p:stCondLst>
+                                            <p:cond delay="0"/>
+                                          </p:stCondLst>
+                                        </p:cTn>
+                                        <p:tgtEl>
+                                          <p:spTgt spid="86"/>
+                                        </p:tgtEl>
+                                        <p:attrNameLst>
+                                          <p:attrName>style.visibility</p:attrName>
+                                        </p:attrNameLst>
+                                      </p:cBhvr>
+                                      <p:to>
+                                        <p:strVal val="visible"/>
+                                      </p:to>
+                                    </p:set>
+                                    <p:anim calcmode="lin" valueType="num">
+                                      <p:cBhvr>
+                                        <p:cTn id="23" dur="500" fill="hold"/>
+                                        <p:tgtEl>
+                                          <p:spTgt spid="86"/>
+                                        </p:tgtEl>
+                                        <p:attrNameLst>
+                                          <p:attrName>ppt_w</p:attrName>
+                                        </p:attrNameLst>
+                                      </p:cBhvr>
+                                      <p:tavLst>
+                                        <p:tav tm="0">
+                                          <p:val>
+                                            <p:fltVal val="0"/>
+                                          </p:val>
+                                        </p:tav>
+                                        <p:tav tm="100000">
+                                          <p:val>
+                                            <p:strVal val="#ppt_w"/>
+                                          </p:val>
+                                        </p:tav>
+                                      </p:tavLst>
+                                    </p:anim>
+                                    <p:anim calcmode="lin" valueType="num">
+                                      <p:cBhvr>
+                                        <p:cTn id="24" dur="500" fill="hold"/>
+                                        <p:tgtEl>
+                                          <p:spTgt spid="86"/>
+                                        </p:tgtEl>
+                                        <p:attrNameLst>
+                                          <p:attrName>ppt_h</p:attrName>
+                                        </p:attrNameLst>
+                                      </p:cBhvr>
+                                      <p:tavLst>
+                                        <p:tav tm="0">
+                                          <p:val>
+                                            <p:fltVal val="0"/>
+                                          </p:val>
+                                        </p:tav>
+                                        <p:tav tm="100000">
+                                          <p:val>
+                                            <p:strVal val="#ppt_h"/>
+                                          </p:val>
+                                        </p:tav>
+                                      </p:tavLst>
+                                    </p:anim>
+                                    <p:anim calcmode="lin" valueType="num">
+                                      <p:cBhvr>
+                                        <p:cTn id="25" dur="500" fill="hold"/>
+                                        <p:tgtEl>
+                                          <p:spTgt spid="86"/>
+                                        </p:tgtEl>
+                                        <p:attrNameLst>
+                                          <p:attrName>style.rotation</p:attrName>
+                                        </p:attrNameLst>
+                                      </p:cBhvr>
+                                      <p:tavLst>
+                                        <p:tav tm="0">
+                                          <p:val>
+                                            <p:fltVal val="90"/>
+                                          </p:val>
+                                        </p:tav>
+                                        <p:tav tm="100000">
+                                          <p:val>
+                                            <p:fltVal val="0"/>
+                                          </p:val>
+                                        </p:tav>
+                                      </p:tavLst>
+                                    </p:anim>
+                                    <p:animEffect transition="in" filter="fade">
+                                      <p:cBhvr>
+                                        <p:cTn id="26" dur="500"/>
+                                        <p:tgtEl>
+                                          <p:spTgt spid="86"/>
+                                        </p:tgtEl>
+                                      </p:cBhvr>
+                                    </p:animEffect>
+                                  </p:childTnLst>
+                                </p:cTn>
+                              </p:par>
+                            </p:childTnLst>
+                          </p:cTn>
+                        </p:par>
+                      </p:childTnLst>
+                    </p:cTn>
+                  </p:par>
+                </p:childTnLst>
+              </p:cTn>
+              <p:prevCondLst>
+                <p:cond evt="onPrev" delay="0">
+                  <p:tgtEl>
+                    <p:sldTgt/>
+                  </p:tgtEl>
+                </p:cond>
+              </p:prevCondLst>
+              <p:nextCondLst>
+                <p:cond evt="onNext" delay="0">
+                  <p:tgtEl>
+                    <p:sldTgt/>
+                  </p:tgtEl>
+                </p:cond>
+              </p:nextCondLst>
+            </p:seq>
+          </p:childTnLst>
+        </p:cTn>
+      </p:par>
+    </p:tnLst>
+  </p:timing>
 </p:sld>
 </file>
 

--- a/emulsion-concentrates-short.pptx
+++ b/emulsion-concentrates-short.pptx
@@ -11323,9 +11323,6 @@
                     <p:cTn id="3" fill="hold">
                       <p:stCondLst>
                         <p:cond delay="indefinite"/>
-                        <p:cond evt="onBegin" delay="0">
-                          <p:tn val="2"/>
-                        </p:cond>
                       </p:stCondLst>
                       <p:childTnLst>
                         <p:par>
@@ -11335,7 +11332,7 @@
                             </p:stCondLst>
                             <p:childTnLst>
                               <p:par>
-                                <p:cTn id="5" presetID="31" presetClass="entr" presetSubtype="0" fill="hold" nodeType="afterEffect">
+                                <p:cTn id="5" presetID="31" presetClass="entr" presetSubtype="0" fill="hold" nodeType="clickEffect">
                                   <p:stCondLst>
                                     <p:cond delay="0"/>
                                   </p:stCondLst>
@@ -13730,15 +13727,6 @@
             <a:lstStyle/>
             <a:p>
               <a:r>
-                <a:rPr lang="en-US" sz="1400" dirty="0">
-                  <a:solidFill>
-                    <a:srgbClr val="5D7373"/>
-                  </a:solidFill>
-                  <a:latin typeface="Tw Cen MT" panose="020B0602020104020603" pitchFamily="34" charset="0"/>
-                </a:rPr>
-                <a:t> </a:t>
-              </a:r>
-              <a:r>
                 <a:rPr lang="en-US" sz="1400" dirty="0" err="1">
                   <a:solidFill>
                     <a:srgbClr val="5D7373"/>
@@ -14929,9 +14917,6 @@
                     <p:cTn id="3" fill="hold">
                       <p:stCondLst>
                         <p:cond delay="indefinite"/>
-                        <p:cond evt="onBegin" delay="0">
-                          <p:tn val="2"/>
-                        </p:cond>
                       </p:stCondLst>
                       <p:childTnLst>
                         <p:par>
@@ -14941,7 +14926,7 @@
                             </p:stCondLst>
                             <p:childTnLst>
                               <p:par>
-                                <p:cTn id="5" presetID="31" presetClass="entr" presetSubtype="0" fill="hold" nodeType="afterEffect">
+                                <p:cTn id="5" presetID="31" presetClass="entr" presetSubtype="0" fill="hold" nodeType="clickEffect">
                                   <p:stCondLst>
                                     <p:cond delay="0"/>
                                   </p:stCondLst>
@@ -18121,9 +18106,6 @@
                     <p:cTn id="3" fill="hold">
                       <p:stCondLst>
                         <p:cond delay="indefinite"/>
-                        <p:cond evt="onBegin" delay="0">
-                          <p:tn val="2"/>
-                        </p:cond>
                       </p:stCondLst>
                       <p:childTnLst>
                         <p:par>
@@ -18133,7 +18115,7 @@
                             </p:stCondLst>
                             <p:childTnLst>
                               <p:par>
-                                <p:cTn id="5" presetID="31" presetClass="entr" presetSubtype="0" fill="hold" nodeType="afterEffect">
+                                <p:cTn id="5" presetID="31" presetClass="entr" presetSubtype="0" fill="hold" nodeType="clickEffect">
                                   <p:stCondLst>
                                     <p:cond delay="0"/>
                                   </p:stCondLst>

--- a/emulsion-concentrates-short.pptx
+++ b/emulsion-concentrates-short.pptx
@@ -13556,7 +13556,7 @@
         </p:nvGrpSpPr>
         <p:grpSpPr>
           <a:xfrm>
-            <a:off x="3021802" y="520979"/>
+            <a:off x="4055905" y="482879"/>
             <a:ext cx="5772001" cy="1236861"/>
             <a:chOff x="764723" y="2142394"/>
             <a:chExt cx="5772001" cy="1236861"/>
@@ -14038,7 +14038,7 @@
         </p:nvGrpSpPr>
         <p:grpSpPr>
           <a:xfrm>
-            <a:off x="3062965" y="1949229"/>
+            <a:off x="4097068" y="1911129"/>
             <a:ext cx="3197225" cy="1452305"/>
             <a:chOff x="764723" y="2142394"/>
             <a:chExt cx="3197225" cy="1452305"/>
@@ -14367,7 +14367,7 @@
         </p:nvGrpSpPr>
         <p:grpSpPr>
           <a:xfrm>
-            <a:off x="3045815" y="3481033"/>
+            <a:off x="4079918" y="3442933"/>
             <a:ext cx="3197225" cy="662056"/>
             <a:chOff x="764723" y="2277144"/>
             <a:chExt cx="3197225" cy="662056"/>
@@ -14565,7 +14565,7 @@
         </p:nvGrpSpPr>
         <p:grpSpPr>
           <a:xfrm>
-            <a:off x="3040264" y="4530188"/>
+            <a:off x="4074367" y="4492088"/>
             <a:ext cx="5821489" cy="1883192"/>
             <a:chOff x="764723" y="2142394"/>
             <a:chExt cx="5821489" cy="1883192"/>
@@ -17150,7 +17150,7 @@
         </p:nvGrpSpPr>
         <p:grpSpPr>
           <a:xfrm>
-            <a:off x="3129163" y="705428"/>
+            <a:off x="3807343" y="705428"/>
             <a:ext cx="5067917" cy="805974"/>
             <a:chOff x="764723" y="2142394"/>
             <a:chExt cx="5067917" cy="805974"/>
@@ -17365,7 +17365,7 @@
         </p:nvGrpSpPr>
         <p:grpSpPr>
           <a:xfrm>
-            <a:off x="3159154" y="4157323"/>
+            <a:off x="3837334" y="4157323"/>
             <a:ext cx="2946729" cy="662056"/>
             <a:chOff x="764723" y="2277144"/>
             <a:chExt cx="2946729" cy="662056"/>
@@ -17540,7 +17540,7 @@
         </p:nvGrpSpPr>
         <p:grpSpPr>
           <a:xfrm>
-            <a:off x="3135330" y="3054664"/>
+            <a:off x="3813510" y="3054664"/>
             <a:ext cx="2916738" cy="662056"/>
             <a:chOff x="764723" y="2277144"/>
             <a:chExt cx="2916738" cy="662056"/>
@@ -17719,7 +17719,7 @@
         </p:nvGrpSpPr>
         <p:grpSpPr>
           <a:xfrm>
-            <a:off x="3159154" y="5259980"/>
+            <a:off x="3837334" y="5259980"/>
             <a:ext cx="2916738" cy="662056"/>
             <a:chOff x="764723" y="2277144"/>
             <a:chExt cx="2916738" cy="662056"/>
@@ -17880,7 +17880,7 @@
         </p:nvGrpSpPr>
         <p:grpSpPr>
           <a:xfrm>
-            <a:off x="3159154" y="1952005"/>
+            <a:off x="3837334" y="1952005"/>
             <a:ext cx="3335838" cy="662056"/>
             <a:chOff x="764723" y="2277144"/>
             <a:chExt cx="3335838" cy="662056"/>
@@ -23732,7 +23732,7 @@
         </p:nvGrpSpPr>
         <p:grpSpPr>
           <a:xfrm>
-            <a:off x="2037537" y="2006411"/>
+            <a:off x="2273757" y="2006411"/>
             <a:ext cx="2916738" cy="662056"/>
             <a:chOff x="764723" y="2277144"/>
             <a:chExt cx="2916738" cy="662056"/>
@@ -23911,7 +23911,7 @@
         </p:nvGrpSpPr>
         <p:grpSpPr>
           <a:xfrm>
-            <a:off x="2037537" y="3184166"/>
+            <a:off x="2273757" y="3184166"/>
             <a:ext cx="4113252" cy="662056"/>
             <a:chOff x="764723" y="2277144"/>
             <a:chExt cx="4113252" cy="662056"/>
@@ -24090,7 +24090,7 @@
         </p:nvGrpSpPr>
         <p:grpSpPr>
           <a:xfrm>
-            <a:off x="2062476" y="4350026"/>
+            <a:off x="2298696" y="4350026"/>
             <a:ext cx="2916738" cy="662056"/>
             <a:chOff x="764723" y="2277144"/>
             <a:chExt cx="2916738" cy="662056"/>
